--- a/포트폴리오/로또 번호 추첨기/로또 번호 추첨기 - 양화영.pptx
+++ b/포트폴리오/로또 번호 추첨기/로또 번호 추첨기 - 양화영.pptx
@@ -144,7 +144,7 @@
           <p:cNvPr id="2" name="제목 1">
             <a:extLst>
               <a:ext uri="{FF2B5EF4-FFF2-40B4-BE49-F238E27FC236}">
-                <a16:creationId xmlns="" xmlns:a16="http://schemas.microsoft.com/office/drawing/2014/main" id="{22112318-F619-4488-8B6E-2F5F2426A69A}"/>
+                <a16:creationId xmlns:a16="http://schemas.microsoft.com/office/drawing/2014/main" xmlns="" id="{22112318-F619-4488-8B6E-2F5F2426A69A}"/>
               </a:ext>
             </a:extLst>
           </p:cNvPr>
@@ -181,7 +181,7 @@
           <p:cNvPr id="3" name="부제목 2">
             <a:extLst>
               <a:ext uri="{FF2B5EF4-FFF2-40B4-BE49-F238E27FC236}">
-                <a16:creationId xmlns="" xmlns:a16="http://schemas.microsoft.com/office/drawing/2014/main" id="{E8BEE6BB-9A5F-4E9F-9F1C-6D46BE01A313}"/>
+                <a16:creationId xmlns:a16="http://schemas.microsoft.com/office/drawing/2014/main" xmlns="" id="{E8BEE6BB-9A5F-4E9F-9F1C-6D46BE01A313}"/>
               </a:ext>
             </a:extLst>
           </p:cNvPr>
@@ -251,7 +251,7 @@
           <p:cNvPr id="4" name="날짜 개체 틀 3">
             <a:extLst>
               <a:ext uri="{FF2B5EF4-FFF2-40B4-BE49-F238E27FC236}">
-                <a16:creationId xmlns="" xmlns:a16="http://schemas.microsoft.com/office/drawing/2014/main" id="{D2D9A51D-A948-4CB8-A9EB-5A26520C8EF0}"/>
+                <a16:creationId xmlns:a16="http://schemas.microsoft.com/office/drawing/2014/main" xmlns="" id="{D2D9A51D-A948-4CB8-A9EB-5A26520C8EF0}"/>
               </a:ext>
             </a:extLst>
           </p:cNvPr>
@@ -276,7 +276,7 @@
                 </a:solidFill>
               </a:rPr>
               <a:pPr/>
-              <a:t>2021-04-11</a:t>
+              <a:t>2021-04-12</a:t>
             </a:fld>
             <a:endParaRPr lang="ko-KR" altLang="en-US">
               <a:solidFill>
@@ -293,7 +293,7 @@
           <p:cNvPr id="5" name="바닥글 개체 틀 4">
             <a:extLst>
               <a:ext uri="{FF2B5EF4-FFF2-40B4-BE49-F238E27FC236}">
-                <a16:creationId xmlns="" xmlns:a16="http://schemas.microsoft.com/office/drawing/2014/main" id="{84374BBD-0B82-4658-B13D-088F0E4D078E}"/>
+                <a16:creationId xmlns:a16="http://schemas.microsoft.com/office/drawing/2014/main" xmlns="" id="{84374BBD-0B82-4658-B13D-088F0E4D078E}"/>
               </a:ext>
             </a:extLst>
           </p:cNvPr>
@@ -324,7 +324,7 @@
           <p:cNvPr id="6" name="슬라이드 번호 개체 틀 5">
             <a:extLst>
               <a:ext uri="{FF2B5EF4-FFF2-40B4-BE49-F238E27FC236}">
-                <a16:creationId xmlns="" xmlns:a16="http://schemas.microsoft.com/office/drawing/2014/main" id="{AB1AAA67-696A-4836-A10B-FF164C3AF889}"/>
+                <a16:creationId xmlns:a16="http://schemas.microsoft.com/office/drawing/2014/main" xmlns="" id="{AB1AAA67-696A-4836-A10B-FF164C3AF889}"/>
               </a:ext>
             </a:extLst>
           </p:cNvPr>
@@ -396,7 +396,7 @@
           <p:cNvPr id="2" name="제목 1">
             <a:extLst>
               <a:ext uri="{FF2B5EF4-FFF2-40B4-BE49-F238E27FC236}">
-                <a16:creationId xmlns="" xmlns:a16="http://schemas.microsoft.com/office/drawing/2014/main" id="{3C43AEE1-28CA-46D2-81F5-CD34E4F9E583}"/>
+                <a16:creationId xmlns:a16="http://schemas.microsoft.com/office/drawing/2014/main" xmlns="" id="{3C43AEE1-28CA-46D2-81F5-CD34E4F9E583}"/>
               </a:ext>
             </a:extLst>
           </p:cNvPr>
@@ -424,7 +424,7 @@
           <p:cNvPr id="3" name="세로 텍스트 개체 틀 2">
             <a:extLst>
               <a:ext uri="{FF2B5EF4-FFF2-40B4-BE49-F238E27FC236}">
-                <a16:creationId xmlns="" xmlns:a16="http://schemas.microsoft.com/office/drawing/2014/main" id="{C738FEC2-4BF0-4A45-9297-EE9B2E45E5CC}"/>
+                <a16:creationId xmlns:a16="http://schemas.microsoft.com/office/drawing/2014/main" xmlns="" id="{C738FEC2-4BF0-4A45-9297-EE9B2E45E5CC}"/>
               </a:ext>
             </a:extLst>
           </p:cNvPr>
@@ -481,7 +481,7 @@
           <p:cNvPr id="4" name="날짜 개체 틀 3">
             <a:extLst>
               <a:ext uri="{FF2B5EF4-FFF2-40B4-BE49-F238E27FC236}">
-                <a16:creationId xmlns="" xmlns:a16="http://schemas.microsoft.com/office/drawing/2014/main" id="{2BEDBAD0-D342-4544-94B8-122B3BDBF705}"/>
+                <a16:creationId xmlns:a16="http://schemas.microsoft.com/office/drawing/2014/main" xmlns="" id="{2BEDBAD0-D342-4544-94B8-122B3BDBF705}"/>
               </a:ext>
             </a:extLst>
           </p:cNvPr>
@@ -506,7 +506,7 @@
                 </a:solidFill>
               </a:rPr>
               <a:pPr/>
-              <a:t>2021-04-11</a:t>
+              <a:t>2021-04-12</a:t>
             </a:fld>
             <a:endParaRPr lang="ko-KR" altLang="en-US">
               <a:solidFill>
@@ -523,7 +523,7 @@
           <p:cNvPr id="5" name="바닥글 개체 틀 4">
             <a:extLst>
               <a:ext uri="{FF2B5EF4-FFF2-40B4-BE49-F238E27FC236}">
-                <a16:creationId xmlns="" xmlns:a16="http://schemas.microsoft.com/office/drawing/2014/main" id="{1D70FE0D-ACBA-4806-9F35-4EB786E865FE}"/>
+                <a16:creationId xmlns:a16="http://schemas.microsoft.com/office/drawing/2014/main" xmlns="" id="{1D70FE0D-ACBA-4806-9F35-4EB786E865FE}"/>
               </a:ext>
             </a:extLst>
           </p:cNvPr>
@@ -554,7 +554,7 @@
           <p:cNvPr id="6" name="슬라이드 번호 개체 틀 5">
             <a:extLst>
               <a:ext uri="{FF2B5EF4-FFF2-40B4-BE49-F238E27FC236}">
-                <a16:creationId xmlns="" xmlns:a16="http://schemas.microsoft.com/office/drawing/2014/main" id="{A7F3119A-4AE1-408F-B8AD-4428B0060B24}"/>
+                <a16:creationId xmlns:a16="http://schemas.microsoft.com/office/drawing/2014/main" xmlns="" id="{A7F3119A-4AE1-408F-B8AD-4428B0060B24}"/>
               </a:ext>
             </a:extLst>
           </p:cNvPr>
@@ -626,7 +626,7 @@
           <p:cNvPr id="2" name="세로 제목 1">
             <a:extLst>
               <a:ext uri="{FF2B5EF4-FFF2-40B4-BE49-F238E27FC236}">
-                <a16:creationId xmlns="" xmlns:a16="http://schemas.microsoft.com/office/drawing/2014/main" id="{F0B3D2AB-E650-41C2-B6FB-5398A5C19680}"/>
+                <a16:creationId xmlns:a16="http://schemas.microsoft.com/office/drawing/2014/main" xmlns="" id="{F0B3D2AB-E650-41C2-B6FB-5398A5C19680}"/>
               </a:ext>
             </a:extLst>
           </p:cNvPr>
@@ -659,7 +659,7 @@
           <p:cNvPr id="3" name="세로 텍스트 개체 틀 2">
             <a:extLst>
               <a:ext uri="{FF2B5EF4-FFF2-40B4-BE49-F238E27FC236}">
-                <a16:creationId xmlns="" xmlns:a16="http://schemas.microsoft.com/office/drawing/2014/main" id="{992D6516-8F93-4221-97F7-E01D89EE517D}"/>
+                <a16:creationId xmlns:a16="http://schemas.microsoft.com/office/drawing/2014/main" xmlns="" id="{992D6516-8F93-4221-97F7-E01D89EE517D}"/>
               </a:ext>
             </a:extLst>
           </p:cNvPr>
@@ -721,7 +721,7 @@
           <p:cNvPr id="4" name="날짜 개체 틀 3">
             <a:extLst>
               <a:ext uri="{FF2B5EF4-FFF2-40B4-BE49-F238E27FC236}">
-                <a16:creationId xmlns="" xmlns:a16="http://schemas.microsoft.com/office/drawing/2014/main" id="{8D86CB26-A349-496A-B48B-A7B891172236}"/>
+                <a16:creationId xmlns:a16="http://schemas.microsoft.com/office/drawing/2014/main" xmlns="" id="{8D86CB26-A349-496A-B48B-A7B891172236}"/>
               </a:ext>
             </a:extLst>
           </p:cNvPr>
@@ -746,7 +746,7 @@
                 </a:solidFill>
               </a:rPr>
               <a:pPr/>
-              <a:t>2021-04-11</a:t>
+              <a:t>2021-04-12</a:t>
             </a:fld>
             <a:endParaRPr lang="ko-KR" altLang="en-US">
               <a:solidFill>
@@ -763,7 +763,7 @@
           <p:cNvPr id="5" name="바닥글 개체 틀 4">
             <a:extLst>
               <a:ext uri="{FF2B5EF4-FFF2-40B4-BE49-F238E27FC236}">
-                <a16:creationId xmlns="" xmlns:a16="http://schemas.microsoft.com/office/drawing/2014/main" id="{C2E726FD-A739-41D5-96BA-4670363928CF}"/>
+                <a16:creationId xmlns:a16="http://schemas.microsoft.com/office/drawing/2014/main" xmlns="" id="{C2E726FD-A739-41D5-96BA-4670363928CF}"/>
               </a:ext>
             </a:extLst>
           </p:cNvPr>
@@ -794,7 +794,7 @@
           <p:cNvPr id="6" name="슬라이드 번호 개체 틀 5">
             <a:extLst>
               <a:ext uri="{FF2B5EF4-FFF2-40B4-BE49-F238E27FC236}">
-                <a16:creationId xmlns="" xmlns:a16="http://schemas.microsoft.com/office/drawing/2014/main" id="{60FAE18D-FED5-4070-8B76-811D76CCECC9}"/>
+                <a16:creationId xmlns:a16="http://schemas.microsoft.com/office/drawing/2014/main" xmlns="" id="{60FAE18D-FED5-4070-8B76-811D76CCECC9}"/>
               </a:ext>
             </a:extLst>
           </p:cNvPr>
@@ -866,7 +866,7 @@
           <p:cNvPr id="2" name="제목 1">
             <a:extLst>
               <a:ext uri="{FF2B5EF4-FFF2-40B4-BE49-F238E27FC236}">
-                <a16:creationId xmlns="" xmlns:a16="http://schemas.microsoft.com/office/drawing/2014/main" id="{5CC6958D-28E5-4CC8-8C48-52A02A1BC426}"/>
+                <a16:creationId xmlns:a16="http://schemas.microsoft.com/office/drawing/2014/main" xmlns="" id="{5CC6958D-28E5-4CC8-8C48-52A02A1BC426}"/>
               </a:ext>
             </a:extLst>
           </p:cNvPr>
@@ -894,7 +894,7 @@
           <p:cNvPr id="3" name="내용 개체 틀 2">
             <a:extLst>
               <a:ext uri="{FF2B5EF4-FFF2-40B4-BE49-F238E27FC236}">
-                <a16:creationId xmlns="" xmlns:a16="http://schemas.microsoft.com/office/drawing/2014/main" id="{E8E03031-827B-4AC7-B564-384C16177476}"/>
+                <a16:creationId xmlns:a16="http://schemas.microsoft.com/office/drawing/2014/main" xmlns="" id="{E8E03031-827B-4AC7-B564-384C16177476}"/>
               </a:ext>
             </a:extLst>
           </p:cNvPr>
@@ -951,7 +951,7 @@
           <p:cNvPr id="4" name="날짜 개체 틀 3">
             <a:extLst>
               <a:ext uri="{FF2B5EF4-FFF2-40B4-BE49-F238E27FC236}">
-                <a16:creationId xmlns="" xmlns:a16="http://schemas.microsoft.com/office/drawing/2014/main" id="{11C19838-69C9-49EB-9B51-549106E9B8DE}"/>
+                <a16:creationId xmlns:a16="http://schemas.microsoft.com/office/drawing/2014/main" xmlns="" id="{11C19838-69C9-49EB-9B51-549106E9B8DE}"/>
               </a:ext>
             </a:extLst>
           </p:cNvPr>
@@ -976,7 +976,7 @@
                 </a:solidFill>
               </a:rPr>
               <a:pPr/>
-              <a:t>2021-04-11</a:t>
+              <a:t>2021-04-12</a:t>
             </a:fld>
             <a:endParaRPr lang="ko-KR" altLang="en-US">
               <a:solidFill>
@@ -993,7 +993,7 @@
           <p:cNvPr id="5" name="바닥글 개체 틀 4">
             <a:extLst>
               <a:ext uri="{FF2B5EF4-FFF2-40B4-BE49-F238E27FC236}">
-                <a16:creationId xmlns="" xmlns:a16="http://schemas.microsoft.com/office/drawing/2014/main" id="{3C26852C-90C9-4502-A697-363CF824CFD0}"/>
+                <a16:creationId xmlns:a16="http://schemas.microsoft.com/office/drawing/2014/main" xmlns="" id="{3C26852C-90C9-4502-A697-363CF824CFD0}"/>
               </a:ext>
             </a:extLst>
           </p:cNvPr>
@@ -1024,7 +1024,7 @@
           <p:cNvPr id="6" name="슬라이드 번호 개체 틀 5">
             <a:extLst>
               <a:ext uri="{FF2B5EF4-FFF2-40B4-BE49-F238E27FC236}">
-                <a16:creationId xmlns="" xmlns:a16="http://schemas.microsoft.com/office/drawing/2014/main" id="{DF7509D0-CCBD-406A-9D4E-6845657BBAED}"/>
+                <a16:creationId xmlns:a16="http://schemas.microsoft.com/office/drawing/2014/main" xmlns="" id="{DF7509D0-CCBD-406A-9D4E-6845657BBAED}"/>
               </a:ext>
             </a:extLst>
           </p:cNvPr>
@@ -1096,7 +1096,7 @@
           <p:cNvPr id="2" name="제목 1">
             <a:extLst>
               <a:ext uri="{FF2B5EF4-FFF2-40B4-BE49-F238E27FC236}">
-                <a16:creationId xmlns="" xmlns:a16="http://schemas.microsoft.com/office/drawing/2014/main" id="{6CEF73EF-188B-4B17-B08F-D30E80C308D0}"/>
+                <a16:creationId xmlns:a16="http://schemas.microsoft.com/office/drawing/2014/main" xmlns="" id="{6CEF73EF-188B-4B17-B08F-D30E80C308D0}"/>
               </a:ext>
             </a:extLst>
           </p:cNvPr>
@@ -1133,7 +1133,7 @@
           <p:cNvPr id="3" name="텍스트 개체 틀 2">
             <a:extLst>
               <a:ext uri="{FF2B5EF4-FFF2-40B4-BE49-F238E27FC236}">
-                <a16:creationId xmlns="" xmlns:a16="http://schemas.microsoft.com/office/drawing/2014/main" id="{DD7DD2CA-F9BF-47A8-9D27-757556FD1CEE}"/>
+                <a16:creationId xmlns:a16="http://schemas.microsoft.com/office/drawing/2014/main" xmlns="" id="{DD7DD2CA-F9BF-47A8-9D27-757556FD1CEE}"/>
               </a:ext>
             </a:extLst>
           </p:cNvPr>
@@ -1258,7 +1258,7 @@
           <p:cNvPr id="4" name="날짜 개체 틀 3">
             <a:extLst>
               <a:ext uri="{FF2B5EF4-FFF2-40B4-BE49-F238E27FC236}">
-                <a16:creationId xmlns="" xmlns:a16="http://schemas.microsoft.com/office/drawing/2014/main" id="{DE78A1FB-ABBF-480D-AC6C-9BB1AEF9789B}"/>
+                <a16:creationId xmlns:a16="http://schemas.microsoft.com/office/drawing/2014/main" xmlns="" id="{DE78A1FB-ABBF-480D-AC6C-9BB1AEF9789B}"/>
               </a:ext>
             </a:extLst>
           </p:cNvPr>
@@ -1283,7 +1283,7 @@
                 </a:solidFill>
               </a:rPr>
               <a:pPr/>
-              <a:t>2021-04-11</a:t>
+              <a:t>2021-04-12</a:t>
             </a:fld>
             <a:endParaRPr lang="ko-KR" altLang="en-US">
               <a:solidFill>
@@ -1300,7 +1300,7 @@
           <p:cNvPr id="5" name="바닥글 개체 틀 4">
             <a:extLst>
               <a:ext uri="{FF2B5EF4-FFF2-40B4-BE49-F238E27FC236}">
-                <a16:creationId xmlns="" xmlns:a16="http://schemas.microsoft.com/office/drawing/2014/main" id="{6384247E-1D11-4A19-BDDF-E157A205B45F}"/>
+                <a16:creationId xmlns:a16="http://schemas.microsoft.com/office/drawing/2014/main" xmlns="" id="{6384247E-1D11-4A19-BDDF-E157A205B45F}"/>
               </a:ext>
             </a:extLst>
           </p:cNvPr>
@@ -1331,7 +1331,7 @@
           <p:cNvPr id="6" name="슬라이드 번호 개체 틀 5">
             <a:extLst>
               <a:ext uri="{FF2B5EF4-FFF2-40B4-BE49-F238E27FC236}">
-                <a16:creationId xmlns="" xmlns:a16="http://schemas.microsoft.com/office/drawing/2014/main" id="{124EC815-B6FC-4BDE-910C-F8015ED4AD75}"/>
+                <a16:creationId xmlns:a16="http://schemas.microsoft.com/office/drawing/2014/main" xmlns="" id="{124EC815-B6FC-4BDE-910C-F8015ED4AD75}"/>
               </a:ext>
             </a:extLst>
           </p:cNvPr>
@@ -1403,7 +1403,7 @@
           <p:cNvPr id="2" name="제목 1">
             <a:extLst>
               <a:ext uri="{FF2B5EF4-FFF2-40B4-BE49-F238E27FC236}">
-                <a16:creationId xmlns="" xmlns:a16="http://schemas.microsoft.com/office/drawing/2014/main" id="{B4DAEB91-29AA-4ACC-BDCF-960470FCA5A1}"/>
+                <a16:creationId xmlns:a16="http://schemas.microsoft.com/office/drawing/2014/main" xmlns="" id="{B4DAEB91-29AA-4ACC-BDCF-960470FCA5A1}"/>
               </a:ext>
             </a:extLst>
           </p:cNvPr>
@@ -1431,7 +1431,7 @@
           <p:cNvPr id="3" name="내용 개체 틀 2">
             <a:extLst>
               <a:ext uri="{FF2B5EF4-FFF2-40B4-BE49-F238E27FC236}">
-                <a16:creationId xmlns="" xmlns:a16="http://schemas.microsoft.com/office/drawing/2014/main" id="{256B0E51-7DC0-45B6-8306-D8167F5CB7C8}"/>
+                <a16:creationId xmlns:a16="http://schemas.microsoft.com/office/drawing/2014/main" xmlns="" id="{256B0E51-7DC0-45B6-8306-D8167F5CB7C8}"/>
               </a:ext>
             </a:extLst>
           </p:cNvPr>
@@ -1493,7 +1493,7 @@
           <p:cNvPr id="4" name="내용 개체 틀 3">
             <a:extLst>
               <a:ext uri="{FF2B5EF4-FFF2-40B4-BE49-F238E27FC236}">
-                <a16:creationId xmlns="" xmlns:a16="http://schemas.microsoft.com/office/drawing/2014/main" id="{F7CB78CC-8798-4261-B4B1-60B4C54377A7}"/>
+                <a16:creationId xmlns:a16="http://schemas.microsoft.com/office/drawing/2014/main" xmlns="" id="{F7CB78CC-8798-4261-B4B1-60B4C54377A7}"/>
               </a:ext>
             </a:extLst>
           </p:cNvPr>
@@ -1555,7 +1555,7 @@
           <p:cNvPr id="5" name="날짜 개체 틀 4">
             <a:extLst>
               <a:ext uri="{FF2B5EF4-FFF2-40B4-BE49-F238E27FC236}">
-                <a16:creationId xmlns="" xmlns:a16="http://schemas.microsoft.com/office/drawing/2014/main" id="{79594384-5734-4FC8-928A-E1641354A126}"/>
+                <a16:creationId xmlns:a16="http://schemas.microsoft.com/office/drawing/2014/main" xmlns="" id="{79594384-5734-4FC8-928A-E1641354A126}"/>
               </a:ext>
             </a:extLst>
           </p:cNvPr>
@@ -1580,7 +1580,7 @@
                 </a:solidFill>
               </a:rPr>
               <a:pPr/>
-              <a:t>2021-04-11</a:t>
+              <a:t>2021-04-12</a:t>
             </a:fld>
             <a:endParaRPr lang="ko-KR" altLang="en-US">
               <a:solidFill>
@@ -1597,7 +1597,7 @@
           <p:cNvPr id="6" name="바닥글 개체 틀 5">
             <a:extLst>
               <a:ext uri="{FF2B5EF4-FFF2-40B4-BE49-F238E27FC236}">
-                <a16:creationId xmlns="" xmlns:a16="http://schemas.microsoft.com/office/drawing/2014/main" id="{282301C0-6908-48C0-8957-C8B3F4594C5A}"/>
+                <a16:creationId xmlns:a16="http://schemas.microsoft.com/office/drawing/2014/main" xmlns="" id="{282301C0-6908-48C0-8957-C8B3F4594C5A}"/>
               </a:ext>
             </a:extLst>
           </p:cNvPr>
@@ -1628,7 +1628,7 @@
           <p:cNvPr id="7" name="슬라이드 번호 개체 틀 6">
             <a:extLst>
               <a:ext uri="{FF2B5EF4-FFF2-40B4-BE49-F238E27FC236}">
-                <a16:creationId xmlns="" xmlns:a16="http://schemas.microsoft.com/office/drawing/2014/main" id="{507DD8FE-7741-412F-947D-7A7079F48607}"/>
+                <a16:creationId xmlns:a16="http://schemas.microsoft.com/office/drawing/2014/main" xmlns="" id="{507DD8FE-7741-412F-947D-7A7079F48607}"/>
               </a:ext>
             </a:extLst>
           </p:cNvPr>
@@ -1700,7 +1700,7 @@
           <p:cNvPr id="2" name="제목 1">
             <a:extLst>
               <a:ext uri="{FF2B5EF4-FFF2-40B4-BE49-F238E27FC236}">
-                <a16:creationId xmlns="" xmlns:a16="http://schemas.microsoft.com/office/drawing/2014/main" id="{BBD6DFD1-B640-4CC6-A759-6C7981C5CD61}"/>
+                <a16:creationId xmlns:a16="http://schemas.microsoft.com/office/drawing/2014/main" xmlns="" id="{BBD6DFD1-B640-4CC6-A759-6C7981C5CD61}"/>
               </a:ext>
             </a:extLst>
           </p:cNvPr>
@@ -1733,7 +1733,7 @@
           <p:cNvPr id="3" name="텍스트 개체 틀 2">
             <a:extLst>
               <a:ext uri="{FF2B5EF4-FFF2-40B4-BE49-F238E27FC236}">
-                <a16:creationId xmlns="" xmlns:a16="http://schemas.microsoft.com/office/drawing/2014/main" id="{25B2A237-7572-46BD-9502-829F6C0AD4F8}"/>
+                <a16:creationId xmlns:a16="http://schemas.microsoft.com/office/drawing/2014/main" xmlns="" id="{25B2A237-7572-46BD-9502-829F6C0AD4F8}"/>
               </a:ext>
             </a:extLst>
           </p:cNvPr>
@@ -1804,7 +1804,7 @@
           <p:cNvPr id="4" name="내용 개체 틀 3">
             <a:extLst>
               <a:ext uri="{FF2B5EF4-FFF2-40B4-BE49-F238E27FC236}">
-                <a16:creationId xmlns="" xmlns:a16="http://schemas.microsoft.com/office/drawing/2014/main" id="{81AE9732-B570-4506-BDA6-0AB39D453684}"/>
+                <a16:creationId xmlns:a16="http://schemas.microsoft.com/office/drawing/2014/main" xmlns="" id="{81AE9732-B570-4506-BDA6-0AB39D453684}"/>
               </a:ext>
             </a:extLst>
           </p:cNvPr>
@@ -1866,7 +1866,7 @@
           <p:cNvPr id="5" name="텍스트 개체 틀 4">
             <a:extLst>
               <a:ext uri="{FF2B5EF4-FFF2-40B4-BE49-F238E27FC236}">
-                <a16:creationId xmlns="" xmlns:a16="http://schemas.microsoft.com/office/drawing/2014/main" id="{A289407D-7DA6-4293-A426-38DF9B21160E}"/>
+                <a16:creationId xmlns:a16="http://schemas.microsoft.com/office/drawing/2014/main" xmlns="" id="{A289407D-7DA6-4293-A426-38DF9B21160E}"/>
               </a:ext>
             </a:extLst>
           </p:cNvPr>
@@ -1937,7 +1937,7 @@
           <p:cNvPr id="6" name="내용 개체 틀 5">
             <a:extLst>
               <a:ext uri="{FF2B5EF4-FFF2-40B4-BE49-F238E27FC236}">
-                <a16:creationId xmlns="" xmlns:a16="http://schemas.microsoft.com/office/drawing/2014/main" id="{F239549F-370A-4671-B1BB-79655CC6CB8C}"/>
+                <a16:creationId xmlns:a16="http://schemas.microsoft.com/office/drawing/2014/main" xmlns="" id="{F239549F-370A-4671-B1BB-79655CC6CB8C}"/>
               </a:ext>
             </a:extLst>
           </p:cNvPr>
@@ -1999,7 +1999,7 @@
           <p:cNvPr id="7" name="날짜 개체 틀 6">
             <a:extLst>
               <a:ext uri="{FF2B5EF4-FFF2-40B4-BE49-F238E27FC236}">
-                <a16:creationId xmlns="" xmlns:a16="http://schemas.microsoft.com/office/drawing/2014/main" id="{A86D9E62-97AA-41F8-B69B-6CD691CF0E2A}"/>
+                <a16:creationId xmlns:a16="http://schemas.microsoft.com/office/drawing/2014/main" xmlns="" id="{A86D9E62-97AA-41F8-B69B-6CD691CF0E2A}"/>
               </a:ext>
             </a:extLst>
           </p:cNvPr>
@@ -2024,7 +2024,7 @@
                 </a:solidFill>
               </a:rPr>
               <a:pPr/>
-              <a:t>2021-04-11</a:t>
+              <a:t>2021-04-12</a:t>
             </a:fld>
             <a:endParaRPr lang="ko-KR" altLang="en-US">
               <a:solidFill>
@@ -2041,7 +2041,7 @@
           <p:cNvPr id="8" name="바닥글 개체 틀 7">
             <a:extLst>
               <a:ext uri="{FF2B5EF4-FFF2-40B4-BE49-F238E27FC236}">
-                <a16:creationId xmlns="" xmlns:a16="http://schemas.microsoft.com/office/drawing/2014/main" id="{F41D3FC0-561B-4DE4-AA99-9DB56EC6B344}"/>
+                <a16:creationId xmlns:a16="http://schemas.microsoft.com/office/drawing/2014/main" xmlns="" id="{F41D3FC0-561B-4DE4-AA99-9DB56EC6B344}"/>
               </a:ext>
             </a:extLst>
           </p:cNvPr>
@@ -2072,7 +2072,7 @@
           <p:cNvPr id="9" name="슬라이드 번호 개체 틀 8">
             <a:extLst>
               <a:ext uri="{FF2B5EF4-FFF2-40B4-BE49-F238E27FC236}">
-                <a16:creationId xmlns="" xmlns:a16="http://schemas.microsoft.com/office/drawing/2014/main" id="{AD0040F2-99C5-450C-9966-5D00290EBF69}"/>
+                <a16:creationId xmlns:a16="http://schemas.microsoft.com/office/drawing/2014/main" xmlns="" id="{AD0040F2-99C5-450C-9966-5D00290EBF69}"/>
               </a:ext>
             </a:extLst>
           </p:cNvPr>
@@ -2144,7 +2144,7 @@
           <p:cNvPr id="2" name="제목 1">
             <a:extLst>
               <a:ext uri="{FF2B5EF4-FFF2-40B4-BE49-F238E27FC236}">
-                <a16:creationId xmlns="" xmlns:a16="http://schemas.microsoft.com/office/drawing/2014/main" id="{C6E337C1-8281-4F6E-9A31-EBE388C3C82F}"/>
+                <a16:creationId xmlns:a16="http://schemas.microsoft.com/office/drawing/2014/main" xmlns="" id="{C6E337C1-8281-4F6E-9A31-EBE388C3C82F}"/>
               </a:ext>
             </a:extLst>
           </p:cNvPr>
@@ -2172,7 +2172,7 @@
           <p:cNvPr id="3" name="날짜 개체 틀 2">
             <a:extLst>
               <a:ext uri="{FF2B5EF4-FFF2-40B4-BE49-F238E27FC236}">
-                <a16:creationId xmlns="" xmlns:a16="http://schemas.microsoft.com/office/drawing/2014/main" id="{00EA4B32-9135-4223-8DE6-887D2743405B}"/>
+                <a16:creationId xmlns:a16="http://schemas.microsoft.com/office/drawing/2014/main" xmlns="" id="{00EA4B32-9135-4223-8DE6-887D2743405B}"/>
               </a:ext>
             </a:extLst>
           </p:cNvPr>
@@ -2197,7 +2197,7 @@
                 </a:solidFill>
               </a:rPr>
               <a:pPr/>
-              <a:t>2021-04-11</a:t>
+              <a:t>2021-04-12</a:t>
             </a:fld>
             <a:endParaRPr lang="ko-KR" altLang="en-US">
               <a:solidFill>
@@ -2214,7 +2214,7 @@
           <p:cNvPr id="4" name="바닥글 개체 틀 3">
             <a:extLst>
               <a:ext uri="{FF2B5EF4-FFF2-40B4-BE49-F238E27FC236}">
-                <a16:creationId xmlns="" xmlns:a16="http://schemas.microsoft.com/office/drawing/2014/main" id="{9407FC83-8D70-48DB-8681-08CFD9C0DA58}"/>
+                <a16:creationId xmlns:a16="http://schemas.microsoft.com/office/drawing/2014/main" xmlns="" id="{9407FC83-8D70-48DB-8681-08CFD9C0DA58}"/>
               </a:ext>
             </a:extLst>
           </p:cNvPr>
@@ -2245,7 +2245,7 @@
           <p:cNvPr id="5" name="슬라이드 번호 개체 틀 4">
             <a:extLst>
               <a:ext uri="{FF2B5EF4-FFF2-40B4-BE49-F238E27FC236}">
-                <a16:creationId xmlns="" xmlns:a16="http://schemas.microsoft.com/office/drawing/2014/main" id="{A8FC15EC-BCCB-4B82-A94C-FABC63DF674F}"/>
+                <a16:creationId xmlns:a16="http://schemas.microsoft.com/office/drawing/2014/main" xmlns="" id="{A8FC15EC-BCCB-4B82-A94C-FABC63DF674F}"/>
               </a:ext>
             </a:extLst>
           </p:cNvPr>
@@ -2317,7 +2317,7 @@
           <p:cNvPr id="2" name="날짜 개체 틀 1">
             <a:extLst>
               <a:ext uri="{FF2B5EF4-FFF2-40B4-BE49-F238E27FC236}">
-                <a16:creationId xmlns="" xmlns:a16="http://schemas.microsoft.com/office/drawing/2014/main" id="{2B9F9692-5462-4439-80C8-B7E337FC9AC3}"/>
+                <a16:creationId xmlns:a16="http://schemas.microsoft.com/office/drawing/2014/main" xmlns="" id="{2B9F9692-5462-4439-80C8-B7E337FC9AC3}"/>
               </a:ext>
             </a:extLst>
           </p:cNvPr>
@@ -2342,7 +2342,7 @@
                 </a:solidFill>
               </a:rPr>
               <a:pPr/>
-              <a:t>2021-04-11</a:t>
+              <a:t>2021-04-12</a:t>
             </a:fld>
             <a:endParaRPr lang="ko-KR" altLang="en-US">
               <a:solidFill>
@@ -2359,7 +2359,7 @@
           <p:cNvPr id="3" name="바닥글 개체 틀 2">
             <a:extLst>
               <a:ext uri="{FF2B5EF4-FFF2-40B4-BE49-F238E27FC236}">
-                <a16:creationId xmlns="" xmlns:a16="http://schemas.microsoft.com/office/drawing/2014/main" id="{94CA042D-EBC0-437C-A819-521611A545F2}"/>
+                <a16:creationId xmlns:a16="http://schemas.microsoft.com/office/drawing/2014/main" xmlns="" id="{94CA042D-EBC0-437C-A819-521611A545F2}"/>
               </a:ext>
             </a:extLst>
           </p:cNvPr>
@@ -2390,7 +2390,7 @@
           <p:cNvPr id="4" name="슬라이드 번호 개체 틀 3">
             <a:extLst>
               <a:ext uri="{FF2B5EF4-FFF2-40B4-BE49-F238E27FC236}">
-                <a16:creationId xmlns="" xmlns:a16="http://schemas.microsoft.com/office/drawing/2014/main" id="{A2415CDA-0D1F-49BD-8381-21C3BEFD5A98}"/>
+                <a16:creationId xmlns:a16="http://schemas.microsoft.com/office/drawing/2014/main" xmlns="" id="{A2415CDA-0D1F-49BD-8381-21C3BEFD5A98}"/>
               </a:ext>
             </a:extLst>
           </p:cNvPr>
@@ -2462,7 +2462,7 @@
           <p:cNvPr id="2" name="제목 1">
             <a:extLst>
               <a:ext uri="{FF2B5EF4-FFF2-40B4-BE49-F238E27FC236}">
-                <a16:creationId xmlns="" xmlns:a16="http://schemas.microsoft.com/office/drawing/2014/main" id="{2A6F10D4-8D29-48C2-ADF0-92316E2C8E4E}"/>
+                <a16:creationId xmlns:a16="http://schemas.microsoft.com/office/drawing/2014/main" xmlns="" id="{2A6F10D4-8D29-48C2-ADF0-92316E2C8E4E}"/>
               </a:ext>
             </a:extLst>
           </p:cNvPr>
@@ -2499,7 +2499,7 @@
           <p:cNvPr id="3" name="내용 개체 틀 2">
             <a:extLst>
               <a:ext uri="{FF2B5EF4-FFF2-40B4-BE49-F238E27FC236}">
-                <a16:creationId xmlns="" xmlns:a16="http://schemas.microsoft.com/office/drawing/2014/main" id="{BBBA3CD3-DE79-4260-873A-FEDE5C678F80}"/>
+                <a16:creationId xmlns:a16="http://schemas.microsoft.com/office/drawing/2014/main" xmlns="" id="{BBBA3CD3-DE79-4260-873A-FEDE5C678F80}"/>
               </a:ext>
             </a:extLst>
           </p:cNvPr>
@@ -2589,7 +2589,7 @@
           <p:cNvPr id="4" name="텍스트 개체 틀 3">
             <a:extLst>
               <a:ext uri="{FF2B5EF4-FFF2-40B4-BE49-F238E27FC236}">
-                <a16:creationId xmlns="" xmlns:a16="http://schemas.microsoft.com/office/drawing/2014/main" id="{319C6BD2-52A1-4155-9D55-1D847772EA8C}"/>
+                <a16:creationId xmlns:a16="http://schemas.microsoft.com/office/drawing/2014/main" xmlns="" id="{319C6BD2-52A1-4155-9D55-1D847772EA8C}"/>
               </a:ext>
             </a:extLst>
           </p:cNvPr>
@@ -2660,7 +2660,7 @@
           <p:cNvPr id="5" name="날짜 개체 틀 4">
             <a:extLst>
               <a:ext uri="{FF2B5EF4-FFF2-40B4-BE49-F238E27FC236}">
-                <a16:creationId xmlns="" xmlns:a16="http://schemas.microsoft.com/office/drawing/2014/main" id="{982A3511-0B13-4D97-937C-07365FBADAEA}"/>
+                <a16:creationId xmlns:a16="http://schemas.microsoft.com/office/drawing/2014/main" xmlns="" id="{982A3511-0B13-4D97-937C-07365FBADAEA}"/>
               </a:ext>
             </a:extLst>
           </p:cNvPr>
@@ -2685,7 +2685,7 @@
                 </a:solidFill>
               </a:rPr>
               <a:pPr/>
-              <a:t>2021-04-11</a:t>
+              <a:t>2021-04-12</a:t>
             </a:fld>
             <a:endParaRPr lang="ko-KR" altLang="en-US">
               <a:solidFill>
@@ -2702,7 +2702,7 @@
           <p:cNvPr id="6" name="바닥글 개체 틀 5">
             <a:extLst>
               <a:ext uri="{FF2B5EF4-FFF2-40B4-BE49-F238E27FC236}">
-                <a16:creationId xmlns="" xmlns:a16="http://schemas.microsoft.com/office/drawing/2014/main" id="{54C805B4-20AF-4A3C-B131-E1D9FFBB024D}"/>
+                <a16:creationId xmlns:a16="http://schemas.microsoft.com/office/drawing/2014/main" xmlns="" id="{54C805B4-20AF-4A3C-B131-E1D9FFBB024D}"/>
               </a:ext>
             </a:extLst>
           </p:cNvPr>
@@ -2733,7 +2733,7 @@
           <p:cNvPr id="7" name="슬라이드 번호 개체 틀 6">
             <a:extLst>
               <a:ext uri="{FF2B5EF4-FFF2-40B4-BE49-F238E27FC236}">
-                <a16:creationId xmlns="" xmlns:a16="http://schemas.microsoft.com/office/drawing/2014/main" id="{89C705FC-2895-472A-B6FD-C2434624BB3B}"/>
+                <a16:creationId xmlns:a16="http://schemas.microsoft.com/office/drawing/2014/main" xmlns="" id="{89C705FC-2895-472A-B6FD-C2434624BB3B}"/>
               </a:ext>
             </a:extLst>
           </p:cNvPr>
@@ -2805,7 +2805,7 @@
           <p:cNvPr id="2" name="제목 1">
             <a:extLst>
               <a:ext uri="{FF2B5EF4-FFF2-40B4-BE49-F238E27FC236}">
-                <a16:creationId xmlns="" xmlns:a16="http://schemas.microsoft.com/office/drawing/2014/main" id="{4C00D820-915B-4802-8C2E-FF7CA967E012}"/>
+                <a16:creationId xmlns:a16="http://schemas.microsoft.com/office/drawing/2014/main" xmlns="" id="{4C00D820-915B-4802-8C2E-FF7CA967E012}"/>
               </a:ext>
             </a:extLst>
           </p:cNvPr>
@@ -2842,7 +2842,7 @@
           <p:cNvPr id="3" name="그림 개체 틀 2">
             <a:extLst>
               <a:ext uri="{FF2B5EF4-FFF2-40B4-BE49-F238E27FC236}">
-                <a16:creationId xmlns="" xmlns:a16="http://schemas.microsoft.com/office/drawing/2014/main" id="{10CF9849-20D0-417A-99C8-099DF39939AC}"/>
+                <a16:creationId xmlns:a16="http://schemas.microsoft.com/office/drawing/2014/main" xmlns="" id="{10CF9849-20D0-417A-99C8-099DF39939AC}"/>
               </a:ext>
             </a:extLst>
           </p:cNvPr>
@@ -2909,7 +2909,7 @@
           <p:cNvPr id="4" name="텍스트 개체 틀 3">
             <a:extLst>
               <a:ext uri="{FF2B5EF4-FFF2-40B4-BE49-F238E27FC236}">
-                <a16:creationId xmlns="" xmlns:a16="http://schemas.microsoft.com/office/drawing/2014/main" id="{144A7754-54E7-4123-8C5E-1B05B517B5D4}"/>
+                <a16:creationId xmlns:a16="http://schemas.microsoft.com/office/drawing/2014/main" xmlns="" id="{144A7754-54E7-4123-8C5E-1B05B517B5D4}"/>
               </a:ext>
             </a:extLst>
           </p:cNvPr>
@@ -2980,7 +2980,7 @@
           <p:cNvPr id="5" name="날짜 개체 틀 4">
             <a:extLst>
               <a:ext uri="{FF2B5EF4-FFF2-40B4-BE49-F238E27FC236}">
-                <a16:creationId xmlns="" xmlns:a16="http://schemas.microsoft.com/office/drawing/2014/main" id="{3AFFF3F1-9632-4E06-BAB7-312343416AE9}"/>
+                <a16:creationId xmlns:a16="http://schemas.microsoft.com/office/drawing/2014/main" xmlns="" id="{3AFFF3F1-9632-4E06-BAB7-312343416AE9}"/>
               </a:ext>
             </a:extLst>
           </p:cNvPr>
@@ -3005,7 +3005,7 @@
                 </a:solidFill>
               </a:rPr>
               <a:pPr/>
-              <a:t>2021-04-11</a:t>
+              <a:t>2021-04-12</a:t>
             </a:fld>
             <a:endParaRPr lang="ko-KR" altLang="en-US">
               <a:solidFill>
@@ -3022,7 +3022,7 @@
           <p:cNvPr id="6" name="바닥글 개체 틀 5">
             <a:extLst>
               <a:ext uri="{FF2B5EF4-FFF2-40B4-BE49-F238E27FC236}">
-                <a16:creationId xmlns="" xmlns:a16="http://schemas.microsoft.com/office/drawing/2014/main" id="{5F23D6B1-934F-4B4D-9E4F-5AE9E873CB6E}"/>
+                <a16:creationId xmlns:a16="http://schemas.microsoft.com/office/drawing/2014/main" xmlns="" id="{5F23D6B1-934F-4B4D-9E4F-5AE9E873CB6E}"/>
               </a:ext>
             </a:extLst>
           </p:cNvPr>
@@ -3053,7 +3053,7 @@
           <p:cNvPr id="7" name="슬라이드 번호 개체 틀 6">
             <a:extLst>
               <a:ext uri="{FF2B5EF4-FFF2-40B4-BE49-F238E27FC236}">
-                <a16:creationId xmlns="" xmlns:a16="http://schemas.microsoft.com/office/drawing/2014/main" id="{B157FDD5-2092-4E16-8E7C-1CCA4719CF8A}"/>
+                <a16:creationId xmlns:a16="http://schemas.microsoft.com/office/drawing/2014/main" xmlns="" id="{B157FDD5-2092-4E16-8E7C-1CCA4719CF8A}"/>
               </a:ext>
             </a:extLst>
           </p:cNvPr>
@@ -3130,7 +3130,7 @@
           <p:cNvPr id="2" name="제목 개체 틀 1">
             <a:extLst>
               <a:ext uri="{FF2B5EF4-FFF2-40B4-BE49-F238E27FC236}">
-                <a16:creationId xmlns="" xmlns:a16="http://schemas.microsoft.com/office/drawing/2014/main" id="{84C8B562-0886-4274-876D-59EFAAAE2F3B}"/>
+                <a16:creationId xmlns:a16="http://schemas.microsoft.com/office/drawing/2014/main" xmlns="" id="{84C8B562-0886-4274-876D-59EFAAAE2F3B}"/>
               </a:ext>
             </a:extLst>
           </p:cNvPr>
@@ -3168,7 +3168,7 @@
           <p:cNvPr id="3" name="텍스트 개체 틀 2">
             <a:extLst>
               <a:ext uri="{FF2B5EF4-FFF2-40B4-BE49-F238E27FC236}">
-                <a16:creationId xmlns="" xmlns:a16="http://schemas.microsoft.com/office/drawing/2014/main" id="{61799B9E-1CD2-4A09-9ACC-2FA1C62D7AF6}"/>
+                <a16:creationId xmlns:a16="http://schemas.microsoft.com/office/drawing/2014/main" xmlns="" id="{61799B9E-1CD2-4A09-9ACC-2FA1C62D7AF6}"/>
               </a:ext>
             </a:extLst>
           </p:cNvPr>
@@ -3235,7 +3235,7 @@
           <p:cNvPr id="4" name="날짜 개체 틀 3">
             <a:extLst>
               <a:ext uri="{FF2B5EF4-FFF2-40B4-BE49-F238E27FC236}">
-                <a16:creationId xmlns="" xmlns:a16="http://schemas.microsoft.com/office/drawing/2014/main" id="{42A0C5B4-9399-4A5E-8DEE-54436B1EC85C}"/>
+                <a16:creationId xmlns:a16="http://schemas.microsoft.com/office/drawing/2014/main" xmlns="" id="{42A0C5B4-9399-4A5E-8DEE-54436B1EC85C}"/>
               </a:ext>
             </a:extLst>
           </p:cNvPr>
@@ -3278,7 +3278,7 @@
                 </a:solidFill>
               </a:rPr>
               <a:pPr/>
-              <a:t>2021-04-11</a:t>
+              <a:t>2021-04-12</a:t>
             </a:fld>
             <a:endParaRPr lang="ko-KR" altLang="en-US">
               <a:solidFill>
@@ -3295,7 +3295,7 @@
           <p:cNvPr id="5" name="바닥글 개체 틀 4">
             <a:extLst>
               <a:ext uri="{FF2B5EF4-FFF2-40B4-BE49-F238E27FC236}">
-                <a16:creationId xmlns="" xmlns:a16="http://schemas.microsoft.com/office/drawing/2014/main" id="{F5B2B9FF-C0C5-4E9E-A76A-AF0745E2D88E}"/>
+                <a16:creationId xmlns:a16="http://schemas.microsoft.com/office/drawing/2014/main" xmlns="" id="{F5B2B9FF-C0C5-4E9E-A76A-AF0745E2D88E}"/>
               </a:ext>
             </a:extLst>
           </p:cNvPr>
@@ -3344,7 +3344,7 @@
           <p:cNvPr id="6" name="슬라이드 번호 개체 틀 5">
             <a:extLst>
               <a:ext uri="{FF2B5EF4-FFF2-40B4-BE49-F238E27FC236}">
-                <a16:creationId xmlns="" xmlns:a16="http://schemas.microsoft.com/office/drawing/2014/main" id="{E8992FE0-2D01-4365-9F95-1FF838BCEF3A}"/>
+                <a16:creationId xmlns:a16="http://schemas.microsoft.com/office/drawing/2014/main" xmlns="" id="{E8992FE0-2D01-4365-9F95-1FF838BCEF3A}"/>
               </a:ext>
             </a:extLst>
           </p:cNvPr>
@@ -4326,7 +4326,7 @@
         </p:nvSpPr>
         <p:spPr>
           <a:xfrm>
-            <a:off x="452968" y="986971"/>
+            <a:off x="449943" y="986971"/>
             <a:ext cx="11327709" cy="5689600"/>
           </a:xfrm>
           <a:prstGeom prst="rect">
@@ -4859,14 +4859,14 @@
           <p:cNvPr id="38" name="직선 연결선 37"/>
           <p:cNvCxnSpPr>
             <a:stCxn id="25" idx="3"/>
-            <a:endCxn id="2" idx="1"/>
+            <a:endCxn id="15" idx="1"/>
           </p:cNvCxnSpPr>
           <p:nvPr/>
         </p:nvCxnSpPr>
         <p:spPr>
           <a:xfrm flipV="1">
-            <a:off x="4917782" y="3166850"/>
-            <a:ext cx="3257514" cy="2220048"/>
+            <a:off x="4917782" y="4153028"/>
+            <a:ext cx="3030741" cy="1233870"/>
           </a:xfrm>
           <a:prstGeom prst="line">
             <a:avLst/>
@@ -4902,9 +4902,9 @@
           <p:nvPr/>
         </p:nvCxnSpPr>
         <p:spPr>
-          <a:xfrm flipV="1">
-            <a:off x="7156528" y="5346806"/>
-            <a:ext cx="991779" cy="86786"/>
+          <a:xfrm>
+            <a:off x="7156528" y="5433592"/>
+            <a:ext cx="791995" cy="217864"/>
           </a:xfrm>
           <a:prstGeom prst="line">
             <a:avLst/>
@@ -4983,7 +4983,7 @@
       </p:sp>
       <p:pic>
         <p:nvPicPr>
-          <p:cNvPr id="2" name="그림 1"/>
+          <p:cNvPr id="4" name="그림 3"/>
           <p:cNvPicPr>
             <a:picLocks noChangeAspect="1"/>
           </p:cNvPicPr>
@@ -5003,38 +5003,8 @@
         </p:blipFill>
         <p:spPr>
           <a:xfrm>
-            <a:off x="8175296" y="1533698"/>
-            <a:ext cx="3154414" cy="3266303"/>
-          </a:xfrm>
-          <a:prstGeom prst="rect">
-            <a:avLst/>
-          </a:prstGeom>
-        </p:spPr>
-      </p:pic>
-      <p:pic>
-        <p:nvPicPr>
-          <p:cNvPr id="4" name="그림 3"/>
-          <p:cNvPicPr>
-            <a:picLocks noChangeAspect="1"/>
-          </p:cNvPicPr>
-          <p:nvPr/>
-        </p:nvPicPr>
-        <p:blipFill>
-          <a:blip r:embed="rId4">
-            <a:extLst>
-              <a:ext uri="{28A0092B-C50C-407E-A947-70E740481C1C}">
-                <a14:useLocalDpi xmlns:a14="http://schemas.microsoft.com/office/drawing/2010/main" val="0"/>
-              </a:ext>
-            </a:extLst>
-          </a:blip>
-          <a:stretch>
-            <a:fillRect/>
-          </a:stretch>
-        </p:blipFill>
-        <p:spPr>
-          <a:xfrm>
-            <a:off x="8148307" y="5030479"/>
-            <a:ext cx="3203755" cy="632653"/>
+            <a:off x="7948523" y="5335129"/>
+            <a:ext cx="3546790" cy="632653"/>
           </a:xfrm>
           <a:prstGeom prst="rect">
             <a:avLst/>
@@ -5046,7 +5016,7 @@
           <p:cNvPr id="34" name="직사각형 33">
             <a:extLst>
               <a:ext uri="{FF2B5EF4-FFF2-40B4-BE49-F238E27FC236}">
-                <a16:creationId xmlns:a16="http://schemas.microsoft.com/office/drawing/2014/main" xmlns="" id="{3FA00699-5178-465A-9F3F-130CF1431F70}"/>
+                <a16:creationId xmlns="" xmlns:a16="http://schemas.microsoft.com/office/drawing/2014/main" id="{3FA00699-5178-465A-9F3F-130CF1431F70}"/>
               </a:ext>
             </a:extLst>
           </p:cNvPr>
@@ -5105,6 +5075,155 @@
           </a:p>
         </p:txBody>
       </p:sp>
+      <p:pic>
+        <p:nvPicPr>
+          <p:cNvPr id="13" name="그림 12"/>
+          <p:cNvPicPr>
+            <a:picLocks noChangeAspect="1"/>
+          </p:cNvPicPr>
+          <p:nvPr/>
+        </p:nvPicPr>
+        <p:blipFill>
+          <a:blip r:embed="rId4">
+            <a:extLst>
+              <a:ext uri="{28A0092B-C50C-407E-A947-70E740481C1C}">
+                <a14:useLocalDpi xmlns:a14="http://schemas.microsoft.com/office/drawing/2010/main" val="0"/>
+              </a:ext>
+            </a:extLst>
+          </a:blip>
+          <a:stretch>
+            <a:fillRect/>
+          </a:stretch>
+        </p:blipFill>
+        <p:spPr>
+          <a:xfrm>
+            <a:off x="7948522" y="1545488"/>
+            <a:ext cx="3546791" cy="1442857"/>
+          </a:xfrm>
+          <a:prstGeom prst="rect">
+            <a:avLst/>
+          </a:prstGeom>
+        </p:spPr>
+      </p:pic>
+      <p:pic>
+        <p:nvPicPr>
+          <p:cNvPr id="15" name="그림 14"/>
+          <p:cNvPicPr>
+            <a:picLocks noChangeAspect="1"/>
+          </p:cNvPicPr>
+          <p:nvPr/>
+        </p:nvPicPr>
+        <p:blipFill>
+          <a:blip r:embed="rId5">
+            <a:extLst>
+              <a:ext uri="{28A0092B-C50C-407E-A947-70E740481C1C}">
+                <a14:useLocalDpi xmlns:a14="http://schemas.microsoft.com/office/drawing/2010/main" val="0"/>
+              </a:ext>
+            </a:extLst>
+          </a:blip>
+          <a:stretch>
+            <a:fillRect/>
+          </a:stretch>
+        </p:blipFill>
+        <p:spPr>
+          <a:xfrm>
+            <a:off x="7948523" y="3255085"/>
+            <a:ext cx="3546790" cy="1795886"/>
+          </a:xfrm>
+          <a:prstGeom prst="rect">
+            <a:avLst/>
+          </a:prstGeom>
+        </p:spPr>
+      </p:pic>
+      <p:sp>
+        <p:nvSpPr>
+          <p:cNvPr id="28" name="모서리가 둥근 직사각형 27"/>
+          <p:cNvSpPr/>
+          <p:nvPr/>
+        </p:nvSpPr>
+        <p:spPr>
+          <a:xfrm>
+            <a:off x="4541264" y="2204819"/>
+            <a:ext cx="1974797" cy="2905846"/>
+          </a:xfrm>
+          <a:prstGeom prst="roundRect">
+            <a:avLst/>
+          </a:prstGeom>
+          <a:noFill/>
+          <a:ln>
+            <a:solidFill>
+              <a:srgbClr val="404040"/>
+            </a:solidFill>
+          </a:ln>
+        </p:spPr>
+        <p:style>
+          <a:lnRef idx="2">
+            <a:schemeClr val="accent1">
+              <a:shade val="50000"/>
+            </a:schemeClr>
+          </a:lnRef>
+          <a:fillRef idx="1">
+            <a:schemeClr val="accent1"/>
+          </a:fillRef>
+          <a:effectRef idx="0">
+            <a:schemeClr val="accent1"/>
+          </a:effectRef>
+          <a:fontRef idx="minor">
+            <a:schemeClr val="lt1"/>
+          </a:fontRef>
+        </p:style>
+        <p:txBody>
+          <a:bodyPr rot="0" spcFirstLastPara="0" vertOverflow="overflow" horzOverflow="overflow" vert="horz" wrap="square" lIns="91440" tIns="45720" rIns="91440" bIns="45720" numCol="1" spcCol="0" rtlCol="0" fromWordArt="0" anchor="ctr" anchorCtr="0" forceAA="0" compatLnSpc="1">
+            <a:prstTxWarp prst="textNoShape">
+              <a:avLst/>
+            </a:prstTxWarp>
+            <a:noAutofit/>
+          </a:bodyPr>
+          <a:lstStyle/>
+          <a:p>
+            <a:pPr algn="ctr"/>
+            <a:endParaRPr lang="ko-KR" altLang="en-US"/>
+          </a:p>
+        </p:txBody>
+      </p:sp>
+      <p:cxnSp>
+        <p:nvCxnSpPr>
+          <p:cNvPr id="30" name="직선 연결선 29"/>
+          <p:cNvCxnSpPr>
+            <a:stCxn id="28" idx="3"/>
+            <a:endCxn id="13" idx="1"/>
+          </p:cNvCxnSpPr>
+          <p:nvPr/>
+        </p:nvCxnSpPr>
+        <p:spPr>
+          <a:xfrm flipV="1">
+            <a:off x="6516061" y="2266917"/>
+            <a:ext cx="1432461" cy="1390825"/>
+          </a:xfrm>
+          <a:prstGeom prst="line">
+            <a:avLst/>
+          </a:prstGeom>
+          <a:ln w="12700">
+            <a:solidFill>
+              <a:srgbClr val="404040"/>
+            </a:solidFill>
+          </a:ln>
+        </p:spPr>
+        <p:style>
+          <a:lnRef idx="1">
+            <a:schemeClr val="accent1"/>
+          </a:lnRef>
+          <a:fillRef idx="0">
+            <a:schemeClr val="accent1"/>
+          </a:fillRef>
+          <a:effectRef idx="0">
+            <a:schemeClr val="accent1"/>
+          </a:effectRef>
+          <a:fontRef idx="minor">
+            <a:schemeClr val="tx1"/>
+          </a:fontRef>
+        </p:style>
+      </p:cxnSp>
     </p:spTree>
     <p:extLst>
       <p:ext uri="{BB962C8B-B14F-4D97-AF65-F5344CB8AC3E}">
@@ -5753,14 +5872,14 @@
           <p:cNvPr id="5" name="직선 연결선 4"/>
           <p:cNvCxnSpPr>
             <a:stCxn id="3" idx="3"/>
-            <a:endCxn id="4" idx="1"/>
+            <a:endCxn id="13" idx="1"/>
           </p:cNvCxnSpPr>
           <p:nvPr/>
         </p:nvCxnSpPr>
         <p:spPr>
           <a:xfrm>
             <a:off x="3826649" y="1933529"/>
-            <a:ext cx="3981716" cy="965891"/>
+            <a:ext cx="4144839" cy="414345"/>
           </a:xfrm>
           <a:prstGeom prst="line">
             <a:avLst/>
@@ -5847,9 +5966,9 @@
           <p:nvPr/>
         </p:nvCxnSpPr>
         <p:spPr>
-          <a:xfrm flipV="1">
-            <a:off x="6930999" y="4963513"/>
-            <a:ext cx="992575" cy="265472"/>
+          <a:xfrm>
+            <a:off x="6930999" y="5228985"/>
+            <a:ext cx="1040489" cy="368067"/>
           </a:xfrm>
           <a:prstGeom prst="line">
             <a:avLst/>
@@ -5877,7 +5996,7 @@
       </p:cxnSp>
       <p:pic>
         <p:nvPicPr>
-          <p:cNvPr id="4" name="그림 3"/>
+          <p:cNvPr id="17" name="그림 16"/>
           <p:cNvPicPr>
             <a:picLocks noChangeAspect="1"/>
           </p:cNvPicPr>
@@ -5897,38 +6016,8 @@
         </p:blipFill>
         <p:spPr>
           <a:xfrm>
-            <a:off x="7808365" y="1645377"/>
-            <a:ext cx="3636554" cy="2508085"/>
-          </a:xfrm>
-          <a:prstGeom prst="rect">
-            <a:avLst/>
-          </a:prstGeom>
-        </p:spPr>
-      </p:pic>
-      <p:pic>
-        <p:nvPicPr>
-          <p:cNvPr id="17" name="그림 16"/>
-          <p:cNvPicPr>
-            <a:picLocks noChangeAspect="1"/>
-          </p:cNvPicPr>
-          <p:nvPr/>
-        </p:nvPicPr>
-        <p:blipFill>
-          <a:blip r:embed="rId4">
-            <a:extLst>
-              <a:ext uri="{28A0092B-C50C-407E-A947-70E740481C1C}">
-                <a14:useLocalDpi xmlns:a14="http://schemas.microsoft.com/office/drawing/2010/main" val="0"/>
-              </a:ext>
-            </a:extLst>
-          </a:blip>
-          <a:stretch>
-            <a:fillRect/>
-          </a:stretch>
-        </p:blipFill>
-        <p:spPr>
-          <a:xfrm>
-            <a:off x="7923574" y="4623691"/>
-            <a:ext cx="3521345" cy="679643"/>
+            <a:off x="7971488" y="5257230"/>
+            <a:ext cx="3539194" cy="679643"/>
           </a:xfrm>
           <a:prstGeom prst="rect">
             <a:avLst/>
@@ -5940,7 +6029,7 @@
           <p:cNvPr id="36" name="직사각형 35">
             <a:extLst>
               <a:ext uri="{FF2B5EF4-FFF2-40B4-BE49-F238E27FC236}">
-                <a16:creationId xmlns:a16="http://schemas.microsoft.com/office/drawing/2014/main" xmlns="" id="{3FA00699-5178-465A-9F3F-130CF1431F70}"/>
+                <a16:creationId xmlns="" xmlns:a16="http://schemas.microsoft.com/office/drawing/2014/main" id="{3FA00699-5178-465A-9F3F-130CF1431F70}"/>
               </a:ext>
             </a:extLst>
           </p:cNvPr>
@@ -5999,6 +6088,155 @@
           </a:p>
         </p:txBody>
       </p:sp>
+      <p:pic>
+        <p:nvPicPr>
+          <p:cNvPr id="13" name="그림 12"/>
+          <p:cNvPicPr>
+            <a:picLocks noChangeAspect="1"/>
+          </p:cNvPicPr>
+          <p:nvPr/>
+        </p:nvPicPr>
+        <p:blipFill>
+          <a:blip r:embed="rId4" cstate="print">
+            <a:extLst>
+              <a:ext uri="{28A0092B-C50C-407E-A947-70E740481C1C}">
+                <a14:useLocalDpi xmlns:a14="http://schemas.microsoft.com/office/drawing/2010/main" val="0"/>
+              </a:ext>
+            </a:extLst>
+          </a:blip>
+          <a:stretch>
+            <a:fillRect/>
+          </a:stretch>
+        </p:blipFill>
+        <p:spPr>
+          <a:xfrm>
+            <a:off x="7971488" y="1382813"/>
+            <a:ext cx="3539194" cy="1930121"/>
+          </a:xfrm>
+          <a:prstGeom prst="rect">
+            <a:avLst/>
+          </a:prstGeom>
+        </p:spPr>
+      </p:pic>
+      <p:pic>
+        <p:nvPicPr>
+          <p:cNvPr id="23" name="그림 22"/>
+          <p:cNvPicPr>
+            <a:picLocks noChangeAspect="1"/>
+          </p:cNvPicPr>
+          <p:nvPr/>
+        </p:nvPicPr>
+        <p:blipFill>
+          <a:blip r:embed="rId5">
+            <a:extLst>
+              <a:ext uri="{28A0092B-C50C-407E-A947-70E740481C1C}">
+                <a14:useLocalDpi xmlns:a14="http://schemas.microsoft.com/office/drawing/2010/main" val="0"/>
+              </a:ext>
+            </a:extLst>
+          </a:blip>
+          <a:stretch>
+            <a:fillRect/>
+          </a:stretch>
+        </p:blipFill>
+        <p:spPr>
+          <a:xfrm>
+            <a:off x="7971488" y="3583002"/>
+            <a:ext cx="3539194" cy="1430581"/>
+          </a:xfrm>
+          <a:prstGeom prst="rect">
+            <a:avLst/>
+          </a:prstGeom>
+        </p:spPr>
+      </p:pic>
+      <p:sp>
+        <p:nvSpPr>
+          <p:cNvPr id="27" name="모서리가 둥근 직사각형 26"/>
+          <p:cNvSpPr/>
+          <p:nvPr/>
+        </p:nvSpPr>
+        <p:spPr>
+          <a:xfrm>
+            <a:off x="984125" y="1997849"/>
+            <a:ext cx="6069818" cy="3185282"/>
+          </a:xfrm>
+          <a:prstGeom prst="roundRect">
+            <a:avLst/>
+          </a:prstGeom>
+          <a:noFill/>
+          <a:ln>
+            <a:solidFill>
+              <a:srgbClr val="404040"/>
+            </a:solidFill>
+          </a:ln>
+        </p:spPr>
+        <p:style>
+          <a:lnRef idx="2">
+            <a:schemeClr val="accent1">
+              <a:shade val="50000"/>
+            </a:schemeClr>
+          </a:lnRef>
+          <a:fillRef idx="1">
+            <a:schemeClr val="accent1"/>
+          </a:fillRef>
+          <a:effectRef idx="0">
+            <a:schemeClr val="accent1"/>
+          </a:effectRef>
+          <a:fontRef idx="minor">
+            <a:schemeClr val="lt1"/>
+          </a:fontRef>
+        </p:style>
+        <p:txBody>
+          <a:bodyPr rot="0" spcFirstLastPara="0" vertOverflow="overflow" horzOverflow="overflow" vert="horz" wrap="square" lIns="91440" tIns="45720" rIns="91440" bIns="45720" numCol="1" spcCol="0" rtlCol="0" fromWordArt="0" anchor="ctr" anchorCtr="0" forceAA="0" compatLnSpc="1">
+            <a:prstTxWarp prst="textNoShape">
+              <a:avLst/>
+            </a:prstTxWarp>
+            <a:noAutofit/>
+          </a:bodyPr>
+          <a:lstStyle/>
+          <a:p>
+            <a:pPr algn="ctr"/>
+            <a:endParaRPr lang="ko-KR" altLang="en-US"/>
+          </a:p>
+        </p:txBody>
+      </p:sp>
+      <p:cxnSp>
+        <p:nvCxnSpPr>
+          <p:cNvPr id="28" name="직선 연결선 27"/>
+          <p:cNvCxnSpPr>
+            <a:stCxn id="27" idx="3"/>
+            <a:endCxn id="23" idx="1"/>
+          </p:cNvCxnSpPr>
+          <p:nvPr/>
+        </p:nvCxnSpPr>
+        <p:spPr>
+          <a:xfrm>
+            <a:off x="7053943" y="3590490"/>
+            <a:ext cx="917545" cy="707803"/>
+          </a:xfrm>
+          <a:prstGeom prst="line">
+            <a:avLst/>
+          </a:prstGeom>
+          <a:ln w="12700">
+            <a:solidFill>
+              <a:srgbClr val="404040"/>
+            </a:solidFill>
+          </a:ln>
+        </p:spPr>
+        <p:style>
+          <a:lnRef idx="1">
+            <a:schemeClr val="accent1"/>
+          </a:lnRef>
+          <a:fillRef idx="0">
+            <a:schemeClr val="accent1"/>
+          </a:fillRef>
+          <a:effectRef idx="0">
+            <a:schemeClr val="accent1"/>
+          </a:effectRef>
+          <a:fontRef idx="minor">
+            <a:schemeClr val="tx1"/>
+          </a:fontRef>
+        </p:style>
+      </p:cxnSp>
     </p:spTree>
     <p:extLst>
       <p:ext uri="{BB962C8B-B14F-4D97-AF65-F5344CB8AC3E}">
@@ -6558,7 +6796,7 @@
           <p:cNvPr id="39" name="직사각형 38">
             <a:extLst>
               <a:ext uri="{FF2B5EF4-FFF2-40B4-BE49-F238E27FC236}">
-                <a16:creationId xmlns:a16="http://schemas.microsoft.com/office/drawing/2014/main" xmlns="" id="{3FA00699-5178-465A-9F3F-130CF1431F70}"/>
+                <a16:creationId xmlns="" xmlns:a16="http://schemas.microsoft.com/office/drawing/2014/main" id="{3FA00699-5178-465A-9F3F-130CF1431F70}"/>
               </a:ext>
             </a:extLst>
           </p:cNvPr>
@@ -7374,7 +7612,7 @@
           <p:cNvPr id="39" name="직사각형 38">
             <a:extLst>
               <a:ext uri="{FF2B5EF4-FFF2-40B4-BE49-F238E27FC236}">
-                <a16:creationId xmlns:a16="http://schemas.microsoft.com/office/drawing/2014/main" xmlns="" id="{3FA00699-5178-465A-9F3F-130CF1431F70}"/>
+                <a16:creationId xmlns="" xmlns:a16="http://schemas.microsoft.com/office/drawing/2014/main" id="{3FA00699-5178-465A-9F3F-130CF1431F70}"/>
               </a:ext>
             </a:extLst>
           </p:cNvPr>
@@ -8288,7 +8526,7 @@
           <p:cNvPr id="39" name="직사각형 38">
             <a:extLst>
               <a:ext uri="{FF2B5EF4-FFF2-40B4-BE49-F238E27FC236}">
-                <a16:creationId xmlns:a16="http://schemas.microsoft.com/office/drawing/2014/main" xmlns="" id="{3FA00699-5178-465A-9F3F-130CF1431F70}"/>
+                <a16:creationId xmlns="" xmlns:a16="http://schemas.microsoft.com/office/drawing/2014/main" id="{3FA00699-5178-465A-9F3F-130CF1431F70}"/>
               </a:ext>
             </a:extLst>
           </p:cNvPr>
@@ -9508,7 +9746,7 @@
           <p:cNvPr id="39" name="직사각형 38">
             <a:extLst>
               <a:ext uri="{FF2B5EF4-FFF2-40B4-BE49-F238E27FC236}">
-                <a16:creationId xmlns:a16="http://schemas.microsoft.com/office/drawing/2014/main" xmlns="" id="{3FA00699-5178-465A-9F3F-130CF1431F70}"/>
+                <a16:creationId xmlns="" xmlns:a16="http://schemas.microsoft.com/office/drawing/2014/main" id="{3FA00699-5178-465A-9F3F-130CF1431F70}"/>
               </a:ext>
             </a:extLst>
           </p:cNvPr>
@@ -9643,7 +9881,7 @@
         </p:nvSpPr>
         <p:spPr>
           <a:xfrm>
-            <a:off x="9328543" y="3246313"/>
+            <a:off x="9336227" y="3238629"/>
             <a:ext cx="911777" cy="756505"/>
           </a:xfrm>
           <a:prstGeom prst="roundRect">
@@ -10955,7 +11193,7 @@
           <p:cNvPr id="20" name="자유형: 도형 377">
             <a:extLst>
               <a:ext uri="{FF2B5EF4-FFF2-40B4-BE49-F238E27FC236}">
-                <a16:creationId xmlns="" xmlns:a16="http://schemas.microsoft.com/office/drawing/2014/main" id="{0B4A7219-0820-4378-B811-331B8646398F}"/>
+                <a16:creationId xmlns:a16="http://schemas.microsoft.com/office/drawing/2014/main" xmlns="" id="{0B4A7219-0820-4378-B811-331B8646398F}"/>
               </a:ext>
             </a:extLst>
           </p:cNvPr>
@@ -11100,7 +11338,7 @@
           <p:cNvPr id="21" name="자유형: 도형 378">
             <a:extLst>
               <a:ext uri="{FF2B5EF4-FFF2-40B4-BE49-F238E27FC236}">
-                <a16:creationId xmlns="" xmlns:a16="http://schemas.microsoft.com/office/drawing/2014/main" id="{AE7688D0-57FD-4391-A3C9-1EB04A54396A}"/>
+                <a16:creationId xmlns:a16="http://schemas.microsoft.com/office/drawing/2014/main" xmlns="" id="{AE7688D0-57FD-4391-A3C9-1EB04A54396A}"/>
               </a:ext>
             </a:extLst>
           </p:cNvPr>
@@ -11245,7 +11483,7 @@
           <p:cNvPr id="22" name="자유형: 도형 379">
             <a:extLst>
               <a:ext uri="{FF2B5EF4-FFF2-40B4-BE49-F238E27FC236}">
-                <a16:creationId xmlns="" xmlns:a16="http://schemas.microsoft.com/office/drawing/2014/main" id="{C4615E6A-E0F5-484B-8040-DD0DD89211FD}"/>
+                <a16:creationId xmlns:a16="http://schemas.microsoft.com/office/drawing/2014/main" xmlns="" id="{C4615E6A-E0F5-484B-8040-DD0DD89211FD}"/>
               </a:ext>
             </a:extLst>
           </p:cNvPr>
@@ -11390,7 +11628,7 @@
           <p:cNvPr id="23" name="자유형: 도형 380">
             <a:extLst>
               <a:ext uri="{FF2B5EF4-FFF2-40B4-BE49-F238E27FC236}">
-                <a16:creationId xmlns="" xmlns:a16="http://schemas.microsoft.com/office/drawing/2014/main" id="{0937B8B0-8045-4AA8-B9F4-04B7C0AFDEBB}"/>
+                <a16:creationId xmlns:a16="http://schemas.microsoft.com/office/drawing/2014/main" xmlns="" id="{0937B8B0-8045-4AA8-B9F4-04B7C0AFDEBB}"/>
               </a:ext>
             </a:extLst>
           </p:cNvPr>
@@ -11535,7 +11773,7 @@
           <p:cNvPr id="24" name="자유형: 도형 381">
             <a:extLst>
               <a:ext uri="{FF2B5EF4-FFF2-40B4-BE49-F238E27FC236}">
-                <a16:creationId xmlns="" xmlns:a16="http://schemas.microsoft.com/office/drawing/2014/main" id="{DB9ADCEC-01D9-4BB3-81EE-B1429055FB91}"/>
+                <a16:creationId xmlns:a16="http://schemas.microsoft.com/office/drawing/2014/main" xmlns="" id="{DB9ADCEC-01D9-4BB3-81EE-B1429055FB91}"/>
               </a:ext>
             </a:extLst>
           </p:cNvPr>
@@ -11680,7 +11918,7 @@
           <p:cNvPr id="25" name="자유형: 도형 382">
             <a:extLst>
               <a:ext uri="{FF2B5EF4-FFF2-40B4-BE49-F238E27FC236}">
-                <a16:creationId xmlns="" xmlns:a16="http://schemas.microsoft.com/office/drawing/2014/main" id="{DB61C11B-0EC3-4996-906C-007E57835D42}"/>
+                <a16:creationId xmlns:a16="http://schemas.microsoft.com/office/drawing/2014/main" xmlns="" id="{DB61C11B-0EC3-4996-906C-007E57835D42}"/>
               </a:ext>
             </a:extLst>
           </p:cNvPr>
@@ -11825,7 +12063,7 @@
           <p:cNvPr id="26" name="자유형: 도형 383">
             <a:extLst>
               <a:ext uri="{FF2B5EF4-FFF2-40B4-BE49-F238E27FC236}">
-                <a16:creationId xmlns="" xmlns:a16="http://schemas.microsoft.com/office/drawing/2014/main" id="{044A0A9B-5CA5-4FE7-B917-B350C19EF0E6}"/>
+                <a16:creationId xmlns:a16="http://schemas.microsoft.com/office/drawing/2014/main" xmlns="" id="{044A0A9B-5CA5-4FE7-B917-B350C19EF0E6}"/>
               </a:ext>
             </a:extLst>
           </p:cNvPr>
@@ -11970,7 +12208,7 @@
           <p:cNvPr id="27" name="자유형: 도형 384">
             <a:extLst>
               <a:ext uri="{FF2B5EF4-FFF2-40B4-BE49-F238E27FC236}">
-                <a16:creationId xmlns="" xmlns:a16="http://schemas.microsoft.com/office/drawing/2014/main" id="{EA9897D2-716C-4BC1-98EE-5CC7B719C72B}"/>
+                <a16:creationId xmlns:a16="http://schemas.microsoft.com/office/drawing/2014/main" xmlns="" id="{EA9897D2-716C-4BC1-98EE-5CC7B719C72B}"/>
               </a:ext>
             </a:extLst>
           </p:cNvPr>
@@ -12115,7 +12353,7 @@
           <p:cNvPr id="28" name="자유형: 도형 385">
             <a:extLst>
               <a:ext uri="{FF2B5EF4-FFF2-40B4-BE49-F238E27FC236}">
-                <a16:creationId xmlns="" xmlns:a16="http://schemas.microsoft.com/office/drawing/2014/main" id="{7582865E-7A8F-44C3-912A-C087626FEDA9}"/>
+                <a16:creationId xmlns:a16="http://schemas.microsoft.com/office/drawing/2014/main" xmlns="" id="{7582865E-7A8F-44C3-912A-C087626FEDA9}"/>
               </a:ext>
             </a:extLst>
           </p:cNvPr>
@@ -12260,7 +12498,7 @@
           <p:cNvPr id="29" name="자유형: 도형 386">
             <a:extLst>
               <a:ext uri="{FF2B5EF4-FFF2-40B4-BE49-F238E27FC236}">
-                <a16:creationId xmlns="" xmlns:a16="http://schemas.microsoft.com/office/drawing/2014/main" id="{76E18406-54A4-401D-9DCA-86C76E3A933C}"/>
+                <a16:creationId xmlns:a16="http://schemas.microsoft.com/office/drawing/2014/main" xmlns="" id="{76E18406-54A4-401D-9DCA-86C76E3A933C}"/>
               </a:ext>
             </a:extLst>
           </p:cNvPr>
@@ -12405,7 +12643,7 @@
           <p:cNvPr id="30" name="자유형: 도형 387">
             <a:extLst>
               <a:ext uri="{FF2B5EF4-FFF2-40B4-BE49-F238E27FC236}">
-                <a16:creationId xmlns="" xmlns:a16="http://schemas.microsoft.com/office/drawing/2014/main" id="{78D016E9-A182-4180-A637-1A890C82CE6A}"/>
+                <a16:creationId xmlns:a16="http://schemas.microsoft.com/office/drawing/2014/main" xmlns="" id="{78D016E9-A182-4180-A637-1A890C82CE6A}"/>
               </a:ext>
             </a:extLst>
           </p:cNvPr>
@@ -12550,7 +12788,7 @@
           <p:cNvPr id="31" name="자유형: 도형 388">
             <a:extLst>
               <a:ext uri="{FF2B5EF4-FFF2-40B4-BE49-F238E27FC236}">
-                <a16:creationId xmlns="" xmlns:a16="http://schemas.microsoft.com/office/drawing/2014/main" id="{05F8530F-49F6-48DF-AD43-D138C77A6596}"/>
+                <a16:creationId xmlns:a16="http://schemas.microsoft.com/office/drawing/2014/main" xmlns="" id="{05F8530F-49F6-48DF-AD43-D138C77A6596}"/>
               </a:ext>
             </a:extLst>
           </p:cNvPr>
@@ -12695,7 +12933,7 @@
           <p:cNvPr id="32" name="자유형: 도형 389">
             <a:extLst>
               <a:ext uri="{FF2B5EF4-FFF2-40B4-BE49-F238E27FC236}">
-                <a16:creationId xmlns="" xmlns:a16="http://schemas.microsoft.com/office/drawing/2014/main" id="{98DCEC21-B8BD-43A7-8436-449C4406D27B}"/>
+                <a16:creationId xmlns:a16="http://schemas.microsoft.com/office/drawing/2014/main" xmlns="" id="{98DCEC21-B8BD-43A7-8436-449C4406D27B}"/>
               </a:ext>
             </a:extLst>
           </p:cNvPr>
@@ -12840,7 +13078,7 @@
           <p:cNvPr id="33" name="자유형: 도형 390">
             <a:extLst>
               <a:ext uri="{FF2B5EF4-FFF2-40B4-BE49-F238E27FC236}">
-                <a16:creationId xmlns="" xmlns:a16="http://schemas.microsoft.com/office/drawing/2014/main" id="{71FAF07A-965F-4A51-9977-FFFFAA15A432}"/>
+                <a16:creationId xmlns:a16="http://schemas.microsoft.com/office/drawing/2014/main" xmlns="" id="{71FAF07A-965F-4A51-9977-FFFFAA15A432}"/>
               </a:ext>
             </a:extLst>
           </p:cNvPr>
@@ -12985,7 +13223,7 @@
           <p:cNvPr id="34" name="자유형: 도형 391">
             <a:extLst>
               <a:ext uri="{FF2B5EF4-FFF2-40B4-BE49-F238E27FC236}">
-                <a16:creationId xmlns="" xmlns:a16="http://schemas.microsoft.com/office/drawing/2014/main" id="{5047EEFB-CDDB-46B7-AA56-F96C5BF34725}"/>
+                <a16:creationId xmlns:a16="http://schemas.microsoft.com/office/drawing/2014/main" xmlns="" id="{5047EEFB-CDDB-46B7-AA56-F96C5BF34725}"/>
               </a:ext>
             </a:extLst>
           </p:cNvPr>
@@ -13130,7 +13368,7 @@
           <p:cNvPr id="35" name="자유형: 도형 392">
             <a:extLst>
               <a:ext uri="{FF2B5EF4-FFF2-40B4-BE49-F238E27FC236}">
-                <a16:creationId xmlns="" xmlns:a16="http://schemas.microsoft.com/office/drawing/2014/main" id="{2D343500-5462-4C95-880B-385171314AB6}"/>
+                <a16:creationId xmlns:a16="http://schemas.microsoft.com/office/drawing/2014/main" xmlns="" id="{2D343500-5462-4C95-880B-385171314AB6}"/>
               </a:ext>
             </a:extLst>
           </p:cNvPr>
@@ -13275,7 +13513,7 @@
           <p:cNvPr id="36" name="자유형: 도형 393">
             <a:extLst>
               <a:ext uri="{FF2B5EF4-FFF2-40B4-BE49-F238E27FC236}">
-                <a16:creationId xmlns="" xmlns:a16="http://schemas.microsoft.com/office/drawing/2014/main" id="{7B3DA1B8-BF1B-4513-966C-2A916F28EFB9}"/>
+                <a16:creationId xmlns:a16="http://schemas.microsoft.com/office/drawing/2014/main" xmlns="" id="{7B3DA1B8-BF1B-4513-966C-2A916F28EFB9}"/>
               </a:ext>
             </a:extLst>
           </p:cNvPr>
@@ -13420,7 +13658,7 @@
           <p:cNvPr id="37" name="자유형: 도형 394">
             <a:extLst>
               <a:ext uri="{FF2B5EF4-FFF2-40B4-BE49-F238E27FC236}">
-                <a16:creationId xmlns="" xmlns:a16="http://schemas.microsoft.com/office/drawing/2014/main" id="{28F89FC3-982F-4923-9453-6F57D8E1E307}"/>
+                <a16:creationId xmlns:a16="http://schemas.microsoft.com/office/drawing/2014/main" xmlns="" id="{28F89FC3-982F-4923-9453-6F57D8E1E307}"/>
               </a:ext>
             </a:extLst>
           </p:cNvPr>
@@ -13565,7 +13803,7 @@
           <p:cNvPr id="38" name="자유형: 도형 395">
             <a:extLst>
               <a:ext uri="{FF2B5EF4-FFF2-40B4-BE49-F238E27FC236}">
-                <a16:creationId xmlns="" xmlns:a16="http://schemas.microsoft.com/office/drawing/2014/main" id="{0F995921-8CFB-4A23-8C8B-B2815AE8670A}"/>
+                <a16:creationId xmlns:a16="http://schemas.microsoft.com/office/drawing/2014/main" xmlns="" id="{0F995921-8CFB-4A23-8C8B-B2815AE8670A}"/>
               </a:ext>
             </a:extLst>
           </p:cNvPr>
@@ -13710,7 +13948,7 @@
           <p:cNvPr id="39" name="자유형: 도형 396">
             <a:extLst>
               <a:ext uri="{FF2B5EF4-FFF2-40B4-BE49-F238E27FC236}">
-                <a16:creationId xmlns="" xmlns:a16="http://schemas.microsoft.com/office/drawing/2014/main" id="{38E18007-DA79-4D7B-96F0-FEC1EB21386C}"/>
+                <a16:creationId xmlns:a16="http://schemas.microsoft.com/office/drawing/2014/main" xmlns="" id="{38E18007-DA79-4D7B-96F0-FEC1EB21386C}"/>
               </a:ext>
             </a:extLst>
           </p:cNvPr>
@@ -13855,7 +14093,7 @@
           <p:cNvPr id="40" name="자유형: 도형 397">
             <a:extLst>
               <a:ext uri="{FF2B5EF4-FFF2-40B4-BE49-F238E27FC236}">
-                <a16:creationId xmlns="" xmlns:a16="http://schemas.microsoft.com/office/drawing/2014/main" id="{C0E1BE7B-0A87-404E-B319-F1AE13922904}"/>
+                <a16:creationId xmlns:a16="http://schemas.microsoft.com/office/drawing/2014/main" xmlns="" id="{C0E1BE7B-0A87-404E-B319-F1AE13922904}"/>
               </a:ext>
             </a:extLst>
           </p:cNvPr>
@@ -14000,7 +14238,7 @@
           <p:cNvPr id="41" name="자유형: 도형 398">
             <a:extLst>
               <a:ext uri="{FF2B5EF4-FFF2-40B4-BE49-F238E27FC236}">
-                <a16:creationId xmlns="" xmlns:a16="http://schemas.microsoft.com/office/drawing/2014/main" id="{675C7C0F-8C6D-4AAF-BC5F-2B81DEB3E4E8}"/>
+                <a16:creationId xmlns:a16="http://schemas.microsoft.com/office/drawing/2014/main" xmlns="" id="{675C7C0F-8C6D-4AAF-BC5F-2B81DEB3E4E8}"/>
               </a:ext>
             </a:extLst>
           </p:cNvPr>
@@ -14145,7 +14383,7 @@
           <p:cNvPr id="42" name="자유형: 도형 399">
             <a:extLst>
               <a:ext uri="{FF2B5EF4-FFF2-40B4-BE49-F238E27FC236}">
-                <a16:creationId xmlns="" xmlns:a16="http://schemas.microsoft.com/office/drawing/2014/main" id="{846A25C2-933F-44C2-A0FE-4110FBEBA915}"/>
+                <a16:creationId xmlns:a16="http://schemas.microsoft.com/office/drawing/2014/main" xmlns="" id="{846A25C2-933F-44C2-A0FE-4110FBEBA915}"/>
               </a:ext>
             </a:extLst>
           </p:cNvPr>
@@ -14290,7 +14528,7 @@
           <p:cNvPr id="43" name="자유형: 도형 400">
             <a:extLst>
               <a:ext uri="{FF2B5EF4-FFF2-40B4-BE49-F238E27FC236}">
-                <a16:creationId xmlns="" xmlns:a16="http://schemas.microsoft.com/office/drawing/2014/main" id="{5EBA2B3B-7A04-4662-B870-F720B8538988}"/>
+                <a16:creationId xmlns:a16="http://schemas.microsoft.com/office/drawing/2014/main" xmlns="" id="{5EBA2B3B-7A04-4662-B870-F720B8538988}"/>
               </a:ext>
             </a:extLst>
           </p:cNvPr>
@@ -14435,7 +14673,7 @@
           <p:cNvPr id="44" name="직사각형 43">
             <a:extLst>
               <a:ext uri="{FF2B5EF4-FFF2-40B4-BE49-F238E27FC236}">
-                <a16:creationId xmlns="" xmlns:a16="http://schemas.microsoft.com/office/drawing/2014/main" id="{8E46B02D-66F3-495A-BE76-8FA2A68509CF}"/>
+                <a16:creationId xmlns:a16="http://schemas.microsoft.com/office/drawing/2014/main" xmlns="" id="{8E46B02D-66F3-495A-BE76-8FA2A68509CF}"/>
               </a:ext>
             </a:extLst>
           </p:cNvPr>
@@ -14491,7 +14729,7 @@
           <p:cNvPr id="45" name="직사각형 44">
             <a:extLst>
               <a:ext uri="{FF2B5EF4-FFF2-40B4-BE49-F238E27FC236}">
-                <a16:creationId xmlns:a16="http://schemas.microsoft.com/office/drawing/2014/main" xmlns="" id="{7FEC52E6-E0E1-427E-87A8-FEE2AAF979A8}"/>
+                <a16:creationId xmlns="" xmlns:a16="http://schemas.microsoft.com/office/drawing/2014/main" id="{7FEC52E6-E0E1-427E-87A8-FEE2AAF979A8}"/>
               </a:ext>
             </a:extLst>
           </p:cNvPr>
@@ -14690,7 +14928,7 @@
           <p:cNvPr id="49" name="자유형: 도형 377">
             <a:extLst>
               <a:ext uri="{FF2B5EF4-FFF2-40B4-BE49-F238E27FC236}">
-                <a16:creationId xmlns="" xmlns:a16="http://schemas.microsoft.com/office/drawing/2014/main" id="{0B4A7219-0820-4378-B811-331B8646398F}"/>
+                <a16:creationId xmlns:a16="http://schemas.microsoft.com/office/drawing/2014/main" xmlns="" id="{0B4A7219-0820-4378-B811-331B8646398F}"/>
               </a:ext>
             </a:extLst>
           </p:cNvPr>
@@ -14835,7 +15073,7 @@
           <p:cNvPr id="50" name="자유형: 도형 378">
             <a:extLst>
               <a:ext uri="{FF2B5EF4-FFF2-40B4-BE49-F238E27FC236}">
-                <a16:creationId xmlns="" xmlns:a16="http://schemas.microsoft.com/office/drawing/2014/main" id="{AE7688D0-57FD-4391-A3C9-1EB04A54396A}"/>
+                <a16:creationId xmlns:a16="http://schemas.microsoft.com/office/drawing/2014/main" xmlns="" id="{AE7688D0-57FD-4391-A3C9-1EB04A54396A}"/>
               </a:ext>
             </a:extLst>
           </p:cNvPr>
@@ -14980,7 +15218,7 @@
           <p:cNvPr id="51" name="자유형: 도형 379">
             <a:extLst>
               <a:ext uri="{FF2B5EF4-FFF2-40B4-BE49-F238E27FC236}">
-                <a16:creationId xmlns="" xmlns:a16="http://schemas.microsoft.com/office/drawing/2014/main" id="{C4615E6A-E0F5-484B-8040-DD0DD89211FD}"/>
+                <a16:creationId xmlns:a16="http://schemas.microsoft.com/office/drawing/2014/main" xmlns="" id="{C4615E6A-E0F5-484B-8040-DD0DD89211FD}"/>
               </a:ext>
             </a:extLst>
           </p:cNvPr>
@@ -15125,7 +15363,7 @@
           <p:cNvPr id="52" name="자유형: 도형 380">
             <a:extLst>
               <a:ext uri="{FF2B5EF4-FFF2-40B4-BE49-F238E27FC236}">
-                <a16:creationId xmlns="" xmlns:a16="http://schemas.microsoft.com/office/drawing/2014/main" id="{0937B8B0-8045-4AA8-B9F4-04B7C0AFDEBB}"/>
+                <a16:creationId xmlns:a16="http://schemas.microsoft.com/office/drawing/2014/main" xmlns="" id="{0937B8B0-8045-4AA8-B9F4-04B7C0AFDEBB}"/>
               </a:ext>
             </a:extLst>
           </p:cNvPr>
@@ -15270,7 +15508,7 @@
           <p:cNvPr id="53" name="자유형: 도형 381">
             <a:extLst>
               <a:ext uri="{FF2B5EF4-FFF2-40B4-BE49-F238E27FC236}">
-                <a16:creationId xmlns="" xmlns:a16="http://schemas.microsoft.com/office/drawing/2014/main" id="{DB9ADCEC-01D9-4BB3-81EE-B1429055FB91}"/>
+                <a16:creationId xmlns:a16="http://schemas.microsoft.com/office/drawing/2014/main" xmlns="" id="{DB9ADCEC-01D9-4BB3-81EE-B1429055FB91}"/>
               </a:ext>
             </a:extLst>
           </p:cNvPr>
@@ -15415,7 +15653,7 @@
           <p:cNvPr id="54" name="자유형: 도형 382">
             <a:extLst>
               <a:ext uri="{FF2B5EF4-FFF2-40B4-BE49-F238E27FC236}">
-                <a16:creationId xmlns="" xmlns:a16="http://schemas.microsoft.com/office/drawing/2014/main" id="{DB61C11B-0EC3-4996-906C-007E57835D42}"/>
+                <a16:creationId xmlns:a16="http://schemas.microsoft.com/office/drawing/2014/main" xmlns="" id="{DB61C11B-0EC3-4996-906C-007E57835D42}"/>
               </a:ext>
             </a:extLst>
           </p:cNvPr>
@@ -15560,7 +15798,7 @@
           <p:cNvPr id="55" name="자유형: 도형 383">
             <a:extLst>
               <a:ext uri="{FF2B5EF4-FFF2-40B4-BE49-F238E27FC236}">
-                <a16:creationId xmlns="" xmlns:a16="http://schemas.microsoft.com/office/drawing/2014/main" id="{044A0A9B-5CA5-4FE7-B917-B350C19EF0E6}"/>
+                <a16:creationId xmlns:a16="http://schemas.microsoft.com/office/drawing/2014/main" xmlns="" id="{044A0A9B-5CA5-4FE7-B917-B350C19EF0E6}"/>
               </a:ext>
             </a:extLst>
           </p:cNvPr>
@@ -15705,7 +15943,7 @@
           <p:cNvPr id="56" name="자유형: 도형 384">
             <a:extLst>
               <a:ext uri="{FF2B5EF4-FFF2-40B4-BE49-F238E27FC236}">
-                <a16:creationId xmlns="" xmlns:a16="http://schemas.microsoft.com/office/drawing/2014/main" id="{EA9897D2-716C-4BC1-98EE-5CC7B719C72B}"/>
+                <a16:creationId xmlns:a16="http://schemas.microsoft.com/office/drawing/2014/main" xmlns="" id="{EA9897D2-716C-4BC1-98EE-5CC7B719C72B}"/>
               </a:ext>
             </a:extLst>
           </p:cNvPr>
@@ -15850,7 +16088,7 @@
           <p:cNvPr id="57" name="자유형: 도형 385">
             <a:extLst>
               <a:ext uri="{FF2B5EF4-FFF2-40B4-BE49-F238E27FC236}">
-                <a16:creationId xmlns="" xmlns:a16="http://schemas.microsoft.com/office/drawing/2014/main" id="{7582865E-7A8F-44C3-912A-C087626FEDA9}"/>
+                <a16:creationId xmlns:a16="http://schemas.microsoft.com/office/drawing/2014/main" xmlns="" id="{7582865E-7A8F-44C3-912A-C087626FEDA9}"/>
               </a:ext>
             </a:extLst>
           </p:cNvPr>
@@ -15995,7 +16233,7 @@
           <p:cNvPr id="58" name="자유형: 도형 386">
             <a:extLst>
               <a:ext uri="{FF2B5EF4-FFF2-40B4-BE49-F238E27FC236}">
-                <a16:creationId xmlns="" xmlns:a16="http://schemas.microsoft.com/office/drawing/2014/main" id="{76E18406-54A4-401D-9DCA-86C76E3A933C}"/>
+                <a16:creationId xmlns:a16="http://schemas.microsoft.com/office/drawing/2014/main" xmlns="" id="{76E18406-54A4-401D-9DCA-86C76E3A933C}"/>
               </a:ext>
             </a:extLst>
           </p:cNvPr>
@@ -16140,7 +16378,7 @@
           <p:cNvPr id="59" name="자유형: 도형 387">
             <a:extLst>
               <a:ext uri="{FF2B5EF4-FFF2-40B4-BE49-F238E27FC236}">
-                <a16:creationId xmlns="" xmlns:a16="http://schemas.microsoft.com/office/drawing/2014/main" id="{78D016E9-A182-4180-A637-1A890C82CE6A}"/>
+                <a16:creationId xmlns:a16="http://schemas.microsoft.com/office/drawing/2014/main" xmlns="" id="{78D016E9-A182-4180-A637-1A890C82CE6A}"/>
               </a:ext>
             </a:extLst>
           </p:cNvPr>
@@ -16285,7 +16523,7 @@
           <p:cNvPr id="60" name="자유형: 도형 388">
             <a:extLst>
               <a:ext uri="{FF2B5EF4-FFF2-40B4-BE49-F238E27FC236}">
-                <a16:creationId xmlns="" xmlns:a16="http://schemas.microsoft.com/office/drawing/2014/main" id="{05F8530F-49F6-48DF-AD43-D138C77A6596}"/>
+                <a16:creationId xmlns:a16="http://schemas.microsoft.com/office/drawing/2014/main" xmlns="" id="{05F8530F-49F6-48DF-AD43-D138C77A6596}"/>
               </a:ext>
             </a:extLst>
           </p:cNvPr>
@@ -16430,7 +16668,7 @@
           <p:cNvPr id="61" name="자유형: 도형 389">
             <a:extLst>
               <a:ext uri="{FF2B5EF4-FFF2-40B4-BE49-F238E27FC236}">
-                <a16:creationId xmlns="" xmlns:a16="http://schemas.microsoft.com/office/drawing/2014/main" id="{98DCEC21-B8BD-43A7-8436-449C4406D27B}"/>
+                <a16:creationId xmlns:a16="http://schemas.microsoft.com/office/drawing/2014/main" xmlns="" id="{98DCEC21-B8BD-43A7-8436-449C4406D27B}"/>
               </a:ext>
             </a:extLst>
           </p:cNvPr>
@@ -16575,7 +16813,7 @@
           <p:cNvPr id="62" name="자유형: 도형 390">
             <a:extLst>
               <a:ext uri="{FF2B5EF4-FFF2-40B4-BE49-F238E27FC236}">
-                <a16:creationId xmlns="" xmlns:a16="http://schemas.microsoft.com/office/drawing/2014/main" id="{71FAF07A-965F-4A51-9977-FFFFAA15A432}"/>
+                <a16:creationId xmlns:a16="http://schemas.microsoft.com/office/drawing/2014/main" xmlns="" id="{71FAF07A-965F-4A51-9977-FFFFAA15A432}"/>
               </a:ext>
             </a:extLst>
           </p:cNvPr>
@@ -16720,7 +16958,7 @@
           <p:cNvPr id="63" name="자유형: 도형 391">
             <a:extLst>
               <a:ext uri="{FF2B5EF4-FFF2-40B4-BE49-F238E27FC236}">
-                <a16:creationId xmlns="" xmlns:a16="http://schemas.microsoft.com/office/drawing/2014/main" id="{5047EEFB-CDDB-46B7-AA56-F96C5BF34725}"/>
+                <a16:creationId xmlns:a16="http://schemas.microsoft.com/office/drawing/2014/main" xmlns="" id="{5047EEFB-CDDB-46B7-AA56-F96C5BF34725}"/>
               </a:ext>
             </a:extLst>
           </p:cNvPr>
@@ -16865,7 +17103,7 @@
           <p:cNvPr id="64" name="자유형: 도형 392">
             <a:extLst>
               <a:ext uri="{FF2B5EF4-FFF2-40B4-BE49-F238E27FC236}">
-                <a16:creationId xmlns="" xmlns:a16="http://schemas.microsoft.com/office/drawing/2014/main" id="{2D343500-5462-4C95-880B-385171314AB6}"/>
+                <a16:creationId xmlns:a16="http://schemas.microsoft.com/office/drawing/2014/main" xmlns="" id="{2D343500-5462-4C95-880B-385171314AB6}"/>
               </a:ext>
             </a:extLst>
           </p:cNvPr>
@@ -17010,7 +17248,7 @@
           <p:cNvPr id="65" name="자유형: 도형 393">
             <a:extLst>
               <a:ext uri="{FF2B5EF4-FFF2-40B4-BE49-F238E27FC236}">
-                <a16:creationId xmlns="" xmlns:a16="http://schemas.microsoft.com/office/drawing/2014/main" id="{7B3DA1B8-BF1B-4513-966C-2A916F28EFB9}"/>
+                <a16:creationId xmlns:a16="http://schemas.microsoft.com/office/drawing/2014/main" xmlns="" id="{7B3DA1B8-BF1B-4513-966C-2A916F28EFB9}"/>
               </a:ext>
             </a:extLst>
           </p:cNvPr>
@@ -17155,7 +17393,7 @@
           <p:cNvPr id="66" name="자유형: 도형 394">
             <a:extLst>
               <a:ext uri="{FF2B5EF4-FFF2-40B4-BE49-F238E27FC236}">
-                <a16:creationId xmlns="" xmlns:a16="http://schemas.microsoft.com/office/drawing/2014/main" id="{28F89FC3-982F-4923-9453-6F57D8E1E307}"/>
+                <a16:creationId xmlns:a16="http://schemas.microsoft.com/office/drawing/2014/main" xmlns="" id="{28F89FC3-982F-4923-9453-6F57D8E1E307}"/>
               </a:ext>
             </a:extLst>
           </p:cNvPr>
@@ -17300,7 +17538,7 @@
           <p:cNvPr id="67" name="자유형: 도형 395">
             <a:extLst>
               <a:ext uri="{FF2B5EF4-FFF2-40B4-BE49-F238E27FC236}">
-                <a16:creationId xmlns="" xmlns:a16="http://schemas.microsoft.com/office/drawing/2014/main" id="{0F995921-8CFB-4A23-8C8B-B2815AE8670A}"/>
+                <a16:creationId xmlns:a16="http://schemas.microsoft.com/office/drawing/2014/main" xmlns="" id="{0F995921-8CFB-4A23-8C8B-B2815AE8670A}"/>
               </a:ext>
             </a:extLst>
           </p:cNvPr>
@@ -17445,7 +17683,7 @@
           <p:cNvPr id="68" name="자유형: 도형 396">
             <a:extLst>
               <a:ext uri="{FF2B5EF4-FFF2-40B4-BE49-F238E27FC236}">
-                <a16:creationId xmlns="" xmlns:a16="http://schemas.microsoft.com/office/drawing/2014/main" id="{38E18007-DA79-4D7B-96F0-FEC1EB21386C}"/>
+                <a16:creationId xmlns:a16="http://schemas.microsoft.com/office/drawing/2014/main" xmlns="" id="{38E18007-DA79-4D7B-96F0-FEC1EB21386C}"/>
               </a:ext>
             </a:extLst>
           </p:cNvPr>
@@ -17590,7 +17828,7 @@
           <p:cNvPr id="69" name="자유형: 도형 397">
             <a:extLst>
               <a:ext uri="{FF2B5EF4-FFF2-40B4-BE49-F238E27FC236}">
-                <a16:creationId xmlns="" xmlns:a16="http://schemas.microsoft.com/office/drawing/2014/main" id="{C0E1BE7B-0A87-404E-B319-F1AE13922904}"/>
+                <a16:creationId xmlns:a16="http://schemas.microsoft.com/office/drawing/2014/main" xmlns="" id="{C0E1BE7B-0A87-404E-B319-F1AE13922904}"/>
               </a:ext>
             </a:extLst>
           </p:cNvPr>
@@ -17735,7 +17973,7 @@
           <p:cNvPr id="70" name="자유형: 도형 398">
             <a:extLst>
               <a:ext uri="{FF2B5EF4-FFF2-40B4-BE49-F238E27FC236}">
-                <a16:creationId xmlns="" xmlns:a16="http://schemas.microsoft.com/office/drawing/2014/main" id="{675C7C0F-8C6D-4AAF-BC5F-2B81DEB3E4E8}"/>
+                <a16:creationId xmlns:a16="http://schemas.microsoft.com/office/drawing/2014/main" xmlns="" id="{675C7C0F-8C6D-4AAF-BC5F-2B81DEB3E4E8}"/>
               </a:ext>
             </a:extLst>
           </p:cNvPr>
@@ -17880,7 +18118,7 @@
           <p:cNvPr id="71" name="자유형: 도형 399">
             <a:extLst>
               <a:ext uri="{FF2B5EF4-FFF2-40B4-BE49-F238E27FC236}">
-                <a16:creationId xmlns="" xmlns:a16="http://schemas.microsoft.com/office/drawing/2014/main" id="{846A25C2-933F-44C2-A0FE-4110FBEBA915}"/>
+                <a16:creationId xmlns:a16="http://schemas.microsoft.com/office/drawing/2014/main" xmlns="" id="{846A25C2-933F-44C2-A0FE-4110FBEBA915}"/>
               </a:ext>
             </a:extLst>
           </p:cNvPr>
@@ -18025,7 +18263,7 @@
           <p:cNvPr id="72" name="자유형: 도형 400">
             <a:extLst>
               <a:ext uri="{FF2B5EF4-FFF2-40B4-BE49-F238E27FC236}">
-                <a16:creationId xmlns="" xmlns:a16="http://schemas.microsoft.com/office/drawing/2014/main" id="{5EBA2B3B-7A04-4662-B870-F720B8538988}"/>
+                <a16:creationId xmlns:a16="http://schemas.microsoft.com/office/drawing/2014/main" xmlns="" id="{5EBA2B3B-7A04-4662-B870-F720B8538988}"/>
               </a:ext>
             </a:extLst>
           </p:cNvPr>
@@ -18170,7 +18408,7 @@
           <p:cNvPr id="73" name="직사각형 72">
             <a:extLst>
               <a:ext uri="{FF2B5EF4-FFF2-40B4-BE49-F238E27FC236}">
-                <a16:creationId xmlns="" xmlns:a16="http://schemas.microsoft.com/office/drawing/2014/main" id="{8E46B02D-66F3-495A-BE76-8FA2A68509CF}"/>
+                <a16:creationId xmlns:a16="http://schemas.microsoft.com/office/drawing/2014/main" xmlns="" id="{8E46B02D-66F3-495A-BE76-8FA2A68509CF}"/>
               </a:ext>
             </a:extLst>
           </p:cNvPr>
@@ -18226,7 +18464,7 @@
           <p:cNvPr id="74" name="직사각형 73">
             <a:extLst>
               <a:ext uri="{FF2B5EF4-FFF2-40B4-BE49-F238E27FC236}">
-                <a16:creationId xmlns:a16="http://schemas.microsoft.com/office/drawing/2014/main" xmlns="" id="{7FEC52E6-E0E1-427E-87A8-FEE2AAF979A8}"/>
+                <a16:creationId xmlns="" xmlns:a16="http://schemas.microsoft.com/office/drawing/2014/main" id="{7FEC52E6-E0E1-427E-87A8-FEE2AAF979A8}"/>
               </a:ext>
             </a:extLst>
           </p:cNvPr>
@@ -18425,7 +18663,7 @@
           <p:cNvPr id="78" name="자유형: 도형 377">
             <a:extLst>
               <a:ext uri="{FF2B5EF4-FFF2-40B4-BE49-F238E27FC236}">
-                <a16:creationId xmlns="" xmlns:a16="http://schemas.microsoft.com/office/drawing/2014/main" id="{0B4A7219-0820-4378-B811-331B8646398F}"/>
+                <a16:creationId xmlns:a16="http://schemas.microsoft.com/office/drawing/2014/main" xmlns="" id="{0B4A7219-0820-4378-B811-331B8646398F}"/>
               </a:ext>
             </a:extLst>
           </p:cNvPr>
@@ -18570,7 +18808,7 @@
           <p:cNvPr id="79" name="자유형: 도형 378">
             <a:extLst>
               <a:ext uri="{FF2B5EF4-FFF2-40B4-BE49-F238E27FC236}">
-                <a16:creationId xmlns="" xmlns:a16="http://schemas.microsoft.com/office/drawing/2014/main" id="{AE7688D0-57FD-4391-A3C9-1EB04A54396A}"/>
+                <a16:creationId xmlns:a16="http://schemas.microsoft.com/office/drawing/2014/main" xmlns="" id="{AE7688D0-57FD-4391-A3C9-1EB04A54396A}"/>
               </a:ext>
             </a:extLst>
           </p:cNvPr>
@@ -18715,7 +18953,7 @@
           <p:cNvPr id="80" name="자유형: 도형 379">
             <a:extLst>
               <a:ext uri="{FF2B5EF4-FFF2-40B4-BE49-F238E27FC236}">
-                <a16:creationId xmlns="" xmlns:a16="http://schemas.microsoft.com/office/drawing/2014/main" id="{C4615E6A-E0F5-484B-8040-DD0DD89211FD}"/>
+                <a16:creationId xmlns:a16="http://schemas.microsoft.com/office/drawing/2014/main" xmlns="" id="{C4615E6A-E0F5-484B-8040-DD0DD89211FD}"/>
               </a:ext>
             </a:extLst>
           </p:cNvPr>
@@ -18860,7 +19098,7 @@
           <p:cNvPr id="81" name="자유형: 도형 380">
             <a:extLst>
               <a:ext uri="{FF2B5EF4-FFF2-40B4-BE49-F238E27FC236}">
-                <a16:creationId xmlns="" xmlns:a16="http://schemas.microsoft.com/office/drawing/2014/main" id="{0937B8B0-8045-4AA8-B9F4-04B7C0AFDEBB}"/>
+                <a16:creationId xmlns:a16="http://schemas.microsoft.com/office/drawing/2014/main" xmlns="" id="{0937B8B0-8045-4AA8-B9F4-04B7C0AFDEBB}"/>
               </a:ext>
             </a:extLst>
           </p:cNvPr>
@@ -19005,7 +19243,7 @@
           <p:cNvPr id="82" name="자유형: 도형 381">
             <a:extLst>
               <a:ext uri="{FF2B5EF4-FFF2-40B4-BE49-F238E27FC236}">
-                <a16:creationId xmlns="" xmlns:a16="http://schemas.microsoft.com/office/drawing/2014/main" id="{DB9ADCEC-01D9-4BB3-81EE-B1429055FB91}"/>
+                <a16:creationId xmlns:a16="http://schemas.microsoft.com/office/drawing/2014/main" xmlns="" id="{DB9ADCEC-01D9-4BB3-81EE-B1429055FB91}"/>
               </a:ext>
             </a:extLst>
           </p:cNvPr>
@@ -19150,7 +19388,7 @@
           <p:cNvPr id="83" name="자유형: 도형 382">
             <a:extLst>
               <a:ext uri="{FF2B5EF4-FFF2-40B4-BE49-F238E27FC236}">
-                <a16:creationId xmlns="" xmlns:a16="http://schemas.microsoft.com/office/drawing/2014/main" id="{DB61C11B-0EC3-4996-906C-007E57835D42}"/>
+                <a16:creationId xmlns:a16="http://schemas.microsoft.com/office/drawing/2014/main" xmlns="" id="{DB61C11B-0EC3-4996-906C-007E57835D42}"/>
               </a:ext>
             </a:extLst>
           </p:cNvPr>
@@ -19295,7 +19533,7 @@
           <p:cNvPr id="84" name="자유형: 도형 383">
             <a:extLst>
               <a:ext uri="{FF2B5EF4-FFF2-40B4-BE49-F238E27FC236}">
-                <a16:creationId xmlns="" xmlns:a16="http://schemas.microsoft.com/office/drawing/2014/main" id="{044A0A9B-5CA5-4FE7-B917-B350C19EF0E6}"/>
+                <a16:creationId xmlns:a16="http://schemas.microsoft.com/office/drawing/2014/main" xmlns="" id="{044A0A9B-5CA5-4FE7-B917-B350C19EF0E6}"/>
               </a:ext>
             </a:extLst>
           </p:cNvPr>
@@ -19440,7 +19678,7 @@
           <p:cNvPr id="85" name="자유형: 도형 384">
             <a:extLst>
               <a:ext uri="{FF2B5EF4-FFF2-40B4-BE49-F238E27FC236}">
-                <a16:creationId xmlns="" xmlns:a16="http://schemas.microsoft.com/office/drawing/2014/main" id="{EA9897D2-716C-4BC1-98EE-5CC7B719C72B}"/>
+                <a16:creationId xmlns:a16="http://schemas.microsoft.com/office/drawing/2014/main" xmlns="" id="{EA9897D2-716C-4BC1-98EE-5CC7B719C72B}"/>
               </a:ext>
             </a:extLst>
           </p:cNvPr>
@@ -19585,7 +19823,7 @@
           <p:cNvPr id="86" name="자유형: 도형 385">
             <a:extLst>
               <a:ext uri="{FF2B5EF4-FFF2-40B4-BE49-F238E27FC236}">
-                <a16:creationId xmlns="" xmlns:a16="http://schemas.microsoft.com/office/drawing/2014/main" id="{7582865E-7A8F-44C3-912A-C087626FEDA9}"/>
+                <a16:creationId xmlns:a16="http://schemas.microsoft.com/office/drawing/2014/main" xmlns="" id="{7582865E-7A8F-44C3-912A-C087626FEDA9}"/>
               </a:ext>
             </a:extLst>
           </p:cNvPr>
@@ -19730,7 +19968,7 @@
           <p:cNvPr id="87" name="자유형: 도형 386">
             <a:extLst>
               <a:ext uri="{FF2B5EF4-FFF2-40B4-BE49-F238E27FC236}">
-                <a16:creationId xmlns="" xmlns:a16="http://schemas.microsoft.com/office/drawing/2014/main" id="{76E18406-54A4-401D-9DCA-86C76E3A933C}"/>
+                <a16:creationId xmlns:a16="http://schemas.microsoft.com/office/drawing/2014/main" xmlns="" id="{76E18406-54A4-401D-9DCA-86C76E3A933C}"/>
               </a:ext>
             </a:extLst>
           </p:cNvPr>
@@ -19875,7 +20113,7 @@
           <p:cNvPr id="88" name="자유형: 도형 387">
             <a:extLst>
               <a:ext uri="{FF2B5EF4-FFF2-40B4-BE49-F238E27FC236}">
-                <a16:creationId xmlns="" xmlns:a16="http://schemas.microsoft.com/office/drawing/2014/main" id="{78D016E9-A182-4180-A637-1A890C82CE6A}"/>
+                <a16:creationId xmlns:a16="http://schemas.microsoft.com/office/drawing/2014/main" xmlns="" id="{78D016E9-A182-4180-A637-1A890C82CE6A}"/>
               </a:ext>
             </a:extLst>
           </p:cNvPr>
@@ -20020,7 +20258,7 @@
           <p:cNvPr id="89" name="자유형: 도형 388">
             <a:extLst>
               <a:ext uri="{FF2B5EF4-FFF2-40B4-BE49-F238E27FC236}">
-                <a16:creationId xmlns="" xmlns:a16="http://schemas.microsoft.com/office/drawing/2014/main" id="{05F8530F-49F6-48DF-AD43-D138C77A6596}"/>
+                <a16:creationId xmlns:a16="http://schemas.microsoft.com/office/drawing/2014/main" xmlns="" id="{05F8530F-49F6-48DF-AD43-D138C77A6596}"/>
               </a:ext>
             </a:extLst>
           </p:cNvPr>
@@ -20165,7 +20403,7 @@
           <p:cNvPr id="90" name="자유형: 도형 389">
             <a:extLst>
               <a:ext uri="{FF2B5EF4-FFF2-40B4-BE49-F238E27FC236}">
-                <a16:creationId xmlns="" xmlns:a16="http://schemas.microsoft.com/office/drawing/2014/main" id="{98DCEC21-B8BD-43A7-8436-449C4406D27B}"/>
+                <a16:creationId xmlns:a16="http://schemas.microsoft.com/office/drawing/2014/main" xmlns="" id="{98DCEC21-B8BD-43A7-8436-449C4406D27B}"/>
               </a:ext>
             </a:extLst>
           </p:cNvPr>
@@ -20310,7 +20548,7 @@
           <p:cNvPr id="91" name="자유형: 도형 390">
             <a:extLst>
               <a:ext uri="{FF2B5EF4-FFF2-40B4-BE49-F238E27FC236}">
-                <a16:creationId xmlns="" xmlns:a16="http://schemas.microsoft.com/office/drawing/2014/main" id="{71FAF07A-965F-4A51-9977-FFFFAA15A432}"/>
+                <a16:creationId xmlns:a16="http://schemas.microsoft.com/office/drawing/2014/main" xmlns="" id="{71FAF07A-965F-4A51-9977-FFFFAA15A432}"/>
               </a:ext>
             </a:extLst>
           </p:cNvPr>
@@ -20455,7 +20693,7 @@
           <p:cNvPr id="92" name="자유형: 도형 391">
             <a:extLst>
               <a:ext uri="{FF2B5EF4-FFF2-40B4-BE49-F238E27FC236}">
-                <a16:creationId xmlns="" xmlns:a16="http://schemas.microsoft.com/office/drawing/2014/main" id="{5047EEFB-CDDB-46B7-AA56-F96C5BF34725}"/>
+                <a16:creationId xmlns:a16="http://schemas.microsoft.com/office/drawing/2014/main" xmlns="" id="{5047EEFB-CDDB-46B7-AA56-F96C5BF34725}"/>
               </a:ext>
             </a:extLst>
           </p:cNvPr>
@@ -20600,7 +20838,7 @@
           <p:cNvPr id="93" name="자유형: 도형 392">
             <a:extLst>
               <a:ext uri="{FF2B5EF4-FFF2-40B4-BE49-F238E27FC236}">
-                <a16:creationId xmlns="" xmlns:a16="http://schemas.microsoft.com/office/drawing/2014/main" id="{2D343500-5462-4C95-880B-385171314AB6}"/>
+                <a16:creationId xmlns:a16="http://schemas.microsoft.com/office/drawing/2014/main" xmlns="" id="{2D343500-5462-4C95-880B-385171314AB6}"/>
               </a:ext>
             </a:extLst>
           </p:cNvPr>
@@ -20745,7 +20983,7 @@
           <p:cNvPr id="94" name="자유형: 도형 393">
             <a:extLst>
               <a:ext uri="{FF2B5EF4-FFF2-40B4-BE49-F238E27FC236}">
-                <a16:creationId xmlns="" xmlns:a16="http://schemas.microsoft.com/office/drawing/2014/main" id="{7B3DA1B8-BF1B-4513-966C-2A916F28EFB9}"/>
+                <a16:creationId xmlns:a16="http://schemas.microsoft.com/office/drawing/2014/main" xmlns="" id="{7B3DA1B8-BF1B-4513-966C-2A916F28EFB9}"/>
               </a:ext>
             </a:extLst>
           </p:cNvPr>
@@ -20890,7 +21128,7 @@
           <p:cNvPr id="95" name="자유형: 도형 394">
             <a:extLst>
               <a:ext uri="{FF2B5EF4-FFF2-40B4-BE49-F238E27FC236}">
-                <a16:creationId xmlns="" xmlns:a16="http://schemas.microsoft.com/office/drawing/2014/main" id="{28F89FC3-982F-4923-9453-6F57D8E1E307}"/>
+                <a16:creationId xmlns:a16="http://schemas.microsoft.com/office/drawing/2014/main" xmlns="" id="{28F89FC3-982F-4923-9453-6F57D8E1E307}"/>
               </a:ext>
             </a:extLst>
           </p:cNvPr>
@@ -21035,7 +21273,7 @@
           <p:cNvPr id="96" name="자유형: 도형 395">
             <a:extLst>
               <a:ext uri="{FF2B5EF4-FFF2-40B4-BE49-F238E27FC236}">
-                <a16:creationId xmlns="" xmlns:a16="http://schemas.microsoft.com/office/drawing/2014/main" id="{0F995921-8CFB-4A23-8C8B-B2815AE8670A}"/>
+                <a16:creationId xmlns:a16="http://schemas.microsoft.com/office/drawing/2014/main" xmlns="" id="{0F995921-8CFB-4A23-8C8B-B2815AE8670A}"/>
               </a:ext>
             </a:extLst>
           </p:cNvPr>
@@ -21180,7 +21418,7 @@
           <p:cNvPr id="97" name="자유형: 도형 396">
             <a:extLst>
               <a:ext uri="{FF2B5EF4-FFF2-40B4-BE49-F238E27FC236}">
-                <a16:creationId xmlns="" xmlns:a16="http://schemas.microsoft.com/office/drawing/2014/main" id="{38E18007-DA79-4D7B-96F0-FEC1EB21386C}"/>
+                <a16:creationId xmlns:a16="http://schemas.microsoft.com/office/drawing/2014/main" xmlns="" id="{38E18007-DA79-4D7B-96F0-FEC1EB21386C}"/>
               </a:ext>
             </a:extLst>
           </p:cNvPr>
@@ -21325,7 +21563,7 @@
           <p:cNvPr id="98" name="자유형: 도형 397">
             <a:extLst>
               <a:ext uri="{FF2B5EF4-FFF2-40B4-BE49-F238E27FC236}">
-                <a16:creationId xmlns="" xmlns:a16="http://schemas.microsoft.com/office/drawing/2014/main" id="{C0E1BE7B-0A87-404E-B319-F1AE13922904}"/>
+                <a16:creationId xmlns:a16="http://schemas.microsoft.com/office/drawing/2014/main" xmlns="" id="{C0E1BE7B-0A87-404E-B319-F1AE13922904}"/>
               </a:ext>
             </a:extLst>
           </p:cNvPr>
@@ -21470,7 +21708,7 @@
           <p:cNvPr id="99" name="자유형: 도형 398">
             <a:extLst>
               <a:ext uri="{FF2B5EF4-FFF2-40B4-BE49-F238E27FC236}">
-                <a16:creationId xmlns="" xmlns:a16="http://schemas.microsoft.com/office/drawing/2014/main" id="{675C7C0F-8C6D-4AAF-BC5F-2B81DEB3E4E8}"/>
+                <a16:creationId xmlns:a16="http://schemas.microsoft.com/office/drawing/2014/main" xmlns="" id="{675C7C0F-8C6D-4AAF-BC5F-2B81DEB3E4E8}"/>
               </a:ext>
             </a:extLst>
           </p:cNvPr>
@@ -21615,7 +21853,7 @@
           <p:cNvPr id="100" name="자유형: 도형 399">
             <a:extLst>
               <a:ext uri="{FF2B5EF4-FFF2-40B4-BE49-F238E27FC236}">
-                <a16:creationId xmlns="" xmlns:a16="http://schemas.microsoft.com/office/drawing/2014/main" id="{846A25C2-933F-44C2-A0FE-4110FBEBA915}"/>
+                <a16:creationId xmlns:a16="http://schemas.microsoft.com/office/drawing/2014/main" xmlns="" id="{846A25C2-933F-44C2-A0FE-4110FBEBA915}"/>
               </a:ext>
             </a:extLst>
           </p:cNvPr>
@@ -21760,7 +21998,7 @@
           <p:cNvPr id="101" name="자유형: 도형 400">
             <a:extLst>
               <a:ext uri="{FF2B5EF4-FFF2-40B4-BE49-F238E27FC236}">
-                <a16:creationId xmlns="" xmlns:a16="http://schemas.microsoft.com/office/drawing/2014/main" id="{5EBA2B3B-7A04-4662-B870-F720B8538988}"/>
+                <a16:creationId xmlns:a16="http://schemas.microsoft.com/office/drawing/2014/main" xmlns="" id="{5EBA2B3B-7A04-4662-B870-F720B8538988}"/>
               </a:ext>
             </a:extLst>
           </p:cNvPr>
@@ -21905,7 +22143,7 @@
           <p:cNvPr id="102" name="직사각형 101">
             <a:extLst>
               <a:ext uri="{FF2B5EF4-FFF2-40B4-BE49-F238E27FC236}">
-                <a16:creationId xmlns="" xmlns:a16="http://schemas.microsoft.com/office/drawing/2014/main" id="{8E46B02D-66F3-495A-BE76-8FA2A68509CF}"/>
+                <a16:creationId xmlns:a16="http://schemas.microsoft.com/office/drawing/2014/main" xmlns="" id="{8E46B02D-66F3-495A-BE76-8FA2A68509CF}"/>
               </a:ext>
             </a:extLst>
           </p:cNvPr>
@@ -21961,7 +22199,7 @@
           <p:cNvPr id="103" name="직사각형 102">
             <a:extLst>
               <a:ext uri="{FF2B5EF4-FFF2-40B4-BE49-F238E27FC236}">
-                <a16:creationId xmlns:a16="http://schemas.microsoft.com/office/drawing/2014/main" xmlns="" id="{7FEC52E6-E0E1-427E-87A8-FEE2AAF979A8}"/>
+                <a16:creationId xmlns="" xmlns:a16="http://schemas.microsoft.com/office/drawing/2014/main" id="{7FEC52E6-E0E1-427E-87A8-FEE2AAF979A8}"/>
               </a:ext>
             </a:extLst>
           </p:cNvPr>
@@ -22176,7 +22414,7 @@
           <p:cNvPr id="107" name="자유형: 도형 377">
             <a:extLst>
               <a:ext uri="{FF2B5EF4-FFF2-40B4-BE49-F238E27FC236}">
-                <a16:creationId xmlns="" xmlns:a16="http://schemas.microsoft.com/office/drawing/2014/main" id="{0B4A7219-0820-4378-B811-331B8646398F}"/>
+                <a16:creationId xmlns:a16="http://schemas.microsoft.com/office/drawing/2014/main" xmlns="" id="{0B4A7219-0820-4378-B811-331B8646398F}"/>
               </a:ext>
             </a:extLst>
           </p:cNvPr>
@@ -22321,7 +22559,7 @@
           <p:cNvPr id="108" name="자유형: 도형 378">
             <a:extLst>
               <a:ext uri="{FF2B5EF4-FFF2-40B4-BE49-F238E27FC236}">
-                <a16:creationId xmlns="" xmlns:a16="http://schemas.microsoft.com/office/drawing/2014/main" id="{AE7688D0-57FD-4391-A3C9-1EB04A54396A}"/>
+                <a16:creationId xmlns:a16="http://schemas.microsoft.com/office/drawing/2014/main" xmlns="" id="{AE7688D0-57FD-4391-A3C9-1EB04A54396A}"/>
               </a:ext>
             </a:extLst>
           </p:cNvPr>
@@ -22466,7 +22704,7 @@
           <p:cNvPr id="109" name="자유형: 도형 379">
             <a:extLst>
               <a:ext uri="{FF2B5EF4-FFF2-40B4-BE49-F238E27FC236}">
-                <a16:creationId xmlns="" xmlns:a16="http://schemas.microsoft.com/office/drawing/2014/main" id="{C4615E6A-E0F5-484B-8040-DD0DD89211FD}"/>
+                <a16:creationId xmlns:a16="http://schemas.microsoft.com/office/drawing/2014/main" xmlns="" id="{C4615E6A-E0F5-484B-8040-DD0DD89211FD}"/>
               </a:ext>
             </a:extLst>
           </p:cNvPr>
@@ -22611,7 +22849,7 @@
           <p:cNvPr id="110" name="자유형: 도형 380">
             <a:extLst>
               <a:ext uri="{FF2B5EF4-FFF2-40B4-BE49-F238E27FC236}">
-                <a16:creationId xmlns="" xmlns:a16="http://schemas.microsoft.com/office/drawing/2014/main" id="{0937B8B0-8045-4AA8-B9F4-04B7C0AFDEBB}"/>
+                <a16:creationId xmlns:a16="http://schemas.microsoft.com/office/drawing/2014/main" xmlns="" id="{0937B8B0-8045-4AA8-B9F4-04B7C0AFDEBB}"/>
               </a:ext>
             </a:extLst>
           </p:cNvPr>
@@ -22756,7 +22994,7 @@
           <p:cNvPr id="111" name="자유형: 도형 381">
             <a:extLst>
               <a:ext uri="{FF2B5EF4-FFF2-40B4-BE49-F238E27FC236}">
-                <a16:creationId xmlns="" xmlns:a16="http://schemas.microsoft.com/office/drawing/2014/main" id="{DB9ADCEC-01D9-4BB3-81EE-B1429055FB91}"/>
+                <a16:creationId xmlns:a16="http://schemas.microsoft.com/office/drawing/2014/main" xmlns="" id="{DB9ADCEC-01D9-4BB3-81EE-B1429055FB91}"/>
               </a:ext>
             </a:extLst>
           </p:cNvPr>
@@ -22901,7 +23139,7 @@
           <p:cNvPr id="112" name="자유형: 도형 382">
             <a:extLst>
               <a:ext uri="{FF2B5EF4-FFF2-40B4-BE49-F238E27FC236}">
-                <a16:creationId xmlns="" xmlns:a16="http://schemas.microsoft.com/office/drawing/2014/main" id="{DB61C11B-0EC3-4996-906C-007E57835D42}"/>
+                <a16:creationId xmlns:a16="http://schemas.microsoft.com/office/drawing/2014/main" xmlns="" id="{DB61C11B-0EC3-4996-906C-007E57835D42}"/>
               </a:ext>
             </a:extLst>
           </p:cNvPr>
@@ -23046,7 +23284,7 @@
           <p:cNvPr id="113" name="자유형: 도형 383">
             <a:extLst>
               <a:ext uri="{FF2B5EF4-FFF2-40B4-BE49-F238E27FC236}">
-                <a16:creationId xmlns="" xmlns:a16="http://schemas.microsoft.com/office/drawing/2014/main" id="{044A0A9B-5CA5-4FE7-B917-B350C19EF0E6}"/>
+                <a16:creationId xmlns:a16="http://schemas.microsoft.com/office/drawing/2014/main" xmlns="" id="{044A0A9B-5CA5-4FE7-B917-B350C19EF0E6}"/>
               </a:ext>
             </a:extLst>
           </p:cNvPr>
@@ -23191,7 +23429,7 @@
           <p:cNvPr id="114" name="자유형: 도형 384">
             <a:extLst>
               <a:ext uri="{FF2B5EF4-FFF2-40B4-BE49-F238E27FC236}">
-                <a16:creationId xmlns="" xmlns:a16="http://schemas.microsoft.com/office/drawing/2014/main" id="{EA9897D2-716C-4BC1-98EE-5CC7B719C72B}"/>
+                <a16:creationId xmlns:a16="http://schemas.microsoft.com/office/drawing/2014/main" xmlns="" id="{EA9897D2-716C-4BC1-98EE-5CC7B719C72B}"/>
               </a:ext>
             </a:extLst>
           </p:cNvPr>
@@ -23336,7 +23574,7 @@
           <p:cNvPr id="115" name="자유형: 도형 385">
             <a:extLst>
               <a:ext uri="{FF2B5EF4-FFF2-40B4-BE49-F238E27FC236}">
-                <a16:creationId xmlns="" xmlns:a16="http://schemas.microsoft.com/office/drawing/2014/main" id="{7582865E-7A8F-44C3-912A-C087626FEDA9}"/>
+                <a16:creationId xmlns:a16="http://schemas.microsoft.com/office/drawing/2014/main" xmlns="" id="{7582865E-7A8F-44C3-912A-C087626FEDA9}"/>
               </a:ext>
             </a:extLst>
           </p:cNvPr>
@@ -23481,7 +23719,7 @@
           <p:cNvPr id="116" name="자유형: 도형 386">
             <a:extLst>
               <a:ext uri="{FF2B5EF4-FFF2-40B4-BE49-F238E27FC236}">
-                <a16:creationId xmlns="" xmlns:a16="http://schemas.microsoft.com/office/drawing/2014/main" id="{76E18406-54A4-401D-9DCA-86C76E3A933C}"/>
+                <a16:creationId xmlns:a16="http://schemas.microsoft.com/office/drawing/2014/main" xmlns="" id="{76E18406-54A4-401D-9DCA-86C76E3A933C}"/>
               </a:ext>
             </a:extLst>
           </p:cNvPr>
@@ -23626,7 +23864,7 @@
           <p:cNvPr id="117" name="자유형: 도형 387">
             <a:extLst>
               <a:ext uri="{FF2B5EF4-FFF2-40B4-BE49-F238E27FC236}">
-                <a16:creationId xmlns="" xmlns:a16="http://schemas.microsoft.com/office/drawing/2014/main" id="{78D016E9-A182-4180-A637-1A890C82CE6A}"/>
+                <a16:creationId xmlns:a16="http://schemas.microsoft.com/office/drawing/2014/main" xmlns="" id="{78D016E9-A182-4180-A637-1A890C82CE6A}"/>
               </a:ext>
             </a:extLst>
           </p:cNvPr>
@@ -23771,7 +24009,7 @@
           <p:cNvPr id="118" name="자유형: 도형 388">
             <a:extLst>
               <a:ext uri="{FF2B5EF4-FFF2-40B4-BE49-F238E27FC236}">
-                <a16:creationId xmlns="" xmlns:a16="http://schemas.microsoft.com/office/drawing/2014/main" id="{05F8530F-49F6-48DF-AD43-D138C77A6596}"/>
+                <a16:creationId xmlns:a16="http://schemas.microsoft.com/office/drawing/2014/main" xmlns="" id="{05F8530F-49F6-48DF-AD43-D138C77A6596}"/>
               </a:ext>
             </a:extLst>
           </p:cNvPr>
@@ -23916,7 +24154,7 @@
           <p:cNvPr id="119" name="자유형: 도형 389">
             <a:extLst>
               <a:ext uri="{FF2B5EF4-FFF2-40B4-BE49-F238E27FC236}">
-                <a16:creationId xmlns="" xmlns:a16="http://schemas.microsoft.com/office/drawing/2014/main" id="{98DCEC21-B8BD-43A7-8436-449C4406D27B}"/>
+                <a16:creationId xmlns:a16="http://schemas.microsoft.com/office/drawing/2014/main" xmlns="" id="{98DCEC21-B8BD-43A7-8436-449C4406D27B}"/>
               </a:ext>
             </a:extLst>
           </p:cNvPr>
@@ -24061,7 +24299,7 @@
           <p:cNvPr id="120" name="자유형: 도형 390">
             <a:extLst>
               <a:ext uri="{FF2B5EF4-FFF2-40B4-BE49-F238E27FC236}">
-                <a16:creationId xmlns="" xmlns:a16="http://schemas.microsoft.com/office/drawing/2014/main" id="{71FAF07A-965F-4A51-9977-FFFFAA15A432}"/>
+                <a16:creationId xmlns:a16="http://schemas.microsoft.com/office/drawing/2014/main" xmlns="" id="{71FAF07A-965F-4A51-9977-FFFFAA15A432}"/>
               </a:ext>
             </a:extLst>
           </p:cNvPr>
@@ -24206,7 +24444,7 @@
           <p:cNvPr id="121" name="자유형: 도형 391">
             <a:extLst>
               <a:ext uri="{FF2B5EF4-FFF2-40B4-BE49-F238E27FC236}">
-                <a16:creationId xmlns="" xmlns:a16="http://schemas.microsoft.com/office/drawing/2014/main" id="{5047EEFB-CDDB-46B7-AA56-F96C5BF34725}"/>
+                <a16:creationId xmlns:a16="http://schemas.microsoft.com/office/drawing/2014/main" xmlns="" id="{5047EEFB-CDDB-46B7-AA56-F96C5BF34725}"/>
               </a:ext>
             </a:extLst>
           </p:cNvPr>
@@ -24351,7 +24589,7 @@
           <p:cNvPr id="122" name="자유형: 도형 392">
             <a:extLst>
               <a:ext uri="{FF2B5EF4-FFF2-40B4-BE49-F238E27FC236}">
-                <a16:creationId xmlns="" xmlns:a16="http://schemas.microsoft.com/office/drawing/2014/main" id="{2D343500-5462-4C95-880B-385171314AB6}"/>
+                <a16:creationId xmlns:a16="http://schemas.microsoft.com/office/drawing/2014/main" xmlns="" id="{2D343500-5462-4C95-880B-385171314AB6}"/>
               </a:ext>
             </a:extLst>
           </p:cNvPr>
@@ -24496,7 +24734,7 @@
           <p:cNvPr id="123" name="자유형: 도형 393">
             <a:extLst>
               <a:ext uri="{FF2B5EF4-FFF2-40B4-BE49-F238E27FC236}">
-                <a16:creationId xmlns="" xmlns:a16="http://schemas.microsoft.com/office/drawing/2014/main" id="{7B3DA1B8-BF1B-4513-966C-2A916F28EFB9}"/>
+                <a16:creationId xmlns:a16="http://schemas.microsoft.com/office/drawing/2014/main" xmlns="" id="{7B3DA1B8-BF1B-4513-966C-2A916F28EFB9}"/>
               </a:ext>
             </a:extLst>
           </p:cNvPr>
@@ -24641,7 +24879,7 @@
           <p:cNvPr id="124" name="자유형: 도형 394">
             <a:extLst>
               <a:ext uri="{FF2B5EF4-FFF2-40B4-BE49-F238E27FC236}">
-                <a16:creationId xmlns="" xmlns:a16="http://schemas.microsoft.com/office/drawing/2014/main" id="{28F89FC3-982F-4923-9453-6F57D8E1E307}"/>
+                <a16:creationId xmlns:a16="http://schemas.microsoft.com/office/drawing/2014/main" xmlns="" id="{28F89FC3-982F-4923-9453-6F57D8E1E307}"/>
               </a:ext>
             </a:extLst>
           </p:cNvPr>
@@ -24786,7 +25024,7 @@
           <p:cNvPr id="125" name="자유형: 도형 395">
             <a:extLst>
               <a:ext uri="{FF2B5EF4-FFF2-40B4-BE49-F238E27FC236}">
-                <a16:creationId xmlns="" xmlns:a16="http://schemas.microsoft.com/office/drawing/2014/main" id="{0F995921-8CFB-4A23-8C8B-B2815AE8670A}"/>
+                <a16:creationId xmlns:a16="http://schemas.microsoft.com/office/drawing/2014/main" xmlns="" id="{0F995921-8CFB-4A23-8C8B-B2815AE8670A}"/>
               </a:ext>
             </a:extLst>
           </p:cNvPr>
@@ -24931,7 +25169,7 @@
           <p:cNvPr id="126" name="자유형: 도형 396">
             <a:extLst>
               <a:ext uri="{FF2B5EF4-FFF2-40B4-BE49-F238E27FC236}">
-                <a16:creationId xmlns="" xmlns:a16="http://schemas.microsoft.com/office/drawing/2014/main" id="{38E18007-DA79-4D7B-96F0-FEC1EB21386C}"/>
+                <a16:creationId xmlns:a16="http://schemas.microsoft.com/office/drawing/2014/main" xmlns="" id="{38E18007-DA79-4D7B-96F0-FEC1EB21386C}"/>
               </a:ext>
             </a:extLst>
           </p:cNvPr>
@@ -25076,7 +25314,7 @@
           <p:cNvPr id="127" name="자유형: 도형 397">
             <a:extLst>
               <a:ext uri="{FF2B5EF4-FFF2-40B4-BE49-F238E27FC236}">
-                <a16:creationId xmlns="" xmlns:a16="http://schemas.microsoft.com/office/drawing/2014/main" id="{C0E1BE7B-0A87-404E-B319-F1AE13922904}"/>
+                <a16:creationId xmlns:a16="http://schemas.microsoft.com/office/drawing/2014/main" xmlns="" id="{C0E1BE7B-0A87-404E-B319-F1AE13922904}"/>
               </a:ext>
             </a:extLst>
           </p:cNvPr>
@@ -25221,7 +25459,7 @@
           <p:cNvPr id="128" name="자유형: 도형 398">
             <a:extLst>
               <a:ext uri="{FF2B5EF4-FFF2-40B4-BE49-F238E27FC236}">
-                <a16:creationId xmlns="" xmlns:a16="http://schemas.microsoft.com/office/drawing/2014/main" id="{675C7C0F-8C6D-4AAF-BC5F-2B81DEB3E4E8}"/>
+                <a16:creationId xmlns:a16="http://schemas.microsoft.com/office/drawing/2014/main" xmlns="" id="{675C7C0F-8C6D-4AAF-BC5F-2B81DEB3E4E8}"/>
               </a:ext>
             </a:extLst>
           </p:cNvPr>
@@ -25366,7 +25604,7 @@
           <p:cNvPr id="129" name="자유형: 도형 399">
             <a:extLst>
               <a:ext uri="{FF2B5EF4-FFF2-40B4-BE49-F238E27FC236}">
-                <a16:creationId xmlns="" xmlns:a16="http://schemas.microsoft.com/office/drawing/2014/main" id="{846A25C2-933F-44C2-A0FE-4110FBEBA915}"/>
+                <a16:creationId xmlns:a16="http://schemas.microsoft.com/office/drawing/2014/main" xmlns="" id="{846A25C2-933F-44C2-A0FE-4110FBEBA915}"/>
               </a:ext>
             </a:extLst>
           </p:cNvPr>
@@ -25511,7 +25749,7 @@
           <p:cNvPr id="130" name="자유형: 도형 400">
             <a:extLst>
               <a:ext uri="{FF2B5EF4-FFF2-40B4-BE49-F238E27FC236}">
-                <a16:creationId xmlns="" xmlns:a16="http://schemas.microsoft.com/office/drawing/2014/main" id="{5EBA2B3B-7A04-4662-B870-F720B8538988}"/>
+                <a16:creationId xmlns:a16="http://schemas.microsoft.com/office/drawing/2014/main" xmlns="" id="{5EBA2B3B-7A04-4662-B870-F720B8538988}"/>
               </a:ext>
             </a:extLst>
           </p:cNvPr>
@@ -25656,7 +25894,7 @@
           <p:cNvPr id="131" name="직사각형 130">
             <a:extLst>
               <a:ext uri="{FF2B5EF4-FFF2-40B4-BE49-F238E27FC236}">
-                <a16:creationId xmlns="" xmlns:a16="http://schemas.microsoft.com/office/drawing/2014/main" id="{8E46B02D-66F3-495A-BE76-8FA2A68509CF}"/>
+                <a16:creationId xmlns:a16="http://schemas.microsoft.com/office/drawing/2014/main" xmlns="" id="{8E46B02D-66F3-495A-BE76-8FA2A68509CF}"/>
               </a:ext>
             </a:extLst>
           </p:cNvPr>
@@ -25712,7 +25950,7 @@
           <p:cNvPr id="132" name="직사각형 131">
             <a:extLst>
               <a:ext uri="{FF2B5EF4-FFF2-40B4-BE49-F238E27FC236}">
-                <a16:creationId xmlns:a16="http://schemas.microsoft.com/office/drawing/2014/main" xmlns="" id="{7FEC52E6-E0E1-427E-87A8-FEE2AAF979A8}"/>
+                <a16:creationId xmlns="" xmlns:a16="http://schemas.microsoft.com/office/drawing/2014/main" id="{7FEC52E6-E0E1-427E-87A8-FEE2AAF979A8}"/>
               </a:ext>
             </a:extLst>
           </p:cNvPr>
@@ -26847,7 +27085,7 @@
           <p:cNvPr id="114" name="직사각형 113">
             <a:extLst>
               <a:ext uri="{FF2B5EF4-FFF2-40B4-BE49-F238E27FC236}">
-                <a16:creationId xmlns:a16="http://schemas.microsoft.com/office/drawing/2014/main" xmlns="" id="{3FA00699-5178-465A-9F3F-130CF1431F70}"/>
+                <a16:creationId xmlns="" xmlns:a16="http://schemas.microsoft.com/office/drawing/2014/main" id="{3FA00699-5178-465A-9F3F-130CF1431F70}"/>
               </a:ext>
             </a:extLst>
           </p:cNvPr>
@@ -27172,7 +27410,7 @@
           <p:cNvPr id="122" name="직사각형 121">
             <a:extLst>
               <a:ext uri="{FF2B5EF4-FFF2-40B4-BE49-F238E27FC236}">
-                <a16:creationId xmlns:a16="http://schemas.microsoft.com/office/drawing/2014/main" xmlns="" id="{3FA00699-5178-465A-9F3F-130CF1431F70}"/>
+                <a16:creationId xmlns="" xmlns:a16="http://schemas.microsoft.com/office/drawing/2014/main" id="{3FA00699-5178-465A-9F3F-130CF1431F70}"/>
               </a:ext>
             </a:extLst>
           </p:cNvPr>
@@ -27497,7 +27735,7 @@
           <p:cNvPr id="130" name="직사각형 129">
             <a:extLst>
               <a:ext uri="{FF2B5EF4-FFF2-40B4-BE49-F238E27FC236}">
-                <a16:creationId xmlns:a16="http://schemas.microsoft.com/office/drawing/2014/main" xmlns="" id="{3FA00699-5178-465A-9F3F-130CF1431F70}"/>
+                <a16:creationId xmlns="" xmlns:a16="http://schemas.microsoft.com/office/drawing/2014/main" id="{3FA00699-5178-465A-9F3F-130CF1431F70}"/>
               </a:ext>
             </a:extLst>
           </p:cNvPr>
@@ -29476,23 +29714,7 @@
                   <a:schemeClr val="bg1"/>
                 </a:solidFill>
               </a:rPr>
-              <a:t>다음 창</a:t>
-            </a:r>
-            <a:r>
-              <a:rPr lang="ko-KR" altLang="en-US" sz="1100" dirty="0" smtClean="0">
-                <a:solidFill>
-                  <a:schemeClr val="bg1"/>
-                </a:solidFill>
-              </a:rPr>
-              <a:t> </a:t>
-            </a:r>
-            <a:r>
-              <a:rPr lang="ko-KR" altLang="en-US" sz="1100" dirty="0" smtClean="0">
-                <a:solidFill>
-                  <a:schemeClr val="bg1"/>
-                </a:solidFill>
-              </a:rPr>
-              <a:t>연결</a:t>
+              <a:t>다음 창 연결</a:t>
             </a:r>
             <a:endParaRPr lang="ko-KR" altLang="en-US" sz="1100" dirty="0">
               <a:solidFill>
@@ -30251,7 +30473,7 @@
           <p:cNvPr id="26" name="직사각형 25">
             <a:extLst>
               <a:ext uri="{FF2B5EF4-FFF2-40B4-BE49-F238E27FC236}">
-                <a16:creationId xmlns:a16="http://schemas.microsoft.com/office/drawing/2014/main" xmlns="" id="{3FA00699-5178-465A-9F3F-130CF1431F70}"/>
+                <a16:creationId xmlns="" xmlns:a16="http://schemas.microsoft.com/office/drawing/2014/main" id="{3FA00699-5178-465A-9F3F-130CF1431F70}"/>
               </a:ext>
             </a:extLst>
           </p:cNvPr>
@@ -30299,7 +30521,7 @@
           <p:cNvPr id="27" name="직사각형 26">
             <a:extLst>
               <a:ext uri="{FF2B5EF4-FFF2-40B4-BE49-F238E27FC236}">
-                <a16:creationId xmlns:a16="http://schemas.microsoft.com/office/drawing/2014/main" xmlns="" id="{3FA00699-5178-465A-9F3F-130CF1431F70}"/>
+                <a16:creationId xmlns="" xmlns:a16="http://schemas.microsoft.com/office/drawing/2014/main" id="{3FA00699-5178-465A-9F3F-130CF1431F70}"/>
               </a:ext>
             </a:extLst>
           </p:cNvPr>
@@ -30355,7 +30577,7 @@
           <p:cNvPr id="28" name="직사각형 27">
             <a:extLst>
               <a:ext uri="{FF2B5EF4-FFF2-40B4-BE49-F238E27FC236}">
-                <a16:creationId xmlns:a16="http://schemas.microsoft.com/office/drawing/2014/main" xmlns="" id="{3FA00699-5178-465A-9F3F-130CF1431F70}"/>
+                <a16:creationId xmlns="" xmlns:a16="http://schemas.microsoft.com/office/drawing/2014/main" id="{3FA00699-5178-465A-9F3F-130CF1431F70}"/>
               </a:ext>
             </a:extLst>
           </p:cNvPr>
@@ -30998,7 +31220,7 @@
         </p:nvSpPr>
         <p:spPr>
           <a:xfrm>
-            <a:off x="8640976" y="4430378"/>
+            <a:off x="8772694" y="4343567"/>
             <a:ext cx="2343429" cy="852928"/>
           </a:xfrm>
           <a:prstGeom prst="roundRect">
@@ -31049,7 +31271,7 @@
         </p:nvSpPr>
         <p:spPr>
           <a:xfrm>
-            <a:off x="8924883" y="4672176"/>
+            <a:off x="9056601" y="4585365"/>
             <a:ext cx="1805950" cy="369332"/>
           </a:xfrm>
           <a:prstGeom prst="rect">
@@ -31063,13 +31285,22 @@
           </a:bodyPr>
           <a:lstStyle/>
           <a:p>
+            <a:pPr algn="ctr"/>
+            <a:r>
+              <a:rPr lang="ko-KR" altLang="en-US" b="1" dirty="0" err="1">
+                <a:solidFill>
+                  <a:schemeClr val="bg1"/>
+                </a:solidFill>
+              </a:rPr>
+              <a:t>툴</a:t>
+            </a:r>
             <a:r>
               <a:rPr lang="ko-KR" altLang="en-US" b="1" dirty="0" err="1" smtClean="0">
                 <a:solidFill>
                   <a:schemeClr val="bg1"/>
                 </a:solidFill>
               </a:rPr>
-              <a:t>툴팁</a:t>
+              <a:t>팁</a:t>
             </a:r>
             <a:r>
               <a:rPr lang="en-US" altLang="ko-KR" b="1" dirty="0" smtClean="0">
@@ -31106,8 +31337,8 @@
         </p:nvCxnSpPr>
         <p:spPr>
           <a:xfrm flipV="1">
-            <a:off x="1603149" y="4856842"/>
-            <a:ext cx="7037827" cy="467063"/>
+            <a:off x="1603149" y="4770031"/>
+            <a:ext cx="7169545" cy="553874"/>
           </a:xfrm>
           <a:prstGeom prst="line">
             <a:avLst/>
@@ -31141,7 +31372,7 @@
         </p:nvSpPr>
         <p:spPr>
           <a:xfrm>
-            <a:off x="8656143" y="3127401"/>
+            <a:off x="8772394" y="3127401"/>
             <a:ext cx="2343429" cy="852928"/>
           </a:xfrm>
           <a:prstGeom prst="roundRect">
@@ -31192,7 +31423,7 @@
         </p:nvSpPr>
         <p:spPr>
           <a:xfrm>
-            <a:off x="8924882" y="3369199"/>
+            <a:off x="9041133" y="3369199"/>
             <a:ext cx="1805950" cy="369332"/>
           </a:xfrm>
           <a:prstGeom prst="rect">
@@ -31206,6 +31437,7 @@
           </a:bodyPr>
           <a:lstStyle/>
           <a:p>
+            <a:pPr algn="ctr"/>
             <a:r>
               <a:rPr lang="ko-KR" altLang="en-US" b="1" dirty="0" smtClean="0">
                 <a:solidFill>
@@ -31234,7 +31466,7 @@
         <p:spPr>
           <a:xfrm>
             <a:off x="7153834" y="3553865"/>
-            <a:ext cx="1502309" cy="0"/>
+            <a:ext cx="1618560" cy="0"/>
           </a:xfrm>
           <a:prstGeom prst="line">
             <a:avLst/>
@@ -31319,7 +31551,7 @@
         </p:nvSpPr>
         <p:spPr>
           <a:xfrm>
-            <a:off x="8650440" y="1820542"/>
+            <a:off x="8772694" y="1897956"/>
             <a:ext cx="2343429" cy="852928"/>
           </a:xfrm>
           <a:prstGeom prst="roundRect">
@@ -31370,8 +31602,8 @@
         </p:nvSpPr>
         <p:spPr>
           <a:xfrm>
-            <a:off x="8924883" y="1923840"/>
-            <a:ext cx="1805950" cy="646331"/>
+            <a:off x="8820379" y="2139754"/>
+            <a:ext cx="2247458" cy="369332"/>
           </a:xfrm>
           <a:prstGeom prst="rect">
             <a:avLst/>
@@ -31384,31 +31616,14 @@
           </a:bodyPr>
           <a:lstStyle/>
           <a:p>
+            <a:pPr algn="ctr"/>
             <a:r>
               <a:rPr lang="ko-KR" altLang="en-US" b="1" dirty="0" smtClean="0">
                 <a:solidFill>
                   <a:schemeClr val="bg1"/>
                 </a:solidFill>
               </a:rPr>
-              <a:t>이미지</a:t>
-            </a:r>
-            <a:r>
-              <a:rPr lang="en-US" altLang="ko-KR" b="1" dirty="0" smtClean="0">
-                <a:solidFill>
-                  <a:schemeClr val="bg1"/>
-                </a:solidFill>
-              </a:rPr>
-              <a:t>(gif),</a:t>
-            </a:r>
-          </a:p>
-          <a:p>
-            <a:r>
-              <a:rPr lang="ko-KR" altLang="en-US" b="1" dirty="0" smtClean="0">
-                <a:solidFill>
-                  <a:schemeClr val="bg1"/>
-                </a:solidFill>
-              </a:rPr>
-              <a:t>텍스트 박스</a:t>
+              <a:t>시스템 종료 문구</a:t>
             </a:r>
             <a:endParaRPr lang="en-US" altLang="ko-KR" b="1" dirty="0" smtClean="0">
               <a:solidFill>
@@ -31420,14 +31635,14 @@
       </p:sp>
       <p:sp>
         <p:nvSpPr>
-          <p:cNvPr id="66" name="모서리가 둥근 직사각형 65"/>
+          <p:cNvPr id="67" name="모서리가 둥근 직사각형 66"/>
           <p:cNvSpPr/>
           <p:nvPr/>
         </p:nvSpPr>
         <p:spPr>
           <a:xfrm>
-            <a:off x="1391227" y="2136161"/>
-            <a:ext cx="3102597" cy="3158934"/>
+            <a:off x="7110423" y="1681841"/>
+            <a:ext cx="266249" cy="216115"/>
           </a:xfrm>
           <a:prstGeom prst="roundRect">
             <a:avLst/>
@@ -31469,16 +31684,54 @@
           </a:p>
         </p:txBody>
       </p:sp>
+      <p:cxnSp>
+        <p:nvCxnSpPr>
+          <p:cNvPr id="73" name="직선 연결선 72"/>
+          <p:cNvCxnSpPr>
+            <a:stCxn id="67" idx="3"/>
+            <a:endCxn id="56" idx="1"/>
+          </p:cNvCxnSpPr>
+          <p:nvPr/>
+        </p:nvCxnSpPr>
+        <p:spPr>
+          <a:xfrm>
+            <a:off x="7376672" y="1789899"/>
+            <a:ext cx="1396022" cy="534521"/>
+          </a:xfrm>
+          <a:prstGeom prst="line">
+            <a:avLst/>
+          </a:prstGeom>
+          <a:ln w="12700">
+            <a:solidFill>
+              <a:srgbClr val="404040"/>
+            </a:solidFill>
+          </a:ln>
+        </p:spPr>
+        <p:style>
+          <a:lnRef idx="1">
+            <a:schemeClr val="accent1"/>
+          </a:lnRef>
+          <a:fillRef idx="0">
+            <a:schemeClr val="accent1"/>
+          </a:fillRef>
+          <a:effectRef idx="0">
+            <a:schemeClr val="accent1"/>
+          </a:effectRef>
+          <a:fontRef idx="minor">
+            <a:schemeClr val="tx1"/>
+          </a:fontRef>
+        </p:style>
+      </p:cxnSp>
       <p:sp>
         <p:nvSpPr>
-          <p:cNvPr id="67" name="모서리가 둥근 직사각형 66"/>
+          <p:cNvPr id="3" name="모서리가 둥근 직사각형 2"/>
           <p:cNvSpPr/>
           <p:nvPr/>
         </p:nvSpPr>
         <p:spPr>
           <a:xfrm>
-            <a:off x="5555555" y="5003148"/>
-            <a:ext cx="1905641" cy="509638"/>
+            <a:off x="1321653" y="5196495"/>
+            <a:ext cx="281496" cy="254819"/>
           </a:xfrm>
           <a:prstGeom prst="roundRect">
             <a:avLst/>
@@ -31520,139 +31773,12 @@
           </a:p>
         </p:txBody>
       </p:sp>
-      <p:cxnSp>
-        <p:nvCxnSpPr>
-          <p:cNvPr id="70" name="직선 연결선 69"/>
-          <p:cNvCxnSpPr>
-            <a:stCxn id="66" idx="3"/>
-            <a:endCxn id="56" idx="1"/>
-          </p:cNvCxnSpPr>
-          <p:nvPr/>
-        </p:nvCxnSpPr>
-        <p:spPr>
-          <a:xfrm flipV="1">
-            <a:off x="4493824" y="2247006"/>
-            <a:ext cx="4156616" cy="1468622"/>
-          </a:xfrm>
-          <a:prstGeom prst="line">
-            <a:avLst/>
-          </a:prstGeom>
-          <a:ln w="12700">
-            <a:solidFill>
-              <a:srgbClr val="404040"/>
-            </a:solidFill>
-          </a:ln>
-        </p:spPr>
-        <p:style>
-          <a:lnRef idx="1">
-            <a:schemeClr val="accent1"/>
-          </a:lnRef>
-          <a:fillRef idx="0">
-            <a:schemeClr val="accent1"/>
-          </a:fillRef>
-          <a:effectRef idx="0">
-            <a:schemeClr val="accent1"/>
-          </a:effectRef>
-          <a:fontRef idx="minor">
-            <a:schemeClr val="tx1"/>
-          </a:fontRef>
-        </p:style>
-      </p:cxnSp>
-      <p:cxnSp>
-        <p:nvCxnSpPr>
-          <p:cNvPr id="73" name="직선 연결선 72"/>
-          <p:cNvCxnSpPr>
-            <a:stCxn id="67" idx="3"/>
-            <a:endCxn id="56" idx="1"/>
-          </p:cNvCxnSpPr>
-          <p:nvPr/>
-        </p:nvCxnSpPr>
-        <p:spPr>
-          <a:xfrm flipV="1">
-            <a:off x="7461196" y="2247006"/>
-            <a:ext cx="1189244" cy="3010961"/>
-          </a:xfrm>
-          <a:prstGeom prst="line">
-            <a:avLst/>
-          </a:prstGeom>
-          <a:ln w="12700">
-            <a:solidFill>
-              <a:srgbClr val="404040"/>
-            </a:solidFill>
-          </a:ln>
-        </p:spPr>
-        <p:style>
-          <a:lnRef idx="1">
-            <a:schemeClr val="accent1"/>
-          </a:lnRef>
-          <a:fillRef idx="0">
-            <a:schemeClr val="accent1"/>
-          </a:fillRef>
-          <a:effectRef idx="0">
-            <a:schemeClr val="accent1"/>
-          </a:effectRef>
-          <a:fontRef idx="minor">
-            <a:schemeClr val="tx1"/>
-          </a:fontRef>
-        </p:style>
-      </p:cxnSp>
-      <p:sp>
-        <p:nvSpPr>
-          <p:cNvPr id="3" name="모서리가 둥근 직사각형 2"/>
-          <p:cNvSpPr/>
-          <p:nvPr/>
-        </p:nvSpPr>
-        <p:spPr>
-          <a:xfrm>
-            <a:off x="1321653" y="5196495"/>
-            <a:ext cx="281496" cy="254819"/>
-          </a:xfrm>
-          <a:prstGeom prst="roundRect">
-            <a:avLst/>
-          </a:prstGeom>
-          <a:noFill/>
-          <a:ln>
-            <a:solidFill>
-              <a:srgbClr val="404040"/>
-            </a:solidFill>
-          </a:ln>
-        </p:spPr>
-        <p:style>
-          <a:lnRef idx="2">
-            <a:schemeClr val="accent1">
-              <a:shade val="50000"/>
-            </a:schemeClr>
-          </a:lnRef>
-          <a:fillRef idx="1">
-            <a:schemeClr val="accent1"/>
-          </a:fillRef>
-          <a:effectRef idx="0">
-            <a:schemeClr val="accent1"/>
-          </a:effectRef>
-          <a:fontRef idx="minor">
-            <a:schemeClr val="lt1"/>
-          </a:fontRef>
-        </p:style>
-        <p:txBody>
-          <a:bodyPr rot="0" spcFirstLastPara="0" vertOverflow="overflow" horzOverflow="overflow" vert="horz" wrap="square" lIns="91440" tIns="45720" rIns="91440" bIns="45720" numCol="1" spcCol="0" rtlCol="0" fromWordArt="0" anchor="ctr" anchorCtr="0" forceAA="0" compatLnSpc="1">
-            <a:prstTxWarp prst="textNoShape">
-              <a:avLst/>
-            </a:prstTxWarp>
-            <a:noAutofit/>
-          </a:bodyPr>
-          <a:lstStyle/>
-          <a:p>
-            <a:pPr algn="ctr"/>
-            <a:endParaRPr lang="ko-KR" altLang="en-US"/>
-          </a:p>
-        </p:txBody>
-      </p:sp>
       <p:sp>
         <p:nvSpPr>
           <p:cNvPr id="30" name="직사각형 29">
             <a:extLst>
               <a:ext uri="{FF2B5EF4-FFF2-40B4-BE49-F238E27FC236}">
-                <a16:creationId xmlns:a16="http://schemas.microsoft.com/office/drawing/2014/main" xmlns="" id="{3FA00699-5178-465A-9F3F-130CF1431F70}"/>
+                <a16:creationId xmlns="" xmlns:a16="http://schemas.microsoft.com/office/drawing/2014/main" id="{3FA00699-5178-465A-9F3F-130CF1431F70}"/>
               </a:ext>
             </a:extLst>
           </p:cNvPr>
@@ -31810,7 +31936,7 @@
         </p:nvSpPr>
         <p:spPr>
           <a:xfrm>
-            <a:off x="453610" y="986971"/>
+            <a:off x="452968" y="982410"/>
             <a:ext cx="11327709" cy="5689600"/>
           </a:xfrm>
           <a:prstGeom prst="rect">
@@ -32265,7 +32391,7 @@
         </p:nvSpPr>
         <p:spPr>
           <a:xfrm>
-            <a:off x="8743799" y="3734553"/>
+            <a:off x="8772694" y="3096779"/>
             <a:ext cx="2343429" cy="852928"/>
           </a:xfrm>
           <a:prstGeom prst="roundRect">
@@ -32316,7 +32442,7 @@
         </p:nvSpPr>
         <p:spPr>
           <a:xfrm>
-            <a:off x="9027706" y="3976351"/>
+            <a:off x="9056601" y="3338577"/>
             <a:ext cx="1805950" cy="369332"/>
           </a:xfrm>
           <a:prstGeom prst="rect">
@@ -32330,6 +32456,7 @@
           </a:bodyPr>
           <a:lstStyle/>
           <a:p>
+            <a:pPr algn="ctr"/>
             <a:r>
               <a:rPr lang="ko-KR" altLang="en-US" b="1" dirty="0">
                 <a:solidFill>
@@ -32354,7 +32481,7 @@
         </p:nvSpPr>
         <p:spPr>
           <a:xfrm>
-            <a:off x="8752273" y="2623847"/>
+            <a:off x="8761389" y="1830046"/>
             <a:ext cx="2343429" cy="852928"/>
           </a:xfrm>
           <a:prstGeom prst="roundRect">
@@ -32405,7 +32532,7 @@
         </p:nvSpPr>
         <p:spPr>
           <a:xfrm>
-            <a:off x="9027706" y="2865645"/>
+            <a:off x="9041433" y="2071844"/>
             <a:ext cx="1805950" cy="369332"/>
           </a:xfrm>
           <a:prstGeom prst="rect">
@@ -32419,6 +32546,7 @@
           </a:bodyPr>
           <a:lstStyle/>
           <a:p>
+            <a:pPr algn="ctr"/>
             <a:r>
               <a:rPr lang="ko-KR" altLang="en-US" b="1" dirty="0" smtClean="0">
                 <a:solidFill>
@@ -32435,25 +32563,55 @@
           </a:p>
         </p:txBody>
       </p:sp>
+      <p:pic>
+        <p:nvPicPr>
+          <p:cNvPr id="29" name="그림 28"/>
+          <p:cNvPicPr>
+            <a:picLocks/>
+          </p:cNvPicPr>
+          <p:nvPr/>
+        </p:nvPicPr>
+        <p:blipFill>
+          <a:blip r:embed="rId2">
+            <a:extLst>
+              <a:ext uri="{28A0092B-C50C-407E-A947-70E740481C1C}">
+                <a14:useLocalDpi xmlns:a14="http://schemas.microsoft.com/office/drawing/2010/main" val="0"/>
+              </a:ext>
+            </a:extLst>
+          </a:blip>
+          <a:stretch>
+            <a:fillRect/>
+          </a:stretch>
+        </p:blipFill>
+        <p:spPr>
+          <a:xfrm>
+            <a:off x="1216980" y="1499384"/>
+            <a:ext cx="6494400" cy="4226400"/>
+          </a:xfrm>
+          <a:prstGeom prst="rect">
+            <a:avLst/>
+          </a:prstGeom>
+        </p:spPr>
+      </p:pic>
       <p:sp>
         <p:nvSpPr>
-          <p:cNvPr id="56" name="모서리가 둥근 직사각형 55"/>
+          <p:cNvPr id="25" name="모서리가 둥근 직사각형 24"/>
           <p:cNvSpPr/>
           <p:nvPr/>
         </p:nvSpPr>
         <p:spPr>
           <a:xfrm>
-            <a:off x="8752274" y="1583908"/>
-            <a:ext cx="2343429" cy="852928"/>
+            <a:off x="3672967" y="5064560"/>
+            <a:ext cx="1590595" cy="552468"/>
           </a:xfrm>
           <a:prstGeom prst="roundRect">
             <a:avLst/>
           </a:prstGeom>
-          <a:solidFill>
-            <a:srgbClr val="404040"/>
-          </a:solidFill>
+          <a:noFill/>
           <a:ln>
-            <a:noFill/>
+            <a:solidFill>
+              <a:srgbClr val="404040"/>
+            </a:solidFill>
           </a:ln>
         </p:spPr>
         <p:style>
@@ -32486,96 +32644,63 @@
           </a:p>
         </p:txBody>
       </p:sp>
-      <p:sp>
-        <p:nvSpPr>
-          <p:cNvPr id="57" name="TextBox 56"/>
-          <p:cNvSpPr txBox="1"/>
-          <p:nvPr/>
-        </p:nvSpPr>
-        <p:spPr>
-          <a:xfrm>
-            <a:off x="9026717" y="1825706"/>
-            <a:ext cx="1805950" cy="369332"/>
-          </a:xfrm>
-          <a:prstGeom prst="rect">
+      <p:cxnSp>
+        <p:nvCxnSpPr>
+          <p:cNvPr id="38" name="직선 연결선 37"/>
+          <p:cNvCxnSpPr>
+            <a:stCxn id="25" idx="3"/>
+            <a:endCxn id="14" idx="1"/>
+          </p:cNvCxnSpPr>
+          <p:nvPr/>
+        </p:nvCxnSpPr>
+        <p:spPr>
+          <a:xfrm flipV="1">
+            <a:off x="5263562" y="3523243"/>
+            <a:ext cx="3509132" cy="1817551"/>
+          </a:xfrm>
+          <a:prstGeom prst="line">
             <a:avLst/>
           </a:prstGeom>
-          <a:noFill/>
-        </p:spPr>
-        <p:txBody>
-          <a:bodyPr wrap="square" rtlCol="0">
-            <a:spAutoFit/>
-          </a:bodyPr>
-          <a:lstStyle/>
-          <a:p>
-            <a:r>
-              <a:rPr lang="ko-KR" altLang="en-US" b="1" dirty="0" smtClean="0">
-                <a:solidFill>
-                  <a:schemeClr val="bg1"/>
-                </a:solidFill>
-              </a:rPr>
-              <a:t>이미지</a:t>
-            </a:r>
-            <a:r>
-              <a:rPr lang="en-US" altLang="ko-KR" b="1" dirty="0" smtClean="0">
-                <a:solidFill>
-                  <a:schemeClr val="bg1"/>
-                </a:solidFill>
-              </a:rPr>
-              <a:t>(jpg)</a:t>
-            </a:r>
-          </a:p>
-        </p:txBody>
-      </p:sp>
-      <p:pic>
-        <p:nvPicPr>
-          <p:cNvPr id="29" name="그림 28"/>
-          <p:cNvPicPr>
-            <a:picLocks/>
-          </p:cNvPicPr>
-          <p:nvPr/>
-        </p:nvPicPr>
-        <p:blipFill>
-          <a:blip r:embed="rId2">
-            <a:extLst>
-              <a:ext uri="{28A0092B-C50C-407E-A947-70E740481C1C}">
-                <a14:useLocalDpi xmlns:a14="http://schemas.microsoft.com/office/drawing/2010/main" val="0"/>
-              </a:ext>
-            </a:extLst>
-          </a:blip>
-          <a:stretch>
-            <a:fillRect/>
-          </a:stretch>
-        </p:blipFill>
-        <p:spPr>
-          <a:xfrm>
-            <a:off x="1216980" y="1499384"/>
-            <a:ext cx="6494400" cy="4226400"/>
-          </a:xfrm>
-          <a:prstGeom prst="rect">
-            <a:avLst/>
-          </a:prstGeom>
-        </p:spPr>
-      </p:pic>
-      <p:sp>
-        <p:nvSpPr>
-          <p:cNvPr id="13" name="모서리가 둥근 직사각형 12"/>
-          <p:cNvSpPr/>
-          <p:nvPr/>
-        </p:nvSpPr>
-        <p:spPr>
-          <a:xfrm>
-            <a:off x="1414279" y="2024701"/>
-            <a:ext cx="3165404" cy="3204549"/>
-          </a:xfrm>
-          <a:prstGeom prst="roundRect">
-            <a:avLst/>
-          </a:prstGeom>
-          <a:noFill/>
-          <a:ln>
+          <a:ln w="12700">
             <a:solidFill>
               <a:srgbClr val="404040"/>
             </a:solidFill>
+          </a:ln>
+        </p:spPr>
+        <p:style>
+          <a:lnRef idx="1">
+            <a:schemeClr val="accent1"/>
+          </a:lnRef>
+          <a:fillRef idx="0">
+            <a:schemeClr val="accent1"/>
+          </a:fillRef>
+          <a:effectRef idx="0">
+            <a:schemeClr val="accent1"/>
+          </a:effectRef>
+          <a:fontRef idx="minor">
+            <a:schemeClr val="tx1"/>
+          </a:fontRef>
+        </p:style>
+      </p:cxnSp>
+      <p:sp>
+        <p:nvSpPr>
+          <p:cNvPr id="43" name="모서리가 둥근 직사각형 42"/>
+          <p:cNvSpPr/>
+          <p:nvPr/>
+        </p:nvSpPr>
+        <p:spPr>
+          <a:xfrm>
+            <a:off x="8764220" y="4378230"/>
+            <a:ext cx="2343429" cy="852928"/>
+          </a:xfrm>
+          <a:prstGeom prst="roundRect">
+            <a:avLst/>
+          </a:prstGeom>
+          <a:solidFill>
+            <a:srgbClr val="404040"/>
+          </a:solidFill>
+          <a:ln>
+            <a:noFill/>
           </a:ln>
         </p:spPr>
         <p:style>
@@ -32608,19 +32733,58 @@
           </a:p>
         </p:txBody>
       </p:sp>
+      <p:sp>
+        <p:nvSpPr>
+          <p:cNvPr id="44" name="TextBox 43"/>
+          <p:cNvSpPr txBox="1"/>
+          <p:nvPr/>
+        </p:nvSpPr>
+        <p:spPr>
+          <a:xfrm>
+            <a:off x="9048127" y="4620028"/>
+            <a:ext cx="1805950" cy="369332"/>
+          </a:xfrm>
+          <a:prstGeom prst="rect">
+            <a:avLst/>
+          </a:prstGeom>
+          <a:noFill/>
+        </p:spPr>
+        <p:txBody>
+          <a:bodyPr wrap="square" rtlCol="0">
+            <a:spAutoFit/>
+          </a:bodyPr>
+          <a:lstStyle/>
+          <a:p>
+            <a:pPr algn="ctr"/>
+            <a:r>
+              <a:rPr lang="ko-KR" altLang="en-US" b="1" dirty="0" smtClean="0">
+                <a:solidFill>
+                  <a:schemeClr val="bg1"/>
+                </a:solidFill>
+              </a:rPr>
+              <a:t>조회 화면 연결</a:t>
+            </a:r>
+            <a:endParaRPr lang="en-US" altLang="ko-KR" b="1" dirty="0">
+              <a:solidFill>
+                <a:schemeClr val="bg1"/>
+              </a:solidFill>
+            </a:endParaRPr>
+          </a:p>
+        </p:txBody>
+      </p:sp>
       <p:cxnSp>
         <p:nvCxnSpPr>
-          <p:cNvPr id="23" name="직선 연결선 22"/>
+          <p:cNvPr id="46" name="직선 연결선 45"/>
           <p:cNvCxnSpPr>
-            <a:stCxn id="13" idx="3"/>
-            <a:endCxn id="56" idx="1"/>
+            <a:stCxn id="33" idx="3"/>
+            <a:endCxn id="43" idx="1"/>
           </p:cNvCxnSpPr>
           <p:nvPr/>
         </p:nvCxnSpPr>
         <p:spPr>
           <a:xfrm flipV="1">
-            <a:off x="4579683" y="2010372"/>
-            <a:ext cx="4172591" cy="1616604"/>
+            <a:off x="7485832" y="4804694"/>
+            <a:ext cx="1278388" cy="582794"/>
           </a:xfrm>
           <a:prstGeom prst="line">
             <a:avLst/>
@@ -32648,14 +32812,14 @@
       </p:cxnSp>
       <p:sp>
         <p:nvSpPr>
-          <p:cNvPr id="25" name="모서리가 둥근 직사각형 24"/>
+          <p:cNvPr id="33" name="모서리가 둥근 직사각형 32"/>
           <p:cNvSpPr/>
           <p:nvPr/>
         </p:nvSpPr>
         <p:spPr>
           <a:xfrm>
-            <a:off x="3672967" y="5064560"/>
-            <a:ext cx="1590595" cy="552468"/>
+            <a:off x="6921158" y="5165632"/>
+            <a:ext cx="564674" cy="443712"/>
           </a:xfrm>
           <a:prstGeom prst="roundRect">
             <a:avLst/>
@@ -32697,63 +32861,25 @@
           </a:p>
         </p:txBody>
       </p:sp>
-      <p:cxnSp>
-        <p:nvCxnSpPr>
-          <p:cNvPr id="38" name="직선 연결선 37"/>
-          <p:cNvCxnSpPr>
-            <a:stCxn id="25" idx="3"/>
-            <a:endCxn id="14" idx="1"/>
-          </p:cNvCxnSpPr>
-          <p:nvPr/>
-        </p:nvCxnSpPr>
-        <p:spPr>
-          <a:xfrm flipV="1">
-            <a:off x="5263562" y="4161017"/>
-            <a:ext cx="3480237" cy="1179777"/>
-          </a:xfrm>
-          <a:prstGeom prst="line">
+      <p:sp>
+        <p:nvSpPr>
+          <p:cNvPr id="39" name="모서리가 둥근 직사각형 38"/>
+          <p:cNvSpPr/>
+          <p:nvPr/>
+        </p:nvSpPr>
+        <p:spPr>
+          <a:xfrm>
+            <a:off x="4910097" y="2195038"/>
+            <a:ext cx="2159214" cy="2869522"/>
+          </a:xfrm>
+          <a:prstGeom prst="roundRect">
             <a:avLst/>
           </a:prstGeom>
-          <a:ln w="12700">
+          <a:noFill/>
+          <a:ln>
             <a:solidFill>
               <a:srgbClr val="404040"/>
             </a:solidFill>
-          </a:ln>
-        </p:spPr>
-        <p:style>
-          <a:lnRef idx="1">
-            <a:schemeClr val="accent1"/>
-          </a:lnRef>
-          <a:fillRef idx="0">
-            <a:schemeClr val="accent1"/>
-          </a:fillRef>
-          <a:effectRef idx="0">
-            <a:schemeClr val="accent1"/>
-          </a:effectRef>
-          <a:fontRef idx="minor">
-            <a:schemeClr val="tx1"/>
-          </a:fontRef>
-        </p:style>
-      </p:cxnSp>
-      <p:sp>
-        <p:nvSpPr>
-          <p:cNvPr id="43" name="모서리가 둥근 직사각형 42"/>
-          <p:cNvSpPr/>
-          <p:nvPr/>
-        </p:nvSpPr>
-        <p:spPr>
-          <a:xfrm>
-            <a:off x="8743798" y="4764100"/>
-            <a:ext cx="2343429" cy="852928"/>
-          </a:xfrm>
-          <a:prstGeom prst="roundRect">
-            <a:avLst/>
-          </a:prstGeom>
-          <a:solidFill>
-            <a:srgbClr val="404040"/>
-          </a:solidFill>
-          <a:ln>
-            <a:noFill/>
           </a:ln>
         </p:spPr>
         <p:style>
@@ -32786,184 +32912,6 @@
           </a:p>
         </p:txBody>
       </p:sp>
-      <p:sp>
-        <p:nvSpPr>
-          <p:cNvPr id="44" name="TextBox 43"/>
-          <p:cNvSpPr txBox="1"/>
-          <p:nvPr/>
-        </p:nvSpPr>
-        <p:spPr>
-          <a:xfrm>
-            <a:off x="9027705" y="5005898"/>
-            <a:ext cx="1805950" cy="369332"/>
-          </a:xfrm>
-          <a:prstGeom prst="rect">
-            <a:avLst/>
-          </a:prstGeom>
-          <a:noFill/>
-        </p:spPr>
-        <p:txBody>
-          <a:bodyPr wrap="square" rtlCol="0">
-            <a:spAutoFit/>
-          </a:bodyPr>
-          <a:lstStyle/>
-          <a:p>
-            <a:r>
-              <a:rPr lang="ko-KR" altLang="en-US" b="1" dirty="0" smtClean="0">
-                <a:solidFill>
-                  <a:schemeClr val="bg1"/>
-                </a:solidFill>
-              </a:rPr>
-              <a:t>조회 화면 연결</a:t>
-            </a:r>
-            <a:endParaRPr lang="en-US" altLang="ko-KR" b="1" dirty="0">
-              <a:solidFill>
-                <a:schemeClr val="bg1"/>
-              </a:solidFill>
-            </a:endParaRPr>
-          </a:p>
-        </p:txBody>
-      </p:sp>
-      <p:cxnSp>
-        <p:nvCxnSpPr>
-          <p:cNvPr id="46" name="직선 연결선 45"/>
-          <p:cNvCxnSpPr>
-            <a:stCxn id="33" idx="3"/>
-            <a:endCxn id="43" idx="1"/>
-          </p:cNvCxnSpPr>
-          <p:nvPr/>
-        </p:nvCxnSpPr>
-        <p:spPr>
-          <a:xfrm flipV="1">
-            <a:off x="7485832" y="5190564"/>
-            <a:ext cx="1257966" cy="196924"/>
-          </a:xfrm>
-          <a:prstGeom prst="line">
-            <a:avLst/>
-          </a:prstGeom>
-          <a:ln w="12700">
-            <a:solidFill>
-              <a:srgbClr val="404040"/>
-            </a:solidFill>
-          </a:ln>
-        </p:spPr>
-        <p:style>
-          <a:lnRef idx="1">
-            <a:schemeClr val="accent1"/>
-          </a:lnRef>
-          <a:fillRef idx="0">
-            <a:schemeClr val="accent1"/>
-          </a:fillRef>
-          <a:effectRef idx="0">
-            <a:schemeClr val="accent1"/>
-          </a:effectRef>
-          <a:fontRef idx="minor">
-            <a:schemeClr val="tx1"/>
-          </a:fontRef>
-        </p:style>
-      </p:cxnSp>
-      <p:sp>
-        <p:nvSpPr>
-          <p:cNvPr id="33" name="모서리가 둥근 직사각형 32"/>
-          <p:cNvSpPr/>
-          <p:nvPr/>
-        </p:nvSpPr>
-        <p:spPr>
-          <a:xfrm>
-            <a:off x="6921158" y="5165632"/>
-            <a:ext cx="564674" cy="443712"/>
-          </a:xfrm>
-          <a:prstGeom prst="roundRect">
-            <a:avLst/>
-          </a:prstGeom>
-          <a:noFill/>
-          <a:ln>
-            <a:solidFill>
-              <a:srgbClr val="404040"/>
-            </a:solidFill>
-          </a:ln>
-        </p:spPr>
-        <p:style>
-          <a:lnRef idx="2">
-            <a:schemeClr val="accent1">
-              <a:shade val="50000"/>
-            </a:schemeClr>
-          </a:lnRef>
-          <a:fillRef idx="1">
-            <a:schemeClr val="accent1"/>
-          </a:fillRef>
-          <a:effectRef idx="0">
-            <a:schemeClr val="accent1"/>
-          </a:effectRef>
-          <a:fontRef idx="minor">
-            <a:schemeClr val="lt1"/>
-          </a:fontRef>
-        </p:style>
-        <p:txBody>
-          <a:bodyPr rot="0" spcFirstLastPara="0" vertOverflow="overflow" horzOverflow="overflow" vert="horz" wrap="square" lIns="91440" tIns="45720" rIns="91440" bIns="45720" numCol="1" spcCol="0" rtlCol="0" fromWordArt="0" anchor="ctr" anchorCtr="0" forceAA="0" compatLnSpc="1">
-            <a:prstTxWarp prst="textNoShape">
-              <a:avLst/>
-            </a:prstTxWarp>
-            <a:noAutofit/>
-          </a:bodyPr>
-          <a:lstStyle/>
-          <a:p>
-            <a:pPr algn="ctr"/>
-            <a:endParaRPr lang="ko-KR" altLang="en-US"/>
-          </a:p>
-        </p:txBody>
-      </p:sp>
-      <p:sp>
-        <p:nvSpPr>
-          <p:cNvPr id="39" name="모서리가 둥근 직사각형 38"/>
-          <p:cNvSpPr/>
-          <p:nvPr/>
-        </p:nvSpPr>
-        <p:spPr>
-          <a:xfrm>
-            <a:off x="4910097" y="2195038"/>
-            <a:ext cx="2159214" cy="2869522"/>
-          </a:xfrm>
-          <a:prstGeom prst="roundRect">
-            <a:avLst/>
-          </a:prstGeom>
-          <a:noFill/>
-          <a:ln>
-            <a:solidFill>
-              <a:srgbClr val="404040"/>
-            </a:solidFill>
-          </a:ln>
-        </p:spPr>
-        <p:style>
-          <a:lnRef idx="2">
-            <a:schemeClr val="accent1">
-              <a:shade val="50000"/>
-            </a:schemeClr>
-          </a:lnRef>
-          <a:fillRef idx="1">
-            <a:schemeClr val="accent1"/>
-          </a:fillRef>
-          <a:effectRef idx="0">
-            <a:schemeClr val="accent1"/>
-          </a:effectRef>
-          <a:fontRef idx="minor">
-            <a:schemeClr val="lt1"/>
-          </a:fontRef>
-        </p:style>
-        <p:txBody>
-          <a:bodyPr rot="0" spcFirstLastPara="0" vertOverflow="overflow" horzOverflow="overflow" vert="horz" wrap="square" lIns="91440" tIns="45720" rIns="91440" bIns="45720" numCol="1" spcCol="0" rtlCol="0" fromWordArt="0" anchor="ctr" anchorCtr="0" forceAA="0" compatLnSpc="1">
-            <a:prstTxWarp prst="textNoShape">
-              <a:avLst/>
-            </a:prstTxWarp>
-            <a:noAutofit/>
-          </a:bodyPr>
-          <a:lstStyle/>
-          <a:p>
-            <a:pPr algn="ctr"/>
-            <a:endParaRPr lang="ko-KR" altLang="en-US"/>
-          </a:p>
-        </p:txBody>
-      </p:sp>
       <p:cxnSp>
         <p:nvCxnSpPr>
           <p:cNvPr id="52" name="직선 연결선 51"/>
@@ -32975,8 +32923,8 @@
         </p:nvCxnSpPr>
         <p:spPr>
           <a:xfrm flipV="1">
-            <a:off x="7069311" y="3050311"/>
-            <a:ext cx="1682962" cy="579488"/>
+            <a:off x="7069311" y="2256510"/>
+            <a:ext cx="1692078" cy="1373289"/>
           </a:xfrm>
           <a:prstGeom prst="line">
             <a:avLst/>
@@ -33007,7 +32955,7 @@
           <p:cNvPr id="59" name="직사각형 58">
             <a:extLst>
               <a:ext uri="{FF2B5EF4-FFF2-40B4-BE49-F238E27FC236}">
-                <a16:creationId xmlns:a16="http://schemas.microsoft.com/office/drawing/2014/main" xmlns="" id="{3FA00699-5178-465A-9F3F-130CF1431F70}"/>
+                <a16:creationId xmlns="" xmlns:a16="http://schemas.microsoft.com/office/drawing/2014/main" id="{3FA00699-5178-465A-9F3F-130CF1431F70}"/>
               </a:ext>
             </a:extLst>
           </p:cNvPr>
@@ -33165,7 +33113,7 @@
         </p:nvSpPr>
         <p:spPr>
           <a:xfrm>
-            <a:off x="449943" y="990387"/>
+            <a:off x="449943" y="986972"/>
             <a:ext cx="11327709" cy="5689600"/>
           </a:xfrm>
           <a:prstGeom prst="rect">
@@ -33620,7 +33568,7 @@
         </p:nvSpPr>
         <p:spPr>
           <a:xfrm>
-            <a:off x="8582234" y="3092571"/>
+            <a:off x="8766001" y="3146359"/>
             <a:ext cx="2343429" cy="852928"/>
           </a:xfrm>
           <a:prstGeom prst="roundRect">
@@ -33671,7 +33619,7 @@
         </p:nvSpPr>
         <p:spPr>
           <a:xfrm>
-            <a:off x="8857667" y="3334369"/>
+            <a:off x="9041434" y="3388157"/>
             <a:ext cx="1805950" cy="369332"/>
           </a:xfrm>
           <a:prstGeom prst="rect">
@@ -33685,6 +33633,7 @@
           </a:bodyPr>
           <a:lstStyle/>
           <a:p>
+            <a:pPr algn="ctr"/>
             <a:r>
               <a:rPr lang="ko-KR" altLang="en-US" b="1" dirty="0" smtClean="0">
                 <a:solidFill>
@@ -33709,7 +33658,7 @@
         </p:nvSpPr>
         <p:spPr>
           <a:xfrm>
-            <a:off x="8582233" y="1779848"/>
+            <a:off x="8766000" y="1833636"/>
             <a:ext cx="2343429" cy="852928"/>
           </a:xfrm>
           <a:prstGeom prst="roundRect">
@@ -33760,7 +33709,7 @@
         </p:nvSpPr>
         <p:spPr>
           <a:xfrm>
-            <a:off x="8856676" y="2021646"/>
+            <a:off x="9040443" y="2075434"/>
             <a:ext cx="1805950" cy="369332"/>
           </a:xfrm>
           <a:prstGeom prst="rect">
@@ -33774,6 +33723,7 @@
           </a:bodyPr>
           <a:lstStyle/>
           <a:p>
+            <a:pPr algn="ctr"/>
             <a:r>
               <a:rPr lang="ko-KR" altLang="en-US" b="1" dirty="0" smtClean="0">
                 <a:solidFill>
@@ -33798,7 +33748,7 @@
         </p:nvSpPr>
         <p:spPr>
           <a:xfrm>
-            <a:off x="8588927" y="4492006"/>
+            <a:off x="8772694" y="4445902"/>
             <a:ext cx="2343429" cy="852928"/>
           </a:xfrm>
           <a:prstGeom prst="roundRect">
@@ -33934,7 +33884,7 @@
         <p:spPr>
           <a:xfrm>
             <a:off x="4118641" y="1933529"/>
-            <a:ext cx="4463592" cy="272783"/>
+            <a:ext cx="4647359" cy="326571"/>
           </a:xfrm>
           <a:prstGeom prst="line">
             <a:avLst/>
@@ -34015,14 +33965,15 @@
         <p:nvCxnSpPr>
           <p:cNvPr id="41" name="직선 연결선 40"/>
           <p:cNvCxnSpPr>
+            <a:stCxn id="26" idx="3"/>
             <a:endCxn id="35" idx="1"/>
           </p:cNvCxnSpPr>
           <p:nvPr/>
         </p:nvCxnSpPr>
         <p:spPr>
           <a:xfrm flipV="1">
-            <a:off x="7375680" y="3519035"/>
-            <a:ext cx="1206554" cy="519322"/>
+            <a:off x="7368987" y="3572823"/>
+            <a:ext cx="1397014" cy="25723"/>
           </a:xfrm>
           <a:prstGeom prst="line">
             <a:avLst/>
@@ -34110,8 +34061,8 @@
         </p:nvCxnSpPr>
         <p:spPr>
           <a:xfrm flipV="1">
-            <a:off x="7222991" y="4918470"/>
-            <a:ext cx="1365936" cy="310515"/>
+            <a:off x="7222991" y="4872366"/>
+            <a:ext cx="1549703" cy="356619"/>
           </a:xfrm>
           <a:prstGeom prst="line">
             <a:avLst/>
@@ -34145,7 +34096,7 @@
         </p:nvSpPr>
         <p:spPr>
           <a:xfrm>
-            <a:off x="8850972" y="4733804"/>
+            <a:off x="9034739" y="4687700"/>
             <a:ext cx="1805950" cy="369332"/>
           </a:xfrm>
           <a:prstGeom prst="rect">
@@ -34159,6 +34110,7 @@
           </a:bodyPr>
           <a:lstStyle/>
           <a:p>
+            <a:pPr algn="ctr"/>
             <a:r>
               <a:rPr lang="ko-KR" altLang="en-US" b="1" dirty="0" smtClean="0">
                 <a:solidFill>
@@ -34180,7 +34132,7 @@
           <p:cNvPr id="54" name="직사각형 53">
             <a:extLst>
               <a:ext uri="{FF2B5EF4-FFF2-40B4-BE49-F238E27FC236}">
-                <a16:creationId xmlns:a16="http://schemas.microsoft.com/office/drawing/2014/main" xmlns="" id="{3FA00699-5178-465A-9F3F-130CF1431F70}"/>
+                <a16:creationId xmlns="" xmlns:a16="http://schemas.microsoft.com/office/drawing/2014/main" id="{3FA00699-5178-465A-9F3F-130CF1431F70}"/>
               </a:ext>
             </a:extLst>
           </p:cNvPr>
@@ -34834,8 +34786,8 @@
         </p:nvCxnSpPr>
         <p:spPr>
           <a:xfrm flipV="1">
-            <a:off x="1380867" y="2773934"/>
-            <a:ext cx="6650978" cy="2596075"/>
+            <a:off x="1380867" y="4875998"/>
+            <a:ext cx="6573435" cy="494011"/>
           </a:xfrm>
           <a:prstGeom prst="line">
             <a:avLst/>
@@ -34871,9 +34823,9 @@
           <p:nvPr/>
         </p:nvCxnSpPr>
         <p:spPr>
-          <a:xfrm>
-            <a:off x="6923314" y="3599969"/>
-            <a:ext cx="916705" cy="1108919"/>
+          <a:xfrm flipV="1">
+            <a:off x="6923314" y="3212830"/>
+            <a:ext cx="1030988" cy="387139"/>
           </a:xfrm>
           <a:prstGeom prst="line">
             <a:avLst/>
@@ -35023,8 +34975,8 @@
         </p:blipFill>
         <p:spPr>
           <a:xfrm>
-            <a:off x="8031845" y="1789410"/>
-            <a:ext cx="3454966" cy="1969047"/>
+            <a:off x="7954302" y="3891474"/>
+            <a:ext cx="3548696" cy="1969047"/>
           </a:xfrm>
           <a:prstGeom prst="rect">
             <a:avLst/>
@@ -35053,8 +35005,8 @@
         </p:blipFill>
         <p:spPr>
           <a:xfrm>
-            <a:off x="7840019" y="4321749"/>
-            <a:ext cx="3646792" cy="774278"/>
+            <a:off x="7954302" y="2825691"/>
+            <a:ext cx="3548696" cy="774278"/>
           </a:xfrm>
           <a:prstGeom prst="rect">
             <a:avLst/>
@@ -35066,7 +35018,7 @@
           <p:cNvPr id="38" name="직사각형 37">
             <a:extLst>
               <a:ext uri="{FF2B5EF4-FFF2-40B4-BE49-F238E27FC236}">
-                <a16:creationId xmlns:a16="http://schemas.microsoft.com/office/drawing/2014/main" xmlns="" id="{3FA00699-5178-465A-9F3F-130CF1431F70}"/>
+                <a16:creationId xmlns="" xmlns:a16="http://schemas.microsoft.com/office/drawing/2014/main" id="{3FA00699-5178-465A-9F3F-130CF1431F70}"/>
               </a:ext>
             </a:extLst>
           </p:cNvPr>
@@ -35125,6 +35077,125 @@
           </a:p>
         </p:txBody>
       </p:sp>
+      <p:pic>
+        <p:nvPicPr>
+          <p:cNvPr id="16" name="그림 15"/>
+          <p:cNvPicPr>
+            <a:picLocks noChangeAspect="1"/>
+          </p:cNvPicPr>
+          <p:nvPr/>
+        </p:nvPicPr>
+        <p:blipFill>
+          <a:blip r:embed="rId5">
+            <a:extLst>
+              <a:ext uri="{28A0092B-C50C-407E-A947-70E740481C1C}">
+                <a14:useLocalDpi xmlns:a14="http://schemas.microsoft.com/office/drawing/2010/main" val="0"/>
+              </a:ext>
+            </a:extLst>
+          </a:blip>
+          <a:stretch>
+            <a:fillRect/>
+          </a:stretch>
+        </p:blipFill>
+        <p:spPr>
+          <a:xfrm>
+            <a:off x="7954961" y="2065060"/>
+            <a:ext cx="3548037" cy="462027"/>
+          </a:xfrm>
+          <a:prstGeom prst="rect">
+            <a:avLst/>
+          </a:prstGeom>
+        </p:spPr>
+      </p:pic>
+      <p:sp>
+        <p:nvSpPr>
+          <p:cNvPr id="25" name="모서리가 둥근 직사각형 24"/>
+          <p:cNvSpPr/>
+          <p:nvPr/>
+        </p:nvSpPr>
+        <p:spPr>
+          <a:xfrm>
+            <a:off x="6884168" y="1722031"/>
+            <a:ext cx="281496" cy="254819"/>
+          </a:xfrm>
+          <a:prstGeom prst="roundRect">
+            <a:avLst/>
+          </a:prstGeom>
+          <a:noFill/>
+          <a:ln>
+            <a:solidFill>
+              <a:srgbClr val="404040"/>
+            </a:solidFill>
+          </a:ln>
+        </p:spPr>
+        <p:style>
+          <a:lnRef idx="2">
+            <a:schemeClr val="accent1">
+              <a:shade val="50000"/>
+            </a:schemeClr>
+          </a:lnRef>
+          <a:fillRef idx="1">
+            <a:schemeClr val="accent1"/>
+          </a:fillRef>
+          <a:effectRef idx="0">
+            <a:schemeClr val="accent1"/>
+          </a:effectRef>
+          <a:fontRef idx="minor">
+            <a:schemeClr val="lt1"/>
+          </a:fontRef>
+        </p:style>
+        <p:txBody>
+          <a:bodyPr rot="0" spcFirstLastPara="0" vertOverflow="overflow" horzOverflow="overflow" vert="horz" wrap="square" lIns="91440" tIns="45720" rIns="91440" bIns="45720" numCol="1" spcCol="0" rtlCol="0" fromWordArt="0" anchor="ctr" anchorCtr="0" forceAA="0" compatLnSpc="1">
+            <a:prstTxWarp prst="textNoShape">
+              <a:avLst/>
+            </a:prstTxWarp>
+            <a:noAutofit/>
+          </a:bodyPr>
+          <a:lstStyle/>
+          <a:p>
+            <a:pPr algn="ctr"/>
+            <a:endParaRPr lang="ko-KR" altLang="en-US"/>
+          </a:p>
+        </p:txBody>
+      </p:sp>
+      <p:cxnSp>
+        <p:nvCxnSpPr>
+          <p:cNvPr id="26" name="직선 연결선 25"/>
+          <p:cNvCxnSpPr>
+            <a:stCxn id="25" idx="3"/>
+            <a:endCxn id="16" idx="1"/>
+          </p:cNvCxnSpPr>
+          <p:nvPr/>
+        </p:nvCxnSpPr>
+        <p:spPr>
+          <a:xfrm>
+            <a:off x="7165664" y="1849441"/>
+            <a:ext cx="789297" cy="446633"/>
+          </a:xfrm>
+          <a:prstGeom prst="line">
+            <a:avLst/>
+          </a:prstGeom>
+          <a:ln w="12700">
+            <a:solidFill>
+              <a:srgbClr val="404040"/>
+            </a:solidFill>
+          </a:ln>
+        </p:spPr>
+        <p:style>
+          <a:lnRef idx="1">
+            <a:schemeClr val="accent1"/>
+          </a:lnRef>
+          <a:fillRef idx="0">
+            <a:schemeClr val="accent1"/>
+          </a:fillRef>
+          <a:effectRef idx="0">
+            <a:schemeClr val="accent1"/>
+          </a:effectRef>
+          <a:fontRef idx="minor">
+            <a:schemeClr val="tx1"/>
+          </a:fontRef>
+        </p:style>
+      </p:cxnSp>
     </p:spTree>
     <p:extLst>
       <p:ext uri="{BB962C8B-B14F-4D97-AF65-F5344CB8AC3E}">
@@ -35467,7 +35538,7 @@
   <a:extraClrSchemeLst/>
   <a:extLst>
     <a:ext uri="{05A4C25C-085E-4340-85A3-A5531E510DB2}">
-      <thm15:themeFamily xmlns="" xmlns:thm15="http://schemas.microsoft.com/office/thememl/2012/main" name="Office Theme" id="{62F939B6-93AF-4DB8-9C6B-D6C7DFDC589F}" vid="{4A3C46E8-61CC-4603-A589-7422A47A8E4A}"/>
+      <thm15:themeFamily xmlns:thm15="http://schemas.microsoft.com/office/thememl/2012/main" xmlns="" name="Office Theme" id="{62F939B6-93AF-4DB8-9C6B-D6C7DFDC589F}" vid="{4A3C46E8-61CC-4603-A589-7422A47A8E4A}"/>
     </a:ext>
   </a:extLst>
 </a:theme>

--- a/포트폴리오/로또 번호 추첨기/로또 번호 추첨기 - 양화영.pptx
+++ b/포트폴리오/로또 번호 추첨기/로또 번호 추첨기 - 양화영.pptx
@@ -146,7 +146,7 @@
           <p:cNvPr id="2" name="제목 1">
             <a:extLst>
               <a:ext uri="{FF2B5EF4-FFF2-40B4-BE49-F238E27FC236}">
-                <a16:creationId xmlns="" xmlns:a16="http://schemas.microsoft.com/office/drawing/2014/main" id="{22112318-F619-4488-8B6E-2F5F2426A69A}"/>
+                <a16:creationId xmlns:a16="http://schemas.microsoft.com/office/drawing/2014/main" xmlns="" id="{22112318-F619-4488-8B6E-2F5F2426A69A}"/>
               </a:ext>
             </a:extLst>
           </p:cNvPr>
@@ -183,7 +183,7 @@
           <p:cNvPr id="3" name="부제목 2">
             <a:extLst>
               <a:ext uri="{FF2B5EF4-FFF2-40B4-BE49-F238E27FC236}">
-                <a16:creationId xmlns="" xmlns:a16="http://schemas.microsoft.com/office/drawing/2014/main" id="{E8BEE6BB-9A5F-4E9F-9F1C-6D46BE01A313}"/>
+                <a16:creationId xmlns:a16="http://schemas.microsoft.com/office/drawing/2014/main" xmlns="" id="{E8BEE6BB-9A5F-4E9F-9F1C-6D46BE01A313}"/>
               </a:ext>
             </a:extLst>
           </p:cNvPr>
@@ -253,7 +253,7 @@
           <p:cNvPr id="4" name="날짜 개체 틀 3">
             <a:extLst>
               <a:ext uri="{FF2B5EF4-FFF2-40B4-BE49-F238E27FC236}">
-                <a16:creationId xmlns="" xmlns:a16="http://schemas.microsoft.com/office/drawing/2014/main" id="{D2D9A51D-A948-4CB8-A9EB-5A26520C8EF0}"/>
+                <a16:creationId xmlns:a16="http://schemas.microsoft.com/office/drawing/2014/main" xmlns="" id="{D2D9A51D-A948-4CB8-A9EB-5A26520C8EF0}"/>
               </a:ext>
             </a:extLst>
           </p:cNvPr>
@@ -278,7 +278,7 @@
                 </a:solidFill>
               </a:rPr>
               <a:pPr/>
-              <a:t>2021-04-13</a:t>
+              <a:t>2021-04-14</a:t>
             </a:fld>
             <a:endParaRPr lang="ko-KR" altLang="en-US">
               <a:solidFill>
@@ -295,7 +295,7 @@
           <p:cNvPr id="5" name="바닥글 개체 틀 4">
             <a:extLst>
               <a:ext uri="{FF2B5EF4-FFF2-40B4-BE49-F238E27FC236}">
-                <a16:creationId xmlns="" xmlns:a16="http://schemas.microsoft.com/office/drawing/2014/main" id="{84374BBD-0B82-4658-B13D-088F0E4D078E}"/>
+                <a16:creationId xmlns:a16="http://schemas.microsoft.com/office/drawing/2014/main" xmlns="" id="{84374BBD-0B82-4658-B13D-088F0E4D078E}"/>
               </a:ext>
             </a:extLst>
           </p:cNvPr>
@@ -326,7 +326,7 @@
           <p:cNvPr id="6" name="슬라이드 번호 개체 틀 5">
             <a:extLst>
               <a:ext uri="{FF2B5EF4-FFF2-40B4-BE49-F238E27FC236}">
-                <a16:creationId xmlns="" xmlns:a16="http://schemas.microsoft.com/office/drawing/2014/main" id="{AB1AAA67-696A-4836-A10B-FF164C3AF889}"/>
+                <a16:creationId xmlns:a16="http://schemas.microsoft.com/office/drawing/2014/main" xmlns="" id="{AB1AAA67-696A-4836-A10B-FF164C3AF889}"/>
               </a:ext>
             </a:extLst>
           </p:cNvPr>
@@ -398,7 +398,7 @@
           <p:cNvPr id="2" name="제목 1">
             <a:extLst>
               <a:ext uri="{FF2B5EF4-FFF2-40B4-BE49-F238E27FC236}">
-                <a16:creationId xmlns="" xmlns:a16="http://schemas.microsoft.com/office/drawing/2014/main" id="{3C43AEE1-28CA-46D2-81F5-CD34E4F9E583}"/>
+                <a16:creationId xmlns:a16="http://schemas.microsoft.com/office/drawing/2014/main" xmlns="" id="{3C43AEE1-28CA-46D2-81F5-CD34E4F9E583}"/>
               </a:ext>
             </a:extLst>
           </p:cNvPr>
@@ -426,7 +426,7 @@
           <p:cNvPr id="3" name="세로 텍스트 개체 틀 2">
             <a:extLst>
               <a:ext uri="{FF2B5EF4-FFF2-40B4-BE49-F238E27FC236}">
-                <a16:creationId xmlns="" xmlns:a16="http://schemas.microsoft.com/office/drawing/2014/main" id="{C738FEC2-4BF0-4A45-9297-EE9B2E45E5CC}"/>
+                <a16:creationId xmlns:a16="http://schemas.microsoft.com/office/drawing/2014/main" xmlns="" id="{C738FEC2-4BF0-4A45-9297-EE9B2E45E5CC}"/>
               </a:ext>
             </a:extLst>
           </p:cNvPr>
@@ -483,7 +483,7 @@
           <p:cNvPr id="4" name="날짜 개체 틀 3">
             <a:extLst>
               <a:ext uri="{FF2B5EF4-FFF2-40B4-BE49-F238E27FC236}">
-                <a16:creationId xmlns="" xmlns:a16="http://schemas.microsoft.com/office/drawing/2014/main" id="{2BEDBAD0-D342-4544-94B8-122B3BDBF705}"/>
+                <a16:creationId xmlns:a16="http://schemas.microsoft.com/office/drawing/2014/main" xmlns="" id="{2BEDBAD0-D342-4544-94B8-122B3BDBF705}"/>
               </a:ext>
             </a:extLst>
           </p:cNvPr>
@@ -508,7 +508,7 @@
                 </a:solidFill>
               </a:rPr>
               <a:pPr/>
-              <a:t>2021-04-13</a:t>
+              <a:t>2021-04-14</a:t>
             </a:fld>
             <a:endParaRPr lang="ko-KR" altLang="en-US">
               <a:solidFill>
@@ -525,7 +525,7 @@
           <p:cNvPr id="5" name="바닥글 개체 틀 4">
             <a:extLst>
               <a:ext uri="{FF2B5EF4-FFF2-40B4-BE49-F238E27FC236}">
-                <a16:creationId xmlns="" xmlns:a16="http://schemas.microsoft.com/office/drawing/2014/main" id="{1D70FE0D-ACBA-4806-9F35-4EB786E865FE}"/>
+                <a16:creationId xmlns:a16="http://schemas.microsoft.com/office/drawing/2014/main" xmlns="" id="{1D70FE0D-ACBA-4806-9F35-4EB786E865FE}"/>
               </a:ext>
             </a:extLst>
           </p:cNvPr>
@@ -556,7 +556,7 @@
           <p:cNvPr id="6" name="슬라이드 번호 개체 틀 5">
             <a:extLst>
               <a:ext uri="{FF2B5EF4-FFF2-40B4-BE49-F238E27FC236}">
-                <a16:creationId xmlns="" xmlns:a16="http://schemas.microsoft.com/office/drawing/2014/main" id="{A7F3119A-4AE1-408F-B8AD-4428B0060B24}"/>
+                <a16:creationId xmlns:a16="http://schemas.microsoft.com/office/drawing/2014/main" xmlns="" id="{A7F3119A-4AE1-408F-B8AD-4428B0060B24}"/>
               </a:ext>
             </a:extLst>
           </p:cNvPr>
@@ -628,7 +628,7 @@
           <p:cNvPr id="2" name="세로 제목 1">
             <a:extLst>
               <a:ext uri="{FF2B5EF4-FFF2-40B4-BE49-F238E27FC236}">
-                <a16:creationId xmlns="" xmlns:a16="http://schemas.microsoft.com/office/drawing/2014/main" id="{F0B3D2AB-E650-41C2-B6FB-5398A5C19680}"/>
+                <a16:creationId xmlns:a16="http://schemas.microsoft.com/office/drawing/2014/main" xmlns="" id="{F0B3D2AB-E650-41C2-B6FB-5398A5C19680}"/>
               </a:ext>
             </a:extLst>
           </p:cNvPr>
@@ -661,7 +661,7 @@
           <p:cNvPr id="3" name="세로 텍스트 개체 틀 2">
             <a:extLst>
               <a:ext uri="{FF2B5EF4-FFF2-40B4-BE49-F238E27FC236}">
-                <a16:creationId xmlns="" xmlns:a16="http://schemas.microsoft.com/office/drawing/2014/main" id="{992D6516-8F93-4221-97F7-E01D89EE517D}"/>
+                <a16:creationId xmlns:a16="http://schemas.microsoft.com/office/drawing/2014/main" xmlns="" id="{992D6516-8F93-4221-97F7-E01D89EE517D}"/>
               </a:ext>
             </a:extLst>
           </p:cNvPr>
@@ -723,7 +723,7 @@
           <p:cNvPr id="4" name="날짜 개체 틀 3">
             <a:extLst>
               <a:ext uri="{FF2B5EF4-FFF2-40B4-BE49-F238E27FC236}">
-                <a16:creationId xmlns="" xmlns:a16="http://schemas.microsoft.com/office/drawing/2014/main" id="{8D86CB26-A349-496A-B48B-A7B891172236}"/>
+                <a16:creationId xmlns:a16="http://schemas.microsoft.com/office/drawing/2014/main" xmlns="" id="{8D86CB26-A349-496A-B48B-A7B891172236}"/>
               </a:ext>
             </a:extLst>
           </p:cNvPr>
@@ -748,7 +748,7 @@
                 </a:solidFill>
               </a:rPr>
               <a:pPr/>
-              <a:t>2021-04-13</a:t>
+              <a:t>2021-04-14</a:t>
             </a:fld>
             <a:endParaRPr lang="ko-KR" altLang="en-US">
               <a:solidFill>
@@ -765,7 +765,7 @@
           <p:cNvPr id="5" name="바닥글 개체 틀 4">
             <a:extLst>
               <a:ext uri="{FF2B5EF4-FFF2-40B4-BE49-F238E27FC236}">
-                <a16:creationId xmlns="" xmlns:a16="http://schemas.microsoft.com/office/drawing/2014/main" id="{C2E726FD-A739-41D5-96BA-4670363928CF}"/>
+                <a16:creationId xmlns:a16="http://schemas.microsoft.com/office/drawing/2014/main" xmlns="" id="{C2E726FD-A739-41D5-96BA-4670363928CF}"/>
               </a:ext>
             </a:extLst>
           </p:cNvPr>
@@ -796,7 +796,7 @@
           <p:cNvPr id="6" name="슬라이드 번호 개체 틀 5">
             <a:extLst>
               <a:ext uri="{FF2B5EF4-FFF2-40B4-BE49-F238E27FC236}">
-                <a16:creationId xmlns="" xmlns:a16="http://schemas.microsoft.com/office/drawing/2014/main" id="{60FAE18D-FED5-4070-8B76-811D76CCECC9}"/>
+                <a16:creationId xmlns:a16="http://schemas.microsoft.com/office/drawing/2014/main" xmlns="" id="{60FAE18D-FED5-4070-8B76-811D76CCECC9}"/>
               </a:ext>
             </a:extLst>
           </p:cNvPr>
@@ -868,7 +868,7 @@
           <p:cNvPr id="2" name="제목 1">
             <a:extLst>
               <a:ext uri="{FF2B5EF4-FFF2-40B4-BE49-F238E27FC236}">
-                <a16:creationId xmlns="" xmlns:a16="http://schemas.microsoft.com/office/drawing/2014/main" id="{5CC6958D-28E5-4CC8-8C48-52A02A1BC426}"/>
+                <a16:creationId xmlns:a16="http://schemas.microsoft.com/office/drawing/2014/main" xmlns="" id="{5CC6958D-28E5-4CC8-8C48-52A02A1BC426}"/>
               </a:ext>
             </a:extLst>
           </p:cNvPr>
@@ -896,7 +896,7 @@
           <p:cNvPr id="3" name="내용 개체 틀 2">
             <a:extLst>
               <a:ext uri="{FF2B5EF4-FFF2-40B4-BE49-F238E27FC236}">
-                <a16:creationId xmlns="" xmlns:a16="http://schemas.microsoft.com/office/drawing/2014/main" id="{E8E03031-827B-4AC7-B564-384C16177476}"/>
+                <a16:creationId xmlns:a16="http://schemas.microsoft.com/office/drawing/2014/main" xmlns="" id="{E8E03031-827B-4AC7-B564-384C16177476}"/>
               </a:ext>
             </a:extLst>
           </p:cNvPr>
@@ -953,7 +953,7 @@
           <p:cNvPr id="4" name="날짜 개체 틀 3">
             <a:extLst>
               <a:ext uri="{FF2B5EF4-FFF2-40B4-BE49-F238E27FC236}">
-                <a16:creationId xmlns="" xmlns:a16="http://schemas.microsoft.com/office/drawing/2014/main" id="{11C19838-69C9-49EB-9B51-549106E9B8DE}"/>
+                <a16:creationId xmlns:a16="http://schemas.microsoft.com/office/drawing/2014/main" xmlns="" id="{11C19838-69C9-49EB-9B51-549106E9B8DE}"/>
               </a:ext>
             </a:extLst>
           </p:cNvPr>
@@ -978,7 +978,7 @@
                 </a:solidFill>
               </a:rPr>
               <a:pPr/>
-              <a:t>2021-04-13</a:t>
+              <a:t>2021-04-14</a:t>
             </a:fld>
             <a:endParaRPr lang="ko-KR" altLang="en-US">
               <a:solidFill>
@@ -995,7 +995,7 @@
           <p:cNvPr id="5" name="바닥글 개체 틀 4">
             <a:extLst>
               <a:ext uri="{FF2B5EF4-FFF2-40B4-BE49-F238E27FC236}">
-                <a16:creationId xmlns="" xmlns:a16="http://schemas.microsoft.com/office/drawing/2014/main" id="{3C26852C-90C9-4502-A697-363CF824CFD0}"/>
+                <a16:creationId xmlns:a16="http://schemas.microsoft.com/office/drawing/2014/main" xmlns="" id="{3C26852C-90C9-4502-A697-363CF824CFD0}"/>
               </a:ext>
             </a:extLst>
           </p:cNvPr>
@@ -1026,7 +1026,7 @@
           <p:cNvPr id="6" name="슬라이드 번호 개체 틀 5">
             <a:extLst>
               <a:ext uri="{FF2B5EF4-FFF2-40B4-BE49-F238E27FC236}">
-                <a16:creationId xmlns="" xmlns:a16="http://schemas.microsoft.com/office/drawing/2014/main" id="{DF7509D0-CCBD-406A-9D4E-6845657BBAED}"/>
+                <a16:creationId xmlns:a16="http://schemas.microsoft.com/office/drawing/2014/main" xmlns="" id="{DF7509D0-CCBD-406A-9D4E-6845657BBAED}"/>
               </a:ext>
             </a:extLst>
           </p:cNvPr>
@@ -1098,7 +1098,7 @@
           <p:cNvPr id="2" name="제목 1">
             <a:extLst>
               <a:ext uri="{FF2B5EF4-FFF2-40B4-BE49-F238E27FC236}">
-                <a16:creationId xmlns="" xmlns:a16="http://schemas.microsoft.com/office/drawing/2014/main" id="{6CEF73EF-188B-4B17-B08F-D30E80C308D0}"/>
+                <a16:creationId xmlns:a16="http://schemas.microsoft.com/office/drawing/2014/main" xmlns="" id="{6CEF73EF-188B-4B17-B08F-D30E80C308D0}"/>
               </a:ext>
             </a:extLst>
           </p:cNvPr>
@@ -1135,7 +1135,7 @@
           <p:cNvPr id="3" name="텍스트 개체 틀 2">
             <a:extLst>
               <a:ext uri="{FF2B5EF4-FFF2-40B4-BE49-F238E27FC236}">
-                <a16:creationId xmlns="" xmlns:a16="http://schemas.microsoft.com/office/drawing/2014/main" id="{DD7DD2CA-F9BF-47A8-9D27-757556FD1CEE}"/>
+                <a16:creationId xmlns:a16="http://schemas.microsoft.com/office/drawing/2014/main" xmlns="" id="{DD7DD2CA-F9BF-47A8-9D27-757556FD1CEE}"/>
               </a:ext>
             </a:extLst>
           </p:cNvPr>
@@ -1260,7 +1260,7 @@
           <p:cNvPr id="4" name="날짜 개체 틀 3">
             <a:extLst>
               <a:ext uri="{FF2B5EF4-FFF2-40B4-BE49-F238E27FC236}">
-                <a16:creationId xmlns="" xmlns:a16="http://schemas.microsoft.com/office/drawing/2014/main" id="{DE78A1FB-ABBF-480D-AC6C-9BB1AEF9789B}"/>
+                <a16:creationId xmlns:a16="http://schemas.microsoft.com/office/drawing/2014/main" xmlns="" id="{DE78A1FB-ABBF-480D-AC6C-9BB1AEF9789B}"/>
               </a:ext>
             </a:extLst>
           </p:cNvPr>
@@ -1285,7 +1285,7 @@
                 </a:solidFill>
               </a:rPr>
               <a:pPr/>
-              <a:t>2021-04-13</a:t>
+              <a:t>2021-04-14</a:t>
             </a:fld>
             <a:endParaRPr lang="ko-KR" altLang="en-US">
               <a:solidFill>
@@ -1302,7 +1302,7 @@
           <p:cNvPr id="5" name="바닥글 개체 틀 4">
             <a:extLst>
               <a:ext uri="{FF2B5EF4-FFF2-40B4-BE49-F238E27FC236}">
-                <a16:creationId xmlns="" xmlns:a16="http://schemas.microsoft.com/office/drawing/2014/main" id="{6384247E-1D11-4A19-BDDF-E157A205B45F}"/>
+                <a16:creationId xmlns:a16="http://schemas.microsoft.com/office/drawing/2014/main" xmlns="" id="{6384247E-1D11-4A19-BDDF-E157A205B45F}"/>
               </a:ext>
             </a:extLst>
           </p:cNvPr>
@@ -1333,7 +1333,7 @@
           <p:cNvPr id="6" name="슬라이드 번호 개체 틀 5">
             <a:extLst>
               <a:ext uri="{FF2B5EF4-FFF2-40B4-BE49-F238E27FC236}">
-                <a16:creationId xmlns="" xmlns:a16="http://schemas.microsoft.com/office/drawing/2014/main" id="{124EC815-B6FC-4BDE-910C-F8015ED4AD75}"/>
+                <a16:creationId xmlns:a16="http://schemas.microsoft.com/office/drawing/2014/main" xmlns="" id="{124EC815-B6FC-4BDE-910C-F8015ED4AD75}"/>
               </a:ext>
             </a:extLst>
           </p:cNvPr>
@@ -1405,7 +1405,7 @@
           <p:cNvPr id="2" name="제목 1">
             <a:extLst>
               <a:ext uri="{FF2B5EF4-FFF2-40B4-BE49-F238E27FC236}">
-                <a16:creationId xmlns="" xmlns:a16="http://schemas.microsoft.com/office/drawing/2014/main" id="{B4DAEB91-29AA-4ACC-BDCF-960470FCA5A1}"/>
+                <a16:creationId xmlns:a16="http://schemas.microsoft.com/office/drawing/2014/main" xmlns="" id="{B4DAEB91-29AA-4ACC-BDCF-960470FCA5A1}"/>
               </a:ext>
             </a:extLst>
           </p:cNvPr>
@@ -1433,7 +1433,7 @@
           <p:cNvPr id="3" name="내용 개체 틀 2">
             <a:extLst>
               <a:ext uri="{FF2B5EF4-FFF2-40B4-BE49-F238E27FC236}">
-                <a16:creationId xmlns="" xmlns:a16="http://schemas.microsoft.com/office/drawing/2014/main" id="{256B0E51-7DC0-45B6-8306-D8167F5CB7C8}"/>
+                <a16:creationId xmlns:a16="http://schemas.microsoft.com/office/drawing/2014/main" xmlns="" id="{256B0E51-7DC0-45B6-8306-D8167F5CB7C8}"/>
               </a:ext>
             </a:extLst>
           </p:cNvPr>
@@ -1495,7 +1495,7 @@
           <p:cNvPr id="4" name="내용 개체 틀 3">
             <a:extLst>
               <a:ext uri="{FF2B5EF4-FFF2-40B4-BE49-F238E27FC236}">
-                <a16:creationId xmlns="" xmlns:a16="http://schemas.microsoft.com/office/drawing/2014/main" id="{F7CB78CC-8798-4261-B4B1-60B4C54377A7}"/>
+                <a16:creationId xmlns:a16="http://schemas.microsoft.com/office/drawing/2014/main" xmlns="" id="{F7CB78CC-8798-4261-B4B1-60B4C54377A7}"/>
               </a:ext>
             </a:extLst>
           </p:cNvPr>
@@ -1557,7 +1557,7 @@
           <p:cNvPr id="5" name="날짜 개체 틀 4">
             <a:extLst>
               <a:ext uri="{FF2B5EF4-FFF2-40B4-BE49-F238E27FC236}">
-                <a16:creationId xmlns="" xmlns:a16="http://schemas.microsoft.com/office/drawing/2014/main" id="{79594384-5734-4FC8-928A-E1641354A126}"/>
+                <a16:creationId xmlns:a16="http://schemas.microsoft.com/office/drawing/2014/main" xmlns="" id="{79594384-5734-4FC8-928A-E1641354A126}"/>
               </a:ext>
             </a:extLst>
           </p:cNvPr>
@@ -1582,7 +1582,7 @@
                 </a:solidFill>
               </a:rPr>
               <a:pPr/>
-              <a:t>2021-04-13</a:t>
+              <a:t>2021-04-14</a:t>
             </a:fld>
             <a:endParaRPr lang="ko-KR" altLang="en-US">
               <a:solidFill>
@@ -1599,7 +1599,7 @@
           <p:cNvPr id="6" name="바닥글 개체 틀 5">
             <a:extLst>
               <a:ext uri="{FF2B5EF4-FFF2-40B4-BE49-F238E27FC236}">
-                <a16:creationId xmlns="" xmlns:a16="http://schemas.microsoft.com/office/drawing/2014/main" id="{282301C0-6908-48C0-8957-C8B3F4594C5A}"/>
+                <a16:creationId xmlns:a16="http://schemas.microsoft.com/office/drawing/2014/main" xmlns="" id="{282301C0-6908-48C0-8957-C8B3F4594C5A}"/>
               </a:ext>
             </a:extLst>
           </p:cNvPr>
@@ -1630,7 +1630,7 @@
           <p:cNvPr id="7" name="슬라이드 번호 개체 틀 6">
             <a:extLst>
               <a:ext uri="{FF2B5EF4-FFF2-40B4-BE49-F238E27FC236}">
-                <a16:creationId xmlns="" xmlns:a16="http://schemas.microsoft.com/office/drawing/2014/main" id="{507DD8FE-7741-412F-947D-7A7079F48607}"/>
+                <a16:creationId xmlns:a16="http://schemas.microsoft.com/office/drawing/2014/main" xmlns="" id="{507DD8FE-7741-412F-947D-7A7079F48607}"/>
               </a:ext>
             </a:extLst>
           </p:cNvPr>
@@ -1702,7 +1702,7 @@
           <p:cNvPr id="2" name="제목 1">
             <a:extLst>
               <a:ext uri="{FF2B5EF4-FFF2-40B4-BE49-F238E27FC236}">
-                <a16:creationId xmlns="" xmlns:a16="http://schemas.microsoft.com/office/drawing/2014/main" id="{BBD6DFD1-B640-4CC6-A759-6C7981C5CD61}"/>
+                <a16:creationId xmlns:a16="http://schemas.microsoft.com/office/drawing/2014/main" xmlns="" id="{BBD6DFD1-B640-4CC6-A759-6C7981C5CD61}"/>
               </a:ext>
             </a:extLst>
           </p:cNvPr>
@@ -1735,7 +1735,7 @@
           <p:cNvPr id="3" name="텍스트 개체 틀 2">
             <a:extLst>
               <a:ext uri="{FF2B5EF4-FFF2-40B4-BE49-F238E27FC236}">
-                <a16:creationId xmlns="" xmlns:a16="http://schemas.microsoft.com/office/drawing/2014/main" id="{25B2A237-7572-46BD-9502-829F6C0AD4F8}"/>
+                <a16:creationId xmlns:a16="http://schemas.microsoft.com/office/drawing/2014/main" xmlns="" id="{25B2A237-7572-46BD-9502-829F6C0AD4F8}"/>
               </a:ext>
             </a:extLst>
           </p:cNvPr>
@@ -1806,7 +1806,7 @@
           <p:cNvPr id="4" name="내용 개체 틀 3">
             <a:extLst>
               <a:ext uri="{FF2B5EF4-FFF2-40B4-BE49-F238E27FC236}">
-                <a16:creationId xmlns="" xmlns:a16="http://schemas.microsoft.com/office/drawing/2014/main" id="{81AE9732-B570-4506-BDA6-0AB39D453684}"/>
+                <a16:creationId xmlns:a16="http://schemas.microsoft.com/office/drawing/2014/main" xmlns="" id="{81AE9732-B570-4506-BDA6-0AB39D453684}"/>
               </a:ext>
             </a:extLst>
           </p:cNvPr>
@@ -1868,7 +1868,7 @@
           <p:cNvPr id="5" name="텍스트 개체 틀 4">
             <a:extLst>
               <a:ext uri="{FF2B5EF4-FFF2-40B4-BE49-F238E27FC236}">
-                <a16:creationId xmlns="" xmlns:a16="http://schemas.microsoft.com/office/drawing/2014/main" id="{A289407D-7DA6-4293-A426-38DF9B21160E}"/>
+                <a16:creationId xmlns:a16="http://schemas.microsoft.com/office/drawing/2014/main" xmlns="" id="{A289407D-7DA6-4293-A426-38DF9B21160E}"/>
               </a:ext>
             </a:extLst>
           </p:cNvPr>
@@ -1939,7 +1939,7 @@
           <p:cNvPr id="6" name="내용 개체 틀 5">
             <a:extLst>
               <a:ext uri="{FF2B5EF4-FFF2-40B4-BE49-F238E27FC236}">
-                <a16:creationId xmlns="" xmlns:a16="http://schemas.microsoft.com/office/drawing/2014/main" id="{F239549F-370A-4671-B1BB-79655CC6CB8C}"/>
+                <a16:creationId xmlns:a16="http://schemas.microsoft.com/office/drawing/2014/main" xmlns="" id="{F239549F-370A-4671-B1BB-79655CC6CB8C}"/>
               </a:ext>
             </a:extLst>
           </p:cNvPr>
@@ -2001,7 +2001,7 @@
           <p:cNvPr id="7" name="날짜 개체 틀 6">
             <a:extLst>
               <a:ext uri="{FF2B5EF4-FFF2-40B4-BE49-F238E27FC236}">
-                <a16:creationId xmlns="" xmlns:a16="http://schemas.microsoft.com/office/drawing/2014/main" id="{A86D9E62-97AA-41F8-B69B-6CD691CF0E2A}"/>
+                <a16:creationId xmlns:a16="http://schemas.microsoft.com/office/drawing/2014/main" xmlns="" id="{A86D9E62-97AA-41F8-B69B-6CD691CF0E2A}"/>
               </a:ext>
             </a:extLst>
           </p:cNvPr>
@@ -2026,7 +2026,7 @@
                 </a:solidFill>
               </a:rPr>
               <a:pPr/>
-              <a:t>2021-04-13</a:t>
+              <a:t>2021-04-14</a:t>
             </a:fld>
             <a:endParaRPr lang="ko-KR" altLang="en-US">
               <a:solidFill>
@@ -2043,7 +2043,7 @@
           <p:cNvPr id="8" name="바닥글 개체 틀 7">
             <a:extLst>
               <a:ext uri="{FF2B5EF4-FFF2-40B4-BE49-F238E27FC236}">
-                <a16:creationId xmlns="" xmlns:a16="http://schemas.microsoft.com/office/drawing/2014/main" id="{F41D3FC0-561B-4DE4-AA99-9DB56EC6B344}"/>
+                <a16:creationId xmlns:a16="http://schemas.microsoft.com/office/drawing/2014/main" xmlns="" id="{F41D3FC0-561B-4DE4-AA99-9DB56EC6B344}"/>
               </a:ext>
             </a:extLst>
           </p:cNvPr>
@@ -2074,7 +2074,7 @@
           <p:cNvPr id="9" name="슬라이드 번호 개체 틀 8">
             <a:extLst>
               <a:ext uri="{FF2B5EF4-FFF2-40B4-BE49-F238E27FC236}">
-                <a16:creationId xmlns="" xmlns:a16="http://schemas.microsoft.com/office/drawing/2014/main" id="{AD0040F2-99C5-450C-9966-5D00290EBF69}"/>
+                <a16:creationId xmlns:a16="http://schemas.microsoft.com/office/drawing/2014/main" xmlns="" id="{AD0040F2-99C5-450C-9966-5D00290EBF69}"/>
               </a:ext>
             </a:extLst>
           </p:cNvPr>
@@ -2146,7 +2146,7 @@
           <p:cNvPr id="2" name="제목 1">
             <a:extLst>
               <a:ext uri="{FF2B5EF4-FFF2-40B4-BE49-F238E27FC236}">
-                <a16:creationId xmlns="" xmlns:a16="http://schemas.microsoft.com/office/drawing/2014/main" id="{C6E337C1-8281-4F6E-9A31-EBE388C3C82F}"/>
+                <a16:creationId xmlns:a16="http://schemas.microsoft.com/office/drawing/2014/main" xmlns="" id="{C6E337C1-8281-4F6E-9A31-EBE388C3C82F}"/>
               </a:ext>
             </a:extLst>
           </p:cNvPr>
@@ -2174,7 +2174,7 @@
           <p:cNvPr id="3" name="날짜 개체 틀 2">
             <a:extLst>
               <a:ext uri="{FF2B5EF4-FFF2-40B4-BE49-F238E27FC236}">
-                <a16:creationId xmlns="" xmlns:a16="http://schemas.microsoft.com/office/drawing/2014/main" id="{00EA4B32-9135-4223-8DE6-887D2743405B}"/>
+                <a16:creationId xmlns:a16="http://schemas.microsoft.com/office/drawing/2014/main" xmlns="" id="{00EA4B32-9135-4223-8DE6-887D2743405B}"/>
               </a:ext>
             </a:extLst>
           </p:cNvPr>
@@ -2199,7 +2199,7 @@
                 </a:solidFill>
               </a:rPr>
               <a:pPr/>
-              <a:t>2021-04-13</a:t>
+              <a:t>2021-04-14</a:t>
             </a:fld>
             <a:endParaRPr lang="ko-KR" altLang="en-US">
               <a:solidFill>
@@ -2216,7 +2216,7 @@
           <p:cNvPr id="4" name="바닥글 개체 틀 3">
             <a:extLst>
               <a:ext uri="{FF2B5EF4-FFF2-40B4-BE49-F238E27FC236}">
-                <a16:creationId xmlns="" xmlns:a16="http://schemas.microsoft.com/office/drawing/2014/main" id="{9407FC83-8D70-48DB-8681-08CFD9C0DA58}"/>
+                <a16:creationId xmlns:a16="http://schemas.microsoft.com/office/drawing/2014/main" xmlns="" id="{9407FC83-8D70-48DB-8681-08CFD9C0DA58}"/>
               </a:ext>
             </a:extLst>
           </p:cNvPr>
@@ -2247,7 +2247,7 @@
           <p:cNvPr id="5" name="슬라이드 번호 개체 틀 4">
             <a:extLst>
               <a:ext uri="{FF2B5EF4-FFF2-40B4-BE49-F238E27FC236}">
-                <a16:creationId xmlns="" xmlns:a16="http://schemas.microsoft.com/office/drawing/2014/main" id="{A8FC15EC-BCCB-4B82-A94C-FABC63DF674F}"/>
+                <a16:creationId xmlns:a16="http://schemas.microsoft.com/office/drawing/2014/main" xmlns="" id="{A8FC15EC-BCCB-4B82-A94C-FABC63DF674F}"/>
               </a:ext>
             </a:extLst>
           </p:cNvPr>
@@ -2319,7 +2319,7 @@
           <p:cNvPr id="2" name="날짜 개체 틀 1">
             <a:extLst>
               <a:ext uri="{FF2B5EF4-FFF2-40B4-BE49-F238E27FC236}">
-                <a16:creationId xmlns="" xmlns:a16="http://schemas.microsoft.com/office/drawing/2014/main" id="{2B9F9692-5462-4439-80C8-B7E337FC9AC3}"/>
+                <a16:creationId xmlns:a16="http://schemas.microsoft.com/office/drawing/2014/main" xmlns="" id="{2B9F9692-5462-4439-80C8-B7E337FC9AC3}"/>
               </a:ext>
             </a:extLst>
           </p:cNvPr>
@@ -2344,7 +2344,7 @@
                 </a:solidFill>
               </a:rPr>
               <a:pPr/>
-              <a:t>2021-04-13</a:t>
+              <a:t>2021-04-14</a:t>
             </a:fld>
             <a:endParaRPr lang="ko-KR" altLang="en-US">
               <a:solidFill>
@@ -2361,7 +2361,7 @@
           <p:cNvPr id="3" name="바닥글 개체 틀 2">
             <a:extLst>
               <a:ext uri="{FF2B5EF4-FFF2-40B4-BE49-F238E27FC236}">
-                <a16:creationId xmlns="" xmlns:a16="http://schemas.microsoft.com/office/drawing/2014/main" id="{94CA042D-EBC0-437C-A819-521611A545F2}"/>
+                <a16:creationId xmlns:a16="http://schemas.microsoft.com/office/drawing/2014/main" xmlns="" id="{94CA042D-EBC0-437C-A819-521611A545F2}"/>
               </a:ext>
             </a:extLst>
           </p:cNvPr>
@@ -2392,7 +2392,7 @@
           <p:cNvPr id="4" name="슬라이드 번호 개체 틀 3">
             <a:extLst>
               <a:ext uri="{FF2B5EF4-FFF2-40B4-BE49-F238E27FC236}">
-                <a16:creationId xmlns="" xmlns:a16="http://schemas.microsoft.com/office/drawing/2014/main" id="{A2415CDA-0D1F-49BD-8381-21C3BEFD5A98}"/>
+                <a16:creationId xmlns:a16="http://schemas.microsoft.com/office/drawing/2014/main" xmlns="" id="{A2415CDA-0D1F-49BD-8381-21C3BEFD5A98}"/>
               </a:ext>
             </a:extLst>
           </p:cNvPr>
@@ -2464,7 +2464,7 @@
           <p:cNvPr id="2" name="제목 1">
             <a:extLst>
               <a:ext uri="{FF2B5EF4-FFF2-40B4-BE49-F238E27FC236}">
-                <a16:creationId xmlns="" xmlns:a16="http://schemas.microsoft.com/office/drawing/2014/main" id="{2A6F10D4-8D29-48C2-ADF0-92316E2C8E4E}"/>
+                <a16:creationId xmlns:a16="http://schemas.microsoft.com/office/drawing/2014/main" xmlns="" id="{2A6F10D4-8D29-48C2-ADF0-92316E2C8E4E}"/>
               </a:ext>
             </a:extLst>
           </p:cNvPr>
@@ -2501,7 +2501,7 @@
           <p:cNvPr id="3" name="내용 개체 틀 2">
             <a:extLst>
               <a:ext uri="{FF2B5EF4-FFF2-40B4-BE49-F238E27FC236}">
-                <a16:creationId xmlns="" xmlns:a16="http://schemas.microsoft.com/office/drawing/2014/main" id="{BBBA3CD3-DE79-4260-873A-FEDE5C678F80}"/>
+                <a16:creationId xmlns:a16="http://schemas.microsoft.com/office/drawing/2014/main" xmlns="" id="{BBBA3CD3-DE79-4260-873A-FEDE5C678F80}"/>
               </a:ext>
             </a:extLst>
           </p:cNvPr>
@@ -2591,7 +2591,7 @@
           <p:cNvPr id="4" name="텍스트 개체 틀 3">
             <a:extLst>
               <a:ext uri="{FF2B5EF4-FFF2-40B4-BE49-F238E27FC236}">
-                <a16:creationId xmlns="" xmlns:a16="http://schemas.microsoft.com/office/drawing/2014/main" id="{319C6BD2-52A1-4155-9D55-1D847772EA8C}"/>
+                <a16:creationId xmlns:a16="http://schemas.microsoft.com/office/drawing/2014/main" xmlns="" id="{319C6BD2-52A1-4155-9D55-1D847772EA8C}"/>
               </a:ext>
             </a:extLst>
           </p:cNvPr>
@@ -2662,7 +2662,7 @@
           <p:cNvPr id="5" name="날짜 개체 틀 4">
             <a:extLst>
               <a:ext uri="{FF2B5EF4-FFF2-40B4-BE49-F238E27FC236}">
-                <a16:creationId xmlns="" xmlns:a16="http://schemas.microsoft.com/office/drawing/2014/main" id="{982A3511-0B13-4D97-937C-07365FBADAEA}"/>
+                <a16:creationId xmlns:a16="http://schemas.microsoft.com/office/drawing/2014/main" xmlns="" id="{982A3511-0B13-4D97-937C-07365FBADAEA}"/>
               </a:ext>
             </a:extLst>
           </p:cNvPr>
@@ -2687,7 +2687,7 @@
                 </a:solidFill>
               </a:rPr>
               <a:pPr/>
-              <a:t>2021-04-13</a:t>
+              <a:t>2021-04-14</a:t>
             </a:fld>
             <a:endParaRPr lang="ko-KR" altLang="en-US">
               <a:solidFill>
@@ -2704,7 +2704,7 @@
           <p:cNvPr id="6" name="바닥글 개체 틀 5">
             <a:extLst>
               <a:ext uri="{FF2B5EF4-FFF2-40B4-BE49-F238E27FC236}">
-                <a16:creationId xmlns="" xmlns:a16="http://schemas.microsoft.com/office/drawing/2014/main" id="{54C805B4-20AF-4A3C-B131-E1D9FFBB024D}"/>
+                <a16:creationId xmlns:a16="http://schemas.microsoft.com/office/drawing/2014/main" xmlns="" id="{54C805B4-20AF-4A3C-B131-E1D9FFBB024D}"/>
               </a:ext>
             </a:extLst>
           </p:cNvPr>
@@ -2735,7 +2735,7 @@
           <p:cNvPr id="7" name="슬라이드 번호 개체 틀 6">
             <a:extLst>
               <a:ext uri="{FF2B5EF4-FFF2-40B4-BE49-F238E27FC236}">
-                <a16:creationId xmlns="" xmlns:a16="http://schemas.microsoft.com/office/drawing/2014/main" id="{89C705FC-2895-472A-B6FD-C2434624BB3B}"/>
+                <a16:creationId xmlns:a16="http://schemas.microsoft.com/office/drawing/2014/main" xmlns="" id="{89C705FC-2895-472A-B6FD-C2434624BB3B}"/>
               </a:ext>
             </a:extLst>
           </p:cNvPr>
@@ -2807,7 +2807,7 @@
           <p:cNvPr id="2" name="제목 1">
             <a:extLst>
               <a:ext uri="{FF2B5EF4-FFF2-40B4-BE49-F238E27FC236}">
-                <a16:creationId xmlns="" xmlns:a16="http://schemas.microsoft.com/office/drawing/2014/main" id="{4C00D820-915B-4802-8C2E-FF7CA967E012}"/>
+                <a16:creationId xmlns:a16="http://schemas.microsoft.com/office/drawing/2014/main" xmlns="" id="{4C00D820-915B-4802-8C2E-FF7CA967E012}"/>
               </a:ext>
             </a:extLst>
           </p:cNvPr>
@@ -2844,7 +2844,7 @@
           <p:cNvPr id="3" name="그림 개체 틀 2">
             <a:extLst>
               <a:ext uri="{FF2B5EF4-FFF2-40B4-BE49-F238E27FC236}">
-                <a16:creationId xmlns="" xmlns:a16="http://schemas.microsoft.com/office/drawing/2014/main" id="{10CF9849-20D0-417A-99C8-099DF39939AC}"/>
+                <a16:creationId xmlns:a16="http://schemas.microsoft.com/office/drawing/2014/main" xmlns="" id="{10CF9849-20D0-417A-99C8-099DF39939AC}"/>
               </a:ext>
             </a:extLst>
           </p:cNvPr>
@@ -2911,7 +2911,7 @@
           <p:cNvPr id="4" name="텍스트 개체 틀 3">
             <a:extLst>
               <a:ext uri="{FF2B5EF4-FFF2-40B4-BE49-F238E27FC236}">
-                <a16:creationId xmlns="" xmlns:a16="http://schemas.microsoft.com/office/drawing/2014/main" id="{144A7754-54E7-4123-8C5E-1B05B517B5D4}"/>
+                <a16:creationId xmlns:a16="http://schemas.microsoft.com/office/drawing/2014/main" xmlns="" id="{144A7754-54E7-4123-8C5E-1B05B517B5D4}"/>
               </a:ext>
             </a:extLst>
           </p:cNvPr>
@@ -2982,7 +2982,7 @@
           <p:cNvPr id="5" name="날짜 개체 틀 4">
             <a:extLst>
               <a:ext uri="{FF2B5EF4-FFF2-40B4-BE49-F238E27FC236}">
-                <a16:creationId xmlns="" xmlns:a16="http://schemas.microsoft.com/office/drawing/2014/main" id="{3AFFF3F1-9632-4E06-BAB7-312343416AE9}"/>
+                <a16:creationId xmlns:a16="http://schemas.microsoft.com/office/drawing/2014/main" xmlns="" id="{3AFFF3F1-9632-4E06-BAB7-312343416AE9}"/>
               </a:ext>
             </a:extLst>
           </p:cNvPr>
@@ -3007,7 +3007,7 @@
                 </a:solidFill>
               </a:rPr>
               <a:pPr/>
-              <a:t>2021-04-13</a:t>
+              <a:t>2021-04-14</a:t>
             </a:fld>
             <a:endParaRPr lang="ko-KR" altLang="en-US">
               <a:solidFill>
@@ -3024,7 +3024,7 @@
           <p:cNvPr id="6" name="바닥글 개체 틀 5">
             <a:extLst>
               <a:ext uri="{FF2B5EF4-FFF2-40B4-BE49-F238E27FC236}">
-                <a16:creationId xmlns="" xmlns:a16="http://schemas.microsoft.com/office/drawing/2014/main" id="{5F23D6B1-934F-4B4D-9E4F-5AE9E873CB6E}"/>
+                <a16:creationId xmlns:a16="http://schemas.microsoft.com/office/drawing/2014/main" xmlns="" id="{5F23D6B1-934F-4B4D-9E4F-5AE9E873CB6E}"/>
               </a:ext>
             </a:extLst>
           </p:cNvPr>
@@ -3055,7 +3055,7 @@
           <p:cNvPr id="7" name="슬라이드 번호 개체 틀 6">
             <a:extLst>
               <a:ext uri="{FF2B5EF4-FFF2-40B4-BE49-F238E27FC236}">
-                <a16:creationId xmlns="" xmlns:a16="http://schemas.microsoft.com/office/drawing/2014/main" id="{B157FDD5-2092-4E16-8E7C-1CCA4719CF8A}"/>
+                <a16:creationId xmlns:a16="http://schemas.microsoft.com/office/drawing/2014/main" xmlns="" id="{B157FDD5-2092-4E16-8E7C-1CCA4719CF8A}"/>
               </a:ext>
             </a:extLst>
           </p:cNvPr>
@@ -3132,7 +3132,7 @@
           <p:cNvPr id="2" name="제목 개체 틀 1">
             <a:extLst>
               <a:ext uri="{FF2B5EF4-FFF2-40B4-BE49-F238E27FC236}">
-                <a16:creationId xmlns="" xmlns:a16="http://schemas.microsoft.com/office/drawing/2014/main" id="{84C8B562-0886-4274-876D-59EFAAAE2F3B}"/>
+                <a16:creationId xmlns:a16="http://schemas.microsoft.com/office/drawing/2014/main" xmlns="" id="{84C8B562-0886-4274-876D-59EFAAAE2F3B}"/>
               </a:ext>
             </a:extLst>
           </p:cNvPr>
@@ -3170,7 +3170,7 @@
           <p:cNvPr id="3" name="텍스트 개체 틀 2">
             <a:extLst>
               <a:ext uri="{FF2B5EF4-FFF2-40B4-BE49-F238E27FC236}">
-                <a16:creationId xmlns="" xmlns:a16="http://schemas.microsoft.com/office/drawing/2014/main" id="{61799B9E-1CD2-4A09-9ACC-2FA1C62D7AF6}"/>
+                <a16:creationId xmlns:a16="http://schemas.microsoft.com/office/drawing/2014/main" xmlns="" id="{61799B9E-1CD2-4A09-9ACC-2FA1C62D7AF6}"/>
               </a:ext>
             </a:extLst>
           </p:cNvPr>
@@ -3237,7 +3237,7 @@
           <p:cNvPr id="4" name="날짜 개체 틀 3">
             <a:extLst>
               <a:ext uri="{FF2B5EF4-FFF2-40B4-BE49-F238E27FC236}">
-                <a16:creationId xmlns="" xmlns:a16="http://schemas.microsoft.com/office/drawing/2014/main" id="{42A0C5B4-9399-4A5E-8DEE-54436B1EC85C}"/>
+                <a16:creationId xmlns:a16="http://schemas.microsoft.com/office/drawing/2014/main" xmlns="" id="{42A0C5B4-9399-4A5E-8DEE-54436B1EC85C}"/>
               </a:ext>
             </a:extLst>
           </p:cNvPr>
@@ -3280,7 +3280,7 @@
                 </a:solidFill>
               </a:rPr>
               <a:pPr/>
-              <a:t>2021-04-13</a:t>
+              <a:t>2021-04-14</a:t>
             </a:fld>
             <a:endParaRPr lang="ko-KR" altLang="en-US">
               <a:solidFill>
@@ -3297,7 +3297,7 @@
           <p:cNvPr id="5" name="바닥글 개체 틀 4">
             <a:extLst>
               <a:ext uri="{FF2B5EF4-FFF2-40B4-BE49-F238E27FC236}">
-                <a16:creationId xmlns="" xmlns:a16="http://schemas.microsoft.com/office/drawing/2014/main" id="{F5B2B9FF-C0C5-4E9E-A76A-AF0745E2D88E}"/>
+                <a16:creationId xmlns:a16="http://schemas.microsoft.com/office/drawing/2014/main" xmlns="" id="{F5B2B9FF-C0C5-4E9E-A76A-AF0745E2D88E}"/>
               </a:ext>
             </a:extLst>
           </p:cNvPr>
@@ -3346,7 +3346,7 @@
           <p:cNvPr id="6" name="슬라이드 번호 개체 틀 5">
             <a:extLst>
               <a:ext uri="{FF2B5EF4-FFF2-40B4-BE49-F238E27FC236}">
-                <a16:creationId xmlns="" xmlns:a16="http://schemas.microsoft.com/office/drawing/2014/main" id="{E8992FE0-2D01-4365-9F95-1FF838BCEF3A}"/>
+                <a16:creationId xmlns:a16="http://schemas.microsoft.com/office/drawing/2014/main" xmlns="" id="{E8992FE0-2D01-4365-9F95-1FF838BCEF3A}"/>
               </a:ext>
             </a:extLst>
           </p:cNvPr>
@@ -5355,7 +5355,7 @@
           <p:cNvPr id="54" name="직사각형 53">
             <a:extLst>
               <a:ext uri="{FF2B5EF4-FFF2-40B4-BE49-F238E27FC236}">
-                <a16:creationId xmlns:a16="http://schemas.microsoft.com/office/drawing/2014/main" xmlns="" id="{3FA00699-5178-465A-9F3F-130CF1431F70}"/>
+                <a16:creationId xmlns="" xmlns:a16="http://schemas.microsoft.com/office/drawing/2014/main" id="{3FA00699-5178-465A-9F3F-130CF1431F70}"/>
               </a:ext>
             </a:extLst>
           </p:cNvPr>
@@ -6241,7 +6241,7 @@
           <p:cNvPr id="38" name="직사각형 37">
             <a:extLst>
               <a:ext uri="{FF2B5EF4-FFF2-40B4-BE49-F238E27FC236}">
-                <a16:creationId xmlns:a16="http://schemas.microsoft.com/office/drawing/2014/main" xmlns="" id="{3FA00699-5178-465A-9F3F-130CF1431F70}"/>
+                <a16:creationId xmlns="" xmlns:a16="http://schemas.microsoft.com/office/drawing/2014/main" id="{3FA00699-5178-465A-9F3F-130CF1431F70}"/>
               </a:ext>
             </a:extLst>
           </p:cNvPr>
@@ -7224,7 +7224,7 @@
           <p:cNvPr id="34" name="직사각형 33">
             <a:extLst>
               <a:ext uri="{FF2B5EF4-FFF2-40B4-BE49-F238E27FC236}">
-                <a16:creationId xmlns:a16="http://schemas.microsoft.com/office/drawing/2014/main" xmlns="" id="{3FA00699-5178-465A-9F3F-130CF1431F70}"/>
+                <a16:creationId xmlns="" xmlns:a16="http://schemas.microsoft.com/office/drawing/2014/main" id="{3FA00699-5178-465A-9F3F-130CF1431F70}"/>
               </a:ext>
             </a:extLst>
           </p:cNvPr>
@@ -8237,7 +8237,7 @@
           <p:cNvPr id="36" name="직사각형 35">
             <a:extLst>
               <a:ext uri="{FF2B5EF4-FFF2-40B4-BE49-F238E27FC236}">
-                <a16:creationId xmlns:a16="http://schemas.microsoft.com/office/drawing/2014/main" xmlns="" id="{3FA00699-5178-465A-9F3F-130CF1431F70}"/>
+                <a16:creationId xmlns="" xmlns:a16="http://schemas.microsoft.com/office/drawing/2014/main" id="{3FA00699-5178-465A-9F3F-130CF1431F70}"/>
               </a:ext>
             </a:extLst>
           </p:cNvPr>
@@ -9004,7 +9004,7 @@
           <p:cNvPr id="39" name="직사각형 38">
             <a:extLst>
               <a:ext uri="{FF2B5EF4-FFF2-40B4-BE49-F238E27FC236}">
-                <a16:creationId xmlns:a16="http://schemas.microsoft.com/office/drawing/2014/main" xmlns="" id="{3FA00699-5178-465A-9F3F-130CF1431F70}"/>
+                <a16:creationId xmlns="" xmlns:a16="http://schemas.microsoft.com/office/drawing/2014/main" id="{3FA00699-5178-465A-9F3F-130CF1431F70}"/>
               </a:ext>
             </a:extLst>
           </p:cNvPr>
@@ -9820,7 +9820,7 @@
           <p:cNvPr id="39" name="직사각형 38">
             <a:extLst>
               <a:ext uri="{FF2B5EF4-FFF2-40B4-BE49-F238E27FC236}">
-                <a16:creationId xmlns:a16="http://schemas.microsoft.com/office/drawing/2014/main" xmlns="" id="{3FA00699-5178-465A-9F3F-130CF1431F70}"/>
+                <a16:creationId xmlns="" xmlns:a16="http://schemas.microsoft.com/office/drawing/2014/main" id="{3FA00699-5178-465A-9F3F-130CF1431F70}"/>
               </a:ext>
             </a:extLst>
           </p:cNvPr>
@@ -10734,7 +10734,7 @@
           <p:cNvPr id="39" name="직사각형 38">
             <a:extLst>
               <a:ext uri="{FF2B5EF4-FFF2-40B4-BE49-F238E27FC236}">
-                <a16:creationId xmlns:a16="http://schemas.microsoft.com/office/drawing/2014/main" xmlns="" id="{3FA00699-5178-465A-9F3F-130CF1431F70}"/>
+                <a16:creationId xmlns="" xmlns:a16="http://schemas.microsoft.com/office/drawing/2014/main" id="{3FA00699-5178-465A-9F3F-130CF1431F70}"/>
               </a:ext>
             </a:extLst>
           </p:cNvPr>
@@ -11954,7 +11954,7 @@
           <p:cNvPr id="39" name="직사각형 38">
             <a:extLst>
               <a:ext uri="{FF2B5EF4-FFF2-40B4-BE49-F238E27FC236}">
-                <a16:creationId xmlns:a16="http://schemas.microsoft.com/office/drawing/2014/main" xmlns="" id="{3FA00699-5178-465A-9F3F-130CF1431F70}"/>
+                <a16:creationId xmlns="" xmlns:a16="http://schemas.microsoft.com/office/drawing/2014/main" id="{3FA00699-5178-465A-9F3F-130CF1431F70}"/>
               </a:ext>
             </a:extLst>
           </p:cNvPr>
@@ -13401,7 +13401,7 @@
           <p:cNvPr id="20" name="자유형: 도형 377">
             <a:extLst>
               <a:ext uri="{FF2B5EF4-FFF2-40B4-BE49-F238E27FC236}">
-                <a16:creationId xmlns="" xmlns:a16="http://schemas.microsoft.com/office/drawing/2014/main" id="{0B4A7219-0820-4378-B811-331B8646398F}"/>
+                <a16:creationId xmlns:a16="http://schemas.microsoft.com/office/drawing/2014/main" xmlns="" id="{0B4A7219-0820-4378-B811-331B8646398F}"/>
               </a:ext>
             </a:extLst>
           </p:cNvPr>
@@ -13546,7 +13546,7 @@
           <p:cNvPr id="21" name="자유형: 도형 378">
             <a:extLst>
               <a:ext uri="{FF2B5EF4-FFF2-40B4-BE49-F238E27FC236}">
-                <a16:creationId xmlns="" xmlns:a16="http://schemas.microsoft.com/office/drawing/2014/main" id="{AE7688D0-57FD-4391-A3C9-1EB04A54396A}"/>
+                <a16:creationId xmlns:a16="http://schemas.microsoft.com/office/drawing/2014/main" xmlns="" id="{AE7688D0-57FD-4391-A3C9-1EB04A54396A}"/>
               </a:ext>
             </a:extLst>
           </p:cNvPr>
@@ -13691,7 +13691,7 @@
           <p:cNvPr id="22" name="자유형: 도형 379">
             <a:extLst>
               <a:ext uri="{FF2B5EF4-FFF2-40B4-BE49-F238E27FC236}">
-                <a16:creationId xmlns="" xmlns:a16="http://schemas.microsoft.com/office/drawing/2014/main" id="{C4615E6A-E0F5-484B-8040-DD0DD89211FD}"/>
+                <a16:creationId xmlns:a16="http://schemas.microsoft.com/office/drawing/2014/main" xmlns="" id="{C4615E6A-E0F5-484B-8040-DD0DD89211FD}"/>
               </a:ext>
             </a:extLst>
           </p:cNvPr>
@@ -13836,7 +13836,7 @@
           <p:cNvPr id="23" name="자유형: 도형 380">
             <a:extLst>
               <a:ext uri="{FF2B5EF4-FFF2-40B4-BE49-F238E27FC236}">
-                <a16:creationId xmlns="" xmlns:a16="http://schemas.microsoft.com/office/drawing/2014/main" id="{0937B8B0-8045-4AA8-B9F4-04B7C0AFDEBB}"/>
+                <a16:creationId xmlns:a16="http://schemas.microsoft.com/office/drawing/2014/main" xmlns="" id="{0937B8B0-8045-4AA8-B9F4-04B7C0AFDEBB}"/>
               </a:ext>
             </a:extLst>
           </p:cNvPr>
@@ -13981,7 +13981,7 @@
           <p:cNvPr id="24" name="자유형: 도형 381">
             <a:extLst>
               <a:ext uri="{FF2B5EF4-FFF2-40B4-BE49-F238E27FC236}">
-                <a16:creationId xmlns="" xmlns:a16="http://schemas.microsoft.com/office/drawing/2014/main" id="{DB9ADCEC-01D9-4BB3-81EE-B1429055FB91}"/>
+                <a16:creationId xmlns:a16="http://schemas.microsoft.com/office/drawing/2014/main" xmlns="" id="{DB9ADCEC-01D9-4BB3-81EE-B1429055FB91}"/>
               </a:ext>
             </a:extLst>
           </p:cNvPr>
@@ -14126,7 +14126,7 @@
           <p:cNvPr id="25" name="자유형: 도형 382">
             <a:extLst>
               <a:ext uri="{FF2B5EF4-FFF2-40B4-BE49-F238E27FC236}">
-                <a16:creationId xmlns="" xmlns:a16="http://schemas.microsoft.com/office/drawing/2014/main" id="{DB61C11B-0EC3-4996-906C-007E57835D42}"/>
+                <a16:creationId xmlns:a16="http://schemas.microsoft.com/office/drawing/2014/main" xmlns="" id="{DB61C11B-0EC3-4996-906C-007E57835D42}"/>
               </a:ext>
             </a:extLst>
           </p:cNvPr>
@@ -14271,7 +14271,7 @@
           <p:cNvPr id="26" name="자유형: 도형 383">
             <a:extLst>
               <a:ext uri="{FF2B5EF4-FFF2-40B4-BE49-F238E27FC236}">
-                <a16:creationId xmlns="" xmlns:a16="http://schemas.microsoft.com/office/drawing/2014/main" id="{044A0A9B-5CA5-4FE7-B917-B350C19EF0E6}"/>
+                <a16:creationId xmlns:a16="http://schemas.microsoft.com/office/drawing/2014/main" xmlns="" id="{044A0A9B-5CA5-4FE7-B917-B350C19EF0E6}"/>
               </a:ext>
             </a:extLst>
           </p:cNvPr>
@@ -14416,7 +14416,7 @@
           <p:cNvPr id="27" name="자유형: 도형 384">
             <a:extLst>
               <a:ext uri="{FF2B5EF4-FFF2-40B4-BE49-F238E27FC236}">
-                <a16:creationId xmlns="" xmlns:a16="http://schemas.microsoft.com/office/drawing/2014/main" id="{EA9897D2-716C-4BC1-98EE-5CC7B719C72B}"/>
+                <a16:creationId xmlns:a16="http://schemas.microsoft.com/office/drawing/2014/main" xmlns="" id="{EA9897D2-716C-4BC1-98EE-5CC7B719C72B}"/>
               </a:ext>
             </a:extLst>
           </p:cNvPr>
@@ -14561,7 +14561,7 @@
           <p:cNvPr id="28" name="자유형: 도형 385">
             <a:extLst>
               <a:ext uri="{FF2B5EF4-FFF2-40B4-BE49-F238E27FC236}">
-                <a16:creationId xmlns="" xmlns:a16="http://schemas.microsoft.com/office/drawing/2014/main" id="{7582865E-7A8F-44C3-912A-C087626FEDA9}"/>
+                <a16:creationId xmlns:a16="http://schemas.microsoft.com/office/drawing/2014/main" xmlns="" id="{7582865E-7A8F-44C3-912A-C087626FEDA9}"/>
               </a:ext>
             </a:extLst>
           </p:cNvPr>
@@ -14706,7 +14706,7 @@
           <p:cNvPr id="29" name="자유형: 도형 386">
             <a:extLst>
               <a:ext uri="{FF2B5EF4-FFF2-40B4-BE49-F238E27FC236}">
-                <a16:creationId xmlns="" xmlns:a16="http://schemas.microsoft.com/office/drawing/2014/main" id="{76E18406-54A4-401D-9DCA-86C76E3A933C}"/>
+                <a16:creationId xmlns:a16="http://schemas.microsoft.com/office/drawing/2014/main" xmlns="" id="{76E18406-54A4-401D-9DCA-86C76E3A933C}"/>
               </a:ext>
             </a:extLst>
           </p:cNvPr>
@@ -14851,7 +14851,7 @@
           <p:cNvPr id="30" name="자유형: 도형 387">
             <a:extLst>
               <a:ext uri="{FF2B5EF4-FFF2-40B4-BE49-F238E27FC236}">
-                <a16:creationId xmlns="" xmlns:a16="http://schemas.microsoft.com/office/drawing/2014/main" id="{78D016E9-A182-4180-A637-1A890C82CE6A}"/>
+                <a16:creationId xmlns:a16="http://schemas.microsoft.com/office/drawing/2014/main" xmlns="" id="{78D016E9-A182-4180-A637-1A890C82CE6A}"/>
               </a:ext>
             </a:extLst>
           </p:cNvPr>
@@ -14996,7 +14996,7 @@
           <p:cNvPr id="31" name="자유형: 도형 388">
             <a:extLst>
               <a:ext uri="{FF2B5EF4-FFF2-40B4-BE49-F238E27FC236}">
-                <a16:creationId xmlns="" xmlns:a16="http://schemas.microsoft.com/office/drawing/2014/main" id="{05F8530F-49F6-48DF-AD43-D138C77A6596}"/>
+                <a16:creationId xmlns:a16="http://schemas.microsoft.com/office/drawing/2014/main" xmlns="" id="{05F8530F-49F6-48DF-AD43-D138C77A6596}"/>
               </a:ext>
             </a:extLst>
           </p:cNvPr>
@@ -15141,7 +15141,7 @@
           <p:cNvPr id="32" name="자유형: 도형 389">
             <a:extLst>
               <a:ext uri="{FF2B5EF4-FFF2-40B4-BE49-F238E27FC236}">
-                <a16:creationId xmlns="" xmlns:a16="http://schemas.microsoft.com/office/drawing/2014/main" id="{98DCEC21-B8BD-43A7-8436-449C4406D27B}"/>
+                <a16:creationId xmlns:a16="http://schemas.microsoft.com/office/drawing/2014/main" xmlns="" id="{98DCEC21-B8BD-43A7-8436-449C4406D27B}"/>
               </a:ext>
             </a:extLst>
           </p:cNvPr>
@@ -15286,7 +15286,7 @@
           <p:cNvPr id="33" name="자유형: 도형 390">
             <a:extLst>
               <a:ext uri="{FF2B5EF4-FFF2-40B4-BE49-F238E27FC236}">
-                <a16:creationId xmlns="" xmlns:a16="http://schemas.microsoft.com/office/drawing/2014/main" id="{71FAF07A-965F-4A51-9977-FFFFAA15A432}"/>
+                <a16:creationId xmlns:a16="http://schemas.microsoft.com/office/drawing/2014/main" xmlns="" id="{71FAF07A-965F-4A51-9977-FFFFAA15A432}"/>
               </a:ext>
             </a:extLst>
           </p:cNvPr>
@@ -15431,7 +15431,7 @@
           <p:cNvPr id="34" name="자유형: 도형 391">
             <a:extLst>
               <a:ext uri="{FF2B5EF4-FFF2-40B4-BE49-F238E27FC236}">
-                <a16:creationId xmlns="" xmlns:a16="http://schemas.microsoft.com/office/drawing/2014/main" id="{5047EEFB-CDDB-46B7-AA56-F96C5BF34725}"/>
+                <a16:creationId xmlns:a16="http://schemas.microsoft.com/office/drawing/2014/main" xmlns="" id="{5047EEFB-CDDB-46B7-AA56-F96C5BF34725}"/>
               </a:ext>
             </a:extLst>
           </p:cNvPr>
@@ -15576,7 +15576,7 @@
           <p:cNvPr id="35" name="자유형: 도형 392">
             <a:extLst>
               <a:ext uri="{FF2B5EF4-FFF2-40B4-BE49-F238E27FC236}">
-                <a16:creationId xmlns="" xmlns:a16="http://schemas.microsoft.com/office/drawing/2014/main" id="{2D343500-5462-4C95-880B-385171314AB6}"/>
+                <a16:creationId xmlns:a16="http://schemas.microsoft.com/office/drawing/2014/main" xmlns="" id="{2D343500-5462-4C95-880B-385171314AB6}"/>
               </a:ext>
             </a:extLst>
           </p:cNvPr>
@@ -15721,7 +15721,7 @@
           <p:cNvPr id="36" name="자유형: 도형 393">
             <a:extLst>
               <a:ext uri="{FF2B5EF4-FFF2-40B4-BE49-F238E27FC236}">
-                <a16:creationId xmlns="" xmlns:a16="http://schemas.microsoft.com/office/drawing/2014/main" id="{7B3DA1B8-BF1B-4513-966C-2A916F28EFB9}"/>
+                <a16:creationId xmlns:a16="http://schemas.microsoft.com/office/drawing/2014/main" xmlns="" id="{7B3DA1B8-BF1B-4513-966C-2A916F28EFB9}"/>
               </a:ext>
             </a:extLst>
           </p:cNvPr>
@@ -15866,7 +15866,7 @@
           <p:cNvPr id="37" name="자유형: 도형 394">
             <a:extLst>
               <a:ext uri="{FF2B5EF4-FFF2-40B4-BE49-F238E27FC236}">
-                <a16:creationId xmlns="" xmlns:a16="http://schemas.microsoft.com/office/drawing/2014/main" id="{28F89FC3-982F-4923-9453-6F57D8E1E307}"/>
+                <a16:creationId xmlns:a16="http://schemas.microsoft.com/office/drawing/2014/main" xmlns="" id="{28F89FC3-982F-4923-9453-6F57D8E1E307}"/>
               </a:ext>
             </a:extLst>
           </p:cNvPr>
@@ -16011,7 +16011,7 @@
           <p:cNvPr id="38" name="자유형: 도형 395">
             <a:extLst>
               <a:ext uri="{FF2B5EF4-FFF2-40B4-BE49-F238E27FC236}">
-                <a16:creationId xmlns="" xmlns:a16="http://schemas.microsoft.com/office/drawing/2014/main" id="{0F995921-8CFB-4A23-8C8B-B2815AE8670A}"/>
+                <a16:creationId xmlns:a16="http://schemas.microsoft.com/office/drawing/2014/main" xmlns="" id="{0F995921-8CFB-4A23-8C8B-B2815AE8670A}"/>
               </a:ext>
             </a:extLst>
           </p:cNvPr>
@@ -16156,7 +16156,7 @@
           <p:cNvPr id="39" name="자유형: 도형 396">
             <a:extLst>
               <a:ext uri="{FF2B5EF4-FFF2-40B4-BE49-F238E27FC236}">
-                <a16:creationId xmlns="" xmlns:a16="http://schemas.microsoft.com/office/drawing/2014/main" id="{38E18007-DA79-4D7B-96F0-FEC1EB21386C}"/>
+                <a16:creationId xmlns:a16="http://schemas.microsoft.com/office/drawing/2014/main" xmlns="" id="{38E18007-DA79-4D7B-96F0-FEC1EB21386C}"/>
               </a:ext>
             </a:extLst>
           </p:cNvPr>
@@ -16301,7 +16301,7 @@
           <p:cNvPr id="40" name="자유형: 도형 397">
             <a:extLst>
               <a:ext uri="{FF2B5EF4-FFF2-40B4-BE49-F238E27FC236}">
-                <a16:creationId xmlns="" xmlns:a16="http://schemas.microsoft.com/office/drawing/2014/main" id="{C0E1BE7B-0A87-404E-B319-F1AE13922904}"/>
+                <a16:creationId xmlns:a16="http://schemas.microsoft.com/office/drawing/2014/main" xmlns="" id="{C0E1BE7B-0A87-404E-B319-F1AE13922904}"/>
               </a:ext>
             </a:extLst>
           </p:cNvPr>
@@ -16446,7 +16446,7 @@
           <p:cNvPr id="41" name="자유형: 도형 398">
             <a:extLst>
               <a:ext uri="{FF2B5EF4-FFF2-40B4-BE49-F238E27FC236}">
-                <a16:creationId xmlns="" xmlns:a16="http://schemas.microsoft.com/office/drawing/2014/main" id="{675C7C0F-8C6D-4AAF-BC5F-2B81DEB3E4E8}"/>
+                <a16:creationId xmlns:a16="http://schemas.microsoft.com/office/drawing/2014/main" xmlns="" id="{675C7C0F-8C6D-4AAF-BC5F-2B81DEB3E4E8}"/>
               </a:ext>
             </a:extLst>
           </p:cNvPr>
@@ -16591,7 +16591,7 @@
           <p:cNvPr id="42" name="자유형: 도형 399">
             <a:extLst>
               <a:ext uri="{FF2B5EF4-FFF2-40B4-BE49-F238E27FC236}">
-                <a16:creationId xmlns="" xmlns:a16="http://schemas.microsoft.com/office/drawing/2014/main" id="{846A25C2-933F-44C2-A0FE-4110FBEBA915}"/>
+                <a16:creationId xmlns:a16="http://schemas.microsoft.com/office/drawing/2014/main" xmlns="" id="{846A25C2-933F-44C2-A0FE-4110FBEBA915}"/>
               </a:ext>
             </a:extLst>
           </p:cNvPr>
@@ -16736,7 +16736,7 @@
           <p:cNvPr id="43" name="자유형: 도형 400">
             <a:extLst>
               <a:ext uri="{FF2B5EF4-FFF2-40B4-BE49-F238E27FC236}">
-                <a16:creationId xmlns="" xmlns:a16="http://schemas.microsoft.com/office/drawing/2014/main" id="{5EBA2B3B-7A04-4662-B870-F720B8538988}"/>
+                <a16:creationId xmlns:a16="http://schemas.microsoft.com/office/drawing/2014/main" xmlns="" id="{5EBA2B3B-7A04-4662-B870-F720B8538988}"/>
               </a:ext>
             </a:extLst>
           </p:cNvPr>
@@ -16881,7 +16881,7 @@
           <p:cNvPr id="44" name="직사각형 43">
             <a:extLst>
               <a:ext uri="{FF2B5EF4-FFF2-40B4-BE49-F238E27FC236}">
-                <a16:creationId xmlns="" xmlns:a16="http://schemas.microsoft.com/office/drawing/2014/main" id="{8E46B02D-66F3-495A-BE76-8FA2A68509CF}"/>
+                <a16:creationId xmlns:a16="http://schemas.microsoft.com/office/drawing/2014/main" xmlns="" id="{8E46B02D-66F3-495A-BE76-8FA2A68509CF}"/>
               </a:ext>
             </a:extLst>
           </p:cNvPr>
@@ -16937,7 +16937,7 @@
           <p:cNvPr id="45" name="직사각형 44">
             <a:extLst>
               <a:ext uri="{FF2B5EF4-FFF2-40B4-BE49-F238E27FC236}">
-                <a16:creationId xmlns:a16="http://schemas.microsoft.com/office/drawing/2014/main" xmlns="" id="{7FEC52E6-E0E1-427E-87A8-FEE2AAF979A8}"/>
+                <a16:creationId xmlns="" xmlns:a16="http://schemas.microsoft.com/office/drawing/2014/main" id="{7FEC52E6-E0E1-427E-87A8-FEE2AAF979A8}"/>
               </a:ext>
             </a:extLst>
           </p:cNvPr>
@@ -17136,7 +17136,7 @@
           <p:cNvPr id="49" name="자유형: 도형 377">
             <a:extLst>
               <a:ext uri="{FF2B5EF4-FFF2-40B4-BE49-F238E27FC236}">
-                <a16:creationId xmlns="" xmlns:a16="http://schemas.microsoft.com/office/drawing/2014/main" id="{0B4A7219-0820-4378-B811-331B8646398F}"/>
+                <a16:creationId xmlns:a16="http://schemas.microsoft.com/office/drawing/2014/main" xmlns="" id="{0B4A7219-0820-4378-B811-331B8646398F}"/>
               </a:ext>
             </a:extLst>
           </p:cNvPr>
@@ -17281,7 +17281,7 @@
           <p:cNvPr id="50" name="자유형: 도형 378">
             <a:extLst>
               <a:ext uri="{FF2B5EF4-FFF2-40B4-BE49-F238E27FC236}">
-                <a16:creationId xmlns="" xmlns:a16="http://schemas.microsoft.com/office/drawing/2014/main" id="{AE7688D0-57FD-4391-A3C9-1EB04A54396A}"/>
+                <a16:creationId xmlns:a16="http://schemas.microsoft.com/office/drawing/2014/main" xmlns="" id="{AE7688D0-57FD-4391-A3C9-1EB04A54396A}"/>
               </a:ext>
             </a:extLst>
           </p:cNvPr>
@@ -17426,7 +17426,7 @@
           <p:cNvPr id="51" name="자유형: 도형 379">
             <a:extLst>
               <a:ext uri="{FF2B5EF4-FFF2-40B4-BE49-F238E27FC236}">
-                <a16:creationId xmlns="" xmlns:a16="http://schemas.microsoft.com/office/drawing/2014/main" id="{C4615E6A-E0F5-484B-8040-DD0DD89211FD}"/>
+                <a16:creationId xmlns:a16="http://schemas.microsoft.com/office/drawing/2014/main" xmlns="" id="{C4615E6A-E0F5-484B-8040-DD0DD89211FD}"/>
               </a:ext>
             </a:extLst>
           </p:cNvPr>
@@ -17571,7 +17571,7 @@
           <p:cNvPr id="52" name="자유형: 도형 380">
             <a:extLst>
               <a:ext uri="{FF2B5EF4-FFF2-40B4-BE49-F238E27FC236}">
-                <a16:creationId xmlns="" xmlns:a16="http://schemas.microsoft.com/office/drawing/2014/main" id="{0937B8B0-8045-4AA8-B9F4-04B7C0AFDEBB}"/>
+                <a16:creationId xmlns:a16="http://schemas.microsoft.com/office/drawing/2014/main" xmlns="" id="{0937B8B0-8045-4AA8-B9F4-04B7C0AFDEBB}"/>
               </a:ext>
             </a:extLst>
           </p:cNvPr>
@@ -17716,7 +17716,7 @@
           <p:cNvPr id="53" name="자유형: 도형 381">
             <a:extLst>
               <a:ext uri="{FF2B5EF4-FFF2-40B4-BE49-F238E27FC236}">
-                <a16:creationId xmlns="" xmlns:a16="http://schemas.microsoft.com/office/drawing/2014/main" id="{DB9ADCEC-01D9-4BB3-81EE-B1429055FB91}"/>
+                <a16:creationId xmlns:a16="http://schemas.microsoft.com/office/drawing/2014/main" xmlns="" id="{DB9ADCEC-01D9-4BB3-81EE-B1429055FB91}"/>
               </a:ext>
             </a:extLst>
           </p:cNvPr>
@@ -17861,7 +17861,7 @@
           <p:cNvPr id="54" name="자유형: 도형 382">
             <a:extLst>
               <a:ext uri="{FF2B5EF4-FFF2-40B4-BE49-F238E27FC236}">
-                <a16:creationId xmlns="" xmlns:a16="http://schemas.microsoft.com/office/drawing/2014/main" id="{DB61C11B-0EC3-4996-906C-007E57835D42}"/>
+                <a16:creationId xmlns:a16="http://schemas.microsoft.com/office/drawing/2014/main" xmlns="" id="{DB61C11B-0EC3-4996-906C-007E57835D42}"/>
               </a:ext>
             </a:extLst>
           </p:cNvPr>
@@ -18006,7 +18006,7 @@
           <p:cNvPr id="55" name="자유형: 도형 383">
             <a:extLst>
               <a:ext uri="{FF2B5EF4-FFF2-40B4-BE49-F238E27FC236}">
-                <a16:creationId xmlns="" xmlns:a16="http://schemas.microsoft.com/office/drawing/2014/main" id="{044A0A9B-5CA5-4FE7-B917-B350C19EF0E6}"/>
+                <a16:creationId xmlns:a16="http://schemas.microsoft.com/office/drawing/2014/main" xmlns="" id="{044A0A9B-5CA5-4FE7-B917-B350C19EF0E6}"/>
               </a:ext>
             </a:extLst>
           </p:cNvPr>
@@ -18151,7 +18151,7 @@
           <p:cNvPr id="56" name="자유형: 도형 384">
             <a:extLst>
               <a:ext uri="{FF2B5EF4-FFF2-40B4-BE49-F238E27FC236}">
-                <a16:creationId xmlns="" xmlns:a16="http://schemas.microsoft.com/office/drawing/2014/main" id="{EA9897D2-716C-4BC1-98EE-5CC7B719C72B}"/>
+                <a16:creationId xmlns:a16="http://schemas.microsoft.com/office/drawing/2014/main" xmlns="" id="{EA9897D2-716C-4BC1-98EE-5CC7B719C72B}"/>
               </a:ext>
             </a:extLst>
           </p:cNvPr>
@@ -18296,7 +18296,7 @@
           <p:cNvPr id="57" name="자유형: 도형 385">
             <a:extLst>
               <a:ext uri="{FF2B5EF4-FFF2-40B4-BE49-F238E27FC236}">
-                <a16:creationId xmlns="" xmlns:a16="http://schemas.microsoft.com/office/drawing/2014/main" id="{7582865E-7A8F-44C3-912A-C087626FEDA9}"/>
+                <a16:creationId xmlns:a16="http://schemas.microsoft.com/office/drawing/2014/main" xmlns="" id="{7582865E-7A8F-44C3-912A-C087626FEDA9}"/>
               </a:ext>
             </a:extLst>
           </p:cNvPr>
@@ -18441,7 +18441,7 @@
           <p:cNvPr id="58" name="자유형: 도형 386">
             <a:extLst>
               <a:ext uri="{FF2B5EF4-FFF2-40B4-BE49-F238E27FC236}">
-                <a16:creationId xmlns="" xmlns:a16="http://schemas.microsoft.com/office/drawing/2014/main" id="{76E18406-54A4-401D-9DCA-86C76E3A933C}"/>
+                <a16:creationId xmlns:a16="http://schemas.microsoft.com/office/drawing/2014/main" xmlns="" id="{76E18406-54A4-401D-9DCA-86C76E3A933C}"/>
               </a:ext>
             </a:extLst>
           </p:cNvPr>
@@ -18586,7 +18586,7 @@
           <p:cNvPr id="59" name="자유형: 도형 387">
             <a:extLst>
               <a:ext uri="{FF2B5EF4-FFF2-40B4-BE49-F238E27FC236}">
-                <a16:creationId xmlns="" xmlns:a16="http://schemas.microsoft.com/office/drawing/2014/main" id="{78D016E9-A182-4180-A637-1A890C82CE6A}"/>
+                <a16:creationId xmlns:a16="http://schemas.microsoft.com/office/drawing/2014/main" xmlns="" id="{78D016E9-A182-4180-A637-1A890C82CE6A}"/>
               </a:ext>
             </a:extLst>
           </p:cNvPr>
@@ -18731,7 +18731,7 @@
           <p:cNvPr id="60" name="자유형: 도형 388">
             <a:extLst>
               <a:ext uri="{FF2B5EF4-FFF2-40B4-BE49-F238E27FC236}">
-                <a16:creationId xmlns="" xmlns:a16="http://schemas.microsoft.com/office/drawing/2014/main" id="{05F8530F-49F6-48DF-AD43-D138C77A6596}"/>
+                <a16:creationId xmlns:a16="http://schemas.microsoft.com/office/drawing/2014/main" xmlns="" id="{05F8530F-49F6-48DF-AD43-D138C77A6596}"/>
               </a:ext>
             </a:extLst>
           </p:cNvPr>
@@ -18876,7 +18876,7 @@
           <p:cNvPr id="61" name="자유형: 도형 389">
             <a:extLst>
               <a:ext uri="{FF2B5EF4-FFF2-40B4-BE49-F238E27FC236}">
-                <a16:creationId xmlns="" xmlns:a16="http://schemas.microsoft.com/office/drawing/2014/main" id="{98DCEC21-B8BD-43A7-8436-449C4406D27B}"/>
+                <a16:creationId xmlns:a16="http://schemas.microsoft.com/office/drawing/2014/main" xmlns="" id="{98DCEC21-B8BD-43A7-8436-449C4406D27B}"/>
               </a:ext>
             </a:extLst>
           </p:cNvPr>
@@ -19021,7 +19021,7 @@
           <p:cNvPr id="62" name="자유형: 도형 390">
             <a:extLst>
               <a:ext uri="{FF2B5EF4-FFF2-40B4-BE49-F238E27FC236}">
-                <a16:creationId xmlns="" xmlns:a16="http://schemas.microsoft.com/office/drawing/2014/main" id="{71FAF07A-965F-4A51-9977-FFFFAA15A432}"/>
+                <a16:creationId xmlns:a16="http://schemas.microsoft.com/office/drawing/2014/main" xmlns="" id="{71FAF07A-965F-4A51-9977-FFFFAA15A432}"/>
               </a:ext>
             </a:extLst>
           </p:cNvPr>
@@ -19166,7 +19166,7 @@
           <p:cNvPr id="63" name="자유형: 도형 391">
             <a:extLst>
               <a:ext uri="{FF2B5EF4-FFF2-40B4-BE49-F238E27FC236}">
-                <a16:creationId xmlns="" xmlns:a16="http://schemas.microsoft.com/office/drawing/2014/main" id="{5047EEFB-CDDB-46B7-AA56-F96C5BF34725}"/>
+                <a16:creationId xmlns:a16="http://schemas.microsoft.com/office/drawing/2014/main" xmlns="" id="{5047EEFB-CDDB-46B7-AA56-F96C5BF34725}"/>
               </a:ext>
             </a:extLst>
           </p:cNvPr>
@@ -19311,7 +19311,7 @@
           <p:cNvPr id="64" name="자유형: 도형 392">
             <a:extLst>
               <a:ext uri="{FF2B5EF4-FFF2-40B4-BE49-F238E27FC236}">
-                <a16:creationId xmlns="" xmlns:a16="http://schemas.microsoft.com/office/drawing/2014/main" id="{2D343500-5462-4C95-880B-385171314AB6}"/>
+                <a16:creationId xmlns:a16="http://schemas.microsoft.com/office/drawing/2014/main" xmlns="" id="{2D343500-5462-4C95-880B-385171314AB6}"/>
               </a:ext>
             </a:extLst>
           </p:cNvPr>
@@ -19456,7 +19456,7 @@
           <p:cNvPr id="65" name="자유형: 도형 393">
             <a:extLst>
               <a:ext uri="{FF2B5EF4-FFF2-40B4-BE49-F238E27FC236}">
-                <a16:creationId xmlns="" xmlns:a16="http://schemas.microsoft.com/office/drawing/2014/main" id="{7B3DA1B8-BF1B-4513-966C-2A916F28EFB9}"/>
+                <a16:creationId xmlns:a16="http://schemas.microsoft.com/office/drawing/2014/main" xmlns="" id="{7B3DA1B8-BF1B-4513-966C-2A916F28EFB9}"/>
               </a:ext>
             </a:extLst>
           </p:cNvPr>
@@ -19601,7 +19601,7 @@
           <p:cNvPr id="66" name="자유형: 도형 394">
             <a:extLst>
               <a:ext uri="{FF2B5EF4-FFF2-40B4-BE49-F238E27FC236}">
-                <a16:creationId xmlns="" xmlns:a16="http://schemas.microsoft.com/office/drawing/2014/main" id="{28F89FC3-982F-4923-9453-6F57D8E1E307}"/>
+                <a16:creationId xmlns:a16="http://schemas.microsoft.com/office/drawing/2014/main" xmlns="" id="{28F89FC3-982F-4923-9453-6F57D8E1E307}"/>
               </a:ext>
             </a:extLst>
           </p:cNvPr>
@@ -19746,7 +19746,7 @@
           <p:cNvPr id="67" name="자유형: 도형 395">
             <a:extLst>
               <a:ext uri="{FF2B5EF4-FFF2-40B4-BE49-F238E27FC236}">
-                <a16:creationId xmlns="" xmlns:a16="http://schemas.microsoft.com/office/drawing/2014/main" id="{0F995921-8CFB-4A23-8C8B-B2815AE8670A}"/>
+                <a16:creationId xmlns:a16="http://schemas.microsoft.com/office/drawing/2014/main" xmlns="" id="{0F995921-8CFB-4A23-8C8B-B2815AE8670A}"/>
               </a:ext>
             </a:extLst>
           </p:cNvPr>
@@ -19891,7 +19891,7 @@
           <p:cNvPr id="68" name="자유형: 도형 396">
             <a:extLst>
               <a:ext uri="{FF2B5EF4-FFF2-40B4-BE49-F238E27FC236}">
-                <a16:creationId xmlns="" xmlns:a16="http://schemas.microsoft.com/office/drawing/2014/main" id="{38E18007-DA79-4D7B-96F0-FEC1EB21386C}"/>
+                <a16:creationId xmlns:a16="http://schemas.microsoft.com/office/drawing/2014/main" xmlns="" id="{38E18007-DA79-4D7B-96F0-FEC1EB21386C}"/>
               </a:ext>
             </a:extLst>
           </p:cNvPr>
@@ -20036,7 +20036,7 @@
           <p:cNvPr id="69" name="자유형: 도형 397">
             <a:extLst>
               <a:ext uri="{FF2B5EF4-FFF2-40B4-BE49-F238E27FC236}">
-                <a16:creationId xmlns="" xmlns:a16="http://schemas.microsoft.com/office/drawing/2014/main" id="{C0E1BE7B-0A87-404E-B319-F1AE13922904}"/>
+                <a16:creationId xmlns:a16="http://schemas.microsoft.com/office/drawing/2014/main" xmlns="" id="{C0E1BE7B-0A87-404E-B319-F1AE13922904}"/>
               </a:ext>
             </a:extLst>
           </p:cNvPr>
@@ -20181,7 +20181,7 @@
           <p:cNvPr id="70" name="자유형: 도형 398">
             <a:extLst>
               <a:ext uri="{FF2B5EF4-FFF2-40B4-BE49-F238E27FC236}">
-                <a16:creationId xmlns="" xmlns:a16="http://schemas.microsoft.com/office/drawing/2014/main" id="{675C7C0F-8C6D-4AAF-BC5F-2B81DEB3E4E8}"/>
+                <a16:creationId xmlns:a16="http://schemas.microsoft.com/office/drawing/2014/main" xmlns="" id="{675C7C0F-8C6D-4AAF-BC5F-2B81DEB3E4E8}"/>
               </a:ext>
             </a:extLst>
           </p:cNvPr>
@@ -20326,7 +20326,7 @@
           <p:cNvPr id="71" name="자유형: 도형 399">
             <a:extLst>
               <a:ext uri="{FF2B5EF4-FFF2-40B4-BE49-F238E27FC236}">
-                <a16:creationId xmlns="" xmlns:a16="http://schemas.microsoft.com/office/drawing/2014/main" id="{846A25C2-933F-44C2-A0FE-4110FBEBA915}"/>
+                <a16:creationId xmlns:a16="http://schemas.microsoft.com/office/drawing/2014/main" xmlns="" id="{846A25C2-933F-44C2-A0FE-4110FBEBA915}"/>
               </a:ext>
             </a:extLst>
           </p:cNvPr>
@@ -20471,7 +20471,7 @@
           <p:cNvPr id="72" name="자유형: 도형 400">
             <a:extLst>
               <a:ext uri="{FF2B5EF4-FFF2-40B4-BE49-F238E27FC236}">
-                <a16:creationId xmlns="" xmlns:a16="http://schemas.microsoft.com/office/drawing/2014/main" id="{5EBA2B3B-7A04-4662-B870-F720B8538988}"/>
+                <a16:creationId xmlns:a16="http://schemas.microsoft.com/office/drawing/2014/main" xmlns="" id="{5EBA2B3B-7A04-4662-B870-F720B8538988}"/>
               </a:ext>
             </a:extLst>
           </p:cNvPr>
@@ -20616,7 +20616,7 @@
           <p:cNvPr id="73" name="직사각형 72">
             <a:extLst>
               <a:ext uri="{FF2B5EF4-FFF2-40B4-BE49-F238E27FC236}">
-                <a16:creationId xmlns="" xmlns:a16="http://schemas.microsoft.com/office/drawing/2014/main" id="{8E46B02D-66F3-495A-BE76-8FA2A68509CF}"/>
+                <a16:creationId xmlns:a16="http://schemas.microsoft.com/office/drawing/2014/main" xmlns="" id="{8E46B02D-66F3-495A-BE76-8FA2A68509CF}"/>
               </a:ext>
             </a:extLst>
           </p:cNvPr>
@@ -20672,7 +20672,7 @@
           <p:cNvPr id="74" name="직사각형 73">
             <a:extLst>
               <a:ext uri="{FF2B5EF4-FFF2-40B4-BE49-F238E27FC236}">
-                <a16:creationId xmlns:a16="http://schemas.microsoft.com/office/drawing/2014/main" xmlns="" id="{7FEC52E6-E0E1-427E-87A8-FEE2AAF979A8}"/>
+                <a16:creationId xmlns="" xmlns:a16="http://schemas.microsoft.com/office/drawing/2014/main" id="{7FEC52E6-E0E1-427E-87A8-FEE2AAF979A8}"/>
               </a:ext>
             </a:extLst>
           </p:cNvPr>
@@ -20871,7 +20871,7 @@
           <p:cNvPr id="78" name="자유형: 도형 377">
             <a:extLst>
               <a:ext uri="{FF2B5EF4-FFF2-40B4-BE49-F238E27FC236}">
-                <a16:creationId xmlns="" xmlns:a16="http://schemas.microsoft.com/office/drawing/2014/main" id="{0B4A7219-0820-4378-B811-331B8646398F}"/>
+                <a16:creationId xmlns:a16="http://schemas.microsoft.com/office/drawing/2014/main" xmlns="" id="{0B4A7219-0820-4378-B811-331B8646398F}"/>
               </a:ext>
             </a:extLst>
           </p:cNvPr>
@@ -21016,7 +21016,7 @@
           <p:cNvPr id="79" name="자유형: 도형 378">
             <a:extLst>
               <a:ext uri="{FF2B5EF4-FFF2-40B4-BE49-F238E27FC236}">
-                <a16:creationId xmlns="" xmlns:a16="http://schemas.microsoft.com/office/drawing/2014/main" id="{AE7688D0-57FD-4391-A3C9-1EB04A54396A}"/>
+                <a16:creationId xmlns:a16="http://schemas.microsoft.com/office/drawing/2014/main" xmlns="" id="{AE7688D0-57FD-4391-A3C9-1EB04A54396A}"/>
               </a:ext>
             </a:extLst>
           </p:cNvPr>
@@ -21161,7 +21161,7 @@
           <p:cNvPr id="80" name="자유형: 도형 379">
             <a:extLst>
               <a:ext uri="{FF2B5EF4-FFF2-40B4-BE49-F238E27FC236}">
-                <a16:creationId xmlns="" xmlns:a16="http://schemas.microsoft.com/office/drawing/2014/main" id="{C4615E6A-E0F5-484B-8040-DD0DD89211FD}"/>
+                <a16:creationId xmlns:a16="http://schemas.microsoft.com/office/drawing/2014/main" xmlns="" id="{C4615E6A-E0F5-484B-8040-DD0DD89211FD}"/>
               </a:ext>
             </a:extLst>
           </p:cNvPr>
@@ -21306,7 +21306,7 @@
           <p:cNvPr id="81" name="자유형: 도형 380">
             <a:extLst>
               <a:ext uri="{FF2B5EF4-FFF2-40B4-BE49-F238E27FC236}">
-                <a16:creationId xmlns="" xmlns:a16="http://schemas.microsoft.com/office/drawing/2014/main" id="{0937B8B0-8045-4AA8-B9F4-04B7C0AFDEBB}"/>
+                <a16:creationId xmlns:a16="http://schemas.microsoft.com/office/drawing/2014/main" xmlns="" id="{0937B8B0-8045-4AA8-B9F4-04B7C0AFDEBB}"/>
               </a:ext>
             </a:extLst>
           </p:cNvPr>
@@ -21451,7 +21451,7 @@
           <p:cNvPr id="82" name="자유형: 도형 381">
             <a:extLst>
               <a:ext uri="{FF2B5EF4-FFF2-40B4-BE49-F238E27FC236}">
-                <a16:creationId xmlns="" xmlns:a16="http://schemas.microsoft.com/office/drawing/2014/main" id="{DB9ADCEC-01D9-4BB3-81EE-B1429055FB91}"/>
+                <a16:creationId xmlns:a16="http://schemas.microsoft.com/office/drawing/2014/main" xmlns="" id="{DB9ADCEC-01D9-4BB3-81EE-B1429055FB91}"/>
               </a:ext>
             </a:extLst>
           </p:cNvPr>
@@ -21596,7 +21596,7 @@
           <p:cNvPr id="83" name="자유형: 도형 382">
             <a:extLst>
               <a:ext uri="{FF2B5EF4-FFF2-40B4-BE49-F238E27FC236}">
-                <a16:creationId xmlns="" xmlns:a16="http://schemas.microsoft.com/office/drawing/2014/main" id="{DB61C11B-0EC3-4996-906C-007E57835D42}"/>
+                <a16:creationId xmlns:a16="http://schemas.microsoft.com/office/drawing/2014/main" xmlns="" id="{DB61C11B-0EC3-4996-906C-007E57835D42}"/>
               </a:ext>
             </a:extLst>
           </p:cNvPr>
@@ -21741,7 +21741,7 @@
           <p:cNvPr id="84" name="자유형: 도형 383">
             <a:extLst>
               <a:ext uri="{FF2B5EF4-FFF2-40B4-BE49-F238E27FC236}">
-                <a16:creationId xmlns="" xmlns:a16="http://schemas.microsoft.com/office/drawing/2014/main" id="{044A0A9B-5CA5-4FE7-B917-B350C19EF0E6}"/>
+                <a16:creationId xmlns:a16="http://schemas.microsoft.com/office/drawing/2014/main" xmlns="" id="{044A0A9B-5CA5-4FE7-B917-B350C19EF0E6}"/>
               </a:ext>
             </a:extLst>
           </p:cNvPr>
@@ -21886,7 +21886,7 @@
           <p:cNvPr id="85" name="자유형: 도형 384">
             <a:extLst>
               <a:ext uri="{FF2B5EF4-FFF2-40B4-BE49-F238E27FC236}">
-                <a16:creationId xmlns="" xmlns:a16="http://schemas.microsoft.com/office/drawing/2014/main" id="{EA9897D2-716C-4BC1-98EE-5CC7B719C72B}"/>
+                <a16:creationId xmlns:a16="http://schemas.microsoft.com/office/drawing/2014/main" xmlns="" id="{EA9897D2-716C-4BC1-98EE-5CC7B719C72B}"/>
               </a:ext>
             </a:extLst>
           </p:cNvPr>
@@ -22031,7 +22031,7 @@
           <p:cNvPr id="86" name="자유형: 도형 385">
             <a:extLst>
               <a:ext uri="{FF2B5EF4-FFF2-40B4-BE49-F238E27FC236}">
-                <a16:creationId xmlns="" xmlns:a16="http://schemas.microsoft.com/office/drawing/2014/main" id="{7582865E-7A8F-44C3-912A-C087626FEDA9}"/>
+                <a16:creationId xmlns:a16="http://schemas.microsoft.com/office/drawing/2014/main" xmlns="" id="{7582865E-7A8F-44C3-912A-C087626FEDA9}"/>
               </a:ext>
             </a:extLst>
           </p:cNvPr>
@@ -22176,7 +22176,7 @@
           <p:cNvPr id="87" name="자유형: 도형 386">
             <a:extLst>
               <a:ext uri="{FF2B5EF4-FFF2-40B4-BE49-F238E27FC236}">
-                <a16:creationId xmlns="" xmlns:a16="http://schemas.microsoft.com/office/drawing/2014/main" id="{76E18406-54A4-401D-9DCA-86C76E3A933C}"/>
+                <a16:creationId xmlns:a16="http://schemas.microsoft.com/office/drawing/2014/main" xmlns="" id="{76E18406-54A4-401D-9DCA-86C76E3A933C}"/>
               </a:ext>
             </a:extLst>
           </p:cNvPr>
@@ -22321,7 +22321,7 @@
           <p:cNvPr id="88" name="자유형: 도형 387">
             <a:extLst>
               <a:ext uri="{FF2B5EF4-FFF2-40B4-BE49-F238E27FC236}">
-                <a16:creationId xmlns="" xmlns:a16="http://schemas.microsoft.com/office/drawing/2014/main" id="{78D016E9-A182-4180-A637-1A890C82CE6A}"/>
+                <a16:creationId xmlns:a16="http://schemas.microsoft.com/office/drawing/2014/main" xmlns="" id="{78D016E9-A182-4180-A637-1A890C82CE6A}"/>
               </a:ext>
             </a:extLst>
           </p:cNvPr>
@@ -22466,7 +22466,7 @@
           <p:cNvPr id="89" name="자유형: 도형 388">
             <a:extLst>
               <a:ext uri="{FF2B5EF4-FFF2-40B4-BE49-F238E27FC236}">
-                <a16:creationId xmlns="" xmlns:a16="http://schemas.microsoft.com/office/drawing/2014/main" id="{05F8530F-49F6-48DF-AD43-D138C77A6596}"/>
+                <a16:creationId xmlns:a16="http://schemas.microsoft.com/office/drawing/2014/main" xmlns="" id="{05F8530F-49F6-48DF-AD43-D138C77A6596}"/>
               </a:ext>
             </a:extLst>
           </p:cNvPr>
@@ -22611,7 +22611,7 @@
           <p:cNvPr id="90" name="자유형: 도형 389">
             <a:extLst>
               <a:ext uri="{FF2B5EF4-FFF2-40B4-BE49-F238E27FC236}">
-                <a16:creationId xmlns="" xmlns:a16="http://schemas.microsoft.com/office/drawing/2014/main" id="{98DCEC21-B8BD-43A7-8436-449C4406D27B}"/>
+                <a16:creationId xmlns:a16="http://schemas.microsoft.com/office/drawing/2014/main" xmlns="" id="{98DCEC21-B8BD-43A7-8436-449C4406D27B}"/>
               </a:ext>
             </a:extLst>
           </p:cNvPr>
@@ -22756,7 +22756,7 @@
           <p:cNvPr id="91" name="자유형: 도형 390">
             <a:extLst>
               <a:ext uri="{FF2B5EF4-FFF2-40B4-BE49-F238E27FC236}">
-                <a16:creationId xmlns="" xmlns:a16="http://schemas.microsoft.com/office/drawing/2014/main" id="{71FAF07A-965F-4A51-9977-FFFFAA15A432}"/>
+                <a16:creationId xmlns:a16="http://schemas.microsoft.com/office/drawing/2014/main" xmlns="" id="{71FAF07A-965F-4A51-9977-FFFFAA15A432}"/>
               </a:ext>
             </a:extLst>
           </p:cNvPr>
@@ -22901,7 +22901,7 @@
           <p:cNvPr id="92" name="자유형: 도형 391">
             <a:extLst>
               <a:ext uri="{FF2B5EF4-FFF2-40B4-BE49-F238E27FC236}">
-                <a16:creationId xmlns="" xmlns:a16="http://schemas.microsoft.com/office/drawing/2014/main" id="{5047EEFB-CDDB-46B7-AA56-F96C5BF34725}"/>
+                <a16:creationId xmlns:a16="http://schemas.microsoft.com/office/drawing/2014/main" xmlns="" id="{5047EEFB-CDDB-46B7-AA56-F96C5BF34725}"/>
               </a:ext>
             </a:extLst>
           </p:cNvPr>
@@ -23046,7 +23046,7 @@
           <p:cNvPr id="93" name="자유형: 도형 392">
             <a:extLst>
               <a:ext uri="{FF2B5EF4-FFF2-40B4-BE49-F238E27FC236}">
-                <a16:creationId xmlns="" xmlns:a16="http://schemas.microsoft.com/office/drawing/2014/main" id="{2D343500-5462-4C95-880B-385171314AB6}"/>
+                <a16:creationId xmlns:a16="http://schemas.microsoft.com/office/drawing/2014/main" xmlns="" id="{2D343500-5462-4C95-880B-385171314AB6}"/>
               </a:ext>
             </a:extLst>
           </p:cNvPr>
@@ -23191,7 +23191,7 @@
           <p:cNvPr id="94" name="자유형: 도형 393">
             <a:extLst>
               <a:ext uri="{FF2B5EF4-FFF2-40B4-BE49-F238E27FC236}">
-                <a16:creationId xmlns="" xmlns:a16="http://schemas.microsoft.com/office/drawing/2014/main" id="{7B3DA1B8-BF1B-4513-966C-2A916F28EFB9}"/>
+                <a16:creationId xmlns:a16="http://schemas.microsoft.com/office/drawing/2014/main" xmlns="" id="{7B3DA1B8-BF1B-4513-966C-2A916F28EFB9}"/>
               </a:ext>
             </a:extLst>
           </p:cNvPr>
@@ -23336,7 +23336,7 @@
           <p:cNvPr id="95" name="자유형: 도형 394">
             <a:extLst>
               <a:ext uri="{FF2B5EF4-FFF2-40B4-BE49-F238E27FC236}">
-                <a16:creationId xmlns="" xmlns:a16="http://schemas.microsoft.com/office/drawing/2014/main" id="{28F89FC3-982F-4923-9453-6F57D8E1E307}"/>
+                <a16:creationId xmlns:a16="http://schemas.microsoft.com/office/drawing/2014/main" xmlns="" id="{28F89FC3-982F-4923-9453-6F57D8E1E307}"/>
               </a:ext>
             </a:extLst>
           </p:cNvPr>
@@ -23481,7 +23481,7 @@
           <p:cNvPr id="96" name="자유형: 도형 395">
             <a:extLst>
               <a:ext uri="{FF2B5EF4-FFF2-40B4-BE49-F238E27FC236}">
-                <a16:creationId xmlns="" xmlns:a16="http://schemas.microsoft.com/office/drawing/2014/main" id="{0F995921-8CFB-4A23-8C8B-B2815AE8670A}"/>
+                <a16:creationId xmlns:a16="http://schemas.microsoft.com/office/drawing/2014/main" xmlns="" id="{0F995921-8CFB-4A23-8C8B-B2815AE8670A}"/>
               </a:ext>
             </a:extLst>
           </p:cNvPr>
@@ -23626,7 +23626,7 @@
           <p:cNvPr id="97" name="자유형: 도형 396">
             <a:extLst>
               <a:ext uri="{FF2B5EF4-FFF2-40B4-BE49-F238E27FC236}">
-                <a16:creationId xmlns="" xmlns:a16="http://schemas.microsoft.com/office/drawing/2014/main" id="{38E18007-DA79-4D7B-96F0-FEC1EB21386C}"/>
+                <a16:creationId xmlns:a16="http://schemas.microsoft.com/office/drawing/2014/main" xmlns="" id="{38E18007-DA79-4D7B-96F0-FEC1EB21386C}"/>
               </a:ext>
             </a:extLst>
           </p:cNvPr>
@@ -23771,7 +23771,7 @@
           <p:cNvPr id="98" name="자유형: 도형 397">
             <a:extLst>
               <a:ext uri="{FF2B5EF4-FFF2-40B4-BE49-F238E27FC236}">
-                <a16:creationId xmlns="" xmlns:a16="http://schemas.microsoft.com/office/drawing/2014/main" id="{C0E1BE7B-0A87-404E-B319-F1AE13922904}"/>
+                <a16:creationId xmlns:a16="http://schemas.microsoft.com/office/drawing/2014/main" xmlns="" id="{C0E1BE7B-0A87-404E-B319-F1AE13922904}"/>
               </a:ext>
             </a:extLst>
           </p:cNvPr>
@@ -23916,7 +23916,7 @@
           <p:cNvPr id="99" name="자유형: 도형 398">
             <a:extLst>
               <a:ext uri="{FF2B5EF4-FFF2-40B4-BE49-F238E27FC236}">
-                <a16:creationId xmlns="" xmlns:a16="http://schemas.microsoft.com/office/drawing/2014/main" id="{675C7C0F-8C6D-4AAF-BC5F-2B81DEB3E4E8}"/>
+                <a16:creationId xmlns:a16="http://schemas.microsoft.com/office/drawing/2014/main" xmlns="" id="{675C7C0F-8C6D-4AAF-BC5F-2B81DEB3E4E8}"/>
               </a:ext>
             </a:extLst>
           </p:cNvPr>
@@ -24061,7 +24061,7 @@
           <p:cNvPr id="100" name="자유형: 도형 399">
             <a:extLst>
               <a:ext uri="{FF2B5EF4-FFF2-40B4-BE49-F238E27FC236}">
-                <a16:creationId xmlns="" xmlns:a16="http://schemas.microsoft.com/office/drawing/2014/main" id="{846A25C2-933F-44C2-A0FE-4110FBEBA915}"/>
+                <a16:creationId xmlns:a16="http://schemas.microsoft.com/office/drawing/2014/main" xmlns="" id="{846A25C2-933F-44C2-A0FE-4110FBEBA915}"/>
               </a:ext>
             </a:extLst>
           </p:cNvPr>
@@ -24206,7 +24206,7 @@
           <p:cNvPr id="101" name="자유형: 도형 400">
             <a:extLst>
               <a:ext uri="{FF2B5EF4-FFF2-40B4-BE49-F238E27FC236}">
-                <a16:creationId xmlns="" xmlns:a16="http://schemas.microsoft.com/office/drawing/2014/main" id="{5EBA2B3B-7A04-4662-B870-F720B8538988}"/>
+                <a16:creationId xmlns:a16="http://schemas.microsoft.com/office/drawing/2014/main" xmlns="" id="{5EBA2B3B-7A04-4662-B870-F720B8538988}"/>
               </a:ext>
             </a:extLst>
           </p:cNvPr>
@@ -24351,7 +24351,7 @@
           <p:cNvPr id="102" name="직사각형 101">
             <a:extLst>
               <a:ext uri="{FF2B5EF4-FFF2-40B4-BE49-F238E27FC236}">
-                <a16:creationId xmlns="" xmlns:a16="http://schemas.microsoft.com/office/drawing/2014/main" id="{8E46B02D-66F3-495A-BE76-8FA2A68509CF}"/>
+                <a16:creationId xmlns:a16="http://schemas.microsoft.com/office/drawing/2014/main" xmlns="" id="{8E46B02D-66F3-495A-BE76-8FA2A68509CF}"/>
               </a:ext>
             </a:extLst>
           </p:cNvPr>
@@ -24407,7 +24407,7 @@
           <p:cNvPr id="103" name="직사각형 102">
             <a:extLst>
               <a:ext uri="{FF2B5EF4-FFF2-40B4-BE49-F238E27FC236}">
-                <a16:creationId xmlns:a16="http://schemas.microsoft.com/office/drawing/2014/main" xmlns="" id="{7FEC52E6-E0E1-427E-87A8-FEE2AAF979A8}"/>
+                <a16:creationId xmlns="" xmlns:a16="http://schemas.microsoft.com/office/drawing/2014/main" id="{7FEC52E6-E0E1-427E-87A8-FEE2AAF979A8}"/>
               </a:ext>
             </a:extLst>
           </p:cNvPr>
@@ -24622,7 +24622,7 @@
           <p:cNvPr id="107" name="자유형: 도형 377">
             <a:extLst>
               <a:ext uri="{FF2B5EF4-FFF2-40B4-BE49-F238E27FC236}">
-                <a16:creationId xmlns="" xmlns:a16="http://schemas.microsoft.com/office/drawing/2014/main" id="{0B4A7219-0820-4378-B811-331B8646398F}"/>
+                <a16:creationId xmlns:a16="http://schemas.microsoft.com/office/drawing/2014/main" xmlns="" id="{0B4A7219-0820-4378-B811-331B8646398F}"/>
               </a:ext>
             </a:extLst>
           </p:cNvPr>
@@ -24767,7 +24767,7 @@
           <p:cNvPr id="108" name="자유형: 도형 378">
             <a:extLst>
               <a:ext uri="{FF2B5EF4-FFF2-40B4-BE49-F238E27FC236}">
-                <a16:creationId xmlns="" xmlns:a16="http://schemas.microsoft.com/office/drawing/2014/main" id="{AE7688D0-57FD-4391-A3C9-1EB04A54396A}"/>
+                <a16:creationId xmlns:a16="http://schemas.microsoft.com/office/drawing/2014/main" xmlns="" id="{AE7688D0-57FD-4391-A3C9-1EB04A54396A}"/>
               </a:ext>
             </a:extLst>
           </p:cNvPr>
@@ -24912,7 +24912,7 @@
           <p:cNvPr id="109" name="자유형: 도형 379">
             <a:extLst>
               <a:ext uri="{FF2B5EF4-FFF2-40B4-BE49-F238E27FC236}">
-                <a16:creationId xmlns="" xmlns:a16="http://schemas.microsoft.com/office/drawing/2014/main" id="{C4615E6A-E0F5-484B-8040-DD0DD89211FD}"/>
+                <a16:creationId xmlns:a16="http://schemas.microsoft.com/office/drawing/2014/main" xmlns="" id="{C4615E6A-E0F5-484B-8040-DD0DD89211FD}"/>
               </a:ext>
             </a:extLst>
           </p:cNvPr>
@@ -25057,7 +25057,7 @@
           <p:cNvPr id="110" name="자유형: 도형 380">
             <a:extLst>
               <a:ext uri="{FF2B5EF4-FFF2-40B4-BE49-F238E27FC236}">
-                <a16:creationId xmlns="" xmlns:a16="http://schemas.microsoft.com/office/drawing/2014/main" id="{0937B8B0-8045-4AA8-B9F4-04B7C0AFDEBB}"/>
+                <a16:creationId xmlns:a16="http://schemas.microsoft.com/office/drawing/2014/main" xmlns="" id="{0937B8B0-8045-4AA8-B9F4-04B7C0AFDEBB}"/>
               </a:ext>
             </a:extLst>
           </p:cNvPr>
@@ -25202,7 +25202,7 @@
           <p:cNvPr id="111" name="자유형: 도형 381">
             <a:extLst>
               <a:ext uri="{FF2B5EF4-FFF2-40B4-BE49-F238E27FC236}">
-                <a16:creationId xmlns="" xmlns:a16="http://schemas.microsoft.com/office/drawing/2014/main" id="{DB9ADCEC-01D9-4BB3-81EE-B1429055FB91}"/>
+                <a16:creationId xmlns:a16="http://schemas.microsoft.com/office/drawing/2014/main" xmlns="" id="{DB9ADCEC-01D9-4BB3-81EE-B1429055FB91}"/>
               </a:ext>
             </a:extLst>
           </p:cNvPr>
@@ -25347,7 +25347,7 @@
           <p:cNvPr id="112" name="자유형: 도형 382">
             <a:extLst>
               <a:ext uri="{FF2B5EF4-FFF2-40B4-BE49-F238E27FC236}">
-                <a16:creationId xmlns="" xmlns:a16="http://schemas.microsoft.com/office/drawing/2014/main" id="{DB61C11B-0EC3-4996-906C-007E57835D42}"/>
+                <a16:creationId xmlns:a16="http://schemas.microsoft.com/office/drawing/2014/main" xmlns="" id="{DB61C11B-0EC3-4996-906C-007E57835D42}"/>
               </a:ext>
             </a:extLst>
           </p:cNvPr>
@@ -25492,7 +25492,7 @@
           <p:cNvPr id="113" name="자유형: 도형 383">
             <a:extLst>
               <a:ext uri="{FF2B5EF4-FFF2-40B4-BE49-F238E27FC236}">
-                <a16:creationId xmlns="" xmlns:a16="http://schemas.microsoft.com/office/drawing/2014/main" id="{044A0A9B-5CA5-4FE7-B917-B350C19EF0E6}"/>
+                <a16:creationId xmlns:a16="http://schemas.microsoft.com/office/drawing/2014/main" xmlns="" id="{044A0A9B-5CA5-4FE7-B917-B350C19EF0E6}"/>
               </a:ext>
             </a:extLst>
           </p:cNvPr>
@@ -25637,7 +25637,7 @@
           <p:cNvPr id="114" name="자유형: 도형 384">
             <a:extLst>
               <a:ext uri="{FF2B5EF4-FFF2-40B4-BE49-F238E27FC236}">
-                <a16:creationId xmlns="" xmlns:a16="http://schemas.microsoft.com/office/drawing/2014/main" id="{EA9897D2-716C-4BC1-98EE-5CC7B719C72B}"/>
+                <a16:creationId xmlns:a16="http://schemas.microsoft.com/office/drawing/2014/main" xmlns="" id="{EA9897D2-716C-4BC1-98EE-5CC7B719C72B}"/>
               </a:ext>
             </a:extLst>
           </p:cNvPr>
@@ -25782,7 +25782,7 @@
           <p:cNvPr id="115" name="자유형: 도형 385">
             <a:extLst>
               <a:ext uri="{FF2B5EF4-FFF2-40B4-BE49-F238E27FC236}">
-                <a16:creationId xmlns="" xmlns:a16="http://schemas.microsoft.com/office/drawing/2014/main" id="{7582865E-7A8F-44C3-912A-C087626FEDA9}"/>
+                <a16:creationId xmlns:a16="http://schemas.microsoft.com/office/drawing/2014/main" xmlns="" id="{7582865E-7A8F-44C3-912A-C087626FEDA9}"/>
               </a:ext>
             </a:extLst>
           </p:cNvPr>
@@ -25927,7 +25927,7 @@
           <p:cNvPr id="116" name="자유형: 도형 386">
             <a:extLst>
               <a:ext uri="{FF2B5EF4-FFF2-40B4-BE49-F238E27FC236}">
-                <a16:creationId xmlns="" xmlns:a16="http://schemas.microsoft.com/office/drawing/2014/main" id="{76E18406-54A4-401D-9DCA-86C76E3A933C}"/>
+                <a16:creationId xmlns:a16="http://schemas.microsoft.com/office/drawing/2014/main" xmlns="" id="{76E18406-54A4-401D-9DCA-86C76E3A933C}"/>
               </a:ext>
             </a:extLst>
           </p:cNvPr>
@@ -26072,7 +26072,7 @@
           <p:cNvPr id="117" name="자유형: 도형 387">
             <a:extLst>
               <a:ext uri="{FF2B5EF4-FFF2-40B4-BE49-F238E27FC236}">
-                <a16:creationId xmlns="" xmlns:a16="http://schemas.microsoft.com/office/drawing/2014/main" id="{78D016E9-A182-4180-A637-1A890C82CE6A}"/>
+                <a16:creationId xmlns:a16="http://schemas.microsoft.com/office/drawing/2014/main" xmlns="" id="{78D016E9-A182-4180-A637-1A890C82CE6A}"/>
               </a:ext>
             </a:extLst>
           </p:cNvPr>
@@ -26217,7 +26217,7 @@
           <p:cNvPr id="118" name="자유형: 도형 388">
             <a:extLst>
               <a:ext uri="{FF2B5EF4-FFF2-40B4-BE49-F238E27FC236}">
-                <a16:creationId xmlns="" xmlns:a16="http://schemas.microsoft.com/office/drawing/2014/main" id="{05F8530F-49F6-48DF-AD43-D138C77A6596}"/>
+                <a16:creationId xmlns:a16="http://schemas.microsoft.com/office/drawing/2014/main" xmlns="" id="{05F8530F-49F6-48DF-AD43-D138C77A6596}"/>
               </a:ext>
             </a:extLst>
           </p:cNvPr>
@@ -26362,7 +26362,7 @@
           <p:cNvPr id="119" name="자유형: 도형 389">
             <a:extLst>
               <a:ext uri="{FF2B5EF4-FFF2-40B4-BE49-F238E27FC236}">
-                <a16:creationId xmlns="" xmlns:a16="http://schemas.microsoft.com/office/drawing/2014/main" id="{98DCEC21-B8BD-43A7-8436-449C4406D27B}"/>
+                <a16:creationId xmlns:a16="http://schemas.microsoft.com/office/drawing/2014/main" xmlns="" id="{98DCEC21-B8BD-43A7-8436-449C4406D27B}"/>
               </a:ext>
             </a:extLst>
           </p:cNvPr>
@@ -26507,7 +26507,7 @@
           <p:cNvPr id="120" name="자유형: 도형 390">
             <a:extLst>
               <a:ext uri="{FF2B5EF4-FFF2-40B4-BE49-F238E27FC236}">
-                <a16:creationId xmlns="" xmlns:a16="http://schemas.microsoft.com/office/drawing/2014/main" id="{71FAF07A-965F-4A51-9977-FFFFAA15A432}"/>
+                <a16:creationId xmlns:a16="http://schemas.microsoft.com/office/drawing/2014/main" xmlns="" id="{71FAF07A-965F-4A51-9977-FFFFAA15A432}"/>
               </a:ext>
             </a:extLst>
           </p:cNvPr>
@@ -26652,7 +26652,7 @@
           <p:cNvPr id="121" name="자유형: 도형 391">
             <a:extLst>
               <a:ext uri="{FF2B5EF4-FFF2-40B4-BE49-F238E27FC236}">
-                <a16:creationId xmlns="" xmlns:a16="http://schemas.microsoft.com/office/drawing/2014/main" id="{5047EEFB-CDDB-46B7-AA56-F96C5BF34725}"/>
+                <a16:creationId xmlns:a16="http://schemas.microsoft.com/office/drawing/2014/main" xmlns="" id="{5047EEFB-CDDB-46B7-AA56-F96C5BF34725}"/>
               </a:ext>
             </a:extLst>
           </p:cNvPr>
@@ -26797,7 +26797,7 @@
           <p:cNvPr id="122" name="자유형: 도형 392">
             <a:extLst>
               <a:ext uri="{FF2B5EF4-FFF2-40B4-BE49-F238E27FC236}">
-                <a16:creationId xmlns="" xmlns:a16="http://schemas.microsoft.com/office/drawing/2014/main" id="{2D343500-5462-4C95-880B-385171314AB6}"/>
+                <a16:creationId xmlns:a16="http://schemas.microsoft.com/office/drawing/2014/main" xmlns="" id="{2D343500-5462-4C95-880B-385171314AB6}"/>
               </a:ext>
             </a:extLst>
           </p:cNvPr>
@@ -26942,7 +26942,7 @@
           <p:cNvPr id="123" name="자유형: 도형 393">
             <a:extLst>
               <a:ext uri="{FF2B5EF4-FFF2-40B4-BE49-F238E27FC236}">
-                <a16:creationId xmlns="" xmlns:a16="http://schemas.microsoft.com/office/drawing/2014/main" id="{7B3DA1B8-BF1B-4513-966C-2A916F28EFB9}"/>
+                <a16:creationId xmlns:a16="http://schemas.microsoft.com/office/drawing/2014/main" xmlns="" id="{7B3DA1B8-BF1B-4513-966C-2A916F28EFB9}"/>
               </a:ext>
             </a:extLst>
           </p:cNvPr>
@@ -27087,7 +27087,7 @@
           <p:cNvPr id="124" name="자유형: 도형 394">
             <a:extLst>
               <a:ext uri="{FF2B5EF4-FFF2-40B4-BE49-F238E27FC236}">
-                <a16:creationId xmlns="" xmlns:a16="http://schemas.microsoft.com/office/drawing/2014/main" id="{28F89FC3-982F-4923-9453-6F57D8E1E307}"/>
+                <a16:creationId xmlns:a16="http://schemas.microsoft.com/office/drawing/2014/main" xmlns="" id="{28F89FC3-982F-4923-9453-6F57D8E1E307}"/>
               </a:ext>
             </a:extLst>
           </p:cNvPr>
@@ -27232,7 +27232,7 @@
           <p:cNvPr id="125" name="자유형: 도형 395">
             <a:extLst>
               <a:ext uri="{FF2B5EF4-FFF2-40B4-BE49-F238E27FC236}">
-                <a16:creationId xmlns="" xmlns:a16="http://schemas.microsoft.com/office/drawing/2014/main" id="{0F995921-8CFB-4A23-8C8B-B2815AE8670A}"/>
+                <a16:creationId xmlns:a16="http://schemas.microsoft.com/office/drawing/2014/main" xmlns="" id="{0F995921-8CFB-4A23-8C8B-B2815AE8670A}"/>
               </a:ext>
             </a:extLst>
           </p:cNvPr>
@@ -27377,7 +27377,7 @@
           <p:cNvPr id="126" name="자유형: 도형 396">
             <a:extLst>
               <a:ext uri="{FF2B5EF4-FFF2-40B4-BE49-F238E27FC236}">
-                <a16:creationId xmlns="" xmlns:a16="http://schemas.microsoft.com/office/drawing/2014/main" id="{38E18007-DA79-4D7B-96F0-FEC1EB21386C}"/>
+                <a16:creationId xmlns:a16="http://schemas.microsoft.com/office/drawing/2014/main" xmlns="" id="{38E18007-DA79-4D7B-96F0-FEC1EB21386C}"/>
               </a:ext>
             </a:extLst>
           </p:cNvPr>
@@ -27522,7 +27522,7 @@
           <p:cNvPr id="127" name="자유형: 도형 397">
             <a:extLst>
               <a:ext uri="{FF2B5EF4-FFF2-40B4-BE49-F238E27FC236}">
-                <a16:creationId xmlns="" xmlns:a16="http://schemas.microsoft.com/office/drawing/2014/main" id="{C0E1BE7B-0A87-404E-B319-F1AE13922904}"/>
+                <a16:creationId xmlns:a16="http://schemas.microsoft.com/office/drawing/2014/main" xmlns="" id="{C0E1BE7B-0A87-404E-B319-F1AE13922904}"/>
               </a:ext>
             </a:extLst>
           </p:cNvPr>
@@ -27667,7 +27667,7 @@
           <p:cNvPr id="128" name="자유형: 도형 398">
             <a:extLst>
               <a:ext uri="{FF2B5EF4-FFF2-40B4-BE49-F238E27FC236}">
-                <a16:creationId xmlns="" xmlns:a16="http://schemas.microsoft.com/office/drawing/2014/main" id="{675C7C0F-8C6D-4AAF-BC5F-2B81DEB3E4E8}"/>
+                <a16:creationId xmlns:a16="http://schemas.microsoft.com/office/drawing/2014/main" xmlns="" id="{675C7C0F-8C6D-4AAF-BC5F-2B81DEB3E4E8}"/>
               </a:ext>
             </a:extLst>
           </p:cNvPr>
@@ -27812,7 +27812,7 @@
           <p:cNvPr id="129" name="자유형: 도형 399">
             <a:extLst>
               <a:ext uri="{FF2B5EF4-FFF2-40B4-BE49-F238E27FC236}">
-                <a16:creationId xmlns="" xmlns:a16="http://schemas.microsoft.com/office/drawing/2014/main" id="{846A25C2-933F-44C2-A0FE-4110FBEBA915}"/>
+                <a16:creationId xmlns:a16="http://schemas.microsoft.com/office/drawing/2014/main" xmlns="" id="{846A25C2-933F-44C2-A0FE-4110FBEBA915}"/>
               </a:ext>
             </a:extLst>
           </p:cNvPr>
@@ -27957,7 +27957,7 @@
           <p:cNvPr id="130" name="자유형: 도형 400">
             <a:extLst>
               <a:ext uri="{FF2B5EF4-FFF2-40B4-BE49-F238E27FC236}">
-                <a16:creationId xmlns="" xmlns:a16="http://schemas.microsoft.com/office/drawing/2014/main" id="{5EBA2B3B-7A04-4662-B870-F720B8538988}"/>
+                <a16:creationId xmlns:a16="http://schemas.microsoft.com/office/drawing/2014/main" xmlns="" id="{5EBA2B3B-7A04-4662-B870-F720B8538988}"/>
               </a:ext>
             </a:extLst>
           </p:cNvPr>
@@ -28102,7 +28102,7 @@
           <p:cNvPr id="131" name="직사각형 130">
             <a:extLst>
               <a:ext uri="{FF2B5EF4-FFF2-40B4-BE49-F238E27FC236}">
-                <a16:creationId xmlns="" xmlns:a16="http://schemas.microsoft.com/office/drawing/2014/main" id="{8E46B02D-66F3-495A-BE76-8FA2A68509CF}"/>
+                <a16:creationId xmlns:a16="http://schemas.microsoft.com/office/drawing/2014/main" xmlns="" id="{8E46B02D-66F3-495A-BE76-8FA2A68509CF}"/>
               </a:ext>
             </a:extLst>
           </p:cNvPr>
@@ -28158,7 +28158,7 @@
           <p:cNvPr id="132" name="직사각형 131">
             <a:extLst>
               <a:ext uri="{FF2B5EF4-FFF2-40B4-BE49-F238E27FC236}">
-                <a16:creationId xmlns:a16="http://schemas.microsoft.com/office/drawing/2014/main" xmlns="" id="{7FEC52E6-E0E1-427E-87A8-FEE2AAF979A8}"/>
+                <a16:creationId xmlns="" xmlns:a16="http://schemas.microsoft.com/office/drawing/2014/main" id="{7FEC52E6-E0E1-427E-87A8-FEE2AAF979A8}"/>
               </a:ext>
             </a:extLst>
           </p:cNvPr>
@@ -29293,7 +29293,7 @@
           <p:cNvPr id="114" name="직사각형 113">
             <a:extLst>
               <a:ext uri="{FF2B5EF4-FFF2-40B4-BE49-F238E27FC236}">
-                <a16:creationId xmlns:a16="http://schemas.microsoft.com/office/drawing/2014/main" xmlns="" id="{3FA00699-5178-465A-9F3F-130CF1431F70}"/>
+                <a16:creationId xmlns="" xmlns:a16="http://schemas.microsoft.com/office/drawing/2014/main" id="{3FA00699-5178-465A-9F3F-130CF1431F70}"/>
               </a:ext>
             </a:extLst>
           </p:cNvPr>
@@ -29618,7 +29618,7 @@
           <p:cNvPr id="122" name="직사각형 121">
             <a:extLst>
               <a:ext uri="{FF2B5EF4-FFF2-40B4-BE49-F238E27FC236}">
-                <a16:creationId xmlns:a16="http://schemas.microsoft.com/office/drawing/2014/main" xmlns="" id="{3FA00699-5178-465A-9F3F-130CF1431F70}"/>
+                <a16:creationId xmlns="" xmlns:a16="http://schemas.microsoft.com/office/drawing/2014/main" id="{3FA00699-5178-465A-9F3F-130CF1431F70}"/>
               </a:ext>
             </a:extLst>
           </p:cNvPr>
@@ -29943,7 +29943,7 @@
           <p:cNvPr id="130" name="직사각형 129">
             <a:extLst>
               <a:ext uri="{FF2B5EF4-FFF2-40B4-BE49-F238E27FC236}">
-                <a16:creationId xmlns:a16="http://schemas.microsoft.com/office/drawing/2014/main" xmlns="" id="{3FA00699-5178-465A-9F3F-130CF1431F70}"/>
+                <a16:creationId xmlns="" xmlns:a16="http://schemas.microsoft.com/office/drawing/2014/main" id="{3FA00699-5178-465A-9F3F-130CF1431F70}"/>
               </a:ext>
             </a:extLst>
           </p:cNvPr>
@@ -32196,15 +32196,7 @@
                   <a:srgbClr val="5B6176"/>
                 </a:solidFill>
               </a:rPr>
-              <a:t>프로그램의 기본 </a:t>
-            </a:r>
-            <a:r>
-              <a:rPr lang="ko-KR" altLang="en-US" sz="2000" b="1" i="1" kern="0" dirty="0" smtClean="0">
-                <a:solidFill>
-                  <a:srgbClr val="5B6176"/>
-                </a:solidFill>
-              </a:rPr>
-              <a:t>구조 </a:t>
+              <a:t>프로그램의 기본 구조 </a:t>
             </a:r>
             <a:r>
               <a:rPr lang="en-US" altLang="ko-KR" sz="2000" b="1" i="1" kern="0" dirty="0" smtClean="0">
@@ -32583,7 +32575,7 @@
           <p:cNvPr id="58" name="직사각형 57">
             <a:extLst>
               <a:ext uri="{FF2B5EF4-FFF2-40B4-BE49-F238E27FC236}">
-                <a16:creationId xmlns:a16="http://schemas.microsoft.com/office/drawing/2014/main" xmlns="" id="{3FA00699-5178-465A-9F3F-130CF1431F70}"/>
+                <a16:creationId xmlns="" xmlns:a16="http://schemas.microsoft.com/office/drawing/2014/main" id="{3FA00699-5178-465A-9F3F-130CF1431F70}"/>
               </a:ext>
             </a:extLst>
           </p:cNvPr>
@@ -32647,7 +32639,7 @@
           <p:cNvPr id="63" name="직사각형 62">
             <a:extLst>
               <a:ext uri="{FF2B5EF4-FFF2-40B4-BE49-F238E27FC236}">
-                <a16:creationId xmlns:a16="http://schemas.microsoft.com/office/drawing/2014/main" xmlns="" id="{3FA00699-5178-465A-9F3F-130CF1431F70}"/>
+                <a16:creationId xmlns="" xmlns:a16="http://schemas.microsoft.com/office/drawing/2014/main" id="{3FA00699-5178-465A-9F3F-130CF1431F70}"/>
               </a:ext>
             </a:extLst>
           </p:cNvPr>
@@ -32962,15 +32954,7 @@
                   <a:srgbClr val="5B6176"/>
                 </a:solidFill>
               </a:rPr>
-              <a:t>프로그램의 기본 </a:t>
-            </a:r>
-            <a:r>
-              <a:rPr lang="ko-KR" altLang="en-US" sz="2000" b="1" i="1" kern="0" dirty="0" smtClean="0">
-                <a:solidFill>
-                  <a:srgbClr val="5B6176"/>
-                </a:solidFill>
-              </a:rPr>
-              <a:t>구조 </a:t>
+              <a:t>프로그램의 기본 구조 </a:t>
             </a:r>
             <a:r>
               <a:rPr lang="en-US" altLang="ko-KR" sz="2000" b="1" i="1" kern="0" dirty="0" smtClean="0">
@@ -33331,7 +33315,7 @@
           <p:nvPr>
             <p:extLst>
               <p:ext uri="{D42A27DB-BD31-4B8C-83A1-F6EECF244321}">
-                <p14:modId xmlns:p14="http://schemas.microsoft.com/office/powerpoint/2010/main" val="3360268185"/>
+                <p14:modId xmlns:p14="http://schemas.microsoft.com/office/powerpoint/2010/main" val="2998525382"/>
               </p:ext>
             </p:extLst>
           </p:nvPr>
@@ -33390,20 +33374,6 @@
                         </a:rPr>
                         <a:t>규칙</a:t>
                       </a:r>
-                      <a:endParaRPr kumimoji="0" lang="ko-KR" altLang="en-US" sz="1400" b="1" i="0" u="none" strike="noStrike" kern="1200" cap="none" spc="0" normalizeH="0" baseline="0" noProof="0" dirty="0" smtClean="0">
-                        <a:ln>
-                          <a:noFill/>
-                        </a:ln>
-                        <a:solidFill>
-                          <a:prstClr val="white"/>
-                        </a:solidFill>
-                        <a:effectLst/>
-                        <a:uLnTx/>
-                        <a:uFillTx/>
-                        <a:latin typeface="+mn-lt"/>
-                        <a:ea typeface="+mn-ea"/>
-                        <a:cs typeface="+mn-cs"/>
-                      </a:endParaRPr>
                     </a:p>
                   </a:txBody>
                   <a:tcPr anchor="ctr">
@@ -33548,23 +33518,6 @@
                         </a:rPr>
                         <a:t>중복 처리</a:t>
                       </a:r>
-                      <a:endParaRPr kumimoji="0" lang="ko-KR" altLang="en-US" sz="1050" b="0" i="0" u="none" strike="noStrike" kern="1200" cap="none" spc="0" normalizeH="0" baseline="0" noProof="0" dirty="0" smtClean="0">
-                        <a:ln>
-                          <a:noFill/>
-                        </a:ln>
-                        <a:solidFill>
-                          <a:schemeClr val="tx1">
-                            <a:lumMod val="75000"/>
-                            <a:lumOff val="25000"/>
-                          </a:schemeClr>
-                        </a:solidFill>
-                        <a:effectLst/>
-                        <a:uLnTx/>
-                        <a:uFillTx/>
-                        <a:latin typeface="+mn-lt"/>
-                        <a:ea typeface="+mn-ea"/>
-                        <a:cs typeface="+mn-cs"/>
-                      </a:endParaRPr>
                     </a:p>
                   </a:txBody>
                   <a:tcPr anchor="ctr">
@@ -33784,23 +33737,6 @@
                         </a:rPr>
                         <a:t>첫 번째 자리</a:t>
                       </a:r>
-                      <a:endParaRPr kumimoji="0" lang="ko-KR" altLang="en-US" sz="1050" b="0" i="0" u="none" strike="noStrike" kern="1200" cap="none" spc="0" normalizeH="0" baseline="0" noProof="0" dirty="0" smtClean="0">
-                        <a:ln>
-                          <a:noFill/>
-                        </a:ln>
-                        <a:solidFill>
-                          <a:schemeClr val="tx1">
-                            <a:lumMod val="75000"/>
-                            <a:lumOff val="25000"/>
-                          </a:schemeClr>
-                        </a:solidFill>
-                        <a:effectLst/>
-                        <a:uLnTx/>
-                        <a:uFillTx/>
-                        <a:latin typeface="+mn-lt"/>
-                        <a:ea typeface="+mn-ea"/>
-                        <a:cs typeface="+mn-cs"/>
-                      </a:endParaRPr>
                     </a:p>
                   </a:txBody>
                   <a:tcPr anchor="ctr">
@@ -34046,27 +33982,7 @@
                           <a:ea typeface="+mn-ea"/>
                           <a:cs typeface="+mn-cs"/>
                         </a:rPr>
-                        <a:t>두 번째 </a:t>
-                      </a:r>
-                      <a:r>
-                        <a:rPr kumimoji="0" lang="ko-KR" altLang="en-US" sz="1050" b="0" i="0" u="none" strike="noStrike" kern="1200" cap="none" spc="0" normalizeH="0" baseline="0" noProof="0" dirty="0" smtClean="0">
-                          <a:ln>
-                            <a:noFill/>
-                          </a:ln>
-                          <a:solidFill>
-                            <a:schemeClr val="tx1">
-                              <a:lumMod val="75000"/>
-                              <a:lumOff val="25000"/>
-                            </a:schemeClr>
-                          </a:solidFill>
-                          <a:effectLst/>
-                          <a:uLnTx/>
-                          <a:uFillTx/>
-                          <a:latin typeface="+mn-lt"/>
-                          <a:ea typeface="+mn-ea"/>
-                          <a:cs typeface="+mn-cs"/>
-                        </a:rPr>
-                        <a:t>자리</a:t>
+                        <a:t>두 번째 자리</a:t>
                       </a:r>
                     </a:p>
                   </a:txBody>
@@ -34170,27 +34086,7 @@
                           <a:ea typeface="+mn-ea"/>
                           <a:cs typeface="+mn-cs"/>
                         </a:rPr>
-                        <a:t>사이의 </a:t>
-                      </a:r>
-                      <a:r>
-                        <a:rPr kumimoji="0" lang="ko-KR" altLang="en-US" sz="1050" b="0" i="0" u="none" strike="noStrike" kern="1200" cap="none" spc="0" normalizeH="0" baseline="0" noProof="0" dirty="0" smtClean="0">
-                          <a:ln>
-                            <a:noFill/>
-                          </a:ln>
-                          <a:solidFill>
-                            <a:schemeClr val="tx1">
-                              <a:lumMod val="75000"/>
-                              <a:lumOff val="25000"/>
-                            </a:schemeClr>
-                          </a:solidFill>
-                          <a:effectLst/>
-                          <a:uLnTx/>
-                          <a:uFillTx/>
-                          <a:latin typeface="+mn-lt"/>
-                          <a:ea typeface="+mn-ea"/>
-                          <a:cs typeface="+mn-cs"/>
-                        </a:rPr>
-                        <a:t>숫자가 출력되도록 설정하였습니다</a:t>
+                        <a:t>사이의 숫자가 출력되도록 설정하였습니다</a:t>
                       </a:r>
                       <a:r>
                         <a:rPr kumimoji="0" lang="en-US" altLang="ko-KR" sz="1050" b="0" i="0" u="none" strike="noStrike" kern="1200" cap="none" spc="0" normalizeH="0" baseline="0" noProof="0" dirty="0" smtClean="0">
@@ -34333,27 +34229,7 @@
                           <a:ea typeface="+mn-ea"/>
                           <a:cs typeface="+mn-cs"/>
                         </a:rPr>
-                        <a:t>세 번째 </a:t>
-                      </a:r>
-                      <a:r>
-                        <a:rPr kumimoji="0" lang="ko-KR" altLang="en-US" sz="1050" b="0" i="0" u="none" strike="noStrike" kern="1200" cap="none" spc="0" normalizeH="0" baseline="0" noProof="0" dirty="0" smtClean="0">
-                          <a:ln>
-                            <a:noFill/>
-                          </a:ln>
-                          <a:solidFill>
-                            <a:schemeClr val="tx1">
-                              <a:lumMod val="75000"/>
-                              <a:lumOff val="25000"/>
-                            </a:schemeClr>
-                          </a:solidFill>
-                          <a:effectLst/>
-                          <a:uLnTx/>
-                          <a:uFillTx/>
-                          <a:latin typeface="+mn-lt"/>
-                          <a:ea typeface="+mn-ea"/>
-                          <a:cs typeface="+mn-cs"/>
-                        </a:rPr>
-                        <a:t>자리</a:t>
+                        <a:t>세 번째 자리</a:t>
                       </a:r>
                     </a:p>
                   </a:txBody>
@@ -34437,47 +34313,7 @@
                           <a:ea typeface="+mn-ea"/>
                           <a:cs typeface="+mn-cs"/>
                         </a:rPr>
-                        <a:t>3 </a:t>
-                      </a:r>
-                      <a:r>
-                        <a:rPr kumimoji="0" lang="en-US" altLang="ko-KR" sz="1050" b="0" i="0" u="none" strike="noStrike" kern="1200" cap="none" spc="0" normalizeH="0" baseline="0" noProof="0" dirty="0" smtClean="0">
-                          <a:ln>
-                            <a:noFill/>
-                          </a:ln>
-                          <a:solidFill>
-                            <a:schemeClr val="tx1">
-                              <a:lumMod val="75000"/>
-                              <a:lumOff val="25000"/>
-                            </a:schemeClr>
-                          </a:solidFill>
-                          <a:effectLst/>
-                          <a:uLnTx/>
-                          <a:uFillTx/>
-                          <a:latin typeface="+mn-lt"/>
-                          <a:ea typeface="+mn-ea"/>
-                          <a:cs typeface="+mn-cs"/>
-                        </a:rPr>
-                        <a:t>~ </a:t>
-                      </a:r>
-                      <a:r>
-                        <a:rPr kumimoji="0" lang="en-US" altLang="ko-KR" sz="1050" b="0" i="0" u="none" strike="noStrike" kern="1200" cap="none" spc="0" normalizeH="0" baseline="0" noProof="0" dirty="0" smtClean="0">
-                          <a:ln>
-                            <a:noFill/>
-                          </a:ln>
-                          <a:solidFill>
-                            <a:schemeClr val="tx1">
-                              <a:lumMod val="75000"/>
-                              <a:lumOff val="25000"/>
-                            </a:schemeClr>
-                          </a:solidFill>
-                          <a:effectLst/>
-                          <a:uLnTx/>
-                          <a:uFillTx/>
-                          <a:latin typeface="+mn-lt"/>
-                          <a:ea typeface="+mn-ea"/>
-                          <a:cs typeface="+mn-cs"/>
-                        </a:rPr>
-                        <a:t>39 </a:t>
+                        <a:t>3 ~ 39 </a:t>
                       </a:r>
                       <a:r>
                         <a:rPr kumimoji="0" lang="ko-KR" altLang="en-US" sz="1050" b="0" i="0" u="none" strike="noStrike" kern="1200" cap="none" spc="0" normalizeH="0" baseline="0" noProof="0" dirty="0" smtClean="0">
@@ -34722,23 +34558,6 @@
                         </a:rPr>
                         <a:t>여섯 번째 자리</a:t>
                       </a:r>
-                      <a:endParaRPr kumimoji="0" lang="ko-KR" altLang="en-US" sz="1050" b="0" i="0" u="none" strike="noStrike" kern="1200" cap="none" spc="0" normalizeH="0" baseline="0" noProof="0" dirty="0" smtClean="0">
-                        <a:ln>
-                          <a:noFill/>
-                        </a:ln>
-                        <a:solidFill>
-                          <a:schemeClr val="tx1">
-                            <a:lumMod val="75000"/>
-                            <a:lumOff val="25000"/>
-                          </a:schemeClr>
-                        </a:solidFill>
-                        <a:effectLst/>
-                        <a:uLnTx/>
-                        <a:uFillTx/>
-                        <a:latin typeface="+mn-lt"/>
-                        <a:ea typeface="+mn-ea"/>
-                        <a:cs typeface="+mn-cs"/>
-                      </a:endParaRPr>
                     </a:p>
                   </a:txBody>
                   <a:tcPr anchor="ctr">
@@ -35046,23 +34865,6 @@
                         </a:rPr>
                         <a:t>전체의 합</a:t>
                       </a:r>
-                      <a:endParaRPr kumimoji="0" lang="ko-KR" altLang="en-US" sz="1050" b="0" i="0" u="none" strike="noStrike" kern="1200" cap="none" spc="0" normalizeH="0" baseline="0" noProof="0" dirty="0" smtClean="0">
-                        <a:ln>
-                          <a:noFill/>
-                        </a:ln>
-                        <a:solidFill>
-                          <a:schemeClr val="tx1">
-                            <a:lumMod val="75000"/>
-                            <a:lumOff val="25000"/>
-                          </a:schemeClr>
-                        </a:solidFill>
-                        <a:effectLst/>
-                        <a:uLnTx/>
-                        <a:uFillTx/>
-                        <a:latin typeface="+mn-lt"/>
-                        <a:ea typeface="+mn-ea"/>
-                        <a:cs typeface="+mn-cs"/>
-                      </a:endParaRPr>
                     </a:p>
                   </a:txBody>
                   <a:tcPr anchor="ctr">
@@ -35370,23 +35172,6 @@
                         </a:rPr>
                         <a:t>번호 정렬</a:t>
                       </a:r>
-                      <a:endParaRPr kumimoji="0" lang="ko-KR" altLang="en-US" sz="1050" b="0" i="0" u="none" strike="noStrike" kern="1200" cap="none" spc="0" normalizeH="0" baseline="0" noProof="0" dirty="0" smtClean="0">
-                        <a:ln>
-                          <a:noFill/>
-                        </a:ln>
-                        <a:solidFill>
-                          <a:schemeClr val="tx1">
-                            <a:lumMod val="75000"/>
-                            <a:lumOff val="25000"/>
-                          </a:schemeClr>
-                        </a:solidFill>
-                        <a:effectLst/>
-                        <a:uLnTx/>
-                        <a:uFillTx/>
-                        <a:latin typeface="+mn-lt"/>
-                        <a:ea typeface="+mn-ea"/>
-                        <a:cs typeface="+mn-cs"/>
-                      </a:endParaRPr>
                     </a:p>
                   </a:txBody>
                   <a:tcPr anchor="ctr">
@@ -35773,7 +35558,27 @@
                           <a:ea typeface="+mn-ea"/>
                           <a:cs typeface="+mn-cs"/>
                         </a:rPr>
-                        <a:t>인 조합이 가장 잘 나오도록 설정하였습니다</a:t>
+                        <a:t>인 조합이 </a:t>
+                      </a:r>
+                      <a:r>
+                        <a:rPr kumimoji="0" lang="ko-KR" altLang="en-US" sz="1050" b="0" i="0" u="none" strike="noStrike" kern="1200" cap="none" spc="0" normalizeH="0" baseline="0" noProof="0" dirty="0" smtClean="0">
+                          <a:ln>
+                            <a:noFill/>
+                          </a:ln>
+                          <a:solidFill>
+                            <a:schemeClr val="tx1">
+                              <a:lumMod val="75000"/>
+                              <a:lumOff val="25000"/>
+                            </a:schemeClr>
+                          </a:solidFill>
+                          <a:effectLst/>
+                          <a:uLnTx/>
+                          <a:uFillTx/>
+                          <a:latin typeface="+mn-lt"/>
+                          <a:ea typeface="+mn-ea"/>
+                          <a:cs typeface="+mn-cs"/>
+                        </a:rPr>
+                        <a:t>나오도록 설정하였습니다</a:t>
                       </a:r>
                       <a:r>
                         <a:rPr kumimoji="0" lang="en-US" altLang="ko-KR" sz="1050" b="0" i="0" u="none" strike="noStrike" kern="1200" cap="none" spc="0" normalizeH="0" baseline="0" noProof="0" dirty="0" smtClean="0">
@@ -36608,7 +36413,7 @@
           <p:cNvPr id="26" name="직사각형 25">
             <a:extLst>
               <a:ext uri="{FF2B5EF4-FFF2-40B4-BE49-F238E27FC236}">
-                <a16:creationId xmlns:a16="http://schemas.microsoft.com/office/drawing/2014/main" xmlns="" id="{3FA00699-5178-465A-9F3F-130CF1431F70}"/>
+                <a16:creationId xmlns="" xmlns:a16="http://schemas.microsoft.com/office/drawing/2014/main" id="{3FA00699-5178-465A-9F3F-130CF1431F70}"/>
               </a:ext>
             </a:extLst>
           </p:cNvPr>
@@ -36656,7 +36461,7 @@
           <p:cNvPr id="27" name="직사각형 26">
             <a:extLst>
               <a:ext uri="{FF2B5EF4-FFF2-40B4-BE49-F238E27FC236}">
-                <a16:creationId xmlns:a16="http://schemas.microsoft.com/office/drawing/2014/main" xmlns="" id="{3FA00699-5178-465A-9F3F-130CF1431F70}"/>
+                <a16:creationId xmlns="" xmlns:a16="http://schemas.microsoft.com/office/drawing/2014/main" id="{3FA00699-5178-465A-9F3F-130CF1431F70}"/>
               </a:ext>
             </a:extLst>
           </p:cNvPr>
@@ -36712,7 +36517,7 @@
           <p:cNvPr id="28" name="직사각형 27">
             <a:extLst>
               <a:ext uri="{FF2B5EF4-FFF2-40B4-BE49-F238E27FC236}">
-                <a16:creationId xmlns:a16="http://schemas.microsoft.com/office/drawing/2014/main" xmlns="" id="{3FA00699-5178-465A-9F3F-130CF1431F70}"/>
+                <a16:creationId xmlns="" xmlns:a16="http://schemas.microsoft.com/office/drawing/2014/main" id="{3FA00699-5178-465A-9F3F-130CF1431F70}"/>
               </a:ext>
             </a:extLst>
           </p:cNvPr>
@@ -37913,7 +37718,7 @@
           <p:cNvPr id="30" name="직사각형 29">
             <a:extLst>
               <a:ext uri="{FF2B5EF4-FFF2-40B4-BE49-F238E27FC236}">
-                <a16:creationId xmlns:a16="http://schemas.microsoft.com/office/drawing/2014/main" xmlns="" id="{3FA00699-5178-465A-9F3F-130CF1431F70}"/>
+                <a16:creationId xmlns="" xmlns:a16="http://schemas.microsoft.com/office/drawing/2014/main" id="{3FA00699-5178-465A-9F3F-130CF1431F70}"/>
               </a:ext>
             </a:extLst>
           </p:cNvPr>
@@ -39098,7 +38903,7 @@
           <p:cNvPr id="59" name="직사각형 58">
             <a:extLst>
               <a:ext uri="{FF2B5EF4-FFF2-40B4-BE49-F238E27FC236}">
-                <a16:creationId xmlns:a16="http://schemas.microsoft.com/office/drawing/2014/main" xmlns="" id="{3FA00699-5178-465A-9F3F-130CF1431F70}"/>
+                <a16:creationId xmlns="" xmlns:a16="http://schemas.microsoft.com/office/drawing/2014/main" id="{3FA00699-5178-465A-9F3F-130CF1431F70}"/>
               </a:ext>
             </a:extLst>
           </p:cNvPr>
@@ -39483,7 +39288,7 @@
   <a:extraClrSchemeLst/>
   <a:extLst>
     <a:ext uri="{05A4C25C-085E-4340-85A3-A5531E510DB2}">
-      <thm15:themeFamily xmlns="" xmlns:thm15="http://schemas.microsoft.com/office/thememl/2012/main" name="Office Theme" id="{62F939B6-93AF-4DB8-9C6B-D6C7DFDC589F}" vid="{4A3C46E8-61CC-4603-A589-7422A47A8E4A}"/>
+      <thm15:themeFamily xmlns:thm15="http://schemas.microsoft.com/office/thememl/2012/main" xmlns="" name="Office Theme" id="{62F939B6-93AF-4DB8-9C6B-D6C7DFDC589F}" vid="{4A3C46E8-61CC-4603-A589-7422A47A8E4A}"/>
     </a:ext>
   </a:extLst>
 </a:theme>

--- a/포트폴리오/로또 번호 추첨기/로또 번호 추첨기 - 양화영.pptx
+++ b/포트폴리오/로또 번호 추첨기/로또 번호 추첨기 - 양화영.pptx
@@ -146,7 +146,7 @@
           <p:cNvPr id="2" name="제목 1">
             <a:extLst>
               <a:ext uri="{FF2B5EF4-FFF2-40B4-BE49-F238E27FC236}">
-                <a16:creationId xmlns:a16="http://schemas.microsoft.com/office/drawing/2014/main" xmlns="" id="{22112318-F619-4488-8B6E-2F5F2426A69A}"/>
+                <a16:creationId xmlns="" xmlns:a16="http://schemas.microsoft.com/office/drawing/2014/main" id="{22112318-F619-4488-8B6E-2F5F2426A69A}"/>
               </a:ext>
             </a:extLst>
           </p:cNvPr>
@@ -183,7 +183,7 @@
           <p:cNvPr id="3" name="부제목 2">
             <a:extLst>
               <a:ext uri="{FF2B5EF4-FFF2-40B4-BE49-F238E27FC236}">
-                <a16:creationId xmlns:a16="http://schemas.microsoft.com/office/drawing/2014/main" xmlns="" id="{E8BEE6BB-9A5F-4E9F-9F1C-6D46BE01A313}"/>
+                <a16:creationId xmlns="" xmlns:a16="http://schemas.microsoft.com/office/drawing/2014/main" id="{E8BEE6BB-9A5F-4E9F-9F1C-6D46BE01A313}"/>
               </a:ext>
             </a:extLst>
           </p:cNvPr>
@@ -253,7 +253,7 @@
           <p:cNvPr id="4" name="날짜 개체 틀 3">
             <a:extLst>
               <a:ext uri="{FF2B5EF4-FFF2-40B4-BE49-F238E27FC236}">
-                <a16:creationId xmlns:a16="http://schemas.microsoft.com/office/drawing/2014/main" xmlns="" id="{D2D9A51D-A948-4CB8-A9EB-5A26520C8EF0}"/>
+                <a16:creationId xmlns="" xmlns:a16="http://schemas.microsoft.com/office/drawing/2014/main" id="{D2D9A51D-A948-4CB8-A9EB-5A26520C8EF0}"/>
               </a:ext>
             </a:extLst>
           </p:cNvPr>
@@ -295,7 +295,7 @@
           <p:cNvPr id="5" name="바닥글 개체 틀 4">
             <a:extLst>
               <a:ext uri="{FF2B5EF4-FFF2-40B4-BE49-F238E27FC236}">
-                <a16:creationId xmlns:a16="http://schemas.microsoft.com/office/drawing/2014/main" xmlns="" id="{84374BBD-0B82-4658-B13D-088F0E4D078E}"/>
+                <a16:creationId xmlns="" xmlns:a16="http://schemas.microsoft.com/office/drawing/2014/main" id="{84374BBD-0B82-4658-B13D-088F0E4D078E}"/>
               </a:ext>
             </a:extLst>
           </p:cNvPr>
@@ -326,7 +326,7 @@
           <p:cNvPr id="6" name="슬라이드 번호 개체 틀 5">
             <a:extLst>
               <a:ext uri="{FF2B5EF4-FFF2-40B4-BE49-F238E27FC236}">
-                <a16:creationId xmlns:a16="http://schemas.microsoft.com/office/drawing/2014/main" xmlns="" id="{AB1AAA67-696A-4836-A10B-FF164C3AF889}"/>
+                <a16:creationId xmlns="" xmlns:a16="http://schemas.microsoft.com/office/drawing/2014/main" id="{AB1AAA67-696A-4836-A10B-FF164C3AF889}"/>
               </a:ext>
             </a:extLst>
           </p:cNvPr>
@@ -398,7 +398,7 @@
           <p:cNvPr id="2" name="제목 1">
             <a:extLst>
               <a:ext uri="{FF2B5EF4-FFF2-40B4-BE49-F238E27FC236}">
-                <a16:creationId xmlns:a16="http://schemas.microsoft.com/office/drawing/2014/main" xmlns="" id="{3C43AEE1-28CA-46D2-81F5-CD34E4F9E583}"/>
+                <a16:creationId xmlns="" xmlns:a16="http://schemas.microsoft.com/office/drawing/2014/main" id="{3C43AEE1-28CA-46D2-81F5-CD34E4F9E583}"/>
               </a:ext>
             </a:extLst>
           </p:cNvPr>
@@ -426,7 +426,7 @@
           <p:cNvPr id="3" name="세로 텍스트 개체 틀 2">
             <a:extLst>
               <a:ext uri="{FF2B5EF4-FFF2-40B4-BE49-F238E27FC236}">
-                <a16:creationId xmlns:a16="http://schemas.microsoft.com/office/drawing/2014/main" xmlns="" id="{C738FEC2-4BF0-4A45-9297-EE9B2E45E5CC}"/>
+                <a16:creationId xmlns="" xmlns:a16="http://schemas.microsoft.com/office/drawing/2014/main" id="{C738FEC2-4BF0-4A45-9297-EE9B2E45E5CC}"/>
               </a:ext>
             </a:extLst>
           </p:cNvPr>
@@ -483,7 +483,7 @@
           <p:cNvPr id="4" name="날짜 개체 틀 3">
             <a:extLst>
               <a:ext uri="{FF2B5EF4-FFF2-40B4-BE49-F238E27FC236}">
-                <a16:creationId xmlns:a16="http://schemas.microsoft.com/office/drawing/2014/main" xmlns="" id="{2BEDBAD0-D342-4544-94B8-122B3BDBF705}"/>
+                <a16:creationId xmlns="" xmlns:a16="http://schemas.microsoft.com/office/drawing/2014/main" id="{2BEDBAD0-D342-4544-94B8-122B3BDBF705}"/>
               </a:ext>
             </a:extLst>
           </p:cNvPr>
@@ -525,7 +525,7 @@
           <p:cNvPr id="5" name="바닥글 개체 틀 4">
             <a:extLst>
               <a:ext uri="{FF2B5EF4-FFF2-40B4-BE49-F238E27FC236}">
-                <a16:creationId xmlns:a16="http://schemas.microsoft.com/office/drawing/2014/main" xmlns="" id="{1D70FE0D-ACBA-4806-9F35-4EB786E865FE}"/>
+                <a16:creationId xmlns="" xmlns:a16="http://schemas.microsoft.com/office/drawing/2014/main" id="{1D70FE0D-ACBA-4806-9F35-4EB786E865FE}"/>
               </a:ext>
             </a:extLst>
           </p:cNvPr>
@@ -556,7 +556,7 @@
           <p:cNvPr id="6" name="슬라이드 번호 개체 틀 5">
             <a:extLst>
               <a:ext uri="{FF2B5EF4-FFF2-40B4-BE49-F238E27FC236}">
-                <a16:creationId xmlns:a16="http://schemas.microsoft.com/office/drawing/2014/main" xmlns="" id="{A7F3119A-4AE1-408F-B8AD-4428B0060B24}"/>
+                <a16:creationId xmlns="" xmlns:a16="http://schemas.microsoft.com/office/drawing/2014/main" id="{A7F3119A-4AE1-408F-B8AD-4428B0060B24}"/>
               </a:ext>
             </a:extLst>
           </p:cNvPr>
@@ -628,7 +628,7 @@
           <p:cNvPr id="2" name="세로 제목 1">
             <a:extLst>
               <a:ext uri="{FF2B5EF4-FFF2-40B4-BE49-F238E27FC236}">
-                <a16:creationId xmlns:a16="http://schemas.microsoft.com/office/drawing/2014/main" xmlns="" id="{F0B3D2AB-E650-41C2-B6FB-5398A5C19680}"/>
+                <a16:creationId xmlns="" xmlns:a16="http://schemas.microsoft.com/office/drawing/2014/main" id="{F0B3D2AB-E650-41C2-B6FB-5398A5C19680}"/>
               </a:ext>
             </a:extLst>
           </p:cNvPr>
@@ -661,7 +661,7 @@
           <p:cNvPr id="3" name="세로 텍스트 개체 틀 2">
             <a:extLst>
               <a:ext uri="{FF2B5EF4-FFF2-40B4-BE49-F238E27FC236}">
-                <a16:creationId xmlns:a16="http://schemas.microsoft.com/office/drawing/2014/main" xmlns="" id="{992D6516-8F93-4221-97F7-E01D89EE517D}"/>
+                <a16:creationId xmlns="" xmlns:a16="http://schemas.microsoft.com/office/drawing/2014/main" id="{992D6516-8F93-4221-97F7-E01D89EE517D}"/>
               </a:ext>
             </a:extLst>
           </p:cNvPr>
@@ -723,7 +723,7 @@
           <p:cNvPr id="4" name="날짜 개체 틀 3">
             <a:extLst>
               <a:ext uri="{FF2B5EF4-FFF2-40B4-BE49-F238E27FC236}">
-                <a16:creationId xmlns:a16="http://schemas.microsoft.com/office/drawing/2014/main" xmlns="" id="{8D86CB26-A349-496A-B48B-A7B891172236}"/>
+                <a16:creationId xmlns="" xmlns:a16="http://schemas.microsoft.com/office/drawing/2014/main" id="{8D86CB26-A349-496A-B48B-A7B891172236}"/>
               </a:ext>
             </a:extLst>
           </p:cNvPr>
@@ -765,7 +765,7 @@
           <p:cNvPr id="5" name="바닥글 개체 틀 4">
             <a:extLst>
               <a:ext uri="{FF2B5EF4-FFF2-40B4-BE49-F238E27FC236}">
-                <a16:creationId xmlns:a16="http://schemas.microsoft.com/office/drawing/2014/main" xmlns="" id="{C2E726FD-A739-41D5-96BA-4670363928CF}"/>
+                <a16:creationId xmlns="" xmlns:a16="http://schemas.microsoft.com/office/drawing/2014/main" id="{C2E726FD-A739-41D5-96BA-4670363928CF}"/>
               </a:ext>
             </a:extLst>
           </p:cNvPr>
@@ -796,7 +796,7 @@
           <p:cNvPr id="6" name="슬라이드 번호 개체 틀 5">
             <a:extLst>
               <a:ext uri="{FF2B5EF4-FFF2-40B4-BE49-F238E27FC236}">
-                <a16:creationId xmlns:a16="http://schemas.microsoft.com/office/drawing/2014/main" xmlns="" id="{60FAE18D-FED5-4070-8B76-811D76CCECC9}"/>
+                <a16:creationId xmlns="" xmlns:a16="http://schemas.microsoft.com/office/drawing/2014/main" id="{60FAE18D-FED5-4070-8B76-811D76CCECC9}"/>
               </a:ext>
             </a:extLst>
           </p:cNvPr>
@@ -868,7 +868,7 @@
           <p:cNvPr id="2" name="제목 1">
             <a:extLst>
               <a:ext uri="{FF2B5EF4-FFF2-40B4-BE49-F238E27FC236}">
-                <a16:creationId xmlns:a16="http://schemas.microsoft.com/office/drawing/2014/main" xmlns="" id="{5CC6958D-28E5-4CC8-8C48-52A02A1BC426}"/>
+                <a16:creationId xmlns="" xmlns:a16="http://schemas.microsoft.com/office/drawing/2014/main" id="{5CC6958D-28E5-4CC8-8C48-52A02A1BC426}"/>
               </a:ext>
             </a:extLst>
           </p:cNvPr>
@@ -896,7 +896,7 @@
           <p:cNvPr id="3" name="내용 개체 틀 2">
             <a:extLst>
               <a:ext uri="{FF2B5EF4-FFF2-40B4-BE49-F238E27FC236}">
-                <a16:creationId xmlns:a16="http://schemas.microsoft.com/office/drawing/2014/main" xmlns="" id="{E8E03031-827B-4AC7-B564-384C16177476}"/>
+                <a16:creationId xmlns="" xmlns:a16="http://schemas.microsoft.com/office/drawing/2014/main" id="{E8E03031-827B-4AC7-B564-384C16177476}"/>
               </a:ext>
             </a:extLst>
           </p:cNvPr>
@@ -953,7 +953,7 @@
           <p:cNvPr id="4" name="날짜 개체 틀 3">
             <a:extLst>
               <a:ext uri="{FF2B5EF4-FFF2-40B4-BE49-F238E27FC236}">
-                <a16:creationId xmlns:a16="http://schemas.microsoft.com/office/drawing/2014/main" xmlns="" id="{11C19838-69C9-49EB-9B51-549106E9B8DE}"/>
+                <a16:creationId xmlns="" xmlns:a16="http://schemas.microsoft.com/office/drawing/2014/main" id="{11C19838-69C9-49EB-9B51-549106E9B8DE}"/>
               </a:ext>
             </a:extLst>
           </p:cNvPr>
@@ -995,7 +995,7 @@
           <p:cNvPr id="5" name="바닥글 개체 틀 4">
             <a:extLst>
               <a:ext uri="{FF2B5EF4-FFF2-40B4-BE49-F238E27FC236}">
-                <a16:creationId xmlns:a16="http://schemas.microsoft.com/office/drawing/2014/main" xmlns="" id="{3C26852C-90C9-4502-A697-363CF824CFD0}"/>
+                <a16:creationId xmlns="" xmlns:a16="http://schemas.microsoft.com/office/drawing/2014/main" id="{3C26852C-90C9-4502-A697-363CF824CFD0}"/>
               </a:ext>
             </a:extLst>
           </p:cNvPr>
@@ -1026,7 +1026,7 @@
           <p:cNvPr id="6" name="슬라이드 번호 개체 틀 5">
             <a:extLst>
               <a:ext uri="{FF2B5EF4-FFF2-40B4-BE49-F238E27FC236}">
-                <a16:creationId xmlns:a16="http://schemas.microsoft.com/office/drawing/2014/main" xmlns="" id="{DF7509D0-CCBD-406A-9D4E-6845657BBAED}"/>
+                <a16:creationId xmlns="" xmlns:a16="http://schemas.microsoft.com/office/drawing/2014/main" id="{DF7509D0-CCBD-406A-9D4E-6845657BBAED}"/>
               </a:ext>
             </a:extLst>
           </p:cNvPr>
@@ -1098,7 +1098,7 @@
           <p:cNvPr id="2" name="제목 1">
             <a:extLst>
               <a:ext uri="{FF2B5EF4-FFF2-40B4-BE49-F238E27FC236}">
-                <a16:creationId xmlns:a16="http://schemas.microsoft.com/office/drawing/2014/main" xmlns="" id="{6CEF73EF-188B-4B17-B08F-D30E80C308D0}"/>
+                <a16:creationId xmlns="" xmlns:a16="http://schemas.microsoft.com/office/drawing/2014/main" id="{6CEF73EF-188B-4B17-B08F-D30E80C308D0}"/>
               </a:ext>
             </a:extLst>
           </p:cNvPr>
@@ -1135,7 +1135,7 @@
           <p:cNvPr id="3" name="텍스트 개체 틀 2">
             <a:extLst>
               <a:ext uri="{FF2B5EF4-FFF2-40B4-BE49-F238E27FC236}">
-                <a16:creationId xmlns:a16="http://schemas.microsoft.com/office/drawing/2014/main" xmlns="" id="{DD7DD2CA-F9BF-47A8-9D27-757556FD1CEE}"/>
+                <a16:creationId xmlns="" xmlns:a16="http://schemas.microsoft.com/office/drawing/2014/main" id="{DD7DD2CA-F9BF-47A8-9D27-757556FD1CEE}"/>
               </a:ext>
             </a:extLst>
           </p:cNvPr>
@@ -1260,7 +1260,7 @@
           <p:cNvPr id="4" name="날짜 개체 틀 3">
             <a:extLst>
               <a:ext uri="{FF2B5EF4-FFF2-40B4-BE49-F238E27FC236}">
-                <a16:creationId xmlns:a16="http://schemas.microsoft.com/office/drawing/2014/main" xmlns="" id="{DE78A1FB-ABBF-480D-AC6C-9BB1AEF9789B}"/>
+                <a16:creationId xmlns="" xmlns:a16="http://schemas.microsoft.com/office/drawing/2014/main" id="{DE78A1FB-ABBF-480D-AC6C-9BB1AEF9789B}"/>
               </a:ext>
             </a:extLst>
           </p:cNvPr>
@@ -1302,7 +1302,7 @@
           <p:cNvPr id="5" name="바닥글 개체 틀 4">
             <a:extLst>
               <a:ext uri="{FF2B5EF4-FFF2-40B4-BE49-F238E27FC236}">
-                <a16:creationId xmlns:a16="http://schemas.microsoft.com/office/drawing/2014/main" xmlns="" id="{6384247E-1D11-4A19-BDDF-E157A205B45F}"/>
+                <a16:creationId xmlns="" xmlns:a16="http://schemas.microsoft.com/office/drawing/2014/main" id="{6384247E-1D11-4A19-BDDF-E157A205B45F}"/>
               </a:ext>
             </a:extLst>
           </p:cNvPr>
@@ -1333,7 +1333,7 @@
           <p:cNvPr id="6" name="슬라이드 번호 개체 틀 5">
             <a:extLst>
               <a:ext uri="{FF2B5EF4-FFF2-40B4-BE49-F238E27FC236}">
-                <a16:creationId xmlns:a16="http://schemas.microsoft.com/office/drawing/2014/main" xmlns="" id="{124EC815-B6FC-4BDE-910C-F8015ED4AD75}"/>
+                <a16:creationId xmlns="" xmlns:a16="http://schemas.microsoft.com/office/drawing/2014/main" id="{124EC815-B6FC-4BDE-910C-F8015ED4AD75}"/>
               </a:ext>
             </a:extLst>
           </p:cNvPr>
@@ -1405,7 +1405,7 @@
           <p:cNvPr id="2" name="제목 1">
             <a:extLst>
               <a:ext uri="{FF2B5EF4-FFF2-40B4-BE49-F238E27FC236}">
-                <a16:creationId xmlns:a16="http://schemas.microsoft.com/office/drawing/2014/main" xmlns="" id="{B4DAEB91-29AA-4ACC-BDCF-960470FCA5A1}"/>
+                <a16:creationId xmlns="" xmlns:a16="http://schemas.microsoft.com/office/drawing/2014/main" id="{B4DAEB91-29AA-4ACC-BDCF-960470FCA5A1}"/>
               </a:ext>
             </a:extLst>
           </p:cNvPr>
@@ -1433,7 +1433,7 @@
           <p:cNvPr id="3" name="내용 개체 틀 2">
             <a:extLst>
               <a:ext uri="{FF2B5EF4-FFF2-40B4-BE49-F238E27FC236}">
-                <a16:creationId xmlns:a16="http://schemas.microsoft.com/office/drawing/2014/main" xmlns="" id="{256B0E51-7DC0-45B6-8306-D8167F5CB7C8}"/>
+                <a16:creationId xmlns="" xmlns:a16="http://schemas.microsoft.com/office/drawing/2014/main" id="{256B0E51-7DC0-45B6-8306-D8167F5CB7C8}"/>
               </a:ext>
             </a:extLst>
           </p:cNvPr>
@@ -1495,7 +1495,7 @@
           <p:cNvPr id="4" name="내용 개체 틀 3">
             <a:extLst>
               <a:ext uri="{FF2B5EF4-FFF2-40B4-BE49-F238E27FC236}">
-                <a16:creationId xmlns:a16="http://schemas.microsoft.com/office/drawing/2014/main" xmlns="" id="{F7CB78CC-8798-4261-B4B1-60B4C54377A7}"/>
+                <a16:creationId xmlns="" xmlns:a16="http://schemas.microsoft.com/office/drawing/2014/main" id="{F7CB78CC-8798-4261-B4B1-60B4C54377A7}"/>
               </a:ext>
             </a:extLst>
           </p:cNvPr>
@@ -1557,7 +1557,7 @@
           <p:cNvPr id="5" name="날짜 개체 틀 4">
             <a:extLst>
               <a:ext uri="{FF2B5EF4-FFF2-40B4-BE49-F238E27FC236}">
-                <a16:creationId xmlns:a16="http://schemas.microsoft.com/office/drawing/2014/main" xmlns="" id="{79594384-5734-4FC8-928A-E1641354A126}"/>
+                <a16:creationId xmlns="" xmlns:a16="http://schemas.microsoft.com/office/drawing/2014/main" id="{79594384-5734-4FC8-928A-E1641354A126}"/>
               </a:ext>
             </a:extLst>
           </p:cNvPr>
@@ -1599,7 +1599,7 @@
           <p:cNvPr id="6" name="바닥글 개체 틀 5">
             <a:extLst>
               <a:ext uri="{FF2B5EF4-FFF2-40B4-BE49-F238E27FC236}">
-                <a16:creationId xmlns:a16="http://schemas.microsoft.com/office/drawing/2014/main" xmlns="" id="{282301C0-6908-48C0-8957-C8B3F4594C5A}"/>
+                <a16:creationId xmlns="" xmlns:a16="http://schemas.microsoft.com/office/drawing/2014/main" id="{282301C0-6908-48C0-8957-C8B3F4594C5A}"/>
               </a:ext>
             </a:extLst>
           </p:cNvPr>
@@ -1630,7 +1630,7 @@
           <p:cNvPr id="7" name="슬라이드 번호 개체 틀 6">
             <a:extLst>
               <a:ext uri="{FF2B5EF4-FFF2-40B4-BE49-F238E27FC236}">
-                <a16:creationId xmlns:a16="http://schemas.microsoft.com/office/drawing/2014/main" xmlns="" id="{507DD8FE-7741-412F-947D-7A7079F48607}"/>
+                <a16:creationId xmlns="" xmlns:a16="http://schemas.microsoft.com/office/drawing/2014/main" id="{507DD8FE-7741-412F-947D-7A7079F48607}"/>
               </a:ext>
             </a:extLst>
           </p:cNvPr>
@@ -1702,7 +1702,7 @@
           <p:cNvPr id="2" name="제목 1">
             <a:extLst>
               <a:ext uri="{FF2B5EF4-FFF2-40B4-BE49-F238E27FC236}">
-                <a16:creationId xmlns:a16="http://schemas.microsoft.com/office/drawing/2014/main" xmlns="" id="{BBD6DFD1-B640-4CC6-A759-6C7981C5CD61}"/>
+                <a16:creationId xmlns="" xmlns:a16="http://schemas.microsoft.com/office/drawing/2014/main" id="{BBD6DFD1-B640-4CC6-A759-6C7981C5CD61}"/>
               </a:ext>
             </a:extLst>
           </p:cNvPr>
@@ -1735,7 +1735,7 @@
           <p:cNvPr id="3" name="텍스트 개체 틀 2">
             <a:extLst>
               <a:ext uri="{FF2B5EF4-FFF2-40B4-BE49-F238E27FC236}">
-                <a16:creationId xmlns:a16="http://schemas.microsoft.com/office/drawing/2014/main" xmlns="" id="{25B2A237-7572-46BD-9502-829F6C0AD4F8}"/>
+                <a16:creationId xmlns="" xmlns:a16="http://schemas.microsoft.com/office/drawing/2014/main" id="{25B2A237-7572-46BD-9502-829F6C0AD4F8}"/>
               </a:ext>
             </a:extLst>
           </p:cNvPr>
@@ -1806,7 +1806,7 @@
           <p:cNvPr id="4" name="내용 개체 틀 3">
             <a:extLst>
               <a:ext uri="{FF2B5EF4-FFF2-40B4-BE49-F238E27FC236}">
-                <a16:creationId xmlns:a16="http://schemas.microsoft.com/office/drawing/2014/main" xmlns="" id="{81AE9732-B570-4506-BDA6-0AB39D453684}"/>
+                <a16:creationId xmlns="" xmlns:a16="http://schemas.microsoft.com/office/drawing/2014/main" id="{81AE9732-B570-4506-BDA6-0AB39D453684}"/>
               </a:ext>
             </a:extLst>
           </p:cNvPr>
@@ -1868,7 +1868,7 @@
           <p:cNvPr id="5" name="텍스트 개체 틀 4">
             <a:extLst>
               <a:ext uri="{FF2B5EF4-FFF2-40B4-BE49-F238E27FC236}">
-                <a16:creationId xmlns:a16="http://schemas.microsoft.com/office/drawing/2014/main" xmlns="" id="{A289407D-7DA6-4293-A426-38DF9B21160E}"/>
+                <a16:creationId xmlns="" xmlns:a16="http://schemas.microsoft.com/office/drawing/2014/main" id="{A289407D-7DA6-4293-A426-38DF9B21160E}"/>
               </a:ext>
             </a:extLst>
           </p:cNvPr>
@@ -1939,7 +1939,7 @@
           <p:cNvPr id="6" name="내용 개체 틀 5">
             <a:extLst>
               <a:ext uri="{FF2B5EF4-FFF2-40B4-BE49-F238E27FC236}">
-                <a16:creationId xmlns:a16="http://schemas.microsoft.com/office/drawing/2014/main" xmlns="" id="{F239549F-370A-4671-B1BB-79655CC6CB8C}"/>
+                <a16:creationId xmlns="" xmlns:a16="http://schemas.microsoft.com/office/drawing/2014/main" id="{F239549F-370A-4671-B1BB-79655CC6CB8C}"/>
               </a:ext>
             </a:extLst>
           </p:cNvPr>
@@ -2001,7 +2001,7 @@
           <p:cNvPr id="7" name="날짜 개체 틀 6">
             <a:extLst>
               <a:ext uri="{FF2B5EF4-FFF2-40B4-BE49-F238E27FC236}">
-                <a16:creationId xmlns:a16="http://schemas.microsoft.com/office/drawing/2014/main" xmlns="" id="{A86D9E62-97AA-41F8-B69B-6CD691CF0E2A}"/>
+                <a16:creationId xmlns="" xmlns:a16="http://schemas.microsoft.com/office/drawing/2014/main" id="{A86D9E62-97AA-41F8-B69B-6CD691CF0E2A}"/>
               </a:ext>
             </a:extLst>
           </p:cNvPr>
@@ -2043,7 +2043,7 @@
           <p:cNvPr id="8" name="바닥글 개체 틀 7">
             <a:extLst>
               <a:ext uri="{FF2B5EF4-FFF2-40B4-BE49-F238E27FC236}">
-                <a16:creationId xmlns:a16="http://schemas.microsoft.com/office/drawing/2014/main" xmlns="" id="{F41D3FC0-561B-4DE4-AA99-9DB56EC6B344}"/>
+                <a16:creationId xmlns="" xmlns:a16="http://schemas.microsoft.com/office/drawing/2014/main" id="{F41D3FC0-561B-4DE4-AA99-9DB56EC6B344}"/>
               </a:ext>
             </a:extLst>
           </p:cNvPr>
@@ -2074,7 +2074,7 @@
           <p:cNvPr id="9" name="슬라이드 번호 개체 틀 8">
             <a:extLst>
               <a:ext uri="{FF2B5EF4-FFF2-40B4-BE49-F238E27FC236}">
-                <a16:creationId xmlns:a16="http://schemas.microsoft.com/office/drawing/2014/main" xmlns="" id="{AD0040F2-99C5-450C-9966-5D00290EBF69}"/>
+                <a16:creationId xmlns="" xmlns:a16="http://schemas.microsoft.com/office/drawing/2014/main" id="{AD0040F2-99C5-450C-9966-5D00290EBF69}"/>
               </a:ext>
             </a:extLst>
           </p:cNvPr>
@@ -2146,7 +2146,7 @@
           <p:cNvPr id="2" name="제목 1">
             <a:extLst>
               <a:ext uri="{FF2B5EF4-FFF2-40B4-BE49-F238E27FC236}">
-                <a16:creationId xmlns:a16="http://schemas.microsoft.com/office/drawing/2014/main" xmlns="" id="{C6E337C1-8281-4F6E-9A31-EBE388C3C82F}"/>
+                <a16:creationId xmlns="" xmlns:a16="http://schemas.microsoft.com/office/drawing/2014/main" id="{C6E337C1-8281-4F6E-9A31-EBE388C3C82F}"/>
               </a:ext>
             </a:extLst>
           </p:cNvPr>
@@ -2174,7 +2174,7 @@
           <p:cNvPr id="3" name="날짜 개체 틀 2">
             <a:extLst>
               <a:ext uri="{FF2B5EF4-FFF2-40B4-BE49-F238E27FC236}">
-                <a16:creationId xmlns:a16="http://schemas.microsoft.com/office/drawing/2014/main" xmlns="" id="{00EA4B32-9135-4223-8DE6-887D2743405B}"/>
+                <a16:creationId xmlns="" xmlns:a16="http://schemas.microsoft.com/office/drawing/2014/main" id="{00EA4B32-9135-4223-8DE6-887D2743405B}"/>
               </a:ext>
             </a:extLst>
           </p:cNvPr>
@@ -2216,7 +2216,7 @@
           <p:cNvPr id="4" name="바닥글 개체 틀 3">
             <a:extLst>
               <a:ext uri="{FF2B5EF4-FFF2-40B4-BE49-F238E27FC236}">
-                <a16:creationId xmlns:a16="http://schemas.microsoft.com/office/drawing/2014/main" xmlns="" id="{9407FC83-8D70-48DB-8681-08CFD9C0DA58}"/>
+                <a16:creationId xmlns="" xmlns:a16="http://schemas.microsoft.com/office/drawing/2014/main" id="{9407FC83-8D70-48DB-8681-08CFD9C0DA58}"/>
               </a:ext>
             </a:extLst>
           </p:cNvPr>
@@ -2247,7 +2247,7 @@
           <p:cNvPr id="5" name="슬라이드 번호 개체 틀 4">
             <a:extLst>
               <a:ext uri="{FF2B5EF4-FFF2-40B4-BE49-F238E27FC236}">
-                <a16:creationId xmlns:a16="http://schemas.microsoft.com/office/drawing/2014/main" xmlns="" id="{A8FC15EC-BCCB-4B82-A94C-FABC63DF674F}"/>
+                <a16:creationId xmlns="" xmlns:a16="http://schemas.microsoft.com/office/drawing/2014/main" id="{A8FC15EC-BCCB-4B82-A94C-FABC63DF674F}"/>
               </a:ext>
             </a:extLst>
           </p:cNvPr>
@@ -2319,7 +2319,7 @@
           <p:cNvPr id="2" name="날짜 개체 틀 1">
             <a:extLst>
               <a:ext uri="{FF2B5EF4-FFF2-40B4-BE49-F238E27FC236}">
-                <a16:creationId xmlns:a16="http://schemas.microsoft.com/office/drawing/2014/main" xmlns="" id="{2B9F9692-5462-4439-80C8-B7E337FC9AC3}"/>
+                <a16:creationId xmlns="" xmlns:a16="http://schemas.microsoft.com/office/drawing/2014/main" id="{2B9F9692-5462-4439-80C8-B7E337FC9AC3}"/>
               </a:ext>
             </a:extLst>
           </p:cNvPr>
@@ -2361,7 +2361,7 @@
           <p:cNvPr id="3" name="바닥글 개체 틀 2">
             <a:extLst>
               <a:ext uri="{FF2B5EF4-FFF2-40B4-BE49-F238E27FC236}">
-                <a16:creationId xmlns:a16="http://schemas.microsoft.com/office/drawing/2014/main" xmlns="" id="{94CA042D-EBC0-437C-A819-521611A545F2}"/>
+                <a16:creationId xmlns="" xmlns:a16="http://schemas.microsoft.com/office/drawing/2014/main" id="{94CA042D-EBC0-437C-A819-521611A545F2}"/>
               </a:ext>
             </a:extLst>
           </p:cNvPr>
@@ -2392,7 +2392,7 @@
           <p:cNvPr id="4" name="슬라이드 번호 개체 틀 3">
             <a:extLst>
               <a:ext uri="{FF2B5EF4-FFF2-40B4-BE49-F238E27FC236}">
-                <a16:creationId xmlns:a16="http://schemas.microsoft.com/office/drawing/2014/main" xmlns="" id="{A2415CDA-0D1F-49BD-8381-21C3BEFD5A98}"/>
+                <a16:creationId xmlns="" xmlns:a16="http://schemas.microsoft.com/office/drawing/2014/main" id="{A2415CDA-0D1F-49BD-8381-21C3BEFD5A98}"/>
               </a:ext>
             </a:extLst>
           </p:cNvPr>
@@ -2464,7 +2464,7 @@
           <p:cNvPr id="2" name="제목 1">
             <a:extLst>
               <a:ext uri="{FF2B5EF4-FFF2-40B4-BE49-F238E27FC236}">
-                <a16:creationId xmlns:a16="http://schemas.microsoft.com/office/drawing/2014/main" xmlns="" id="{2A6F10D4-8D29-48C2-ADF0-92316E2C8E4E}"/>
+                <a16:creationId xmlns="" xmlns:a16="http://schemas.microsoft.com/office/drawing/2014/main" id="{2A6F10D4-8D29-48C2-ADF0-92316E2C8E4E}"/>
               </a:ext>
             </a:extLst>
           </p:cNvPr>
@@ -2501,7 +2501,7 @@
           <p:cNvPr id="3" name="내용 개체 틀 2">
             <a:extLst>
               <a:ext uri="{FF2B5EF4-FFF2-40B4-BE49-F238E27FC236}">
-                <a16:creationId xmlns:a16="http://schemas.microsoft.com/office/drawing/2014/main" xmlns="" id="{BBBA3CD3-DE79-4260-873A-FEDE5C678F80}"/>
+                <a16:creationId xmlns="" xmlns:a16="http://schemas.microsoft.com/office/drawing/2014/main" id="{BBBA3CD3-DE79-4260-873A-FEDE5C678F80}"/>
               </a:ext>
             </a:extLst>
           </p:cNvPr>
@@ -2591,7 +2591,7 @@
           <p:cNvPr id="4" name="텍스트 개체 틀 3">
             <a:extLst>
               <a:ext uri="{FF2B5EF4-FFF2-40B4-BE49-F238E27FC236}">
-                <a16:creationId xmlns:a16="http://schemas.microsoft.com/office/drawing/2014/main" xmlns="" id="{319C6BD2-52A1-4155-9D55-1D847772EA8C}"/>
+                <a16:creationId xmlns="" xmlns:a16="http://schemas.microsoft.com/office/drawing/2014/main" id="{319C6BD2-52A1-4155-9D55-1D847772EA8C}"/>
               </a:ext>
             </a:extLst>
           </p:cNvPr>
@@ -2662,7 +2662,7 @@
           <p:cNvPr id="5" name="날짜 개체 틀 4">
             <a:extLst>
               <a:ext uri="{FF2B5EF4-FFF2-40B4-BE49-F238E27FC236}">
-                <a16:creationId xmlns:a16="http://schemas.microsoft.com/office/drawing/2014/main" xmlns="" id="{982A3511-0B13-4D97-937C-07365FBADAEA}"/>
+                <a16:creationId xmlns="" xmlns:a16="http://schemas.microsoft.com/office/drawing/2014/main" id="{982A3511-0B13-4D97-937C-07365FBADAEA}"/>
               </a:ext>
             </a:extLst>
           </p:cNvPr>
@@ -2704,7 +2704,7 @@
           <p:cNvPr id="6" name="바닥글 개체 틀 5">
             <a:extLst>
               <a:ext uri="{FF2B5EF4-FFF2-40B4-BE49-F238E27FC236}">
-                <a16:creationId xmlns:a16="http://schemas.microsoft.com/office/drawing/2014/main" xmlns="" id="{54C805B4-20AF-4A3C-B131-E1D9FFBB024D}"/>
+                <a16:creationId xmlns="" xmlns:a16="http://schemas.microsoft.com/office/drawing/2014/main" id="{54C805B4-20AF-4A3C-B131-E1D9FFBB024D}"/>
               </a:ext>
             </a:extLst>
           </p:cNvPr>
@@ -2735,7 +2735,7 @@
           <p:cNvPr id="7" name="슬라이드 번호 개체 틀 6">
             <a:extLst>
               <a:ext uri="{FF2B5EF4-FFF2-40B4-BE49-F238E27FC236}">
-                <a16:creationId xmlns:a16="http://schemas.microsoft.com/office/drawing/2014/main" xmlns="" id="{89C705FC-2895-472A-B6FD-C2434624BB3B}"/>
+                <a16:creationId xmlns="" xmlns:a16="http://schemas.microsoft.com/office/drawing/2014/main" id="{89C705FC-2895-472A-B6FD-C2434624BB3B}"/>
               </a:ext>
             </a:extLst>
           </p:cNvPr>
@@ -2807,7 +2807,7 @@
           <p:cNvPr id="2" name="제목 1">
             <a:extLst>
               <a:ext uri="{FF2B5EF4-FFF2-40B4-BE49-F238E27FC236}">
-                <a16:creationId xmlns:a16="http://schemas.microsoft.com/office/drawing/2014/main" xmlns="" id="{4C00D820-915B-4802-8C2E-FF7CA967E012}"/>
+                <a16:creationId xmlns="" xmlns:a16="http://schemas.microsoft.com/office/drawing/2014/main" id="{4C00D820-915B-4802-8C2E-FF7CA967E012}"/>
               </a:ext>
             </a:extLst>
           </p:cNvPr>
@@ -2844,7 +2844,7 @@
           <p:cNvPr id="3" name="그림 개체 틀 2">
             <a:extLst>
               <a:ext uri="{FF2B5EF4-FFF2-40B4-BE49-F238E27FC236}">
-                <a16:creationId xmlns:a16="http://schemas.microsoft.com/office/drawing/2014/main" xmlns="" id="{10CF9849-20D0-417A-99C8-099DF39939AC}"/>
+                <a16:creationId xmlns="" xmlns:a16="http://schemas.microsoft.com/office/drawing/2014/main" id="{10CF9849-20D0-417A-99C8-099DF39939AC}"/>
               </a:ext>
             </a:extLst>
           </p:cNvPr>
@@ -2911,7 +2911,7 @@
           <p:cNvPr id="4" name="텍스트 개체 틀 3">
             <a:extLst>
               <a:ext uri="{FF2B5EF4-FFF2-40B4-BE49-F238E27FC236}">
-                <a16:creationId xmlns:a16="http://schemas.microsoft.com/office/drawing/2014/main" xmlns="" id="{144A7754-54E7-4123-8C5E-1B05B517B5D4}"/>
+                <a16:creationId xmlns="" xmlns:a16="http://schemas.microsoft.com/office/drawing/2014/main" id="{144A7754-54E7-4123-8C5E-1B05B517B5D4}"/>
               </a:ext>
             </a:extLst>
           </p:cNvPr>
@@ -2982,7 +2982,7 @@
           <p:cNvPr id="5" name="날짜 개체 틀 4">
             <a:extLst>
               <a:ext uri="{FF2B5EF4-FFF2-40B4-BE49-F238E27FC236}">
-                <a16:creationId xmlns:a16="http://schemas.microsoft.com/office/drawing/2014/main" xmlns="" id="{3AFFF3F1-9632-4E06-BAB7-312343416AE9}"/>
+                <a16:creationId xmlns="" xmlns:a16="http://schemas.microsoft.com/office/drawing/2014/main" id="{3AFFF3F1-9632-4E06-BAB7-312343416AE9}"/>
               </a:ext>
             </a:extLst>
           </p:cNvPr>
@@ -3024,7 +3024,7 @@
           <p:cNvPr id="6" name="바닥글 개체 틀 5">
             <a:extLst>
               <a:ext uri="{FF2B5EF4-FFF2-40B4-BE49-F238E27FC236}">
-                <a16:creationId xmlns:a16="http://schemas.microsoft.com/office/drawing/2014/main" xmlns="" id="{5F23D6B1-934F-4B4D-9E4F-5AE9E873CB6E}"/>
+                <a16:creationId xmlns="" xmlns:a16="http://schemas.microsoft.com/office/drawing/2014/main" id="{5F23D6B1-934F-4B4D-9E4F-5AE9E873CB6E}"/>
               </a:ext>
             </a:extLst>
           </p:cNvPr>
@@ -3055,7 +3055,7 @@
           <p:cNvPr id="7" name="슬라이드 번호 개체 틀 6">
             <a:extLst>
               <a:ext uri="{FF2B5EF4-FFF2-40B4-BE49-F238E27FC236}">
-                <a16:creationId xmlns:a16="http://schemas.microsoft.com/office/drawing/2014/main" xmlns="" id="{B157FDD5-2092-4E16-8E7C-1CCA4719CF8A}"/>
+                <a16:creationId xmlns="" xmlns:a16="http://schemas.microsoft.com/office/drawing/2014/main" id="{B157FDD5-2092-4E16-8E7C-1CCA4719CF8A}"/>
               </a:ext>
             </a:extLst>
           </p:cNvPr>
@@ -3132,7 +3132,7 @@
           <p:cNvPr id="2" name="제목 개체 틀 1">
             <a:extLst>
               <a:ext uri="{FF2B5EF4-FFF2-40B4-BE49-F238E27FC236}">
-                <a16:creationId xmlns:a16="http://schemas.microsoft.com/office/drawing/2014/main" xmlns="" id="{84C8B562-0886-4274-876D-59EFAAAE2F3B}"/>
+                <a16:creationId xmlns="" xmlns:a16="http://schemas.microsoft.com/office/drawing/2014/main" id="{84C8B562-0886-4274-876D-59EFAAAE2F3B}"/>
               </a:ext>
             </a:extLst>
           </p:cNvPr>
@@ -3170,7 +3170,7 @@
           <p:cNvPr id="3" name="텍스트 개체 틀 2">
             <a:extLst>
               <a:ext uri="{FF2B5EF4-FFF2-40B4-BE49-F238E27FC236}">
-                <a16:creationId xmlns:a16="http://schemas.microsoft.com/office/drawing/2014/main" xmlns="" id="{61799B9E-1CD2-4A09-9ACC-2FA1C62D7AF6}"/>
+                <a16:creationId xmlns="" xmlns:a16="http://schemas.microsoft.com/office/drawing/2014/main" id="{61799B9E-1CD2-4A09-9ACC-2FA1C62D7AF6}"/>
               </a:ext>
             </a:extLst>
           </p:cNvPr>
@@ -3237,7 +3237,7 @@
           <p:cNvPr id="4" name="날짜 개체 틀 3">
             <a:extLst>
               <a:ext uri="{FF2B5EF4-FFF2-40B4-BE49-F238E27FC236}">
-                <a16:creationId xmlns:a16="http://schemas.microsoft.com/office/drawing/2014/main" xmlns="" id="{42A0C5B4-9399-4A5E-8DEE-54436B1EC85C}"/>
+                <a16:creationId xmlns="" xmlns:a16="http://schemas.microsoft.com/office/drawing/2014/main" id="{42A0C5B4-9399-4A5E-8DEE-54436B1EC85C}"/>
               </a:ext>
             </a:extLst>
           </p:cNvPr>
@@ -3297,7 +3297,7 @@
           <p:cNvPr id="5" name="바닥글 개체 틀 4">
             <a:extLst>
               <a:ext uri="{FF2B5EF4-FFF2-40B4-BE49-F238E27FC236}">
-                <a16:creationId xmlns:a16="http://schemas.microsoft.com/office/drawing/2014/main" xmlns="" id="{F5B2B9FF-C0C5-4E9E-A76A-AF0745E2D88E}"/>
+                <a16:creationId xmlns="" xmlns:a16="http://schemas.microsoft.com/office/drawing/2014/main" id="{F5B2B9FF-C0C5-4E9E-A76A-AF0745E2D88E}"/>
               </a:ext>
             </a:extLst>
           </p:cNvPr>
@@ -3346,7 +3346,7 @@
           <p:cNvPr id="6" name="슬라이드 번호 개체 틀 5">
             <a:extLst>
               <a:ext uri="{FF2B5EF4-FFF2-40B4-BE49-F238E27FC236}">
-                <a16:creationId xmlns:a16="http://schemas.microsoft.com/office/drawing/2014/main" xmlns="" id="{E8992FE0-2D01-4365-9F95-1FF838BCEF3A}"/>
+                <a16:creationId xmlns="" xmlns:a16="http://schemas.microsoft.com/office/drawing/2014/main" id="{E8992FE0-2D01-4365-9F95-1FF838BCEF3A}"/>
               </a:ext>
             </a:extLst>
           </p:cNvPr>
@@ -5355,7 +5355,7 @@
           <p:cNvPr id="54" name="직사각형 53">
             <a:extLst>
               <a:ext uri="{FF2B5EF4-FFF2-40B4-BE49-F238E27FC236}">
-                <a16:creationId xmlns="" xmlns:a16="http://schemas.microsoft.com/office/drawing/2014/main" id="{3FA00699-5178-465A-9F3F-130CF1431F70}"/>
+                <a16:creationId xmlns:a16="http://schemas.microsoft.com/office/drawing/2014/main" xmlns="" id="{3FA00699-5178-465A-9F3F-130CF1431F70}"/>
               </a:ext>
             </a:extLst>
           </p:cNvPr>
@@ -6241,7 +6241,7 @@
           <p:cNvPr id="38" name="직사각형 37">
             <a:extLst>
               <a:ext uri="{FF2B5EF4-FFF2-40B4-BE49-F238E27FC236}">
-                <a16:creationId xmlns="" xmlns:a16="http://schemas.microsoft.com/office/drawing/2014/main" id="{3FA00699-5178-465A-9F3F-130CF1431F70}"/>
+                <a16:creationId xmlns:a16="http://schemas.microsoft.com/office/drawing/2014/main" xmlns="" id="{3FA00699-5178-465A-9F3F-130CF1431F70}"/>
               </a:ext>
             </a:extLst>
           </p:cNvPr>
@@ -7224,7 +7224,7 @@
           <p:cNvPr id="34" name="직사각형 33">
             <a:extLst>
               <a:ext uri="{FF2B5EF4-FFF2-40B4-BE49-F238E27FC236}">
-                <a16:creationId xmlns="" xmlns:a16="http://schemas.microsoft.com/office/drawing/2014/main" id="{3FA00699-5178-465A-9F3F-130CF1431F70}"/>
+                <a16:creationId xmlns:a16="http://schemas.microsoft.com/office/drawing/2014/main" xmlns="" id="{3FA00699-5178-465A-9F3F-130CF1431F70}"/>
               </a:ext>
             </a:extLst>
           </p:cNvPr>
@@ -8237,7 +8237,7 @@
           <p:cNvPr id="36" name="직사각형 35">
             <a:extLst>
               <a:ext uri="{FF2B5EF4-FFF2-40B4-BE49-F238E27FC236}">
-                <a16:creationId xmlns="" xmlns:a16="http://schemas.microsoft.com/office/drawing/2014/main" id="{3FA00699-5178-465A-9F3F-130CF1431F70}"/>
+                <a16:creationId xmlns:a16="http://schemas.microsoft.com/office/drawing/2014/main" xmlns="" id="{3FA00699-5178-465A-9F3F-130CF1431F70}"/>
               </a:ext>
             </a:extLst>
           </p:cNvPr>
@@ -9004,7 +9004,7 @@
           <p:cNvPr id="39" name="직사각형 38">
             <a:extLst>
               <a:ext uri="{FF2B5EF4-FFF2-40B4-BE49-F238E27FC236}">
-                <a16:creationId xmlns="" xmlns:a16="http://schemas.microsoft.com/office/drawing/2014/main" id="{3FA00699-5178-465A-9F3F-130CF1431F70}"/>
+                <a16:creationId xmlns:a16="http://schemas.microsoft.com/office/drawing/2014/main" xmlns="" id="{3FA00699-5178-465A-9F3F-130CF1431F70}"/>
               </a:ext>
             </a:extLst>
           </p:cNvPr>
@@ -9820,7 +9820,7 @@
           <p:cNvPr id="39" name="직사각형 38">
             <a:extLst>
               <a:ext uri="{FF2B5EF4-FFF2-40B4-BE49-F238E27FC236}">
-                <a16:creationId xmlns="" xmlns:a16="http://schemas.microsoft.com/office/drawing/2014/main" id="{3FA00699-5178-465A-9F3F-130CF1431F70}"/>
+                <a16:creationId xmlns:a16="http://schemas.microsoft.com/office/drawing/2014/main" xmlns="" id="{3FA00699-5178-465A-9F3F-130CF1431F70}"/>
               </a:ext>
             </a:extLst>
           </p:cNvPr>
@@ -10734,7 +10734,7 @@
           <p:cNvPr id="39" name="직사각형 38">
             <a:extLst>
               <a:ext uri="{FF2B5EF4-FFF2-40B4-BE49-F238E27FC236}">
-                <a16:creationId xmlns="" xmlns:a16="http://schemas.microsoft.com/office/drawing/2014/main" id="{3FA00699-5178-465A-9F3F-130CF1431F70}"/>
+                <a16:creationId xmlns:a16="http://schemas.microsoft.com/office/drawing/2014/main" xmlns="" id="{3FA00699-5178-465A-9F3F-130CF1431F70}"/>
               </a:ext>
             </a:extLst>
           </p:cNvPr>
@@ -11954,7 +11954,7 @@
           <p:cNvPr id="39" name="직사각형 38">
             <a:extLst>
               <a:ext uri="{FF2B5EF4-FFF2-40B4-BE49-F238E27FC236}">
-                <a16:creationId xmlns="" xmlns:a16="http://schemas.microsoft.com/office/drawing/2014/main" id="{3FA00699-5178-465A-9F3F-130CF1431F70}"/>
+                <a16:creationId xmlns:a16="http://schemas.microsoft.com/office/drawing/2014/main" xmlns="" id="{3FA00699-5178-465A-9F3F-130CF1431F70}"/>
               </a:ext>
             </a:extLst>
           </p:cNvPr>
@@ -13401,7 +13401,7 @@
           <p:cNvPr id="20" name="자유형: 도형 377">
             <a:extLst>
               <a:ext uri="{FF2B5EF4-FFF2-40B4-BE49-F238E27FC236}">
-                <a16:creationId xmlns:a16="http://schemas.microsoft.com/office/drawing/2014/main" xmlns="" id="{0B4A7219-0820-4378-B811-331B8646398F}"/>
+                <a16:creationId xmlns="" xmlns:a16="http://schemas.microsoft.com/office/drawing/2014/main" id="{0B4A7219-0820-4378-B811-331B8646398F}"/>
               </a:ext>
             </a:extLst>
           </p:cNvPr>
@@ -13546,7 +13546,7 @@
           <p:cNvPr id="21" name="자유형: 도형 378">
             <a:extLst>
               <a:ext uri="{FF2B5EF4-FFF2-40B4-BE49-F238E27FC236}">
-                <a16:creationId xmlns:a16="http://schemas.microsoft.com/office/drawing/2014/main" xmlns="" id="{AE7688D0-57FD-4391-A3C9-1EB04A54396A}"/>
+                <a16:creationId xmlns="" xmlns:a16="http://schemas.microsoft.com/office/drawing/2014/main" id="{AE7688D0-57FD-4391-A3C9-1EB04A54396A}"/>
               </a:ext>
             </a:extLst>
           </p:cNvPr>
@@ -13691,7 +13691,7 @@
           <p:cNvPr id="22" name="자유형: 도형 379">
             <a:extLst>
               <a:ext uri="{FF2B5EF4-FFF2-40B4-BE49-F238E27FC236}">
-                <a16:creationId xmlns:a16="http://schemas.microsoft.com/office/drawing/2014/main" xmlns="" id="{C4615E6A-E0F5-484B-8040-DD0DD89211FD}"/>
+                <a16:creationId xmlns="" xmlns:a16="http://schemas.microsoft.com/office/drawing/2014/main" id="{C4615E6A-E0F5-484B-8040-DD0DD89211FD}"/>
               </a:ext>
             </a:extLst>
           </p:cNvPr>
@@ -13836,7 +13836,7 @@
           <p:cNvPr id="23" name="자유형: 도형 380">
             <a:extLst>
               <a:ext uri="{FF2B5EF4-FFF2-40B4-BE49-F238E27FC236}">
-                <a16:creationId xmlns:a16="http://schemas.microsoft.com/office/drawing/2014/main" xmlns="" id="{0937B8B0-8045-4AA8-B9F4-04B7C0AFDEBB}"/>
+                <a16:creationId xmlns="" xmlns:a16="http://schemas.microsoft.com/office/drawing/2014/main" id="{0937B8B0-8045-4AA8-B9F4-04B7C0AFDEBB}"/>
               </a:ext>
             </a:extLst>
           </p:cNvPr>
@@ -13981,7 +13981,7 @@
           <p:cNvPr id="24" name="자유형: 도형 381">
             <a:extLst>
               <a:ext uri="{FF2B5EF4-FFF2-40B4-BE49-F238E27FC236}">
-                <a16:creationId xmlns:a16="http://schemas.microsoft.com/office/drawing/2014/main" xmlns="" id="{DB9ADCEC-01D9-4BB3-81EE-B1429055FB91}"/>
+                <a16:creationId xmlns="" xmlns:a16="http://schemas.microsoft.com/office/drawing/2014/main" id="{DB9ADCEC-01D9-4BB3-81EE-B1429055FB91}"/>
               </a:ext>
             </a:extLst>
           </p:cNvPr>
@@ -14126,7 +14126,7 @@
           <p:cNvPr id="25" name="자유형: 도형 382">
             <a:extLst>
               <a:ext uri="{FF2B5EF4-FFF2-40B4-BE49-F238E27FC236}">
-                <a16:creationId xmlns:a16="http://schemas.microsoft.com/office/drawing/2014/main" xmlns="" id="{DB61C11B-0EC3-4996-906C-007E57835D42}"/>
+                <a16:creationId xmlns="" xmlns:a16="http://schemas.microsoft.com/office/drawing/2014/main" id="{DB61C11B-0EC3-4996-906C-007E57835D42}"/>
               </a:ext>
             </a:extLst>
           </p:cNvPr>
@@ -14271,7 +14271,7 @@
           <p:cNvPr id="26" name="자유형: 도형 383">
             <a:extLst>
               <a:ext uri="{FF2B5EF4-FFF2-40B4-BE49-F238E27FC236}">
-                <a16:creationId xmlns:a16="http://schemas.microsoft.com/office/drawing/2014/main" xmlns="" id="{044A0A9B-5CA5-4FE7-B917-B350C19EF0E6}"/>
+                <a16:creationId xmlns="" xmlns:a16="http://schemas.microsoft.com/office/drawing/2014/main" id="{044A0A9B-5CA5-4FE7-B917-B350C19EF0E6}"/>
               </a:ext>
             </a:extLst>
           </p:cNvPr>
@@ -14416,7 +14416,7 @@
           <p:cNvPr id="27" name="자유형: 도형 384">
             <a:extLst>
               <a:ext uri="{FF2B5EF4-FFF2-40B4-BE49-F238E27FC236}">
-                <a16:creationId xmlns:a16="http://schemas.microsoft.com/office/drawing/2014/main" xmlns="" id="{EA9897D2-716C-4BC1-98EE-5CC7B719C72B}"/>
+                <a16:creationId xmlns="" xmlns:a16="http://schemas.microsoft.com/office/drawing/2014/main" id="{EA9897D2-716C-4BC1-98EE-5CC7B719C72B}"/>
               </a:ext>
             </a:extLst>
           </p:cNvPr>
@@ -14561,7 +14561,7 @@
           <p:cNvPr id="28" name="자유형: 도형 385">
             <a:extLst>
               <a:ext uri="{FF2B5EF4-FFF2-40B4-BE49-F238E27FC236}">
-                <a16:creationId xmlns:a16="http://schemas.microsoft.com/office/drawing/2014/main" xmlns="" id="{7582865E-7A8F-44C3-912A-C087626FEDA9}"/>
+                <a16:creationId xmlns="" xmlns:a16="http://schemas.microsoft.com/office/drawing/2014/main" id="{7582865E-7A8F-44C3-912A-C087626FEDA9}"/>
               </a:ext>
             </a:extLst>
           </p:cNvPr>
@@ -14706,7 +14706,7 @@
           <p:cNvPr id="29" name="자유형: 도형 386">
             <a:extLst>
               <a:ext uri="{FF2B5EF4-FFF2-40B4-BE49-F238E27FC236}">
-                <a16:creationId xmlns:a16="http://schemas.microsoft.com/office/drawing/2014/main" xmlns="" id="{76E18406-54A4-401D-9DCA-86C76E3A933C}"/>
+                <a16:creationId xmlns="" xmlns:a16="http://schemas.microsoft.com/office/drawing/2014/main" id="{76E18406-54A4-401D-9DCA-86C76E3A933C}"/>
               </a:ext>
             </a:extLst>
           </p:cNvPr>
@@ -14851,7 +14851,7 @@
           <p:cNvPr id="30" name="자유형: 도형 387">
             <a:extLst>
               <a:ext uri="{FF2B5EF4-FFF2-40B4-BE49-F238E27FC236}">
-                <a16:creationId xmlns:a16="http://schemas.microsoft.com/office/drawing/2014/main" xmlns="" id="{78D016E9-A182-4180-A637-1A890C82CE6A}"/>
+                <a16:creationId xmlns="" xmlns:a16="http://schemas.microsoft.com/office/drawing/2014/main" id="{78D016E9-A182-4180-A637-1A890C82CE6A}"/>
               </a:ext>
             </a:extLst>
           </p:cNvPr>
@@ -14996,7 +14996,7 @@
           <p:cNvPr id="31" name="자유형: 도형 388">
             <a:extLst>
               <a:ext uri="{FF2B5EF4-FFF2-40B4-BE49-F238E27FC236}">
-                <a16:creationId xmlns:a16="http://schemas.microsoft.com/office/drawing/2014/main" xmlns="" id="{05F8530F-49F6-48DF-AD43-D138C77A6596}"/>
+                <a16:creationId xmlns="" xmlns:a16="http://schemas.microsoft.com/office/drawing/2014/main" id="{05F8530F-49F6-48DF-AD43-D138C77A6596}"/>
               </a:ext>
             </a:extLst>
           </p:cNvPr>
@@ -15141,7 +15141,7 @@
           <p:cNvPr id="32" name="자유형: 도형 389">
             <a:extLst>
               <a:ext uri="{FF2B5EF4-FFF2-40B4-BE49-F238E27FC236}">
-                <a16:creationId xmlns:a16="http://schemas.microsoft.com/office/drawing/2014/main" xmlns="" id="{98DCEC21-B8BD-43A7-8436-449C4406D27B}"/>
+                <a16:creationId xmlns="" xmlns:a16="http://schemas.microsoft.com/office/drawing/2014/main" id="{98DCEC21-B8BD-43A7-8436-449C4406D27B}"/>
               </a:ext>
             </a:extLst>
           </p:cNvPr>
@@ -15286,7 +15286,7 @@
           <p:cNvPr id="33" name="자유형: 도형 390">
             <a:extLst>
               <a:ext uri="{FF2B5EF4-FFF2-40B4-BE49-F238E27FC236}">
-                <a16:creationId xmlns:a16="http://schemas.microsoft.com/office/drawing/2014/main" xmlns="" id="{71FAF07A-965F-4A51-9977-FFFFAA15A432}"/>
+                <a16:creationId xmlns="" xmlns:a16="http://schemas.microsoft.com/office/drawing/2014/main" id="{71FAF07A-965F-4A51-9977-FFFFAA15A432}"/>
               </a:ext>
             </a:extLst>
           </p:cNvPr>
@@ -15431,7 +15431,7 @@
           <p:cNvPr id="34" name="자유형: 도형 391">
             <a:extLst>
               <a:ext uri="{FF2B5EF4-FFF2-40B4-BE49-F238E27FC236}">
-                <a16:creationId xmlns:a16="http://schemas.microsoft.com/office/drawing/2014/main" xmlns="" id="{5047EEFB-CDDB-46B7-AA56-F96C5BF34725}"/>
+                <a16:creationId xmlns="" xmlns:a16="http://schemas.microsoft.com/office/drawing/2014/main" id="{5047EEFB-CDDB-46B7-AA56-F96C5BF34725}"/>
               </a:ext>
             </a:extLst>
           </p:cNvPr>
@@ -15576,7 +15576,7 @@
           <p:cNvPr id="35" name="자유형: 도형 392">
             <a:extLst>
               <a:ext uri="{FF2B5EF4-FFF2-40B4-BE49-F238E27FC236}">
-                <a16:creationId xmlns:a16="http://schemas.microsoft.com/office/drawing/2014/main" xmlns="" id="{2D343500-5462-4C95-880B-385171314AB6}"/>
+                <a16:creationId xmlns="" xmlns:a16="http://schemas.microsoft.com/office/drawing/2014/main" id="{2D343500-5462-4C95-880B-385171314AB6}"/>
               </a:ext>
             </a:extLst>
           </p:cNvPr>
@@ -15721,7 +15721,7 @@
           <p:cNvPr id="36" name="자유형: 도형 393">
             <a:extLst>
               <a:ext uri="{FF2B5EF4-FFF2-40B4-BE49-F238E27FC236}">
-                <a16:creationId xmlns:a16="http://schemas.microsoft.com/office/drawing/2014/main" xmlns="" id="{7B3DA1B8-BF1B-4513-966C-2A916F28EFB9}"/>
+                <a16:creationId xmlns="" xmlns:a16="http://schemas.microsoft.com/office/drawing/2014/main" id="{7B3DA1B8-BF1B-4513-966C-2A916F28EFB9}"/>
               </a:ext>
             </a:extLst>
           </p:cNvPr>
@@ -15866,7 +15866,7 @@
           <p:cNvPr id="37" name="자유형: 도형 394">
             <a:extLst>
               <a:ext uri="{FF2B5EF4-FFF2-40B4-BE49-F238E27FC236}">
-                <a16:creationId xmlns:a16="http://schemas.microsoft.com/office/drawing/2014/main" xmlns="" id="{28F89FC3-982F-4923-9453-6F57D8E1E307}"/>
+                <a16:creationId xmlns="" xmlns:a16="http://schemas.microsoft.com/office/drawing/2014/main" id="{28F89FC3-982F-4923-9453-6F57D8E1E307}"/>
               </a:ext>
             </a:extLst>
           </p:cNvPr>
@@ -16011,7 +16011,7 @@
           <p:cNvPr id="38" name="자유형: 도형 395">
             <a:extLst>
               <a:ext uri="{FF2B5EF4-FFF2-40B4-BE49-F238E27FC236}">
-                <a16:creationId xmlns:a16="http://schemas.microsoft.com/office/drawing/2014/main" xmlns="" id="{0F995921-8CFB-4A23-8C8B-B2815AE8670A}"/>
+                <a16:creationId xmlns="" xmlns:a16="http://schemas.microsoft.com/office/drawing/2014/main" id="{0F995921-8CFB-4A23-8C8B-B2815AE8670A}"/>
               </a:ext>
             </a:extLst>
           </p:cNvPr>
@@ -16156,7 +16156,7 @@
           <p:cNvPr id="39" name="자유형: 도형 396">
             <a:extLst>
               <a:ext uri="{FF2B5EF4-FFF2-40B4-BE49-F238E27FC236}">
-                <a16:creationId xmlns:a16="http://schemas.microsoft.com/office/drawing/2014/main" xmlns="" id="{38E18007-DA79-4D7B-96F0-FEC1EB21386C}"/>
+                <a16:creationId xmlns="" xmlns:a16="http://schemas.microsoft.com/office/drawing/2014/main" id="{38E18007-DA79-4D7B-96F0-FEC1EB21386C}"/>
               </a:ext>
             </a:extLst>
           </p:cNvPr>
@@ -16301,7 +16301,7 @@
           <p:cNvPr id="40" name="자유형: 도형 397">
             <a:extLst>
               <a:ext uri="{FF2B5EF4-FFF2-40B4-BE49-F238E27FC236}">
-                <a16:creationId xmlns:a16="http://schemas.microsoft.com/office/drawing/2014/main" xmlns="" id="{C0E1BE7B-0A87-404E-B319-F1AE13922904}"/>
+                <a16:creationId xmlns="" xmlns:a16="http://schemas.microsoft.com/office/drawing/2014/main" id="{C0E1BE7B-0A87-404E-B319-F1AE13922904}"/>
               </a:ext>
             </a:extLst>
           </p:cNvPr>
@@ -16446,7 +16446,7 @@
           <p:cNvPr id="41" name="자유형: 도형 398">
             <a:extLst>
               <a:ext uri="{FF2B5EF4-FFF2-40B4-BE49-F238E27FC236}">
-                <a16:creationId xmlns:a16="http://schemas.microsoft.com/office/drawing/2014/main" xmlns="" id="{675C7C0F-8C6D-4AAF-BC5F-2B81DEB3E4E8}"/>
+                <a16:creationId xmlns="" xmlns:a16="http://schemas.microsoft.com/office/drawing/2014/main" id="{675C7C0F-8C6D-4AAF-BC5F-2B81DEB3E4E8}"/>
               </a:ext>
             </a:extLst>
           </p:cNvPr>
@@ -16591,7 +16591,7 @@
           <p:cNvPr id="42" name="자유형: 도형 399">
             <a:extLst>
               <a:ext uri="{FF2B5EF4-FFF2-40B4-BE49-F238E27FC236}">
-                <a16:creationId xmlns:a16="http://schemas.microsoft.com/office/drawing/2014/main" xmlns="" id="{846A25C2-933F-44C2-A0FE-4110FBEBA915}"/>
+                <a16:creationId xmlns="" xmlns:a16="http://schemas.microsoft.com/office/drawing/2014/main" id="{846A25C2-933F-44C2-A0FE-4110FBEBA915}"/>
               </a:ext>
             </a:extLst>
           </p:cNvPr>
@@ -16736,7 +16736,7 @@
           <p:cNvPr id="43" name="자유형: 도형 400">
             <a:extLst>
               <a:ext uri="{FF2B5EF4-FFF2-40B4-BE49-F238E27FC236}">
-                <a16:creationId xmlns:a16="http://schemas.microsoft.com/office/drawing/2014/main" xmlns="" id="{5EBA2B3B-7A04-4662-B870-F720B8538988}"/>
+                <a16:creationId xmlns="" xmlns:a16="http://schemas.microsoft.com/office/drawing/2014/main" id="{5EBA2B3B-7A04-4662-B870-F720B8538988}"/>
               </a:ext>
             </a:extLst>
           </p:cNvPr>
@@ -16881,7 +16881,7 @@
           <p:cNvPr id="44" name="직사각형 43">
             <a:extLst>
               <a:ext uri="{FF2B5EF4-FFF2-40B4-BE49-F238E27FC236}">
-                <a16:creationId xmlns:a16="http://schemas.microsoft.com/office/drawing/2014/main" xmlns="" id="{8E46B02D-66F3-495A-BE76-8FA2A68509CF}"/>
+                <a16:creationId xmlns="" xmlns:a16="http://schemas.microsoft.com/office/drawing/2014/main" id="{8E46B02D-66F3-495A-BE76-8FA2A68509CF}"/>
               </a:ext>
             </a:extLst>
           </p:cNvPr>
@@ -16937,7 +16937,7 @@
           <p:cNvPr id="45" name="직사각형 44">
             <a:extLst>
               <a:ext uri="{FF2B5EF4-FFF2-40B4-BE49-F238E27FC236}">
-                <a16:creationId xmlns="" xmlns:a16="http://schemas.microsoft.com/office/drawing/2014/main" id="{7FEC52E6-E0E1-427E-87A8-FEE2AAF979A8}"/>
+                <a16:creationId xmlns:a16="http://schemas.microsoft.com/office/drawing/2014/main" xmlns="" id="{7FEC52E6-E0E1-427E-87A8-FEE2AAF979A8}"/>
               </a:ext>
             </a:extLst>
           </p:cNvPr>
@@ -17136,7 +17136,7 @@
           <p:cNvPr id="49" name="자유형: 도형 377">
             <a:extLst>
               <a:ext uri="{FF2B5EF4-FFF2-40B4-BE49-F238E27FC236}">
-                <a16:creationId xmlns:a16="http://schemas.microsoft.com/office/drawing/2014/main" xmlns="" id="{0B4A7219-0820-4378-B811-331B8646398F}"/>
+                <a16:creationId xmlns="" xmlns:a16="http://schemas.microsoft.com/office/drawing/2014/main" id="{0B4A7219-0820-4378-B811-331B8646398F}"/>
               </a:ext>
             </a:extLst>
           </p:cNvPr>
@@ -17281,7 +17281,7 @@
           <p:cNvPr id="50" name="자유형: 도형 378">
             <a:extLst>
               <a:ext uri="{FF2B5EF4-FFF2-40B4-BE49-F238E27FC236}">
-                <a16:creationId xmlns:a16="http://schemas.microsoft.com/office/drawing/2014/main" xmlns="" id="{AE7688D0-57FD-4391-A3C9-1EB04A54396A}"/>
+                <a16:creationId xmlns="" xmlns:a16="http://schemas.microsoft.com/office/drawing/2014/main" id="{AE7688D0-57FD-4391-A3C9-1EB04A54396A}"/>
               </a:ext>
             </a:extLst>
           </p:cNvPr>
@@ -17426,7 +17426,7 @@
           <p:cNvPr id="51" name="자유형: 도형 379">
             <a:extLst>
               <a:ext uri="{FF2B5EF4-FFF2-40B4-BE49-F238E27FC236}">
-                <a16:creationId xmlns:a16="http://schemas.microsoft.com/office/drawing/2014/main" xmlns="" id="{C4615E6A-E0F5-484B-8040-DD0DD89211FD}"/>
+                <a16:creationId xmlns="" xmlns:a16="http://schemas.microsoft.com/office/drawing/2014/main" id="{C4615E6A-E0F5-484B-8040-DD0DD89211FD}"/>
               </a:ext>
             </a:extLst>
           </p:cNvPr>
@@ -17571,7 +17571,7 @@
           <p:cNvPr id="52" name="자유형: 도형 380">
             <a:extLst>
               <a:ext uri="{FF2B5EF4-FFF2-40B4-BE49-F238E27FC236}">
-                <a16:creationId xmlns:a16="http://schemas.microsoft.com/office/drawing/2014/main" xmlns="" id="{0937B8B0-8045-4AA8-B9F4-04B7C0AFDEBB}"/>
+                <a16:creationId xmlns="" xmlns:a16="http://schemas.microsoft.com/office/drawing/2014/main" id="{0937B8B0-8045-4AA8-B9F4-04B7C0AFDEBB}"/>
               </a:ext>
             </a:extLst>
           </p:cNvPr>
@@ -17716,7 +17716,7 @@
           <p:cNvPr id="53" name="자유형: 도형 381">
             <a:extLst>
               <a:ext uri="{FF2B5EF4-FFF2-40B4-BE49-F238E27FC236}">
-                <a16:creationId xmlns:a16="http://schemas.microsoft.com/office/drawing/2014/main" xmlns="" id="{DB9ADCEC-01D9-4BB3-81EE-B1429055FB91}"/>
+                <a16:creationId xmlns="" xmlns:a16="http://schemas.microsoft.com/office/drawing/2014/main" id="{DB9ADCEC-01D9-4BB3-81EE-B1429055FB91}"/>
               </a:ext>
             </a:extLst>
           </p:cNvPr>
@@ -17861,7 +17861,7 @@
           <p:cNvPr id="54" name="자유형: 도형 382">
             <a:extLst>
               <a:ext uri="{FF2B5EF4-FFF2-40B4-BE49-F238E27FC236}">
-                <a16:creationId xmlns:a16="http://schemas.microsoft.com/office/drawing/2014/main" xmlns="" id="{DB61C11B-0EC3-4996-906C-007E57835D42}"/>
+                <a16:creationId xmlns="" xmlns:a16="http://schemas.microsoft.com/office/drawing/2014/main" id="{DB61C11B-0EC3-4996-906C-007E57835D42}"/>
               </a:ext>
             </a:extLst>
           </p:cNvPr>
@@ -18006,7 +18006,7 @@
           <p:cNvPr id="55" name="자유형: 도형 383">
             <a:extLst>
               <a:ext uri="{FF2B5EF4-FFF2-40B4-BE49-F238E27FC236}">
-                <a16:creationId xmlns:a16="http://schemas.microsoft.com/office/drawing/2014/main" xmlns="" id="{044A0A9B-5CA5-4FE7-B917-B350C19EF0E6}"/>
+                <a16:creationId xmlns="" xmlns:a16="http://schemas.microsoft.com/office/drawing/2014/main" id="{044A0A9B-5CA5-4FE7-B917-B350C19EF0E6}"/>
               </a:ext>
             </a:extLst>
           </p:cNvPr>
@@ -18151,7 +18151,7 @@
           <p:cNvPr id="56" name="자유형: 도형 384">
             <a:extLst>
               <a:ext uri="{FF2B5EF4-FFF2-40B4-BE49-F238E27FC236}">
-                <a16:creationId xmlns:a16="http://schemas.microsoft.com/office/drawing/2014/main" xmlns="" id="{EA9897D2-716C-4BC1-98EE-5CC7B719C72B}"/>
+                <a16:creationId xmlns="" xmlns:a16="http://schemas.microsoft.com/office/drawing/2014/main" id="{EA9897D2-716C-4BC1-98EE-5CC7B719C72B}"/>
               </a:ext>
             </a:extLst>
           </p:cNvPr>
@@ -18296,7 +18296,7 @@
           <p:cNvPr id="57" name="자유형: 도형 385">
             <a:extLst>
               <a:ext uri="{FF2B5EF4-FFF2-40B4-BE49-F238E27FC236}">
-                <a16:creationId xmlns:a16="http://schemas.microsoft.com/office/drawing/2014/main" xmlns="" id="{7582865E-7A8F-44C3-912A-C087626FEDA9}"/>
+                <a16:creationId xmlns="" xmlns:a16="http://schemas.microsoft.com/office/drawing/2014/main" id="{7582865E-7A8F-44C3-912A-C087626FEDA9}"/>
               </a:ext>
             </a:extLst>
           </p:cNvPr>
@@ -18441,7 +18441,7 @@
           <p:cNvPr id="58" name="자유형: 도형 386">
             <a:extLst>
               <a:ext uri="{FF2B5EF4-FFF2-40B4-BE49-F238E27FC236}">
-                <a16:creationId xmlns:a16="http://schemas.microsoft.com/office/drawing/2014/main" xmlns="" id="{76E18406-54A4-401D-9DCA-86C76E3A933C}"/>
+                <a16:creationId xmlns="" xmlns:a16="http://schemas.microsoft.com/office/drawing/2014/main" id="{76E18406-54A4-401D-9DCA-86C76E3A933C}"/>
               </a:ext>
             </a:extLst>
           </p:cNvPr>
@@ -18586,7 +18586,7 @@
           <p:cNvPr id="59" name="자유형: 도형 387">
             <a:extLst>
               <a:ext uri="{FF2B5EF4-FFF2-40B4-BE49-F238E27FC236}">
-                <a16:creationId xmlns:a16="http://schemas.microsoft.com/office/drawing/2014/main" xmlns="" id="{78D016E9-A182-4180-A637-1A890C82CE6A}"/>
+                <a16:creationId xmlns="" xmlns:a16="http://schemas.microsoft.com/office/drawing/2014/main" id="{78D016E9-A182-4180-A637-1A890C82CE6A}"/>
               </a:ext>
             </a:extLst>
           </p:cNvPr>
@@ -18731,7 +18731,7 @@
           <p:cNvPr id="60" name="자유형: 도형 388">
             <a:extLst>
               <a:ext uri="{FF2B5EF4-FFF2-40B4-BE49-F238E27FC236}">
-                <a16:creationId xmlns:a16="http://schemas.microsoft.com/office/drawing/2014/main" xmlns="" id="{05F8530F-49F6-48DF-AD43-D138C77A6596}"/>
+                <a16:creationId xmlns="" xmlns:a16="http://schemas.microsoft.com/office/drawing/2014/main" id="{05F8530F-49F6-48DF-AD43-D138C77A6596}"/>
               </a:ext>
             </a:extLst>
           </p:cNvPr>
@@ -18876,7 +18876,7 @@
           <p:cNvPr id="61" name="자유형: 도형 389">
             <a:extLst>
               <a:ext uri="{FF2B5EF4-FFF2-40B4-BE49-F238E27FC236}">
-                <a16:creationId xmlns:a16="http://schemas.microsoft.com/office/drawing/2014/main" xmlns="" id="{98DCEC21-B8BD-43A7-8436-449C4406D27B}"/>
+                <a16:creationId xmlns="" xmlns:a16="http://schemas.microsoft.com/office/drawing/2014/main" id="{98DCEC21-B8BD-43A7-8436-449C4406D27B}"/>
               </a:ext>
             </a:extLst>
           </p:cNvPr>
@@ -19021,7 +19021,7 @@
           <p:cNvPr id="62" name="자유형: 도형 390">
             <a:extLst>
               <a:ext uri="{FF2B5EF4-FFF2-40B4-BE49-F238E27FC236}">
-                <a16:creationId xmlns:a16="http://schemas.microsoft.com/office/drawing/2014/main" xmlns="" id="{71FAF07A-965F-4A51-9977-FFFFAA15A432}"/>
+                <a16:creationId xmlns="" xmlns:a16="http://schemas.microsoft.com/office/drawing/2014/main" id="{71FAF07A-965F-4A51-9977-FFFFAA15A432}"/>
               </a:ext>
             </a:extLst>
           </p:cNvPr>
@@ -19166,7 +19166,7 @@
           <p:cNvPr id="63" name="자유형: 도형 391">
             <a:extLst>
               <a:ext uri="{FF2B5EF4-FFF2-40B4-BE49-F238E27FC236}">
-                <a16:creationId xmlns:a16="http://schemas.microsoft.com/office/drawing/2014/main" xmlns="" id="{5047EEFB-CDDB-46B7-AA56-F96C5BF34725}"/>
+                <a16:creationId xmlns="" xmlns:a16="http://schemas.microsoft.com/office/drawing/2014/main" id="{5047EEFB-CDDB-46B7-AA56-F96C5BF34725}"/>
               </a:ext>
             </a:extLst>
           </p:cNvPr>
@@ -19311,7 +19311,7 @@
           <p:cNvPr id="64" name="자유형: 도형 392">
             <a:extLst>
               <a:ext uri="{FF2B5EF4-FFF2-40B4-BE49-F238E27FC236}">
-                <a16:creationId xmlns:a16="http://schemas.microsoft.com/office/drawing/2014/main" xmlns="" id="{2D343500-5462-4C95-880B-385171314AB6}"/>
+                <a16:creationId xmlns="" xmlns:a16="http://schemas.microsoft.com/office/drawing/2014/main" id="{2D343500-5462-4C95-880B-385171314AB6}"/>
               </a:ext>
             </a:extLst>
           </p:cNvPr>
@@ -19456,7 +19456,7 @@
           <p:cNvPr id="65" name="자유형: 도형 393">
             <a:extLst>
               <a:ext uri="{FF2B5EF4-FFF2-40B4-BE49-F238E27FC236}">
-                <a16:creationId xmlns:a16="http://schemas.microsoft.com/office/drawing/2014/main" xmlns="" id="{7B3DA1B8-BF1B-4513-966C-2A916F28EFB9}"/>
+                <a16:creationId xmlns="" xmlns:a16="http://schemas.microsoft.com/office/drawing/2014/main" id="{7B3DA1B8-BF1B-4513-966C-2A916F28EFB9}"/>
               </a:ext>
             </a:extLst>
           </p:cNvPr>
@@ -19601,7 +19601,7 @@
           <p:cNvPr id="66" name="자유형: 도형 394">
             <a:extLst>
               <a:ext uri="{FF2B5EF4-FFF2-40B4-BE49-F238E27FC236}">
-                <a16:creationId xmlns:a16="http://schemas.microsoft.com/office/drawing/2014/main" xmlns="" id="{28F89FC3-982F-4923-9453-6F57D8E1E307}"/>
+                <a16:creationId xmlns="" xmlns:a16="http://schemas.microsoft.com/office/drawing/2014/main" id="{28F89FC3-982F-4923-9453-6F57D8E1E307}"/>
               </a:ext>
             </a:extLst>
           </p:cNvPr>
@@ -19746,7 +19746,7 @@
           <p:cNvPr id="67" name="자유형: 도형 395">
             <a:extLst>
               <a:ext uri="{FF2B5EF4-FFF2-40B4-BE49-F238E27FC236}">
-                <a16:creationId xmlns:a16="http://schemas.microsoft.com/office/drawing/2014/main" xmlns="" id="{0F995921-8CFB-4A23-8C8B-B2815AE8670A}"/>
+                <a16:creationId xmlns="" xmlns:a16="http://schemas.microsoft.com/office/drawing/2014/main" id="{0F995921-8CFB-4A23-8C8B-B2815AE8670A}"/>
               </a:ext>
             </a:extLst>
           </p:cNvPr>
@@ -19891,7 +19891,7 @@
           <p:cNvPr id="68" name="자유형: 도형 396">
             <a:extLst>
               <a:ext uri="{FF2B5EF4-FFF2-40B4-BE49-F238E27FC236}">
-                <a16:creationId xmlns:a16="http://schemas.microsoft.com/office/drawing/2014/main" xmlns="" id="{38E18007-DA79-4D7B-96F0-FEC1EB21386C}"/>
+                <a16:creationId xmlns="" xmlns:a16="http://schemas.microsoft.com/office/drawing/2014/main" id="{38E18007-DA79-4D7B-96F0-FEC1EB21386C}"/>
               </a:ext>
             </a:extLst>
           </p:cNvPr>
@@ -20036,7 +20036,7 @@
           <p:cNvPr id="69" name="자유형: 도형 397">
             <a:extLst>
               <a:ext uri="{FF2B5EF4-FFF2-40B4-BE49-F238E27FC236}">
-                <a16:creationId xmlns:a16="http://schemas.microsoft.com/office/drawing/2014/main" xmlns="" id="{C0E1BE7B-0A87-404E-B319-F1AE13922904}"/>
+                <a16:creationId xmlns="" xmlns:a16="http://schemas.microsoft.com/office/drawing/2014/main" id="{C0E1BE7B-0A87-404E-B319-F1AE13922904}"/>
               </a:ext>
             </a:extLst>
           </p:cNvPr>
@@ -20181,7 +20181,7 @@
           <p:cNvPr id="70" name="자유형: 도형 398">
             <a:extLst>
               <a:ext uri="{FF2B5EF4-FFF2-40B4-BE49-F238E27FC236}">
-                <a16:creationId xmlns:a16="http://schemas.microsoft.com/office/drawing/2014/main" xmlns="" id="{675C7C0F-8C6D-4AAF-BC5F-2B81DEB3E4E8}"/>
+                <a16:creationId xmlns="" xmlns:a16="http://schemas.microsoft.com/office/drawing/2014/main" id="{675C7C0F-8C6D-4AAF-BC5F-2B81DEB3E4E8}"/>
               </a:ext>
             </a:extLst>
           </p:cNvPr>
@@ -20326,7 +20326,7 @@
           <p:cNvPr id="71" name="자유형: 도형 399">
             <a:extLst>
               <a:ext uri="{FF2B5EF4-FFF2-40B4-BE49-F238E27FC236}">
-                <a16:creationId xmlns:a16="http://schemas.microsoft.com/office/drawing/2014/main" xmlns="" id="{846A25C2-933F-44C2-A0FE-4110FBEBA915}"/>
+                <a16:creationId xmlns="" xmlns:a16="http://schemas.microsoft.com/office/drawing/2014/main" id="{846A25C2-933F-44C2-A0FE-4110FBEBA915}"/>
               </a:ext>
             </a:extLst>
           </p:cNvPr>
@@ -20471,7 +20471,7 @@
           <p:cNvPr id="72" name="자유형: 도형 400">
             <a:extLst>
               <a:ext uri="{FF2B5EF4-FFF2-40B4-BE49-F238E27FC236}">
-                <a16:creationId xmlns:a16="http://schemas.microsoft.com/office/drawing/2014/main" xmlns="" id="{5EBA2B3B-7A04-4662-B870-F720B8538988}"/>
+                <a16:creationId xmlns="" xmlns:a16="http://schemas.microsoft.com/office/drawing/2014/main" id="{5EBA2B3B-7A04-4662-B870-F720B8538988}"/>
               </a:ext>
             </a:extLst>
           </p:cNvPr>
@@ -20616,7 +20616,7 @@
           <p:cNvPr id="73" name="직사각형 72">
             <a:extLst>
               <a:ext uri="{FF2B5EF4-FFF2-40B4-BE49-F238E27FC236}">
-                <a16:creationId xmlns:a16="http://schemas.microsoft.com/office/drawing/2014/main" xmlns="" id="{8E46B02D-66F3-495A-BE76-8FA2A68509CF}"/>
+                <a16:creationId xmlns="" xmlns:a16="http://schemas.microsoft.com/office/drawing/2014/main" id="{8E46B02D-66F3-495A-BE76-8FA2A68509CF}"/>
               </a:ext>
             </a:extLst>
           </p:cNvPr>
@@ -20672,7 +20672,7 @@
           <p:cNvPr id="74" name="직사각형 73">
             <a:extLst>
               <a:ext uri="{FF2B5EF4-FFF2-40B4-BE49-F238E27FC236}">
-                <a16:creationId xmlns="" xmlns:a16="http://schemas.microsoft.com/office/drawing/2014/main" id="{7FEC52E6-E0E1-427E-87A8-FEE2AAF979A8}"/>
+                <a16:creationId xmlns:a16="http://schemas.microsoft.com/office/drawing/2014/main" xmlns="" id="{7FEC52E6-E0E1-427E-87A8-FEE2AAF979A8}"/>
               </a:ext>
             </a:extLst>
           </p:cNvPr>
@@ -20871,7 +20871,7 @@
           <p:cNvPr id="78" name="자유형: 도형 377">
             <a:extLst>
               <a:ext uri="{FF2B5EF4-FFF2-40B4-BE49-F238E27FC236}">
-                <a16:creationId xmlns:a16="http://schemas.microsoft.com/office/drawing/2014/main" xmlns="" id="{0B4A7219-0820-4378-B811-331B8646398F}"/>
+                <a16:creationId xmlns="" xmlns:a16="http://schemas.microsoft.com/office/drawing/2014/main" id="{0B4A7219-0820-4378-B811-331B8646398F}"/>
               </a:ext>
             </a:extLst>
           </p:cNvPr>
@@ -21016,7 +21016,7 @@
           <p:cNvPr id="79" name="자유형: 도형 378">
             <a:extLst>
               <a:ext uri="{FF2B5EF4-FFF2-40B4-BE49-F238E27FC236}">
-                <a16:creationId xmlns:a16="http://schemas.microsoft.com/office/drawing/2014/main" xmlns="" id="{AE7688D0-57FD-4391-A3C9-1EB04A54396A}"/>
+                <a16:creationId xmlns="" xmlns:a16="http://schemas.microsoft.com/office/drawing/2014/main" id="{AE7688D0-57FD-4391-A3C9-1EB04A54396A}"/>
               </a:ext>
             </a:extLst>
           </p:cNvPr>
@@ -21161,7 +21161,7 @@
           <p:cNvPr id="80" name="자유형: 도형 379">
             <a:extLst>
               <a:ext uri="{FF2B5EF4-FFF2-40B4-BE49-F238E27FC236}">
-                <a16:creationId xmlns:a16="http://schemas.microsoft.com/office/drawing/2014/main" xmlns="" id="{C4615E6A-E0F5-484B-8040-DD0DD89211FD}"/>
+                <a16:creationId xmlns="" xmlns:a16="http://schemas.microsoft.com/office/drawing/2014/main" id="{C4615E6A-E0F5-484B-8040-DD0DD89211FD}"/>
               </a:ext>
             </a:extLst>
           </p:cNvPr>
@@ -21306,7 +21306,7 @@
           <p:cNvPr id="81" name="자유형: 도형 380">
             <a:extLst>
               <a:ext uri="{FF2B5EF4-FFF2-40B4-BE49-F238E27FC236}">
-                <a16:creationId xmlns:a16="http://schemas.microsoft.com/office/drawing/2014/main" xmlns="" id="{0937B8B0-8045-4AA8-B9F4-04B7C0AFDEBB}"/>
+                <a16:creationId xmlns="" xmlns:a16="http://schemas.microsoft.com/office/drawing/2014/main" id="{0937B8B0-8045-4AA8-B9F4-04B7C0AFDEBB}"/>
               </a:ext>
             </a:extLst>
           </p:cNvPr>
@@ -21451,7 +21451,7 @@
           <p:cNvPr id="82" name="자유형: 도형 381">
             <a:extLst>
               <a:ext uri="{FF2B5EF4-FFF2-40B4-BE49-F238E27FC236}">
-                <a16:creationId xmlns:a16="http://schemas.microsoft.com/office/drawing/2014/main" xmlns="" id="{DB9ADCEC-01D9-4BB3-81EE-B1429055FB91}"/>
+                <a16:creationId xmlns="" xmlns:a16="http://schemas.microsoft.com/office/drawing/2014/main" id="{DB9ADCEC-01D9-4BB3-81EE-B1429055FB91}"/>
               </a:ext>
             </a:extLst>
           </p:cNvPr>
@@ -21596,7 +21596,7 @@
           <p:cNvPr id="83" name="자유형: 도형 382">
             <a:extLst>
               <a:ext uri="{FF2B5EF4-FFF2-40B4-BE49-F238E27FC236}">
-                <a16:creationId xmlns:a16="http://schemas.microsoft.com/office/drawing/2014/main" xmlns="" id="{DB61C11B-0EC3-4996-906C-007E57835D42}"/>
+                <a16:creationId xmlns="" xmlns:a16="http://schemas.microsoft.com/office/drawing/2014/main" id="{DB61C11B-0EC3-4996-906C-007E57835D42}"/>
               </a:ext>
             </a:extLst>
           </p:cNvPr>
@@ -21741,7 +21741,7 @@
           <p:cNvPr id="84" name="자유형: 도형 383">
             <a:extLst>
               <a:ext uri="{FF2B5EF4-FFF2-40B4-BE49-F238E27FC236}">
-                <a16:creationId xmlns:a16="http://schemas.microsoft.com/office/drawing/2014/main" xmlns="" id="{044A0A9B-5CA5-4FE7-B917-B350C19EF0E6}"/>
+                <a16:creationId xmlns="" xmlns:a16="http://schemas.microsoft.com/office/drawing/2014/main" id="{044A0A9B-5CA5-4FE7-B917-B350C19EF0E6}"/>
               </a:ext>
             </a:extLst>
           </p:cNvPr>
@@ -21886,7 +21886,7 @@
           <p:cNvPr id="85" name="자유형: 도형 384">
             <a:extLst>
               <a:ext uri="{FF2B5EF4-FFF2-40B4-BE49-F238E27FC236}">
-                <a16:creationId xmlns:a16="http://schemas.microsoft.com/office/drawing/2014/main" xmlns="" id="{EA9897D2-716C-4BC1-98EE-5CC7B719C72B}"/>
+                <a16:creationId xmlns="" xmlns:a16="http://schemas.microsoft.com/office/drawing/2014/main" id="{EA9897D2-716C-4BC1-98EE-5CC7B719C72B}"/>
               </a:ext>
             </a:extLst>
           </p:cNvPr>
@@ -22031,7 +22031,7 @@
           <p:cNvPr id="86" name="자유형: 도형 385">
             <a:extLst>
               <a:ext uri="{FF2B5EF4-FFF2-40B4-BE49-F238E27FC236}">
-                <a16:creationId xmlns:a16="http://schemas.microsoft.com/office/drawing/2014/main" xmlns="" id="{7582865E-7A8F-44C3-912A-C087626FEDA9}"/>
+                <a16:creationId xmlns="" xmlns:a16="http://schemas.microsoft.com/office/drawing/2014/main" id="{7582865E-7A8F-44C3-912A-C087626FEDA9}"/>
               </a:ext>
             </a:extLst>
           </p:cNvPr>
@@ -22176,7 +22176,7 @@
           <p:cNvPr id="87" name="자유형: 도형 386">
             <a:extLst>
               <a:ext uri="{FF2B5EF4-FFF2-40B4-BE49-F238E27FC236}">
-                <a16:creationId xmlns:a16="http://schemas.microsoft.com/office/drawing/2014/main" xmlns="" id="{76E18406-54A4-401D-9DCA-86C76E3A933C}"/>
+                <a16:creationId xmlns="" xmlns:a16="http://schemas.microsoft.com/office/drawing/2014/main" id="{76E18406-54A4-401D-9DCA-86C76E3A933C}"/>
               </a:ext>
             </a:extLst>
           </p:cNvPr>
@@ -22321,7 +22321,7 @@
           <p:cNvPr id="88" name="자유형: 도형 387">
             <a:extLst>
               <a:ext uri="{FF2B5EF4-FFF2-40B4-BE49-F238E27FC236}">
-                <a16:creationId xmlns:a16="http://schemas.microsoft.com/office/drawing/2014/main" xmlns="" id="{78D016E9-A182-4180-A637-1A890C82CE6A}"/>
+                <a16:creationId xmlns="" xmlns:a16="http://schemas.microsoft.com/office/drawing/2014/main" id="{78D016E9-A182-4180-A637-1A890C82CE6A}"/>
               </a:ext>
             </a:extLst>
           </p:cNvPr>
@@ -22466,7 +22466,7 @@
           <p:cNvPr id="89" name="자유형: 도형 388">
             <a:extLst>
               <a:ext uri="{FF2B5EF4-FFF2-40B4-BE49-F238E27FC236}">
-                <a16:creationId xmlns:a16="http://schemas.microsoft.com/office/drawing/2014/main" xmlns="" id="{05F8530F-49F6-48DF-AD43-D138C77A6596}"/>
+                <a16:creationId xmlns="" xmlns:a16="http://schemas.microsoft.com/office/drawing/2014/main" id="{05F8530F-49F6-48DF-AD43-D138C77A6596}"/>
               </a:ext>
             </a:extLst>
           </p:cNvPr>
@@ -22611,7 +22611,7 @@
           <p:cNvPr id="90" name="자유형: 도형 389">
             <a:extLst>
               <a:ext uri="{FF2B5EF4-FFF2-40B4-BE49-F238E27FC236}">
-                <a16:creationId xmlns:a16="http://schemas.microsoft.com/office/drawing/2014/main" xmlns="" id="{98DCEC21-B8BD-43A7-8436-449C4406D27B}"/>
+                <a16:creationId xmlns="" xmlns:a16="http://schemas.microsoft.com/office/drawing/2014/main" id="{98DCEC21-B8BD-43A7-8436-449C4406D27B}"/>
               </a:ext>
             </a:extLst>
           </p:cNvPr>
@@ -22756,7 +22756,7 @@
           <p:cNvPr id="91" name="자유형: 도형 390">
             <a:extLst>
               <a:ext uri="{FF2B5EF4-FFF2-40B4-BE49-F238E27FC236}">
-                <a16:creationId xmlns:a16="http://schemas.microsoft.com/office/drawing/2014/main" xmlns="" id="{71FAF07A-965F-4A51-9977-FFFFAA15A432}"/>
+                <a16:creationId xmlns="" xmlns:a16="http://schemas.microsoft.com/office/drawing/2014/main" id="{71FAF07A-965F-4A51-9977-FFFFAA15A432}"/>
               </a:ext>
             </a:extLst>
           </p:cNvPr>
@@ -22901,7 +22901,7 @@
           <p:cNvPr id="92" name="자유형: 도형 391">
             <a:extLst>
               <a:ext uri="{FF2B5EF4-FFF2-40B4-BE49-F238E27FC236}">
-                <a16:creationId xmlns:a16="http://schemas.microsoft.com/office/drawing/2014/main" xmlns="" id="{5047EEFB-CDDB-46B7-AA56-F96C5BF34725}"/>
+                <a16:creationId xmlns="" xmlns:a16="http://schemas.microsoft.com/office/drawing/2014/main" id="{5047EEFB-CDDB-46B7-AA56-F96C5BF34725}"/>
               </a:ext>
             </a:extLst>
           </p:cNvPr>
@@ -23046,7 +23046,7 @@
           <p:cNvPr id="93" name="자유형: 도형 392">
             <a:extLst>
               <a:ext uri="{FF2B5EF4-FFF2-40B4-BE49-F238E27FC236}">
-                <a16:creationId xmlns:a16="http://schemas.microsoft.com/office/drawing/2014/main" xmlns="" id="{2D343500-5462-4C95-880B-385171314AB6}"/>
+                <a16:creationId xmlns="" xmlns:a16="http://schemas.microsoft.com/office/drawing/2014/main" id="{2D343500-5462-4C95-880B-385171314AB6}"/>
               </a:ext>
             </a:extLst>
           </p:cNvPr>
@@ -23191,7 +23191,7 @@
           <p:cNvPr id="94" name="자유형: 도형 393">
             <a:extLst>
               <a:ext uri="{FF2B5EF4-FFF2-40B4-BE49-F238E27FC236}">
-                <a16:creationId xmlns:a16="http://schemas.microsoft.com/office/drawing/2014/main" xmlns="" id="{7B3DA1B8-BF1B-4513-966C-2A916F28EFB9}"/>
+                <a16:creationId xmlns="" xmlns:a16="http://schemas.microsoft.com/office/drawing/2014/main" id="{7B3DA1B8-BF1B-4513-966C-2A916F28EFB9}"/>
               </a:ext>
             </a:extLst>
           </p:cNvPr>
@@ -23336,7 +23336,7 @@
           <p:cNvPr id="95" name="자유형: 도형 394">
             <a:extLst>
               <a:ext uri="{FF2B5EF4-FFF2-40B4-BE49-F238E27FC236}">
-                <a16:creationId xmlns:a16="http://schemas.microsoft.com/office/drawing/2014/main" xmlns="" id="{28F89FC3-982F-4923-9453-6F57D8E1E307}"/>
+                <a16:creationId xmlns="" xmlns:a16="http://schemas.microsoft.com/office/drawing/2014/main" id="{28F89FC3-982F-4923-9453-6F57D8E1E307}"/>
               </a:ext>
             </a:extLst>
           </p:cNvPr>
@@ -23481,7 +23481,7 @@
           <p:cNvPr id="96" name="자유형: 도형 395">
             <a:extLst>
               <a:ext uri="{FF2B5EF4-FFF2-40B4-BE49-F238E27FC236}">
-                <a16:creationId xmlns:a16="http://schemas.microsoft.com/office/drawing/2014/main" xmlns="" id="{0F995921-8CFB-4A23-8C8B-B2815AE8670A}"/>
+                <a16:creationId xmlns="" xmlns:a16="http://schemas.microsoft.com/office/drawing/2014/main" id="{0F995921-8CFB-4A23-8C8B-B2815AE8670A}"/>
               </a:ext>
             </a:extLst>
           </p:cNvPr>
@@ -23626,7 +23626,7 @@
           <p:cNvPr id="97" name="자유형: 도형 396">
             <a:extLst>
               <a:ext uri="{FF2B5EF4-FFF2-40B4-BE49-F238E27FC236}">
-                <a16:creationId xmlns:a16="http://schemas.microsoft.com/office/drawing/2014/main" xmlns="" id="{38E18007-DA79-4D7B-96F0-FEC1EB21386C}"/>
+                <a16:creationId xmlns="" xmlns:a16="http://schemas.microsoft.com/office/drawing/2014/main" id="{38E18007-DA79-4D7B-96F0-FEC1EB21386C}"/>
               </a:ext>
             </a:extLst>
           </p:cNvPr>
@@ -23771,7 +23771,7 @@
           <p:cNvPr id="98" name="자유형: 도형 397">
             <a:extLst>
               <a:ext uri="{FF2B5EF4-FFF2-40B4-BE49-F238E27FC236}">
-                <a16:creationId xmlns:a16="http://schemas.microsoft.com/office/drawing/2014/main" xmlns="" id="{C0E1BE7B-0A87-404E-B319-F1AE13922904}"/>
+                <a16:creationId xmlns="" xmlns:a16="http://schemas.microsoft.com/office/drawing/2014/main" id="{C0E1BE7B-0A87-404E-B319-F1AE13922904}"/>
               </a:ext>
             </a:extLst>
           </p:cNvPr>
@@ -23916,7 +23916,7 @@
           <p:cNvPr id="99" name="자유형: 도형 398">
             <a:extLst>
               <a:ext uri="{FF2B5EF4-FFF2-40B4-BE49-F238E27FC236}">
-                <a16:creationId xmlns:a16="http://schemas.microsoft.com/office/drawing/2014/main" xmlns="" id="{675C7C0F-8C6D-4AAF-BC5F-2B81DEB3E4E8}"/>
+                <a16:creationId xmlns="" xmlns:a16="http://schemas.microsoft.com/office/drawing/2014/main" id="{675C7C0F-8C6D-4AAF-BC5F-2B81DEB3E4E8}"/>
               </a:ext>
             </a:extLst>
           </p:cNvPr>
@@ -24061,7 +24061,7 @@
           <p:cNvPr id="100" name="자유형: 도형 399">
             <a:extLst>
               <a:ext uri="{FF2B5EF4-FFF2-40B4-BE49-F238E27FC236}">
-                <a16:creationId xmlns:a16="http://schemas.microsoft.com/office/drawing/2014/main" xmlns="" id="{846A25C2-933F-44C2-A0FE-4110FBEBA915}"/>
+                <a16:creationId xmlns="" xmlns:a16="http://schemas.microsoft.com/office/drawing/2014/main" id="{846A25C2-933F-44C2-A0FE-4110FBEBA915}"/>
               </a:ext>
             </a:extLst>
           </p:cNvPr>
@@ -24206,7 +24206,7 @@
           <p:cNvPr id="101" name="자유형: 도형 400">
             <a:extLst>
               <a:ext uri="{FF2B5EF4-FFF2-40B4-BE49-F238E27FC236}">
-                <a16:creationId xmlns:a16="http://schemas.microsoft.com/office/drawing/2014/main" xmlns="" id="{5EBA2B3B-7A04-4662-B870-F720B8538988}"/>
+                <a16:creationId xmlns="" xmlns:a16="http://schemas.microsoft.com/office/drawing/2014/main" id="{5EBA2B3B-7A04-4662-B870-F720B8538988}"/>
               </a:ext>
             </a:extLst>
           </p:cNvPr>
@@ -24351,7 +24351,7 @@
           <p:cNvPr id="102" name="직사각형 101">
             <a:extLst>
               <a:ext uri="{FF2B5EF4-FFF2-40B4-BE49-F238E27FC236}">
-                <a16:creationId xmlns:a16="http://schemas.microsoft.com/office/drawing/2014/main" xmlns="" id="{8E46B02D-66F3-495A-BE76-8FA2A68509CF}"/>
+                <a16:creationId xmlns="" xmlns:a16="http://schemas.microsoft.com/office/drawing/2014/main" id="{8E46B02D-66F3-495A-BE76-8FA2A68509CF}"/>
               </a:ext>
             </a:extLst>
           </p:cNvPr>
@@ -24407,7 +24407,7 @@
           <p:cNvPr id="103" name="직사각형 102">
             <a:extLst>
               <a:ext uri="{FF2B5EF4-FFF2-40B4-BE49-F238E27FC236}">
-                <a16:creationId xmlns="" xmlns:a16="http://schemas.microsoft.com/office/drawing/2014/main" id="{7FEC52E6-E0E1-427E-87A8-FEE2AAF979A8}"/>
+                <a16:creationId xmlns:a16="http://schemas.microsoft.com/office/drawing/2014/main" xmlns="" id="{7FEC52E6-E0E1-427E-87A8-FEE2AAF979A8}"/>
               </a:ext>
             </a:extLst>
           </p:cNvPr>
@@ -24622,7 +24622,7 @@
           <p:cNvPr id="107" name="자유형: 도형 377">
             <a:extLst>
               <a:ext uri="{FF2B5EF4-FFF2-40B4-BE49-F238E27FC236}">
-                <a16:creationId xmlns:a16="http://schemas.microsoft.com/office/drawing/2014/main" xmlns="" id="{0B4A7219-0820-4378-B811-331B8646398F}"/>
+                <a16:creationId xmlns="" xmlns:a16="http://schemas.microsoft.com/office/drawing/2014/main" id="{0B4A7219-0820-4378-B811-331B8646398F}"/>
               </a:ext>
             </a:extLst>
           </p:cNvPr>
@@ -24767,7 +24767,7 @@
           <p:cNvPr id="108" name="자유형: 도형 378">
             <a:extLst>
               <a:ext uri="{FF2B5EF4-FFF2-40B4-BE49-F238E27FC236}">
-                <a16:creationId xmlns:a16="http://schemas.microsoft.com/office/drawing/2014/main" xmlns="" id="{AE7688D0-57FD-4391-A3C9-1EB04A54396A}"/>
+                <a16:creationId xmlns="" xmlns:a16="http://schemas.microsoft.com/office/drawing/2014/main" id="{AE7688D0-57FD-4391-A3C9-1EB04A54396A}"/>
               </a:ext>
             </a:extLst>
           </p:cNvPr>
@@ -24912,7 +24912,7 @@
           <p:cNvPr id="109" name="자유형: 도형 379">
             <a:extLst>
               <a:ext uri="{FF2B5EF4-FFF2-40B4-BE49-F238E27FC236}">
-                <a16:creationId xmlns:a16="http://schemas.microsoft.com/office/drawing/2014/main" xmlns="" id="{C4615E6A-E0F5-484B-8040-DD0DD89211FD}"/>
+                <a16:creationId xmlns="" xmlns:a16="http://schemas.microsoft.com/office/drawing/2014/main" id="{C4615E6A-E0F5-484B-8040-DD0DD89211FD}"/>
               </a:ext>
             </a:extLst>
           </p:cNvPr>
@@ -25057,7 +25057,7 @@
           <p:cNvPr id="110" name="자유형: 도형 380">
             <a:extLst>
               <a:ext uri="{FF2B5EF4-FFF2-40B4-BE49-F238E27FC236}">
-                <a16:creationId xmlns:a16="http://schemas.microsoft.com/office/drawing/2014/main" xmlns="" id="{0937B8B0-8045-4AA8-B9F4-04B7C0AFDEBB}"/>
+                <a16:creationId xmlns="" xmlns:a16="http://schemas.microsoft.com/office/drawing/2014/main" id="{0937B8B0-8045-4AA8-B9F4-04B7C0AFDEBB}"/>
               </a:ext>
             </a:extLst>
           </p:cNvPr>
@@ -25202,7 +25202,7 @@
           <p:cNvPr id="111" name="자유형: 도형 381">
             <a:extLst>
               <a:ext uri="{FF2B5EF4-FFF2-40B4-BE49-F238E27FC236}">
-                <a16:creationId xmlns:a16="http://schemas.microsoft.com/office/drawing/2014/main" xmlns="" id="{DB9ADCEC-01D9-4BB3-81EE-B1429055FB91}"/>
+                <a16:creationId xmlns="" xmlns:a16="http://schemas.microsoft.com/office/drawing/2014/main" id="{DB9ADCEC-01D9-4BB3-81EE-B1429055FB91}"/>
               </a:ext>
             </a:extLst>
           </p:cNvPr>
@@ -25347,7 +25347,7 @@
           <p:cNvPr id="112" name="자유형: 도형 382">
             <a:extLst>
               <a:ext uri="{FF2B5EF4-FFF2-40B4-BE49-F238E27FC236}">
-                <a16:creationId xmlns:a16="http://schemas.microsoft.com/office/drawing/2014/main" xmlns="" id="{DB61C11B-0EC3-4996-906C-007E57835D42}"/>
+                <a16:creationId xmlns="" xmlns:a16="http://schemas.microsoft.com/office/drawing/2014/main" id="{DB61C11B-0EC3-4996-906C-007E57835D42}"/>
               </a:ext>
             </a:extLst>
           </p:cNvPr>
@@ -25492,7 +25492,7 @@
           <p:cNvPr id="113" name="자유형: 도형 383">
             <a:extLst>
               <a:ext uri="{FF2B5EF4-FFF2-40B4-BE49-F238E27FC236}">
-                <a16:creationId xmlns:a16="http://schemas.microsoft.com/office/drawing/2014/main" xmlns="" id="{044A0A9B-5CA5-4FE7-B917-B350C19EF0E6}"/>
+                <a16:creationId xmlns="" xmlns:a16="http://schemas.microsoft.com/office/drawing/2014/main" id="{044A0A9B-5CA5-4FE7-B917-B350C19EF0E6}"/>
               </a:ext>
             </a:extLst>
           </p:cNvPr>
@@ -25637,7 +25637,7 @@
           <p:cNvPr id="114" name="자유형: 도형 384">
             <a:extLst>
               <a:ext uri="{FF2B5EF4-FFF2-40B4-BE49-F238E27FC236}">
-                <a16:creationId xmlns:a16="http://schemas.microsoft.com/office/drawing/2014/main" xmlns="" id="{EA9897D2-716C-4BC1-98EE-5CC7B719C72B}"/>
+                <a16:creationId xmlns="" xmlns:a16="http://schemas.microsoft.com/office/drawing/2014/main" id="{EA9897D2-716C-4BC1-98EE-5CC7B719C72B}"/>
               </a:ext>
             </a:extLst>
           </p:cNvPr>
@@ -25782,7 +25782,7 @@
           <p:cNvPr id="115" name="자유형: 도형 385">
             <a:extLst>
               <a:ext uri="{FF2B5EF4-FFF2-40B4-BE49-F238E27FC236}">
-                <a16:creationId xmlns:a16="http://schemas.microsoft.com/office/drawing/2014/main" xmlns="" id="{7582865E-7A8F-44C3-912A-C087626FEDA9}"/>
+                <a16:creationId xmlns="" xmlns:a16="http://schemas.microsoft.com/office/drawing/2014/main" id="{7582865E-7A8F-44C3-912A-C087626FEDA9}"/>
               </a:ext>
             </a:extLst>
           </p:cNvPr>
@@ -25927,7 +25927,7 @@
           <p:cNvPr id="116" name="자유형: 도형 386">
             <a:extLst>
               <a:ext uri="{FF2B5EF4-FFF2-40B4-BE49-F238E27FC236}">
-                <a16:creationId xmlns:a16="http://schemas.microsoft.com/office/drawing/2014/main" xmlns="" id="{76E18406-54A4-401D-9DCA-86C76E3A933C}"/>
+                <a16:creationId xmlns="" xmlns:a16="http://schemas.microsoft.com/office/drawing/2014/main" id="{76E18406-54A4-401D-9DCA-86C76E3A933C}"/>
               </a:ext>
             </a:extLst>
           </p:cNvPr>
@@ -26072,7 +26072,7 @@
           <p:cNvPr id="117" name="자유형: 도형 387">
             <a:extLst>
               <a:ext uri="{FF2B5EF4-FFF2-40B4-BE49-F238E27FC236}">
-                <a16:creationId xmlns:a16="http://schemas.microsoft.com/office/drawing/2014/main" xmlns="" id="{78D016E9-A182-4180-A637-1A890C82CE6A}"/>
+                <a16:creationId xmlns="" xmlns:a16="http://schemas.microsoft.com/office/drawing/2014/main" id="{78D016E9-A182-4180-A637-1A890C82CE6A}"/>
               </a:ext>
             </a:extLst>
           </p:cNvPr>
@@ -26217,7 +26217,7 @@
           <p:cNvPr id="118" name="자유형: 도형 388">
             <a:extLst>
               <a:ext uri="{FF2B5EF4-FFF2-40B4-BE49-F238E27FC236}">
-                <a16:creationId xmlns:a16="http://schemas.microsoft.com/office/drawing/2014/main" xmlns="" id="{05F8530F-49F6-48DF-AD43-D138C77A6596}"/>
+                <a16:creationId xmlns="" xmlns:a16="http://schemas.microsoft.com/office/drawing/2014/main" id="{05F8530F-49F6-48DF-AD43-D138C77A6596}"/>
               </a:ext>
             </a:extLst>
           </p:cNvPr>
@@ -26362,7 +26362,7 @@
           <p:cNvPr id="119" name="자유형: 도형 389">
             <a:extLst>
               <a:ext uri="{FF2B5EF4-FFF2-40B4-BE49-F238E27FC236}">
-                <a16:creationId xmlns:a16="http://schemas.microsoft.com/office/drawing/2014/main" xmlns="" id="{98DCEC21-B8BD-43A7-8436-449C4406D27B}"/>
+                <a16:creationId xmlns="" xmlns:a16="http://schemas.microsoft.com/office/drawing/2014/main" id="{98DCEC21-B8BD-43A7-8436-449C4406D27B}"/>
               </a:ext>
             </a:extLst>
           </p:cNvPr>
@@ -26507,7 +26507,7 @@
           <p:cNvPr id="120" name="자유형: 도형 390">
             <a:extLst>
               <a:ext uri="{FF2B5EF4-FFF2-40B4-BE49-F238E27FC236}">
-                <a16:creationId xmlns:a16="http://schemas.microsoft.com/office/drawing/2014/main" xmlns="" id="{71FAF07A-965F-4A51-9977-FFFFAA15A432}"/>
+                <a16:creationId xmlns="" xmlns:a16="http://schemas.microsoft.com/office/drawing/2014/main" id="{71FAF07A-965F-4A51-9977-FFFFAA15A432}"/>
               </a:ext>
             </a:extLst>
           </p:cNvPr>
@@ -26652,7 +26652,7 @@
           <p:cNvPr id="121" name="자유형: 도형 391">
             <a:extLst>
               <a:ext uri="{FF2B5EF4-FFF2-40B4-BE49-F238E27FC236}">
-                <a16:creationId xmlns:a16="http://schemas.microsoft.com/office/drawing/2014/main" xmlns="" id="{5047EEFB-CDDB-46B7-AA56-F96C5BF34725}"/>
+                <a16:creationId xmlns="" xmlns:a16="http://schemas.microsoft.com/office/drawing/2014/main" id="{5047EEFB-CDDB-46B7-AA56-F96C5BF34725}"/>
               </a:ext>
             </a:extLst>
           </p:cNvPr>
@@ -26797,7 +26797,7 @@
           <p:cNvPr id="122" name="자유형: 도형 392">
             <a:extLst>
               <a:ext uri="{FF2B5EF4-FFF2-40B4-BE49-F238E27FC236}">
-                <a16:creationId xmlns:a16="http://schemas.microsoft.com/office/drawing/2014/main" xmlns="" id="{2D343500-5462-4C95-880B-385171314AB6}"/>
+                <a16:creationId xmlns="" xmlns:a16="http://schemas.microsoft.com/office/drawing/2014/main" id="{2D343500-5462-4C95-880B-385171314AB6}"/>
               </a:ext>
             </a:extLst>
           </p:cNvPr>
@@ -26942,7 +26942,7 @@
           <p:cNvPr id="123" name="자유형: 도형 393">
             <a:extLst>
               <a:ext uri="{FF2B5EF4-FFF2-40B4-BE49-F238E27FC236}">
-                <a16:creationId xmlns:a16="http://schemas.microsoft.com/office/drawing/2014/main" xmlns="" id="{7B3DA1B8-BF1B-4513-966C-2A916F28EFB9}"/>
+                <a16:creationId xmlns="" xmlns:a16="http://schemas.microsoft.com/office/drawing/2014/main" id="{7B3DA1B8-BF1B-4513-966C-2A916F28EFB9}"/>
               </a:ext>
             </a:extLst>
           </p:cNvPr>
@@ -27087,7 +27087,7 @@
           <p:cNvPr id="124" name="자유형: 도형 394">
             <a:extLst>
               <a:ext uri="{FF2B5EF4-FFF2-40B4-BE49-F238E27FC236}">
-                <a16:creationId xmlns:a16="http://schemas.microsoft.com/office/drawing/2014/main" xmlns="" id="{28F89FC3-982F-4923-9453-6F57D8E1E307}"/>
+                <a16:creationId xmlns="" xmlns:a16="http://schemas.microsoft.com/office/drawing/2014/main" id="{28F89FC3-982F-4923-9453-6F57D8E1E307}"/>
               </a:ext>
             </a:extLst>
           </p:cNvPr>
@@ -27232,7 +27232,7 @@
           <p:cNvPr id="125" name="자유형: 도형 395">
             <a:extLst>
               <a:ext uri="{FF2B5EF4-FFF2-40B4-BE49-F238E27FC236}">
-                <a16:creationId xmlns:a16="http://schemas.microsoft.com/office/drawing/2014/main" xmlns="" id="{0F995921-8CFB-4A23-8C8B-B2815AE8670A}"/>
+                <a16:creationId xmlns="" xmlns:a16="http://schemas.microsoft.com/office/drawing/2014/main" id="{0F995921-8CFB-4A23-8C8B-B2815AE8670A}"/>
               </a:ext>
             </a:extLst>
           </p:cNvPr>
@@ -27377,7 +27377,7 @@
           <p:cNvPr id="126" name="자유형: 도형 396">
             <a:extLst>
               <a:ext uri="{FF2B5EF4-FFF2-40B4-BE49-F238E27FC236}">
-                <a16:creationId xmlns:a16="http://schemas.microsoft.com/office/drawing/2014/main" xmlns="" id="{38E18007-DA79-4D7B-96F0-FEC1EB21386C}"/>
+                <a16:creationId xmlns="" xmlns:a16="http://schemas.microsoft.com/office/drawing/2014/main" id="{38E18007-DA79-4D7B-96F0-FEC1EB21386C}"/>
               </a:ext>
             </a:extLst>
           </p:cNvPr>
@@ -27522,7 +27522,7 @@
           <p:cNvPr id="127" name="자유형: 도형 397">
             <a:extLst>
               <a:ext uri="{FF2B5EF4-FFF2-40B4-BE49-F238E27FC236}">
-                <a16:creationId xmlns:a16="http://schemas.microsoft.com/office/drawing/2014/main" xmlns="" id="{C0E1BE7B-0A87-404E-B319-F1AE13922904}"/>
+                <a16:creationId xmlns="" xmlns:a16="http://schemas.microsoft.com/office/drawing/2014/main" id="{C0E1BE7B-0A87-404E-B319-F1AE13922904}"/>
               </a:ext>
             </a:extLst>
           </p:cNvPr>
@@ -27667,7 +27667,7 @@
           <p:cNvPr id="128" name="자유형: 도형 398">
             <a:extLst>
               <a:ext uri="{FF2B5EF4-FFF2-40B4-BE49-F238E27FC236}">
-                <a16:creationId xmlns:a16="http://schemas.microsoft.com/office/drawing/2014/main" xmlns="" id="{675C7C0F-8C6D-4AAF-BC5F-2B81DEB3E4E8}"/>
+                <a16:creationId xmlns="" xmlns:a16="http://schemas.microsoft.com/office/drawing/2014/main" id="{675C7C0F-8C6D-4AAF-BC5F-2B81DEB3E4E8}"/>
               </a:ext>
             </a:extLst>
           </p:cNvPr>
@@ -27812,7 +27812,7 @@
           <p:cNvPr id="129" name="자유형: 도형 399">
             <a:extLst>
               <a:ext uri="{FF2B5EF4-FFF2-40B4-BE49-F238E27FC236}">
-                <a16:creationId xmlns:a16="http://schemas.microsoft.com/office/drawing/2014/main" xmlns="" id="{846A25C2-933F-44C2-A0FE-4110FBEBA915}"/>
+                <a16:creationId xmlns="" xmlns:a16="http://schemas.microsoft.com/office/drawing/2014/main" id="{846A25C2-933F-44C2-A0FE-4110FBEBA915}"/>
               </a:ext>
             </a:extLst>
           </p:cNvPr>
@@ -27957,7 +27957,7 @@
           <p:cNvPr id="130" name="자유형: 도형 400">
             <a:extLst>
               <a:ext uri="{FF2B5EF4-FFF2-40B4-BE49-F238E27FC236}">
-                <a16:creationId xmlns:a16="http://schemas.microsoft.com/office/drawing/2014/main" xmlns="" id="{5EBA2B3B-7A04-4662-B870-F720B8538988}"/>
+                <a16:creationId xmlns="" xmlns:a16="http://schemas.microsoft.com/office/drawing/2014/main" id="{5EBA2B3B-7A04-4662-B870-F720B8538988}"/>
               </a:ext>
             </a:extLst>
           </p:cNvPr>
@@ -28102,7 +28102,7 @@
           <p:cNvPr id="131" name="직사각형 130">
             <a:extLst>
               <a:ext uri="{FF2B5EF4-FFF2-40B4-BE49-F238E27FC236}">
-                <a16:creationId xmlns:a16="http://schemas.microsoft.com/office/drawing/2014/main" xmlns="" id="{8E46B02D-66F3-495A-BE76-8FA2A68509CF}"/>
+                <a16:creationId xmlns="" xmlns:a16="http://schemas.microsoft.com/office/drawing/2014/main" id="{8E46B02D-66F3-495A-BE76-8FA2A68509CF}"/>
               </a:ext>
             </a:extLst>
           </p:cNvPr>
@@ -28158,7 +28158,7 @@
           <p:cNvPr id="132" name="직사각형 131">
             <a:extLst>
               <a:ext uri="{FF2B5EF4-FFF2-40B4-BE49-F238E27FC236}">
-                <a16:creationId xmlns="" xmlns:a16="http://schemas.microsoft.com/office/drawing/2014/main" id="{7FEC52E6-E0E1-427E-87A8-FEE2AAF979A8}"/>
+                <a16:creationId xmlns:a16="http://schemas.microsoft.com/office/drawing/2014/main" xmlns="" id="{7FEC52E6-E0E1-427E-87A8-FEE2AAF979A8}"/>
               </a:ext>
             </a:extLst>
           </p:cNvPr>
@@ -29293,7 +29293,7 @@
           <p:cNvPr id="114" name="직사각형 113">
             <a:extLst>
               <a:ext uri="{FF2B5EF4-FFF2-40B4-BE49-F238E27FC236}">
-                <a16:creationId xmlns="" xmlns:a16="http://schemas.microsoft.com/office/drawing/2014/main" id="{3FA00699-5178-465A-9F3F-130CF1431F70}"/>
+                <a16:creationId xmlns:a16="http://schemas.microsoft.com/office/drawing/2014/main" xmlns="" id="{3FA00699-5178-465A-9F3F-130CF1431F70}"/>
               </a:ext>
             </a:extLst>
           </p:cNvPr>
@@ -29618,7 +29618,7 @@
           <p:cNvPr id="122" name="직사각형 121">
             <a:extLst>
               <a:ext uri="{FF2B5EF4-FFF2-40B4-BE49-F238E27FC236}">
-                <a16:creationId xmlns="" xmlns:a16="http://schemas.microsoft.com/office/drawing/2014/main" id="{3FA00699-5178-465A-9F3F-130CF1431F70}"/>
+                <a16:creationId xmlns:a16="http://schemas.microsoft.com/office/drawing/2014/main" xmlns="" id="{3FA00699-5178-465A-9F3F-130CF1431F70}"/>
               </a:ext>
             </a:extLst>
           </p:cNvPr>
@@ -29943,7 +29943,7 @@
           <p:cNvPr id="130" name="직사각형 129">
             <a:extLst>
               <a:ext uri="{FF2B5EF4-FFF2-40B4-BE49-F238E27FC236}">
-                <a16:creationId xmlns="" xmlns:a16="http://schemas.microsoft.com/office/drawing/2014/main" id="{3FA00699-5178-465A-9F3F-130CF1431F70}"/>
+                <a16:creationId xmlns:a16="http://schemas.microsoft.com/office/drawing/2014/main" xmlns="" id="{3FA00699-5178-465A-9F3F-130CF1431F70}"/>
               </a:ext>
             </a:extLst>
           </p:cNvPr>
@@ -32575,7 +32575,7 @@
           <p:cNvPr id="58" name="직사각형 57">
             <a:extLst>
               <a:ext uri="{FF2B5EF4-FFF2-40B4-BE49-F238E27FC236}">
-                <a16:creationId xmlns="" xmlns:a16="http://schemas.microsoft.com/office/drawing/2014/main" id="{3FA00699-5178-465A-9F3F-130CF1431F70}"/>
+                <a16:creationId xmlns:a16="http://schemas.microsoft.com/office/drawing/2014/main" xmlns="" id="{3FA00699-5178-465A-9F3F-130CF1431F70}"/>
               </a:ext>
             </a:extLst>
           </p:cNvPr>
@@ -32639,7 +32639,7 @@
           <p:cNvPr id="63" name="직사각형 62">
             <a:extLst>
               <a:ext uri="{FF2B5EF4-FFF2-40B4-BE49-F238E27FC236}">
-                <a16:creationId xmlns="" xmlns:a16="http://schemas.microsoft.com/office/drawing/2014/main" id="{3FA00699-5178-465A-9F3F-130CF1431F70}"/>
+                <a16:creationId xmlns:a16="http://schemas.microsoft.com/office/drawing/2014/main" xmlns="" id="{3FA00699-5178-465A-9F3F-130CF1431F70}"/>
               </a:ext>
             </a:extLst>
           </p:cNvPr>
@@ -35558,27 +35558,7 @@
                           <a:ea typeface="+mn-ea"/>
                           <a:cs typeface="+mn-cs"/>
                         </a:rPr>
-                        <a:t>인 조합이 </a:t>
-                      </a:r>
-                      <a:r>
-                        <a:rPr kumimoji="0" lang="ko-KR" altLang="en-US" sz="1050" b="0" i="0" u="none" strike="noStrike" kern="1200" cap="none" spc="0" normalizeH="0" baseline="0" noProof="0" dirty="0" smtClean="0">
-                          <a:ln>
-                            <a:noFill/>
-                          </a:ln>
-                          <a:solidFill>
-                            <a:schemeClr val="tx1">
-                              <a:lumMod val="75000"/>
-                              <a:lumOff val="25000"/>
-                            </a:schemeClr>
-                          </a:solidFill>
-                          <a:effectLst/>
-                          <a:uLnTx/>
-                          <a:uFillTx/>
-                          <a:latin typeface="+mn-lt"/>
-                          <a:ea typeface="+mn-ea"/>
-                          <a:cs typeface="+mn-cs"/>
-                        </a:rPr>
-                        <a:t>나오도록 설정하였습니다</a:t>
+                        <a:t>인 조합이 나오도록 설정하였습니다</a:t>
                       </a:r>
                       <a:r>
                         <a:rPr kumimoji="0" lang="en-US" altLang="ko-KR" sz="1050" b="0" i="0" u="none" strike="noStrike" kern="1200" cap="none" spc="0" normalizeH="0" baseline="0" noProof="0" dirty="0" smtClean="0">
@@ -35664,6 +35644,70 @@
           </a:graphicData>
         </a:graphic>
       </p:graphicFrame>
+      <p:sp>
+        <p:nvSpPr>
+          <p:cNvPr id="14" name="직사각형 13">
+            <a:extLst>
+              <a:ext uri="{FF2B5EF4-FFF2-40B4-BE49-F238E27FC236}">
+                <a16:creationId xmlns:a16="http://schemas.microsoft.com/office/drawing/2014/main" xmlns="" id="{3FA00699-5178-465A-9F3F-130CF1431F70}"/>
+              </a:ext>
+            </a:extLst>
+          </p:cNvPr>
+          <p:cNvSpPr/>
+          <p:nvPr/>
+        </p:nvSpPr>
+        <p:spPr>
+          <a:xfrm>
+            <a:off x="8175812" y="5610907"/>
+            <a:ext cx="3578509" cy="346249"/>
+          </a:xfrm>
+          <a:prstGeom prst="rect">
+            <a:avLst/>
+          </a:prstGeom>
+        </p:spPr>
+        <p:txBody>
+          <a:bodyPr wrap="square">
+            <a:spAutoFit/>
+          </a:bodyPr>
+          <a:lstStyle/>
+          <a:p>
+            <a:pPr algn="ctr">
+              <a:lnSpc>
+                <a:spcPct val="150000"/>
+              </a:lnSpc>
+            </a:pPr>
+            <a:r>
+              <a:rPr lang="en-US" altLang="ko-KR" sz="1100" dirty="0" smtClean="0">
+                <a:solidFill>
+                  <a:srgbClr val="5B6176"/>
+                </a:solidFill>
+              </a:rPr>
+              <a:t>* </a:t>
+            </a:r>
+            <a:r>
+              <a:rPr lang="ko-KR" altLang="en-US" sz="1100" dirty="0" smtClean="0">
+                <a:solidFill>
+                  <a:srgbClr val="5B6176"/>
+                </a:solidFill>
+              </a:rPr>
+              <a:t>패턴 참고 </a:t>
+            </a:r>
+            <a:r>
+              <a:rPr lang="en-US" altLang="ko-KR" sz="1100" dirty="0">
+                <a:solidFill>
+                  <a:srgbClr val="5B6176"/>
+                </a:solidFill>
+              </a:rPr>
+              <a:t>: https://news.joins.com/article/8993945</a:t>
+            </a:r>
+            <a:endParaRPr lang="en-US" altLang="ko-KR" sz="1100" b="1" dirty="0" smtClean="0">
+              <a:solidFill>
+                <a:srgbClr val="5B6176"/>
+              </a:solidFill>
+            </a:endParaRPr>
+          </a:p>
+        </p:txBody>
+      </p:sp>
     </p:spTree>
     <p:extLst>
       <p:ext uri="{BB962C8B-B14F-4D97-AF65-F5344CB8AC3E}">
@@ -36413,7 +36457,7 @@
           <p:cNvPr id="26" name="직사각형 25">
             <a:extLst>
               <a:ext uri="{FF2B5EF4-FFF2-40B4-BE49-F238E27FC236}">
-                <a16:creationId xmlns="" xmlns:a16="http://schemas.microsoft.com/office/drawing/2014/main" id="{3FA00699-5178-465A-9F3F-130CF1431F70}"/>
+                <a16:creationId xmlns:a16="http://schemas.microsoft.com/office/drawing/2014/main" xmlns="" id="{3FA00699-5178-465A-9F3F-130CF1431F70}"/>
               </a:ext>
             </a:extLst>
           </p:cNvPr>
@@ -36461,7 +36505,7 @@
           <p:cNvPr id="27" name="직사각형 26">
             <a:extLst>
               <a:ext uri="{FF2B5EF4-FFF2-40B4-BE49-F238E27FC236}">
-                <a16:creationId xmlns="" xmlns:a16="http://schemas.microsoft.com/office/drawing/2014/main" id="{3FA00699-5178-465A-9F3F-130CF1431F70}"/>
+                <a16:creationId xmlns:a16="http://schemas.microsoft.com/office/drawing/2014/main" xmlns="" id="{3FA00699-5178-465A-9F3F-130CF1431F70}"/>
               </a:ext>
             </a:extLst>
           </p:cNvPr>
@@ -36517,7 +36561,7 @@
           <p:cNvPr id="28" name="직사각형 27">
             <a:extLst>
               <a:ext uri="{FF2B5EF4-FFF2-40B4-BE49-F238E27FC236}">
-                <a16:creationId xmlns="" xmlns:a16="http://schemas.microsoft.com/office/drawing/2014/main" id="{3FA00699-5178-465A-9F3F-130CF1431F70}"/>
+                <a16:creationId xmlns:a16="http://schemas.microsoft.com/office/drawing/2014/main" xmlns="" id="{3FA00699-5178-465A-9F3F-130CF1431F70}"/>
               </a:ext>
             </a:extLst>
           </p:cNvPr>
@@ -37718,7 +37762,7 @@
           <p:cNvPr id="30" name="직사각형 29">
             <a:extLst>
               <a:ext uri="{FF2B5EF4-FFF2-40B4-BE49-F238E27FC236}">
-                <a16:creationId xmlns="" xmlns:a16="http://schemas.microsoft.com/office/drawing/2014/main" id="{3FA00699-5178-465A-9F3F-130CF1431F70}"/>
+                <a16:creationId xmlns:a16="http://schemas.microsoft.com/office/drawing/2014/main" xmlns="" id="{3FA00699-5178-465A-9F3F-130CF1431F70}"/>
               </a:ext>
             </a:extLst>
           </p:cNvPr>
@@ -38903,7 +38947,7 @@
           <p:cNvPr id="59" name="직사각형 58">
             <a:extLst>
               <a:ext uri="{FF2B5EF4-FFF2-40B4-BE49-F238E27FC236}">
-                <a16:creationId xmlns="" xmlns:a16="http://schemas.microsoft.com/office/drawing/2014/main" id="{3FA00699-5178-465A-9F3F-130CF1431F70}"/>
+                <a16:creationId xmlns:a16="http://schemas.microsoft.com/office/drawing/2014/main" xmlns="" id="{3FA00699-5178-465A-9F3F-130CF1431F70}"/>
               </a:ext>
             </a:extLst>
           </p:cNvPr>
@@ -39288,7 +39332,7 @@
   <a:extraClrSchemeLst/>
   <a:extLst>
     <a:ext uri="{05A4C25C-085E-4340-85A3-A5531E510DB2}">
-      <thm15:themeFamily xmlns:thm15="http://schemas.microsoft.com/office/thememl/2012/main" xmlns="" name="Office Theme" id="{62F939B6-93AF-4DB8-9C6B-D6C7DFDC589F}" vid="{4A3C46E8-61CC-4603-A589-7422A47A8E4A}"/>
+      <thm15:themeFamily xmlns="" xmlns:thm15="http://schemas.microsoft.com/office/thememl/2012/main" name="Office Theme" id="{62F939B6-93AF-4DB8-9C6B-D6C7DFDC589F}" vid="{4A3C46E8-61CC-4603-A589-7422A47A8E4A}"/>
     </a:ext>
   </a:extLst>
 </a:theme>

--- a/포트폴리오/로또 번호 추첨기/로또 번호 추첨기 - 양화영.pptx
+++ b/포트폴리오/로또 번호 추첨기/로또 번호 추첨기 - 양화영.pptx
@@ -146,7 +146,7 @@
           <p:cNvPr id="2" name="제목 1">
             <a:extLst>
               <a:ext uri="{FF2B5EF4-FFF2-40B4-BE49-F238E27FC236}">
-                <a16:creationId xmlns="" xmlns:a16="http://schemas.microsoft.com/office/drawing/2014/main" id="{22112318-F619-4488-8B6E-2F5F2426A69A}"/>
+                <a16:creationId xmlns:a16="http://schemas.microsoft.com/office/drawing/2014/main" xmlns="" id="{22112318-F619-4488-8B6E-2F5F2426A69A}"/>
               </a:ext>
             </a:extLst>
           </p:cNvPr>
@@ -183,7 +183,7 @@
           <p:cNvPr id="3" name="부제목 2">
             <a:extLst>
               <a:ext uri="{FF2B5EF4-FFF2-40B4-BE49-F238E27FC236}">
-                <a16:creationId xmlns="" xmlns:a16="http://schemas.microsoft.com/office/drawing/2014/main" id="{E8BEE6BB-9A5F-4E9F-9F1C-6D46BE01A313}"/>
+                <a16:creationId xmlns:a16="http://schemas.microsoft.com/office/drawing/2014/main" xmlns="" id="{E8BEE6BB-9A5F-4E9F-9F1C-6D46BE01A313}"/>
               </a:ext>
             </a:extLst>
           </p:cNvPr>
@@ -253,7 +253,7 @@
           <p:cNvPr id="4" name="날짜 개체 틀 3">
             <a:extLst>
               <a:ext uri="{FF2B5EF4-FFF2-40B4-BE49-F238E27FC236}">
-                <a16:creationId xmlns="" xmlns:a16="http://schemas.microsoft.com/office/drawing/2014/main" id="{D2D9A51D-A948-4CB8-A9EB-5A26520C8EF0}"/>
+                <a16:creationId xmlns:a16="http://schemas.microsoft.com/office/drawing/2014/main" xmlns="" id="{D2D9A51D-A948-4CB8-A9EB-5A26520C8EF0}"/>
               </a:ext>
             </a:extLst>
           </p:cNvPr>
@@ -295,7 +295,7 @@
           <p:cNvPr id="5" name="바닥글 개체 틀 4">
             <a:extLst>
               <a:ext uri="{FF2B5EF4-FFF2-40B4-BE49-F238E27FC236}">
-                <a16:creationId xmlns="" xmlns:a16="http://schemas.microsoft.com/office/drawing/2014/main" id="{84374BBD-0B82-4658-B13D-088F0E4D078E}"/>
+                <a16:creationId xmlns:a16="http://schemas.microsoft.com/office/drawing/2014/main" xmlns="" id="{84374BBD-0B82-4658-B13D-088F0E4D078E}"/>
               </a:ext>
             </a:extLst>
           </p:cNvPr>
@@ -326,7 +326,7 @@
           <p:cNvPr id="6" name="슬라이드 번호 개체 틀 5">
             <a:extLst>
               <a:ext uri="{FF2B5EF4-FFF2-40B4-BE49-F238E27FC236}">
-                <a16:creationId xmlns="" xmlns:a16="http://schemas.microsoft.com/office/drawing/2014/main" id="{AB1AAA67-696A-4836-A10B-FF164C3AF889}"/>
+                <a16:creationId xmlns:a16="http://schemas.microsoft.com/office/drawing/2014/main" xmlns="" id="{AB1AAA67-696A-4836-A10B-FF164C3AF889}"/>
               </a:ext>
             </a:extLst>
           </p:cNvPr>
@@ -398,7 +398,7 @@
           <p:cNvPr id="2" name="제목 1">
             <a:extLst>
               <a:ext uri="{FF2B5EF4-FFF2-40B4-BE49-F238E27FC236}">
-                <a16:creationId xmlns="" xmlns:a16="http://schemas.microsoft.com/office/drawing/2014/main" id="{3C43AEE1-28CA-46D2-81F5-CD34E4F9E583}"/>
+                <a16:creationId xmlns:a16="http://schemas.microsoft.com/office/drawing/2014/main" xmlns="" id="{3C43AEE1-28CA-46D2-81F5-CD34E4F9E583}"/>
               </a:ext>
             </a:extLst>
           </p:cNvPr>
@@ -426,7 +426,7 @@
           <p:cNvPr id="3" name="세로 텍스트 개체 틀 2">
             <a:extLst>
               <a:ext uri="{FF2B5EF4-FFF2-40B4-BE49-F238E27FC236}">
-                <a16:creationId xmlns="" xmlns:a16="http://schemas.microsoft.com/office/drawing/2014/main" id="{C738FEC2-4BF0-4A45-9297-EE9B2E45E5CC}"/>
+                <a16:creationId xmlns:a16="http://schemas.microsoft.com/office/drawing/2014/main" xmlns="" id="{C738FEC2-4BF0-4A45-9297-EE9B2E45E5CC}"/>
               </a:ext>
             </a:extLst>
           </p:cNvPr>
@@ -483,7 +483,7 @@
           <p:cNvPr id="4" name="날짜 개체 틀 3">
             <a:extLst>
               <a:ext uri="{FF2B5EF4-FFF2-40B4-BE49-F238E27FC236}">
-                <a16:creationId xmlns="" xmlns:a16="http://schemas.microsoft.com/office/drawing/2014/main" id="{2BEDBAD0-D342-4544-94B8-122B3BDBF705}"/>
+                <a16:creationId xmlns:a16="http://schemas.microsoft.com/office/drawing/2014/main" xmlns="" id="{2BEDBAD0-D342-4544-94B8-122B3BDBF705}"/>
               </a:ext>
             </a:extLst>
           </p:cNvPr>
@@ -525,7 +525,7 @@
           <p:cNvPr id="5" name="바닥글 개체 틀 4">
             <a:extLst>
               <a:ext uri="{FF2B5EF4-FFF2-40B4-BE49-F238E27FC236}">
-                <a16:creationId xmlns="" xmlns:a16="http://schemas.microsoft.com/office/drawing/2014/main" id="{1D70FE0D-ACBA-4806-9F35-4EB786E865FE}"/>
+                <a16:creationId xmlns:a16="http://schemas.microsoft.com/office/drawing/2014/main" xmlns="" id="{1D70FE0D-ACBA-4806-9F35-4EB786E865FE}"/>
               </a:ext>
             </a:extLst>
           </p:cNvPr>
@@ -556,7 +556,7 @@
           <p:cNvPr id="6" name="슬라이드 번호 개체 틀 5">
             <a:extLst>
               <a:ext uri="{FF2B5EF4-FFF2-40B4-BE49-F238E27FC236}">
-                <a16:creationId xmlns="" xmlns:a16="http://schemas.microsoft.com/office/drawing/2014/main" id="{A7F3119A-4AE1-408F-B8AD-4428B0060B24}"/>
+                <a16:creationId xmlns:a16="http://schemas.microsoft.com/office/drawing/2014/main" xmlns="" id="{A7F3119A-4AE1-408F-B8AD-4428B0060B24}"/>
               </a:ext>
             </a:extLst>
           </p:cNvPr>
@@ -628,7 +628,7 @@
           <p:cNvPr id="2" name="세로 제목 1">
             <a:extLst>
               <a:ext uri="{FF2B5EF4-FFF2-40B4-BE49-F238E27FC236}">
-                <a16:creationId xmlns="" xmlns:a16="http://schemas.microsoft.com/office/drawing/2014/main" id="{F0B3D2AB-E650-41C2-B6FB-5398A5C19680}"/>
+                <a16:creationId xmlns:a16="http://schemas.microsoft.com/office/drawing/2014/main" xmlns="" id="{F0B3D2AB-E650-41C2-B6FB-5398A5C19680}"/>
               </a:ext>
             </a:extLst>
           </p:cNvPr>
@@ -661,7 +661,7 @@
           <p:cNvPr id="3" name="세로 텍스트 개체 틀 2">
             <a:extLst>
               <a:ext uri="{FF2B5EF4-FFF2-40B4-BE49-F238E27FC236}">
-                <a16:creationId xmlns="" xmlns:a16="http://schemas.microsoft.com/office/drawing/2014/main" id="{992D6516-8F93-4221-97F7-E01D89EE517D}"/>
+                <a16:creationId xmlns:a16="http://schemas.microsoft.com/office/drawing/2014/main" xmlns="" id="{992D6516-8F93-4221-97F7-E01D89EE517D}"/>
               </a:ext>
             </a:extLst>
           </p:cNvPr>
@@ -723,7 +723,7 @@
           <p:cNvPr id="4" name="날짜 개체 틀 3">
             <a:extLst>
               <a:ext uri="{FF2B5EF4-FFF2-40B4-BE49-F238E27FC236}">
-                <a16:creationId xmlns="" xmlns:a16="http://schemas.microsoft.com/office/drawing/2014/main" id="{8D86CB26-A349-496A-B48B-A7B891172236}"/>
+                <a16:creationId xmlns:a16="http://schemas.microsoft.com/office/drawing/2014/main" xmlns="" id="{8D86CB26-A349-496A-B48B-A7B891172236}"/>
               </a:ext>
             </a:extLst>
           </p:cNvPr>
@@ -765,7 +765,7 @@
           <p:cNvPr id="5" name="바닥글 개체 틀 4">
             <a:extLst>
               <a:ext uri="{FF2B5EF4-FFF2-40B4-BE49-F238E27FC236}">
-                <a16:creationId xmlns="" xmlns:a16="http://schemas.microsoft.com/office/drawing/2014/main" id="{C2E726FD-A739-41D5-96BA-4670363928CF}"/>
+                <a16:creationId xmlns:a16="http://schemas.microsoft.com/office/drawing/2014/main" xmlns="" id="{C2E726FD-A739-41D5-96BA-4670363928CF}"/>
               </a:ext>
             </a:extLst>
           </p:cNvPr>
@@ -796,7 +796,7 @@
           <p:cNvPr id="6" name="슬라이드 번호 개체 틀 5">
             <a:extLst>
               <a:ext uri="{FF2B5EF4-FFF2-40B4-BE49-F238E27FC236}">
-                <a16:creationId xmlns="" xmlns:a16="http://schemas.microsoft.com/office/drawing/2014/main" id="{60FAE18D-FED5-4070-8B76-811D76CCECC9}"/>
+                <a16:creationId xmlns:a16="http://schemas.microsoft.com/office/drawing/2014/main" xmlns="" id="{60FAE18D-FED5-4070-8B76-811D76CCECC9}"/>
               </a:ext>
             </a:extLst>
           </p:cNvPr>
@@ -868,7 +868,7 @@
           <p:cNvPr id="2" name="제목 1">
             <a:extLst>
               <a:ext uri="{FF2B5EF4-FFF2-40B4-BE49-F238E27FC236}">
-                <a16:creationId xmlns="" xmlns:a16="http://schemas.microsoft.com/office/drawing/2014/main" id="{5CC6958D-28E5-4CC8-8C48-52A02A1BC426}"/>
+                <a16:creationId xmlns:a16="http://schemas.microsoft.com/office/drawing/2014/main" xmlns="" id="{5CC6958D-28E5-4CC8-8C48-52A02A1BC426}"/>
               </a:ext>
             </a:extLst>
           </p:cNvPr>
@@ -896,7 +896,7 @@
           <p:cNvPr id="3" name="내용 개체 틀 2">
             <a:extLst>
               <a:ext uri="{FF2B5EF4-FFF2-40B4-BE49-F238E27FC236}">
-                <a16:creationId xmlns="" xmlns:a16="http://schemas.microsoft.com/office/drawing/2014/main" id="{E8E03031-827B-4AC7-B564-384C16177476}"/>
+                <a16:creationId xmlns:a16="http://schemas.microsoft.com/office/drawing/2014/main" xmlns="" id="{E8E03031-827B-4AC7-B564-384C16177476}"/>
               </a:ext>
             </a:extLst>
           </p:cNvPr>
@@ -953,7 +953,7 @@
           <p:cNvPr id="4" name="날짜 개체 틀 3">
             <a:extLst>
               <a:ext uri="{FF2B5EF4-FFF2-40B4-BE49-F238E27FC236}">
-                <a16:creationId xmlns="" xmlns:a16="http://schemas.microsoft.com/office/drawing/2014/main" id="{11C19838-69C9-49EB-9B51-549106E9B8DE}"/>
+                <a16:creationId xmlns:a16="http://schemas.microsoft.com/office/drawing/2014/main" xmlns="" id="{11C19838-69C9-49EB-9B51-549106E9B8DE}"/>
               </a:ext>
             </a:extLst>
           </p:cNvPr>
@@ -995,7 +995,7 @@
           <p:cNvPr id="5" name="바닥글 개체 틀 4">
             <a:extLst>
               <a:ext uri="{FF2B5EF4-FFF2-40B4-BE49-F238E27FC236}">
-                <a16:creationId xmlns="" xmlns:a16="http://schemas.microsoft.com/office/drawing/2014/main" id="{3C26852C-90C9-4502-A697-363CF824CFD0}"/>
+                <a16:creationId xmlns:a16="http://schemas.microsoft.com/office/drawing/2014/main" xmlns="" id="{3C26852C-90C9-4502-A697-363CF824CFD0}"/>
               </a:ext>
             </a:extLst>
           </p:cNvPr>
@@ -1026,7 +1026,7 @@
           <p:cNvPr id="6" name="슬라이드 번호 개체 틀 5">
             <a:extLst>
               <a:ext uri="{FF2B5EF4-FFF2-40B4-BE49-F238E27FC236}">
-                <a16:creationId xmlns="" xmlns:a16="http://schemas.microsoft.com/office/drawing/2014/main" id="{DF7509D0-CCBD-406A-9D4E-6845657BBAED}"/>
+                <a16:creationId xmlns:a16="http://schemas.microsoft.com/office/drawing/2014/main" xmlns="" id="{DF7509D0-CCBD-406A-9D4E-6845657BBAED}"/>
               </a:ext>
             </a:extLst>
           </p:cNvPr>
@@ -1098,7 +1098,7 @@
           <p:cNvPr id="2" name="제목 1">
             <a:extLst>
               <a:ext uri="{FF2B5EF4-FFF2-40B4-BE49-F238E27FC236}">
-                <a16:creationId xmlns="" xmlns:a16="http://schemas.microsoft.com/office/drawing/2014/main" id="{6CEF73EF-188B-4B17-B08F-D30E80C308D0}"/>
+                <a16:creationId xmlns:a16="http://schemas.microsoft.com/office/drawing/2014/main" xmlns="" id="{6CEF73EF-188B-4B17-B08F-D30E80C308D0}"/>
               </a:ext>
             </a:extLst>
           </p:cNvPr>
@@ -1135,7 +1135,7 @@
           <p:cNvPr id="3" name="텍스트 개체 틀 2">
             <a:extLst>
               <a:ext uri="{FF2B5EF4-FFF2-40B4-BE49-F238E27FC236}">
-                <a16:creationId xmlns="" xmlns:a16="http://schemas.microsoft.com/office/drawing/2014/main" id="{DD7DD2CA-F9BF-47A8-9D27-757556FD1CEE}"/>
+                <a16:creationId xmlns:a16="http://schemas.microsoft.com/office/drawing/2014/main" xmlns="" id="{DD7DD2CA-F9BF-47A8-9D27-757556FD1CEE}"/>
               </a:ext>
             </a:extLst>
           </p:cNvPr>
@@ -1260,7 +1260,7 @@
           <p:cNvPr id="4" name="날짜 개체 틀 3">
             <a:extLst>
               <a:ext uri="{FF2B5EF4-FFF2-40B4-BE49-F238E27FC236}">
-                <a16:creationId xmlns="" xmlns:a16="http://schemas.microsoft.com/office/drawing/2014/main" id="{DE78A1FB-ABBF-480D-AC6C-9BB1AEF9789B}"/>
+                <a16:creationId xmlns:a16="http://schemas.microsoft.com/office/drawing/2014/main" xmlns="" id="{DE78A1FB-ABBF-480D-AC6C-9BB1AEF9789B}"/>
               </a:ext>
             </a:extLst>
           </p:cNvPr>
@@ -1302,7 +1302,7 @@
           <p:cNvPr id="5" name="바닥글 개체 틀 4">
             <a:extLst>
               <a:ext uri="{FF2B5EF4-FFF2-40B4-BE49-F238E27FC236}">
-                <a16:creationId xmlns="" xmlns:a16="http://schemas.microsoft.com/office/drawing/2014/main" id="{6384247E-1D11-4A19-BDDF-E157A205B45F}"/>
+                <a16:creationId xmlns:a16="http://schemas.microsoft.com/office/drawing/2014/main" xmlns="" id="{6384247E-1D11-4A19-BDDF-E157A205B45F}"/>
               </a:ext>
             </a:extLst>
           </p:cNvPr>
@@ -1333,7 +1333,7 @@
           <p:cNvPr id="6" name="슬라이드 번호 개체 틀 5">
             <a:extLst>
               <a:ext uri="{FF2B5EF4-FFF2-40B4-BE49-F238E27FC236}">
-                <a16:creationId xmlns="" xmlns:a16="http://schemas.microsoft.com/office/drawing/2014/main" id="{124EC815-B6FC-4BDE-910C-F8015ED4AD75}"/>
+                <a16:creationId xmlns:a16="http://schemas.microsoft.com/office/drawing/2014/main" xmlns="" id="{124EC815-B6FC-4BDE-910C-F8015ED4AD75}"/>
               </a:ext>
             </a:extLst>
           </p:cNvPr>
@@ -1405,7 +1405,7 @@
           <p:cNvPr id="2" name="제목 1">
             <a:extLst>
               <a:ext uri="{FF2B5EF4-FFF2-40B4-BE49-F238E27FC236}">
-                <a16:creationId xmlns="" xmlns:a16="http://schemas.microsoft.com/office/drawing/2014/main" id="{B4DAEB91-29AA-4ACC-BDCF-960470FCA5A1}"/>
+                <a16:creationId xmlns:a16="http://schemas.microsoft.com/office/drawing/2014/main" xmlns="" id="{B4DAEB91-29AA-4ACC-BDCF-960470FCA5A1}"/>
               </a:ext>
             </a:extLst>
           </p:cNvPr>
@@ -1433,7 +1433,7 @@
           <p:cNvPr id="3" name="내용 개체 틀 2">
             <a:extLst>
               <a:ext uri="{FF2B5EF4-FFF2-40B4-BE49-F238E27FC236}">
-                <a16:creationId xmlns="" xmlns:a16="http://schemas.microsoft.com/office/drawing/2014/main" id="{256B0E51-7DC0-45B6-8306-D8167F5CB7C8}"/>
+                <a16:creationId xmlns:a16="http://schemas.microsoft.com/office/drawing/2014/main" xmlns="" id="{256B0E51-7DC0-45B6-8306-D8167F5CB7C8}"/>
               </a:ext>
             </a:extLst>
           </p:cNvPr>
@@ -1495,7 +1495,7 @@
           <p:cNvPr id="4" name="내용 개체 틀 3">
             <a:extLst>
               <a:ext uri="{FF2B5EF4-FFF2-40B4-BE49-F238E27FC236}">
-                <a16:creationId xmlns="" xmlns:a16="http://schemas.microsoft.com/office/drawing/2014/main" id="{F7CB78CC-8798-4261-B4B1-60B4C54377A7}"/>
+                <a16:creationId xmlns:a16="http://schemas.microsoft.com/office/drawing/2014/main" xmlns="" id="{F7CB78CC-8798-4261-B4B1-60B4C54377A7}"/>
               </a:ext>
             </a:extLst>
           </p:cNvPr>
@@ -1557,7 +1557,7 @@
           <p:cNvPr id="5" name="날짜 개체 틀 4">
             <a:extLst>
               <a:ext uri="{FF2B5EF4-FFF2-40B4-BE49-F238E27FC236}">
-                <a16:creationId xmlns="" xmlns:a16="http://schemas.microsoft.com/office/drawing/2014/main" id="{79594384-5734-4FC8-928A-E1641354A126}"/>
+                <a16:creationId xmlns:a16="http://schemas.microsoft.com/office/drawing/2014/main" xmlns="" id="{79594384-5734-4FC8-928A-E1641354A126}"/>
               </a:ext>
             </a:extLst>
           </p:cNvPr>
@@ -1599,7 +1599,7 @@
           <p:cNvPr id="6" name="바닥글 개체 틀 5">
             <a:extLst>
               <a:ext uri="{FF2B5EF4-FFF2-40B4-BE49-F238E27FC236}">
-                <a16:creationId xmlns="" xmlns:a16="http://schemas.microsoft.com/office/drawing/2014/main" id="{282301C0-6908-48C0-8957-C8B3F4594C5A}"/>
+                <a16:creationId xmlns:a16="http://schemas.microsoft.com/office/drawing/2014/main" xmlns="" id="{282301C0-6908-48C0-8957-C8B3F4594C5A}"/>
               </a:ext>
             </a:extLst>
           </p:cNvPr>
@@ -1630,7 +1630,7 @@
           <p:cNvPr id="7" name="슬라이드 번호 개체 틀 6">
             <a:extLst>
               <a:ext uri="{FF2B5EF4-FFF2-40B4-BE49-F238E27FC236}">
-                <a16:creationId xmlns="" xmlns:a16="http://schemas.microsoft.com/office/drawing/2014/main" id="{507DD8FE-7741-412F-947D-7A7079F48607}"/>
+                <a16:creationId xmlns:a16="http://schemas.microsoft.com/office/drawing/2014/main" xmlns="" id="{507DD8FE-7741-412F-947D-7A7079F48607}"/>
               </a:ext>
             </a:extLst>
           </p:cNvPr>
@@ -1702,7 +1702,7 @@
           <p:cNvPr id="2" name="제목 1">
             <a:extLst>
               <a:ext uri="{FF2B5EF4-FFF2-40B4-BE49-F238E27FC236}">
-                <a16:creationId xmlns="" xmlns:a16="http://schemas.microsoft.com/office/drawing/2014/main" id="{BBD6DFD1-B640-4CC6-A759-6C7981C5CD61}"/>
+                <a16:creationId xmlns:a16="http://schemas.microsoft.com/office/drawing/2014/main" xmlns="" id="{BBD6DFD1-B640-4CC6-A759-6C7981C5CD61}"/>
               </a:ext>
             </a:extLst>
           </p:cNvPr>
@@ -1735,7 +1735,7 @@
           <p:cNvPr id="3" name="텍스트 개체 틀 2">
             <a:extLst>
               <a:ext uri="{FF2B5EF4-FFF2-40B4-BE49-F238E27FC236}">
-                <a16:creationId xmlns="" xmlns:a16="http://schemas.microsoft.com/office/drawing/2014/main" id="{25B2A237-7572-46BD-9502-829F6C0AD4F8}"/>
+                <a16:creationId xmlns:a16="http://schemas.microsoft.com/office/drawing/2014/main" xmlns="" id="{25B2A237-7572-46BD-9502-829F6C0AD4F8}"/>
               </a:ext>
             </a:extLst>
           </p:cNvPr>
@@ -1806,7 +1806,7 @@
           <p:cNvPr id="4" name="내용 개체 틀 3">
             <a:extLst>
               <a:ext uri="{FF2B5EF4-FFF2-40B4-BE49-F238E27FC236}">
-                <a16:creationId xmlns="" xmlns:a16="http://schemas.microsoft.com/office/drawing/2014/main" id="{81AE9732-B570-4506-BDA6-0AB39D453684}"/>
+                <a16:creationId xmlns:a16="http://schemas.microsoft.com/office/drawing/2014/main" xmlns="" id="{81AE9732-B570-4506-BDA6-0AB39D453684}"/>
               </a:ext>
             </a:extLst>
           </p:cNvPr>
@@ -1868,7 +1868,7 @@
           <p:cNvPr id="5" name="텍스트 개체 틀 4">
             <a:extLst>
               <a:ext uri="{FF2B5EF4-FFF2-40B4-BE49-F238E27FC236}">
-                <a16:creationId xmlns="" xmlns:a16="http://schemas.microsoft.com/office/drawing/2014/main" id="{A289407D-7DA6-4293-A426-38DF9B21160E}"/>
+                <a16:creationId xmlns:a16="http://schemas.microsoft.com/office/drawing/2014/main" xmlns="" id="{A289407D-7DA6-4293-A426-38DF9B21160E}"/>
               </a:ext>
             </a:extLst>
           </p:cNvPr>
@@ -1939,7 +1939,7 @@
           <p:cNvPr id="6" name="내용 개체 틀 5">
             <a:extLst>
               <a:ext uri="{FF2B5EF4-FFF2-40B4-BE49-F238E27FC236}">
-                <a16:creationId xmlns="" xmlns:a16="http://schemas.microsoft.com/office/drawing/2014/main" id="{F239549F-370A-4671-B1BB-79655CC6CB8C}"/>
+                <a16:creationId xmlns:a16="http://schemas.microsoft.com/office/drawing/2014/main" xmlns="" id="{F239549F-370A-4671-B1BB-79655CC6CB8C}"/>
               </a:ext>
             </a:extLst>
           </p:cNvPr>
@@ -2001,7 +2001,7 @@
           <p:cNvPr id="7" name="날짜 개체 틀 6">
             <a:extLst>
               <a:ext uri="{FF2B5EF4-FFF2-40B4-BE49-F238E27FC236}">
-                <a16:creationId xmlns="" xmlns:a16="http://schemas.microsoft.com/office/drawing/2014/main" id="{A86D9E62-97AA-41F8-B69B-6CD691CF0E2A}"/>
+                <a16:creationId xmlns:a16="http://schemas.microsoft.com/office/drawing/2014/main" xmlns="" id="{A86D9E62-97AA-41F8-B69B-6CD691CF0E2A}"/>
               </a:ext>
             </a:extLst>
           </p:cNvPr>
@@ -2043,7 +2043,7 @@
           <p:cNvPr id="8" name="바닥글 개체 틀 7">
             <a:extLst>
               <a:ext uri="{FF2B5EF4-FFF2-40B4-BE49-F238E27FC236}">
-                <a16:creationId xmlns="" xmlns:a16="http://schemas.microsoft.com/office/drawing/2014/main" id="{F41D3FC0-561B-4DE4-AA99-9DB56EC6B344}"/>
+                <a16:creationId xmlns:a16="http://schemas.microsoft.com/office/drawing/2014/main" xmlns="" id="{F41D3FC0-561B-4DE4-AA99-9DB56EC6B344}"/>
               </a:ext>
             </a:extLst>
           </p:cNvPr>
@@ -2074,7 +2074,7 @@
           <p:cNvPr id="9" name="슬라이드 번호 개체 틀 8">
             <a:extLst>
               <a:ext uri="{FF2B5EF4-FFF2-40B4-BE49-F238E27FC236}">
-                <a16:creationId xmlns="" xmlns:a16="http://schemas.microsoft.com/office/drawing/2014/main" id="{AD0040F2-99C5-450C-9966-5D00290EBF69}"/>
+                <a16:creationId xmlns:a16="http://schemas.microsoft.com/office/drawing/2014/main" xmlns="" id="{AD0040F2-99C5-450C-9966-5D00290EBF69}"/>
               </a:ext>
             </a:extLst>
           </p:cNvPr>
@@ -2146,7 +2146,7 @@
           <p:cNvPr id="2" name="제목 1">
             <a:extLst>
               <a:ext uri="{FF2B5EF4-FFF2-40B4-BE49-F238E27FC236}">
-                <a16:creationId xmlns="" xmlns:a16="http://schemas.microsoft.com/office/drawing/2014/main" id="{C6E337C1-8281-4F6E-9A31-EBE388C3C82F}"/>
+                <a16:creationId xmlns:a16="http://schemas.microsoft.com/office/drawing/2014/main" xmlns="" id="{C6E337C1-8281-4F6E-9A31-EBE388C3C82F}"/>
               </a:ext>
             </a:extLst>
           </p:cNvPr>
@@ -2174,7 +2174,7 @@
           <p:cNvPr id="3" name="날짜 개체 틀 2">
             <a:extLst>
               <a:ext uri="{FF2B5EF4-FFF2-40B4-BE49-F238E27FC236}">
-                <a16:creationId xmlns="" xmlns:a16="http://schemas.microsoft.com/office/drawing/2014/main" id="{00EA4B32-9135-4223-8DE6-887D2743405B}"/>
+                <a16:creationId xmlns:a16="http://schemas.microsoft.com/office/drawing/2014/main" xmlns="" id="{00EA4B32-9135-4223-8DE6-887D2743405B}"/>
               </a:ext>
             </a:extLst>
           </p:cNvPr>
@@ -2216,7 +2216,7 @@
           <p:cNvPr id="4" name="바닥글 개체 틀 3">
             <a:extLst>
               <a:ext uri="{FF2B5EF4-FFF2-40B4-BE49-F238E27FC236}">
-                <a16:creationId xmlns="" xmlns:a16="http://schemas.microsoft.com/office/drawing/2014/main" id="{9407FC83-8D70-48DB-8681-08CFD9C0DA58}"/>
+                <a16:creationId xmlns:a16="http://schemas.microsoft.com/office/drawing/2014/main" xmlns="" id="{9407FC83-8D70-48DB-8681-08CFD9C0DA58}"/>
               </a:ext>
             </a:extLst>
           </p:cNvPr>
@@ -2247,7 +2247,7 @@
           <p:cNvPr id="5" name="슬라이드 번호 개체 틀 4">
             <a:extLst>
               <a:ext uri="{FF2B5EF4-FFF2-40B4-BE49-F238E27FC236}">
-                <a16:creationId xmlns="" xmlns:a16="http://schemas.microsoft.com/office/drawing/2014/main" id="{A8FC15EC-BCCB-4B82-A94C-FABC63DF674F}"/>
+                <a16:creationId xmlns:a16="http://schemas.microsoft.com/office/drawing/2014/main" xmlns="" id="{A8FC15EC-BCCB-4B82-A94C-FABC63DF674F}"/>
               </a:ext>
             </a:extLst>
           </p:cNvPr>
@@ -2319,7 +2319,7 @@
           <p:cNvPr id="2" name="날짜 개체 틀 1">
             <a:extLst>
               <a:ext uri="{FF2B5EF4-FFF2-40B4-BE49-F238E27FC236}">
-                <a16:creationId xmlns="" xmlns:a16="http://schemas.microsoft.com/office/drawing/2014/main" id="{2B9F9692-5462-4439-80C8-B7E337FC9AC3}"/>
+                <a16:creationId xmlns:a16="http://schemas.microsoft.com/office/drawing/2014/main" xmlns="" id="{2B9F9692-5462-4439-80C8-B7E337FC9AC3}"/>
               </a:ext>
             </a:extLst>
           </p:cNvPr>
@@ -2361,7 +2361,7 @@
           <p:cNvPr id="3" name="바닥글 개체 틀 2">
             <a:extLst>
               <a:ext uri="{FF2B5EF4-FFF2-40B4-BE49-F238E27FC236}">
-                <a16:creationId xmlns="" xmlns:a16="http://schemas.microsoft.com/office/drawing/2014/main" id="{94CA042D-EBC0-437C-A819-521611A545F2}"/>
+                <a16:creationId xmlns:a16="http://schemas.microsoft.com/office/drawing/2014/main" xmlns="" id="{94CA042D-EBC0-437C-A819-521611A545F2}"/>
               </a:ext>
             </a:extLst>
           </p:cNvPr>
@@ -2392,7 +2392,7 @@
           <p:cNvPr id="4" name="슬라이드 번호 개체 틀 3">
             <a:extLst>
               <a:ext uri="{FF2B5EF4-FFF2-40B4-BE49-F238E27FC236}">
-                <a16:creationId xmlns="" xmlns:a16="http://schemas.microsoft.com/office/drawing/2014/main" id="{A2415CDA-0D1F-49BD-8381-21C3BEFD5A98}"/>
+                <a16:creationId xmlns:a16="http://schemas.microsoft.com/office/drawing/2014/main" xmlns="" id="{A2415CDA-0D1F-49BD-8381-21C3BEFD5A98}"/>
               </a:ext>
             </a:extLst>
           </p:cNvPr>
@@ -2464,7 +2464,7 @@
           <p:cNvPr id="2" name="제목 1">
             <a:extLst>
               <a:ext uri="{FF2B5EF4-FFF2-40B4-BE49-F238E27FC236}">
-                <a16:creationId xmlns="" xmlns:a16="http://schemas.microsoft.com/office/drawing/2014/main" id="{2A6F10D4-8D29-48C2-ADF0-92316E2C8E4E}"/>
+                <a16:creationId xmlns:a16="http://schemas.microsoft.com/office/drawing/2014/main" xmlns="" id="{2A6F10D4-8D29-48C2-ADF0-92316E2C8E4E}"/>
               </a:ext>
             </a:extLst>
           </p:cNvPr>
@@ -2501,7 +2501,7 @@
           <p:cNvPr id="3" name="내용 개체 틀 2">
             <a:extLst>
               <a:ext uri="{FF2B5EF4-FFF2-40B4-BE49-F238E27FC236}">
-                <a16:creationId xmlns="" xmlns:a16="http://schemas.microsoft.com/office/drawing/2014/main" id="{BBBA3CD3-DE79-4260-873A-FEDE5C678F80}"/>
+                <a16:creationId xmlns:a16="http://schemas.microsoft.com/office/drawing/2014/main" xmlns="" id="{BBBA3CD3-DE79-4260-873A-FEDE5C678F80}"/>
               </a:ext>
             </a:extLst>
           </p:cNvPr>
@@ -2591,7 +2591,7 @@
           <p:cNvPr id="4" name="텍스트 개체 틀 3">
             <a:extLst>
               <a:ext uri="{FF2B5EF4-FFF2-40B4-BE49-F238E27FC236}">
-                <a16:creationId xmlns="" xmlns:a16="http://schemas.microsoft.com/office/drawing/2014/main" id="{319C6BD2-52A1-4155-9D55-1D847772EA8C}"/>
+                <a16:creationId xmlns:a16="http://schemas.microsoft.com/office/drawing/2014/main" xmlns="" id="{319C6BD2-52A1-4155-9D55-1D847772EA8C}"/>
               </a:ext>
             </a:extLst>
           </p:cNvPr>
@@ -2662,7 +2662,7 @@
           <p:cNvPr id="5" name="날짜 개체 틀 4">
             <a:extLst>
               <a:ext uri="{FF2B5EF4-FFF2-40B4-BE49-F238E27FC236}">
-                <a16:creationId xmlns="" xmlns:a16="http://schemas.microsoft.com/office/drawing/2014/main" id="{982A3511-0B13-4D97-937C-07365FBADAEA}"/>
+                <a16:creationId xmlns:a16="http://schemas.microsoft.com/office/drawing/2014/main" xmlns="" id="{982A3511-0B13-4D97-937C-07365FBADAEA}"/>
               </a:ext>
             </a:extLst>
           </p:cNvPr>
@@ -2704,7 +2704,7 @@
           <p:cNvPr id="6" name="바닥글 개체 틀 5">
             <a:extLst>
               <a:ext uri="{FF2B5EF4-FFF2-40B4-BE49-F238E27FC236}">
-                <a16:creationId xmlns="" xmlns:a16="http://schemas.microsoft.com/office/drawing/2014/main" id="{54C805B4-20AF-4A3C-B131-E1D9FFBB024D}"/>
+                <a16:creationId xmlns:a16="http://schemas.microsoft.com/office/drawing/2014/main" xmlns="" id="{54C805B4-20AF-4A3C-B131-E1D9FFBB024D}"/>
               </a:ext>
             </a:extLst>
           </p:cNvPr>
@@ -2735,7 +2735,7 @@
           <p:cNvPr id="7" name="슬라이드 번호 개체 틀 6">
             <a:extLst>
               <a:ext uri="{FF2B5EF4-FFF2-40B4-BE49-F238E27FC236}">
-                <a16:creationId xmlns="" xmlns:a16="http://schemas.microsoft.com/office/drawing/2014/main" id="{89C705FC-2895-472A-B6FD-C2434624BB3B}"/>
+                <a16:creationId xmlns:a16="http://schemas.microsoft.com/office/drawing/2014/main" xmlns="" id="{89C705FC-2895-472A-B6FD-C2434624BB3B}"/>
               </a:ext>
             </a:extLst>
           </p:cNvPr>
@@ -2807,7 +2807,7 @@
           <p:cNvPr id="2" name="제목 1">
             <a:extLst>
               <a:ext uri="{FF2B5EF4-FFF2-40B4-BE49-F238E27FC236}">
-                <a16:creationId xmlns="" xmlns:a16="http://schemas.microsoft.com/office/drawing/2014/main" id="{4C00D820-915B-4802-8C2E-FF7CA967E012}"/>
+                <a16:creationId xmlns:a16="http://schemas.microsoft.com/office/drawing/2014/main" xmlns="" id="{4C00D820-915B-4802-8C2E-FF7CA967E012}"/>
               </a:ext>
             </a:extLst>
           </p:cNvPr>
@@ -2844,7 +2844,7 @@
           <p:cNvPr id="3" name="그림 개체 틀 2">
             <a:extLst>
               <a:ext uri="{FF2B5EF4-FFF2-40B4-BE49-F238E27FC236}">
-                <a16:creationId xmlns="" xmlns:a16="http://schemas.microsoft.com/office/drawing/2014/main" id="{10CF9849-20D0-417A-99C8-099DF39939AC}"/>
+                <a16:creationId xmlns:a16="http://schemas.microsoft.com/office/drawing/2014/main" xmlns="" id="{10CF9849-20D0-417A-99C8-099DF39939AC}"/>
               </a:ext>
             </a:extLst>
           </p:cNvPr>
@@ -2911,7 +2911,7 @@
           <p:cNvPr id="4" name="텍스트 개체 틀 3">
             <a:extLst>
               <a:ext uri="{FF2B5EF4-FFF2-40B4-BE49-F238E27FC236}">
-                <a16:creationId xmlns="" xmlns:a16="http://schemas.microsoft.com/office/drawing/2014/main" id="{144A7754-54E7-4123-8C5E-1B05B517B5D4}"/>
+                <a16:creationId xmlns:a16="http://schemas.microsoft.com/office/drawing/2014/main" xmlns="" id="{144A7754-54E7-4123-8C5E-1B05B517B5D4}"/>
               </a:ext>
             </a:extLst>
           </p:cNvPr>
@@ -2982,7 +2982,7 @@
           <p:cNvPr id="5" name="날짜 개체 틀 4">
             <a:extLst>
               <a:ext uri="{FF2B5EF4-FFF2-40B4-BE49-F238E27FC236}">
-                <a16:creationId xmlns="" xmlns:a16="http://schemas.microsoft.com/office/drawing/2014/main" id="{3AFFF3F1-9632-4E06-BAB7-312343416AE9}"/>
+                <a16:creationId xmlns:a16="http://schemas.microsoft.com/office/drawing/2014/main" xmlns="" id="{3AFFF3F1-9632-4E06-BAB7-312343416AE9}"/>
               </a:ext>
             </a:extLst>
           </p:cNvPr>
@@ -3024,7 +3024,7 @@
           <p:cNvPr id="6" name="바닥글 개체 틀 5">
             <a:extLst>
               <a:ext uri="{FF2B5EF4-FFF2-40B4-BE49-F238E27FC236}">
-                <a16:creationId xmlns="" xmlns:a16="http://schemas.microsoft.com/office/drawing/2014/main" id="{5F23D6B1-934F-4B4D-9E4F-5AE9E873CB6E}"/>
+                <a16:creationId xmlns:a16="http://schemas.microsoft.com/office/drawing/2014/main" xmlns="" id="{5F23D6B1-934F-4B4D-9E4F-5AE9E873CB6E}"/>
               </a:ext>
             </a:extLst>
           </p:cNvPr>
@@ -3055,7 +3055,7 @@
           <p:cNvPr id="7" name="슬라이드 번호 개체 틀 6">
             <a:extLst>
               <a:ext uri="{FF2B5EF4-FFF2-40B4-BE49-F238E27FC236}">
-                <a16:creationId xmlns="" xmlns:a16="http://schemas.microsoft.com/office/drawing/2014/main" id="{B157FDD5-2092-4E16-8E7C-1CCA4719CF8A}"/>
+                <a16:creationId xmlns:a16="http://schemas.microsoft.com/office/drawing/2014/main" xmlns="" id="{B157FDD5-2092-4E16-8E7C-1CCA4719CF8A}"/>
               </a:ext>
             </a:extLst>
           </p:cNvPr>
@@ -3132,7 +3132,7 @@
           <p:cNvPr id="2" name="제목 개체 틀 1">
             <a:extLst>
               <a:ext uri="{FF2B5EF4-FFF2-40B4-BE49-F238E27FC236}">
-                <a16:creationId xmlns="" xmlns:a16="http://schemas.microsoft.com/office/drawing/2014/main" id="{84C8B562-0886-4274-876D-59EFAAAE2F3B}"/>
+                <a16:creationId xmlns:a16="http://schemas.microsoft.com/office/drawing/2014/main" xmlns="" id="{84C8B562-0886-4274-876D-59EFAAAE2F3B}"/>
               </a:ext>
             </a:extLst>
           </p:cNvPr>
@@ -3170,7 +3170,7 @@
           <p:cNvPr id="3" name="텍스트 개체 틀 2">
             <a:extLst>
               <a:ext uri="{FF2B5EF4-FFF2-40B4-BE49-F238E27FC236}">
-                <a16:creationId xmlns="" xmlns:a16="http://schemas.microsoft.com/office/drawing/2014/main" id="{61799B9E-1CD2-4A09-9ACC-2FA1C62D7AF6}"/>
+                <a16:creationId xmlns:a16="http://schemas.microsoft.com/office/drawing/2014/main" xmlns="" id="{61799B9E-1CD2-4A09-9ACC-2FA1C62D7AF6}"/>
               </a:ext>
             </a:extLst>
           </p:cNvPr>
@@ -3237,7 +3237,7 @@
           <p:cNvPr id="4" name="날짜 개체 틀 3">
             <a:extLst>
               <a:ext uri="{FF2B5EF4-FFF2-40B4-BE49-F238E27FC236}">
-                <a16:creationId xmlns="" xmlns:a16="http://schemas.microsoft.com/office/drawing/2014/main" id="{42A0C5B4-9399-4A5E-8DEE-54436B1EC85C}"/>
+                <a16:creationId xmlns:a16="http://schemas.microsoft.com/office/drawing/2014/main" xmlns="" id="{42A0C5B4-9399-4A5E-8DEE-54436B1EC85C}"/>
               </a:ext>
             </a:extLst>
           </p:cNvPr>
@@ -3297,7 +3297,7 @@
           <p:cNvPr id="5" name="바닥글 개체 틀 4">
             <a:extLst>
               <a:ext uri="{FF2B5EF4-FFF2-40B4-BE49-F238E27FC236}">
-                <a16:creationId xmlns="" xmlns:a16="http://schemas.microsoft.com/office/drawing/2014/main" id="{F5B2B9FF-C0C5-4E9E-A76A-AF0745E2D88E}"/>
+                <a16:creationId xmlns:a16="http://schemas.microsoft.com/office/drawing/2014/main" xmlns="" id="{F5B2B9FF-C0C5-4E9E-A76A-AF0745E2D88E}"/>
               </a:ext>
             </a:extLst>
           </p:cNvPr>
@@ -3346,7 +3346,7 @@
           <p:cNvPr id="6" name="슬라이드 번호 개체 틀 5">
             <a:extLst>
               <a:ext uri="{FF2B5EF4-FFF2-40B4-BE49-F238E27FC236}">
-                <a16:creationId xmlns="" xmlns:a16="http://schemas.microsoft.com/office/drawing/2014/main" id="{E8992FE0-2D01-4365-9F95-1FF838BCEF3A}"/>
+                <a16:creationId xmlns:a16="http://schemas.microsoft.com/office/drawing/2014/main" xmlns="" id="{E8992FE0-2D01-4365-9F95-1FF838BCEF3A}"/>
               </a:ext>
             </a:extLst>
           </p:cNvPr>
@@ -5355,7 +5355,7 @@
           <p:cNvPr id="54" name="직사각형 53">
             <a:extLst>
               <a:ext uri="{FF2B5EF4-FFF2-40B4-BE49-F238E27FC236}">
-                <a16:creationId xmlns:a16="http://schemas.microsoft.com/office/drawing/2014/main" xmlns="" id="{3FA00699-5178-465A-9F3F-130CF1431F70}"/>
+                <a16:creationId xmlns="" xmlns:a16="http://schemas.microsoft.com/office/drawing/2014/main" id="{3FA00699-5178-465A-9F3F-130CF1431F70}"/>
               </a:ext>
             </a:extLst>
           </p:cNvPr>
@@ -6241,7 +6241,7 @@
           <p:cNvPr id="38" name="직사각형 37">
             <a:extLst>
               <a:ext uri="{FF2B5EF4-FFF2-40B4-BE49-F238E27FC236}">
-                <a16:creationId xmlns:a16="http://schemas.microsoft.com/office/drawing/2014/main" xmlns="" id="{3FA00699-5178-465A-9F3F-130CF1431F70}"/>
+                <a16:creationId xmlns="" xmlns:a16="http://schemas.microsoft.com/office/drawing/2014/main" id="{3FA00699-5178-465A-9F3F-130CF1431F70}"/>
               </a:ext>
             </a:extLst>
           </p:cNvPr>
@@ -7224,7 +7224,7 @@
           <p:cNvPr id="34" name="직사각형 33">
             <a:extLst>
               <a:ext uri="{FF2B5EF4-FFF2-40B4-BE49-F238E27FC236}">
-                <a16:creationId xmlns:a16="http://schemas.microsoft.com/office/drawing/2014/main" xmlns="" id="{3FA00699-5178-465A-9F3F-130CF1431F70}"/>
+                <a16:creationId xmlns="" xmlns:a16="http://schemas.microsoft.com/office/drawing/2014/main" id="{3FA00699-5178-465A-9F3F-130CF1431F70}"/>
               </a:ext>
             </a:extLst>
           </p:cNvPr>
@@ -8237,7 +8237,7 @@
           <p:cNvPr id="36" name="직사각형 35">
             <a:extLst>
               <a:ext uri="{FF2B5EF4-FFF2-40B4-BE49-F238E27FC236}">
-                <a16:creationId xmlns:a16="http://schemas.microsoft.com/office/drawing/2014/main" xmlns="" id="{3FA00699-5178-465A-9F3F-130CF1431F70}"/>
+                <a16:creationId xmlns="" xmlns:a16="http://schemas.microsoft.com/office/drawing/2014/main" id="{3FA00699-5178-465A-9F3F-130CF1431F70}"/>
               </a:ext>
             </a:extLst>
           </p:cNvPr>
@@ -9004,7 +9004,7 @@
           <p:cNvPr id="39" name="직사각형 38">
             <a:extLst>
               <a:ext uri="{FF2B5EF4-FFF2-40B4-BE49-F238E27FC236}">
-                <a16:creationId xmlns:a16="http://schemas.microsoft.com/office/drawing/2014/main" xmlns="" id="{3FA00699-5178-465A-9F3F-130CF1431F70}"/>
+                <a16:creationId xmlns="" xmlns:a16="http://schemas.microsoft.com/office/drawing/2014/main" id="{3FA00699-5178-465A-9F3F-130CF1431F70}"/>
               </a:ext>
             </a:extLst>
           </p:cNvPr>
@@ -9820,7 +9820,7 @@
           <p:cNvPr id="39" name="직사각형 38">
             <a:extLst>
               <a:ext uri="{FF2B5EF4-FFF2-40B4-BE49-F238E27FC236}">
-                <a16:creationId xmlns:a16="http://schemas.microsoft.com/office/drawing/2014/main" xmlns="" id="{3FA00699-5178-465A-9F3F-130CF1431F70}"/>
+                <a16:creationId xmlns="" xmlns:a16="http://schemas.microsoft.com/office/drawing/2014/main" id="{3FA00699-5178-465A-9F3F-130CF1431F70}"/>
               </a:ext>
             </a:extLst>
           </p:cNvPr>
@@ -10734,7 +10734,7 @@
           <p:cNvPr id="39" name="직사각형 38">
             <a:extLst>
               <a:ext uri="{FF2B5EF4-FFF2-40B4-BE49-F238E27FC236}">
-                <a16:creationId xmlns:a16="http://schemas.microsoft.com/office/drawing/2014/main" xmlns="" id="{3FA00699-5178-465A-9F3F-130CF1431F70}"/>
+                <a16:creationId xmlns="" xmlns:a16="http://schemas.microsoft.com/office/drawing/2014/main" id="{3FA00699-5178-465A-9F3F-130CF1431F70}"/>
               </a:ext>
             </a:extLst>
           </p:cNvPr>
@@ -11954,7 +11954,7 @@
           <p:cNvPr id="39" name="직사각형 38">
             <a:extLst>
               <a:ext uri="{FF2B5EF4-FFF2-40B4-BE49-F238E27FC236}">
-                <a16:creationId xmlns:a16="http://schemas.microsoft.com/office/drawing/2014/main" xmlns="" id="{3FA00699-5178-465A-9F3F-130CF1431F70}"/>
+                <a16:creationId xmlns="" xmlns:a16="http://schemas.microsoft.com/office/drawing/2014/main" id="{3FA00699-5178-465A-9F3F-130CF1431F70}"/>
               </a:ext>
             </a:extLst>
           </p:cNvPr>
@@ -13401,7 +13401,7 @@
           <p:cNvPr id="20" name="자유형: 도형 377">
             <a:extLst>
               <a:ext uri="{FF2B5EF4-FFF2-40B4-BE49-F238E27FC236}">
-                <a16:creationId xmlns="" xmlns:a16="http://schemas.microsoft.com/office/drawing/2014/main" id="{0B4A7219-0820-4378-B811-331B8646398F}"/>
+                <a16:creationId xmlns:a16="http://schemas.microsoft.com/office/drawing/2014/main" xmlns="" id="{0B4A7219-0820-4378-B811-331B8646398F}"/>
               </a:ext>
             </a:extLst>
           </p:cNvPr>
@@ -13546,7 +13546,7 @@
           <p:cNvPr id="21" name="자유형: 도형 378">
             <a:extLst>
               <a:ext uri="{FF2B5EF4-FFF2-40B4-BE49-F238E27FC236}">
-                <a16:creationId xmlns="" xmlns:a16="http://schemas.microsoft.com/office/drawing/2014/main" id="{AE7688D0-57FD-4391-A3C9-1EB04A54396A}"/>
+                <a16:creationId xmlns:a16="http://schemas.microsoft.com/office/drawing/2014/main" xmlns="" id="{AE7688D0-57FD-4391-A3C9-1EB04A54396A}"/>
               </a:ext>
             </a:extLst>
           </p:cNvPr>
@@ -13691,7 +13691,7 @@
           <p:cNvPr id="22" name="자유형: 도형 379">
             <a:extLst>
               <a:ext uri="{FF2B5EF4-FFF2-40B4-BE49-F238E27FC236}">
-                <a16:creationId xmlns="" xmlns:a16="http://schemas.microsoft.com/office/drawing/2014/main" id="{C4615E6A-E0F5-484B-8040-DD0DD89211FD}"/>
+                <a16:creationId xmlns:a16="http://schemas.microsoft.com/office/drawing/2014/main" xmlns="" id="{C4615E6A-E0F5-484B-8040-DD0DD89211FD}"/>
               </a:ext>
             </a:extLst>
           </p:cNvPr>
@@ -13836,7 +13836,7 @@
           <p:cNvPr id="23" name="자유형: 도형 380">
             <a:extLst>
               <a:ext uri="{FF2B5EF4-FFF2-40B4-BE49-F238E27FC236}">
-                <a16:creationId xmlns="" xmlns:a16="http://schemas.microsoft.com/office/drawing/2014/main" id="{0937B8B0-8045-4AA8-B9F4-04B7C0AFDEBB}"/>
+                <a16:creationId xmlns:a16="http://schemas.microsoft.com/office/drawing/2014/main" xmlns="" id="{0937B8B0-8045-4AA8-B9F4-04B7C0AFDEBB}"/>
               </a:ext>
             </a:extLst>
           </p:cNvPr>
@@ -13981,7 +13981,7 @@
           <p:cNvPr id="24" name="자유형: 도형 381">
             <a:extLst>
               <a:ext uri="{FF2B5EF4-FFF2-40B4-BE49-F238E27FC236}">
-                <a16:creationId xmlns="" xmlns:a16="http://schemas.microsoft.com/office/drawing/2014/main" id="{DB9ADCEC-01D9-4BB3-81EE-B1429055FB91}"/>
+                <a16:creationId xmlns:a16="http://schemas.microsoft.com/office/drawing/2014/main" xmlns="" id="{DB9ADCEC-01D9-4BB3-81EE-B1429055FB91}"/>
               </a:ext>
             </a:extLst>
           </p:cNvPr>
@@ -14126,7 +14126,7 @@
           <p:cNvPr id="25" name="자유형: 도형 382">
             <a:extLst>
               <a:ext uri="{FF2B5EF4-FFF2-40B4-BE49-F238E27FC236}">
-                <a16:creationId xmlns="" xmlns:a16="http://schemas.microsoft.com/office/drawing/2014/main" id="{DB61C11B-0EC3-4996-906C-007E57835D42}"/>
+                <a16:creationId xmlns:a16="http://schemas.microsoft.com/office/drawing/2014/main" xmlns="" id="{DB61C11B-0EC3-4996-906C-007E57835D42}"/>
               </a:ext>
             </a:extLst>
           </p:cNvPr>
@@ -14271,7 +14271,7 @@
           <p:cNvPr id="26" name="자유형: 도형 383">
             <a:extLst>
               <a:ext uri="{FF2B5EF4-FFF2-40B4-BE49-F238E27FC236}">
-                <a16:creationId xmlns="" xmlns:a16="http://schemas.microsoft.com/office/drawing/2014/main" id="{044A0A9B-5CA5-4FE7-B917-B350C19EF0E6}"/>
+                <a16:creationId xmlns:a16="http://schemas.microsoft.com/office/drawing/2014/main" xmlns="" id="{044A0A9B-5CA5-4FE7-B917-B350C19EF0E6}"/>
               </a:ext>
             </a:extLst>
           </p:cNvPr>
@@ -14416,7 +14416,7 @@
           <p:cNvPr id="27" name="자유형: 도형 384">
             <a:extLst>
               <a:ext uri="{FF2B5EF4-FFF2-40B4-BE49-F238E27FC236}">
-                <a16:creationId xmlns="" xmlns:a16="http://schemas.microsoft.com/office/drawing/2014/main" id="{EA9897D2-716C-4BC1-98EE-5CC7B719C72B}"/>
+                <a16:creationId xmlns:a16="http://schemas.microsoft.com/office/drawing/2014/main" xmlns="" id="{EA9897D2-716C-4BC1-98EE-5CC7B719C72B}"/>
               </a:ext>
             </a:extLst>
           </p:cNvPr>
@@ -14561,7 +14561,7 @@
           <p:cNvPr id="28" name="자유형: 도형 385">
             <a:extLst>
               <a:ext uri="{FF2B5EF4-FFF2-40B4-BE49-F238E27FC236}">
-                <a16:creationId xmlns="" xmlns:a16="http://schemas.microsoft.com/office/drawing/2014/main" id="{7582865E-7A8F-44C3-912A-C087626FEDA9}"/>
+                <a16:creationId xmlns:a16="http://schemas.microsoft.com/office/drawing/2014/main" xmlns="" id="{7582865E-7A8F-44C3-912A-C087626FEDA9}"/>
               </a:ext>
             </a:extLst>
           </p:cNvPr>
@@ -14706,7 +14706,7 @@
           <p:cNvPr id="29" name="자유형: 도형 386">
             <a:extLst>
               <a:ext uri="{FF2B5EF4-FFF2-40B4-BE49-F238E27FC236}">
-                <a16:creationId xmlns="" xmlns:a16="http://schemas.microsoft.com/office/drawing/2014/main" id="{76E18406-54A4-401D-9DCA-86C76E3A933C}"/>
+                <a16:creationId xmlns:a16="http://schemas.microsoft.com/office/drawing/2014/main" xmlns="" id="{76E18406-54A4-401D-9DCA-86C76E3A933C}"/>
               </a:ext>
             </a:extLst>
           </p:cNvPr>
@@ -14851,7 +14851,7 @@
           <p:cNvPr id="30" name="자유형: 도형 387">
             <a:extLst>
               <a:ext uri="{FF2B5EF4-FFF2-40B4-BE49-F238E27FC236}">
-                <a16:creationId xmlns="" xmlns:a16="http://schemas.microsoft.com/office/drawing/2014/main" id="{78D016E9-A182-4180-A637-1A890C82CE6A}"/>
+                <a16:creationId xmlns:a16="http://schemas.microsoft.com/office/drawing/2014/main" xmlns="" id="{78D016E9-A182-4180-A637-1A890C82CE6A}"/>
               </a:ext>
             </a:extLst>
           </p:cNvPr>
@@ -14996,7 +14996,7 @@
           <p:cNvPr id="31" name="자유형: 도형 388">
             <a:extLst>
               <a:ext uri="{FF2B5EF4-FFF2-40B4-BE49-F238E27FC236}">
-                <a16:creationId xmlns="" xmlns:a16="http://schemas.microsoft.com/office/drawing/2014/main" id="{05F8530F-49F6-48DF-AD43-D138C77A6596}"/>
+                <a16:creationId xmlns:a16="http://schemas.microsoft.com/office/drawing/2014/main" xmlns="" id="{05F8530F-49F6-48DF-AD43-D138C77A6596}"/>
               </a:ext>
             </a:extLst>
           </p:cNvPr>
@@ -15141,7 +15141,7 @@
           <p:cNvPr id="32" name="자유형: 도형 389">
             <a:extLst>
               <a:ext uri="{FF2B5EF4-FFF2-40B4-BE49-F238E27FC236}">
-                <a16:creationId xmlns="" xmlns:a16="http://schemas.microsoft.com/office/drawing/2014/main" id="{98DCEC21-B8BD-43A7-8436-449C4406D27B}"/>
+                <a16:creationId xmlns:a16="http://schemas.microsoft.com/office/drawing/2014/main" xmlns="" id="{98DCEC21-B8BD-43A7-8436-449C4406D27B}"/>
               </a:ext>
             </a:extLst>
           </p:cNvPr>
@@ -15286,7 +15286,7 @@
           <p:cNvPr id="33" name="자유형: 도형 390">
             <a:extLst>
               <a:ext uri="{FF2B5EF4-FFF2-40B4-BE49-F238E27FC236}">
-                <a16:creationId xmlns="" xmlns:a16="http://schemas.microsoft.com/office/drawing/2014/main" id="{71FAF07A-965F-4A51-9977-FFFFAA15A432}"/>
+                <a16:creationId xmlns:a16="http://schemas.microsoft.com/office/drawing/2014/main" xmlns="" id="{71FAF07A-965F-4A51-9977-FFFFAA15A432}"/>
               </a:ext>
             </a:extLst>
           </p:cNvPr>
@@ -15431,7 +15431,7 @@
           <p:cNvPr id="34" name="자유형: 도형 391">
             <a:extLst>
               <a:ext uri="{FF2B5EF4-FFF2-40B4-BE49-F238E27FC236}">
-                <a16:creationId xmlns="" xmlns:a16="http://schemas.microsoft.com/office/drawing/2014/main" id="{5047EEFB-CDDB-46B7-AA56-F96C5BF34725}"/>
+                <a16:creationId xmlns:a16="http://schemas.microsoft.com/office/drawing/2014/main" xmlns="" id="{5047EEFB-CDDB-46B7-AA56-F96C5BF34725}"/>
               </a:ext>
             </a:extLst>
           </p:cNvPr>
@@ -15576,7 +15576,7 @@
           <p:cNvPr id="35" name="자유형: 도형 392">
             <a:extLst>
               <a:ext uri="{FF2B5EF4-FFF2-40B4-BE49-F238E27FC236}">
-                <a16:creationId xmlns="" xmlns:a16="http://schemas.microsoft.com/office/drawing/2014/main" id="{2D343500-5462-4C95-880B-385171314AB6}"/>
+                <a16:creationId xmlns:a16="http://schemas.microsoft.com/office/drawing/2014/main" xmlns="" id="{2D343500-5462-4C95-880B-385171314AB6}"/>
               </a:ext>
             </a:extLst>
           </p:cNvPr>
@@ -15721,7 +15721,7 @@
           <p:cNvPr id="36" name="자유형: 도형 393">
             <a:extLst>
               <a:ext uri="{FF2B5EF4-FFF2-40B4-BE49-F238E27FC236}">
-                <a16:creationId xmlns="" xmlns:a16="http://schemas.microsoft.com/office/drawing/2014/main" id="{7B3DA1B8-BF1B-4513-966C-2A916F28EFB9}"/>
+                <a16:creationId xmlns:a16="http://schemas.microsoft.com/office/drawing/2014/main" xmlns="" id="{7B3DA1B8-BF1B-4513-966C-2A916F28EFB9}"/>
               </a:ext>
             </a:extLst>
           </p:cNvPr>
@@ -15866,7 +15866,7 @@
           <p:cNvPr id="37" name="자유형: 도형 394">
             <a:extLst>
               <a:ext uri="{FF2B5EF4-FFF2-40B4-BE49-F238E27FC236}">
-                <a16:creationId xmlns="" xmlns:a16="http://schemas.microsoft.com/office/drawing/2014/main" id="{28F89FC3-982F-4923-9453-6F57D8E1E307}"/>
+                <a16:creationId xmlns:a16="http://schemas.microsoft.com/office/drawing/2014/main" xmlns="" id="{28F89FC3-982F-4923-9453-6F57D8E1E307}"/>
               </a:ext>
             </a:extLst>
           </p:cNvPr>
@@ -16011,7 +16011,7 @@
           <p:cNvPr id="38" name="자유형: 도형 395">
             <a:extLst>
               <a:ext uri="{FF2B5EF4-FFF2-40B4-BE49-F238E27FC236}">
-                <a16:creationId xmlns="" xmlns:a16="http://schemas.microsoft.com/office/drawing/2014/main" id="{0F995921-8CFB-4A23-8C8B-B2815AE8670A}"/>
+                <a16:creationId xmlns:a16="http://schemas.microsoft.com/office/drawing/2014/main" xmlns="" id="{0F995921-8CFB-4A23-8C8B-B2815AE8670A}"/>
               </a:ext>
             </a:extLst>
           </p:cNvPr>
@@ -16156,7 +16156,7 @@
           <p:cNvPr id="39" name="자유형: 도형 396">
             <a:extLst>
               <a:ext uri="{FF2B5EF4-FFF2-40B4-BE49-F238E27FC236}">
-                <a16:creationId xmlns="" xmlns:a16="http://schemas.microsoft.com/office/drawing/2014/main" id="{38E18007-DA79-4D7B-96F0-FEC1EB21386C}"/>
+                <a16:creationId xmlns:a16="http://schemas.microsoft.com/office/drawing/2014/main" xmlns="" id="{38E18007-DA79-4D7B-96F0-FEC1EB21386C}"/>
               </a:ext>
             </a:extLst>
           </p:cNvPr>
@@ -16301,7 +16301,7 @@
           <p:cNvPr id="40" name="자유형: 도형 397">
             <a:extLst>
               <a:ext uri="{FF2B5EF4-FFF2-40B4-BE49-F238E27FC236}">
-                <a16:creationId xmlns="" xmlns:a16="http://schemas.microsoft.com/office/drawing/2014/main" id="{C0E1BE7B-0A87-404E-B319-F1AE13922904}"/>
+                <a16:creationId xmlns:a16="http://schemas.microsoft.com/office/drawing/2014/main" xmlns="" id="{C0E1BE7B-0A87-404E-B319-F1AE13922904}"/>
               </a:ext>
             </a:extLst>
           </p:cNvPr>
@@ -16446,7 +16446,7 @@
           <p:cNvPr id="41" name="자유형: 도형 398">
             <a:extLst>
               <a:ext uri="{FF2B5EF4-FFF2-40B4-BE49-F238E27FC236}">
-                <a16:creationId xmlns="" xmlns:a16="http://schemas.microsoft.com/office/drawing/2014/main" id="{675C7C0F-8C6D-4AAF-BC5F-2B81DEB3E4E8}"/>
+                <a16:creationId xmlns:a16="http://schemas.microsoft.com/office/drawing/2014/main" xmlns="" id="{675C7C0F-8C6D-4AAF-BC5F-2B81DEB3E4E8}"/>
               </a:ext>
             </a:extLst>
           </p:cNvPr>
@@ -16591,7 +16591,7 @@
           <p:cNvPr id="42" name="자유형: 도형 399">
             <a:extLst>
               <a:ext uri="{FF2B5EF4-FFF2-40B4-BE49-F238E27FC236}">
-                <a16:creationId xmlns="" xmlns:a16="http://schemas.microsoft.com/office/drawing/2014/main" id="{846A25C2-933F-44C2-A0FE-4110FBEBA915}"/>
+                <a16:creationId xmlns:a16="http://schemas.microsoft.com/office/drawing/2014/main" xmlns="" id="{846A25C2-933F-44C2-A0FE-4110FBEBA915}"/>
               </a:ext>
             </a:extLst>
           </p:cNvPr>
@@ -16736,7 +16736,7 @@
           <p:cNvPr id="43" name="자유형: 도형 400">
             <a:extLst>
               <a:ext uri="{FF2B5EF4-FFF2-40B4-BE49-F238E27FC236}">
-                <a16:creationId xmlns="" xmlns:a16="http://schemas.microsoft.com/office/drawing/2014/main" id="{5EBA2B3B-7A04-4662-B870-F720B8538988}"/>
+                <a16:creationId xmlns:a16="http://schemas.microsoft.com/office/drawing/2014/main" xmlns="" id="{5EBA2B3B-7A04-4662-B870-F720B8538988}"/>
               </a:ext>
             </a:extLst>
           </p:cNvPr>
@@ -16881,7 +16881,7 @@
           <p:cNvPr id="44" name="직사각형 43">
             <a:extLst>
               <a:ext uri="{FF2B5EF4-FFF2-40B4-BE49-F238E27FC236}">
-                <a16:creationId xmlns="" xmlns:a16="http://schemas.microsoft.com/office/drawing/2014/main" id="{8E46B02D-66F3-495A-BE76-8FA2A68509CF}"/>
+                <a16:creationId xmlns:a16="http://schemas.microsoft.com/office/drawing/2014/main" xmlns="" id="{8E46B02D-66F3-495A-BE76-8FA2A68509CF}"/>
               </a:ext>
             </a:extLst>
           </p:cNvPr>
@@ -16937,7 +16937,7 @@
           <p:cNvPr id="45" name="직사각형 44">
             <a:extLst>
               <a:ext uri="{FF2B5EF4-FFF2-40B4-BE49-F238E27FC236}">
-                <a16:creationId xmlns:a16="http://schemas.microsoft.com/office/drawing/2014/main" xmlns="" id="{7FEC52E6-E0E1-427E-87A8-FEE2AAF979A8}"/>
+                <a16:creationId xmlns="" xmlns:a16="http://schemas.microsoft.com/office/drawing/2014/main" id="{7FEC52E6-E0E1-427E-87A8-FEE2AAF979A8}"/>
               </a:ext>
             </a:extLst>
           </p:cNvPr>
@@ -17136,7 +17136,7 @@
           <p:cNvPr id="49" name="자유형: 도형 377">
             <a:extLst>
               <a:ext uri="{FF2B5EF4-FFF2-40B4-BE49-F238E27FC236}">
-                <a16:creationId xmlns="" xmlns:a16="http://schemas.microsoft.com/office/drawing/2014/main" id="{0B4A7219-0820-4378-B811-331B8646398F}"/>
+                <a16:creationId xmlns:a16="http://schemas.microsoft.com/office/drawing/2014/main" xmlns="" id="{0B4A7219-0820-4378-B811-331B8646398F}"/>
               </a:ext>
             </a:extLst>
           </p:cNvPr>
@@ -17281,7 +17281,7 @@
           <p:cNvPr id="50" name="자유형: 도형 378">
             <a:extLst>
               <a:ext uri="{FF2B5EF4-FFF2-40B4-BE49-F238E27FC236}">
-                <a16:creationId xmlns="" xmlns:a16="http://schemas.microsoft.com/office/drawing/2014/main" id="{AE7688D0-57FD-4391-A3C9-1EB04A54396A}"/>
+                <a16:creationId xmlns:a16="http://schemas.microsoft.com/office/drawing/2014/main" xmlns="" id="{AE7688D0-57FD-4391-A3C9-1EB04A54396A}"/>
               </a:ext>
             </a:extLst>
           </p:cNvPr>
@@ -17426,7 +17426,7 @@
           <p:cNvPr id="51" name="자유형: 도형 379">
             <a:extLst>
               <a:ext uri="{FF2B5EF4-FFF2-40B4-BE49-F238E27FC236}">
-                <a16:creationId xmlns="" xmlns:a16="http://schemas.microsoft.com/office/drawing/2014/main" id="{C4615E6A-E0F5-484B-8040-DD0DD89211FD}"/>
+                <a16:creationId xmlns:a16="http://schemas.microsoft.com/office/drawing/2014/main" xmlns="" id="{C4615E6A-E0F5-484B-8040-DD0DD89211FD}"/>
               </a:ext>
             </a:extLst>
           </p:cNvPr>
@@ -17571,7 +17571,7 @@
           <p:cNvPr id="52" name="자유형: 도형 380">
             <a:extLst>
               <a:ext uri="{FF2B5EF4-FFF2-40B4-BE49-F238E27FC236}">
-                <a16:creationId xmlns="" xmlns:a16="http://schemas.microsoft.com/office/drawing/2014/main" id="{0937B8B0-8045-4AA8-B9F4-04B7C0AFDEBB}"/>
+                <a16:creationId xmlns:a16="http://schemas.microsoft.com/office/drawing/2014/main" xmlns="" id="{0937B8B0-8045-4AA8-B9F4-04B7C0AFDEBB}"/>
               </a:ext>
             </a:extLst>
           </p:cNvPr>
@@ -17716,7 +17716,7 @@
           <p:cNvPr id="53" name="자유형: 도형 381">
             <a:extLst>
               <a:ext uri="{FF2B5EF4-FFF2-40B4-BE49-F238E27FC236}">
-                <a16:creationId xmlns="" xmlns:a16="http://schemas.microsoft.com/office/drawing/2014/main" id="{DB9ADCEC-01D9-4BB3-81EE-B1429055FB91}"/>
+                <a16:creationId xmlns:a16="http://schemas.microsoft.com/office/drawing/2014/main" xmlns="" id="{DB9ADCEC-01D9-4BB3-81EE-B1429055FB91}"/>
               </a:ext>
             </a:extLst>
           </p:cNvPr>
@@ -17861,7 +17861,7 @@
           <p:cNvPr id="54" name="자유형: 도형 382">
             <a:extLst>
               <a:ext uri="{FF2B5EF4-FFF2-40B4-BE49-F238E27FC236}">
-                <a16:creationId xmlns="" xmlns:a16="http://schemas.microsoft.com/office/drawing/2014/main" id="{DB61C11B-0EC3-4996-906C-007E57835D42}"/>
+                <a16:creationId xmlns:a16="http://schemas.microsoft.com/office/drawing/2014/main" xmlns="" id="{DB61C11B-0EC3-4996-906C-007E57835D42}"/>
               </a:ext>
             </a:extLst>
           </p:cNvPr>
@@ -18006,7 +18006,7 @@
           <p:cNvPr id="55" name="자유형: 도형 383">
             <a:extLst>
               <a:ext uri="{FF2B5EF4-FFF2-40B4-BE49-F238E27FC236}">
-                <a16:creationId xmlns="" xmlns:a16="http://schemas.microsoft.com/office/drawing/2014/main" id="{044A0A9B-5CA5-4FE7-B917-B350C19EF0E6}"/>
+                <a16:creationId xmlns:a16="http://schemas.microsoft.com/office/drawing/2014/main" xmlns="" id="{044A0A9B-5CA5-4FE7-B917-B350C19EF0E6}"/>
               </a:ext>
             </a:extLst>
           </p:cNvPr>
@@ -18151,7 +18151,7 @@
           <p:cNvPr id="56" name="자유형: 도형 384">
             <a:extLst>
               <a:ext uri="{FF2B5EF4-FFF2-40B4-BE49-F238E27FC236}">
-                <a16:creationId xmlns="" xmlns:a16="http://schemas.microsoft.com/office/drawing/2014/main" id="{EA9897D2-716C-4BC1-98EE-5CC7B719C72B}"/>
+                <a16:creationId xmlns:a16="http://schemas.microsoft.com/office/drawing/2014/main" xmlns="" id="{EA9897D2-716C-4BC1-98EE-5CC7B719C72B}"/>
               </a:ext>
             </a:extLst>
           </p:cNvPr>
@@ -18296,7 +18296,7 @@
           <p:cNvPr id="57" name="자유형: 도형 385">
             <a:extLst>
               <a:ext uri="{FF2B5EF4-FFF2-40B4-BE49-F238E27FC236}">
-                <a16:creationId xmlns="" xmlns:a16="http://schemas.microsoft.com/office/drawing/2014/main" id="{7582865E-7A8F-44C3-912A-C087626FEDA9}"/>
+                <a16:creationId xmlns:a16="http://schemas.microsoft.com/office/drawing/2014/main" xmlns="" id="{7582865E-7A8F-44C3-912A-C087626FEDA9}"/>
               </a:ext>
             </a:extLst>
           </p:cNvPr>
@@ -18441,7 +18441,7 @@
           <p:cNvPr id="58" name="자유형: 도형 386">
             <a:extLst>
               <a:ext uri="{FF2B5EF4-FFF2-40B4-BE49-F238E27FC236}">
-                <a16:creationId xmlns="" xmlns:a16="http://schemas.microsoft.com/office/drawing/2014/main" id="{76E18406-54A4-401D-9DCA-86C76E3A933C}"/>
+                <a16:creationId xmlns:a16="http://schemas.microsoft.com/office/drawing/2014/main" xmlns="" id="{76E18406-54A4-401D-9DCA-86C76E3A933C}"/>
               </a:ext>
             </a:extLst>
           </p:cNvPr>
@@ -18586,7 +18586,7 @@
           <p:cNvPr id="59" name="자유형: 도형 387">
             <a:extLst>
               <a:ext uri="{FF2B5EF4-FFF2-40B4-BE49-F238E27FC236}">
-                <a16:creationId xmlns="" xmlns:a16="http://schemas.microsoft.com/office/drawing/2014/main" id="{78D016E9-A182-4180-A637-1A890C82CE6A}"/>
+                <a16:creationId xmlns:a16="http://schemas.microsoft.com/office/drawing/2014/main" xmlns="" id="{78D016E9-A182-4180-A637-1A890C82CE6A}"/>
               </a:ext>
             </a:extLst>
           </p:cNvPr>
@@ -18731,7 +18731,7 @@
           <p:cNvPr id="60" name="자유형: 도형 388">
             <a:extLst>
               <a:ext uri="{FF2B5EF4-FFF2-40B4-BE49-F238E27FC236}">
-                <a16:creationId xmlns="" xmlns:a16="http://schemas.microsoft.com/office/drawing/2014/main" id="{05F8530F-49F6-48DF-AD43-D138C77A6596}"/>
+                <a16:creationId xmlns:a16="http://schemas.microsoft.com/office/drawing/2014/main" xmlns="" id="{05F8530F-49F6-48DF-AD43-D138C77A6596}"/>
               </a:ext>
             </a:extLst>
           </p:cNvPr>
@@ -18876,7 +18876,7 @@
           <p:cNvPr id="61" name="자유형: 도형 389">
             <a:extLst>
               <a:ext uri="{FF2B5EF4-FFF2-40B4-BE49-F238E27FC236}">
-                <a16:creationId xmlns="" xmlns:a16="http://schemas.microsoft.com/office/drawing/2014/main" id="{98DCEC21-B8BD-43A7-8436-449C4406D27B}"/>
+                <a16:creationId xmlns:a16="http://schemas.microsoft.com/office/drawing/2014/main" xmlns="" id="{98DCEC21-B8BD-43A7-8436-449C4406D27B}"/>
               </a:ext>
             </a:extLst>
           </p:cNvPr>
@@ -19021,7 +19021,7 @@
           <p:cNvPr id="62" name="자유형: 도형 390">
             <a:extLst>
               <a:ext uri="{FF2B5EF4-FFF2-40B4-BE49-F238E27FC236}">
-                <a16:creationId xmlns="" xmlns:a16="http://schemas.microsoft.com/office/drawing/2014/main" id="{71FAF07A-965F-4A51-9977-FFFFAA15A432}"/>
+                <a16:creationId xmlns:a16="http://schemas.microsoft.com/office/drawing/2014/main" xmlns="" id="{71FAF07A-965F-4A51-9977-FFFFAA15A432}"/>
               </a:ext>
             </a:extLst>
           </p:cNvPr>
@@ -19166,7 +19166,7 @@
           <p:cNvPr id="63" name="자유형: 도형 391">
             <a:extLst>
               <a:ext uri="{FF2B5EF4-FFF2-40B4-BE49-F238E27FC236}">
-                <a16:creationId xmlns="" xmlns:a16="http://schemas.microsoft.com/office/drawing/2014/main" id="{5047EEFB-CDDB-46B7-AA56-F96C5BF34725}"/>
+                <a16:creationId xmlns:a16="http://schemas.microsoft.com/office/drawing/2014/main" xmlns="" id="{5047EEFB-CDDB-46B7-AA56-F96C5BF34725}"/>
               </a:ext>
             </a:extLst>
           </p:cNvPr>
@@ -19311,7 +19311,7 @@
           <p:cNvPr id="64" name="자유형: 도형 392">
             <a:extLst>
               <a:ext uri="{FF2B5EF4-FFF2-40B4-BE49-F238E27FC236}">
-                <a16:creationId xmlns="" xmlns:a16="http://schemas.microsoft.com/office/drawing/2014/main" id="{2D343500-5462-4C95-880B-385171314AB6}"/>
+                <a16:creationId xmlns:a16="http://schemas.microsoft.com/office/drawing/2014/main" xmlns="" id="{2D343500-5462-4C95-880B-385171314AB6}"/>
               </a:ext>
             </a:extLst>
           </p:cNvPr>
@@ -19456,7 +19456,7 @@
           <p:cNvPr id="65" name="자유형: 도형 393">
             <a:extLst>
               <a:ext uri="{FF2B5EF4-FFF2-40B4-BE49-F238E27FC236}">
-                <a16:creationId xmlns="" xmlns:a16="http://schemas.microsoft.com/office/drawing/2014/main" id="{7B3DA1B8-BF1B-4513-966C-2A916F28EFB9}"/>
+                <a16:creationId xmlns:a16="http://schemas.microsoft.com/office/drawing/2014/main" xmlns="" id="{7B3DA1B8-BF1B-4513-966C-2A916F28EFB9}"/>
               </a:ext>
             </a:extLst>
           </p:cNvPr>
@@ -19601,7 +19601,7 @@
           <p:cNvPr id="66" name="자유형: 도형 394">
             <a:extLst>
               <a:ext uri="{FF2B5EF4-FFF2-40B4-BE49-F238E27FC236}">
-                <a16:creationId xmlns="" xmlns:a16="http://schemas.microsoft.com/office/drawing/2014/main" id="{28F89FC3-982F-4923-9453-6F57D8E1E307}"/>
+                <a16:creationId xmlns:a16="http://schemas.microsoft.com/office/drawing/2014/main" xmlns="" id="{28F89FC3-982F-4923-9453-6F57D8E1E307}"/>
               </a:ext>
             </a:extLst>
           </p:cNvPr>
@@ -19746,7 +19746,7 @@
           <p:cNvPr id="67" name="자유형: 도형 395">
             <a:extLst>
               <a:ext uri="{FF2B5EF4-FFF2-40B4-BE49-F238E27FC236}">
-                <a16:creationId xmlns="" xmlns:a16="http://schemas.microsoft.com/office/drawing/2014/main" id="{0F995921-8CFB-4A23-8C8B-B2815AE8670A}"/>
+                <a16:creationId xmlns:a16="http://schemas.microsoft.com/office/drawing/2014/main" xmlns="" id="{0F995921-8CFB-4A23-8C8B-B2815AE8670A}"/>
               </a:ext>
             </a:extLst>
           </p:cNvPr>
@@ -19891,7 +19891,7 @@
           <p:cNvPr id="68" name="자유형: 도형 396">
             <a:extLst>
               <a:ext uri="{FF2B5EF4-FFF2-40B4-BE49-F238E27FC236}">
-                <a16:creationId xmlns="" xmlns:a16="http://schemas.microsoft.com/office/drawing/2014/main" id="{38E18007-DA79-4D7B-96F0-FEC1EB21386C}"/>
+                <a16:creationId xmlns:a16="http://schemas.microsoft.com/office/drawing/2014/main" xmlns="" id="{38E18007-DA79-4D7B-96F0-FEC1EB21386C}"/>
               </a:ext>
             </a:extLst>
           </p:cNvPr>
@@ -20036,7 +20036,7 @@
           <p:cNvPr id="69" name="자유형: 도형 397">
             <a:extLst>
               <a:ext uri="{FF2B5EF4-FFF2-40B4-BE49-F238E27FC236}">
-                <a16:creationId xmlns="" xmlns:a16="http://schemas.microsoft.com/office/drawing/2014/main" id="{C0E1BE7B-0A87-404E-B319-F1AE13922904}"/>
+                <a16:creationId xmlns:a16="http://schemas.microsoft.com/office/drawing/2014/main" xmlns="" id="{C0E1BE7B-0A87-404E-B319-F1AE13922904}"/>
               </a:ext>
             </a:extLst>
           </p:cNvPr>
@@ -20181,7 +20181,7 @@
           <p:cNvPr id="70" name="자유형: 도형 398">
             <a:extLst>
               <a:ext uri="{FF2B5EF4-FFF2-40B4-BE49-F238E27FC236}">
-                <a16:creationId xmlns="" xmlns:a16="http://schemas.microsoft.com/office/drawing/2014/main" id="{675C7C0F-8C6D-4AAF-BC5F-2B81DEB3E4E8}"/>
+                <a16:creationId xmlns:a16="http://schemas.microsoft.com/office/drawing/2014/main" xmlns="" id="{675C7C0F-8C6D-4AAF-BC5F-2B81DEB3E4E8}"/>
               </a:ext>
             </a:extLst>
           </p:cNvPr>
@@ -20326,7 +20326,7 @@
           <p:cNvPr id="71" name="자유형: 도형 399">
             <a:extLst>
               <a:ext uri="{FF2B5EF4-FFF2-40B4-BE49-F238E27FC236}">
-                <a16:creationId xmlns="" xmlns:a16="http://schemas.microsoft.com/office/drawing/2014/main" id="{846A25C2-933F-44C2-A0FE-4110FBEBA915}"/>
+                <a16:creationId xmlns:a16="http://schemas.microsoft.com/office/drawing/2014/main" xmlns="" id="{846A25C2-933F-44C2-A0FE-4110FBEBA915}"/>
               </a:ext>
             </a:extLst>
           </p:cNvPr>
@@ -20471,7 +20471,7 @@
           <p:cNvPr id="72" name="자유형: 도형 400">
             <a:extLst>
               <a:ext uri="{FF2B5EF4-FFF2-40B4-BE49-F238E27FC236}">
-                <a16:creationId xmlns="" xmlns:a16="http://schemas.microsoft.com/office/drawing/2014/main" id="{5EBA2B3B-7A04-4662-B870-F720B8538988}"/>
+                <a16:creationId xmlns:a16="http://schemas.microsoft.com/office/drawing/2014/main" xmlns="" id="{5EBA2B3B-7A04-4662-B870-F720B8538988}"/>
               </a:ext>
             </a:extLst>
           </p:cNvPr>
@@ -20616,7 +20616,7 @@
           <p:cNvPr id="73" name="직사각형 72">
             <a:extLst>
               <a:ext uri="{FF2B5EF4-FFF2-40B4-BE49-F238E27FC236}">
-                <a16:creationId xmlns="" xmlns:a16="http://schemas.microsoft.com/office/drawing/2014/main" id="{8E46B02D-66F3-495A-BE76-8FA2A68509CF}"/>
+                <a16:creationId xmlns:a16="http://schemas.microsoft.com/office/drawing/2014/main" xmlns="" id="{8E46B02D-66F3-495A-BE76-8FA2A68509CF}"/>
               </a:ext>
             </a:extLst>
           </p:cNvPr>
@@ -20672,7 +20672,7 @@
           <p:cNvPr id="74" name="직사각형 73">
             <a:extLst>
               <a:ext uri="{FF2B5EF4-FFF2-40B4-BE49-F238E27FC236}">
-                <a16:creationId xmlns:a16="http://schemas.microsoft.com/office/drawing/2014/main" xmlns="" id="{7FEC52E6-E0E1-427E-87A8-FEE2AAF979A8}"/>
+                <a16:creationId xmlns="" xmlns:a16="http://schemas.microsoft.com/office/drawing/2014/main" id="{7FEC52E6-E0E1-427E-87A8-FEE2AAF979A8}"/>
               </a:ext>
             </a:extLst>
           </p:cNvPr>
@@ -20871,7 +20871,7 @@
           <p:cNvPr id="78" name="자유형: 도형 377">
             <a:extLst>
               <a:ext uri="{FF2B5EF4-FFF2-40B4-BE49-F238E27FC236}">
-                <a16:creationId xmlns="" xmlns:a16="http://schemas.microsoft.com/office/drawing/2014/main" id="{0B4A7219-0820-4378-B811-331B8646398F}"/>
+                <a16:creationId xmlns:a16="http://schemas.microsoft.com/office/drawing/2014/main" xmlns="" id="{0B4A7219-0820-4378-B811-331B8646398F}"/>
               </a:ext>
             </a:extLst>
           </p:cNvPr>
@@ -21016,7 +21016,7 @@
           <p:cNvPr id="79" name="자유형: 도형 378">
             <a:extLst>
               <a:ext uri="{FF2B5EF4-FFF2-40B4-BE49-F238E27FC236}">
-                <a16:creationId xmlns="" xmlns:a16="http://schemas.microsoft.com/office/drawing/2014/main" id="{AE7688D0-57FD-4391-A3C9-1EB04A54396A}"/>
+                <a16:creationId xmlns:a16="http://schemas.microsoft.com/office/drawing/2014/main" xmlns="" id="{AE7688D0-57FD-4391-A3C9-1EB04A54396A}"/>
               </a:ext>
             </a:extLst>
           </p:cNvPr>
@@ -21161,7 +21161,7 @@
           <p:cNvPr id="80" name="자유형: 도형 379">
             <a:extLst>
               <a:ext uri="{FF2B5EF4-FFF2-40B4-BE49-F238E27FC236}">
-                <a16:creationId xmlns="" xmlns:a16="http://schemas.microsoft.com/office/drawing/2014/main" id="{C4615E6A-E0F5-484B-8040-DD0DD89211FD}"/>
+                <a16:creationId xmlns:a16="http://schemas.microsoft.com/office/drawing/2014/main" xmlns="" id="{C4615E6A-E0F5-484B-8040-DD0DD89211FD}"/>
               </a:ext>
             </a:extLst>
           </p:cNvPr>
@@ -21306,7 +21306,7 @@
           <p:cNvPr id="81" name="자유형: 도형 380">
             <a:extLst>
               <a:ext uri="{FF2B5EF4-FFF2-40B4-BE49-F238E27FC236}">
-                <a16:creationId xmlns="" xmlns:a16="http://schemas.microsoft.com/office/drawing/2014/main" id="{0937B8B0-8045-4AA8-B9F4-04B7C0AFDEBB}"/>
+                <a16:creationId xmlns:a16="http://schemas.microsoft.com/office/drawing/2014/main" xmlns="" id="{0937B8B0-8045-4AA8-B9F4-04B7C0AFDEBB}"/>
               </a:ext>
             </a:extLst>
           </p:cNvPr>
@@ -21451,7 +21451,7 @@
           <p:cNvPr id="82" name="자유형: 도형 381">
             <a:extLst>
               <a:ext uri="{FF2B5EF4-FFF2-40B4-BE49-F238E27FC236}">
-                <a16:creationId xmlns="" xmlns:a16="http://schemas.microsoft.com/office/drawing/2014/main" id="{DB9ADCEC-01D9-4BB3-81EE-B1429055FB91}"/>
+                <a16:creationId xmlns:a16="http://schemas.microsoft.com/office/drawing/2014/main" xmlns="" id="{DB9ADCEC-01D9-4BB3-81EE-B1429055FB91}"/>
               </a:ext>
             </a:extLst>
           </p:cNvPr>
@@ -21596,7 +21596,7 @@
           <p:cNvPr id="83" name="자유형: 도형 382">
             <a:extLst>
               <a:ext uri="{FF2B5EF4-FFF2-40B4-BE49-F238E27FC236}">
-                <a16:creationId xmlns="" xmlns:a16="http://schemas.microsoft.com/office/drawing/2014/main" id="{DB61C11B-0EC3-4996-906C-007E57835D42}"/>
+                <a16:creationId xmlns:a16="http://schemas.microsoft.com/office/drawing/2014/main" xmlns="" id="{DB61C11B-0EC3-4996-906C-007E57835D42}"/>
               </a:ext>
             </a:extLst>
           </p:cNvPr>
@@ -21741,7 +21741,7 @@
           <p:cNvPr id="84" name="자유형: 도형 383">
             <a:extLst>
               <a:ext uri="{FF2B5EF4-FFF2-40B4-BE49-F238E27FC236}">
-                <a16:creationId xmlns="" xmlns:a16="http://schemas.microsoft.com/office/drawing/2014/main" id="{044A0A9B-5CA5-4FE7-B917-B350C19EF0E6}"/>
+                <a16:creationId xmlns:a16="http://schemas.microsoft.com/office/drawing/2014/main" xmlns="" id="{044A0A9B-5CA5-4FE7-B917-B350C19EF0E6}"/>
               </a:ext>
             </a:extLst>
           </p:cNvPr>
@@ -21886,7 +21886,7 @@
           <p:cNvPr id="85" name="자유형: 도형 384">
             <a:extLst>
               <a:ext uri="{FF2B5EF4-FFF2-40B4-BE49-F238E27FC236}">
-                <a16:creationId xmlns="" xmlns:a16="http://schemas.microsoft.com/office/drawing/2014/main" id="{EA9897D2-716C-4BC1-98EE-5CC7B719C72B}"/>
+                <a16:creationId xmlns:a16="http://schemas.microsoft.com/office/drawing/2014/main" xmlns="" id="{EA9897D2-716C-4BC1-98EE-5CC7B719C72B}"/>
               </a:ext>
             </a:extLst>
           </p:cNvPr>
@@ -22031,7 +22031,7 @@
           <p:cNvPr id="86" name="자유형: 도형 385">
             <a:extLst>
               <a:ext uri="{FF2B5EF4-FFF2-40B4-BE49-F238E27FC236}">
-                <a16:creationId xmlns="" xmlns:a16="http://schemas.microsoft.com/office/drawing/2014/main" id="{7582865E-7A8F-44C3-912A-C087626FEDA9}"/>
+                <a16:creationId xmlns:a16="http://schemas.microsoft.com/office/drawing/2014/main" xmlns="" id="{7582865E-7A8F-44C3-912A-C087626FEDA9}"/>
               </a:ext>
             </a:extLst>
           </p:cNvPr>
@@ -22176,7 +22176,7 @@
           <p:cNvPr id="87" name="자유형: 도형 386">
             <a:extLst>
               <a:ext uri="{FF2B5EF4-FFF2-40B4-BE49-F238E27FC236}">
-                <a16:creationId xmlns="" xmlns:a16="http://schemas.microsoft.com/office/drawing/2014/main" id="{76E18406-54A4-401D-9DCA-86C76E3A933C}"/>
+                <a16:creationId xmlns:a16="http://schemas.microsoft.com/office/drawing/2014/main" xmlns="" id="{76E18406-54A4-401D-9DCA-86C76E3A933C}"/>
               </a:ext>
             </a:extLst>
           </p:cNvPr>
@@ -22321,7 +22321,7 @@
           <p:cNvPr id="88" name="자유형: 도형 387">
             <a:extLst>
               <a:ext uri="{FF2B5EF4-FFF2-40B4-BE49-F238E27FC236}">
-                <a16:creationId xmlns="" xmlns:a16="http://schemas.microsoft.com/office/drawing/2014/main" id="{78D016E9-A182-4180-A637-1A890C82CE6A}"/>
+                <a16:creationId xmlns:a16="http://schemas.microsoft.com/office/drawing/2014/main" xmlns="" id="{78D016E9-A182-4180-A637-1A890C82CE6A}"/>
               </a:ext>
             </a:extLst>
           </p:cNvPr>
@@ -22466,7 +22466,7 @@
           <p:cNvPr id="89" name="자유형: 도형 388">
             <a:extLst>
               <a:ext uri="{FF2B5EF4-FFF2-40B4-BE49-F238E27FC236}">
-                <a16:creationId xmlns="" xmlns:a16="http://schemas.microsoft.com/office/drawing/2014/main" id="{05F8530F-49F6-48DF-AD43-D138C77A6596}"/>
+                <a16:creationId xmlns:a16="http://schemas.microsoft.com/office/drawing/2014/main" xmlns="" id="{05F8530F-49F6-48DF-AD43-D138C77A6596}"/>
               </a:ext>
             </a:extLst>
           </p:cNvPr>
@@ -22611,7 +22611,7 @@
           <p:cNvPr id="90" name="자유형: 도형 389">
             <a:extLst>
               <a:ext uri="{FF2B5EF4-FFF2-40B4-BE49-F238E27FC236}">
-                <a16:creationId xmlns="" xmlns:a16="http://schemas.microsoft.com/office/drawing/2014/main" id="{98DCEC21-B8BD-43A7-8436-449C4406D27B}"/>
+                <a16:creationId xmlns:a16="http://schemas.microsoft.com/office/drawing/2014/main" xmlns="" id="{98DCEC21-B8BD-43A7-8436-449C4406D27B}"/>
               </a:ext>
             </a:extLst>
           </p:cNvPr>
@@ -22756,7 +22756,7 @@
           <p:cNvPr id="91" name="자유형: 도형 390">
             <a:extLst>
               <a:ext uri="{FF2B5EF4-FFF2-40B4-BE49-F238E27FC236}">
-                <a16:creationId xmlns="" xmlns:a16="http://schemas.microsoft.com/office/drawing/2014/main" id="{71FAF07A-965F-4A51-9977-FFFFAA15A432}"/>
+                <a16:creationId xmlns:a16="http://schemas.microsoft.com/office/drawing/2014/main" xmlns="" id="{71FAF07A-965F-4A51-9977-FFFFAA15A432}"/>
               </a:ext>
             </a:extLst>
           </p:cNvPr>
@@ -22901,7 +22901,7 @@
           <p:cNvPr id="92" name="자유형: 도형 391">
             <a:extLst>
               <a:ext uri="{FF2B5EF4-FFF2-40B4-BE49-F238E27FC236}">
-                <a16:creationId xmlns="" xmlns:a16="http://schemas.microsoft.com/office/drawing/2014/main" id="{5047EEFB-CDDB-46B7-AA56-F96C5BF34725}"/>
+                <a16:creationId xmlns:a16="http://schemas.microsoft.com/office/drawing/2014/main" xmlns="" id="{5047EEFB-CDDB-46B7-AA56-F96C5BF34725}"/>
               </a:ext>
             </a:extLst>
           </p:cNvPr>
@@ -23046,7 +23046,7 @@
           <p:cNvPr id="93" name="자유형: 도형 392">
             <a:extLst>
               <a:ext uri="{FF2B5EF4-FFF2-40B4-BE49-F238E27FC236}">
-                <a16:creationId xmlns="" xmlns:a16="http://schemas.microsoft.com/office/drawing/2014/main" id="{2D343500-5462-4C95-880B-385171314AB6}"/>
+                <a16:creationId xmlns:a16="http://schemas.microsoft.com/office/drawing/2014/main" xmlns="" id="{2D343500-5462-4C95-880B-385171314AB6}"/>
               </a:ext>
             </a:extLst>
           </p:cNvPr>
@@ -23191,7 +23191,7 @@
           <p:cNvPr id="94" name="자유형: 도형 393">
             <a:extLst>
               <a:ext uri="{FF2B5EF4-FFF2-40B4-BE49-F238E27FC236}">
-                <a16:creationId xmlns="" xmlns:a16="http://schemas.microsoft.com/office/drawing/2014/main" id="{7B3DA1B8-BF1B-4513-966C-2A916F28EFB9}"/>
+                <a16:creationId xmlns:a16="http://schemas.microsoft.com/office/drawing/2014/main" xmlns="" id="{7B3DA1B8-BF1B-4513-966C-2A916F28EFB9}"/>
               </a:ext>
             </a:extLst>
           </p:cNvPr>
@@ -23336,7 +23336,7 @@
           <p:cNvPr id="95" name="자유형: 도형 394">
             <a:extLst>
               <a:ext uri="{FF2B5EF4-FFF2-40B4-BE49-F238E27FC236}">
-                <a16:creationId xmlns="" xmlns:a16="http://schemas.microsoft.com/office/drawing/2014/main" id="{28F89FC3-982F-4923-9453-6F57D8E1E307}"/>
+                <a16:creationId xmlns:a16="http://schemas.microsoft.com/office/drawing/2014/main" xmlns="" id="{28F89FC3-982F-4923-9453-6F57D8E1E307}"/>
               </a:ext>
             </a:extLst>
           </p:cNvPr>
@@ -23481,7 +23481,7 @@
           <p:cNvPr id="96" name="자유형: 도형 395">
             <a:extLst>
               <a:ext uri="{FF2B5EF4-FFF2-40B4-BE49-F238E27FC236}">
-                <a16:creationId xmlns="" xmlns:a16="http://schemas.microsoft.com/office/drawing/2014/main" id="{0F995921-8CFB-4A23-8C8B-B2815AE8670A}"/>
+                <a16:creationId xmlns:a16="http://schemas.microsoft.com/office/drawing/2014/main" xmlns="" id="{0F995921-8CFB-4A23-8C8B-B2815AE8670A}"/>
               </a:ext>
             </a:extLst>
           </p:cNvPr>
@@ -23626,7 +23626,7 @@
           <p:cNvPr id="97" name="자유형: 도형 396">
             <a:extLst>
               <a:ext uri="{FF2B5EF4-FFF2-40B4-BE49-F238E27FC236}">
-                <a16:creationId xmlns="" xmlns:a16="http://schemas.microsoft.com/office/drawing/2014/main" id="{38E18007-DA79-4D7B-96F0-FEC1EB21386C}"/>
+                <a16:creationId xmlns:a16="http://schemas.microsoft.com/office/drawing/2014/main" xmlns="" id="{38E18007-DA79-4D7B-96F0-FEC1EB21386C}"/>
               </a:ext>
             </a:extLst>
           </p:cNvPr>
@@ -23771,7 +23771,7 @@
           <p:cNvPr id="98" name="자유형: 도형 397">
             <a:extLst>
               <a:ext uri="{FF2B5EF4-FFF2-40B4-BE49-F238E27FC236}">
-                <a16:creationId xmlns="" xmlns:a16="http://schemas.microsoft.com/office/drawing/2014/main" id="{C0E1BE7B-0A87-404E-B319-F1AE13922904}"/>
+                <a16:creationId xmlns:a16="http://schemas.microsoft.com/office/drawing/2014/main" xmlns="" id="{C0E1BE7B-0A87-404E-B319-F1AE13922904}"/>
               </a:ext>
             </a:extLst>
           </p:cNvPr>
@@ -23916,7 +23916,7 @@
           <p:cNvPr id="99" name="자유형: 도형 398">
             <a:extLst>
               <a:ext uri="{FF2B5EF4-FFF2-40B4-BE49-F238E27FC236}">
-                <a16:creationId xmlns="" xmlns:a16="http://schemas.microsoft.com/office/drawing/2014/main" id="{675C7C0F-8C6D-4AAF-BC5F-2B81DEB3E4E8}"/>
+                <a16:creationId xmlns:a16="http://schemas.microsoft.com/office/drawing/2014/main" xmlns="" id="{675C7C0F-8C6D-4AAF-BC5F-2B81DEB3E4E8}"/>
               </a:ext>
             </a:extLst>
           </p:cNvPr>
@@ -24061,7 +24061,7 @@
           <p:cNvPr id="100" name="자유형: 도형 399">
             <a:extLst>
               <a:ext uri="{FF2B5EF4-FFF2-40B4-BE49-F238E27FC236}">
-                <a16:creationId xmlns="" xmlns:a16="http://schemas.microsoft.com/office/drawing/2014/main" id="{846A25C2-933F-44C2-A0FE-4110FBEBA915}"/>
+                <a16:creationId xmlns:a16="http://schemas.microsoft.com/office/drawing/2014/main" xmlns="" id="{846A25C2-933F-44C2-A0FE-4110FBEBA915}"/>
               </a:ext>
             </a:extLst>
           </p:cNvPr>
@@ -24206,7 +24206,7 @@
           <p:cNvPr id="101" name="자유형: 도형 400">
             <a:extLst>
               <a:ext uri="{FF2B5EF4-FFF2-40B4-BE49-F238E27FC236}">
-                <a16:creationId xmlns="" xmlns:a16="http://schemas.microsoft.com/office/drawing/2014/main" id="{5EBA2B3B-7A04-4662-B870-F720B8538988}"/>
+                <a16:creationId xmlns:a16="http://schemas.microsoft.com/office/drawing/2014/main" xmlns="" id="{5EBA2B3B-7A04-4662-B870-F720B8538988}"/>
               </a:ext>
             </a:extLst>
           </p:cNvPr>
@@ -24351,7 +24351,7 @@
           <p:cNvPr id="102" name="직사각형 101">
             <a:extLst>
               <a:ext uri="{FF2B5EF4-FFF2-40B4-BE49-F238E27FC236}">
-                <a16:creationId xmlns="" xmlns:a16="http://schemas.microsoft.com/office/drawing/2014/main" id="{8E46B02D-66F3-495A-BE76-8FA2A68509CF}"/>
+                <a16:creationId xmlns:a16="http://schemas.microsoft.com/office/drawing/2014/main" xmlns="" id="{8E46B02D-66F3-495A-BE76-8FA2A68509CF}"/>
               </a:ext>
             </a:extLst>
           </p:cNvPr>
@@ -24407,7 +24407,7 @@
           <p:cNvPr id="103" name="직사각형 102">
             <a:extLst>
               <a:ext uri="{FF2B5EF4-FFF2-40B4-BE49-F238E27FC236}">
-                <a16:creationId xmlns:a16="http://schemas.microsoft.com/office/drawing/2014/main" xmlns="" id="{7FEC52E6-E0E1-427E-87A8-FEE2AAF979A8}"/>
+                <a16:creationId xmlns="" xmlns:a16="http://schemas.microsoft.com/office/drawing/2014/main" id="{7FEC52E6-E0E1-427E-87A8-FEE2AAF979A8}"/>
               </a:ext>
             </a:extLst>
           </p:cNvPr>
@@ -24622,7 +24622,7 @@
           <p:cNvPr id="107" name="자유형: 도형 377">
             <a:extLst>
               <a:ext uri="{FF2B5EF4-FFF2-40B4-BE49-F238E27FC236}">
-                <a16:creationId xmlns="" xmlns:a16="http://schemas.microsoft.com/office/drawing/2014/main" id="{0B4A7219-0820-4378-B811-331B8646398F}"/>
+                <a16:creationId xmlns:a16="http://schemas.microsoft.com/office/drawing/2014/main" xmlns="" id="{0B4A7219-0820-4378-B811-331B8646398F}"/>
               </a:ext>
             </a:extLst>
           </p:cNvPr>
@@ -24767,7 +24767,7 @@
           <p:cNvPr id="108" name="자유형: 도형 378">
             <a:extLst>
               <a:ext uri="{FF2B5EF4-FFF2-40B4-BE49-F238E27FC236}">
-                <a16:creationId xmlns="" xmlns:a16="http://schemas.microsoft.com/office/drawing/2014/main" id="{AE7688D0-57FD-4391-A3C9-1EB04A54396A}"/>
+                <a16:creationId xmlns:a16="http://schemas.microsoft.com/office/drawing/2014/main" xmlns="" id="{AE7688D0-57FD-4391-A3C9-1EB04A54396A}"/>
               </a:ext>
             </a:extLst>
           </p:cNvPr>
@@ -24912,7 +24912,7 @@
           <p:cNvPr id="109" name="자유형: 도형 379">
             <a:extLst>
               <a:ext uri="{FF2B5EF4-FFF2-40B4-BE49-F238E27FC236}">
-                <a16:creationId xmlns="" xmlns:a16="http://schemas.microsoft.com/office/drawing/2014/main" id="{C4615E6A-E0F5-484B-8040-DD0DD89211FD}"/>
+                <a16:creationId xmlns:a16="http://schemas.microsoft.com/office/drawing/2014/main" xmlns="" id="{C4615E6A-E0F5-484B-8040-DD0DD89211FD}"/>
               </a:ext>
             </a:extLst>
           </p:cNvPr>
@@ -25057,7 +25057,7 @@
           <p:cNvPr id="110" name="자유형: 도형 380">
             <a:extLst>
               <a:ext uri="{FF2B5EF4-FFF2-40B4-BE49-F238E27FC236}">
-                <a16:creationId xmlns="" xmlns:a16="http://schemas.microsoft.com/office/drawing/2014/main" id="{0937B8B0-8045-4AA8-B9F4-04B7C0AFDEBB}"/>
+                <a16:creationId xmlns:a16="http://schemas.microsoft.com/office/drawing/2014/main" xmlns="" id="{0937B8B0-8045-4AA8-B9F4-04B7C0AFDEBB}"/>
               </a:ext>
             </a:extLst>
           </p:cNvPr>
@@ -25202,7 +25202,7 @@
           <p:cNvPr id="111" name="자유형: 도형 381">
             <a:extLst>
               <a:ext uri="{FF2B5EF4-FFF2-40B4-BE49-F238E27FC236}">
-                <a16:creationId xmlns="" xmlns:a16="http://schemas.microsoft.com/office/drawing/2014/main" id="{DB9ADCEC-01D9-4BB3-81EE-B1429055FB91}"/>
+                <a16:creationId xmlns:a16="http://schemas.microsoft.com/office/drawing/2014/main" xmlns="" id="{DB9ADCEC-01D9-4BB3-81EE-B1429055FB91}"/>
               </a:ext>
             </a:extLst>
           </p:cNvPr>
@@ -25347,7 +25347,7 @@
           <p:cNvPr id="112" name="자유형: 도형 382">
             <a:extLst>
               <a:ext uri="{FF2B5EF4-FFF2-40B4-BE49-F238E27FC236}">
-                <a16:creationId xmlns="" xmlns:a16="http://schemas.microsoft.com/office/drawing/2014/main" id="{DB61C11B-0EC3-4996-906C-007E57835D42}"/>
+                <a16:creationId xmlns:a16="http://schemas.microsoft.com/office/drawing/2014/main" xmlns="" id="{DB61C11B-0EC3-4996-906C-007E57835D42}"/>
               </a:ext>
             </a:extLst>
           </p:cNvPr>
@@ -25492,7 +25492,7 @@
           <p:cNvPr id="113" name="자유형: 도형 383">
             <a:extLst>
               <a:ext uri="{FF2B5EF4-FFF2-40B4-BE49-F238E27FC236}">
-                <a16:creationId xmlns="" xmlns:a16="http://schemas.microsoft.com/office/drawing/2014/main" id="{044A0A9B-5CA5-4FE7-B917-B350C19EF0E6}"/>
+                <a16:creationId xmlns:a16="http://schemas.microsoft.com/office/drawing/2014/main" xmlns="" id="{044A0A9B-5CA5-4FE7-B917-B350C19EF0E6}"/>
               </a:ext>
             </a:extLst>
           </p:cNvPr>
@@ -25637,7 +25637,7 @@
           <p:cNvPr id="114" name="자유형: 도형 384">
             <a:extLst>
               <a:ext uri="{FF2B5EF4-FFF2-40B4-BE49-F238E27FC236}">
-                <a16:creationId xmlns="" xmlns:a16="http://schemas.microsoft.com/office/drawing/2014/main" id="{EA9897D2-716C-4BC1-98EE-5CC7B719C72B}"/>
+                <a16:creationId xmlns:a16="http://schemas.microsoft.com/office/drawing/2014/main" xmlns="" id="{EA9897D2-716C-4BC1-98EE-5CC7B719C72B}"/>
               </a:ext>
             </a:extLst>
           </p:cNvPr>
@@ -25782,7 +25782,7 @@
           <p:cNvPr id="115" name="자유형: 도형 385">
             <a:extLst>
               <a:ext uri="{FF2B5EF4-FFF2-40B4-BE49-F238E27FC236}">
-                <a16:creationId xmlns="" xmlns:a16="http://schemas.microsoft.com/office/drawing/2014/main" id="{7582865E-7A8F-44C3-912A-C087626FEDA9}"/>
+                <a16:creationId xmlns:a16="http://schemas.microsoft.com/office/drawing/2014/main" xmlns="" id="{7582865E-7A8F-44C3-912A-C087626FEDA9}"/>
               </a:ext>
             </a:extLst>
           </p:cNvPr>
@@ -25927,7 +25927,7 @@
           <p:cNvPr id="116" name="자유형: 도형 386">
             <a:extLst>
               <a:ext uri="{FF2B5EF4-FFF2-40B4-BE49-F238E27FC236}">
-                <a16:creationId xmlns="" xmlns:a16="http://schemas.microsoft.com/office/drawing/2014/main" id="{76E18406-54A4-401D-9DCA-86C76E3A933C}"/>
+                <a16:creationId xmlns:a16="http://schemas.microsoft.com/office/drawing/2014/main" xmlns="" id="{76E18406-54A4-401D-9DCA-86C76E3A933C}"/>
               </a:ext>
             </a:extLst>
           </p:cNvPr>
@@ -26072,7 +26072,7 @@
           <p:cNvPr id="117" name="자유형: 도형 387">
             <a:extLst>
               <a:ext uri="{FF2B5EF4-FFF2-40B4-BE49-F238E27FC236}">
-                <a16:creationId xmlns="" xmlns:a16="http://schemas.microsoft.com/office/drawing/2014/main" id="{78D016E9-A182-4180-A637-1A890C82CE6A}"/>
+                <a16:creationId xmlns:a16="http://schemas.microsoft.com/office/drawing/2014/main" xmlns="" id="{78D016E9-A182-4180-A637-1A890C82CE6A}"/>
               </a:ext>
             </a:extLst>
           </p:cNvPr>
@@ -26217,7 +26217,7 @@
           <p:cNvPr id="118" name="자유형: 도형 388">
             <a:extLst>
               <a:ext uri="{FF2B5EF4-FFF2-40B4-BE49-F238E27FC236}">
-                <a16:creationId xmlns="" xmlns:a16="http://schemas.microsoft.com/office/drawing/2014/main" id="{05F8530F-49F6-48DF-AD43-D138C77A6596}"/>
+                <a16:creationId xmlns:a16="http://schemas.microsoft.com/office/drawing/2014/main" xmlns="" id="{05F8530F-49F6-48DF-AD43-D138C77A6596}"/>
               </a:ext>
             </a:extLst>
           </p:cNvPr>
@@ -26362,7 +26362,7 @@
           <p:cNvPr id="119" name="자유형: 도형 389">
             <a:extLst>
               <a:ext uri="{FF2B5EF4-FFF2-40B4-BE49-F238E27FC236}">
-                <a16:creationId xmlns="" xmlns:a16="http://schemas.microsoft.com/office/drawing/2014/main" id="{98DCEC21-B8BD-43A7-8436-449C4406D27B}"/>
+                <a16:creationId xmlns:a16="http://schemas.microsoft.com/office/drawing/2014/main" xmlns="" id="{98DCEC21-B8BD-43A7-8436-449C4406D27B}"/>
               </a:ext>
             </a:extLst>
           </p:cNvPr>
@@ -26507,7 +26507,7 @@
           <p:cNvPr id="120" name="자유형: 도형 390">
             <a:extLst>
               <a:ext uri="{FF2B5EF4-FFF2-40B4-BE49-F238E27FC236}">
-                <a16:creationId xmlns="" xmlns:a16="http://schemas.microsoft.com/office/drawing/2014/main" id="{71FAF07A-965F-4A51-9977-FFFFAA15A432}"/>
+                <a16:creationId xmlns:a16="http://schemas.microsoft.com/office/drawing/2014/main" xmlns="" id="{71FAF07A-965F-4A51-9977-FFFFAA15A432}"/>
               </a:ext>
             </a:extLst>
           </p:cNvPr>
@@ -26652,7 +26652,7 @@
           <p:cNvPr id="121" name="자유형: 도형 391">
             <a:extLst>
               <a:ext uri="{FF2B5EF4-FFF2-40B4-BE49-F238E27FC236}">
-                <a16:creationId xmlns="" xmlns:a16="http://schemas.microsoft.com/office/drawing/2014/main" id="{5047EEFB-CDDB-46B7-AA56-F96C5BF34725}"/>
+                <a16:creationId xmlns:a16="http://schemas.microsoft.com/office/drawing/2014/main" xmlns="" id="{5047EEFB-CDDB-46B7-AA56-F96C5BF34725}"/>
               </a:ext>
             </a:extLst>
           </p:cNvPr>
@@ -26797,7 +26797,7 @@
           <p:cNvPr id="122" name="자유형: 도형 392">
             <a:extLst>
               <a:ext uri="{FF2B5EF4-FFF2-40B4-BE49-F238E27FC236}">
-                <a16:creationId xmlns="" xmlns:a16="http://schemas.microsoft.com/office/drawing/2014/main" id="{2D343500-5462-4C95-880B-385171314AB6}"/>
+                <a16:creationId xmlns:a16="http://schemas.microsoft.com/office/drawing/2014/main" xmlns="" id="{2D343500-5462-4C95-880B-385171314AB6}"/>
               </a:ext>
             </a:extLst>
           </p:cNvPr>
@@ -26942,7 +26942,7 @@
           <p:cNvPr id="123" name="자유형: 도형 393">
             <a:extLst>
               <a:ext uri="{FF2B5EF4-FFF2-40B4-BE49-F238E27FC236}">
-                <a16:creationId xmlns="" xmlns:a16="http://schemas.microsoft.com/office/drawing/2014/main" id="{7B3DA1B8-BF1B-4513-966C-2A916F28EFB9}"/>
+                <a16:creationId xmlns:a16="http://schemas.microsoft.com/office/drawing/2014/main" xmlns="" id="{7B3DA1B8-BF1B-4513-966C-2A916F28EFB9}"/>
               </a:ext>
             </a:extLst>
           </p:cNvPr>
@@ -27087,7 +27087,7 @@
           <p:cNvPr id="124" name="자유형: 도형 394">
             <a:extLst>
               <a:ext uri="{FF2B5EF4-FFF2-40B4-BE49-F238E27FC236}">
-                <a16:creationId xmlns="" xmlns:a16="http://schemas.microsoft.com/office/drawing/2014/main" id="{28F89FC3-982F-4923-9453-6F57D8E1E307}"/>
+                <a16:creationId xmlns:a16="http://schemas.microsoft.com/office/drawing/2014/main" xmlns="" id="{28F89FC3-982F-4923-9453-6F57D8E1E307}"/>
               </a:ext>
             </a:extLst>
           </p:cNvPr>
@@ -27232,7 +27232,7 @@
           <p:cNvPr id="125" name="자유형: 도형 395">
             <a:extLst>
               <a:ext uri="{FF2B5EF4-FFF2-40B4-BE49-F238E27FC236}">
-                <a16:creationId xmlns="" xmlns:a16="http://schemas.microsoft.com/office/drawing/2014/main" id="{0F995921-8CFB-4A23-8C8B-B2815AE8670A}"/>
+                <a16:creationId xmlns:a16="http://schemas.microsoft.com/office/drawing/2014/main" xmlns="" id="{0F995921-8CFB-4A23-8C8B-B2815AE8670A}"/>
               </a:ext>
             </a:extLst>
           </p:cNvPr>
@@ -27377,7 +27377,7 @@
           <p:cNvPr id="126" name="자유형: 도형 396">
             <a:extLst>
               <a:ext uri="{FF2B5EF4-FFF2-40B4-BE49-F238E27FC236}">
-                <a16:creationId xmlns="" xmlns:a16="http://schemas.microsoft.com/office/drawing/2014/main" id="{38E18007-DA79-4D7B-96F0-FEC1EB21386C}"/>
+                <a16:creationId xmlns:a16="http://schemas.microsoft.com/office/drawing/2014/main" xmlns="" id="{38E18007-DA79-4D7B-96F0-FEC1EB21386C}"/>
               </a:ext>
             </a:extLst>
           </p:cNvPr>
@@ -27522,7 +27522,7 @@
           <p:cNvPr id="127" name="자유형: 도형 397">
             <a:extLst>
               <a:ext uri="{FF2B5EF4-FFF2-40B4-BE49-F238E27FC236}">
-                <a16:creationId xmlns="" xmlns:a16="http://schemas.microsoft.com/office/drawing/2014/main" id="{C0E1BE7B-0A87-404E-B319-F1AE13922904}"/>
+                <a16:creationId xmlns:a16="http://schemas.microsoft.com/office/drawing/2014/main" xmlns="" id="{C0E1BE7B-0A87-404E-B319-F1AE13922904}"/>
               </a:ext>
             </a:extLst>
           </p:cNvPr>
@@ -27667,7 +27667,7 @@
           <p:cNvPr id="128" name="자유형: 도형 398">
             <a:extLst>
               <a:ext uri="{FF2B5EF4-FFF2-40B4-BE49-F238E27FC236}">
-                <a16:creationId xmlns="" xmlns:a16="http://schemas.microsoft.com/office/drawing/2014/main" id="{675C7C0F-8C6D-4AAF-BC5F-2B81DEB3E4E8}"/>
+                <a16:creationId xmlns:a16="http://schemas.microsoft.com/office/drawing/2014/main" xmlns="" id="{675C7C0F-8C6D-4AAF-BC5F-2B81DEB3E4E8}"/>
               </a:ext>
             </a:extLst>
           </p:cNvPr>
@@ -27812,7 +27812,7 @@
           <p:cNvPr id="129" name="자유형: 도형 399">
             <a:extLst>
               <a:ext uri="{FF2B5EF4-FFF2-40B4-BE49-F238E27FC236}">
-                <a16:creationId xmlns="" xmlns:a16="http://schemas.microsoft.com/office/drawing/2014/main" id="{846A25C2-933F-44C2-A0FE-4110FBEBA915}"/>
+                <a16:creationId xmlns:a16="http://schemas.microsoft.com/office/drawing/2014/main" xmlns="" id="{846A25C2-933F-44C2-A0FE-4110FBEBA915}"/>
               </a:ext>
             </a:extLst>
           </p:cNvPr>
@@ -27957,7 +27957,7 @@
           <p:cNvPr id="130" name="자유형: 도형 400">
             <a:extLst>
               <a:ext uri="{FF2B5EF4-FFF2-40B4-BE49-F238E27FC236}">
-                <a16:creationId xmlns="" xmlns:a16="http://schemas.microsoft.com/office/drawing/2014/main" id="{5EBA2B3B-7A04-4662-B870-F720B8538988}"/>
+                <a16:creationId xmlns:a16="http://schemas.microsoft.com/office/drawing/2014/main" xmlns="" id="{5EBA2B3B-7A04-4662-B870-F720B8538988}"/>
               </a:ext>
             </a:extLst>
           </p:cNvPr>
@@ -28102,7 +28102,7 @@
           <p:cNvPr id="131" name="직사각형 130">
             <a:extLst>
               <a:ext uri="{FF2B5EF4-FFF2-40B4-BE49-F238E27FC236}">
-                <a16:creationId xmlns="" xmlns:a16="http://schemas.microsoft.com/office/drawing/2014/main" id="{8E46B02D-66F3-495A-BE76-8FA2A68509CF}"/>
+                <a16:creationId xmlns:a16="http://schemas.microsoft.com/office/drawing/2014/main" xmlns="" id="{8E46B02D-66F3-495A-BE76-8FA2A68509CF}"/>
               </a:ext>
             </a:extLst>
           </p:cNvPr>
@@ -28158,7 +28158,7 @@
           <p:cNvPr id="132" name="직사각형 131">
             <a:extLst>
               <a:ext uri="{FF2B5EF4-FFF2-40B4-BE49-F238E27FC236}">
-                <a16:creationId xmlns:a16="http://schemas.microsoft.com/office/drawing/2014/main" xmlns="" id="{7FEC52E6-E0E1-427E-87A8-FEE2AAF979A8}"/>
+                <a16:creationId xmlns="" xmlns:a16="http://schemas.microsoft.com/office/drawing/2014/main" id="{7FEC52E6-E0E1-427E-87A8-FEE2AAF979A8}"/>
               </a:ext>
             </a:extLst>
           </p:cNvPr>
@@ -29293,7 +29293,7 @@
           <p:cNvPr id="114" name="직사각형 113">
             <a:extLst>
               <a:ext uri="{FF2B5EF4-FFF2-40B4-BE49-F238E27FC236}">
-                <a16:creationId xmlns:a16="http://schemas.microsoft.com/office/drawing/2014/main" xmlns="" id="{3FA00699-5178-465A-9F3F-130CF1431F70}"/>
+                <a16:creationId xmlns="" xmlns:a16="http://schemas.microsoft.com/office/drawing/2014/main" id="{3FA00699-5178-465A-9F3F-130CF1431F70}"/>
               </a:ext>
             </a:extLst>
           </p:cNvPr>
@@ -29618,7 +29618,7 @@
           <p:cNvPr id="122" name="직사각형 121">
             <a:extLst>
               <a:ext uri="{FF2B5EF4-FFF2-40B4-BE49-F238E27FC236}">
-                <a16:creationId xmlns:a16="http://schemas.microsoft.com/office/drawing/2014/main" xmlns="" id="{3FA00699-5178-465A-9F3F-130CF1431F70}"/>
+                <a16:creationId xmlns="" xmlns:a16="http://schemas.microsoft.com/office/drawing/2014/main" id="{3FA00699-5178-465A-9F3F-130CF1431F70}"/>
               </a:ext>
             </a:extLst>
           </p:cNvPr>
@@ -29943,7 +29943,7 @@
           <p:cNvPr id="130" name="직사각형 129">
             <a:extLst>
               <a:ext uri="{FF2B5EF4-FFF2-40B4-BE49-F238E27FC236}">
-                <a16:creationId xmlns:a16="http://schemas.microsoft.com/office/drawing/2014/main" xmlns="" id="{3FA00699-5178-465A-9F3F-130CF1431F70}"/>
+                <a16:creationId xmlns="" xmlns:a16="http://schemas.microsoft.com/office/drawing/2014/main" id="{3FA00699-5178-465A-9F3F-130CF1431F70}"/>
               </a:ext>
             </a:extLst>
           </p:cNvPr>
@@ -32549,7 +32549,7 @@
           <p:nvPr/>
         </p:nvPicPr>
         <p:blipFill>
-          <a:blip r:embed="rId2">
+          <a:blip r:embed="rId2" cstate="print">
             <a:extLst>
               <a:ext uri="{28A0092B-C50C-407E-A947-70E740481C1C}">
                 <a14:useLocalDpi xmlns:a14="http://schemas.microsoft.com/office/drawing/2010/main" val="0"/>
@@ -32562,8 +32562,8 @@
         </p:blipFill>
         <p:spPr>
           <a:xfrm>
-            <a:off x="665095" y="1306283"/>
-            <a:ext cx="5288402" cy="4579257"/>
+            <a:off x="685625" y="1344703"/>
+            <a:ext cx="5054348" cy="4579257"/>
           </a:xfrm>
           <a:prstGeom prst="rect">
             <a:avLst/>
@@ -32575,7 +32575,7 @@
           <p:cNvPr id="58" name="직사각형 57">
             <a:extLst>
               <a:ext uri="{FF2B5EF4-FFF2-40B4-BE49-F238E27FC236}">
-                <a16:creationId xmlns:a16="http://schemas.microsoft.com/office/drawing/2014/main" xmlns="" id="{3FA00699-5178-465A-9F3F-130CF1431F70}"/>
+                <a16:creationId xmlns="" xmlns:a16="http://schemas.microsoft.com/office/drawing/2014/main" id="{3FA00699-5178-465A-9F3F-130CF1431F70}"/>
               </a:ext>
             </a:extLst>
           </p:cNvPr>
@@ -32584,8 +32584,8 @@
         </p:nvSpPr>
         <p:spPr>
           <a:xfrm>
-            <a:off x="665095" y="1044248"/>
-            <a:ext cx="1238500" cy="346249"/>
+            <a:off x="665092" y="1044248"/>
+            <a:ext cx="2047371" cy="346249"/>
           </a:xfrm>
           <a:prstGeom prst="rect">
             <a:avLst/>
@@ -32624,7 +32624,47 @@
                   <a:srgbClr val="5B6176"/>
                 </a:solidFill>
               </a:rPr>
-              <a:t>문 사용</a:t>
+              <a:t>문 </a:t>
+            </a:r>
+            <a:r>
+              <a:rPr lang="ko-KR" altLang="en-US" sz="1100" dirty="0" smtClean="0">
+                <a:solidFill>
+                  <a:srgbClr val="5B6176"/>
+                </a:solidFill>
+              </a:rPr>
+              <a:t>사용 </a:t>
+            </a:r>
+            <a:r>
+              <a:rPr lang="en-US" altLang="ko-KR" sz="1100" dirty="0" smtClean="0">
+                <a:solidFill>
+                  <a:srgbClr val="5B6176"/>
+                </a:solidFill>
+              </a:rPr>
+              <a:t>O - </a:t>
+            </a:r>
+            <a:r>
+              <a:rPr lang="ko-KR" altLang="en-US" sz="1100" dirty="0" err="1" smtClean="0">
+                <a:solidFill>
+                  <a:srgbClr val="5B6176"/>
+                </a:solidFill>
+              </a:rPr>
+              <a:t>고저차</a:t>
+            </a:r>
+            <a:r>
+              <a:rPr lang="ko-KR" altLang="en-US" sz="1100" dirty="0" smtClean="0">
+                <a:solidFill>
+                  <a:srgbClr val="5B6176"/>
+                </a:solidFill>
+              </a:rPr>
+              <a:t> </a:t>
+            </a:r>
+            <a:r>
+              <a:rPr lang="en-US" altLang="ko-KR" sz="1100" dirty="0" smtClean="0">
+                <a:solidFill>
+                  <a:srgbClr val="5B6176"/>
+                </a:solidFill>
+              </a:rPr>
+              <a:t>O</a:t>
             </a:r>
             <a:endParaRPr lang="en-US" altLang="ko-KR" sz="1100" b="1" dirty="0" smtClean="0">
               <a:solidFill>
@@ -32639,7 +32679,7 @@
           <p:cNvPr id="63" name="직사각형 62">
             <a:extLst>
               <a:ext uri="{FF2B5EF4-FFF2-40B4-BE49-F238E27FC236}">
-                <a16:creationId xmlns:a16="http://schemas.microsoft.com/office/drawing/2014/main" xmlns="" id="{3FA00699-5178-465A-9F3F-130CF1431F70}"/>
+                <a16:creationId xmlns="" xmlns:a16="http://schemas.microsoft.com/office/drawing/2014/main" id="{3FA00699-5178-465A-9F3F-130CF1431F70}"/>
               </a:ext>
             </a:extLst>
           </p:cNvPr>
@@ -32648,8 +32688,8 @@
         </p:nvSpPr>
         <p:spPr>
           <a:xfrm>
-            <a:off x="6282888" y="1063221"/>
-            <a:ext cx="1238500" cy="346249"/>
+            <a:off x="6410456" y="1063221"/>
+            <a:ext cx="2284809" cy="346249"/>
           </a:xfrm>
           <a:prstGeom prst="rect">
             <a:avLst/>
@@ -32691,7 +32731,31 @@
               <a:t>문 사용 </a:t>
             </a:r>
             <a:r>
-              <a:rPr lang="en-US" altLang="ko-KR" sz="1100" dirty="0">
+              <a:rPr lang="en-US" altLang="ko-KR" sz="1100" dirty="0" smtClean="0">
+                <a:solidFill>
+                  <a:srgbClr val="5B6176"/>
+                </a:solidFill>
+              </a:rPr>
+              <a:t>X - </a:t>
+            </a:r>
+            <a:r>
+              <a:rPr lang="ko-KR" altLang="en-US" sz="1100" dirty="0" err="1" smtClean="0">
+                <a:solidFill>
+                  <a:srgbClr val="5B6176"/>
+                </a:solidFill>
+              </a:rPr>
+              <a:t>고저차</a:t>
+            </a:r>
+            <a:r>
+              <a:rPr lang="ko-KR" altLang="en-US" sz="1100" dirty="0" smtClean="0">
+                <a:solidFill>
+                  <a:srgbClr val="5B6176"/>
+                </a:solidFill>
+              </a:rPr>
+              <a:t> </a:t>
+            </a:r>
+            <a:r>
+              <a:rPr lang="en-US" altLang="ko-KR" sz="1100" dirty="0" smtClean="0">
                 <a:solidFill>
                   <a:srgbClr val="5B6176"/>
                 </a:solidFill>
@@ -32708,7 +32772,7 @@
       </p:sp>
       <p:pic>
         <p:nvPicPr>
-          <p:cNvPr id="15" name="그림 14"/>
+          <p:cNvPr id="2" name="그림 1"/>
           <p:cNvPicPr>
             <a:picLocks noChangeAspect="1"/>
           </p:cNvPicPr>
@@ -32728,8 +32792,8 @@
         </p:blipFill>
         <p:spPr>
           <a:xfrm>
-            <a:off x="6186941" y="1306283"/>
-            <a:ext cx="5360224" cy="4579257"/>
+            <a:off x="6410456" y="1359761"/>
+            <a:ext cx="5138647" cy="4564199"/>
           </a:xfrm>
           <a:prstGeom prst="rect">
             <a:avLst/>
@@ -35649,7 +35713,7 @@
           <p:cNvPr id="14" name="직사각형 13">
             <a:extLst>
               <a:ext uri="{FF2B5EF4-FFF2-40B4-BE49-F238E27FC236}">
-                <a16:creationId xmlns:a16="http://schemas.microsoft.com/office/drawing/2014/main" xmlns="" id="{3FA00699-5178-465A-9F3F-130CF1431F70}"/>
+                <a16:creationId xmlns="" xmlns:a16="http://schemas.microsoft.com/office/drawing/2014/main" id="{3FA00699-5178-465A-9F3F-130CF1431F70}"/>
               </a:ext>
             </a:extLst>
           </p:cNvPr>
@@ -36457,7 +36521,7 @@
           <p:cNvPr id="26" name="직사각형 25">
             <a:extLst>
               <a:ext uri="{FF2B5EF4-FFF2-40B4-BE49-F238E27FC236}">
-                <a16:creationId xmlns:a16="http://schemas.microsoft.com/office/drawing/2014/main" xmlns="" id="{3FA00699-5178-465A-9F3F-130CF1431F70}"/>
+                <a16:creationId xmlns="" xmlns:a16="http://schemas.microsoft.com/office/drawing/2014/main" id="{3FA00699-5178-465A-9F3F-130CF1431F70}"/>
               </a:ext>
             </a:extLst>
           </p:cNvPr>
@@ -36505,7 +36569,7 @@
           <p:cNvPr id="27" name="직사각형 26">
             <a:extLst>
               <a:ext uri="{FF2B5EF4-FFF2-40B4-BE49-F238E27FC236}">
-                <a16:creationId xmlns:a16="http://schemas.microsoft.com/office/drawing/2014/main" xmlns="" id="{3FA00699-5178-465A-9F3F-130CF1431F70}"/>
+                <a16:creationId xmlns="" xmlns:a16="http://schemas.microsoft.com/office/drawing/2014/main" id="{3FA00699-5178-465A-9F3F-130CF1431F70}"/>
               </a:ext>
             </a:extLst>
           </p:cNvPr>
@@ -36561,7 +36625,7 @@
           <p:cNvPr id="28" name="직사각형 27">
             <a:extLst>
               <a:ext uri="{FF2B5EF4-FFF2-40B4-BE49-F238E27FC236}">
-                <a16:creationId xmlns:a16="http://schemas.microsoft.com/office/drawing/2014/main" xmlns="" id="{3FA00699-5178-465A-9F3F-130CF1431F70}"/>
+                <a16:creationId xmlns="" xmlns:a16="http://schemas.microsoft.com/office/drawing/2014/main" id="{3FA00699-5178-465A-9F3F-130CF1431F70}"/>
               </a:ext>
             </a:extLst>
           </p:cNvPr>
@@ -37762,7 +37826,7 @@
           <p:cNvPr id="30" name="직사각형 29">
             <a:extLst>
               <a:ext uri="{FF2B5EF4-FFF2-40B4-BE49-F238E27FC236}">
-                <a16:creationId xmlns:a16="http://schemas.microsoft.com/office/drawing/2014/main" xmlns="" id="{3FA00699-5178-465A-9F3F-130CF1431F70}"/>
+                <a16:creationId xmlns="" xmlns:a16="http://schemas.microsoft.com/office/drawing/2014/main" id="{3FA00699-5178-465A-9F3F-130CF1431F70}"/>
               </a:ext>
             </a:extLst>
           </p:cNvPr>
@@ -38947,7 +39011,7 @@
           <p:cNvPr id="59" name="직사각형 58">
             <a:extLst>
               <a:ext uri="{FF2B5EF4-FFF2-40B4-BE49-F238E27FC236}">
-                <a16:creationId xmlns:a16="http://schemas.microsoft.com/office/drawing/2014/main" xmlns="" id="{3FA00699-5178-465A-9F3F-130CF1431F70}"/>
+                <a16:creationId xmlns="" xmlns:a16="http://schemas.microsoft.com/office/drawing/2014/main" id="{3FA00699-5178-465A-9F3F-130CF1431F70}"/>
               </a:ext>
             </a:extLst>
           </p:cNvPr>
@@ -39332,7 +39396,7 @@
   <a:extraClrSchemeLst/>
   <a:extLst>
     <a:ext uri="{05A4C25C-085E-4340-85A3-A5531E510DB2}">
-      <thm15:themeFamily xmlns="" xmlns:thm15="http://schemas.microsoft.com/office/thememl/2012/main" name="Office Theme" id="{62F939B6-93AF-4DB8-9C6B-D6C7DFDC589F}" vid="{4A3C46E8-61CC-4603-A589-7422A47A8E4A}"/>
+      <thm15:themeFamily xmlns:thm15="http://schemas.microsoft.com/office/thememl/2012/main" xmlns="" name="Office Theme" id="{62F939B6-93AF-4DB8-9C6B-D6C7DFDC589F}" vid="{4A3C46E8-61CC-4603-A589-7422A47A8E4A}"/>
     </a:ext>
   </a:extLst>
 </a:theme>

--- a/포트폴리오/로또 번호 추첨기/로또 번호 추첨기 - 양화영.pptx
+++ b/포트폴리오/로또 번호 추첨기/로또 번호 추첨기 - 양화영.pptx
@@ -10,19 +10,18 @@
     <p:sldId id="258" r:id="rId4"/>
     <p:sldId id="265" r:id="rId5"/>
     <p:sldId id="278" r:id="rId6"/>
-    <p:sldId id="279" r:id="rId7"/>
-    <p:sldId id="259" r:id="rId8"/>
-    <p:sldId id="270" r:id="rId9"/>
-    <p:sldId id="268" r:id="rId10"/>
-    <p:sldId id="269" r:id="rId11"/>
-    <p:sldId id="273" r:id="rId12"/>
-    <p:sldId id="271" r:id="rId13"/>
-    <p:sldId id="272" r:id="rId14"/>
-    <p:sldId id="260" r:id="rId15"/>
-    <p:sldId id="274" r:id="rId16"/>
-    <p:sldId id="275" r:id="rId17"/>
-    <p:sldId id="276" r:id="rId18"/>
-    <p:sldId id="277" r:id="rId19"/>
+    <p:sldId id="259" r:id="rId7"/>
+    <p:sldId id="270" r:id="rId8"/>
+    <p:sldId id="268" r:id="rId9"/>
+    <p:sldId id="269" r:id="rId10"/>
+    <p:sldId id="273" r:id="rId11"/>
+    <p:sldId id="271" r:id="rId12"/>
+    <p:sldId id="272" r:id="rId13"/>
+    <p:sldId id="260" r:id="rId14"/>
+    <p:sldId id="274" r:id="rId15"/>
+    <p:sldId id="275" r:id="rId16"/>
+    <p:sldId id="276" r:id="rId17"/>
+    <p:sldId id="277" r:id="rId18"/>
   </p:sldIdLst>
   <p:sldSz cx="12192000" cy="6858000"/>
   <p:notesSz cx="6858000" cy="9144000"/>
@@ -121,6 +120,22 @@
       </a:defRPr>
     </a:lvl9pPr>
   </p:defaultTextStyle>
+  <p:extLst>
+    <p:ext uri="{EFAFB233-063F-42B5-8137-9DF3F51BA10A}">
+      <p15:sldGuideLst xmlns:p15="http://schemas.microsoft.com/office/powerpoint/2012/main">
+        <p15:guide id="1" orient="horz" pos="2150">
+          <p15:clr>
+            <a:srgbClr val="A4A3A4"/>
+          </p15:clr>
+        </p15:guide>
+        <p15:guide id="2" pos="3815">
+          <p15:clr>
+            <a:srgbClr val="A4A3A4"/>
+          </p15:clr>
+        </p15:guide>
+      </p15:sldGuideLst>
+    </p:ext>
+  </p:extLst>
 </p:presentation>
 </file>
 
@@ -146,7 +161,7 @@
           <p:cNvPr id="2" name="제목 1">
             <a:extLst>
               <a:ext uri="{FF2B5EF4-FFF2-40B4-BE49-F238E27FC236}">
-                <a16:creationId xmlns:a16="http://schemas.microsoft.com/office/drawing/2014/main" xmlns="" id="{22112318-F619-4488-8B6E-2F5F2426A69A}"/>
+                <a16:creationId xmlns:a16="http://schemas.microsoft.com/office/drawing/2014/main" id="{22112318-F619-4488-8B6E-2F5F2426A69A}"/>
               </a:ext>
             </a:extLst>
           </p:cNvPr>
@@ -183,7 +198,7 @@
           <p:cNvPr id="3" name="부제목 2">
             <a:extLst>
               <a:ext uri="{FF2B5EF4-FFF2-40B4-BE49-F238E27FC236}">
-                <a16:creationId xmlns:a16="http://schemas.microsoft.com/office/drawing/2014/main" xmlns="" id="{E8BEE6BB-9A5F-4E9F-9F1C-6D46BE01A313}"/>
+                <a16:creationId xmlns:a16="http://schemas.microsoft.com/office/drawing/2014/main" id="{E8BEE6BB-9A5F-4E9F-9F1C-6D46BE01A313}"/>
               </a:ext>
             </a:extLst>
           </p:cNvPr>
@@ -253,7 +268,7 @@
           <p:cNvPr id="4" name="날짜 개체 틀 3">
             <a:extLst>
               <a:ext uri="{FF2B5EF4-FFF2-40B4-BE49-F238E27FC236}">
-                <a16:creationId xmlns:a16="http://schemas.microsoft.com/office/drawing/2014/main" xmlns="" id="{D2D9A51D-A948-4CB8-A9EB-5A26520C8EF0}"/>
+                <a16:creationId xmlns:a16="http://schemas.microsoft.com/office/drawing/2014/main" id="{D2D9A51D-A948-4CB8-A9EB-5A26520C8EF0}"/>
               </a:ext>
             </a:extLst>
           </p:cNvPr>
@@ -295,7 +310,7 @@
           <p:cNvPr id="5" name="바닥글 개체 틀 4">
             <a:extLst>
               <a:ext uri="{FF2B5EF4-FFF2-40B4-BE49-F238E27FC236}">
-                <a16:creationId xmlns:a16="http://schemas.microsoft.com/office/drawing/2014/main" xmlns="" id="{84374BBD-0B82-4658-B13D-088F0E4D078E}"/>
+                <a16:creationId xmlns:a16="http://schemas.microsoft.com/office/drawing/2014/main" id="{84374BBD-0B82-4658-B13D-088F0E4D078E}"/>
               </a:ext>
             </a:extLst>
           </p:cNvPr>
@@ -326,7 +341,7 @@
           <p:cNvPr id="6" name="슬라이드 번호 개체 틀 5">
             <a:extLst>
               <a:ext uri="{FF2B5EF4-FFF2-40B4-BE49-F238E27FC236}">
-                <a16:creationId xmlns:a16="http://schemas.microsoft.com/office/drawing/2014/main" xmlns="" id="{AB1AAA67-696A-4836-A10B-FF164C3AF889}"/>
+                <a16:creationId xmlns:a16="http://schemas.microsoft.com/office/drawing/2014/main" id="{AB1AAA67-696A-4836-A10B-FF164C3AF889}"/>
               </a:ext>
             </a:extLst>
           </p:cNvPr>
@@ -398,7 +413,7 @@
           <p:cNvPr id="2" name="제목 1">
             <a:extLst>
               <a:ext uri="{FF2B5EF4-FFF2-40B4-BE49-F238E27FC236}">
-                <a16:creationId xmlns:a16="http://schemas.microsoft.com/office/drawing/2014/main" xmlns="" id="{3C43AEE1-28CA-46D2-81F5-CD34E4F9E583}"/>
+                <a16:creationId xmlns:a16="http://schemas.microsoft.com/office/drawing/2014/main" id="{3C43AEE1-28CA-46D2-81F5-CD34E4F9E583}"/>
               </a:ext>
             </a:extLst>
           </p:cNvPr>
@@ -426,7 +441,7 @@
           <p:cNvPr id="3" name="세로 텍스트 개체 틀 2">
             <a:extLst>
               <a:ext uri="{FF2B5EF4-FFF2-40B4-BE49-F238E27FC236}">
-                <a16:creationId xmlns:a16="http://schemas.microsoft.com/office/drawing/2014/main" xmlns="" id="{C738FEC2-4BF0-4A45-9297-EE9B2E45E5CC}"/>
+                <a16:creationId xmlns:a16="http://schemas.microsoft.com/office/drawing/2014/main" id="{C738FEC2-4BF0-4A45-9297-EE9B2E45E5CC}"/>
               </a:ext>
             </a:extLst>
           </p:cNvPr>
@@ -483,7 +498,7 @@
           <p:cNvPr id="4" name="날짜 개체 틀 3">
             <a:extLst>
               <a:ext uri="{FF2B5EF4-FFF2-40B4-BE49-F238E27FC236}">
-                <a16:creationId xmlns:a16="http://schemas.microsoft.com/office/drawing/2014/main" xmlns="" id="{2BEDBAD0-D342-4544-94B8-122B3BDBF705}"/>
+                <a16:creationId xmlns:a16="http://schemas.microsoft.com/office/drawing/2014/main" id="{2BEDBAD0-D342-4544-94B8-122B3BDBF705}"/>
               </a:ext>
             </a:extLst>
           </p:cNvPr>
@@ -525,7 +540,7 @@
           <p:cNvPr id="5" name="바닥글 개체 틀 4">
             <a:extLst>
               <a:ext uri="{FF2B5EF4-FFF2-40B4-BE49-F238E27FC236}">
-                <a16:creationId xmlns:a16="http://schemas.microsoft.com/office/drawing/2014/main" xmlns="" id="{1D70FE0D-ACBA-4806-9F35-4EB786E865FE}"/>
+                <a16:creationId xmlns:a16="http://schemas.microsoft.com/office/drawing/2014/main" id="{1D70FE0D-ACBA-4806-9F35-4EB786E865FE}"/>
               </a:ext>
             </a:extLst>
           </p:cNvPr>
@@ -556,7 +571,7 @@
           <p:cNvPr id="6" name="슬라이드 번호 개체 틀 5">
             <a:extLst>
               <a:ext uri="{FF2B5EF4-FFF2-40B4-BE49-F238E27FC236}">
-                <a16:creationId xmlns:a16="http://schemas.microsoft.com/office/drawing/2014/main" xmlns="" id="{A7F3119A-4AE1-408F-B8AD-4428B0060B24}"/>
+                <a16:creationId xmlns:a16="http://schemas.microsoft.com/office/drawing/2014/main" id="{A7F3119A-4AE1-408F-B8AD-4428B0060B24}"/>
               </a:ext>
             </a:extLst>
           </p:cNvPr>
@@ -628,7 +643,7 @@
           <p:cNvPr id="2" name="세로 제목 1">
             <a:extLst>
               <a:ext uri="{FF2B5EF4-FFF2-40B4-BE49-F238E27FC236}">
-                <a16:creationId xmlns:a16="http://schemas.microsoft.com/office/drawing/2014/main" xmlns="" id="{F0B3D2AB-E650-41C2-B6FB-5398A5C19680}"/>
+                <a16:creationId xmlns:a16="http://schemas.microsoft.com/office/drawing/2014/main" id="{F0B3D2AB-E650-41C2-B6FB-5398A5C19680}"/>
               </a:ext>
             </a:extLst>
           </p:cNvPr>
@@ -661,7 +676,7 @@
           <p:cNvPr id="3" name="세로 텍스트 개체 틀 2">
             <a:extLst>
               <a:ext uri="{FF2B5EF4-FFF2-40B4-BE49-F238E27FC236}">
-                <a16:creationId xmlns:a16="http://schemas.microsoft.com/office/drawing/2014/main" xmlns="" id="{992D6516-8F93-4221-97F7-E01D89EE517D}"/>
+                <a16:creationId xmlns:a16="http://schemas.microsoft.com/office/drawing/2014/main" id="{992D6516-8F93-4221-97F7-E01D89EE517D}"/>
               </a:ext>
             </a:extLst>
           </p:cNvPr>
@@ -723,7 +738,7 @@
           <p:cNvPr id="4" name="날짜 개체 틀 3">
             <a:extLst>
               <a:ext uri="{FF2B5EF4-FFF2-40B4-BE49-F238E27FC236}">
-                <a16:creationId xmlns:a16="http://schemas.microsoft.com/office/drawing/2014/main" xmlns="" id="{8D86CB26-A349-496A-B48B-A7B891172236}"/>
+                <a16:creationId xmlns:a16="http://schemas.microsoft.com/office/drawing/2014/main" id="{8D86CB26-A349-496A-B48B-A7B891172236}"/>
               </a:ext>
             </a:extLst>
           </p:cNvPr>
@@ -765,7 +780,7 @@
           <p:cNvPr id="5" name="바닥글 개체 틀 4">
             <a:extLst>
               <a:ext uri="{FF2B5EF4-FFF2-40B4-BE49-F238E27FC236}">
-                <a16:creationId xmlns:a16="http://schemas.microsoft.com/office/drawing/2014/main" xmlns="" id="{C2E726FD-A739-41D5-96BA-4670363928CF}"/>
+                <a16:creationId xmlns:a16="http://schemas.microsoft.com/office/drawing/2014/main" id="{C2E726FD-A739-41D5-96BA-4670363928CF}"/>
               </a:ext>
             </a:extLst>
           </p:cNvPr>
@@ -796,7 +811,7 @@
           <p:cNvPr id="6" name="슬라이드 번호 개체 틀 5">
             <a:extLst>
               <a:ext uri="{FF2B5EF4-FFF2-40B4-BE49-F238E27FC236}">
-                <a16:creationId xmlns:a16="http://schemas.microsoft.com/office/drawing/2014/main" xmlns="" id="{60FAE18D-FED5-4070-8B76-811D76CCECC9}"/>
+                <a16:creationId xmlns:a16="http://schemas.microsoft.com/office/drawing/2014/main" id="{60FAE18D-FED5-4070-8B76-811D76CCECC9}"/>
               </a:ext>
             </a:extLst>
           </p:cNvPr>
@@ -868,7 +883,7 @@
           <p:cNvPr id="2" name="제목 1">
             <a:extLst>
               <a:ext uri="{FF2B5EF4-FFF2-40B4-BE49-F238E27FC236}">
-                <a16:creationId xmlns:a16="http://schemas.microsoft.com/office/drawing/2014/main" xmlns="" id="{5CC6958D-28E5-4CC8-8C48-52A02A1BC426}"/>
+                <a16:creationId xmlns:a16="http://schemas.microsoft.com/office/drawing/2014/main" id="{5CC6958D-28E5-4CC8-8C48-52A02A1BC426}"/>
               </a:ext>
             </a:extLst>
           </p:cNvPr>
@@ -896,7 +911,7 @@
           <p:cNvPr id="3" name="내용 개체 틀 2">
             <a:extLst>
               <a:ext uri="{FF2B5EF4-FFF2-40B4-BE49-F238E27FC236}">
-                <a16:creationId xmlns:a16="http://schemas.microsoft.com/office/drawing/2014/main" xmlns="" id="{E8E03031-827B-4AC7-B564-384C16177476}"/>
+                <a16:creationId xmlns:a16="http://schemas.microsoft.com/office/drawing/2014/main" id="{E8E03031-827B-4AC7-B564-384C16177476}"/>
               </a:ext>
             </a:extLst>
           </p:cNvPr>
@@ -953,7 +968,7 @@
           <p:cNvPr id="4" name="날짜 개체 틀 3">
             <a:extLst>
               <a:ext uri="{FF2B5EF4-FFF2-40B4-BE49-F238E27FC236}">
-                <a16:creationId xmlns:a16="http://schemas.microsoft.com/office/drawing/2014/main" xmlns="" id="{11C19838-69C9-49EB-9B51-549106E9B8DE}"/>
+                <a16:creationId xmlns:a16="http://schemas.microsoft.com/office/drawing/2014/main" id="{11C19838-69C9-49EB-9B51-549106E9B8DE}"/>
               </a:ext>
             </a:extLst>
           </p:cNvPr>
@@ -995,7 +1010,7 @@
           <p:cNvPr id="5" name="바닥글 개체 틀 4">
             <a:extLst>
               <a:ext uri="{FF2B5EF4-FFF2-40B4-BE49-F238E27FC236}">
-                <a16:creationId xmlns:a16="http://schemas.microsoft.com/office/drawing/2014/main" xmlns="" id="{3C26852C-90C9-4502-A697-363CF824CFD0}"/>
+                <a16:creationId xmlns:a16="http://schemas.microsoft.com/office/drawing/2014/main" id="{3C26852C-90C9-4502-A697-363CF824CFD0}"/>
               </a:ext>
             </a:extLst>
           </p:cNvPr>
@@ -1026,7 +1041,7 @@
           <p:cNvPr id="6" name="슬라이드 번호 개체 틀 5">
             <a:extLst>
               <a:ext uri="{FF2B5EF4-FFF2-40B4-BE49-F238E27FC236}">
-                <a16:creationId xmlns:a16="http://schemas.microsoft.com/office/drawing/2014/main" xmlns="" id="{DF7509D0-CCBD-406A-9D4E-6845657BBAED}"/>
+                <a16:creationId xmlns:a16="http://schemas.microsoft.com/office/drawing/2014/main" id="{DF7509D0-CCBD-406A-9D4E-6845657BBAED}"/>
               </a:ext>
             </a:extLst>
           </p:cNvPr>
@@ -1098,7 +1113,7 @@
           <p:cNvPr id="2" name="제목 1">
             <a:extLst>
               <a:ext uri="{FF2B5EF4-FFF2-40B4-BE49-F238E27FC236}">
-                <a16:creationId xmlns:a16="http://schemas.microsoft.com/office/drawing/2014/main" xmlns="" id="{6CEF73EF-188B-4B17-B08F-D30E80C308D0}"/>
+                <a16:creationId xmlns:a16="http://schemas.microsoft.com/office/drawing/2014/main" id="{6CEF73EF-188B-4B17-B08F-D30E80C308D0}"/>
               </a:ext>
             </a:extLst>
           </p:cNvPr>
@@ -1135,7 +1150,7 @@
           <p:cNvPr id="3" name="텍스트 개체 틀 2">
             <a:extLst>
               <a:ext uri="{FF2B5EF4-FFF2-40B4-BE49-F238E27FC236}">
-                <a16:creationId xmlns:a16="http://schemas.microsoft.com/office/drawing/2014/main" xmlns="" id="{DD7DD2CA-F9BF-47A8-9D27-757556FD1CEE}"/>
+                <a16:creationId xmlns:a16="http://schemas.microsoft.com/office/drawing/2014/main" id="{DD7DD2CA-F9BF-47A8-9D27-757556FD1CEE}"/>
               </a:ext>
             </a:extLst>
           </p:cNvPr>
@@ -1260,7 +1275,7 @@
           <p:cNvPr id="4" name="날짜 개체 틀 3">
             <a:extLst>
               <a:ext uri="{FF2B5EF4-FFF2-40B4-BE49-F238E27FC236}">
-                <a16:creationId xmlns:a16="http://schemas.microsoft.com/office/drawing/2014/main" xmlns="" id="{DE78A1FB-ABBF-480D-AC6C-9BB1AEF9789B}"/>
+                <a16:creationId xmlns:a16="http://schemas.microsoft.com/office/drawing/2014/main" id="{DE78A1FB-ABBF-480D-AC6C-9BB1AEF9789B}"/>
               </a:ext>
             </a:extLst>
           </p:cNvPr>
@@ -1302,7 +1317,7 @@
           <p:cNvPr id="5" name="바닥글 개체 틀 4">
             <a:extLst>
               <a:ext uri="{FF2B5EF4-FFF2-40B4-BE49-F238E27FC236}">
-                <a16:creationId xmlns:a16="http://schemas.microsoft.com/office/drawing/2014/main" xmlns="" id="{6384247E-1D11-4A19-BDDF-E157A205B45F}"/>
+                <a16:creationId xmlns:a16="http://schemas.microsoft.com/office/drawing/2014/main" id="{6384247E-1D11-4A19-BDDF-E157A205B45F}"/>
               </a:ext>
             </a:extLst>
           </p:cNvPr>
@@ -1333,7 +1348,7 @@
           <p:cNvPr id="6" name="슬라이드 번호 개체 틀 5">
             <a:extLst>
               <a:ext uri="{FF2B5EF4-FFF2-40B4-BE49-F238E27FC236}">
-                <a16:creationId xmlns:a16="http://schemas.microsoft.com/office/drawing/2014/main" xmlns="" id="{124EC815-B6FC-4BDE-910C-F8015ED4AD75}"/>
+                <a16:creationId xmlns:a16="http://schemas.microsoft.com/office/drawing/2014/main" id="{124EC815-B6FC-4BDE-910C-F8015ED4AD75}"/>
               </a:ext>
             </a:extLst>
           </p:cNvPr>
@@ -1405,7 +1420,7 @@
           <p:cNvPr id="2" name="제목 1">
             <a:extLst>
               <a:ext uri="{FF2B5EF4-FFF2-40B4-BE49-F238E27FC236}">
-                <a16:creationId xmlns:a16="http://schemas.microsoft.com/office/drawing/2014/main" xmlns="" id="{B4DAEB91-29AA-4ACC-BDCF-960470FCA5A1}"/>
+                <a16:creationId xmlns:a16="http://schemas.microsoft.com/office/drawing/2014/main" id="{B4DAEB91-29AA-4ACC-BDCF-960470FCA5A1}"/>
               </a:ext>
             </a:extLst>
           </p:cNvPr>
@@ -1433,7 +1448,7 @@
           <p:cNvPr id="3" name="내용 개체 틀 2">
             <a:extLst>
               <a:ext uri="{FF2B5EF4-FFF2-40B4-BE49-F238E27FC236}">
-                <a16:creationId xmlns:a16="http://schemas.microsoft.com/office/drawing/2014/main" xmlns="" id="{256B0E51-7DC0-45B6-8306-D8167F5CB7C8}"/>
+                <a16:creationId xmlns:a16="http://schemas.microsoft.com/office/drawing/2014/main" id="{256B0E51-7DC0-45B6-8306-D8167F5CB7C8}"/>
               </a:ext>
             </a:extLst>
           </p:cNvPr>
@@ -1495,7 +1510,7 @@
           <p:cNvPr id="4" name="내용 개체 틀 3">
             <a:extLst>
               <a:ext uri="{FF2B5EF4-FFF2-40B4-BE49-F238E27FC236}">
-                <a16:creationId xmlns:a16="http://schemas.microsoft.com/office/drawing/2014/main" xmlns="" id="{F7CB78CC-8798-4261-B4B1-60B4C54377A7}"/>
+                <a16:creationId xmlns:a16="http://schemas.microsoft.com/office/drawing/2014/main" id="{F7CB78CC-8798-4261-B4B1-60B4C54377A7}"/>
               </a:ext>
             </a:extLst>
           </p:cNvPr>
@@ -1557,7 +1572,7 @@
           <p:cNvPr id="5" name="날짜 개체 틀 4">
             <a:extLst>
               <a:ext uri="{FF2B5EF4-FFF2-40B4-BE49-F238E27FC236}">
-                <a16:creationId xmlns:a16="http://schemas.microsoft.com/office/drawing/2014/main" xmlns="" id="{79594384-5734-4FC8-928A-E1641354A126}"/>
+                <a16:creationId xmlns:a16="http://schemas.microsoft.com/office/drawing/2014/main" id="{79594384-5734-4FC8-928A-E1641354A126}"/>
               </a:ext>
             </a:extLst>
           </p:cNvPr>
@@ -1599,7 +1614,7 @@
           <p:cNvPr id="6" name="바닥글 개체 틀 5">
             <a:extLst>
               <a:ext uri="{FF2B5EF4-FFF2-40B4-BE49-F238E27FC236}">
-                <a16:creationId xmlns:a16="http://schemas.microsoft.com/office/drawing/2014/main" xmlns="" id="{282301C0-6908-48C0-8957-C8B3F4594C5A}"/>
+                <a16:creationId xmlns:a16="http://schemas.microsoft.com/office/drawing/2014/main" id="{282301C0-6908-48C0-8957-C8B3F4594C5A}"/>
               </a:ext>
             </a:extLst>
           </p:cNvPr>
@@ -1630,7 +1645,7 @@
           <p:cNvPr id="7" name="슬라이드 번호 개체 틀 6">
             <a:extLst>
               <a:ext uri="{FF2B5EF4-FFF2-40B4-BE49-F238E27FC236}">
-                <a16:creationId xmlns:a16="http://schemas.microsoft.com/office/drawing/2014/main" xmlns="" id="{507DD8FE-7741-412F-947D-7A7079F48607}"/>
+                <a16:creationId xmlns:a16="http://schemas.microsoft.com/office/drawing/2014/main" id="{507DD8FE-7741-412F-947D-7A7079F48607}"/>
               </a:ext>
             </a:extLst>
           </p:cNvPr>
@@ -1702,7 +1717,7 @@
           <p:cNvPr id="2" name="제목 1">
             <a:extLst>
               <a:ext uri="{FF2B5EF4-FFF2-40B4-BE49-F238E27FC236}">
-                <a16:creationId xmlns:a16="http://schemas.microsoft.com/office/drawing/2014/main" xmlns="" id="{BBD6DFD1-B640-4CC6-A759-6C7981C5CD61}"/>
+                <a16:creationId xmlns:a16="http://schemas.microsoft.com/office/drawing/2014/main" id="{BBD6DFD1-B640-4CC6-A759-6C7981C5CD61}"/>
               </a:ext>
             </a:extLst>
           </p:cNvPr>
@@ -1735,7 +1750,7 @@
           <p:cNvPr id="3" name="텍스트 개체 틀 2">
             <a:extLst>
               <a:ext uri="{FF2B5EF4-FFF2-40B4-BE49-F238E27FC236}">
-                <a16:creationId xmlns:a16="http://schemas.microsoft.com/office/drawing/2014/main" xmlns="" id="{25B2A237-7572-46BD-9502-829F6C0AD4F8}"/>
+                <a16:creationId xmlns:a16="http://schemas.microsoft.com/office/drawing/2014/main" id="{25B2A237-7572-46BD-9502-829F6C0AD4F8}"/>
               </a:ext>
             </a:extLst>
           </p:cNvPr>
@@ -1806,7 +1821,7 @@
           <p:cNvPr id="4" name="내용 개체 틀 3">
             <a:extLst>
               <a:ext uri="{FF2B5EF4-FFF2-40B4-BE49-F238E27FC236}">
-                <a16:creationId xmlns:a16="http://schemas.microsoft.com/office/drawing/2014/main" xmlns="" id="{81AE9732-B570-4506-BDA6-0AB39D453684}"/>
+                <a16:creationId xmlns:a16="http://schemas.microsoft.com/office/drawing/2014/main" id="{81AE9732-B570-4506-BDA6-0AB39D453684}"/>
               </a:ext>
             </a:extLst>
           </p:cNvPr>
@@ -1868,7 +1883,7 @@
           <p:cNvPr id="5" name="텍스트 개체 틀 4">
             <a:extLst>
               <a:ext uri="{FF2B5EF4-FFF2-40B4-BE49-F238E27FC236}">
-                <a16:creationId xmlns:a16="http://schemas.microsoft.com/office/drawing/2014/main" xmlns="" id="{A289407D-7DA6-4293-A426-38DF9B21160E}"/>
+                <a16:creationId xmlns:a16="http://schemas.microsoft.com/office/drawing/2014/main" id="{A289407D-7DA6-4293-A426-38DF9B21160E}"/>
               </a:ext>
             </a:extLst>
           </p:cNvPr>
@@ -1939,7 +1954,7 @@
           <p:cNvPr id="6" name="내용 개체 틀 5">
             <a:extLst>
               <a:ext uri="{FF2B5EF4-FFF2-40B4-BE49-F238E27FC236}">
-                <a16:creationId xmlns:a16="http://schemas.microsoft.com/office/drawing/2014/main" xmlns="" id="{F239549F-370A-4671-B1BB-79655CC6CB8C}"/>
+                <a16:creationId xmlns:a16="http://schemas.microsoft.com/office/drawing/2014/main" id="{F239549F-370A-4671-B1BB-79655CC6CB8C}"/>
               </a:ext>
             </a:extLst>
           </p:cNvPr>
@@ -2001,7 +2016,7 @@
           <p:cNvPr id="7" name="날짜 개체 틀 6">
             <a:extLst>
               <a:ext uri="{FF2B5EF4-FFF2-40B4-BE49-F238E27FC236}">
-                <a16:creationId xmlns:a16="http://schemas.microsoft.com/office/drawing/2014/main" xmlns="" id="{A86D9E62-97AA-41F8-B69B-6CD691CF0E2A}"/>
+                <a16:creationId xmlns:a16="http://schemas.microsoft.com/office/drawing/2014/main" id="{A86D9E62-97AA-41F8-B69B-6CD691CF0E2A}"/>
               </a:ext>
             </a:extLst>
           </p:cNvPr>
@@ -2043,7 +2058,7 @@
           <p:cNvPr id="8" name="바닥글 개체 틀 7">
             <a:extLst>
               <a:ext uri="{FF2B5EF4-FFF2-40B4-BE49-F238E27FC236}">
-                <a16:creationId xmlns:a16="http://schemas.microsoft.com/office/drawing/2014/main" xmlns="" id="{F41D3FC0-561B-4DE4-AA99-9DB56EC6B344}"/>
+                <a16:creationId xmlns:a16="http://schemas.microsoft.com/office/drawing/2014/main" id="{F41D3FC0-561B-4DE4-AA99-9DB56EC6B344}"/>
               </a:ext>
             </a:extLst>
           </p:cNvPr>
@@ -2074,7 +2089,7 @@
           <p:cNvPr id="9" name="슬라이드 번호 개체 틀 8">
             <a:extLst>
               <a:ext uri="{FF2B5EF4-FFF2-40B4-BE49-F238E27FC236}">
-                <a16:creationId xmlns:a16="http://schemas.microsoft.com/office/drawing/2014/main" xmlns="" id="{AD0040F2-99C5-450C-9966-5D00290EBF69}"/>
+                <a16:creationId xmlns:a16="http://schemas.microsoft.com/office/drawing/2014/main" id="{AD0040F2-99C5-450C-9966-5D00290EBF69}"/>
               </a:ext>
             </a:extLst>
           </p:cNvPr>
@@ -2146,7 +2161,7 @@
           <p:cNvPr id="2" name="제목 1">
             <a:extLst>
               <a:ext uri="{FF2B5EF4-FFF2-40B4-BE49-F238E27FC236}">
-                <a16:creationId xmlns:a16="http://schemas.microsoft.com/office/drawing/2014/main" xmlns="" id="{C6E337C1-8281-4F6E-9A31-EBE388C3C82F}"/>
+                <a16:creationId xmlns:a16="http://schemas.microsoft.com/office/drawing/2014/main" id="{C6E337C1-8281-4F6E-9A31-EBE388C3C82F}"/>
               </a:ext>
             </a:extLst>
           </p:cNvPr>
@@ -2174,7 +2189,7 @@
           <p:cNvPr id="3" name="날짜 개체 틀 2">
             <a:extLst>
               <a:ext uri="{FF2B5EF4-FFF2-40B4-BE49-F238E27FC236}">
-                <a16:creationId xmlns:a16="http://schemas.microsoft.com/office/drawing/2014/main" xmlns="" id="{00EA4B32-9135-4223-8DE6-887D2743405B}"/>
+                <a16:creationId xmlns:a16="http://schemas.microsoft.com/office/drawing/2014/main" id="{00EA4B32-9135-4223-8DE6-887D2743405B}"/>
               </a:ext>
             </a:extLst>
           </p:cNvPr>
@@ -2216,7 +2231,7 @@
           <p:cNvPr id="4" name="바닥글 개체 틀 3">
             <a:extLst>
               <a:ext uri="{FF2B5EF4-FFF2-40B4-BE49-F238E27FC236}">
-                <a16:creationId xmlns:a16="http://schemas.microsoft.com/office/drawing/2014/main" xmlns="" id="{9407FC83-8D70-48DB-8681-08CFD9C0DA58}"/>
+                <a16:creationId xmlns:a16="http://schemas.microsoft.com/office/drawing/2014/main" id="{9407FC83-8D70-48DB-8681-08CFD9C0DA58}"/>
               </a:ext>
             </a:extLst>
           </p:cNvPr>
@@ -2247,7 +2262,7 @@
           <p:cNvPr id="5" name="슬라이드 번호 개체 틀 4">
             <a:extLst>
               <a:ext uri="{FF2B5EF4-FFF2-40B4-BE49-F238E27FC236}">
-                <a16:creationId xmlns:a16="http://schemas.microsoft.com/office/drawing/2014/main" xmlns="" id="{A8FC15EC-BCCB-4B82-A94C-FABC63DF674F}"/>
+                <a16:creationId xmlns:a16="http://schemas.microsoft.com/office/drawing/2014/main" id="{A8FC15EC-BCCB-4B82-A94C-FABC63DF674F}"/>
               </a:ext>
             </a:extLst>
           </p:cNvPr>
@@ -2319,7 +2334,7 @@
           <p:cNvPr id="2" name="날짜 개체 틀 1">
             <a:extLst>
               <a:ext uri="{FF2B5EF4-FFF2-40B4-BE49-F238E27FC236}">
-                <a16:creationId xmlns:a16="http://schemas.microsoft.com/office/drawing/2014/main" xmlns="" id="{2B9F9692-5462-4439-80C8-B7E337FC9AC3}"/>
+                <a16:creationId xmlns:a16="http://schemas.microsoft.com/office/drawing/2014/main" id="{2B9F9692-5462-4439-80C8-B7E337FC9AC3}"/>
               </a:ext>
             </a:extLst>
           </p:cNvPr>
@@ -2361,7 +2376,7 @@
           <p:cNvPr id="3" name="바닥글 개체 틀 2">
             <a:extLst>
               <a:ext uri="{FF2B5EF4-FFF2-40B4-BE49-F238E27FC236}">
-                <a16:creationId xmlns:a16="http://schemas.microsoft.com/office/drawing/2014/main" xmlns="" id="{94CA042D-EBC0-437C-A819-521611A545F2}"/>
+                <a16:creationId xmlns:a16="http://schemas.microsoft.com/office/drawing/2014/main" id="{94CA042D-EBC0-437C-A819-521611A545F2}"/>
               </a:ext>
             </a:extLst>
           </p:cNvPr>
@@ -2392,7 +2407,7 @@
           <p:cNvPr id="4" name="슬라이드 번호 개체 틀 3">
             <a:extLst>
               <a:ext uri="{FF2B5EF4-FFF2-40B4-BE49-F238E27FC236}">
-                <a16:creationId xmlns:a16="http://schemas.microsoft.com/office/drawing/2014/main" xmlns="" id="{A2415CDA-0D1F-49BD-8381-21C3BEFD5A98}"/>
+                <a16:creationId xmlns:a16="http://schemas.microsoft.com/office/drawing/2014/main" id="{A2415CDA-0D1F-49BD-8381-21C3BEFD5A98}"/>
               </a:ext>
             </a:extLst>
           </p:cNvPr>
@@ -2464,7 +2479,7 @@
           <p:cNvPr id="2" name="제목 1">
             <a:extLst>
               <a:ext uri="{FF2B5EF4-FFF2-40B4-BE49-F238E27FC236}">
-                <a16:creationId xmlns:a16="http://schemas.microsoft.com/office/drawing/2014/main" xmlns="" id="{2A6F10D4-8D29-48C2-ADF0-92316E2C8E4E}"/>
+                <a16:creationId xmlns:a16="http://schemas.microsoft.com/office/drawing/2014/main" id="{2A6F10D4-8D29-48C2-ADF0-92316E2C8E4E}"/>
               </a:ext>
             </a:extLst>
           </p:cNvPr>
@@ -2501,7 +2516,7 @@
           <p:cNvPr id="3" name="내용 개체 틀 2">
             <a:extLst>
               <a:ext uri="{FF2B5EF4-FFF2-40B4-BE49-F238E27FC236}">
-                <a16:creationId xmlns:a16="http://schemas.microsoft.com/office/drawing/2014/main" xmlns="" id="{BBBA3CD3-DE79-4260-873A-FEDE5C678F80}"/>
+                <a16:creationId xmlns:a16="http://schemas.microsoft.com/office/drawing/2014/main" id="{BBBA3CD3-DE79-4260-873A-FEDE5C678F80}"/>
               </a:ext>
             </a:extLst>
           </p:cNvPr>
@@ -2591,7 +2606,7 @@
           <p:cNvPr id="4" name="텍스트 개체 틀 3">
             <a:extLst>
               <a:ext uri="{FF2B5EF4-FFF2-40B4-BE49-F238E27FC236}">
-                <a16:creationId xmlns:a16="http://schemas.microsoft.com/office/drawing/2014/main" xmlns="" id="{319C6BD2-52A1-4155-9D55-1D847772EA8C}"/>
+                <a16:creationId xmlns:a16="http://schemas.microsoft.com/office/drawing/2014/main" id="{319C6BD2-52A1-4155-9D55-1D847772EA8C}"/>
               </a:ext>
             </a:extLst>
           </p:cNvPr>
@@ -2662,7 +2677,7 @@
           <p:cNvPr id="5" name="날짜 개체 틀 4">
             <a:extLst>
               <a:ext uri="{FF2B5EF4-FFF2-40B4-BE49-F238E27FC236}">
-                <a16:creationId xmlns:a16="http://schemas.microsoft.com/office/drawing/2014/main" xmlns="" id="{982A3511-0B13-4D97-937C-07365FBADAEA}"/>
+                <a16:creationId xmlns:a16="http://schemas.microsoft.com/office/drawing/2014/main" id="{982A3511-0B13-4D97-937C-07365FBADAEA}"/>
               </a:ext>
             </a:extLst>
           </p:cNvPr>
@@ -2704,7 +2719,7 @@
           <p:cNvPr id="6" name="바닥글 개체 틀 5">
             <a:extLst>
               <a:ext uri="{FF2B5EF4-FFF2-40B4-BE49-F238E27FC236}">
-                <a16:creationId xmlns:a16="http://schemas.microsoft.com/office/drawing/2014/main" xmlns="" id="{54C805B4-20AF-4A3C-B131-E1D9FFBB024D}"/>
+                <a16:creationId xmlns:a16="http://schemas.microsoft.com/office/drawing/2014/main" id="{54C805B4-20AF-4A3C-B131-E1D9FFBB024D}"/>
               </a:ext>
             </a:extLst>
           </p:cNvPr>
@@ -2735,7 +2750,7 @@
           <p:cNvPr id="7" name="슬라이드 번호 개체 틀 6">
             <a:extLst>
               <a:ext uri="{FF2B5EF4-FFF2-40B4-BE49-F238E27FC236}">
-                <a16:creationId xmlns:a16="http://schemas.microsoft.com/office/drawing/2014/main" xmlns="" id="{89C705FC-2895-472A-B6FD-C2434624BB3B}"/>
+                <a16:creationId xmlns:a16="http://schemas.microsoft.com/office/drawing/2014/main" id="{89C705FC-2895-472A-B6FD-C2434624BB3B}"/>
               </a:ext>
             </a:extLst>
           </p:cNvPr>
@@ -2807,7 +2822,7 @@
           <p:cNvPr id="2" name="제목 1">
             <a:extLst>
               <a:ext uri="{FF2B5EF4-FFF2-40B4-BE49-F238E27FC236}">
-                <a16:creationId xmlns:a16="http://schemas.microsoft.com/office/drawing/2014/main" xmlns="" id="{4C00D820-915B-4802-8C2E-FF7CA967E012}"/>
+                <a16:creationId xmlns:a16="http://schemas.microsoft.com/office/drawing/2014/main" id="{4C00D820-915B-4802-8C2E-FF7CA967E012}"/>
               </a:ext>
             </a:extLst>
           </p:cNvPr>
@@ -2844,7 +2859,7 @@
           <p:cNvPr id="3" name="그림 개체 틀 2">
             <a:extLst>
               <a:ext uri="{FF2B5EF4-FFF2-40B4-BE49-F238E27FC236}">
-                <a16:creationId xmlns:a16="http://schemas.microsoft.com/office/drawing/2014/main" xmlns="" id="{10CF9849-20D0-417A-99C8-099DF39939AC}"/>
+                <a16:creationId xmlns:a16="http://schemas.microsoft.com/office/drawing/2014/main" id="{10CF9849-20D0-417A-99C8-099DF39939AC}"/>
               </a:ext>
             </a:extLst>
           </p:cNvPr>
@@ -2911,7 +2926,7 @@
           <p:cNvPr id="4" name="텍스트 개체 틀 3">
             <a:extLst>
               <a:ext uri="{FF2B5EF4-FFF2-40B4-BE49-F238E27FC236}">
-                <a16:creationId xmlns:a16="http://schemas.microsoft.com/office/drawing/2014/main" xmlns="" id="{144A7754-54E7-4123-8C5E-1B05B517B5D4}"/>
+                <a16:creationId xmlns:a16="http://schemas.microsoft.com/office/drawing/2014/main" id="{144A7754-54E7-4123-8C5E-1B05B517B5D4}"/>
               </a:ext>
             </a:extLst>
           </p:cNvPr>
@@ -2982,7 +2997,7 @@
           <p:cNvPr id="5" name="날짜 개체 틀 4">
             <a:extLst>
               <a:ext uri="{FF2B5EF4-FFF2-40B4-BE49-F238E27FC236}">
-                <a16:creationId xmlns:a16="http://schemas.microsoft.com/office/drawing/2014/main" xmlns="" id="{3AFFF3F1-9632-4E06-BAB7-312343416AE9}"/>
+                <a16:creationId xmlns:a16="http://schemas.microsoft.com/office/drawing/2014/main" id="{3AFFF3F1-9632-4E06-BAB7-312343416AE9}"/>
               </a:ext>
             </a:extLst>
           </p:cNvPr>
@@ -3024,7 +3039,7 @@
           <p:cNvPr id="6" name="바닥글 개체 틀 5">
             <a:extLst>
               <a:ext uri="{FF2B5EF4-FFF2-40B4-BE49-F238E27FC236}">
-                <a16:creationId xmlns:a16="http://schemas.microsoft.com/office/drawing/2014/main" xmlns="" id="{5F23D6B1-934F-4B4D-9E4F-5AE9E873CB6E}"/>
+                <a16:creationId xmlns:a16="http://schemas.microsoft.com/office/drawing/2014/main" id="{5F23D6B1-934F-4B4D-9E4F-5AE9E873CB6E}"/>
               </a:ext>
             </a:extLst>
           </p:cNvPr>
@@ -3055,7 +3070,7 @@
           <p:cNvPr id="7" name="슬라이드 번호 개체 틀 6">
             <a:extLst>
               <a:ext uri="{FF2B5EF4-FFF2-40B4-BE49-F238E27FC236}">
-                <a16:creationId xmlns:a16="http://schemas.microsoft.com/office/drawing/2014/main" xmlns="" id="{B157FDD5-2092-4E16-8E7C-1CCA4719CF8A}"/>
+                <a16:creationId xmlns:a16="http://schemas.microsoft.com/office/drawing/2014/main" id="{B157FDD5-2092-4E16-8E7C-1CCA4719CF8A}"/>
               </a:ext>
             </a:extLst>
           </p:cNvPr>
@@ -3132,7 +3147,7 @@
           <p:cNvPr id="2" name="제목 개체 틀 1">
             <a:extLst>
               <a:ext uri="{FF2B5EF4-FFF2-40B4-BE49-F238E27FC236}">
-                <a16:creationId xmlns:a16="http://schemas.microsoft.com/office/drawing/2014/main" xmlns="" id="{84C8B562-0886-4274-876D-59EFAAAE2F3B}"/>
+                <a16:creationId xmlns:a16="http://schemas.microsoft.com/office/drawing/2014/main" id="{84C8B562-0886-4274-876D-59EFAAAE2F3B}"/>
               </a:ext>
             </a:extLst>
           </p:cNvPr>
@@ -3170,7 +3185,7 @@
           <p:cNvPr id="3" name="텍스트 개체 틀 2">
             <a:extLst>
               <a:ext uri="{FF2B5EF4-FFF2-40B4-BE49-F238E27FC236}">
-                <a16:creationId xmlns:a16="http://schemas.microsoft.com/office/drawing/2014/main" xmlns="" id="{61799B9E-1CD2-4A09-9ACC-2FA1C62D7AF6}"/>
+                <a16:creationId xmlns:a16="http://schemas.microsoft.com/office/drawing/2014/main" id="{61799B9E-1CD2-4A09-9ACC-2FA1C62D7AF6}"/>
               </a:ext>
             </a:extLst>
           </p:cNvPr>
@@ -3237,7 +3252,7 @@
           <p:cNvPr id="4" name="날짜 개체 틀 3">
             <a:extLst>
               <a:ext uri="{FF2B5EF4-FFF2-40B4-BE49-F238E27FC236}">
-                <a16:creationId xmlns:a16="http://schemas.microsoft.com/office/drawing/2014/main" xmlns="" id="{42A0C5B4-9399-4A5E-8DEE-54436B1EC85C}"/>
+                <a16:creationId xmlns:a16="http://schemas.microsoft.com/office/drawing/2014/main" id="{42A0C5B4-9399-4A5E-8DEE-54436B1EC85C}"/>
               </a:ext>
             </a:extLst>
           </p:cNvPr>
@@ -3297,7 +3312,7 @@
           <p:cNvPr id="5" name="바닥글 개체 틀 4">
             <a:extLst>
               <a:ext uri="{FF2B5EF4-FFF2-40B4-BE49-F238E27FC236}">
-                <a16:creationId xmlns:a16="http://schemas.microsoft.com/office/drawing/2014/main" xmlns="" id="{F5B2B9FF-C0C5-4E9E-A76A-AF0745E2D88E}"/>
+                <a16:creationId xmlns:a16="http://schemas.microsoft.com/office/drawing/2014/main" id="{F5B2B9FF-C0C5-4E9E-A76A-AF0745E2D88E}"/>
               </a:ext>
             </a:extLst>
           </p:cNvPr>
@@ -3346,7 +3361,7 @@
           <p:cNvPr id="6" name="슬라이드 번호 개체 틀 5">
             <a:extLst>
               <a:ext uri="{FF2B5EF4-FFF2-40B4-BE49-F238E27FC236}">
-                <a16:creationId xmlns:a16="http://schemas.microsoft.com/office/drawing/2014/main" xmlns="" id="{E8992FE0-2D01-4365-9F95-1FF838BCEF3A}"/>
+                <a16:creationId xmlns:a16="http://schemas.microsoft.com/office/drawing/2014/main" id="{E8992FE0-2D01-4365-9F95-1FF838BCEF3A}"/>
               </a:ext>
             </a:extLst>
           </p:cNvPr>
@@ -4328,1199 +4343,6 @@
         </p:nvSpPr>
         <p:spPr>
           <a:xfrm>
-            <a:off x="449943" y="986972"/>
-            <a:ext cx="11327709" cy="5689600"/>
-          </a:xfrm>
-          <a:prstGeom prst="rect">
-            <a:avLst/>
-          </a:prstGeom>
-          <a:solidFill>
-            <a:schemeClr val="bg1"/>
-          </a:solidFill>
-          <a:ln w="38100">
-            <a:solidFill>
-              <a:srgbClr val="5B6176"/>
-            </a:solidFill>
-          </a:ln>
-          <a:effectLst>
-            <a:outerShdw blurRad="317500" dist="723900" dir="10800000" sx="95000" sy="95000" algn="r" rotWithShape="0">
-              <a:prstClr val="black">
-                <a:alpha val="24000"/>
-              </a:prstClr>
-            </a:outerShdw>
-          </a:effectLst>
-        </p:spPr>
-        <p:style>
-          <a:lnRef idx="2">
-            <a:schemeClr val="accent1">
-              <a:shade val="50000"/>
-            </a:schemeClr>
-          </a:lnRef>
-          <a:fillRef idx="1">
-            <a:schemeClr val="accent1"/>
-          </a:fillRef>
-          <a:effectRef idx="0">
-            <a:schemeClr val="accent1"/>
-          </a:effectRef>
-          <a:fontRef idx="minor">
-            <a:schemeClr val="lt1"/>
-          </a:fontRef>
-        </p:style>
-        <p:txBody>
-          <a:bodyPr rtlCol="0" anchor="ctr"/>
-          <a:lstStyle/>
-          <a:p>
-            <a:pPr algn="ctr"/>
-            <a:endParaRPr lang="ko-KR" altLang="en-US">
-              <a:solidFill>
-                <a:prstClr val="white"/>
-              </a:solidFill>
-            </a:endParaRPr>
-          </a:p>
-        </p:txBody>
-      </p:sp>
-      <p:sp>
-        <p:nvSpPr>
-          <p:cNvPr id="9" name="직사각형 8"/>
-          <p:cNvSpPr/>
-          <p:nvPr/>
-        </p:nvSpPr>
-        <p:spPr>
-          <a:xfrm>
-            <a:off x="449943" y="580571"/>
-            <a:ext cx="11327709" cy="406400"/>
-          </a:xfrm>
-          <a:prstGeom prst="rect">
-            <a:avLst/>
-          </a:prstGeom>
-          <a:solidFill>
-            <a:srgbClr val="D0D2D2"/>
-          </a:solidFill>
-          <a:ln w="38100">
-            <a:solidFill>
-              <a:srgbClr val="5B6176"/>
-            </a:solidFill>
-          </a:ln>
-        </p:spPr>
-        <p:style>
-          <a:lnRef idx="2">
-            <a:schemeClr val="accent1">
-              <a:shade val="50000"/>
-            </a:schemeClr>
-          </a:lnRef>
-          <a:fillRef idx="1">
-            <a:schemeClr val="accent1"/>
-          </a:fillRef>
-          <a:effectRef idx="0">
-            <a:schemeClr val="accent1"/>
-          </a:effectRef>
-          <a:fontRef idx="minor">
-            <a:schemeClr val="lt1"/>
-          </a:fontRef>
-        </p:style>
-        <p:txBody>
-          <a:bodyPr rtlCol="0" anchor="ctr"/>
-          <a:lstStyle/>
-          <a:p>
-            <a:pPr lvl="1" latinLnBrk="0">
-              <a:defRPr/>
-            </a:pPr>
-            <a:r>
-              <a:rPr lang="en-US" altLang="ko-KR" sz="2000" b="1" i="1" kern="0" dirty="0" err="1" smtClean="0">
-                <a:solidFill>
-                  <a:srgbClr val="5B6176"/>
-                </a:solidFill>
-              </a:rPr>
-              <a:t>Winform</a:t>
-            </a:r>
-            <a:r>
-              <a:rPr lang="en-US" altLang="ko-KR" sz="2000" b="1" i="1" kern="0" dirty="0" smtClean="0">
-                <a:solidFill>
-                  <a:srgbClr val="5B6176"/>
-                </a:solidFill>
-              </a:rPr>
-              <a:t> - </a:t>
-            </a:r>
-            <a:r>
-              <a:rPr lang="ko-KR" altLang="en-US" sz="2000" b="1" i="1" kern="0" dirty="0" smtClean="0">
-                <a:solidFill>
-                  <a:srgbClr val="5B6176"/>
-                </a:solidFill>
-              </a:rPr>
-              <a:t>디자</a:t>
-            </a:r>
-            <a:r>
-              <a:rPr lang="ko-KR" altLang="en-US" sz="2000" b="1" i="1" kern="0" dirty="0">
-                <a:solidFill>
-                  <a:srgbClr val="5B6176"/>
-                </a:solidFill>
-              </a:rPr>
-              <a:t>인</a:t>
-            </a:r>
-            <a:endParaRPr lang="ko-KR" altLang="en-US" sz="4800" kern="0" dirty="0">
-              <a:solidFill>
-                <a:srgbClr val="5B6176"/>
-              </a:solidFill>
-            </a:endParaRPr>
-          </a:p>
-        </p:txBody>
-      </p:sp>
-      <p:sp>
-        <p:nvSpPr>
-          <p:cNvPr id="10" name="타원 9"/>
-          <p:cNvSpPr/>
-          <p:nvPr/>
-        </p:nvSpPr>
-        <p:spPr>
-          <a:xfrm>
-            <a:off x="10614561" y="687779"/>
-            <a:ext cx="191983" cy="191983"/>
-          </a:xfrm>
-          <a:prstGeom prst="ellipse">
-            <a:avLst/>
-          </a:prstGeom>
-          <a:solidFill>
-            <a:schemeClr val="bg1"/>
-          </a:solidFill>
-          <a:ln w="38100">
-            <a:solidFill>
-              <a:srgbClr val="5B6176"/>
-            </a:solidFill>
-          </a:ln>
-        </p:spPr>
-        <p:style>
-          <a:lnRef idx="2">
-            <a:schemeClr val="accent1">
-              <a:shade val="50000"/>
-            </a:schemeClr>
-          </a:lnRef>
-          <a:fillRef idx="1">
-            <a:schemeClr val="accent1"/>
-          </a:fillRef>
-          <a:effectRef idx="0">
-            <a:schemeClr val="accent1"/>
-          </a:effectRef>
-          <a:fontRef idx="minor">
-            <a:schemeClr val="lt1"/>
-          </a:fontRef>
-        </p:style>
-        <p:txBody>
-          <a:bodyPr rtlCol="0" anchor="ctr"/>
-          <a:lstStyle/>
-          <a:p>
-            <a:pPr algn="ctr"/>
-            <a:endParaRPr lang="ko-KR" altLang="en-US">
-              <a:solidFill>
-                <a:prstClr val="white"/>
-              </a:solidFill>
-            </a:endParaRPr>
-          </a:p>
-        </p:txBody>
-      </p:sp>
-      <p:sp>
-        <p:nvSpPr>
-          <p:cNvPr id="11" name="타원 10"/>
-          <p:cNvSpPr/>
-          <p:nvPr/>
-        </p:nvSpPr>
-        <p:spPr>
-          <a:xfrm>
-            <a:off x="10924140" y="687778"/>
-            <a:ext cx="191983" cy="191983"/>
-          </a:xfrm>
-          <a:prstGeom prst="ellipse">
-            <a:avLst/>
-          </a:prstGeom>
-          <a:solidFill>
-            <a:schemeClr val="bg1"/>
-          </a:solidFill>
-          <a:ln w="38100">
-            <a:solidFill>
-              <a:srgbClr val="5B6176"/>
-            </a:solidFill>
-          </a:ln>
-        </p:spPr>
-        <p:style>
-          <a:lnRef idx="2">
-            <a:schemeClr val="accent1">
-              <a:shade val="50000"/>
-            </a:schemeClr>
-          </a:lnRef>
-          <a:fillRef idx="1">
-            <a:schemeClr val="accent1"/>
-          </a:fillRef>
-          <a:effectRef idx="0">
-            <a:schemeClr val="accent1"/>
-          </a:effectRef>
-          <a:fontRef idx="minor">
-            <a:schemeClr val="lt1"/>
-          </a:fontRef>
-        </p:style>
-        <p:txBody>
-          <a:bodyPr rtlCol="0" anchor="ctr"/>
-          <a:lstStyle/>
-          <a:p>
-            <a:pPr algn="ctr"/>
-            <a:endParaRPr lang="ko-KR" altLang="en-US">
-              <a:solidFill>
-                <a:prstClr val="white"/>
-              </a:solidFill>
-            </a:endParaRPr>
-          </a:p>
-        </p:txBody>
-      </p:sp>
-      <p:sp>
-        <p:nvSpPr>
-          <p:cNvPr id="12" name="타원 11"/>
-          <p:cNvSpPr/>
-          <p:nvPr/>
-        </p:nvSpPr>
-        <p:spPr>
-          <a:xfrm>
-            <a:off x="11233719" y="687777"/>
-            <a:ext cx="191983" cy="191983"/>
-          </a:xfrm>
-          <a:prstGeom prst="ellipse">
-            <a:avLst/>
-          </a:prstGeom>
-          <a:solidFill>
-            <a:schemeClr val="bg1"/>
-          </a:solidFill>
-          <a:ln w="38100">
-            <a:solidFill>
-              <a:srgbClr val="5B6176"/>
-            </a:solidFill>
-          </a:ln>
-        </p:spPr>
-        <p:style>
-          <a:lnRef idx="2">
-            <a:schemeClr val="accent1">
-              <a:shade val="50000"/>
-            </a:schemeClr>
-          </a:lnRef>
-          <a:fillRef idx="1">
-            <a:schemeClr val="accent1"/>
-          </a:fillRef>
-          <a:effectRef idx="0">
-            <a:schemeClr val="accent1"/>
-          </a:effectRef>
-          <a:fontRef idx="minor">
-            <a:schemeClr val="lt1"/>
-          </a:fontRef>
-        </p:style>
-        <p:txBody>
-          <a:bodyPr rtlCol="0" anchor="ctr"/>
-          <a:lstStyle/>
-          <a:p>
-            <a:pPr algn="ctr"/>
-            <a:endParaRPr lang="ko-KR" altLang="en-US">
-              <a:solidFill>
-                <a:prstClr val="white"/>
-              </a:solidFill>
-            </a:endParaRPr>
-          </a:p>
-        </p:txBody>
-      </p:sp>
-      <p:cxnSp>
-        <p:nvCxnSpPr>
-          <p:cNvPr id="18" name="직선 연결선 17"/>
-          <p:cNvCxnSpPr>
-            <a:stCxn id="20" idx="3"/>
-          </p:cNvCxnSpPr>
-          <p:nvPr/>
-        </p:nvCxnSpPr>
-        <p:spPr>
-          <a:xfrm>
-            <a:off x="2819000" y="251691"/>
-            <a:ext cx="8951680" cy="0"/>
-          </a:xfrm>
-          <a:prstGeom prst="line">
-            <a:avLst/>
-          </a:prstGeom>
-          <a:ln w="22225">
-            <a:solidFill>
-              <a:srgbClr val="5B6176"/>
-            </a:solidFill>
-          </a:ln>
-        </p:spPr>
-        <p:style>
-          <a:lnRef idx="1">
-            <a:schemeClr val="accent1"/>
-          </a:lnRef>
-          <a:fillRef idx="0">
-            <a:schemeClr val="accent1"/>
-          </a:fillRef>
-          <a:effectRef idx="0">
-            <a:schemeClr val="accent1"/>
-          </a:effectRef>
-          <a:fontRef idx="minor">
-            <a:schemeClr val="tx1"/>
-          </a:fontRef>
-        </p:style>
-      </p:cxnSp>
-      <p:grpSp>
-        <p:nvGrpSpPr>
-          <p:cNvPr id="19" name="그룹 18"/>
-          <p:cNvGrpSpPr/>
-          <p:nvPr/>
-        </p:nvGrpSpPr>
-        <p:grpSpPr>
-          <a:xfrm>
-            <a:off x="1261832" y="140963"/>
-            <a:ext cx="1557168" cy="221456"/>
-            <a:chOff x="657081" y="133819"/>
-            <a:chExt cx="1557168" cy="221456"/>
-          </a:xfrm>
-        </p:grpSpPr>
-        <p:sp>
-          <p:nvSpPr>
-            <p:cNvPr id="20" name="직사각형 19"/>
-            <p:cNvSpPr/>
-            <p:nvPr/>
-          </p:nvSpPr>
-          <p:spPr>
-            <a:xfrm>
-              <a:off x="813522" y="133819"/>
-              <a:ext cx="1400727" cy="221456"/>
-            </a:xfrm>
-            <a:prstGeom prst="rect">
-              <a:avLst/>
-            </a:prstGeom>
-            <a:noFill/>
-            <a:ln>
-              <a:noFill/>
-            </a:ln>
-          </p:spPr>
-          <p:style>
-            <a:lnRef idx="2">
-              <a:schemeClr val="accent1">
-                <a:shade val="50000"/>
-              </a:schemeClr>
-            </a:lnRef>
-            <a:fillRef idx="1">
-              <a:schemeClr val="accent1"/>
-            </a:fillRef>
-            <a:effectRef idx="0">
-              <a:schemeClr val="accent1"/>
-            </a:effectRef>
-            <a:fontRef idx="minor">
-              <a:schemeClr val="lt1"/>
-            </a:fontRef>
-          </p:style>
-          <p:txBody>
-            <a:bodyPr wrap="none" rtlCol="0" anchor="ctr"/>
-            <a:lstStyle/>
-            <a:p>
-              <a:pPr latinLnBrk="0">
-                <a:defRPr/>
-              </a:pPr>
-              <a:r>
-                <a:rPr lang="ko-KR" altLang="en-US" sz="900" kern="0" dirty="0">
-                  <a:solidFill>
-                    <a:srgbClr val="FF6600"/>
-                  </a:solidFill>
-                </a:rPr>
-                <a:t>혹시 아나요 내가 될지</a:t>
-              </a:r>
-              <a:endParaRPr lang="ko-KR" altLang="en-US" sz="4800" kern="0" dirty="0">
-                <a:solidFill>
-                  <a:srgbClr val="FF6600"/>
-                </a:solidFill>
-              </a:endParaRPr>
-            </a:p>
-          </p:txBody>
-        </p:sp>
-        <p:sp>
-          <p:nvSpPr>
-            <p:cNvPr id="21" name="타원 20"/>
-            <p:cNvSpPr/>
-            <p:nvPr/>
-          </p:nvSpPr>
-          <p:spPr>
-            <a:xfrm>
-              <a:off x="657081" y="159183"/>
-              <a:ext cx="175491" cy="175491"/>
-            </a:xfrm>
-            <a:prstGeom prst="ellipse">
-              <a:avLst/>
-            </a:prstGeom>
-            <a:solidFill>
-              <a:schemeClr val="bg1"/>
-            </a:solidFill>
-            <a:ln w="38100">
-              <a:solidFill>
-                <a:srgbClr val="FF6600"/>
-              </a:solidFill>
-            </a:ln>
-          </p:spPr>
-          <p:style>
-            <a:lnRef idx="2">
-              <a:schemeClr val="accent1">
-                <a:shade val="50000"/>
-              </a:schemeClr>
-            </a:lnRef>
-            <a:fillRef idx="1">
-              <a:schemeClr val="accent1"/>
-            </a:fillRef>
-            <a:effectRef idx="0">
-              <a:schemeClr val="accent1"/>
-            </a:effectRef>
-            <a:fontRef idx="minor">
-              <a:schemeClr val="lt1"/>
-            </a:fontRef>
-          </p:style>
-          <p:txBody>
-            <a:bodyPr rtlCol="0" anchor="ctr"/>
-            <a:lstStyle/>
-            <a:p>
-              <a:pPr algn="ctr"/>
-              <a:endParaRPr lang="ko-KR" altLang="en-US" sz="1400">
-                <a:solidFill>
-                  <a:prstClr val="white"/>
-                </a:solidFill>
-              </a:endParaRPr>
-            </a:p>
-          </p:txBody>
-        </p:sp>
-      </p:grpSp>
-      <p:sp>
-        <p:nvSpPr>
-          <p:cNvPr id="35" name="모서리가 둥근 직사각형 34"/>
-          <p:cNvSpPr/>
-          <p:nvPr/>
-        </p:nvSpPr>
-        <p:spPr>
-          <a:xfrm>
-            <a:off x="8766001" y="3146359"/>
-            <a:ext cx="2343429" cy="852928"/>
-          </a:xfrm>
-          <a:prstGeom prst="roundRect">
-            <a:avLst/>
-          </a:prstGeom>
-          <a:solidFill>
-            <a:srgbClr val="404040"/>
-          </a:solidFill>
-          <a:ln>
-            <a:noFill/>
-          </a:ln>
-        </p:spPr>
-        <p:style>
-          <a:lnRef idx="2">
-            <a:schemeClr val="accent1">
-              <a:shade val="50000"/>
-            </a:schemeClr>
-          </a:lnRef>
-          <a:fillRef idx="1">
-            <a:schemeClr val="accent1"/>
-          </a:fillRef>
-          <a:effectRef idx="0">
-            <a:schemeClr val="accent1"/>
-          </a:effectRef>
-          <a:fontRef idx="minor">
-            <a:schemeClr val="lt1"/>
-          </a:fontRef>
-        </p:style>
-        <p:txBody>
-          <a:bodyPr rot="0" spcFirstLastPara="0" vertOverflow="overflow" horzOverflow="overflow" vert="horz" wrap="square" lIns="91440" tIns="45720" rIns="91440" bIns="45720" numCol="1" spcCol="0" rtlCol="0" fromWordArt="0" anchor="ctr" anchorCtr="0" forceAA="0" compatLnSpc="1">
-            <a:prstTxWarp prst="textNoShape">
-              <a:avLst/>
-            </a:prstTxWarp>
-            <a:noAutofit/>
-          </a:bodyPr>
-          <a:lstStyle/>
-          <a:p>
-            <a:pPr algn="ctr"/>
-            <a:endParaRPr lang="ko-KR" altLang="en-US"/>
-          </a:p>
-        </p:txBody>
-      </p:sp>
-      <p:sp>
-        <p:nvSpPr>
-          <p:cNvPr id="40" name="TextBox 39"/>
-          <p:cNvSpPr txBox="1"/>
-          <p:nvPr/>
-        </p:nvSpPr>
-        <p:spPr>
-          <a:xfrm>
-            <a:off x="9041434" y="3388157"/>
-            <a:ext cx="1805950" cy="369332"/>
-          </a:xfrm>
-          <a:prstGeom prst="rect">
-            <a:avLst/>
-          </a:prstGeom>
-          <a:noFill/>
-        </p:spPr>
-        <p:txBody>
-          <a:bodyPr wrap="square" rtlCol="0">
-            <a:spAutoFit/>
-          </a:bodyPr>
-          <a:lstStyle/>
-          <a:p>
-            <a:pPr algn="ctr"/>
-            <a:r>
-              <a:rPr lang="ko-KR" altLang="en-US" b="1" dirty="0" smtClean="0">
-                <a:solidFill>
-                  <a:schemeClr val="bg1"/>
-                </a:solidFill>
-              </a:rPr>
-              <a:t>엑셀 시트 출력</a:t>
-            </a:r>
-            <a:endParaRPr lang="en-US" altLang="ko-KR" b="1" dirty="0" smtClean="0">
-              <a:solidFill>
-                <a:schemeClr val="bg1"/>
-              </a:solidFill>
-            </a:endParaRPr>
-          </a:p>
-        </p:txBody>
-      </p:sp>
-      <p:sp>
-        <p:nvSpPr>
-          <p:cNvPr id="56" name="모서리가 둥근 직사각형 55"/>
-          <p:cNvSpPr/>
-          <p:nvPr/>
-        </p:nvSpPr>
-        <p:spPr>
-          <a:xfrm>
-            <a:off x="8766000" y="1833636"/>
-            <a:ext cx="2343429" cy="852928"/>
-          </a:xfrm>
-          <a:prstGeom prst="roundRect">
-            <a:avLst/>
-          </a:prstGeom>
-          <a:solidFill>
-            <a:srgbClr val="404040"/>
-          </a:solidFill>
-          <a:ln>
-            <a:noFill/>
-          </a:ln>
-        </p:spPr>
-        <p:style>
-          <a:lnRef idx="2">
-            <a:schemeClr val="accent1">
-              <a:shade val="50000"/>
-            </a:schemeClr>
-          </a:lnRef>
-          <a:fillRef idx="1">
-            <a:schemeClr val="accent1"/>
-          </a:fillRef>
-          <a:effectRef idx="0">
-            <a:schemeClr val="accent1"/>
-          </a:effectRef>
-          <a:fontRef idx="minor">
-            <a:schemeClr val="lt1"/>
-          </a:fontRef>
-        </p:style>
-        <p:txBody>
-          <a:bodyPr rot="0" spcFirstLastPara="0" vertOverflow="overflow" horzOverflow="overflow" vert="horz" wrap="square" lIns="91440" tIns="45720" rIns="91440" bIns="45720" numCol="1" spcCol="0" rtlCol="0" fromWordArt="0" anchor="ctr" anchorCtr="0" forceAA="0" compatLnSpc="1">
-            <a:prstTxWarp prst="textNoShape">
-              <a:avLst/>
-            </a:prstTxWarp>
-            <a:noAutofit/>
-          </a:bodyPr>
-          <a:lstStyle/>
-          <a:p>
-            <a:pPr algn="ctr"/>
-            <a:endParaRPr lang="ko-KR" altLang="en-US"/>
-          </a:p>
-        </p:txBody>
-      </p:sp>
-      <p:sp>
-        <p:nvSpPr>
-          <p:cNvPr id="57" name="TextBox 56"/>
-          <p:cNvSpPr txBox="1"/>
-          <p:nvPr/>
-        </p:nvSpPr>
-        <p:spPr>
-          <a:xfrm>
-            <a:off x="9040443" y="2075434"/>
-            <a:ext cx="1805950" cy="369332"/>
-          </a:xfrm>
-          <a:prstGeom prst="rect">
-            <a:avLst/>
-          </a:prstGeom>
-          <a:noFill/>
-        </p:spPr>
-        <p:txBody>
-          <a:bodyPr wrap="square" rtlCol="0">
-            <a:spAutoFit/>
-          </a:bodyPr>
-          <a:lstStyle/>
-          <a:p>
-            <a:pPr algn="ctr"/>
-            <a:r>
-              <a:rPr lang="ko-KR" altLang="en-US" b="1" dirty="0" smtClean="0">
-                <a:solidFill>
-                  <a:schemeClr val="bg1"/>
-                </a:solidFill>
-              </a:rPr>
-              <a:t>엑셀 불러오기</a:t>
-            </a:r>
-            <a:endParaRPr lang="en-US" altLang="ko-KR" b="1" dirty="0" smtClean="0">
-              <a:solidFill>
-                <a:schemeClr val="bg1"/>
-              </a:solidFill>
-            </a:endParaRPr>
-          </a:p>
-        </p:txBody>
-      </p:sp>
-      <p:sp>
-        <p:nvSpPr>
-          <p:cNvPr id="43" name="모서리가 둥근 직사각형 42"/>
-          <p:cNvSpPr/>
-          <p:nvPr/>
-        </p:nvSpPr>
-        <p:spPr>
-          <a:xfrm>
-            <a:off x="8772694" y="4445902"/>
-            <a:ext cx="2343429" cy="852928"/>
-          </a:xfrm>
-          <a:prstGeom prst="roundRect">
-            <a:avLst/>
-          </a:prstGeom>
-          <a:solidFill>
-            <a:srgbClr val="404040"/>
-          </a:solidFill>
-          <a:ln>
-            <a:noFill/>
-          </a:ln>
-        </p:spPr>
-        <p:style>
-          <a:lnRef idx="2">
-            <a:schemeClr val="accent1">
-              <a:shade val="50000"/>
-            </a:schemeClr>
-          </a:lnRef>
-          <a:fillRef idx="1">
-            <a:schemeClr val="accent1"/>
-          </a:fillRef>
-          <a:effectRef idx="0">
-            <a:schemeClr val="accent1"/>
-          </a:effectRef>
-          <a:fontRef idx="minor">
-            <a:schemeClr val="lt1"/>
-          </a:fontRef>
-        </p:style>
-        <p:txBody>
-          <a:bodyPr rot="0" spcFirstLastPara="0" vertOverflow="overflow" horzOverflow="overflow" vert="horz" wrap="square" lIns="91440" tIns="45720" rIns="91440" bIns="45720" numCol="1" spcCol="0" rtlCol="0" fromWordArt="0" anchor="ctr" anchorCtr="0" forceAA="0" compatLnSpc="1">
-            <a:prstTxWarp prst="textNoShape">
-              <a:avLst/>
-            </a:prstTxWarp>
-            <a:noAutofit/>
-          </a:bodyPr>
-          <a:lstStyle/>
-          <a:p>
-            <a:pPr algn="ctr"/>
-            <a:endParaRPr lang="ko-KR" altLang="en-US"/>
-          </a:p>
-        </p:txBody>
-      </p:sp>
-      <p:pic>
-        <p:nvPicPr>
-          <p:cNvPr id="2" name="그림 1"/>
-          <p:cNvPicPr>
-            <a:picLocks/>
-          </p:cNvPicPr>
-          <p:nvPr/>
-        </p:nvPicPr>
-        <p:blipFill>
-          <a:blip r:embed="rId2">
-            <a:extLst>
-              <a:ext uri="{28A0092B-C50C-407E-A947-70E740481C1C}">
-                <a14:useLocalDpi xmlns:a14="http://schemas.microsoft.com/office/drawing/2010/main" val="0"/>
-              </a:ext>
-            </a:extLst>
-          </a:blip>
-          <a:stretch>
-            <a:fillRect/>
-          </a:stretch>
-        </p:blipFill>
-        <p:spPr>
-          <a:xfrm>
-            <a:off x="1040248" y="1476332"/>
-            <a:ext cx="6494400" cy="4140498"/>
-          </a:xfrm>
-          <a:prstGeom prst="rect">
-            <a:avLst/>
-          </a:prstGeom>
-        </p:spPr>
-      </p:pic>
-      <p:sp>
-        <p:nvSpPr>
-          <p:cNvPr id="3" name="모서리가 둥근 직사각형 2"/>
-          <p:cNvSpPr/>
-          <p:nvPr/>
-        </p:nvSpPr>
-        <p:spPr>
-          <a:xfrm>
-            <a:off x="3342553" y="1729901"/>
-            <a:ext cx="776088" cy="407255"/>
-          </a:xfrm>
-          <a:prstGeom prst="roundRect">
-            <a:avLst/>
-          </a:prstGeom>
-          <a:noFill/>
-          <a:ln>
-            <a:solidFill>
-              <a:srgbClr val="404040"/>
-            </a:solidFill>
-          </a:ln>
-        </p:spPr>
-        <p:style>
-          <a:lnRef idx="2">
-            <a:schemeClr val="accent1">
-              <a:shade val="50000"/>
-            </a:schemeClr>
-          </a:lnRef>
-          <a:fillRef idx="1">
-            <a:schemeClr val="accent1"/>
-          </a:fillRef>
-          <a:effectRef idx="0">
-            <a:schemeClr val="accent1"/>
-          </a:effectRef>
-          <a:fontRef idx="minor">
-            <a:schemeClr val="lt1"/>
-          </a:fontRef>
-        </p:style>
-        <p:txBody>
-          <a:bodyPr rot="0" spcFirstLastPara="0" vertOverflow="overflow" horzOverflow="overflow" vert="horz" wrap="square" lIns="91440" tIns="45720" rIns="91440" bIns="45720" numCol="1" spcCol="0" rtlCol="0" fromWordArt="0" anchor="ctr" anchorCtr="0" forceAA="0" compatLnSpc="1">
-            <a:prstTxWarp prst="textNoShape">
-              <a:avLst/>
-            </a:prstTxWarp>
-            <a:noAutofit/>
-          </a:bodyPr>
-          <a:lstStyle/>
-          <a:p>
-            <a:pPr algn="ctr"/>
-            <a:endParaRPr lang="ko-KR" altLang="en-US"/>
-          </a:p>
-        </p:txBody>
-      </p:sp>
-      <p:cxnSp>
-        <p:nvCxnSpPr>
-          <p:cNvPr id="5" name="직선 연결선 4"/>
-          <p:cNvCxnSpPr>
-            <a:stCxn id="3" idx="3"/>
-            <a:endCxn id="56" idx="1"/>
-          </p:cNvCxnSpPr>
-          <p:nvPr/>
-        </p:nvCxnSpPr>
-        <p:spPr>
-          <a:xfrm>
-            <a:off x="4118641" y="1933529"/>
-            <a:ext cx="4647359" cy="326571"/>
-          </a:xfrm>
-          <a:prstGeom prst="line">
-            <a:avLst/>
-          </a:prstGeom>
-          <a:ln w="12700">
-            <a:solidFill>
-              <a:srgbClr val="404040"/>
-            </a:solidFill>
-          </a:ln>
-        </p:spPr>
-        <p:style>
-          <a:lnRef idx="1">
-            <a:schemeClr val="accent1"/>
-          </a:lnRef>
-          <a:fillRef idx="0">
-            <a:schemeClr val="accent1"/>
-          </a:fillRef>
-          <a:effectRef idx="0">
-            <a:schemeClr val="accent1"/>
-          </a:effectRef>
-          <a:fontRef idx="minor">
-            <a:schemeClr val="tx1"/>
-          </a:fontRef>
-        </p:style>
-      </p:cxnSp>
-      <p:sp>
-        <p:nvSpPr>
-          <p:cNvPr id="26" name="모서리가 둥근 직사각형 25"/>
-          <p:cNvSpPr/>
-          <p:nvPr/>
-        </p:nvSpPr>
-        <p:spPr>
-          <a:xfrm>
-            <a:off x="1207216" y="2029580"/>
-            <a:ext cx="6161771" cy="3137932"/>
-          </a:xfrm>
-          <a:prstGeom prst="roundRect">
-            <a:avLst/>
-          </a:prstGeom>
-          <a:noFill/>
-          <a:ln>
-            <a:solidFill>
-              <a:srgbClr val="404040"/>
-            </a:solidFill>
-          </a:ln>
-        </p:spPr>
-        <p:style>
-          <a:lnRef idx="2">
-            <a:schemeClr val="accent1">
-              <a:shade val="50000"/>
-            </a:schemeClr>
-          </a:lnRef>
-          <a:fillRef idx="1">
-            <a:schemeClr val="accent1"/>
-          </a:fillRef>
-          <a:effectRef idx="0">
-            <a:schemeClr val="accent1"/>
-          </a:effectRef>
-          <a:fontRef idx="minor">
-            <a:schemeClr val="lt1"/>
-          </a:fontRef>
-        </p:style>
-        <p:txBody>
-          <a:bodyPr rot="0" spcFirstLastPara="0" vertOverflow="overflow" horzOverflow="overflow" vert="horz" wrap="square" lIns="91440" tIns="45720" rIns="91440" bIns="45720" numCol="1" spcCol="0" rtlCol="0" fromWordArt="0" anchor="ctr" anchorCtr="0" forceAA="0" compatLnSpc="1">
-            <a:prstTxWarp prst="textNoShape">
-              <a:avLst/>
-            </a:prstTxWarp>
-            <a:noAutofit/>
-          </a:bodyPr>
-          <a:lstStyle/>
-          <a:p>
-            <a:pPr algn="ctr"/>
-            <a:endParaRPr lang="ko-KR" altLang="en-US"/>
-          </a:p>
-        </p:txBody>
-      </p:sp>
-      <p:cxnSp>
-        <p:nvCxnSpPr>
-          <p:cNvPr id="41" name="직선 연결선 40"/>
-          <p:cNvCxnSpPr>
-            <a:stCxn id="26" idx="3"/>
-            <a:endCxn id="35" idx="1"/>
-          </p:cNvCxnSpPr>
-          <p:nvPr/>
-        </p:nvCxnSpPr>
-        <p:spPr>
-          <a:xfrm flipV="1">
-            <a:off x="7368987" y="3572823"/>
-            <a:ext cx="1397014" cy="25723"/>
-          </a:xfrm>
-          <a:prstGeom prst="line">
-            <a:avLst/>
-          </a:prstGeom>
-          <a:ln w="12700">
-            <a:solidFill>
-              <a:srgbClr val="404040"/>
-            </a:solidFill>
-          </a:ln>
-        </p:spPr>
-        <p:style>
-          <a:lnRef idx="1">
-            <a:schemeClr val="accent1"/>
-          </a:lnRef>
-          <a:fillRef idx="0">
-            <a:schemeClr val="accent1"/>
-          </a:fillRef>
-          <a:effectRef idx="0">
-            <a:schemeClr val="accent1"/>
-          </a:effectRef>
-          <a:fontRef idx="minor">
-            <a:schemeClr val="tx1"/>
-          </a:fontRef>
-        </p:style>
-      </p:cxnSp>
-      <p:sp>
-        <p:nvSpPr>
-          <p:cNvPr id="30" name="모서리가 둥근 직사각형 29"/>
-          <p:cNvSpPr/>
-          <p:nvPr/>
-        </p:nvSpPr>
-        <p:spPr>
-          <a:xfrm>
-            <a:off x="6746581" y="5044319"/>
-            <a:ext cx="476410" cy="369332"/>
-          </a:xfrm>
-          <a:prstGeom prst="roundRect">
-            <a:avLst/>
-          </a:prstGeom>
-          <a:noFill/>
-          <a:ln>
-            <a:solidFill>
-              <a:srgbClr val="404040"/>
-            </a:solidFill>
-          </a:ln>
-        </p:spPr>
-        <p:style>
-          <a:lnRef idx="2">
-            <a:schemeClr val="accent1">
-              <a:shade val="50000"/>
-            </a:schemeClr>
-          </a:lnRef>
-          <a:fillRef idx="1">
-            <a:schemeClr val="accent1"/>
-          </a:fillRef>
-          <a:effectRef idx="0">
-            <a:schemeClr val="accent1"/>
-          </a:effectRef>
-          <a:fontRef idx="minor">
-            <a:schemeClr val="lt1"/>
-          </a:fontRef>
-        </p:style>
-        <p:txBody>
-          <a:bodyPr rot="0" spcFirstLastPara="0" vertOverflow="overflow" horzOverflow="overflow" vert="horz" wrap="square" lIns="91440" tIns="45720" rIns="91440" bIns="45720" numCol="1" spcCol="0" rtlCol="0" fromWordArt="0" anchor="ctr" anchorCtr="0" forceAA="0" compatLnSpc="1">
-            <a:prstTxWarp prst="textNoShape">
-              <a:avLst/>
-            </a:prstTxWarp>
-            <a:noAutofit/>
-          </a:bodyPr>
-          <a:lstStyle/>
-          <a:p>
-            <a:pPr algn="ctr"/>
-            <a:endParaRPr lang="ko-KR" altLang="en-US"/>
-          </a:p>
-        </p:txBody>
-      </p:sp>
-      <p:cxnSp>
-        <p:nvCxnSpPr>
-          <p:cNvPr id="45" name="직선 연결선 44"/>
-          <p:cNvCxnSpPr>
-            <a:stCxn id="30" idx="3"/>
-            <a:endCxn id="43" idx="1"/>
-          </p:cNvCxnSpPr>
-          <p:nvPr/>
-        </p:nvCxnSpPr>
-        <p:spPr>
-          <a:xfrm flipV="1">
-            <a:off x="7222991" y="4872366"/>
-            <a:ext cx="1549703" cy="356619"/>
-          </a:xfrm>
-          <a:prstGeom prst="line">
-            <a:avLst/>
-          </a:prstGeom>
-          <a:ln w="12700">
-            <a:solidFill>
-              <a:srgbClr val="404040"/>
-            </a:solidFill>
-          </a:ln>
-        </p:spPr>
-        <p:style>
-          <a:lnRef idx="1">
-            <a:schemeClr val="accent1"/>
-          </a:lnRef>
-          <a:fillRef idx="0">
-            <a:schemeClr val="accent1"/>
-          </a:fillRef>
-          <a:effectRef idx="0">
-            <a:schemeClr val="accent1"/>
-          </a:effectRef>
-          <a:fontRef idx="minor">
-            <a:schemeClr val="tx1"/>
-          </a:fontRef>
-        </p:style>
-      </p:cxnSp>
-      <p:sp>
-        <p:nvSpPr>
-          <p:cNvPr id="49" name="TextBox 48"/>
-          <p:cNvSpPr txBox="1"/>
-          <p:nvPr/>
-        </p:nvSpPr>
-        <p:spPr>
-          <a:xfrm>
-            <a:off x="9034739" y="4687700"/>
-            <a:ext cx="1805950" cy="369332"/>
-          </a:xfrm>
-          <a:prstGeom prst="rect">
-            <a:avLst/>
-          </a:prstGeom>
-          <a:noFill/>
-        </p:spPr>
-        <p:txBody>
-          <a:bodyPr wrap="square" rtlCol="0">
-            <a:spAutoFit/>
-          </a:bodyPr>
-          <a:lstStyle/>
-          <a:p>
-            <a:pPr algn="ctr"/>
-            <a:r>
-              <a:rPr lang="ko-KR" altLang="en-US" b="1" dirty="0" smtClean="0">
-                <a:solidFill>
-                  <a:schemeClr val="bg1"/>
-                </a:solidFill>
-              </a:rPr>
-              <a:t>링크 연결</a:t>
-            </a:r>
-            <a:endParaRPr lang="en-US" altLang="ko-KR" b="1" dirty="0" smtClean="0">
-              <a:solidFill>
-                <a:schemeClr val="bg1"/>
-              </a:solidFill>
-            </a:endParaRPr>
-          </a:p>
-        </p:txBody>
-      </p:sp>
-      <p:sp>
-        <p:nvSpPr>
-          <p:cNvPr id="54" name="직사각형 53">
-            <a:extLst>
-              <a:ext uri="{FF2B5EF4-FFF2-40B4-BE49-F238E27FC236}">
-                <a16:creationId xmlns="" xmlns:a16="http://schemas.microsoft.com/office/drawing/2014/main" id="{3FA00699-5178-465A-9F3F-130CF1431F70}"/>
-              </a:ext>
-            </a:extLst>
-          </p:cNvPr>
-          <p:cNvSpPr/>
-          <p:nvPr/>
-        </p:nvSpPr>
-        <p:spPr>
-          <a:xfrm>
-            <a:off x="499391" y="986972"/>
-            <a:ext cx="661316" cy="373885"/>
-          </a:xfrm>
-          <a:prstGeom prst="rect">
-            <a:avLst/>
-          </a:prstGeom>
-        </p:spPr>
-        <p:txBody>
-          <a:bodyPr wrap="square">
-            <a:spAutoFit/>
-          </a:bodyPr>
-          <a:lstStyle/>
-          <a:p>
-            <a:pPr algn="ctr">
-              <a:lnSpc>
-                <a:spcPct val="150000"/>
-              </a:lnSpc>
-            </a:pPr>
-            <a:r>
-              <a:rPr lang="ko-KR" altLang="en-US" sz="1400" b="1" dirty="0" smtClean="0">
-                <a:solidFill>
-                  <a:srgbClr val="5B6176"/>
-                </a:solidFill>
-              </a:rPr>
-              <a:t>조</a:t>
-            </a:r>
-            <a:r>
-              <a:rPr lang="ko-KR" altLang="en-US" sz="1400" b="1" dirty="0">
-                <a:solidFill>
-                  <a:srgbClr val="5B6176"/>
-                </a:solidFill>
-              </a:rPr>
-              <a:t>회</a:t>
-            </a:r>
-            <a:endParaRPr lang="en-US" altLang="ko-KR" sz="1400" b="1" dirty="0">
-              <a:solidFill>
-                <a:srgbClr val="5B6176"/>
-              </a:solidFill>
-            </a:endParaRPr>
-          </a:p>
-        </p:txBody>
-      </p:sp>
-    </p:spTree>
-    <p:extLst>
-      <p:ext uri="{BB962C8B-B14F-4D97-AF65-F5344CB8AC3E}">
-        <p14:creationId xmlns:p14="http://schemas.microsoft.com/office/powerpoint/2010/main" val="2597574560"/>
-      </p:ext>
-    </p:extLst>
-  </p:cSld>
-  <p:clrMapOvr>
-    <a:masterClrMapping/>
-  </p:clrMapOvr>
-  <p:timing>
-    <p:tnLst>
-      <p:par>
-        <p:cTn id="1" dur="indefinite" restart="never" nodeType="tmRoot"/>
-      </p:par>
-    </p:tnLst>
-  </p:timing>
-</p:sld>
-</file>
-
-<file path=ppt/slides/slide11.xml><?xml version="1.0" encoding="utf-8"?>
-<p:sld xmlns:a="http://schemas.openxmlformats.org/drawingml/2006/main" xmlns:r="http://schemas.openxmlformats.org/officeDocument/2006/relationships" xmlns:p="http://schemas.openxmlformats.org/presentationml/2006/main">
-  <p:cSld>
-    <p:spTree>
-      <p:nvGrpSpPr>
-        <p:cNvPr id="1" name=""/>
-        <p:cNvGrpSpPr/>
-        <p:nvPr/>
-      </p:nvGrpSpPr>
-      <p:grpSpPr>
-        <a:xfrm>
-          <a:off x="0" y="0"/>
-          <a:ext cx="0" cy="0"/>
-          <a:chOff x="0" y="0"/>
-          <a:chExt cx="0" cy="0"/>
-        </a:xfrm>
-      </p:grpSpPr>
-      <p:cxnSp>
-        <p:nvCxnSpPr>
-          <p:cNvPr id="6" name="직선 연결선 5"/>
-          <p:cNvCxnSpPr/>
-          <p:nvPr/>
-        </p:nvCxnSpPr>
-        <p:spPr>
-          <a:xfrm>
-            <a:off x="440707" y="251691"/>
-            <a:ext cx="720000" cy="0"/>
-          </a:xfrm>
-          <a:prstGeom prst="line">
-            <a:avLst/>
-          </a:prstGeom>
-          <a:ln w="22225">
-            <a:solidFill>
-              <a:srgbClr val="5B6176"/>
-            </a:solidFill>
-          </a:ln>
-        </p:spPr>
-        <p:style>
-          <a:lnRef idx="1">
-            <a:schemeClr val="accent1"/>
-          </a:lnRef>
-          <a:fillRef idx="0">
-            <a:schemeClr val="accent1"/>
-          </a:fillRef>
-          <a:effectRef idx="0">
-            <a:schemeClr val="accent1"/>
-          </a:effectRef>
-          <a:fontRef idx="minor">
-            <a:schemeClr val="tx1"/>
-          </a:fontRef>
-        </p:style>
-      </p:cxnSp>
-      <p:cxnSp>
-        <p:nvCxnSpPr>
-          <p:cNvPr id="7" name="직선 연결선 6"/>
-          <p:cNvCxnSpPr/>
-          <p:nvPr/>
-        </p:nvCxnSpPr>
-        <p:spPr>
-          <a:xfrm>
-            <a:off x="97139" y="6104246"/>
-            <a:ext cx="12024000" cy="0"/>
-          </a:xfrm>
-          <a:prstGeom prst="line">
-            <a:avLst/>
-          </a:prstGeom>
-          <a:ln w="38100">
-            <a:solidFill>
-              <a:srgbClr val="5B6176"/>
-            </a:solidFill>
-          </a:ln>
-        </p:spPr>
-        <p:style>
-          <a:lnRef idx="1">
-            <a:schemeClr val="accent1"/>
-          </a:lnRef>
-          <a:fillRef idx="0">
-            <a:schemeClr val="accent1"/>
-          </a:fillRef>
-          <a:effectRef idx="0">
-            <a:schemeClr val="accent1"/>
-          </a:effectRef>
-          <a:fontRef idx="minor">
-            <a:schemeClr val="tx1"/>
-          </a:fontRef>
-        </p:style>
-      </p:cxnSp>
-      <p:sp>
-        <p:nvSpPr>
-          <p:cNvPr id="8" name="직사각형 7"/>
-          <p:cNvSpPr/>
-          <p:nvPr/>
-        </p:nvSpPr>
-        <p:spPr>
-          <a:xfrm>
             <a:off x="449943" y="986971"/>
             <a:ext cx="11327709" cy="5689600"/>
           </a:xfrm>
@@ -6241,7 +5063,7 @@
           <p:cNvPr id="38" name="직사각형 37">
             <a:extLst>
               <a:ext uri="{FF2B5EF4-FFF2-40B4-BE49-F238E27FC236}">
-                <a16:creationId xmlns="" xmlns:a16="http://schemas.microsoft.com/office/drawing/2014/main" id="{3FA00699-5178-465A-9F3F-130CF1431F70}"/>
+                <a16:creationId xmlns:a16="http://schemas.microsoft.com/office/drawing/2014/main" id="{3FA00699-5178-465A-9F3F-130CF1431F70}"/>
               </a:ext>
             </a:extLst>
           </p:cNvPr>
@@ -6439,7 +5261,7 @@
 </p:sld>
 </file>
 
-<file path=ppt/slides/slide12.xml><?xml version="1.0" encoding="utf-8"?>
+<file path=ppt/slides/slide11.xml><?xml version="1.0" encoding="utf-8"?>
 <p:sld xmlns:a="http://schemas.openxmlformats.org/drawingml/2006/main" xmlns:r="http://schemas.openxmlformats.org/officeDocument/2006/relationships" xmlns:p="http://schemas.openxmlformats.org/presentationml/2006/main">
   <p:cSld>
     <p:spTree>
@@ -7224,7 +6046,7 @@
           <p:cNvPr id="34" name="직사각형 33">
             <a:extLst>
               <a:ext uri="{FF2B5EF4-FFF2-40B4-BE49-F238E27FC236}">
-                <a16:creationId xmlns="" xmlns:a16="http://schemas.microsoft.com/office/drawing/2014/main" id="{3FA00699-5178-465A-9F3F-130CF1431F70}"/>
+                <a16:creationId xmlns:a16="http://schemas.microsoft.com/office/drawing/2014/main" id="{3FA00699-5178-465A-9F3F-130CF1431F70}"/>
               </a:ext>
             </a:extLst>
           </p:cNvPr>
@@ -7452,7 +6274,7 @@
 </p:sld>
 </file>
 
-<file path=ppt/slides/slide13.xml><?xml version="1.0" encoding="utf-8"?>
+<file path=ppt/slides/slide12.xml><?xml version="1.0" encoding="utf-8"?>
 <p:sld xmlns:a="http://schemas.openxmlformats.org/drawingml/2006/main" xmlns:r="http://schemas.openxmlformats.org/officeDocument/2006/relationships" xmlns:p="http://schemas.openxmlformats.org/presentationml/2006/main">
   <p:cSld>
     <p:spTree>
@@ -8237,7 +7059,7 @@
           <p:cNvPr id="36" name="직사각형 35">
             <a:extLst>
               <a:ext uri="{FF2B5EF4-FFF2-40B4-BE49-F238E27FC236}">
-                <a16:creationId xmlns="" xmlns:a16="http://schemas.microsoft.com/office/drawing/2014/main" id="{3FA00699-5178-465A-9F3F-130CF1431F70}"/>
+                <a16:creationId xmlns:a16="http://schemas.microsoft.com/office/drawing/2014/main" id="{3FA00699-5178-465A-9F3F-130CF1431F70}"/>
               </a:ext>
             </a:extLst>
           </p:cNvPr>
@@ -8465,7 +7287,7 @@
 </p:sld>
 </file>
 
-<file path=ppt/slides/slide14.xml><?xml version="1.0" encoding="utf-8"?>
+<file path=ppt/slides/slide13.xml><?xml version="1.0" encoding="utf-8"?>
 <p:sld xmlns:a="http://schemas.openxmlformats.org/drawingml/2006/main" xmlns:r="http://schemas.openxmlformats.org/officeDocument/2006/relationships" xmlns:p="http://schemas.openxmlformats.org/presentationml/2006/main">
   <p:cSld>
     <p:bg>
@@ -9004,7 +7826,7 @@
           <p:cNvPr id="39" name="직사각형 38">
             <a:extLst>
               <a:ext uri="{FF2B5EF4-FFF2-40B4-BE49-F238E27FC236}">
-                <a16:creationId xmlns="" xmlns:a16="http://schemas.microsoft.com/office/drawing/2014/main" id="{3FA00699-5178-465A-9F3F-130CF1431F70}"/>
+                <a16:creationId xmlns:a16="http://schemas.microsoft.com/office/drawing/2014/main" id="{3FA00699-5178-465A-9F3F-130CF1431F70}"/>
               </a:ext>
             </a:extLst>
           </p:cNvPr>
@@ -9281,7 +8103,7 @@
 </p:sld>
 </file>
 
-<file path=ppt/slides/slide15.xml><?xml version="1.0" encoding="utf-8"?>
+<file path=ppt/slides/slide14.xml><?xml version="1.0" encoding="utf-8"?>
 <p:sld xmlns:a="http://schemas.openxmlformats.org/drawingml/2006/main" xmlns:r="http://schemas.openxmlformats.org/officeDocument/2006/relationships" xmlns:p="http://schemas.openxmlformats.org/presentationml/2006/main">
   <p:cSld>
     <p:spTree>
@@ -9820,7 +8642,7 @@
           <p:cNvPr id="39" name="직사각형 38">
             <a:extLst>
               <a:ext uri="{FF2B5EF4-FFF2-40B4-BE49-F238E27FC236}">
-                <a16:creationId xmlns="" xmlns:a16="http://schemas.microsoft.com/office/drawing/2014/main" id="{3FA00699-5178-465A-9F3F-130CF1431F70}"/>
+                <a16:creationId xmlns:a16="http://schemas.microsoft.com/office/drawing/2014/main" id="{3FA00699-5178-465A-9F3F-130CF1431F70}"/>
               </a:ext>
             </a:extLst>
           </p:cNvPr>
@@ -10203,7 +9025,7 @@
 </p:sld>
 </file>
 
-<file path=ppt/slides/slide16.xml><?xml version="1.0" encoding="utf-8"?>
+<file path=ppt/slides/slide15.xml><?xml version="1.0" encoding="utf-8"?>
 <p:sld xmlns:a="http://schemas.openxmlformats.org/drawingml/2006/main" xmlns:r="http://schemas.openxmlformats.org/officeDocument/2006/relationships" xmlns:p="http://schemas.openxmlformats.org/presentationml/2006/main">
   <p:cSld>
     <p:spTree>
@@ -10734,7 +9556,7 @@
           <p:cNvPr id="39" name="직사각형 38">
             <a:extLst>
               <a:ext uri="{FF2B5EF4-FFF2-40B4-BE49-F238E27FC236}">
-                <a16:creationId xmlns="" xmlns:a16="http://schemas.microsoft.com/office/drawing/2014/main" id="{3FA00699-5178-465A-9F3F-130CF1431F70}"/>
+                <a16:creationId xmlns:a16="http://schemas.microsoft.com/office/drawing/2014/main" id="{3FA00699-5178-465A-9F3F-130CF1431F70}"/>
               </a:ext>
             </a:extLst>
           </p:cNvPr>
@@ -11415,7 +10237,7 @@
 </p:sld>
 </file>
 
-<file path=ppt/slides/slide17.xml><?xml version="1.0" encoding="utf-8"?>
+<file path=ppt/slides/slide16.xml><?xml version="1.0" encoding="utf-8"?>
 <p:sld xmlns:a="http://schemas.openxmlformats.org/drawingml/2006/main" xmlns:r="http://schemas.openxmlformats.org/officeDocument/2006/relationships" xmlns:p="http://schemas.openxmlformats.org/presentationml/2006/main">
   <p:cSld>
     <p:spTree>
@@ -11954,7 +10776,7 @@
           <p:cNvPr id="39" name="직사각형 38">
             <a:extLst>
               <a:ext uri="{FF2B5EF4-FFF2-40B4-BE49-F238E27FC236}">
-                <a16:creationId xmlns="" xmlns:a16="http://schemas.microsoft.com/office/drawing/2014/main" id="{3FA00699-5178-465A-9F3F-130CF1431F70}"/>
+                <a16:creationId xmlns:a16="http://schemas.microsoft.com/office/drawing/2014/main" id="{3FA00699-5178-465A-9F3F-130CF1431F70}"/>
               </a:ext>
             </a:extLst>
           </p:cNvPr>
@@ -12391,7 +11213,7 @@
 </p:sld>
 </file>
 
-<file path=ppt/slides/slide18.xml><?xml version="1.0" encoding="utf-8"?>
+<file path=ppt/slides/slide17.xml><?xml version="1.0" encoding="utf-8"?>
 <p:sld xmlns:a="http://schemas.openxmlformats.org/drawingml/2006/main" xmlns:r="http://schemas.openxmlformats.org/officeDocument/2006/relationships" xmlns:p="http://schemas.openxmlformats.org/presentationml/2006/main">
   <p:cSld>
     <p:spTree>
@@ -13401,7 +12223,7 @@
           <p:cNvPr id="20" name="자유형: 도형 377">
             <a:extLst>
               <a:ext uri="{FF2B5EF4-FFF2-40B4-BE49-F238E27FC236}">
-                <a16:creationId xmlns:a16="http://schemas.microsoft.com/office/drawing/2014/main" xmlns="" id="{0B4A7219-0820-4378-B811-331B8646398F}"/>
+                <a16:creationId xmlns:a16="http://schemas.microsoft.com/office/drawing/2014/main" id="{0B4A7219-0820-4378-B811-331B8646398F}"/>
               </a:ext>
             </a:extLst>
           </p:cNvPr>
@@ -13546,7 +12368,7 @@
           <p:cNvPr id="21" name="자유형: 도형 378">
             <a:extLst>
               <a:ext uri="{FF2B5EF4-FFF2-40B4-BE49-F238E27FC236}">
-                <a16:creationId xmlns:a16="http://schemas.microsoft.com/office/drawing/2014/main" xmlns="" id="{AE7688D0-57FD-4391-A3C9-1EB04A54396A}"/>
+                <a16:creationId xmlns:a16="http://schemas.microsoft.com/office/drawing/2014/main" id="{AE7688D0-57FD-4391-A3C9-1EB04A54396A}"/>
               </a:ext>
             </a:extLst>
           </p:cNvPr>
@@ -13691,7 +12513,7 @@
           <p:cNvPr id="22" name="자유형: 도형 379">
             <a:extLst>
               <a:ext uri="{FF2B5EF4-FFF2-40B4-BE49-F238E27FC236}">
-                <a16:creationId xmlns:a16="http://schemas.microsoft.com/office/drawing/2014/main" xmlns="" id="{C4615E6A-E0F5-484B-8040-DD0DD89211FD}"/>
+                <a16:creationId xmlns:a16="http://schemas.microsoft.com/office/drawing/2014/main" id="{C4615E6A-E0F5-484B-8040-DD0DD89211FD}"/>
               </a:ext>
             </a:extLst>
           </p:cNvPr>
@@ -13836,7 +12658,7 @@
           <p:cNvPr id="23" name="자유형: 도형 380">
             <a:extLst>
               <a:ext uri="{FF2B5EF4-FFF2-40B4-BE49-F238E27FC236}">
-                <a16:creationId xmlns:a16="http://schemas.microsoft.com/office/drawing/2014/main" xmlns="" id="{0937B8B0-8045-4AA8-B9F4-04B7C0AFDEBB}"/>
+                <a16:creationId xmlns:a16="http://schemas.microsoft.com/office/drawing/2014/main" id="{0937B8B0-8045-4AA8-B9F4-04B7C0AFDEBB}"/>
               </a:ext>
             </a:extLst>
           </p:cNvPr>
@@ -13981,7 +12803,7 @@
           <p:cNvPr id="24" name="자유형: 도형 381">
             <a:extLst>
               <a:ext uri="{FF2B5EF4-FFF2-40B4-BE49-F238E27FC236}">
-                <a16:creationId xmlns:a16="http://schemas.microsoft.com/office/drawing/2014/main" xmlns="" id="{DB9ADCEC-01D9-4BB3-81EE-B1429055FB91}"/>
+                <a16:creationId xmlns:a16="http://schemas.microsoft.com/office/drawing/2014/main" id="{DB9ADCEC-01D9-4BB3-81EE-B1429055FB91}"/>
               </a:ext>
             </a:extLst>
           </p:cNvPr>
@@ -14126,7 +12948,7 @@
           <p:cNvPr id="25" name="자유형: 도형 382">
             <a:extLst>
               <a:ext uri="{FF2B5EF4-FFF2-40B4-BE49-F238E27FC236}">
-                <a16:creationId xmlns:a16="http://schemas.microsoft.com/office/drawing/2014/main" xmlns="" id="{DB61C11B-0EC3-4996-906C-007E57835D42}"/>
+                <a16:creationId xmlns:a16="http://schemas.microsoft.com/office/drawing/2014/main" id="{DB61C11B-0EC3-4996-906C-007E57835D42}"/>
               </a:ext>
             </a:extLst>
           </p:cNvPr>
@@ -14271,7 +13093,7 @@
           <p:cNvPr id="26" name="자유형: 도형 383">
             <a:extLst>
               <a:ext uri="{FF2B5EF4-FFF2-40B4-BE49-F238E27FC236}">
-                <a16:creationId xmlns:a16="http://schemas.microsoft.com/office/drawing/2014/main" xmlns="" id="{044A0A9B-5CA5-4FE7-B917-B350C19EF0E6}"/>
+                <a16:creationId xmlns:a16="http://schemas.microsoft.com/office/drawing/2014/main" id="{044A0A9B-5CA5-4FE7-B917-B350C19EF0E6}"/>
               </a:ext>
             </a:extLst>
           </p:cNvPr>
@@ -14416,7 +13238,7 @@
           <p:cNvPr id="27" name="자유형: 도형 384">
             <a:extLst>
               <a:ext uri="{FF2B5EF4-FFF2-40B4-BE49-F238E27FC236}">
-                <a16:creationId xmlns:a16="http://schemas.microsoft.com/office/drawing/2014/main" xmlns="" id="{EA9897D2-716C-4BC1-98EE-5CC7B719C72B}"/>
+                <a16:creationId xmlns:a16="http://schemas.microsoft.com/office/drawing/2014/main" id="{EA9897D2-716C-4BC1-98EE-5CC7B719C72B}"/>
               </a:ext>
             </a:extLst>
           </p:cNvPr>
@@ -14561,7 +13383,7 @@
           <p:cNvPr id="28" name="자유형: 도형 385">
             <a:extLst>
               <a:ext uri="{FF2B5EF4-FFF2-40B4-BE49-F238E27FC236}">
-                <a16:creationId xmlns:a16="http://schemas.microsoft.com/office/drawing/2014/main" xmlns="" id="{7582865E-7A8F-44C3-912A-C087626FEDA9}"/>
+                <a16:creationId xmlns:a16="http://schemas.microsoft.com/office/drawing/2014/main" id="{7582865E-7A8F-44C3-912A-C087626FEDA9}"/>
               </a:ext>
             </a:extLst>
           </p:cNvPr>
@@ -14706,7 +13528,7 @@
           <p:cNvPr id="29" name="자유형: 도형 386">
             <a:extLst>
               <a:ext uri="{FF2B5EF4-FFF2-40B4-BE49-F238E27FC236}">
-                <a16:creationId xmlns:a16="http://schemas.microsoft.com/office/drawing/2014/main" xmlns="" id="{76E18406-54A4-401D-9DCA-86C76E3A933C}"/>
+                <a16:creationId xmlns:a16="http://schemas.microsoft.com/office/drawing/2014/main" id="{76E18406-54A4-401D-9DCA-86C76E3A933C}"/>
               </a:ext>
             </a:extLst>
           </p:cNvPr>
@@ -14851,7 +13673,7 @@
           <p:cNvPr id="30" name="자유형: 도형 387">
             <a:extLst>
               <a:ext uri="{FF2B5EF4-FFF2-40B4-BE49-F238E27FC236}">
-                <a16:creationId xmlns:a16="http://schemas.microsoft.com/office/drawing/2014/main" xmlns="" id="{78D016E9-A182-4180-A637-1A890C82CE6A}"/>
+                <a16:creationId xmlns:a16="http://schemas.microsoft.com/office/drawing/2014/main" id="{78D016E9-A182-4180-A637-1A890C82CE6A}"/>
               </a:ext>
             </a:extLst>
           </p:cNvPr>
@@ -14996,7 +13818,7 @@
           <p:cNvPr id="31" name="자유형: 도형 388">
             <a:extLst>
               <a:ext uri="{FF2B5EF4-FFF2-40B4-BE49-F238E27FC236}">
-                <a16:creationId xmlns:a16="http://schemas.microsoft.com/office/drawing/2014/main" xmlns="" id="{05F8530F-49F6-48DF-AD43-D138C77A6596}"/>
+                <a16:creationId xmlns:a16="http://schemas.microsoft.com/office/drawing/2014/main" id="{05F8530F-49F6-48DF-AD43-D138C77A6596}"/>
               </a:ext>
             </a:extLst>
           </p:cNvPr>
@@ -15141,7 +13963,7 @@
           <p:cNvPr id="32" name="자유형: 도형 389">
             <a:extLst>
               <a:ext uri="{FF2B5EF4-FFF2-40B4-BE49-F238E27FC236}">
-                <a16:creationId xmlns:a16="http://schemas.microsoft.com/office/drawing/2014/main" xmlns="" id="{98DCEC21-B8BD-43A7-8436-449C4406D27B}"/>
+                <a16:creationId xmlns:a16="http://schemas.microsoft.com/office/drawing/2014/main" id="{98DCEC21-B8BD-43A7-8436-449C4406D27B}"/>
               </a:ext>
             </a:extLst>
           </p:cNvPr>
@@ -15286,7 +14108,7 @@
           <p:cNvPr id="33" name="자유형: 도형 390">
             <a:extLst>
               <a:ext uri="{FF2B5EF4-FFF2-40B4-BE49-F238E27FC236}">
-                <a16:creationId xmlns:a16="http://schemas.microsoft.com/office/drawing/2014/main" xmlns="" id="{71FAF07A-965F-4A51-9977-FFFFAA15A432}"/>
+                <a16:creationId xmlns:a16="http://schemas.microsoft.com/office/drawing/2014/main" id="{71FAF07A-965F-4A51-9977-FFFFAA15A432}"/>
               </a:ext>
             </a:extLst>
           </p:cNvPr>
@@ -15431,7 +14253,7 @@
           <p:cNvPr id="34" name="자유형: 도형 391">
             <a:extLst>
               <a:ext uri="{FF2B5EF4-FFF2-40B4-BE49-F238E27FC236}">
-                <a16:creationId xmlns:a16="http://schemas.microsoft.com/office/drawing/2014/main" xmlns="" id="{5047EEFB-CDDB-46B7-AA56-F96C5BF34725}"/>
+                <a16:creationId xmlns:a16="http://schemas.microsoft.com/office/drawing/2014/main" id="{5047EEFB-CDDB-46B7-AA56-F96C5BF34725}"/>
               </a:ext>
             </a:extLst>
           </p:cNvPr>
@@ -15576,7 +14398,7 @@
           <p:cNvPr id="35" name="자유형: 도형 392">
             <a:extLst>
               <a:ext uri="{FF2B5EF4-FFF2-40B4-BE49-F238E27FC236}">
-                <a16:creationId xmlns:a16="http://schemas.microsoft.com/office/drawing/2014/main" xmlns="" id="{2D343500-5462-4C95-880B-385171314AB6}"/>
+                <a16:creationId xmlns:a16="http://schemas.microsoft.com/office/drawing/2014/main" id="{2D343500-5462-4C95-880B-385171314AB6}"/>
               </a:ext>
             </a:extLst>
           </p:cNvPr>
@@ -15721,7 +14543,7 @@
           <p:cNvPr id="36" name="자유형: 도형 393">
             <a:extLst>
               <a:ext uri="{FF2B5EF4-FFF2-40B4-BE49-F238E27FC236}">
-                <a16:creationId xmlns:a16="http://schemas.microsoft.com/office/drawing/2014/main" xmlns="" id="{7B3DA1B8-BF1B-4513-966C-2A916F28EFB9}"/>
+                <a16:creationId xmlns:a16="http://schemas.microsoft.com/office/drawing/2014/main" id="{7B3DA1B8-BF1B-4513-966C-2A916F28EFB9}"/>
               </a:ext>
             </a:extLst>
           </p:cNvPr>
@@ -15866,7 +14688,7 @@
           <p:cNvPr id="37" name="자유형: 도형 394">
             <a:extLst>
               <a:ext uri="{FF2B5EF4-FFF2-40B4-BE49-F238E27FC236}">
-                <a16:creationId xmlns:a16="http://schemas.microsoft.com/office/drawing/2014/main" xmlns="" id="{28F89FC3-982F-4923-9453-6F57D8E1E307}"/>
+                <a16:creationId xmlns:a16="http://schemas.microsoft.com/office/drawing/2014/main" id="{28F89FC3-982F-4923-9453-6F57D8E1E307}"/>
               </a:ext>
             </a:extLst>
           </p:cNvPr>
@@ -16011,7 +14833,7 @@
           <p:cNvPr id="38" name="자유형: 도형 395">
             <a:extLst>
               <a:ext uri="{FF2B5EF4-FFF2-40B4-BE49-F238E27FC236}">
-                <a16:creationId xmlns:a16="http://schemas.microsoft.com/office/drawing/2014/main" xmlns="" id="{0F995921-8CFB-4A23-8C8B-B2815AE8670A}"/>
+                <a16:creationId xmlns:a16="http://schemas.microsoft.com/office/drawing/2014/main" id="{0F995921-8CFB-4A23-8C8B-B2815AE8670A}"/>
               </a:ext>
             </a:extLst>
           </p:cNvPr>
@@ -16156,7 +14978,7 @@
           <p:cNvPr id="39" name="자유형: 도형 396">
             <a:extLst>
               <a:ext uri="{FF2B5EF4-FFF2-40B4-BE49-F238E27FC236}">
-                <a16:creationId xmlns:a16="http://schemas.microsoft.com/office/drawing/2014/main" xmlns="" id="{38E18007-DA79-4D7B-96F0-FEC1EB21386C}"/>
+                <a16:creationId xmlns:a16="http://schemas.microsoft.com/office/drawing/2014/main" id="{38E18007-DA79-4D7B-96F0-FEC1EB21386C}"/>
               </a:ext>
             </a:extLst>
           </p:cNvPr>
@@ -16301,7 +15123,7 @@
           <p:cNvPr id="40" name="자유형: 도형 397">
             <a:extLst>
               <a:ext uri="{FF2B5EF4-FFF2-40B4-BE49-F238E27FC236}">
-                <a16:creationId xmlns:a16="http://schemas.microsoft.com/office/drawing/2014/main" xmlns="" id="{C0E1BE7B-0A87-404E-B319-F1AE13922904}"/>
+                <a16:creationId xmlns:a16="http://schemas.microsoft.com/office/drawing/2014/main" id="{C0E1BE7B-0A87-404E-B319-F1AE13922904}"/>
               </a:ext>
             </a:extLst>
           </p:cNvPr>
@@ -16446,7 +15268,7 @@
           <p:cNvPr id="41" name="자유형: 도형 398">
             <a:extLst>
               <a:ext uri="{FF2B5EF4-FFF2-40B4-BE49-F238E27FC236}">
-                <a16:creationId xmlns:a16="http://schemas.microsoft.com/office/drawing/2014/main" xmlns="" id="{675C7C0F-8C6D-4AAF-BC5F-2B81DEB3E4E8}"/>
+                <a16:creationId xmlns:a16="http://schemas.microsoft.com/office/drawing/2014/main" id="{675C7C0F-8C6D-4AAF-BC5F-2B81DEB3E4E8}"/>
               </a:ext>
             </a:extLst>
           </p:cNvPr>
@@ -16591,7 +15413,7 @@
           <p:cNvPr id="42" name="자유형: 도형 399">
             <a:extLst>
               <a:ext uri="{FF2B5EF4-FFF2-40B4-BE49-F238E27FC236}">
-                <a16:creationId xmlns:a16="http://schemas.microsoft.com/office/drawing/2014/main" xmlns="" id="{846A25C2-933F-44C2-A0FE-4110FBEBA915}"/>
+                <a16:creationId xmlns:a16="http://schemas.microsoft.com/office/drawing/2014/main" id="{846A25C2-933F-44C2-A0FE-4110FBEBA915}"/>
               </a:ext>
             </a:extLst>
           </p:cNvPr>
@@ -16736,7 +15558,7 @@
           <p:cNvPr id="43" name="자유형: 도형 400">
             <a:extLst>
               <a:ext uri="{FF2B5EF4-FFF2-40B4-BE49-F238E27FC236}">
-                <a16:creationId xmlns:a16="http://schemas.microsoft.com/office/drawing/2014/main" xmlns="" id="{5EBA2B3B-7A04-4662-B870-F720B8538988}"/>
+                <a16:creationId xmlns:a16="http://schemas.microsoft.com/office/drawing/2014/main" id="{5EBA2B3B-7A04-4662-B870-F720B8538988}"/>
               </a:ext>
             </a:extLst>
           </p:cNvPr>
@@ -16881,7 +15703,7 @@
           <p:cNvPr id="44" name="직사각형 43">
             <a:extLst>
               <a:ext uri="{FF2B5EF4-FFF2-40B4-BE49-F238E27FC236}">
-                <a16:creationId xmlns:a16="http://schemas.microsoft.com/office/drawing/2014/main" xmlns="" id="{8E46B02D-66F3-495A-BE76-8FA2A68509CF}"/>
+                <a16:creationId xmlns:a16="http://schemas.microsoft.com/office/drawing/2014/main" id="{8E46B02D-66F3-495A-BE76-8FA2A68509CF}"/>
               </a:ext>
             </a:extLst>
           </p:cNvPr>
@@ -16937,7 +15759,7 @@
           <p:cNvPr id="45" name="직사각형 44">
             <a:extLst>
               <a:ext uri="{FF2B5EF4-FFF2-40B4-BE49-F238E27FC236}">
-                <a16:creationId xmlns="" xmlns:a16="http://schemas.microsoft.com/office/drawing/2014/main" id="{7FEC52E6-E0E1-427E-87A8-FEE2AAF979A8}"/>
+                <a16:creationId xmlns:a16="http://schemas.microsoft.com/office/drawing/2014/main" id="{7FEC52E6-E0E1-427E-87A8-FEE2AAF979A8}"/>
               </a:ext>
             </a:extLst>
           </p:cNvPr>
@@ -17136,7 +15958,7 @@
           <p:cNvPr id="49" name="자유형: 도형 377">
             <a:extLst>
               <a:ext uri="{FF2B5EF4-FFF2-40B4-BE49-F238E27FC236}">
-                <a16:creationId xmlns:a16="http://schemas.microsoft.com/office/drawing/2014/main" xmlns="" id="{0B4A7219-0820-4378-B811-331B8646398F}"/>
+                <a16:creationId xmlns:a16="http://schemas.microsoft.com/office/drawing/2014/main" id="{0B4A7219-0820-4378-B811-331B8646398F}"/>
               </a:ext>
             </a:extLst>
           </p:cNvPr>
@@ -17281,7 +16103,7 @@
           <p:cNvPr id="50" name="자유형: 도형 378">
             <a:extLst>
               <a:ext uri="{FF2B5EF4-FFF2-40B4-BE49-F238E27FC236}">
-                <a16:creationId xmlns:a16="http://schemas.microsoft.com/office/drawing/2014/main" xmlns="" id="{AE7688D0-57FD-4391-A3C9-1EB04A54396A}"/>
+                <a16:creationId xmlns:a16="http://schemas.microsoft.com/office/drawing/2014/main" id="{AE7688D0-57FD-4391-A3C9-1EB04A54396A}"/>
               </a:ext>
             </a:extLst>
           </p:cNvPr>
@@ -17426,7 +16248,7 @@
           <p:cNvPr id="51" name="자유형: 도형 379">
             <a:extLst>
               <a:ext uri="{FF2B5EF4-FFF2-40B4-BE49-F238E27FC236}">
-                <a16:creationId xmlns:a16="http://schemas.microsoft.com/office/drawing/2014/main" xmlns="" id="{C4615E6A-E0F5-484B-8040-DD0DD89211FD}"/>
+                <a16:creationId xmlns:a16="http://schemas.microsoft.com/office/drawing/2014/main" id="{C4615E6A-E0F5-484B-8040-DD0DD89211FD}"/>
               </a:ext>
             </a:extLst>
           </p:cNvPr>
@@ -17571,7 +16393,7 @@
           <p:cNvPr id="52" name="자유형: 도형 380">
             <a:extLst>
               <a:ext uri="{FF2B5EF4-FFF2-40B4-BE49-F238E27FC236}">
-                <a16:creationId xmlns:a16="http://schemas.microsoft.com/office/drawing/2014/main" xmlns="" id="{0937B8B0-8045-4AA8-B9F4-04B7C0AFDEBB}"/>
+                <a16:creationId xmlns:a16="http://schemas.microsoft.com/office/drawing/2014/main" id="{0937B8B0-8045-4AA8-B9F4-04B7C0AFDEBB}"/>
               </a:ext>
             </a:extLst>
           </p:cNvPr>
@@ -17716,7 +16538,7 @@
           <p:cNvPr id="53" name="자유형: 도형 381">
             <a:extLst>
               <a:ext uri="{FF2B5EF4-FFF2-40B4-BE49-F238E27FC236}">
-                <a16:creationId xmlns:a16="http://schemas.microsoft.com/office/drawing/2014/main" xmlns="" id="{DB9ADCEC-01D9-4BB3-81EE-B1429055FB91}"/>
+                <a16:creationId xmlns:a16="http://schemas.microsoft.com/office/drawing/2014/main" id="{DB9ADCEC-01D9-4BB3-81EE-B1429055FB91}"/>
               </a:ext>
             </a:extLst>
           </p:cNvPr>
@@ -17861,7 +16683,7 @@
           <p:cNvPr id="54" name="자유형: 도형 382">
             <a:extLst>
               <a:ext uri="{FF2B5EF4-FFF2-40B4-BE49-F238E27FC236}">
-                <a16:creationId xmlns:a16="http://schemas.microsoft.com/office/drawing/2014/main" xmlns="" id="{DB61C11B-0EC3-4996-906C-007E57835D42}"/>
+                <a16:creationId xmlns:a16="http://schemas.microsoft.com/office/drawing/2014/main" id="{DB61C11B-0EC3-4996-906C-007E57835D42}"/>
               </a:ext>
             </a:extLst>
           </p:cNvPr>
@@ -18006,7 +16828,7 @@
           <p:cNvPr id="55" name="자유형: 도형 383">
             <a:extLst>
               <a:ext uri="{FF2B5EF4-FFF2-40B4-BE49-F238E27FC236}">
-                <a16:creationId xmlns:a16="http://schemas.microsoft.com/office/drawing/2014/main" xmlns="" id="{044A0A9B-5CA5-4FE7-B917-B350C19EF0E6}"/>
+                <a16:creationId xmlns:a16="http://schemas.microsoft.com/office/drawing/2014/main" id="{044A0A9B-5CA5-4FE7-B917-B350C19EF0E6}"/>
               </a:ext>
             </a:extLst>
           </p:cNvPr>
@@ -18151,7 +16973,7 @@
           <p:cNvPr id="56" name="자유형: 도형 384">
             <a:extLst>
               <a:ext uri="{FF2B5EF4-FFF2-40B4-BE49-F238E27FC236}">
-                <a16:creationId xmlns:a16="http://schemas.microsoft.com/office/drawing/2014/main" xmlns="" id="{EA9897D2-716C-4BC1-98EE-5CC7B719C72B}"/>
+                <a16:creationId xmlns:a16="http://schemas.microsoft.com/office/drawing/2014/main" id="{EA9897D2-716C-4BC1-98EE-5CC7B719C72B}"/>
               </a:ext>
             </a:extLst>
           </p:cNvPr>
@@ -18296,7 +17118,7 @@
           <p:cNvPr id="57" name="자유형: 도형 385">
             <a:extLst>
               <a:ext uri="{FF2B5EF4-FFF2-40B4-BE49-F238E27FC236}">
-                <a16:creationId xmlns:a16="http://schemas.microsoft.com/office/drawing/2014/main" xmlns="" id="{7582865E-7A8F-44C3-912A-C087626FEDA9}"/>
+                <a16:creationId xmlns:a16="http://schemas.microsoft.com/office/drawing/2014/main" id="{7582865E-7A8F-44C3-912A-C087626FEDA9}"/>
               </a:ext>
             </a:extLst>
           </p:cNvPr>
@@ -18441,7 +17263,7 @@
           <p:cNvPr id="58" name="자유형: 도형 386">
             <a:extLst>
               <a:ext uri="{FF2B5EF4-FFF2-40B4-BE49-F238E27FC236}">
-                <a16:creationId xmlns:a16="http://schemas.microsoft.com/office/drawing/2014/main" xmlns="" id="{76E18406-54A4-401D-9DCA-86C76E3A933C}"/>
+                <a16:creationId xmlns:a16="http://schemas.microsoft.com/office/drawing/2014/main" id="{76E18406-54A4-401D-9DCA-86C76E3A933C}"/>
               </a:ext>
             </a:extLst>
           </p:cNvPr>
@@ -18586,7 +17408,7 @@
           <p:cNvPr id="59" name="자유형: 도형 387">
             <a:extLst>
               <a:ext uri="{FF2B5EF4-FFF2-40B4-BE49-F238E27FC236}">
-                <a16:creationId xmlns:a16="http://schemas.microsoft.com/office/drawing/2014/main" xmlns="" id="{78D016E9-A182-4180-A637-1A890C82CE6A}"/>
+                <a16:creationId xmlns:a16="http://schemas.microsoft.com/office/drawing/2014/main" id="{78D016E9-A182-4180-A637-1A890C82CE6A}"/>
               </a:ext>
             </a:extLst>
           </p:cNvPr>
@@ -18731,7 +17553,7 @@
           <p:cNvPr id="60" name="자유형: 도형 388">
             <a:extLst>
               <a:ext uri="{FF2B5EF4-FFF2-40B4-BE49-F238E27FC236}">
-                <a16:creationId xmlns:a16="http://schemas.microsoft.com/office/drawing/2014/main" xmlns="" id="{05F8530F-49F6-48DF-AD43-D138C77A6596}"/>
+                <a16:creationId xmlns:a16="http://schemas.microsoft.com/office/drawing/2014/main" id="{05F8530F-49F6-48DF-AD43-D138C77A6596}"/>
               </a:ext>
             </a:extLst>
           </p:cNvPr>
@@ -18876,7 +17698,7 @@
           <p:cNvPr id="61" name="자유형: 도형 389">
             <a:extLst>
               <a:ext uri="{FF2B5EF4-FFF2-40B4-BE49-F238E27FC236}">
-                <a16:creationId xmlns:a16="http://schemas.microsoft.com/office/drawing/2014/main" xmlns="" id="{98DCEC21-B8BD-43A7-8436-449C4406D27B}"/>
+                <a16:creationId xmlns:a16="http://schemas.microsoft.com/office/drawing/2014/main" id="{98DCEC21-B8BD-43A7-8436-449C4406D27B}"/>
               </a:ext>
             </a:extLst>
           </p:cNvPr>
@@ -19021,7 +17843,7 @@
           <p:cNvPr id="62" name="자유형: 도형 390">
             <a:extLst>
               <a:ext uri="{FF2B5EF4-FFF2-40B4-BE49-F238E27FC236}">
-                <a16:creationId xmlns:a16="http://schemas.microsoft.com/office/drawing/2014/main" xmlns="" id="{71FAF07A-965F-4A51-9977-FFFFAA15A432}"/>
+                <a16:creationId xmlns:a16="http://schemas.microsoft.com/office/drawing/2014/main" id="{71FAF07A-965F-4A51-9977-FFFFAA15A432}"/>
               </a:ext>
             </a:extLst>
           </p:cNvPr>
@@ -19166,7 +17988,7 @@
           <p:cNvPr id="63" name="자유형: 도형 391">
             <a:extLst>
               <a:ext uri="{FF2B5EF4-FFF2-40B4-BE49-F238E27FC236}">
-                <a16:creationId xmlns:a16="http://schemas.microsoft.com/office/drawing/2014/main" xmlns="" id="{5047EEFB-CDDB-46B7-AA56-F96C5BF34725}"/>
+                <a16:creationId xmlns:a16="http://schemas.microsoft.com/office/drawing/2014/main" id="{5047EEFB-CDDB-46B7-AA56-F96C5BF34725}"/>
               </a:ext>
             </a:extLst>
           </p:cNvPr>
@@ -19311,7 +18133,7 @@
           <p:cNvPr id="64" name="자유형: 도형 392">
             <a:extLst>
               <a:ext uri="{FF2B5EF4-FFF2-40B4-BE49-F238E27FC236}">
-                <a16:creationId xmlns:a16="http://schemas.microsoft.com/office/drawing/2014/main" xmlns="" id="{2D343500-5462-4C95-880B-385171314AB6}"/>
+                <a16:creationId xmlns:a16="http://schemas.microsoft.com/office/drawing/2014/main" id="{2D343500-5462-4C95-880B-385171314AB6}"/>
               </a:ext>
             </a:extLst>
           </p:cNvPr>
@@ -19456,7 +18278,7 @@
           <p:cNvPr id="65" name="자유형: 도형 393">
             <a:extLst>
               <a:ext uri="{FF2B5EF4-FFF2-40B4-BE49-F238E27FC236}">
-                <a16:creationId xmlns:a16="http://schemas.microsoft.com/office/drawing/2014/main" xmlns="" id="{7B3DA1B8-BF1B-4513-966C-2A916F28EFB9}"/>
+                <a16:creationId xmlns:a16="http://schemas.microsoft.com/office/drawing/2014/main" id="{7B3DA1B8-BF1B-4513-966C-2A916F28EFB9}"/>
               </a:ext>
             </a:extLst>
           </p:cNvPr>
@@ -19601,7 +18423,7 @@
           <p:cNvPr id="66" name="자유형: 도형 394">
             <a:extLst>
               <a:ext uri="{FF2B5EF4-FFF2-40B4-BE49-F238E27FC236}">
-                <a16:creationId xmlns:a16="http://schemas.microsoft.com/office/drawing/2014/main" xmlns="" id="{28F89FC3-982F-4923-9453-6F57D8E1E307}"/>
+                <a16:creationId xmlns:a16="http://schemas.microsoft.com/office/drawing/2014/main" id="{28F89FC3-982F-4923-9453-6F57D8E1E307}"/>
               </a:ext>
             </a:extLst>
           </p:cNvPr>
@@ -19746,7 +18568,7 @@
           <p:cNvPr id="67" name="자유형: 도형 395">
             <a:extLst>
               <a:ext uri="{FF2B5EF4-FFF2-40B4-BE49-F238E27FC236}">
-                <a16:creationId xmlns:a16="http://schemas.microsoft.com/office/drawing/2014/main" xmlns="" id="{0F995921-8CFB-4A23-8C8B-B2815AE8670A}"/>
+                <a16:creationId xmlns:a16="http://schemas.microsoft.com/office/drawing/2014/main" id="{0F995921-8CFB-4A23-8C8B-B2815AE8670A}"/>
               </a:ext>
             </a:extLst>
           </p:cNvPr>
@@ -19891,7 +18713,7 @@
           <p:cNvPr id="68" name="자유형: 도형 396">
             <a:extLst>
               <a:ext uri="{FF2B5EF4-FFF2-40B4-BE49-F238E27FC236}">
-                <a16:creationId xmlns:a16="http://schemas.microsoft.com/office/drawing/2014/main" xmlns="" id="{38E18007-DA79-4D7B-96F0-FEC1EB21386C}"/>
+                <a16:creationId xmlns:a16="http://schemas.microsoft.com/office/drawing/2014/main" id="{38E18007-DA79-4D7B-96F0-FEC1EB21386C}"/>
               </a:ext>
             </a:extLst>
           </p:cNvPr>
@@ -20036,7 +18858,7 @@
           <p:cNvPr id="69" name="자유형: 도형 397">
             <a:extLst>
               <a:ext uri="{FF2B5EF4-FFF2-40B4-BE49-F238E27FC236}">
-                <a16:creationId xmlns:a16="http://schemas.microsoft.com/office/drawing/2014/main" xmlns="" id="{C0E1BE7B-0A87-404E-B319-F1AE13922904}"/>
+                <a16:creationId xmlns:a16="http://schemas.microsoft.com/office/drawing/2014/main" id="{C0E1BE7B-0A87-404E-B319-F1AE13922904}"/>
               </a:ext>
             </a:extLst>
           </p:cNvPr>
@@ -20181,7 +19003,7 @@
           <p:cNvPr id="70" name="자유형: 도형 398">
             <a:extLst>
               <a:ext uri="{FF2B5EF4-FFF2-40B4-BE49-F238E27FC236}">
-                <a16:creationId xmlns:a16="http://schemas.microsoft.com/office/drawing/2014/main" xmlns="" id="{675C7C0F-8C6D-4AAF-BC5F-2B81DEB3E4E8}"/>
+                <a16:creationId xmlns:a16="http://schemas.microsoft.com/office/drawing/2014/main" id="{675C7C0F-8C6D-4AAF-BC5F-2B81DEB3E4E8}"/>
               </a:ext>
             </a:extLst>
           </p:cNvPr>
@@ -20326,7 +19148,7 @@
           <p:cNvPr id="71" name="자유형: 도형 399">
             <a:extLst>
               <a:ext uri="{FF2B5EF4-FFF2-40B4-BE49-F238E27FC236}">
-                <a16:creationId xmlns:a16="http://schemas.microsoft.com/office/drawing/2014/main" xmlns="" id="{846A25C2-933F-44C2-A0FE-4110FBEBA915}"/>
+                <a16:creationId xmlns:a16="http://schemas.microsoft.com/office/drawing/2014/main" id="{846A25C2-933F-44C2-A0FE-4110FBEBA915}"/>
               </a:ext>
             </a:extLst>
           </p:cNvPr>
@@ -20471,7 +19293,7 @@
           <p:cNvPr id="72" name="자유형: 도형 400">
             <a:extLst>
               <a:ext uri="{FF2B5EF4-FFF2-40B4-BE49-F238E27FC236}">
-                <a16:creationId xmlns:a16="http://schemas.microsoft.com/office/drawing/2014/main" xmlns="" id="{5EBA2B3B-7A04-4662-B870-F720B8538988}"/>
+                <a16:creationId xmlns:a16="http://schemas.microsoft.com/office/drawing/2014/main" id="{5EBA2B3B-7A04-4662-B870-F720B8538988}"/>
               </a:ext>
             </a:extLst>
           </p:cNvPr>
@@ -20616,7 +19438,7 @@
           <p:cNvPr id="73" name="직사각형 72">
             <a:extLst>
               <a:ext uri="{FF2B5EF4-FFF2-40B4-BE49-F238E27FC236}">
-                <a16:creationId xmlns:a16="http://schemas.microsoft.com/office/drawing/2014/main" xmlns="" id="{8E46B02D-66F3-495A-BE76-8FA2A68509CF}"/>
+                <a16:creationId xmlns:a16="http://schemas.microsoft.com/office/drawing/2014/main" id="{8E46B02D-66F3-495A-BE76-8FA2A68509CF}"/>
               </a:ext>
             </a:extLst>
           </p:cNvPr>
@@ -20672,7 +19494,7 @@
           <p:cNvPr id="74" name="직사각형 73">
             <a:extLst>
               <a:ext uri="{FF2B5EF4-FFF2-40B4-BE49-F238E27FC236}">
-                <a16:creationId xmlns="" xmlns:a16="http://schemas.microsoft.com/office/drawing/2014/main" id="{7FEC52E6-E0E1-427E-87A8-FEE2AAF979A8}"/>
+                <a16:creationId xmlns:a16="http://schemas.microsoft.com/office/drawing/2014/main" id="{7FEC52E6-E0E1-427E-87A8-FEE2AAF979A8}"/>
               </a:ext>
             </a:extLst>
           </p:cNvPr>
@@ -20871,7 +19693,7 @@
           <p:cNvPr id="78" name="자유형: 도형 377">
             <a:extLst>
               <a:ext uri="{FF2B5EF4-FFF2-40B4-BE49-F238E27FC236}">
-                <a16:creationId xmlns:a16="http://schemas.microsoft.com/office/drawing/2014/main" xmlns="" id="{0B4A7219-0820-4378-B811-331B8646398F}"/>
+                <a16:creationId xmlns:a16="http://schemas.microsoft.com/office/drawing/2014/main" id="{0B4A7219-0820-4378-B811-331B8646398F}"/>
               </a:ext>
             </a:extLst>
           </p:cNvPr>
@@ -21016,7 +19838,7 @@
           <p:cNvPr id="79" name="자유형: 도형 378">
             <a:extLst>
               <a:ext uri="{FF2B5EF4-FFF2-40B4-BE49-F238E27FC236}">
-                <a16:creationId xmlns:a16="http://schemas.microsoft.com/office/drawing/2014/main" xmlns="" id="{AE7688D0-57FD-4391-A3C9-1EB04A54396A}"/>
+                <a16:creationId xmlns:a16="http://schemas.microsoft.com/office/drawing/2014/main" id="{AE7688D0-57FD-4391-A3C9-1EB04A54396A}"/>
               </a:ext>
             </a:extLst>
           </p:cNvPr>
@@ -21161,7 +19983,7 @@
           <p:cNvPr id="80" name="자유형: 도형 379">
             <a:extLst>
               <a:ext uri="{FF2B5EF4-FFF2-40B4-BE49-F238E27FC236}">
-                <a16:creationId xmlns:a16="http://schemas.microsoft.com/office/drawing/2014/main" xmlns="" id="{C4615E6A-E0F5-484B-8040-DD0DD89211FD}"/>
+                <a16:creationId xmlns:a16="http://schemas.microsoft.com/office/drawing/2014/main" id="{C4615E6A-E0F5-484B-8040-DD0DD89211FD}"/>
               </a:ext>
             </a:extLst>
           </p:cNvPr>
@@ -21306,7 +20128,7 @@
           <p:cNvPr id="81" name="자유형: 도형 380">
             <a:extLst>
               <a:ext uri="{FF2B5EF4-FFF2-40B4-BE49-F238E27FC236}">
-                <a16:creationId xmlns:a16="http://schemas.microsoft.com/office/drawing/2014/main" xmlns="" id="{0937B8B0-8045-4AA8-B9F4-04B7C0AFDEBB}"/>
+                <a16:creationId xmlns:a16="http://schemas.microsoft.com/office/drawing/2014/main" id="{0937B8B0-8045-4AA8-B9F4-04B7C0AFDEBB}"/>
               </a:ext>
             </a:extLst>
           </p:cNvPr>
@@ -21451,7 +20273,7 @@
           <p:cNvPr id="82" name="자유형: 도형 381">
             <a:extLst>
               <a:ext uri="{FF2B5EF4-FFF2-40B4-BE49-F238E27FC236}">
-                <a16:creationId xmlns:a16="http://schemas.microsoft.com/office/drawing/2014/main" xmlns="" id="{DB9ADCEC-01D9-4BB3-81EE-B1429055FB91}"/>
+                <a16:creationId xmlns:a16="http://schemas.microsoft.com/office/drawing/2014/main" id="{DB9ADCEC-01D9-4BB3-81EE-B1429055FB91}"/>
               </a:ext>
             </a:extLst>
           </p:cNvPr>
@@ -21596,7 +20418,7 @@
           <p:cNvPr id="83" name="자유형: 도형 382">
             <a:extLst>
               <a:ext uri="{FF2B5EF4-FFF2-40B4-BE49-F238E27FC236}">
-                <a16:creationId xmlns:a16="http://schemas.microsoft.com/office/drawing/2014/main" xmlns="" id="{DB61C11B-0EC3-4996-906C-007E57835D42}"/>
+                <a16:creationId xmlns:a16="http://schemas.microsoft.com/office/drawing/2014/main" id="{DB61C11B-0EC3-4996-906C-007E57835D42}"/>
               </a:ext>
             </a:extLst>
           </p:cNvPr>
@@ -21741,7 +20563,7 @@
           <p:cNvPr id="84" name="자유형: 도형 383">
             <a:extLst>
               <a:ext uri="{FF2B5EF4-FFF2-40B4-BE49-F238E27FC236}">
-                <a16:creationId xmlns:a16="http://schemas.microsoft.com/office/drawing/2014/main" xmlns="" id="{044A0A9B-5CA5-4FE7-B917-B350C19EF0E6}"/>
+                <a16:creationId xmlns:a16="http://schemas.microsoft.com/office/drawing/2014/main" id="{044A0A9B-5CA5-4FE7-B917-B350C19EF0E6}"/>
               </a:ext>
             </a:extLst>
           </p:cNvPr>
@@ -21886,7 +20708,7 @@
           <p:cNvPr id="85" name="자유형: 도형 384">
             <a:extLst>
               <a:ext uri="{FF2B5EF4-FFF2-40B4-BE49-F238E27FC236}">
-                <a16:creationId xmlns:a16="http://schemas.microsoft.com/office/drawing/2014/main" xmlns="" id="{EA9897D2-716C-4BC1-98EE-5CC7B719C72B}"/>
+                <a16:creationId xmlns:a16="http://schemas.microsoft.com/office/drawing/2014/main" id="{EA9897D2-716C-4BC1-98EE-5CC7B719C72B}"/>
               </a:ext>
             </a:extLst>
           </p:cNvPr>
@@ -22031,7 +20853,7 @@
           <p:cNvPr id="86" name="자유형: 도형 385">
             <a:extLst>
               <a:ext uri="{FF2B5EF4-FFF2-40B4-BE49-F238E27FC236}">
-                <a16:creationId xmlns:a16="http://schemas.microsoft.com/office/drawing/2014/main" xmlns="" id="{7582865E-7A8F-44C3-912A-C087626FEDA9}"/>
+                <a16:creationId xmlns:a16="http://schemas.microsoft.com/office/drawing/2014/main" id="{7582865E-7A8F-44C3-912A-C087626FEDA9}"/>
               </a:ext>
             </a:extLst>
           </p:cNvPr>
@@ -22176,7 +20998,7 @@
           <p:cNvPr id="87" name="자유형: 도형 386">
             <a:extLst>
               <a:ext uri="{FF2B5EF4-FFF2-40B4-BE49-F238E27FC236}">
-                <a16:creationId xmlns:a16="http://schemas.microsoft.com/office/drawing/2014/main" xmlns="" id="{76E18406-54A4-401D-9DCA-86C76E3A933C}"/>
+                <a16:creationId xmlns:a16="http://schemas.microsoft.com/office/drawing/2014/main" id="{76E18406-54A4-401D-9DCA-86C76E3A933C}"/>
               </a:ext>
             </a:extLst>
           </p:cNvPr>
@@ -22321,7 +21143,7 @@
           <p:cNvPr id="88" name="자유형: 도형 387">
             <a:extLst>
               <a:ext uri="{FF2B5EF4-FFF2-40B4-BE49-F238E27FC236}">
-                <a16:creationId xmlns:a16="http://schemas.microsoft.com/office/drawing/2014/main" xmlns="" id="{78D016E9-A182-4180-A637-1A890C82CE6A}"/>
+                <a16:creationId xmlns:a16="http://schemas.microsoft.com/office/drawing/2014/main" id="{78D016E9-A182-4180-A637-1A890C82CE6A}"/>
               </a:ext>
             </a:extLst>
           </p:cNvPr>
@@ -22466,7 +21288,7 @@
           <p:cNvPr id="89" name="자유형: 도형 388">
             <a:extLst>
               <a:ext uri="{FF2B5EF4-FFF2-40B4-BE49-F238E27FC236}">
-                <a16:creationId xmlns:a16="http://schemas.microsoft.com/office/drawing/2014/main" xmlns="" id="{05F8530F-49F6-48DF-AD43-D138C77A6596}"/>
+                <a16:creationId xmlns:a16="http://schemas.microsoft.com/office/drawing/2014/main" id="{05F8530F-49F6-48DF-AD43-D138C77A6596}"/>
               </a:ext>
             </a:extLst>
           </p:cNvPr>
@@ -22611,7 +21433,7 @@
           <p:cNvPr id="90" name="자유형: 도형 389">
             <a:extLst>
               <a:ext uri="{FF2B5EF4-FFF2-40B4-BE49-F238E27FC236}">
-                <a16:creationId xmlns:a16="http://schemas.microsoft.com/office/drawing/2014/main" xmlns="" id="{98DCEC21-B8BD-43A7-8436-449C4406D27B}"/>
+                <a16:creationId xmlns:a16="http://schemas.microsoft.com/office/drawing/2014/main" id="{98DCEC21-B8BD-43A7-8436-449C4406D27B}"/>
               </a:ext>
             </a:extLst>
           </p:cNvPr>
@@ -22756,7 +21578,7 @@
           <p:cNvPr id="91" name="자유형: 도형 390">
             <a:extLst>
               <a:ext uri="{FF2B5EF4-FFF2-40B4-BE49-F238E27FC236}">
-                <a16:creationId xmlns:a16="http://schemas.microsoft.com/office/drawing/2014/main" xmlns="" id="{71FAF07A-965F-4A51-9977-FFFFAA15A432}"/>
+                <a16:creationId xmlns:a16="http://schemas.microsoft.com/office/drawing/2014/main" id="{71FAF07A-965F-4A51-9977-FFFFAA15A432}"/>
               </a:ext>
             </a:extLst>
           </p:cNvPr>
@@ -22901,7 +21723,7 @@
           <p:cNvPr id="92" name="자유형: 도형 391">
             <a:extLst>
               <a:ext uri="{FF2B5EF4-FFF2-40B4-BE49-F238E27FC236}">
-                <a16:creationId xmlns:a16="http://schemas.microsoft.com/office/drawing/2014/main" xmlns="" id="{5047EEFB-CDDB-46B7-AA56-F96C5BF34725}"/>
+                <a16:creationId xmlns:a16="http://schemas.microsoft.com/office/drawing/2014/main" id="{5047EEFB-CDDB-46B7-AA56-F96C5BF34725}"/>
               </a:ext>
             </a:extLst>
           </p:cNvPr>
@@ -23046,7 +21868,7 @@
           <p:cNvPr id="93" name="자유형: 도형 392">
             <a:extLst>
               <a:ext uri="{FF2B5EF4-FFF2-40B4-BE49-F238E27FC236}">
-                <a16:creationId xmlns:a16="http://schemas.microsoft.com/office/drawing/2014/main" xmlns="" id="{2D343500-5462-4C95-880B-385171314AB6}"/>
+                <a16:creationId xmlns:a16="http://schemas.microsoft.com/office/drawing/2014/main" id="{2D343500-5462-4C95-880B-385171314AB6}"/>
               </a:ext>
             </a:extLst>
           </p:cNvPr>
@@ -23191,7 +22013,7 @@
           <p:cNvPr id="94" name="자유형: 도형 393">
             <a:extLst>
               <a:ext uri="{FF2B5EF4-FFF2-40B4-BE49-F238E27FC236}">
-                <a16:creationId xmlns:a16="http://schemas.microsoft.com/office/drawing/2014/main" xmlns="" id="{7B3DA1B8-BF1B-4513-966C-2A916F28EFB9}"/>
+                <a16:creationId xmlns:a16="http://schemas.microsoft.com/office/drawing/2014/main" id="{7B3DA1B8-BF1B-4513-966C-2A916F28EFB9}"/>
               </a:ext>
             </a:extLst>
           </p:cNvPr>
@@ -23336,7 +22158,7 @@
           <p:cNvPr id="95" name="자유형: 도형 394">
             <a:extLst>
               <a:ext uri="{FF2B5EF4-FFF2-40B4-BE49-F238E27FC236}">
-                <a16:creationId xmlns:a16="http://schemas.microsoft.com/office/drawing/2014/main" xmlns="" id="{28F89FC3-982F-4923-9453-6F57D8E1E307}"/>
+                <a16:creationId xmlns:a16="http://schemas.microsoft.com/office/drawing/2014/main" id="{28F89FC3-982F-4923-9453-6F57D8E1E307}"/>
               </a:ext>
             </a:extLst>
           </p:cNvPr>
@@ -23481,7 +22303,7 @@
           <p:cNvPr id="96" name="자유형: 도형 395">
             <a:extLst>
               <a:ext uri="{FF2B5EF4-FFF2-40B4-BE49-F238E27FC236}">
-                <a16:creationId xmlns:a16="http://schemas.microsoft.com/office/drawing/2014/main" xmlns="" id="{0F995921-8CFB-4A23-8C8B-B2815AE8670A}"/>
+                <a16:creationId xmlns:a16="http://schemas.microsoft.com/office/drawing/2014/main" id="{0F995921-8CFB-4A23-8C8B-B2815AE8670A}"/>
               </a:ext>
             </a:extLst>
           </p:cNvPr>
@@ -23626,7 +22448,7 @@
           <p:cNvPr id="97" name="자유형: 도형 396">
             <a:extLst>
               <a:ext uri="{FF2B5EF4-FFF2-40B4-BE49-F238E27FC236}">
-                <a16:creationId xmlns:a16="http://schemas.microsoft.com/office/drawing/2014/main" xmlns="" id="{38E18007-DA79-4D7B-96F0-FEC1EB21386C}"/>
+                <a16:creationId xmlns:a16="http://schemas.microsoft.com/office/drawing/2014/main" id="{38E18007-DA79-4D7B-96F0-FEC1EB21386C}"/>
               </a:ext>
             </a:extLst>
           </p:cNvPr>
@@ -23771,7 +22593,7 @@
           <p:cNvPr id="98" name="자유형: 도형 397">
             <a:extLst>
               <a:ext uri="{FF2B5EF4-FFF2-40B4-BE49-F238E27FC236}">
-                <a16:creationId xmlns:a16="http://schemas.microsoft.com/office/drawing/2014/main" xmlns="" id="{C0E1BE7B-0A87-404E-B319-F1AE13922904}"/>
+                <a16:creationId xmlns:a16="http://schemas.microsoft.com/office/drawing/2014/main" id="{C0E1BE7B-0A87-404E-B319-F1AE13922904}"/>
               </a:ext>
             </a:extLst>
           </p:cNvPr>
@@ -23916,7 +22738,7 @@
           <p:cNvPr id="99" name="자유형: 도형 398">
             <a:extLst>
               <a:ext uri="{FF2B5EF4-FFF2-40B4-BE49-F238E27FC236}">
-                <a16:creationId xmlns:a16="http://schemas.microsoft.com/office/drawing/2014/main" xmlns="" id="{675C7C0F-8C6D-4AAF-BC5F-2B81DEB3E4E8}"/>
+                <a16:creationId xmlns:a16="http://schemas.microsoft.com/office/drawing/2014/main" id="{675C7C0F-8C6D-4AAF-BC5F-2B81DEB3E4E8}"/>
               </a:ext>
             </a:extLst>
           </p:cNvPr>
@@ -24061,7 +22883,7 @@
           <p:cNvPr id="100" name="자유형: 도형 399">
             <a:extLst>
               <a:ext uri="{FF2B5EF4-FFF2-40B4-BE49-F238E27FC236}">
-                <a16:creationId xmlns:a16="http://schemas.microsoft.com/office/drawing/2014/main" xmlns="" id="{846A25C2-933F-44C2-A0FE-4110FBEBA915}"/>
+                <a16:creationId xmlns:a16="http://schemas.microsoft.com/office/drawing/2014/main" id="{846A25C2-933F-44C2-A0FE-4110FBEBA915}"/>
               </a:ext>
             </a:extLst>
           </p:cNvPr>
@@ -24206,7 +23028,7 @@
           <p:cNvPr id="101" name="자유형: 도형 400">
             <a:extLst>
               <a:ext uri="{FF2B5EF4-FFF2-40B4-BE49-F238E27FC236}">
-                <a16:creationId xmlns:a16="http://schemas.microsoft.com/office/drawing/2014/main" xmlns="" id="{5EBA2B3B-7A04-4662-B870-F720B8538988}"/>
+                <a16:creationId xmlns:a16="http://schemas.microsoft.com/office/drawing/2014/main" id="{5EBA2B3B-7A04-4662-B870-F720B8538988}"/>
               </a:ext>
             </a:extLst>
           </p:cNvPr>
@@ -24351,7 +23173,7 @@
           <p:cNvPr id="102" name="직사각형 101">
             <a:extLst>
               <a:ext uri="{FF2B5EF4-FFF2-40B4-BE49-F238E27FC236}">
-                <a16:creationId xmlns:a16="http://schemas.microsoft.com/office/drawing/2014/main" xmlns="" id="{8E46B02D-66F3-495A-BE76-8FA2A68509CF}"/>
+                <a16:creationId xmlns:a16="http://schemas.microsoft.com/office/drawing/2014/main" id="{8E46B02D-66F3-495A-BE76-8FA2A68509CF}"/>
               </a:ext>
             </a:extLst>
           </p:cNvPr>
@@ -24407,7 +23229,7 @@
           <p:cNvPr id="103" name="직사각형 102">
             <a:extLst>
               <a:ext uri="{FF2B5EF4-FFF2-40B4-BE49-F238E27FC236}">
-                <a16:creationId xmlns="" xmlns:a16="http://schemas.microsoft.com/office/drawing/2014/main" id="{7FEC52E6-E0E1-427E-87A8-FEE2AAF979A8}"/>
+                <a16:creationId xmlns:a16="http://schemas.microsoft.com/office/drawing/2014/main" id="{7FEC52E6-E0E1-427E-87A8-FEE2AAF979A8}"/>
               </a:ext>
             </a:extLst>
           </p:cNvPr>
@@ -24622,7 +23444,7 @@
           <p:cNvPr id="107" name="자유형: 도형 377">
             <a:extLst>
               <a:ext uri="{FF2B5EF4-FFF2-40B4-BE49-F238E27FC236}">
-                <a16:creationId xmlns:a16="http://schemas.microsoft.com/office/drawing/2014/main" xmlns="" id="{0B4A7219-0820-4378-B811-331B8646398F}"/>
+                <a16:creationId xmlns:a16="http://schemas.microsoft.com/office/drawing/2014/main" id="{0B4A7219-0820-4378-B811-331B8646398F}"/>
               </a:ext>
             </a:extLst>
           </p:cNvPr>
@@ -24767,7 +23589,7 @@
           <p:cNvPr id="108" name="자유형: 도형 378">
             <a:extLst>
               <a:ext uri="{FF2B5EF4-FFF2-40B4-BE49-F238E27FC236}">
-                <a16:creationId xmlns:a16="http://schemas.microsoft.com/office/drawing/2014/main" xmlns="" id="{AE7688D0-57FD-4391-A3C9-1EB04A54396A}"/>
+                <a16:creationId xmlns:a16="http://schemas.microsoft.com/office/drawing/2014/main" id="{AE7688D0-57FD-4391-A3C9-1EB04A54396A}"/>
               </a:ext>
             </a:extLst>
           </p:cNvPr>
@@ -24912,7 +23734,7 @@
           <p:cNvPr id="109" name="자유형: 도형 379">
             <a:extLst>
               <a:ext uri="{FF2B5EF4-FFF2-40B4-BE49-F238E27FC236}">
-                <a16:creationId xmlns:a16="http://schemas.microsoft.com/office/drawing/2014/main" xmlns="" id="{C4615E6A-E0F5-484B-8040-DD0DD89211FD}"/>
+                <a16:creationId xmlns:a16="http://schemas.microsoft.com/office/drawing/2014/main" id="{C4615E6A-E0F5-484B-8040-DD0DD89211FD}"/>
               </a:ext>
             </a:extLst>
           </p:cNvPr>
@@ -25057,7 +23879,7 @@
           <p:cNvPr id="110" name="자유형: 도형 380">
             <a:extLst>
               <a:ext uri="{FF2B5EF4-FFF2-40B4-BE49-F238E27FC236}">
-                <a16:creationId xmlns:a16="http://schemas.microsoft.com/office/drawing/2014/main" xmlns="" id="{0937B8B0-8045-4AA8-B9F4-04B7C0AFDEBB}"/>
+                <a16:creationId xmlns:a16="http://schemas.microsoft.com/office/drawing/2014/main" id="{0937B8B0-8045-4AA8-B9F4-04B7C0AFDEBB}"/>
               </a:ext>
             </a:extLst>
           </p:cNvPr>
@@ -25202,7 +24024,7 @@
           <p:cNvPr id="111" name="자유형: 도형 381">
             <a:extLst>
               <a:ext uri="{FF2B5EF4-FFF2-40B4-BE49-F238E27FC236}">
-                <a16:creationId xmlns:a16="http://schemas.microsoft.com/office/drawing/2014/main" xmlns="" id="{DB9ADCEC-01D9-4BB3-81EE-B1429055FB91}"/>
+                <a16:creationId xmlns:a16="http://schemas.microsoft.com/office/drawing/2014/main" id="{DB9ADCEC-01D9-4BB3-81EE-B1429055FB91}"/>
               </a:ext>
             </a:extLst>
           </p:cNvPr>
@@ -25347,7 +24169,7 @@
           <p:cNvPr id="112" name="자유형: 도형 382">
             <a:extLst>
               <a:ext uri="{FF2B5EF4-FFF2-40B4-BE49-F238E27FC236}">
-                <a16:creationId xmlns:a16="http://schemas.microsoft.com/office/drawing/2014/main" xmlns="" id="{DB61C11B-0EC3-4996-906C-007E57835D42}"/>
+                <a16:creationId xmlns:a16="http://schemas.microsoft.com/office/drawing/2014/main" id="{DB61C11B-0EC3-4996-906C-007E57835D42}"/>
               </a:ext>
             </a:extLst>
           </p:cNvPr>
@@ -25492,7 +24314,7 @@
           <p:cNvPr id="113" name="자유형: 도형 383">
             <a:extLst>
               <a:ext uri="{FF2B5EF4-FFF2-40B4-BE49-F238E27FC236}">
-                <a16:creationId xmlns:a16="http://schemas.microsoft.com/office/drawing/2014/main" xmlns="" id="{044A0A9B-5CA5-4FE7-B917-B350C19EF0E6}"/>
+                <a16:creationId xmlns:a16="http://schemas.microsoft.com/office/drawing/2014/main" id="{044A0A9B-5CA5-4FE7-B917-B350C19EF0E6}"/>
               </a:ext>
             </a:extLst>
           </p:cNvPr>
@@ -25637,7 +24459,7 @@
           <p:cNvPr id="114" name="자유형: 도형 384">
             <a:extLst>
               <a:ext uri="{FF2B5EF4-FFF2-40B4-BE49-F238E27FC236}">
-                <a16:creationId xmlns:a16="http://schemas.microsoft.com/office/drawing/2014/main" xmlns="" id="{EA9897D2-716C-4BC1-98EE-5CC7B719C72B}"/>
+                <a16:creationId xmlns:a16="http://schemas.microsoft.com/office/drawing/2014/main" id="{EA9897D2-716C-4BC1-98EE-5CC7B719C72B}"/>
               </a:ext>
             </a:extLst>
           </p:cNvPr>
@@ -25782,7 +24604,7 @@
           <p:cNvPr id="115" name="자유형: 도형 385">
             <a:extLst>
               <a:ext uri="{FF2B5EF4-FFF2-40B4-BE49-F238E27FC236}">
-                <a16:creationId xmlns:a16="http://schemas.microsoft.com/office/drawing/2014/main" xmlns="" id="{7582865E-7A8F-44C3-912A-C087626FEDA9}"/>
+                <a16:creationId xmlns:a16="http://schemas.microsoft.com/office/drawing/2014/main" id="{7582865E-7A8F-44C3-912A-C087626FEDA9}"/>
               </a:ext>
             </a:extLst>
           </p:cNvPr>
@@ -25927,7 +24749,7 @@
           <p:cNvPr id="116" name="자유형: 도형 386">
             <a:extLst>
               <a:ext uri="{FF2B5EF4-FFF2-40B4-BE49-F238E27FC236}">
-                <a16:creationId xmlns:a16="http://schemas.microsoft.com/office/drawing/2014/main" xmlns="" id="{76E18406-54A4-401D-9DCA-86C76E3A933C}"/>
+                <a16:creationId xmlns:a16="http://schemas.microsoft.com/office/drawing/2014/main" id="{76E18406-54A4-401D-9DCA-86C76E3A933C}"/>
               </a:ext>
             </a:extLst>
           </p:cNvPr>
@@ -26072,7 +24894,7 @@
           <p:cNvPr id="117" name="자유형: 도형 387">
             <a:extLst>
               <a:ext uri="{FF2B5EF4-FFF2-40B4-BE49-F238E27FC236}">
-                <a16:creationId xmlns:a16="http://schemas.microsoft.com/office/drawing/2014/main" xmlns="" id="{78D016E9-A182-4180-A637-1A890C82CE6A}"/>
+                <a16:creationId xmlns:a16="http://schemas.microsoft.com/office/drawing/2014/main" id="{78D016E9-A182-4180-A637-1A890C82CE6A}"/>
               </a:ext>
             </a:extLst>
           </p:cNvPr>
@@ -26217,7 +25039,7 @@
           <p:cNvPr id="118" name="자유형: 도형 388">
             <a:extLst>
               <a:ext uri="{FF2B5EF4-FFF2-40B4-BE49-F238E27FC236}">
-                <a16:creationId xmlns:a16="http://schemas.microsoft.com/office/drawing/2014/main" xmlns="" id="{05F8530F-49F6-48DF-AD43-D138C77A6596}"/>
+                <a16:creationId xmlns:a16="http://schemas.microsoft.com/office/drawing/2014/main" id="{05F8530F-49F6-48DF-AD43-D138C77A6596}"/>
               </a:ext>
             </a:extLst>
           </p:cNvPr>
@@ -26362,7 +25184,7 @@
           <p:cNvPr id="119" name="자유형: 도형 389">
             <a:extLst>
               <a:ext uri="{FF2B5EF4-FFF2-40B4-BE49-F238E27FC236}">
-                <a16:creationId xmlns:a16="http://schemas.microsoft.com/office/drawing/2014/main" xmlns="" id="{98DCEC21-B8BD-43A7-8436-449C4406D27B}"/>
+                <a16:creationId xmlns:a16="http://schemas.microsoft.com/office/drawing/2014/main" id="{98DCEC21-B8BD-43A7-8436-449C4406D27B}"/>
               </a:ext>
             </a:extLst>
           </p:cNvPr>
@@ -26507,7 +25329,7 @@
           <p:cNvPr id="120" name="자유형: 도형 390">
             <a:extLst>
               <a:ext uri="{FF2B5EF4-FFF2-40B4-BE49-F238E27FC236}">
-                <a16:creationId xmlns:a16="http://schemas.microsoft.com/office/drawing/2014/main" xmlns="" id="{71FAF07A-965F-4A51-9977-FFFFAA15A432}"/>
+                <a16:creationId xmlns:a16="http://schemas.microsoft.com/office/drawing/2014/main" id="{71FAF07A-965F-4A51-9977-FFFFAA15A432}"/>
               </a:ext>
             </a:extLst>
           </p:cNvPr>
@@ -26652,7 +25474,7 @@
           <p:cNvPr id="121" name="자유형: 도형 391">
             <a:extLst>
               <a:ext uri="{FF2B5EF4-FFF2-40B4-BE49-F238E27FC236}">
-                <a16:creationId xmlns:a16="http://schemas.microsoft.com/office/drawing/2014/main" xmlns="" id="{5047EEFB-CDDB-46B7-AA56-F96C5BF34725}"/>
+                <a16:creationId xmlns:a16="http://schemas.microsoft.com/office/drawing/2014/main" id="{5047EEFB-CDDB-46B7-AA56-F96C5BF34725}"/>
               </a:ext>
             </a:extLst>
           </p:cNvPr>
@@ -26797,7 +25619,7 @@
           <p:cNvPr id="122" name="자유형: 도형 392">
             <a:extLst>
               <a:ext uri="{FF2B5EF4-FFF2-40B4-BE49-F238E27FC236}">
-                <a16:creationId xmlns:a16="http://schemas.microsoft.com/office/drawing/2014/main" xmlns="" id="{2D343500-5462-4C95-880B-385171314AB6}"/>
+                <a16:creationId xmlns:a16="http://schemas.microsoft.com/office/drawing/2014/main" id="{2D343500-5462-4C95-880B-385171314AB6}"/>
               </a:ext>
             </a:extLst>
           </p:cNvPr>
@@ -26942,7 +25764,7 @@
           <p:cNvPr id="123" name="자유형: 도형 393">
             <a:extLst>
               <a:ext uri="{FF2B5EF4-FFF2-40B4-BE49-F238E27FC236}">
-                <a16:creationId xmlns:a16="http://schemas.microsoft.com/office/drawing/2014/main" xmlns="" id="{7B3DA1B8-BF1B-4513-966C-2A916F28EFB9}"/>
+                <a16:creationId xmlns:a16="http://schemas.microsoft.com/office/drawing/2014/main" id="{7B3DA1B8-BF1B-4513-966C-2A916F28EFB9}"/>
               </a:ext>
             </a:extLst>
           </p:cNvPr>
@@ -27087,7 +25909,7 @@
           <p:cNvPr id="124" name="자유형: 도형 394">
             <a:extLst>
               <a:ext uri="{FF2B5EF4-FFF2-40B4-BE49-F238E27FC236}">
-                <a16:creationId xmlns:a16="http://schemas.microsoft.com/office/drawing/2014/main" xmlns="" id="{28F89FC3-982F-4923-9453-6F57D8E1E307}"/>
+                <a16:creationId xmlns:a16="http://schemas.microsoft.com/office/drawing/2014/main" id="{28F89FC3-982F-4923-9453-6F57D8E1E307}"/>
               </a:ext>
             </a:extLst>
           </p:cNvPr>
@@ -27232,7 +26054,7 @@
           <p:cNvPr id="125" name="자유형: 도형 395">
             <a:extLst>
               <a:ext uri="{FF2B5EF4-FFF2-40B4-BE49-F238E27FC236}">
-                <a16:creationId xmlns:a16="http://schemas.microsoft.com/office/drawing/2014/main" xmlns="" id="{0F995921-8CFB-4A23-8C8B-B2815AE8670A}"/>
+                <a16:creationId xmlns:a16="http://schemas.microsoft.com/office/drawing/2014/main" id="{0F995921-8CFB-4A23-8C8B-B2815AE8670A}"/>
               </a:ext>
             </a:extLst>
           </p:cNvPr>
@@ -27377,7 +26199,7 @@
           <p:cNvPr id="126" name="자유형: 도형 396">
             <a:extLst>
               <a:ext uri="{FF2B5EF4-FFF2-40B4-BE49-F238E27FC236}">
-                <a16:creationId xmlns:a16="http://schemas.microsoft.com/office/drawing/2014/main" xmlns="" id="{38E18007-DA79-4D7B-96F0-FEC1EB21386C}"/>
+                <a16:creationId xmlns:a16="http://schemas.microsoft.com/office/drawing/2014/main" id="{38E18007-DA79-4D7B-96F0-FEC1EB21386C}"/>
               </a:ext>
             </a:extLst>
           </p:cNvPr>
@@ -27522,7 +26344,7 @@
           <p:cNvPr id="127" name="자유형: 도형 397">
             <a:extLst>
               <a:ext uri="{FF2B5EF4-FFF2-40B4-BE49-F238E27FC236}">
-                <a16:creationId xmlns:a16="http://schemas.microsoft.com/office/drawing/2014/main" xmlns="" id="{C0E1BE7B-0A87-404E-B319-F1AE13922904}"/>
+                <a16:creationId xmlns:a16="http://schemas.microsoft.com/office/drawing/2014/main" id="{C0E1BE7B-0A87-404E-B319-F1AE13922904}"/>
               </a:ext>
             </a:extLst>
           </p:cNvPr>
@@ -27667,7 +26489,7 @@
           <p:cNvPr id="128" name="자유형: 도형 398">
             <a:extLst>
               <a:ext uri="{FF2B5EF4-FFF2-40B4-BE49-F238E27FC236}">
-                <a16:creationId xmlns:a16="http://schemas.microsoft.com/office/drawing/2014/main" xmlns="" id="{675C7C0F-8C6D-4AAF-BC5F-2B81DEB3E4E8}"/>
+                <a16:creationId xmlns:a16="http://schemas.microsoft.com/office/drawing/2014/main" id="{675C7C0F-8C6D-4AAF-BC5F-2B81DEB3E4E8}"/>
               </a:ext>
             </a:extLst>
           </p:cNvPr>
@@ -27812,7 +26634,7 @@
           <p:cNvPr id="129" name="자유형: 도형 399">
             <a:extLst>
               <a:ext uri="{FF2B5EF4-FFF2-40B4-BE49-F238E27FC236}">
-                <a16:creationId xmlns:a16="http://schemas.microsoft.com/office/drawing/2014/main" xmlns="" id="{846A25C2-933F-44C2-A0FE-4110FBEBA915}"/>
+                <a16:creationId xmlns:a16="http://schemas.microsoft.com/office/drawing/2014/main" id="{846A25C2-933F-44C2-A0FE-4110FBEBA915}"/>
               </a:ext>
             </a:extLst>
           </p:cNvPr>
@@ -27957,7 +26779,7 @@
           <p:cNvPr id="130" name="자유형: 도형 400">
             <a:extLst>
               <a:ext uri="{FF2B5EF4-FFF2-40B4-BE49-F238E27FC236}">
-                <a16:creationId xmlns:a16="http://schemas.microsoft.com/office/drawing/2014/main" xmlns="" id="{5EBA2B3B-7A04-4662-B870-F720B8538988}"/>
+                <a16:creationId xmlns:a16="http://schemas.microsoft.com/office/drawing/2014/main" id="{5EBA2B3B-7A04-4662-B870-F720B8538988}"/>
               </a:ext>
             </a:extLst>
           </p:cNvPr>
@@ -28102,7 +26924,7 @@
           <p:cNvPr id="131" name="직사각형 130">
             <a:extLst>
               <a:ext uri="{FF2B5EF4-FFF2-40B4-BE49-F238E27FC236}">
-                <a16:creationId xmlns:a16="http://schemas.microsoft.com/office/drawing/2014/main" xmlns="" id="{8E46B02D-66F3-495A-BE76-8FA2A68509CF}"/>
+                <a16:creationId xmlns:a16="http://schemas.microsoft.com/office/drawing/2014/main" id="{8E46B02D-66F3-495A-BE76-8FA2A68509CF}"/>
               </a:ext>
             </a:extLst>
           </p:cNvPr>
@@ -28158,7 +26980,7 @@
           <p:cNvPr id="132" name="직사각형 131">
             <a:extLst>
               <a:ext uri="{FF2B5EF4-FFF2-40B4-BE49-F238E27FC236}">
-                <a16:creationId xmlns="" xmlns:a16="http://schemas.microsoft.com/office/drawing/2014/main" id="{7FEC52E6-E0E1-427E-87A8-FEE2AAF979A8}"/>
+                <a16:creationId xmlns:a16="http://schemas.microsoft.com/office/drawing/2014/main" id="{7FEC52E6-E0E1-427E-87A8-FEE2AAF979A8}"/>
               </a:ext>
             </a:extLst>
           </p:cNvPr>
@@ -29293,7 +28115,7 @@
           <p:cNvPr id="114" name="직사각형 113">
             <a:extLst>
               <a:ext uri="{FF2B5EF4-FFF2-40B4-BE49-F238E27FC236}">
-                <a16:creationId xmlns="" xmlns:a16="http://schemas.microsoft.com/office/drawing/2014/main" id="{3FA00699-5178-465A-9F3F-130CF1431F70}"/>
+                <a16:creationId xmlns:a16="http://schemas.microsoft.com/office/drawing/2014/main" id="{3FA00699-5178-465A-9F3F-130CF1431F70}"/>
               </a:ext>
             </a:extLst>
           </p:cNvPr>
@@ -29618,7 +28440,7 @@
           <p:cNvPr id="122" name="직사각형 121">
             <a:extLst>
               <a:ext uri="{FF2B5EF4-FFF2-40B4-BE49-F238E27FC236}">
-                <a16:creationId xmlns="" xmlns:a16="http://schemas.microsoft.com/office/drawing/2014/main" id="{3FA00699-5178-465A-9F3F-130CF1431F70}"/>
+                <a16:creationId xmlns:a16="http://schemas.microsoft.com/office/drawing/2014/main" id="{3FA00699-5178-465A-9F3F-130CF1431F70}"/>
               </a:ext>
             </a:extLst>
           </p:cNvPr>
@@ -29943,7 +28765,7 @@
           <p:cNvPr id="130" name="직사각형 129">
             <a:extLst>
               <a:ext uri="{FF2B5EF4-FFF2-40B4-BE49-F238E27FC236}">
-                <a16:creationId xmlns="" xmlns:a16="http://schemas.microsoft.com/office/drawing/2014/main" id="{3FA00699-5178-465A-9F3F-130CF1431F70}"/>
+                <a16:creationId xmlns:a16="http://schemas.microsoft.com/office/drawing/2014/main" id="{3FA00699-5178-465A-9F3F-130CF1431F70}"/>
               </a:ext>
             </a:extLst>
           </p:cNvPr>
@@ -32093,7 +30915,7 @@
         </p:nvSpPr>
         <p:spPr>
           <a:xfrm>
-            <a:off x="449943" y="986971"/>
+            <a:off x="449020" y="986966"/>
             <a:ext cx="11327709" cy="5689600"/>
           </a:xfrm>
           <a:prstGeom prst="rect">
@@ -32204,7 +31026,7 @@
                   <a:srgbClr val="5B6176"/>
                 </a:solidFill>
               </a:rPr>
-              <a:t>- </a:t>
+              <a:t>– </a:t>
             </a:r>
             <a:r>
               <a:rPr lang="ko-KR" altLang="en-US" sz="2000" b="1" i="1" kern="0" dirty="0" smtClean="0">
@@ -32213,6 +31035,22 @@
                 </a:solidFill>
               </a:rPr>
               <a:t>알고리즘</a:t>
+            </a:r>
+            <a:r>
+              <a:rPr lang="en-US" altLang="ko-KR" sz="2000" b="1" i="1" kern="0" dirty="0" smtClean="0">
+                <a:solidFill>
+                  <a:srgbClr val="5B6176"/>
+                </a:solidFill>
+              </a:rPr>
+              <a:t>, </a:t>
+            </a:r>
+            <a:r>
+              <a:rPr lang="ko-KR" altLang="en-US" sz="2000" b="1" i="1" kern="0" dirty="0" smtClean="0">
+                <a:solidFill>
+                  <a:srgbClr val="5B6176"/>
+                </a:solidFill>
+              </a:rPr>
+              <a:t>패턴</a:t>
             </a:r>
             <a:endParaRPr lang="ko-KR" altLang="en-US" sz="4800" kern="0" dirty="0">
               <a:solidFill>
@@ -32542,7 +31380,7 @@
       </p:grpSp>
       <p:pic>
         <p:nvPicPr>
-          <p:cNvPr id="4" name="그림 3"/>
+          <p:cNvPr id="13" name="그림 12"/>
           <p:cNvPicPr>
             <a:picLocks noChangeAspect="1"/>
           </p:cNvPicPr>
@@ -32562,814 +31400,14 @@
         </p:blipFill>
         <p:spPr>
           <a:xfrm>
-            <a:off x="685625" y="1344703"/>
-            <a:ext cx="5054348" cy="4579257"/>
+            <a:off x="800707" y="1315850"/>
+            <a:ext cx="4020675" cy="4527997"/>
           </a:xfrm>
           <a:prstGeom prst="rect">
             <a:avLst/>
           </a:prstGeom>
         </p:spPr>
       </p:pic>
-      <p:sp>
-        <p:nvSpPr>
-          <p:cNvPr id="58" name="직사각형 57">
-            <a:extLst>
-              <a:ext uri="{FF2B5EF4-FFF2-40B4-BE49-F238E27FC236}">
-                <a16:creationId xmlns="" xmlns:a16="http://schemas.microsoft.com/office/drawing/2014/main" id="{3FA00699-5178-465A-9F3F-130CF1431F70}"/>
-              </a:ext>
-            </a:extLst>
-          </p:cNvPr>
-          <p:cNvSpPr/>
-          <p:nvPr/>
-        </p:nvSpPr>
-        <p:spPr>
-          <a:xfrm>
-            <a:off x="665092" y="1044248"/>
-            <a:ext cx="2047371" cy="346249"/>
-          </a:xfrm>
-          <a:prstGeom prst="rect">
-            <a:avLst/>
-          </a:prstGeom>
-        </p:spPr>
-        <p:txBody>
-          <a:bodyPr wrap="square">
-            <a:spAutoFit/>
-          </a:bodyPr>
-          <a:lstStyle/>
-          <a:p>
-            <a:pPr algn="ctr">
-              <a:lnSpc>
-                <a:spcPct val="150000"/>
-              </a:lnSpc>
-            </a:pPr>
-            <a:r>
-              <a:rPr lang="en-US" altLang="ko-KR" sz="1100" dirty="0" smtClean="0">
-                <a:solidFill>
-                  <a:srgbClr val="5B6176"/>
-                </a:solidFill>
-              </a:rPr>
-              <a:t>* </a:t>
-            </a:r>
-            <a:r>
-              <a:rPr lang="en-US" altLang="ko-KR" sz="1100" dirty="0" err="1" smtClean="0">
-                <a:solidFill>
-                  <a:srgbClr val="5B6176"/>
-                </a:solidFill>
-              </a:rPr>
-              <a:t>goto</a:t>
-            </a:r>
-            <a:r>
-              <a:rPr lang="ko-KR" altLang="en-US" sz="1100" dirty="0" smtClean="0">
-                <a:solidFill>
-                  <a:srgbClr val="5B6176"/>
-                </a:solidFill>
-              </a:rPr>
-              <a:t>문 </a:t>
-            </a:r>
-            <a:r>
-              <a:rPr lang="ko-KR" altLang="en-US" sz="1100" dirty="0" smtClean="0">
-                <a:solidFill>
-                  <a:srgbClr val="5B6176"/>
-                </a:solidFill>
-              </a:rPr>
-              <a:t>사용 </a:t>
-            </a:r>
-            <a:r>
-              <a:rPr lang="en-US" altLang="ko-KR" sz="1100" dirty="0" smtClean="0">
-                <a:solidFill>
-                  <a:srgbClr val="5B6176"/>
-                </a:solidFill>
-              </a:rPr>
-              <a:t>O - </a:t>
-            </a:r>
-            <a:r>
-              <a:rPr lang="ko-KR" altLang="en-US" sz="1100" dirty="0" err="1" smtClean="0">
-                <a:solidFill>
-                  <a:srgbClr val="5B6176"/>
-                </a:solidFill>
-              </a:rPr>
-              <a:t>고저차</a:t>
-            </a:r>
-            <a:r>
-              <a:rPr lang="ko-KR" altLang="en-US" sz="1100" dirty="0" smtClean="0">
-                <a:solidFill>
-                  <a:srgbClr val="5B6176"/>
-                </a:solidFill>
-              </a:rPr>
-              <a:t> </a:t>
-            </a:r>
-            <a:r>
-              <a:rPr lang="en-US" altLang="ko-KR" sz="1100" dirty="0" smtClean="0">
-                <a:solidFill>
-                  <a:srgbClr val="5B6176"/>
-                </a:solidFill>
-              </a:rPr>
-              <a:t>O</a:t>
-            </a:r>
-            <a:endParaRPr lang="en-US" altLang="ko-KR" sz="1100" b="1" dirty="0" smtClean="0">
-              <a:solidFill>
-                <a:srgbClr val="5B6176"/>
-              </a:solidFill>
-            </a:endParaRPr>
-          </a:p>
-        </p:txBody>
-      </p:sp>
-      <p:sp>
-        <p:nvSpPr>
-          <p:cNvPr id="63" name="직사각형 62">
-            <a:extLst>
-              <a:ext uri="{FF2B5EF4-FFF2-40B4-BE49-F238E27FC236}">
-                <a16:creationId xmlns="" xmlns:a16="http://schemas.microsoft.com/office/drawing/2014/main" id="{3FA00699-5178-465A-9F3F-130CF1431F70}"/>
-              </a:ext>
-            </a:extLst>
-          </p:cNvPr>
-          <p:cNvSpPr/>
-          <p:nvPr/>
-        </p:nvSpPr>
-        <p:spPr>
-          <a:xfrm>
-            <a:off x="6410456" y="1063221"/>
-            <a:ext cx="2284809" cy="346249"/>
-          </a:xfrm>
-          <a:prstGeom prst="rect">
-            <a:avLst/>
-          </a:prstGeom>
-        </p:spPr>
-        <p:txBody>
-          <a:bodyPr wrap="square">
-            <a:spAutoFit/>
-          </a:bodyPr>
-          <a:lstStyle/>
-          <a:p>
-            <a:pPr algn="ctr">
-              <a:lnSpc>
-                <a:spcPct val="150000"/>
-              </a:lnSpc>
-            </a:pPr>
-            <a:r>
-              <a:rPr lang="en-US" altLang="ko-KR" sz="1100" dirty="0" smtClean="0">
-                <a:solidFill>
-                  <a:srgbClr val="5B6176"/>
-                </a:solidFill>
-              </a:rPr>
-              <a:t>* </a:t>
-            </a:r>
-            <a:r>
-              <a:rPr lang="en-US" altLang="ko-KR" sz="1100" dirty="0" err="1" smtClean="0">
-                <a:solidFill>
-                  <a:srgbClr val="5B6176"/>
-                </a:solidFill>
-              </a:rPr>
-              <a:t>goto</a:t>
-            </a:r>
-            <a:r>
-              <a:rPr lang="ko-KR" altLang="en-US" sz="1100" dirty="0" smtClean="0">
-                <a:solidFill>
-                  <a:srgbClr val="5B6176"/>
-                </a:solidFill>
-              </a:rPr>
-              <a:t>문 사용 </a:t>
-            </a:r>
-            <a:r>
-              <a:rPr lang="en-US" altLang="ko-KR" sz="1100" dirty="0" smtClean="0">
-                <a:solidFill>
-                  <a:srgbClr val="5B6176"/>
-                </a:solidFill>
-              </a:rPr>
-              <a:t>X - </a:t>
-            </a:r>
-            <a:r>
-              <a:rPr lang="ko-KR" altLang="en-US" sz="1100" dirty="0" err="1" smtClean="0">
-                <a:solidFill>
-                  <a:srgbClr val="5B6176"/>
-                </a:solidFill>
-              </a:rPr>
-              <a:t>고저차</a:t>
-            </a:r>
-            <a:r>
-              <a:rPr lang="ko-KR" altLang="en-US" sz="1100" dirty="0" smtClean="0">
-                <a:solidFill>
-                  <a:srgbClr val="5B6176"/>
-                </a:solidFill>
-              </a:rPr>
-              <a:t> </a:t>
-            </a:r>
-            <a:r>
-              <a:rPr lang="en-US" altLang="ko-KR" sz="1100" dirty="0" smtClean="0">
-                <a:solidFill>
-                  <a:srgbClr val="5B6176"/>
-                </a:solidFill>
-              </a:rPr>
-              <a:t>X</a:t>
-            </a:r>
-            <a:endParaRPr lang="en-US" altLang="ko-KR" sz="1100" b="1" dirty="0" smtClean="0">
-              <a:solidFill>
-                <a:srgbClr val="5B6176"/>
-              </a:solidFill>
-            </a:endParaRPr>
-          </a:p>
-        </p:txBody>
-      </p:sp>
-      <p:pic>
-        <p:nvPicPr>
-          <p:cNvPr id="2" name="그림 1"/>
-          <p:cNvPicPr>
-            <a:picLocks noChangeAspect="1"/>
-          </p:cNvPicPr>
-          <p:nvPr/>
-        </p:nvPicPr>
-        <p:blipFill>
-          <a:blip r:embed="rId3">
-            <a:extLst>
-              <a:ext uri="{28A0092B-C50C-407E-A947-70E740481C1C}">
-                <a14:useLocalDpi xmlns:a14="http://schemas.microsoft.com/office/drawing/2010/main" val="0"/>
-              </a:ext>
-            </a:extLst>
-          </a:blip>
-          <a:stretch>
-            <a:fillRect/>
-          </a:stretch>
-        </p:blipFill>
-        <p:spPr>
-          <a:xfrm>
-            <a:off x="6410456" y="1359761"/>
-            <a:ext cx="5138647" cy="4564199"/>
-          </a:xfrm>
-          <a:prstGeom prst="rect">
-            <a:avLst/>
-          </a:prstGeom>
-        </p:spPr>
-      </p:pic>
-    </p:spTree>
-    <p:extLst>
-      <p:ext uri="{BB962C8B-B14F-4D97-AF65-F5344CB8AC3E}">
-        <p14:creationId xmlns:p14="http://schemas.microsoft.com/office/powerpoint/2010/main" val="1348355604"/>
-      </p:ext>
-    </p:extLst>
-  </p:cSld>
-  <p:clrMapOvr>
-    <a:masterClrMapping/>
-  </p:clrMapOvr>
-  <p:timing>
-    <p:tnLst>
-      <p:par>
-        <p:cTn id="1" dur="indefinite" restart="never" nodeType="tmRoot"/>
-      </p:par>
-    </p:tnLst>
-  </p:timing>
-</p:sld>
-</file>
-
-<file path=ppt/slides/slide6.xml><?xml version="1.0" encoding="utf-8"?>
-<p:sld xmlns:a="http://schemas.openxmlformats.org/drawingml/2006/main" xmlns:r="http://schemas.openxmlformats.org/officeDocument/2006/relationships" xmlns:p="http://schemas.openxmlformats.org/presentationml/2006/main">
-  <p:cSld>
-    <p:spTree>
-      <p:nvGrpSpPr>
-        <p:cNvPr id="1" name=""/>
-        <p:cNvGrpSpPr/>
-        <p:nvPr/>
-      </p:nvGrpSpPr>
-      <p:grpSpPr>
-        <a:xfrm>
-          <a:off x="0" y="0"/>
-          <a:ext cx="0" cy="0"/>
-          <a:chOff x="0" y="0"/>
-          <a:chExt cx="0" cy="0"/>
-        </a:xfrm>
-      </p:grpSpPr>
-      <p:cxnSp>
-        <p:nvCxnSpPr>
-          <p:cNvPr id="6" name="직선 연결선 5"/>
-          <p:cNvCxnSpPr/>
-          <p:nvPr/>
-        </p:nvCxnSpPr>
-        <p:spPr>
-          <a:xfrm>
-            <a:off x="440707" y="251691"/>
-            <a:ext cx="720000" cy="0"/>
-          </a:xfrm>
-          <a:prstGeom prst="line">
-            <a:avLst/>
-          </a:prstGeom>
-          <a:ln w="22225">
-            <a:solidFill>
-              <a:srgbClr val="5B6176"/>
-            </a:solidFill>
-          </a:ln>
-        </p:spPr>
-        <p:style>
-          <a:lnRef idx="1">
-            <a:schemeClr val="accent1"/>
-          </a:lnRef>
-          <a:fillRef idx="0">
-            <a:schemeClr val="accent1"/>
-          </a:fillRef>
-          <a:effectRef idx="0">
-            <a:schemeClr val="accent1"/>
-          </a:effectRef>
-          <a:fontRef idx="minor">
-            <a:schemeClr val="tx1"/>
-          </a:fontRef>
-        </p:style>
-      </p:cxnSp>
-      <p:cxnSp>
-        <p:nvCxnSpPr>
-          <p:cNvPr id="7" name="직선 연결선 6"/>
-          <p:cNvCxnSpPr/>
-          <p:nvPr/>
-        </p:nvCxnSpPr>
-        <p:spPr>
-          <a:xfrm>
-            <a:off x="97139" y="6104246"/>
-            <a:ext cx="12024000" cy="0"/>
-          </a:xfrm>
-          <a:prstGeom prst="line">
-            <a:avLst/>
-          </a:prstGeom>
-          <a:ln w="38100">
-            <a:solidFill>
-              <a:srgbClr val="5B6176"/>
-            </a:solidFill>
-          </a:ln>
-        </p:spPr>
-        <p:style>
-          <a:lnRef idx="1">
-            <a:schemeClr val="accent1"/>
-          </a:lnRef>
-          <a:fillRef idx="0">
-            <a:schemeClr val="accent1"/>
-          </a:fillRef>
-          <a:effectRef idx="0">
-            <a:schemeClr val="accent1"/>
-          </a:effectRef>
-          <a:fontRef idx="minor">
-            <a:schemeClr val="tx1"/>
-          </a:fontRef>
-        </p:style>
-      </p:cxnSp>
-      <p:sp>
-        <p:nvSpPr>
-          <p:cNvPr id="8" name="직사각형 7"/>
-          <p:cNvSpPr/>
-          <p:nvPr/>
-        </p:nvSpPr>
-        <p:spPr>
-          <a:xfrm>
-            <a:off x="449664" y="986971"/>
-            <a:ext cx="11327709" cy="5689600"/>
-          </a:xfrm>
-          <a:prstGeom prst="rect">
-            <a:avLst/>
-          </a:prstGeom>
-          <a:solidFill>
-            <a:schemeClr val="bg1"/>
-          </a:solidFill>
-          <a:ln w="38100">
-            <a:solidFill>
-              <a:srgbClr val="5B6176"/>
-            </a:solidFill>
-          </a:ln>
-          <a:effectLst>
-            <a:outerShdw blurRad="317500" dist="723900" dir="10800000" sx="95000" sy="95000" algn="r" rotWithShape="0">
-              <a:prstClr val="black">
-                <a:alpha val="24000"/>
-              </a:prstClr>
-            </a:outerShdw>
-          </a:effectLst>
-        </p:spPr>
-        <p:style>
-          <a:lnRef idx="2">
-            <a:schemeClr val="accent1">
-              <a:shade val="50000"/>
-            </a:schemeClr>
-          </a:lnRef>
-          <a:fillRef idx="1">
-            <a:schemeClr val="accent1"/>
-          </a:fillRef>
-          <a:effectRef idx="0">
-            <a:schemeClr val="accent1"/>
-          </a:effectRef>
-          <a:fontRef idx="minor">
-            <a:schemeClr val="lt1"/>
-          </a:fontRef>
-        </p:style>
-        <p:txBody>
-          <a:bodyPr rtlCol="0" anchor="ctr"/>
-          <a:lstStyle/>
-          <a:p>
-            <a:pPr algn="ctr"/>
-            <a:endParaRPr lang="ko-KR" altLang="en-US">
-              <a:solidFill>
-                <a:prstClr val="white"/>
-              </a:solidFill>
-            </a:endParaRPr>
-          </a:p>
-        </p:txBody>
-      </p:sp>
-      <p:sp>
-        <p:nvSpPr>
-          <p:cNvPr id="9" name="직사각형 8"/>
-          <p:cNvSpPr/>
-          <p:nvPr/>
-        </p:nvSpPr>
-        <p:spPr>
-          <a:xfrm>
-            <a:off x="449943" y="580571"/>
-            <a:ext cx="11327709" cy="406400"/>
-          </a:xfrm>
-          <a:prstGeom prst="rect">
-            <a:avLst/>
-          </a:prstGeom>
-          <a:solidFill>
-            <a:srgbClr val="D0D2D2"/>
-          </a:solidFill>
-          <a:ln w="38100">
-            <a:solidFill>
-              <a:srgbClr val="5B6176"/>
-            </a:solidFill>
-          </a:ln>
-        </p:spPr>
-        <p:style>
-          <a:lnRef idx="2">
-            <a:schemeClr val="accent1">
-              <a:shade val="50000"/>
-            </a:schemeClr>
-          </a:lnRef>
-          <a:fillRef idx="1">
-            <a:schemeClr val="accent1"/>
-          </a:fillRef>
-          <a:effectRef idx="0">
-            <a:schemeClr val="accent1"/>
-          </a:effectRef>
-          <a:fontRef idx="minor">
-            <a:schemeClr val="lt1"/>
-          </a:fontRef>
-        </p:style>
-        <p:txBody>
-          <a:bodyPr rtlCol="0" anchor="ctr"/>
-          <a:lstStyle/>
-          <a:p>
-            <a:pPr lvl="1" latinLnBrk="0">
-              <a:defRPr/>
-            </a:pPr>
-            <a:r>
-              <a:rPr lang="ko-KR" altLang="en-US" sz="2000" b="1" i="1" kern="0" dirty="0" smtClean="0">
-                <a:solidFill>
-                  <a:srgbClr val="5B6176"/>
-                </a:solidFill>
-              </a:rPr>
-              <a:t>프로그램의 기본 구조 </a:t>
-            </a:r>
-            <a:r>
-              <a:rPr lang="en-US" altLang="ko-KR" sz="2000" b="1" i="1" kern="0" dirty="0" smtClean="0">
-                <a:solidFill>
-                  <a:srgbClr val="5B6176"/>
-                </a:solidFill>
-              </a:rPr>
-              <a:t>- </a:t>
-            </a:r>
-            <a:r>
-              <a:rPr lang="ko-KR" altLang="en-US" sz="2000" b="1" i="1" kern="0" dirty="0" smtClean="0">
-                <a:solidFill>
-                  <a:srgbClr val="5B6176"/>
-                </a:solidFill>
-              </a:rPr>
-              <a:t>패</a:t>
-            </a:r>
-            <a:r>
-              <a:rPr lang="ko-KR" altLang="en-US" sz="2000" b="1" i="1" kern="0" dirty="0">
-                <a:solidFill>
-                  <a:srgbClr val="5B6176"/>
-                </a:solidFill>
-              </a:rPr>
-              <a:t>턴</a:t>
-            </a:r>
-            <a:endParaRPr lang="ko-KR" altLang="en-US" sz="4800" kern="0" dirty="0">
-              <a:solidFill>
-                <a:srgbClr val="5B6176"/>
-              </a:solidFill>
-            </a:endParaRPr>
-          </a:p>
-        </p:txBody>
-      </p:sp>
-      <p:sp>
-        <p:nvSpPr>
-          <p:cNvPr id="10" name="타원 9"/>
-          <p:cNvSpPr/>
-          <p:nvPr/>
-        </p:nvSpPr>
-        <p:spPr>
-          <a:xfrm>
-            <a:off x="10614561" y="687779"/>
-            <a:ext cx="191983" cy="191983"/>
-          </a:xfrm>
-          <a:prstGeom prst="ellipse">
-            <a:avLst/>
-          </a:prstGeom>
-          <a:solidFill>
-            <a:schemeClr val="bg1"/>
-          </a:solidFill>
-          <a:ln w="38100">
-            <a:solidFill>
-              <a:srgbClr val="5B6176"/>
-            </a:solidFill>
-          </a:ln>
-        </p:spPr>
-        <p:style>
-          <a:lnRef idx="2">
-            <a:schemeClr val="accent1">
-              <a:shade val="50000"/>
-            </a:schemeClr>
-          </a:lnRef>
-          <a:fillRef idx="1">
-            <a:schemeClr val="accent1"/>
-          </a:fillRef>
-          <a:effectRef idx="0">
-            <a:schemeClr val="accent1"/>
-          </a:effectRef>
-          <a:fontRef idx="minor">
-            <a:schemeClr val="lt1"/>
-          </a:fontRef>
-        </p:style>
-        <p:txBody>
-          <a:bodyPr rtlCol="0" anchor="ctr"/>
-          <a:lstStyle/>
-          <a:p>
-            <a:pPr algn="ctr"/>
-            <a:endParaRPr lang="ko-KR" altLang="en-US">
-              <a:solidFill>
-                <a:prstClr val="white"/>
-              </a:solidFill>
-            </a:endParaRPr>
-          </a:p>
-        </p:txBody>
-      </p:sp>
-      <p:sp>
-        <p:nvSpPr>
-          <p:cNvPr id="11" name="타원 10"/>
-          <p:cNvSpPr/>
-          <p:nvPr/>
-        </p:nvSpPr>
-        <p:spPr>
-          <a:xfrm>
-            <a:off x="10924140" y="687778"/>
-            <a:ext cx="191983" cy="191983"/>
-          </a:xfrm>
-          <a:prstGeom prst="ellipse">
-            <a:avLst/>
-          </a:prstGeom>
-          <a:solidFill>
-            <a:schemeClr val="bg1"/>
-          </a:solidFill>
-          <a:ln w="38100">
-            <a:solidFill>
-              <a:srgbClr val="5B6176"/>
-            </a:solidFill>
-          </a:ln>
-        </p:spPr>
-        <p:style>
-          <a:lnRef idx="2">
-            <a:schemeClr val="accent1">
-              <a:shade val="50000"/>
-            </a:schemeClr>
-          </a:lnRef>
-          <a:fillRef idx="1">
-            <a:schemeClr val="accent1"/>
-          </a:fillRef>
-          <a:effectRef idx="0">
-            <a:schemeClr val="accent1"/>
-          </a:effectRef>
-          <a:fontRef idx="minor">
-            <a:schemeClr val="lt1"/>
-          </a:fontRef>
-        </p:style>
-        <p:txBody>
-          <a:bodyPr rtlCol="0" anchor="ctr"/>
-          <a:lstStyle/>
-          <a:p>
-            <a:pPr algn="ctr"/>
-            <a:endParaRPr lang="ko-KR" altLang="en-US">
-              <a:solidFill>
-                <a:prstClr val="white"/>
-              </a:solidFill>
-            </a:endParaRPr>
-          </a:p>
-        </p:txBody>
-      </p:sp>
-      <p:sp>
-        <p:nvSpPr>
-          <p:cNvPr id="12" name="타원 11"/>
-          <p:cNvSpPr/>
-          <p:nvPr/>
-        </p:nvSpPr>
-        <p:spPr>
-          <a:xfrm>
-            <a:off x="11233719" y="687777"/>
-            <a:ext cx="191983" cy="191983"/>
-          </a:xfrm>
-          <a:prstGeom prst="ellipse">
-            <a:avLst/>
-          </a:prstGeom>
-          <a:solidFill>
-            <a:schemeClr val="bg1"/>
-          </a:solidFill>
-          <a:ln w="38100">
-            <a:solidFill>
-              <a:srgbClr val="5B6176"/>
-            </a:solidFill>
-          </a:ln>
-        </p:spPr>
-        <p:style>
-          <a:lnRef idx="2">
-            <a:schemeClr val="accent1">
-              <a:shade val="50000"/>
-            </a:schemeClr>
-          </a:lnRef>
-          <a:fillRef idx="1">
-            <a:schemeClr val="accent1"/>
-          </a:fillRef>
-          <a:effectRef idx="0">
-            <a:schemeClr val="accent1"/>
-          </a:effectRef>
-          <a:fontRef idx="minor">
-            <a:schemeClr val="lt1"/>
-          </a:fontRef>
-        </p:style>
-        <p:txBody>
-          <a:bodyPr rtlCol="0" anchor="ctr"/>
-          <a:lstStyle/>
-          <a:p>
-            <a:pPr algn="ctr"/>
-            <a:endParaRPr lang="ko-KR" altLang="en-US">
-              <a:solidFill>
-                <a:prstClr val="white"/>
-              </a:solidFill>
-            </a:endParaRPr>
-          </a:p>
-        </p:txBody>
-      </p:sp>
-      <p:cxnSp>
-        <p:nvCxnSpPr>
-          <p:cNvPr id="18" name="직선 연결선 17"/>
-          <p:cNvCxnSpPr>
-            <a:stCxn id="20" idx="3"/>
-          </p:cNvCxnSpPr>
-          <p:nvPr/>
-        </p:nvCxnSpPr>
-        <p:spPr>
-          <a:xfrm>
-            <a:off x="2819000" y="251691"/>
-            <a:ext cx="8951680" cy="0"/>
-          </a:xfrm>
-          <a:prstGeom prst="line">
-            <a:avLst/>
-          </a:prstGeom>
-          <a:ln w="22225">
-            <a:solidFill>
-              <a:srgbClr val="5B6176"/>
-            </a:solidFill>
-          </a:ln>
-        </p:spPr>
-        <p:style>
-          <a:lnRef idx="1">
-            <a:schemeClr val="accent1"/>
-          </a:lnRef>
-          <a:fillRef idx="0">
-            <a:schemeClr val="accent1"/>
-          </a:fillRef>
-          <a:effectRef idx="0">
-            <a:schemeClr val="accent1"/>
-          </a:effectRef>
-          <a:fontRef idx="minor">
-            <a:schemeClr val="tx1"/>
-          </a:fontRef>
-        </p:style>
-      </p:cxnSp>
-      <p:grpSp>
-        <p:nvGrpSpPr>
-          <p:cNvPr id="19" name="그룹 18"/>
-          <p:cNvGrpSpPr/>
-          <p:nvPr/>
-        </p:nvGrpSpPr>
-        <p:grpSpPr>
-          <a:xfrm>
-            <a:off x="1261832" y="140963"/>
-            <a:ext cx="1557168" cy="221456"/>
-            <a:chOff x="657081" y="133819"/>
-            <a:chExt cx="1557168" cy="221456"/>
-          </a:xfrm>
-        </p:grpSpPr>
-        <p:sp>
-          <p:nvSpPr>
-            <p:cNvPr id="20" name="직사각형 19"/>
-            <p:cNvSpPr/>
-            <p:nvPr/>
-          </p:nvSpPr>
-          <p:spPr>
-            <a:xfrm>
-              <a:off x="813522" y="133819"/>
-              <a:ext cx="1400727" cy="221456"/>
-            </a:xfrm>
-            <a:prstGeom prst="rect">
-              <a:avLst/>
-            </a:prstGeom>
-            <a:noFill/>
-            <a:ln>
-              <a:noFill/>
-            </a:ln>
-          </p:spPr>
-          <p:style>
-            <a:lnRef idx="2">
-              <a:schemeClr val="accent1">
-                <a:shade val="50000"/>
-              </a:schemeClr>
-            </a:lnRef>
-            <a:fillRef idx="1">
-              <a:schemeClr val="accent1"/>
-            </a:fillRef>
-            <a:effectRef idx="0">
-              <a:schemeClr val="accent1"/>
-            </a:effectRef>
-            <a:fontRef idx="minor">
-              <a:schemeClr val="lt1"/>
-            </a:fontRef>
-          </p:style>
-          <p:txBody>
-            <a:bodyPr wrap="none" rtlCol="0" anchor="ctr"/>
-            <a:lstStyle/>
-            <a:p>
-              <a:pPr latinLnBrk="0">
-                <a:defRPr/>
-              </a:pPr>
-              <a:r>
-                <a:rPr lang="ko-KR" altLang="en-US" sz="900" kern="0" dirty="0">
-                  <a:solidFill>
-                    <a:srgbClr val="FF6600"/>
-                  </a:solidFill>
-                </a:rPr>
-                <a:t>혹시 아나요 내가 될지</a:t>
-              </a:r>
-              <a:endParaRPr lang="ko-KR" altLang="en-US" sz="4800" kern="0" dirty="0">
-                <a:solidFill>
-                  <a:srgbClr val="FF6600"/>
-                </a:solidFill>
-              </a:endParaRPr>
-            </a:p>
-          </p:txBody>
-        </p:sp>
-        <p:sp>
-          <p:nvSpPr>
-            <p:cNvPr id="21" name="타원 20"/>
-            <p:cNvSpPr/>
-            <p:nvPr/>
-          </p:nvSpPr>
-          <p:spPr>
-            <a:xfrm>
-              <a:off x="657081" y="159183"/>
-              <a:ext cx="175491" cy="175491"/>
-            </a:xfrm>
-            <a:prstGeom prst="ellipse">
-              <a:avLst/>
-            </a:prstGeom>
-            <a:solidFill>
-              <a:schemeClr val="bg1"/>
-            </a:solidFill>
-            <a:ln w="38100">
-              <a:solidFill>
-                <a:srgbClr val="FF6600"/>
-              </a:solidFill>
-            </a:ln>
-          </p:spPr>
-          <p:style>
-            <a:lnRef idx="2">
-              <a:schemeClr val="accent1">
-                <a:shade val="50000"/>
-              </a:schemeClr>
-            </a:lnRef>
-            <a:fillRef idx="1">
-              <a:schemeClr val="accent1"/>
-            </a:fillRef>
-            <a:effectRef idx="0">
-              <a:schemeClr val="accent1"/>
-            </a:effectRef>
-            <a:fontRef idx="minor">
-              <a:schemeClr val="lt1"/>
-            </a:fontRef>
-          </p:style>
-          <p:txBody>
-            <a:bodyPr rtlCol="0" anchor="ctr"/>
-            <a:lstStyle/>
-            <a:p>
-              <a:pPr algn="ctr"/>
-              <a:endParaRPr lang="ko-KR" altLang="en-US" sz="1400">
-                <a:solidFill>
-                  <a:prstClr val="white"/>
-                </a:solidFill>
-              </a:endParaRPr>
-            </a:p>
-          </p:txBody>
-        </p:sp>
-      </p:grpSp>
       <p:graphicFrame>
         <p:nvGraphicFramePr>
           <p:cNvPr id="22" name="표 21"/>
@@ -33379,14 +31417,14 @@
           <p:nvPr>
             <p:extLst>
               <p:ext uri="{D42A27DB-BD31-4B8C-83A1-F6EECF244321}">
-                <p14:modId xmlns:p14="http://schemas.microsoft.com/office/powerpoint/2010/main" val="2998525382"/>
+                <p14:modId xmlns:p14="http://schemas.microsoft.com/office/powerpoint/2010/main" val="2499230172"/>
               </p:ext>
             </p:extLst>
           </p:nvPr>
         </p:nvGraphicFramePr>
         <p:xfrm>
-          <a:off x="985138" y="1575226"/>
-          <a:ext cx="10248001" cy="3818964"/>
+          <a:off x="5330090" y="1393366"/>
+          <a:ext cx="6033408" cy="4082961"/>
         </p:xfrm>
         <a:graphic>
           <a:graphicData uri="http://schemas.openxmlformats.org/drawingml/2006/table">
@@ -33395,10 +31433,22 @@
                 <a:tableStyleId>{5C22544A-7EE6-4342-B048-85BDC9FD1C3A}</a:tableStyleId>
               </a:tblPr>
               <a:tblGrid>
-                <a:gridCol w="5061616"/>
-                <a:gridCol w="5186385"/>
+                <a:gridCol w="1875099">
+                  <a:extLst>
+                    <a:ext uri="{9D8B030D-6E8A-4147-A177-3AD203B41FA5}">
+                      <a16:colId xmlns:a16="http://schemas.microsoft.com/office/drawing/2014/main" val="20000"/>
+                    </a:ext>
+                  </a:extLst>
+                </a:gridCol>
+                <a:gridCol w="4158309">
+                  <a:extLst>
+                    <a:ext uri="{9D8B030D-6E8A-4147-A177-3AD203B41FA5}">
+                      <a16:colId xmlns:a16="http://schemas.microsoft.com/office/drawing/2014/main" val="20001"/>
+                    </a:ext>
+                  </a:extLst>
+                </a:gridCol>
               </a:tblGrid>
-              <a:tr h="318148">
+              <a:tr h="333298">
                 <a:tc>
                   <a:txBody>
                     <a:bodyPr/>
@@ -33518,8 +31568,13 @@
                     </a:solidFill>
                   </a:tcPr>
                 </a:tc>
+                <a:extLst>
+                  <a:ext uri="{0D108BD9-81ED-4DB2-BD59-A6C34878D82A}">
+                    <a16:rowId xmlns:a16="http://schemas.microsoft.com/office/drawing/2014/main" val="10000"/>
+                  </a:ext>
+                </a:extLst>
               </a:tr>
-              <a:tr h="437602">
+              <a:tr h="458441">
                 <a:tc>
                   <a:txBody>
                     <a:bodyPr/>
@@ -33737,8 +31792,13 @@
                     <a:noFill/>
                   </a:tcPr>
                 </a:tc>
+                <a:extLst>
+                  <a:ext uri="{0D108BD9-81ED-4DB2-BD59-A6C34878D82A}">
+                    <a16:rowId xmlns:a16="http://schemas.microsoft.com/office/drawing/2014/main" val="10001"/>
+                  </a:ext>
+                </a:extLst>
               </a:tr>
-              <a:tr h="437602">
+              <a:tr h="458441">
                 <a:tc>
                   <a:txBody>
                     <a:bodyPr/>
@@ -33984,8 +32044,13 @@
                     <a:noFill/>
                   </a:tcPr>
                 </a:tc>
+                <a:extLst>
+                  <a:ext uri="{0D108BD9-81ED-4DB2-BD59-A6C34878D82A}">
+                    <a16:rowId xmlns:a16="http://schemas.microsoft.com/office/drawing/2014/main" val="10002"/>
+                  </a:ext>
+                </a:extLst>
               </a:tr>
-              <a:tr h="437602">
+              <a:tr h="458441">
                 <a:tc>
                   <a:txBody>
                     <a:bodyPr/>
@@ -34231,8 +32296,13 @@
                     <a:noFill/>
                   </a:tcPr>
                 </a:tc>
+                <a:extLst>
+                  <a:ext uri="{0D108BD9-81ED-4DB2-BD59-A6C34878D82A}">
+                    <a16:rowId xmlns:a16="http://schemas.microsoft.com/office/drawing/2014/main" val="10003"/>
+                  </a:ext>
+                </a:extLst>
               </a:tr>
-              <a:tr h="437602">
+              <a:tr h="458441">
                 <a:tc>
                   <a:txBody>
                     <a:bodyPr/>
@@ -34478,8 +32548,13 @@
                     <a:noFill/>
                   </a:tcPr>
                 </a:tc>
+                <a:extLst>
+                  <a:ext uri="{0D108BD9-81ED-4DB2-BD59-A6C34878D82A}">
+                    <a16:rowId xmlns:a16="http://schemas.microsoft.com/office/drawing/2014/main" val="10004"/>
+                  </a:ext>
+                </a:extLst>
               </a:tr>
-              <a:tr h="437602">
+              <a:tr h="458441">
                 <a:tc>
                   <a:txBody>
                     <a:bodyPr/>
@@ -34865,8 +32940,13 @@
                     <a:noFill/>
                   </a:tcPr>
                 </a:tc>
+                <a:extLst>
+                  <a:ext uri="{0D108BD9-81ED-4DB2-BD59-A6C34878D82A}">
+                    <a16:rowId xmlns:a16="http://schemas.microsoft.com/office/drawing/2014/main" val="10005"/>
+                  </a:ext>
+                </a:extLst>
               </a:tr>
-              <a:tr h="437602">
+              <a:tr h="458441">
                 <a:tc>
                   <a:txBody>
                     <a:bodyPr/>
@@ -35091,7 +33171,103 @@
                           <a:ea typeface="+mn-ea"/>
                           <a:cs typeface="+mn-cs"/>
                         </a:rPr>
-                        <a:t>보다 큰 번호 조합이 없도록 설정하였습니다</a:t>
+                        <a:t>보다 큰 번호 </a:t>
+                      </a:r>
+                      <a:r>
+                        <a:rPr kumimoji="0" lang="ko-KR" altLang="en-US" sz="1050" b="0" i="0" u="none" strike="noStrike" kern="1200" cap="none" spc="0" normalizeH="0" baseline="0" noProof="0" dirty="0" smtClean="0">
+                          <a:ln>
+                            <a:noFill/>
+                          </a:ln>
+                          <a:solidFill>
+                            <a:schemeClr val="tx1">
+                              <a:lumMod val="75000"/>
+                              <a:lumOff val="25000"/>
+                            </a:schemeClr>
+                          </a:solidFill>
+                          <a:effectLst/>
+                          <a:uLnTx/>
+                          <a:uFillTx/>
+                          <a:latin typeface="+mn-lt"/>
+                          <a:ea typeface="+mn-ea"/>
+                          <a:cs typeface="+mn-cs"/>
+                        </a:rPr>
+                        <a:t>조합이</a:t>
+                      </a:r>
+                      <a:endParaRPr kumimoji="0" lang="en-US" altLang="ko-KR" sz="1050" b="0" i="0" u="none" strike="noStrike" kern="1200" cap="none" spc="0" normalizeH="0" baseline="0" noProof="0" dirty="0" smtClean="0">
+                        <a:ln>
+                          <a:noFill/>
+                        </a:ln>
+                        <a:solidFill>
+                          <a:schemeClr val="tx1">
+                            <a:lumMod val="75000"/>
+                            <a:lumOff val="25000"/>
+                          </a:schemeClr>
+                        </a:solidFill>
+                        <a:effectLst/>
+                        <a:uLnTx/>
+                        <a:uFillTx/>
+                        <a:latin typeface="+mn-lt"/>
+                        <a:ea typeface="+mn-ea"/>
+                        <a:cs typeface="+mn-cs"/>
+                      </a:endParaRPr>
+                    </a:p>
+                    <a:p>
+                      <a:pPr marL="0" marR="0" lvl="0" indent="0" algn="ctr" defTabSz="914400" rtl="0" eaLnBrk="1" fontAlgn="auto" latinLnBrk="1" hangingPunct="1">
+                        <a:lnSpc>
+                          <a:spcPct val="150000"/>
+                        </a:lnSpc>
+                        <a:spcBef>
+                          <a:spcPts val="0"/>
+                        </a:spcBef>
+                        <a:spcAft>
+                          <a:spcPts val="0"/>
+                        </a:spcAft>
+                        <a:buClrTx/>
+                        <a:buSzTx/>
+                        <a:buFontTx/>
+                        <a:buNone/>
+                        <a:tabLst/>
+                        <a:defRPr/>
+                      </a:pPr>
+                      <a:r>
+                        <a:rPr kumimoji="0" lang="ko-KR" altLang="en-US" sz="1050" b="0" i="0" u="none" strike="noStrike" kern="1200" cap="none" spc="0" normalizeH="0" baseline="0" noProof="0" dirty="0" smtClean="0">
+                          <a:ln>
+                            <a:noFill/>
+                          </a:ln>
+                          <a:solidFill>
+                            <a:schemeClr val="tx1">
+                              <a:lumMod val="75000"/>
+                              <a:lumOff val="25000"/>
+                            </a:schemeClr>
+                          </a:solidFill>
+                          <a:effectLst/>
+                          <a:uLnTx/>
+                          <a:uFillTx/>
+                          <a:latin typeface="+mn-lt"/>
+                          <a:ea typeface="+mn-ea"/>
+                          <a:cs typeface="+mn-cs"/>
+                        </a:rPr>
+                        <a:t>없도록 </a:t>
+                      </a:r>
+                      <a:r>
+                        <a:rPr kumimoji="0" lang="ko-KR" altLang="en-US" sz="1050" b="0" i="0" u="none" strike="noStrike" kern="1200" cap="none" spc="0" normalizeH="0" baseline="0" noProof="0" dirty="0" smtClean="0">
+                          <a:ln>
+                            <a:noFill/>
+                          </a:ln>
+                          <a:solidFill>
+                            <a:schemeClr val="tx1">
+                              <a:lumMod val="75000"/>
+                              <a:lumOff val="25000"/>
+                            </a:schemeClr>
+                          </a:solidFill>
+                          <a:effectLst/>
+                          <a:uLnTx/>
+                          <a:uFillTx/>
+                          <a:latin typeface="+mn-lt"/>
+                          <a:ea typeface="+mn-ea"/>
+                          <a:cs typeface="+mn-cs"/>
+                        </a:rPr>
+                        <a:t>설정하였습니다</a:t>
                       </a:r>
                       <a:r>
                         <a:rPr kumimoji="0" lang="en-US" altLang="ko-KR" sz="1050" b="0" i="0" u="none" strike="noStrike" kern="1200" cap="none" spc="0" normalizeH="0" baseline="0" noProof="0" dirty="0" smtClean="0">
@@ -35172,8 +33348,13 @@
                     <a:noFill/>
                   </a:tcPr>
                 </a:tc>
+                <a:extLst>
+                  <a:ext uri="{0D108BD9-81ED-4DB2-BD59-A6C34878D82A}">
+                    <a16:rowId xmlns:a16="http://schemas.microsoft.com/office/drawing/2014/main" val="10006"/>
+                  </a:ext>
+                </a:extLst>
               </a:tr>
-              <a:tr h="437602">
+              <a:tr h="458441">
                 <a:tc>
                   <a:txBody>
                     <a:bodyPr/>
@@ -35399,8 +33580,13 @@
                     <a:noFill/>
                   </a:tcPr>
                 </a:tc>
+                <a:extLst>
+                  <a:ext uri="{0D108BD9-81ED-4DB2-BD59-A6C34878D82A}">
+                    <a16:rowId xmlns:a16="http://schemas.microsoft.com/office/drawing/2014/main" val="10007"/>
+                  </a:ext>
+                </a:extLst>
               </a:tr>
-              <a:tr h="437602">
+              <a:tr h="458441">
                 <a:tc>
                   <a:txBody>
                     <a:bodyPr/>
@@ -35622,7 +33808,47 @@
                           <a:ea typeface="+mn-ea"/>
                           <a:cs typeface="+mn-cs"/>
                         </a:rPr>
-                        <a:t>인 조합이 나오도록 설정하였습니다</a:t>
+                        <a:t>인 </a:t>
+                      </a:r>
+                      <a:r>
+                        <a:rPr kumimoji="0" lang="ko-KR" altLang="en-US" sz="1050" b="0" i="0" u="none" strike="noStrike" kern="1200" cap="none" spc="0" normalizeH="0" baseline="0" noProof="0" dirty="0" smtClean="0">
+                          <a:ln>
+                            <a:noFill/>
+                          </a:ln>
+                          <a:solidFill>
+                            <a:schemeClr val="tx1">
+                              <a:lumMod val="75000"/>
+                              <a:lumOff val="25000"/>
+                            </a:schemeClr>
+                          </a:solidFill>
+                          <a:effectLst/>
+                          <a:uLnTx/>
+                          <a:uFillTx/>
+                          <a:latin typeface="+mn-lt"/>
+                          <a:ea typeface="+mn-ea"/>
+                          <a:cs typeface="+mn-cs"/>
+                        </a:rPr>
+                        <a:t>조합이 높게 나오도록 확률을 </a:t>
+                      </a:r>
+                      <a:r>
+                        <a:rPr kumimoji="0" lang="ko-KR" altLang="en-US" sz="1050" b="0" i="0" u="none" strike="noStrike" kern="1200" cap="none" spc="0" normalizeH="0" baseline="0" noProof="0" dirty="0" smtClean="0">
+                          <a:ln>
+                            <a:noFill/>
+                          </a:ln>
+                          <a:solidFill>
+                            <a:schemeClr val="tx1">
+                              <a:lumMod val="75000"/>
+                              <a:lumOff val="25000"/>
+                            </a:schemeClr>
+                          </a:solidFill>
+                          <a:effectLst/>
+                          <a:uLnTx/>
+                          <a:uFillTx/>
+                          <a:latin typeface="+mn-lt"/>
+                          <a:ea typeface="+mn-ea"/>
+                          <a:cs typeface="+mn-cs"/>
+                        </a:rPr>
+                        <a:t>설정하였습니다</a:t>
                       </a:r>
                       <a:r>
                         <a:rPr kumimoji="0" lang="en-US" altLang="ko-KR" sz="1050" b="0" i="0" u="none" strike="noStrike" kern="1200" cap="none" spc="0" normalizeH="0" baseline="0" noProof="0" dirty="0" smtClean="0">
@@ -35703,6 +33929,11 @@
                     <a:noFill/>
                   </a:tcPr>
                 </a:tc>
+                <a:extLst>
+                  <a:ext uri="{0D108BD9-81ED-4DB2-BD59-A6C34878D82A}">
+                    <a16:rowId xmlns:a16="http://schemas.microsoft.com/office/drawing/2014/main" val="10008"/>
+                  </a:ext>
+                </a:extLst>
               </a:tr>
             </a:tbl>
           </a:graphicData>
@@ -35710,10 +33941,10 @@
       </p:graphicFrame>
       <p:sp>
         <p:nvSpPr>
-          <p:cNvPr id="14" name="직사각형 13">
+          <p:cNvPr id="23" name="직사각형 22">
             <a:extLst>
               <a:ext uri="{FF2B5EF4-FFF2-40B4-BE49-F238E27FC236}">
-                <a16:creationId xmlns="" xmlns:a16="http://schemas.microsoft.com/office/drawing/2014/main" id="{3FA00699-5178-465A-9F3F-130CF1431F70}"/>
+                <a16:creationId xmlns:a16="http://schemas.microsoft.com/office/drawing/2014/main" id="{3FA00699-5178-465A-9F3F-130CF1431F70}"/>
               </a:ext>
             </a:extLst>
           </p:cNvPr>
@@ -35775,7 +34006,7 @@
     </p:spTree>
     <p:extLst>
       <p:ext uri="{BB962C8B-B14F-4D97-AF65-F5344CB8AC3E}">
-        <p14:creationId xmlns:p14="http://schemas.microsoft.com/office/powerpoint/2010/main" val="991952655"/>
+        <p14:creationId xmlns:p14="http://schemas.microsoft.com/office/powerpoint/2010/main" val="1348355604"/>
       </p:ext>
     </p:extLst>
   </p:cSld>
@@ -35792,7 +34023,7 @@
 </p:sld>
 </file>
 
-<file path=ppt/slides/slide7.xml><?xml version="1.0" encoding="utf-8"?>
+<file path=ppt/slides/slide6.xml><?xml version="1.0" encoding="utf-8"?>
 <p:sld xmlns:a="http://schemas.openxmlformats.org/drawingml/2006/main" xmlns:r="http://schemas.openxmlformats.org/officeDocument/2006/relationships" xmlns:p="http://schemas.openxmlformats.org/presentationml/2006/main">
   <p:cSld>
     <p:bg>
@@ -36521,7 +34752,7 @@
           <p:cNvPr id="26" name="직사각형 25">
             <a:extLst>
               <a:ext uri="{FF2B5EF4-FFF2-40B4-BE49-F238E27FC236}">
-                <a16:creationId xmlns="" xmlns:a16="http://schemas.microsoft.com/office/drawing/2014/main" id="{3FA00699-5178-465A-9F3F-130CF1431F70}"/>
+                <a16:creationId xmlns:a16="http://schemas.microsoft.com/office/drawing/2014/main" id="{3FA00699-5178-465A-9F3F-130CF1431F70}"/>
               </a:ext>
             </a:extLst>
           </p:cNvPr>
@@ -36569,7 +34800,7 @@
           <p:cNvPr id="27" name="직사각형 26">
             <a:extLst>
               <a:ext uri="{FF2B5EF4-FFF2-40B4-BE49-F238E27FC236}">
-                <a16:creationId xmlns="" xmlns:a16="http://schemas.microsoft.com/office/drawing/2014/main" id="{3FA00699-5178-465A-9F3F-130CF1431F70}"/>
+                <a16:creationId xmlns:a16="http://schemas.microsoft.com/office/drawing/2014/main" id="{3FA00699-5178-465A-9F3F-130CF1431F70}"/>
               </a:ext>
             </a:extLst>
           </p:cNvPr>
@@ -36625,7 +34856,7 @@
           <p:cNvPr id="28" name="직사각형 27">
             <a:extLst>
               <a:ext uri="{FF2B5EF4-FFF2-40B4-BE49-F238E27FC236}">
-                <a16:creationId xmlns="" xmlns:a16="http://schemas.microsoft.com/office/drawing/2014/main" id="{3FA00699-5178-465A-9F3F-130CF1431F70}"/>
+                <a16:creationId xmlns:a16="http://schemas.microsoft.com/office/drawing/2014/main" id="{3FA00699-5178-465A-9F3F-130CF1431F70}"/>
               </a:ext>
             </a:extLst>
           </p:cNvPr>
@@ -36688,7 +34919,7 @@
 </p:sld>
 </file>
 
-<file path=ppt/slides/slide8.xml><?xml version="1.0" encoding="utf-8"?>
+<file path=ppt/slides/slide7.xml><?xml version="1.0" encoding="utf-8"?>
 <p:sld xmlns:a="http://schemas.openxmlformats.org/drawingml/2006/main" xmlns:r="http://schemas.openxmlformats.org/officeDocument/2006/relationships" xmlns:p="http://schemas.openxmlformats.org/presentationml/2006/main">
   <p:cSld>
     <p:spTree>
@@ -37826,7 +36057,7 @@
           <p:cNvPr id="30" name="직사각형 29">
             <a:extLst>
               <a:ext uri="{FF2B5EF4-FFF2-40B4-BE49-F238E27FC236}">
-                <a16:creationId xmlns="" xmlns:a16="http://schemas.microsoft.com/office/drawing/2014/main" id="{3FA00699-5178-465A-9F3F-130CF1431F70}"/>
+                <a16:creationId xmlns:a16="http://schemas.microsoft.com/office/drawing/2014/main" id="{3FA00699-5178-465A-9F3F-130CF1431F70}"/>
               </a:ext>
             </a:extLst>
           </p:cNvPr>
@@ -37889,7 +36120,7 @@
 </p:sld>
 </file>
 
-<file path=ppt/slides/slide9.xml><?xml version="1.0" encoding="utf-8"?>
+<file path=ppt/slides/slide8.xml><?xml version="1.0" encoding="utf-8"?>
 <p:sld xmlns:a="http://schemas.openxmlformats.org/drawingml/2006/main" xmlns:r="http://schemas.openxmlformats.org/officeDocument/2006/relationships" xmlns:p="http://schemas.openxmlformats.org/presentationml/2006/main">
   <p:cSld>
     <p:spTree>
@@ -39011,7 +37242,7 @@
           <p:cNvPr id="59" name="직사각형 58">
             <a:extLst>
               <a:ext uri="{FF2B5EF4-FFF2-40B4-BE49-F238E27FC236}">
-                <a16:creationId xmlns="" xmlns:a16="http://schemas.microsoft.com/office/drawing/2014/main" id="{3FA00699-5178-465A-9F3F-130CF1431F70}"/>
+                <a16:creationId xmlns:a16="http://schemas.microsoft.com/office/drawing/2014/main" id="{3FA00699-5178-465A-9F3F-130CF1431F70}"/>
               </a:ext>
             </a:extLst>
           </p:cNvPr>
@@ -39058,6 +37289,1199 @@
     <p:extLst>
       <p:ext uri="{BB962C8B-B14F-4D97-AF65-F5344CB8AC3E}">
         <p14:creationId xmlns:p14="http://schemas.microsoft.com/office/powerpoint/2010/main" val="2274968055"/>
+      </p:ext>
+    </p:extLst>
+  </p:cSld>
+  <p:clrMapOvr>
+    <a:masterClrMapping/>
+  </p:clrMapOvr>
+  <p:timing>
+    <p:tnLst>
+      <p:par>
+        <p:cTn id="1" dur="indefinite" restart="never" nodeType="tmRoot"/>
+      </p:par>
+    </p:tnLst>
+  </p:timing>
+</p:sld>
+</file>
+
+<file path=ppt/slides/slide9.xml><?xml version="1.0" encoding="utf-8"?>
+<p:sld xmlns:a="http://schemas.openxmlformats.org/drawingml/2006/main" xmlns:r="http://schemas.openxmlformats.org/officeDocument/2006/relationships" xmlns:p="http://schemas.openxmlformats.org/presentationml/2006/main">
+  <p:cSld>
+    <p:spTree>
+      <p:nvGrpSpPr>
+        <p:cNvPr id="1" name=""/>
+        <p:cNvGrpSpPr/>
+        <p:nvPr/>
+      </p:nvGrpSpPr>
+      <p:grpSpPr>
+        <a:xfrm>
+          <a:off x="0" y="0"/>
+          <a:ext cx="0" cy="0"/>
+          <a:chOff x="0" y="0"/>
+          <a:chExt cx="0" cy="0"/>
+        </a:xfrm>
+      </p:grpSpPr>
+      <p:cxnSp>
+        <p:nvCxnSpPr>
+          <p:cNvPr id="6" name="직선 연결선 5"/>
+          <p:cNvCxnSpPr/>
+          <p:nvPr/>
+        </p:nvCxnSpPr>
+        <p:spPr>
+          <a:xfrm>
+            <a:off x="440707" y="251691"/>
+            <a:ext cx="720000" cy="0"/>
+          </a:xfrm>
+          <a:prstGeom prst="line">
+            <a:avLst/>
+          </a:prstGeom>
+          <a:ln w="22225">
+            <a:solidFill>
+              <a:srgbClr val="5B6176"/>
+            </a:solidFill>
+          </a:ln>
+        </p:spPr>
+        <p:style>
+          <a:lnRef idx="1">
+            <a:schemeClr val="accent1"/>
+          </a:lnRef>
+          <a:fillRef idx="0">
+            <a:schemeClr val="accent1"/>
+          </a:fillRef>
+          <a:effectRef idx="0">
+            <a:schemeClr val="accent1"/>
+          </a:effectRef>
+          <a:fontRef idx="minor">
+            <a:schemeClr val="tx1"/>
+          </a:fontRef>
+        </p:style>
+      </p:cxnSp>
+      <p:cxnSp>
+        <p:nvCxnSpPr>
+          <p:cNvPr id="7" name="직선 연결선 6"/>
+          <p:cNvCxnSpPr/>
+          <p:nvPr/>
+        </p:nvCxnSpPr>
+        <p:spPr>
+          <a:xfrm>
+            <a:off x="97139" y="6104246"/>
+            <a:ext cx="12024000" cy="0"/>
+          </a:xfrm>
+          <a:prstGeom prst="line">
+            <a:avLst/>
+          </a:prstGeom>
+          <a:ln w="38100">
+            <a:solidFill>
+              <a:srgbClr val="5B6176"/>
+            </a:solidFill>
+          </a:ln>
+        </p:spPr>
+        <p:style>
+          <a:lnRef idx="1">
+            <a:schemeClr val="accent1"/>
+          </a:lnRef>
+          <a:fillRef idx="0">
+            <a:schemeClr val="accent1"/>
+          </a:fillRef>
+          <a:effectRef idx="0">
+            <a:schemeClr val="accent1"/>
+          </a:effectRef>
+          <a:fontRef idx="minor">
+            <a:schemeClr val="tx1"/>
+          </a:fontRef>
+        </p:style>
+      </p:cxnSp>
+      <p:sp>
+        <p:nvSpPr>
+          <p:cNvPr id="8" name="직사각형 7"/>
+          <p:cNvSpPr/>
+          <p:nvPr/>
+        </p:nvSpPr>
+        <p:spPr>
+          <a:xfrm>
+            <a:off x="449943" y="986972"/>
+            <a:ext cx="11327709" cy="5689600"/>
+          </a:xfrm>
+          <a:prstGeom prst="rect">
+            <a:avLst/>
+          </a:prstGeom>
+          <a:solidFill>
+            <a:schemeClr val="bg1"/>
+          </a:solidFill>
+          <a:ln w="38100">
+            <a:solidFill>
+              <a:srgbClr val="5B6176"/>
+            </a:solidFill>
+          </a:ln>
+          <a:effectLst>
+            <a:outerShdw blurRad="317500" dist="723900" dir="10800000" sx="95000" sy="95000" algn="r" rotWithShape="0">
+              <a:prstClr val="black">
+                <a:alpha val="24000"/>
+              </a:prstClr>
+            </a:outerShdw>
+          </a:effectLst>
+        </p:spPr>
+        <p:style>
+          <a:lnRef idx="2">
+            <a:schemeClr val="accent1">
+              <a:shade val="50000"/>
+            </a:schemeClr>
+          </a:lnRef>
+          <a:fillRef idx="1">
+            <a:schemeClr val="accent1"/>
+          </a:fillRef>
+          <a:effectRef idx="0">
+            <a:schemeClr val="accent1"/>
+          </a:effectRef>
+          <a:fontRef idx="minor">
+            <a:schemeClr val="lt1"/>
+          </a:fontRef>
+        </p:style>
+        <p:txBody>
+          <a:bodyPr rtlCol="0" anchor="ctr"/>
+          <a:lstStyle/>
+          <a:p>
+            <a:pPr algn="ctr"/>
+            <a:endParaRPr lang="ko-KR" altLang="en-US">
+              <a:solidFill>
+                <a:prstClr val="white"/>
+              </a:solidFill>
+            </a:endParaRPr>
+          </a:p>
+        </p:txBody>
+      </p:sp>
+      <p:sp>
+        <p:nvSpPr>
+          <p:cNvPr id="9" name="직사각형 8"/>
+          <p:cNvSpPr/>
+          <p:nvPr/>
+        </p:nvSpPr>
+        <p:spPr>
+          <a:xfrm>
+            <a:off x="449943" y="580571"/>
+            <a:ext cx="11327709" cy="406400"/>
+          </a:xfrm>
+          <a:prstGeom prst="rect">
+            <a:avLst/>
+          </a:prstGeom>
+          <a:solidFill>
+            <a:srgbClr val="D0D2D2"/>
+          </a:solidFill>
+          <a:ln w="38100">
+            <a:solidFill>
+              <a:srgbClr val="5B6176"/>
+            </a:solidFill>
+          </a:ln>
+        </p:spPr>
+        <p:style>
+          <a:lnRef idx="2">
+            <a:schemeClr val="accent1">
+              <a:shade val="50000"/>
+            </a:schemeClr>
+          </a:lnRef>
+          <a:fillRef idx="1">
+            <a:schemeClr val="accent1"/>
+          </a:fillRef>
+          <a:effectRef idx="0">
+            <a:schemeClr val="accent1"/>
+          </a:effectRef>
+          <a:fontRef idx="minor">
+            <a:schemeClr val="lt1"/>
+          </a:fontRef>
+        </p:style>
+        <p:txBody>
+          <a:bodyPr rtlCol="0" anchor="ctr"/>
+          <a:lstStyle/>
+          <a:p>
+            <a:pPr lvl="1" latinLnBrk="0">
+              <a:defRPr/>
+            </a:pPr>
+            <a:r>
+              <a:rPr lang="en-US" altLang="ko-KR" sz="2000" b="1" i="1" kern="0" dirty="0" err="1" smtClean="0">
+                <a:solidFill>
+                  <a:srgbClr val="5B6176"/>
+                </a:solidFill>
+              </a:rPr>
+              <a:t>Winform</a:t>
+            </a:r>
+            <a:r>
+              <a:rPr lang="en-US" altLang="ko-KR" sz="2000" b="1" i="1" kern="0" dirty="0" smtClean="0">
+                <a:solidFill>
+                  <a:srgbClr val="5B6176"/>
+                </a:solidFill>
+              </a:rPr>
+              <a:t> - </a:t>
+            </a:r>
+            <a:r>
+              <a:rPr lang="ko-KR" altLang="en-US" sz="2000" b="1" i="1" kern="0" dirty="0" smtClean="0">
+                <a:solidFill>
+                  <a:srgbClr val="5B6176"/>
+                </a:solidFill>
+              </a:rPr>
+              <a:t>디자</a:t>
+            </a:r>
+            <a:r>
+              <a:rPr lang="ko-KR" altLang="en-US" sz="2000" b="1" i="1" kern="0" dirty="0">
+                <a:solidFill>
+                  <a:srgbClr val="5B6176"/>
+                </a:solidFill>
+              </a:rPr>
+              <a:t>인</a:t>
+            </a:r>
+            <a:endParaRPr lang="ko-KR" altLang="en-US" sz="4800" kern="0" dirty="0">
+              <a:solidFill>
+                <a:srgbClr val="5B6176"/>
+              </a:solidFill>
+            </a:endParaRPr>
+          </a:p>
+        </p:txBody>
+      </p:sp>
+      <p:sp>
+        <p:nvSpPr>
+          <p:cNvPr id="10" name="타원 9"/>
+          <p:cNvSpPr/>
+          <p:nvPr/>
+        </p:nvSpPr>
+        <p:spPr>
+          <a:xfrm>
+            <a:off x="10614561" y="687779"/>
+            <a:ext cx="191983" cy="191983"/>
+          </a:xfrm>
+          <a:prstGeom prst="ellipse">
+            <a:avLst/>
+          </a:prstGeom>
+          <a:solidFill>
+            <a:schemeClr val="bg1"/>
+          </a:solidFill>
+          <a:ln w="38100">
+            <a:solidFill>
+              <a:srgbClr val="5B6176"/>
+            </a:solidFill>
+          </a:ln>
+        </p:spPr>
+        <p:style>
+          <a:lnRef idx="2">
+            <a:schemeClr val="accent1">
+              <a:shade val="50000"/>
+            </a:schemeClr>
+          </a:lnRef>
+          <a:fillRef idx="1">
+            <a:schemeClr val="accent1"/>
+          </a:fillRef>
+          <a:effectRef idx="0">
+            <a:schemeClr val="accent1"/>
+          </a:effectRef>
+          <a:fontRef idx="minor">
+            <a:schemeClr val="lt1"/>
+          </a:fontRef>
+        </p:style>
+        <p:txBody>
+          <a:bodyPr rtlCol="0" anchor="ctr"/>
+          <a:lstStyle/>
+          <a:p>
+            <a:pPr algn="ctr"/>
+            <a:endParaRPr lang="ko-KR" altLang="en-US">
+              <a:solidFill>
+                <a:prstClr val="white"/>
+              </a:solidFill>
+            </a:endParaRPr>
+          </a:p>
+        </p:txBody>
+      </p:sp>
+      <p:sp>
+        <p:nvSpPr>
+          <p:cNvPr id="11" name="타원 10"/>
+          <p:cNvSpPr/>
+          <p:nvPr/>
+        </p:nvSpPr>
+        <p:spPr>
+          <a:xfrm>
+            <a:off x="10924140" y="687778"/>
+            <a:ext cx="191983" cy="191983"/>
+          </a:xfrm>
+          <a:prstGeom prst="ellipse">
+            <a:avLst/>
+          </a:prstGeom>
+          <a:solidFill>
+            <a:schemeClr val="bg1"/>
+          </a:solidFill>
+          <a:ln w="38100">
+            <a:solidFill>
+              <a:srgbClr val="5B6176"/>
+            </a:solidFill>
+          </a:ln>
+        </p:spPr>
+        <p:style>
+          <a:lnRef idx="2">
+            <a:schemeClr val="accent1">
+              <a:shade val="50000"/>
+            </a:schemeClr>
+          </a:lnRef>
+          <a:fillRef idx="1">
+            <a:schemeClr val="accent1"/>
+          </a:fillRef>
+          <a:effectRef idx="0">
+            <a:schemeClr val="accent1"/>
+          </a:effectRef>
+          <a:fontRef idx="minor">
+            <a:schemeClr val="lt1"/>
+          </a:fontRef>
+        </p:style>
+        <p:txBody>
+          <a:bodyPr rtlCol="0" anchor="ctr"/>
+          <a:lstStyle/>
+          <a:p>
+            <a:pPr algn="ctr"/>
+            <a:endParaRPr lang="ko-KR" altLang="en-US">
+              <a:solidFill>
+                <a:prstClr val="white"/>
+              </a:solidFill>
+            </a:endParaRPr>
+          </a:p>
+        </p:txBody>
+      </p:sp>
+      <p:sp>
+        <p:nvSpPr>
+          <p:cNvPr id="12" name="타원 11"/>
+          <p:cNvSpPr/>
+          <p:nvPr/>
+        </p:nvSpPr>
+        <p:spPr>
+          <a:xfrm>
+            <a:off x="11233719" y="687777"/>
+            <a:ext cx="191983" cy="191983"/>
+          </a:xfrm>
+          <a:prstGeom prst="ellipse">
+            <a:avLst/>
+          </a:prstGeom>
+          <a:solidFill>
+            <a:schemeClr val="bg1"/>
+          </a:solidFill>
+          <a:ln w="38100">
+            <a:solidFill>
+              <a:srgbClr val="5B6176"/>
+            </a:solidFill>
+          </a:ln>
+        </p:spPr>
+        <p:style>
+          <a:lnRef idx="2">
+            <a:schemeClr val="accent1">
+              <a:shade val="50000"/>
+            </a:schemeClr>
+          </a:lnRef>
+          <a:fillRef idx="1">
+            <a:schemeClr val="accent1"/>
+          </a:fillRef>
+          <a:effectRef idx="0">
+            <a:schemeClr val="accent1"/>
+          </a:effectRef>
+          <a:fontRef idx="minor">
+            <a:schemeClr val="lt1"/>
+          </a:fontRef>
+        </p:style>
+        <p:txBody>
+          <a:bodyPr rtlCol="0" anchor="ctr"/>
+          <a:lstStyle/>
+          <a:p>
+            <a:pPr algn="ctr"/>
+            <a:endParaRPr lang="ko-KR" altLang="en-US">
+              <a:solidFill>
+                <a:prstClr val="white"/>
+              </a:solidFill>
+            </a:endParaRPr>
+          </a:p>
+        </p:txBody>
+      </p:sp>
+      <p:cxnSp>
+        <p:nvCxnSpPr>
+          <p:cNvPr id="18" name="직선 연결선 17"/>
+          <p:cNvCxnSpPr>
+            <a:stCxn id="20" idx="3"/>
+          </p:cNvCxnSpPr>
+          <p:nvPr/>
+        </p:nvCxnSpPr>
+        <p:spPr>
+          <a:xfrm>
+            <a:off x="2819000" y="251691"/>
+            <a:ext cx="8951680" cy="0"/>
+          </a:xfrm>
+          <a:prstGeom prst="line">
+            <a:avLst/>
+          </a:prstGeom>
+          <a:ln w="22225">
+            <a:solidFill>
+              <a:srgbClr val="5B6176"/>
+            </a:solidFill>
+          </a:ln>
+        </p:spPr>
+        <p:style>
+          <a:lnRef idx="1">
+            <a:schemeClr val="accent1"/>
+          </a:lnRef>
+          <a:fillRef idx="0">
+            <a:schemeClr val="accent1"/>
+          </a:fillRef>
+          <a:effectRef idx="0">
+            <a:schemeClr val="accent1"/>
+          </a:effectRef>
+          <a:fontRef idx="minor">
+            <a:schemeClr val="tx1"/>
+          </a:fontRef>
+        </p:style>
+      </p:cxnSp>
+      <p:grpSp>
+        <p:nvGrpSpPr>
+          <p:cNvPr id="19" name="그룹 18"/>
+          <p:cNvGrpSpPr/>
+          <p:nvPr/>
+        </p:nvGrpSpPr>
+        <p:grpSpPr>
+          <a:xfrm>
+            <a:off x="1261832" y="140963"/>
+            <a:ext cx="1557168" cy="221456"/>
+            <a:chOff x="657081" y="133819"/>
+            <a:chExt cx="1557168" cy="221456"/>
+          </a:xfrm>
+        </p:grpSpPr>
+        <p:sp>
+          <p:nvSpPr>
+            <p:cNvPr id="20" name="직사각형 19"/>
+            <p:cNvSpPr/>
+            <p:nvPr/>
+          </p:nvSpPr>
+          <p:spPr>
+            <a:xfrm>
+              <a:off x="813522" y="133819"/>
+              <a:ext cx="1400727" cy="221456"/>
+            </a:xfrm>
+            <a:prstGeom prst="rect">
+              <a:avLst/>
+            </a:prstGeom>
+            <a:noFill/>
+            <a:ln>
+              <a:noFill/>
+            </a:ln>
+          </p:spPr>
+          <p:style>
+            <a:lnRef idx="2">
+              <a:schemeClr val="accent1">
+                <a:shade val="50000"/>
+              </a:schemeClr>
+            </a:lnRef>
+            <a:fillRef idx="1">
+              <a:schemeClr val="accent1"/>
+            </a:fillRef>
+            <a:effectRef idx="0">
+              <a:schemeClr val="accent1"/>
+            </a:effectRef>
+            <a:fontRef idx="minor">
+              <a:schemeClr val="lt1"/>
+            </a:fontRef>
+          </p:style>
+          <p:txBody>
+            <a:bodyPr wrap="none" rtlCol="0" anchor="ctr"/>
+            <a:lstStyle/>
+            <a:p>
+              <a:pPr latinLnBrk="0">
+                <a:defRPr/>
+              </a:pPr>
+              <a:r>
+                <a:rPr lang="ko-KR" altLang="en-US" sz="900" kern="0" dirty="0">
+                  <a:solidFill>
+                    <a:srgbClr val="FF6600"/>
+                  </a:solidFill>
+                </a:rPr>
+                <a:t>혹시 아나요 내가 될지</a:t>
+              </a:r>
+              <a:endParaRPr lang="ko-KR" altLang="en-US" sz="4800" kern="0" dirty="0">
+                <a:solidFill>
+                  <a:srgbClr val="FF6600"/>
+                </a:solidFill>
+              </a:endParaRPr>
+            </a:p>
+          </p:txBody>
+        </p:sp>
+        <p:sp>
+          <p:nvSpPr>
+            <p:cNvPr id="21" name="타원 20"/>
+            <p:cNvSpPr/>
+            <p:nvPr/>
+          </p:nvSpPr>
+          <p:spPr>
+            <a:xfrm>
+              <a:off x="657081" y="159183"/>
+              <a:ext cx="175491" cy="175491"/>
+            </a:xfrm>
+            <a:prstGeom prst="ellipse">
+              <a:avLst/>
+            </a:prstGeom>
+            <a:solidFill>
+              <a:schemeClr val="bg1"/>
+            </a:solidFill>
+            <a:ln w="38100">
+              <a:solidFill>
+                <a:srgbClr val="FF6600"/>
+              </a:solidFill>
+            </a:ln>
+          </p:spPr>
+          <p:style>
+            <a:lnRef idx="2">
+              <a:schemeClr val="accent1">
+                <a:shade val="50000"/>
+              </a:schemeClr>
+            </a:lnRef>
+            <a:fillRef idx="1">
+              <a:schemeClr val="accent1"/>
+            </a:fillRef>
+            <a:effectRef idx="0">
+              <a:schemeClr val="accent1"/>
+            </a:effectRef>
+            <a:fontRef idx="minor">
+              <a:schemeClr val="lt1"/>
+            </a:fontRef>
+          </p:style>
+          <p:txBody>
+            <a:bodyPr rtlCol="0" anchor="ctr"/>
+            <a:lstStyle/>
+            <a:p>
+              <a:pPr algn="ctr"/>
+              <a:endParaRPr lang="ko-KR" altLang="en-US" sz="1400">
+                <a:solidFill>
+                  <a:prstClr val="white"/>
+                </a:solidFill>
+              </a:endParaRPr>
+            </a:p>
+          </p:txBody>
+        </p:sp>
+      </p:grpSp>
+      <p:sp>
+        <p:nvSpPr>
+          <p:cNvPr id="35" name="모서리가 둥근 직사각형 34"/>
+          <p:cNvSpPr/>
+          <p:nvPr/>
+        </p:nvSpPr>
+        <p:spPr>
+          <a:xfrm>
+            <a:off x="8766001" y="3146359"/>
+            <a:ext cx="2343429" cy="852928"/>
+          </a:xfrm>
+          <a:prstGeom prst="roundRect">
+            <a:avLst/>
+          </a:prstGeom>
+          <a:solidFill>
+            <a:srgbClr val="404040"/>
+          </a:solidFill>
+          <a:ln>
+            <a:noFill/>
+          </a:ln>
+        </p:spPr>
+        <p:style>
+          <a:lnRef idx="2">
+            <a:schemeClr val="accent1">
+              <a:shade val="50000"/>
+            </a:schemeClr>
+          </a:lnRef>
+          <a:fillRef idx="1">
+            <a:schemeClr val="accent1"/>
+          </a:fillRef>
+          <a:effectRef idx="0">
+            <a:schemeClr val="accent1"/>
+          </a:effectRef>
+          <a:fontRef idx="minor">
+            <a:schemeClr val="lt1"/>
+          </a:fontRef>
+        </p:style>
+        <p:txBody>
+          <a:bodyPr rot="0" spcFirstLastPara="0" vertOverflow="overflow" horzOverflow="overflow" vert="horz" wrap="square" lIns="91440" tIns="45720" rIns="91440" bIns="45720" numCol="1" spcCol="0" rtlCol="0" fromWordArt="0" anchor="ctr" anchorCtr="0" forceAA="0" compatLnSpc="1">
+            <a:prstTxWarp prst="textNoShape">
+              <a:avLst/>
+            </a:prstTxWarp>
+            <a:noAutofit/>
+          </a:bodyPr>
+          <a:lstStyle/>
+          <a:p>
+            <a:pPr algn="ctr"/>
+            <a:endParaRPr lang="ko-KR" altLang="en-US"/>
+          </a:p>
+        </p:txBody>
+      </p:sp>
+      <p:sp>
+        <p:nvSpPr>
+          <p:cNvPr id="40" name="TextBox 39"/>
+          <p:cNvSpPr txBox="1"/>
+          <p:nvPr/>
+        </p:nvSpPr>
+        <p:spPr>
+          <a:xfrm>
+            <a:off x="9041434" y="3388157"/>
+            <a:ext cx="1805950" cy="369332"/>
+          </a:xfrm>
+          <a:prstGeom prst="rect">
+            <a:avLst/>
+          </a:prstGeom>
+          <a:noFill/>
+        </p:spPr>
+        <p:txBody>
+          <a:bodyPr wrap="square" rtlCol="0">
+            <a:spAutoFit/>
+          </a:bodyPr>
+          <a:lstStyle/>
+          <a:p>
+            <a:pPr algn="ctr"/>
+            <a:r>
+              <a:rPr lang="ko-KR" altLang="en-US" b="1" dirty="0" smtClean="0">
+                <a:solidFill>
+                  <a:schemeClr val="bg1"/>
+                </a:solidFill>
+              </a:rPr>
+              <a:t>엑셀 시트 출력</a:t>
+            </a:r>
+            <a:endParaRPr lang="en-US" altLang="ko-KR" b="1" dirty="0" smtClean="0">
+              <a:solidFill>
+                <a:schemeClr val="bg1"/>
+              </a:solidFill>
+            </a:endParaRPr>
+          </a:p>
+        </p:txBody>
+      </p:sp>
+      <p:sp>
+        <p:nvSpPr>
+          <p:cNvPr id="56" name="모서리가 둥근 직사각형 55"/>
+          <p:cNvSpPr/>
+          <p:nvPr/>
+        </p:nvSpPr>
+        <p:spPr>
+          <a:xfrm>
+            <a:off x="8766000" y="1833636"/>
+            <a:ext cx="2343429" cy="852928"/>
+          </a:xfrm>
+          <a:prstGeom prst="roundRect">
+            <a:avLst/>
+          </a:prstGeom>
+          <a:solidFill>
+            <a:srgbClr val="404040"/>
+          </a:solidFill>
+          <a:ln>
+            <a:noFill/>
+          </a:ln>
+        </p:spPr>
+        <p:style>
+          <a:lnRef idx="2">
+            <a:schemeClr val="accent1">
+              <a:shade val="50000"/>
+            </a:schemeClr>
+          </a:lnRef>
+          <a:fillRef idx="1">
+            <a:schemeClr val="accent1"/>
+          </a:fillRef>
+          <a:effectRef idx="0">
+            <a:schemeClr val="accent1"/>
+          </a:effectRef>
+          <a:fontRef idx="minor">
+            <a:schemeClr val="lt1"/>
+          </a:fontRef>
+        </p:style>
+        <p:txBody>
+          <a:bodyPr rot="0" spcFirstLastPara="0" vertOverflow="overflow" horzOverflow="overflow" vert="horz" wrap="square" lIns="91440" tIns="45720" rIns="91440" bIns="45720" numCol="1" spcCol="0" rtlCol="0" fromWordArt="0" anchor="ctr" anchorCtr="0" forceAA="0" compatLnSpc="1">
+            <a:prstTxWarp prst="textNoShape">
+              <a:avLst/>
+            </a:prstTxWarp>
+            <a:noAutofit/>
+          </a:bodyPr>
+          <a:lstStyle/>
+          <a:p>
+            <a:pPr algn="ctr"/>
+            <a:endParaRPr lang="ko-KR" altLang="en-US"/>
+          </a:p>
+        </p:txBody>
+      </p:sp>
+      <p:sp>
+        <p:nvSpPr>
+          <p:cNvPr id="57" name="TextBox 56"/>
+          <p:cNvSpPr txBox="1"/>
+          <p:nvPr/>
+        </p:nvSpPr>
+        <p:spPr>
+          <a:xfrm>
+            <a:off x="9040443" y="2075434"/>
+            <a:ext cx="1805950" cy="369332"/>
+          </a:xfrm>
+          <a:prstGeom prst="rect">
+            <a:avLst/>
+          </a:prstGeom>
+          <a:noFill/>
+        </p:spPr>
+        <p:txBody>
+          <a:bodyPr wrap="square" rtlCol="0">
+            <a:spAutoFit/>
+          </a:bodyPr>
+          <a:lstStyle/>
+          <a:p>
+            <a:pPr algn="ctr"/>
+            <a:r>
+              <a:rPr lang="ko-KR" altLang="en-US" b="1" dirty="0" smtClean="0">
+                <a:solidFill>
+                  <a:schemeClr val="bg1"/>
+                </a:solidFill>
+              </a:rPr>
+              <a:t>엑셀 불러오기</a:t>
+            </a:r>
+            <a:endParaRPr lang="en-US" altLang="ko-KR" b="1" dirty="0" smtClean="0">
+              <a:solidFill>
+                <a:schemeClr val="bg1"/>
+              </a:solidFill>
+            </a:endParaRPr>
+          </a:p>
+        </p:txBody>
+      </p:sp>
+      <p:sp>
+        <p:nvSpPr>
+          <p:cNvPr id="43" name="모서리가 둥근 직사각형 42"/>
+          <p:cNvSpPr/>
+          <p:nvPr/>
+        </p:nvSpPr>
+        <p:spPr>
+          <a:xfrm>
+            <a:off x="8772694" y="4445902"/>
+            <a:ext cx="2343429" cy="852928"/>
+          </a:xfrm>
+          <a:prstGeom prst="roundRect">
+            <a:avLst/>
+          </a:prstGeom>
+          <a:solidFill>
+            <a:srgbClr val="404040"/>
+          </a:solidFill>
+          <a:ln>
+            <a:noFill/>
+          </a:ln>
+        </p:spPr>
+        <p:style>
+          <a:lnRef idx="2">
+            <a:schemeClr val="accent1">
+              <a:shade val="50000"/>
+            </a:schemeClr>
+          </a:lnRef>
+          <a:fillRef idx="1">
+            <a:schemeClr val="accent1"/>
+          </a:fillRef>
+          <a:effectRef idx="0">
+            <a:schemeClr val="accent1"/>
+          </a:effectRef>
+          <a:fontRef idx="minor">
+            <a:schemeClr val="lt1"/>
+          </a:fontRef>
+        </p:style>
+        <p:txBody>
+          <a:bodyPr rot="0" spcFirstLastPara="0" vertOverflow="overflow" horzOverflow="overflow" vert="horz" wrap="square" lIns="91440" tIns="45720" rIns="91440" bIns="45720" numCol="1" spcCol="0" rtlCol="0" fromWordArt="0" anchor="ctr" anchorCtr="0" forceAA="0" compatLnSpc="1">
+            <a:prstTxWarp prst="textNoShape">
+              <a:avLst/>
+            </a:prstTxWarp>
+            <a:noAutofit/>
+          </a:bodyPr>
+          <a:lstStyle/>
+          <a:p>
+            <a:pPr algn="ctr"/>
+            <a:endParaRPr lang="ko-KR" altLang="en-US"/>
+          </a:p>
+        </p:txBody>
+      </p:sp>
+      <p:pic>
+        <p:nvPicPr>
+          <p:cNvPr id="2" name="그림 1"/>
+          <p:cNvPicPr>
+            <a:picLocks/>
+          </p:cNvPicPr>
+          <p:nvPr/>
+        </p:nvPicPr>
+        <p:blipFill>
+          <a:blip r:embed="rId2">
+            <a:extLst>
+              <a:ext uri="{28A0092B-C50C-407E-A947-70E740481C1C}">
+                <a14:useLocalDpi xmlns:a14="http://schemas.microsoft.com/office/drawing/2010/main" val="0"/>
+              </a:ext>
+            </a:extLst>
+          </a:blip>
+          <a:stretch>
+            <a:fillRect/>
+          </a:stretch>
+        </p:blipFill>
+        <p:spPr>
+          <a:xfrm>
+            <a:off x="1040248" y="1476332"/>
+            <a:ext cx="6494400" cy="4140498"/>
+          </a:xfrm>
+          <a:prstGeom prst="rect">
+            <a:avLst/>
+          </a:prstGeom>
+        </p:spPr>
+      </p:pic>
+      <p:sp>
+        <p:nvSpPr>
+          <p:cNvPr id="3" name="모서리가 둥근 직사각형 2"/>
+          <p:cNvSpPr/>
+          <p:nvPr/>
+        </p:nvSpPr>
+        <p:spPr>
+          <a:xfrm>
+            <a:off x="3342553" y="1729901"/>
+            <a:ext cx="776088" cy="407255"/>
+          </a:xfrm>
+          <a:prstGeom prst="roundRect">
+            <a:avLst/>
+          </a:prstGeom>
+          <a:noFill/>
+          <a:ln>
+            <a:solidFill>
+              <a:srgbClr val="404040"/>
+            </a:solidFill>
+          </a:ln>
+        </p:spPr>
+        <p:style>
+          <a:lnRef idx="2">
+            <a:schemeClr val="accent1">
+              <a:shade val="50000"/>
+            </a:schemeClr>
+          </a:lnRef>
+          <a:fillRef idx="1">
+            <a:schemeClr val="accent1"/>
+          </a:fillRef>
+          <a:effectRef idx="0">
+            <a:schemeClr val="accent1"/>
+          </a:effectRef>
+          <a:fontRef idx="minor">
+            <a:schemeClr val="lt1"/>
+          </a:fontRef>
+        </p:style>
+        <p:txBody>
+          <a:bodyPr rot="0" spcFirstLastPara="0" vertOverflow="overflow" horzOverflow="overflow" vert="horz" wrap="square" lIns="91440" tIns="45720" rIns="91440" bIns="45720" numCol="1" spcCol="0" rtlCol="0" fromWordArt="0" anchor="ctr" anchorCtr="0" forceAA="0" compatLnSpc="1">
+            <a:prstTxWarp prst="textNoShape">
+              <a:avLst/>
+            </a:prstTxWarp>
+            <a:noAutofit/>
+          </a:bodyPr>
+          <a:lstStyle/>
+          <a:p>
+            <a:pPr algn="ctr"/>
+            <a:endParaRPr lang="ko-KR" altLang="en-US"/>
+          </a:p>
+        </p:txBody>
+      </p:sp>
+      <p:cxnSp>
+        <p:nvCxnSpPr>
+          <p:cNvPr id="5" name="직선 연결선 4"/>
+          <p:cNvCxnSpPr>
+            <a:stCxn id="3" idx="3"/>
+            <a:endCxn id="56" idx="1"/>
+          </p:cNvCxnSpPr>
+          <p:nvPr/>
+        </p:nvCxnSpPr>
+        <p:spPr>
+          <a:xfrm>
+            <a:off x="4118641" y="1933529"/>
+            <a:ext cx="4647359" cy="326571"/>
+          </a:xfrm>
+          <a:prstGeom prst="line">
+            <a:avLst/>
+          </a:prstGeom>
+          <a:ln w="12700">
+            <a:solidFill>
+              <a:srgbClr val="404040"/>
+            </a:solidFill>
+          </a:ln>
+        </p:spPr>
+        <p:style>
+          <a:lnRef idx="1">
+            <a:schemeClr val="accent1"/>
+          </a:lnRef>
+          <a:fillRef idx="0">
+            <a:schemeClr val="accent1"/>
+          </a:fillRef>
+          <a:effectRef idx="0">
+            <a:schemeClr val="accent1"/>
+          </a:effectRef>
+          <a:fontRef idx="minor">
+            <a:schemeClr val="tx1"/>
+          </a:fontRef>
+        </p:style>
+      </p:cxnSp>
+      <p:sp>
+        <p:nvSpPr>
+          <p:cNvPr id="26" name="모서리가 둥근 직사각형 25"/>
+          <p:cNvSpPr/>
+          <p:nvPr/>
+        </p:nvSpPr>
+        <p:spPr>
+          <a:xfrm>
+            <a:off x="1207216" y="2029580"/>
+            <a:ext cx="6161771" cy="3137932"/>
+          </a:xfrm>
+          <a:prstGeom prst="roundRect">
+            <a:avLst/>
+          </a:prstGeom>
+          <a:noFill/>
+          <a:ln>
+            <a:solidFill>
+              <a:srgbClr val="404040"/>
+            </a:solidFill>
+          </a:ln>
+        </p:spPr>
+        <p:style>
+          <a:lnRef idx="2">
+            <a:schemeClr val="accent1">
+              <a:shade val="50000"/>
+            </a:schemeClr>
+          </a:lnRef>
+          <a:fillRef idx="1">
+            <a:schemeClr val="accent1"/>
+          </a:fillRef>
+          <a:effectRef idx="0">
+            <a:schemeClr val="accent1"/>
+          </a:effectRef>
+          <a:fontRef idx="minor">
+            <a:schemeClr val="lt1"/>
+          </a:fontRef>
+        </p:style>
+        <p:txBody>
+          <a:bodyPr rot="0" spcFirstLastPara="0" vertOverflow="overflow" horzOverflow="overflow" vert="horz" wrap="square" lIns="91440" tIns="45720" rIns="91440" bIns="45720" numCol="1" spcCol="0" rtlCol="0" fromWordArt="0" anchor="ctr" anchorCtr="0" forceAA="0" compatLnSpc="1">
+            <a:prstTxWarp prst="textNoShape">
+              <a:avLst/>
+            </a:prstTxWarp>
+            <a:noAutofit/>
+          </a:bodyPr>
+          <a:lstStyle/>
+          <a:p>
+            <a:pPr algn="ctr"/>
+            <a:endParaRPr lang="ko-KR" altLang="en-US"/>
+          </a:p>
+        </p:txBody>
+      </p:sp>
+      <p:cxnSp>
+        <p:nvCxnSpPr>
+          <p:cNvPr id="41" name="직선 연결선 40"/>
+          <p:cNvCxnSpPr>
+            <a:stCxn id="26" idx="3"/>
+            <a:endCxn id="35" idx="1"/>
+          </p:cNvCxnSpPr>
+          <p:nvPr/>
+        </p:nvCxnSpPr>
+        <p:spPr>
+          <a:xfrm flipV="1">
+            <a:off x="7368987" y="3572823"/>
+            <a:ext cx="1397014" cy="25723"/>
+          </a:xfrm>
+          <a:prstGeom prst="line">
+            <a:avLst/>
+          </a:prstGeom>
+          <a:ln w="12700">
+            <a:solidFill>
+              <a:srgbClr val="404040"/>
+            </a:solidFill>
+          </a:ln>
+        </p:spPr>
+        <p:style>
+          <a:lnRef idx="1">
+            <a:schemeClr val="accent1"/>
+          </a:lnRef>
+          <a:fillRef idx="0">
+            <a:schemeClr val="accent1"/>
+          </a:fillRef>
+          <a:effectRef idx="0">
+            <a:schemeClr val="accent1"/>
+          </a:effectRef>
+          <a:fontRef idx="minor">
+            <a:schemeClr val="tx1"/>
+          </a:fontRef>
+        </p:style>
+      </p:cxnSp>
+      <p:sp>
+        <p:nvSpPr>
+          <p:cNvPr id="30" name="모서리가 둥근 직사각형 29"/>
+          <p:cNvSpPr/>
+          <p:nvPr/>
+        </p:nvSpPr>
+        <p:spPr>
+          <a:xfrm>
+            <a:off x="6746581" y="5044319"/>
+            <a:ext cx="476410" cy="369332"/>
+          </a:xfrm>
+          <a:prstGeom prst="roundRect">
+            <a:avLst/>
+          </a:prstGeom>
+          <a:noFill/>
+          <a:ln>
+            <a:solidFill>
+              <a:srgbClr val="404040"/>
+            </a:solidFill>
+          </a:ln>
+        </p:spPr>
+        <p:style>
+          <a:lnRef idx="2">
+            <a:schemeClr val="accent1">
+              <a:shade val="50000"/>
+            </a:schemeClr>
+          </a:lnRef>
+          <a:fillRef idx="1">
+            <a:schemeClr val="accent1"/>
+          </a:fillRef>
+          <a:effectRef idx="0">
+            <a:schemeClr val="accent1"/>
+          </a:effectRef>
+          <a:fontRef idx="minor">
+            <a:schemeClr val="lt1"/>
+          </a:fontRef>
+        </p:style>
+        <p:txBody>
+          <a:bodyPr rot="0" spcFirstLastPara="0" vertOverflow="overflow" horzOverflow="overflow" vert="horz" wrap="square" lIns="91440" tIns="45720" rIns="91440" bIns="45720" numCol="1" spcCol="0" rtlCol="0" fromWordArt="0" anchor="ctr" anchorCtr="0" forceAA="0" compatLnSpc="1">
+            <a:prstTxWarp prst="textNoShape">
+              <a:avLst/>
+            </a:prstTxWarp>
+            <a:noAutofit/>
+          </a:bodyPr>
+          <a:lstStyle/>
+          <a:p>
+            <a:pPr algn="ctr"/>
+            <a:endParaRPr lang="ko-KR" altLang="en-US"/>
+          </a:p>
+        </p:txBody>
+      </p:sp>
+      <p:cxnSp>
+        <p:nvCxnSpPr>
+          <p:cNvPr id="45" name="직선 연결선 44"/>
+          <p:cNvCxnSpPr>
+            <a:stCxn id="30" idx="3"/>
+            <a:endCxn id="43" idx="1"/>
+          </p:cNvCxnSpPr>
+          <p:nvPr/>
+        </p:nvCxnSpPr>
+        <p:spPr>
+          <a:xfrm flipV="1">
+            <a:off x="7222991" y="4872366"/>
+            <a:ext cx="1549703" cy="356619"/>
+          </a:xfrm>
+          <a:prstGeom prst="line">
+            <a:avLst/>
+          </a:prstGeom>
+          <a:ln w="12700">
+            <a:solidFill>
+              <a:srgbClr val="404040"/>
+            </a:solidFill>
+          </a:ln>
+        </p:spPr>
+        <p:style>
+          <a:lnRef idx="1">
+            <a:schemeClr val="accent1"/>
+          </a:lnRef>
+          <a:fillRef idx="0">
+            <a:schemeClr val="accent1"/>
+          </a:fillRef>
+          <a:effectRef idx="0">
+            <a:schemeClr val="accent1"/>
+          </a:effectRef>
+          <a:fontRef idx="minor">
+            <a:schemeClr val="tx1"/>
+          </a:fontRef>
+        </p:style>
+      </p:cxnSp>
+      <p:sp>
+        <p:nvSpPr>
+          <p:cNvPr id="49" name="TextBox 48"/>
+          <p:cNvSpPr txBox="1"/>
+          <p:nvPr/>
+        </p:nvSpPr>
+        <p:spPr>
+          <a:xfrm>
+            <a:off x="9034739" y="4687700"/>
+            <a:ext cx="1805950" cy="369332"/>
+          </a:xfrm>
+          <a:prstGeom prst="rect">
+            <a:avLst/>
+          </a:prstGeom>
+          <a:noFill/>
+        </p:spPr>
+        <p:txBody>
+          <a:bodyPr wrap="square" rtlCol="0">
+            <a:spAutoFit/>
+          </a:bodyPr>
+          <a:lstStyle/>
+          <a:p>
+            <a:pPr algn="ctr"/>
+            <a:r>
+              <a:rPr lang="ko-KR" altLang="en-US" b="1" dirty="0" smtClean="0">
+                <a:solidFill>
+                  <a:schemeClr val="bg1"/>
+                </a:solidFill>
+              </a:rPr>
+              <a:t>링크 연결</a:t>
+            </a:r>
+            <a:endParaRPr lang="en-US" altLang="ko-KR" b="1" dirty="0" smtClean="0">
+              <a:solidFill>
+                <a:schemeClr val="bg1"/>
+              </a:solidFill>
+            </a:endParaRPr>
+          </a:p>
+        </p:txBody>
+      </p:sp>
+      <p:sp>
+        <p:nvSpPr>
+          <p:cNvPr id="54" name="직사각형 53">
+            <a:extLst>
+              <a:ext uri="{FF2B5EF4-FFF2-40B4-BE49-F238E27FC236}">
+                <a16:creationId xmlns:a16="http://schemas.microsoft.com/office/drawing/2014/main" id="{3FA00699-5178-465A-9F3F-130CF1431F70}"/>
+              </a:ext>
+            </a:extLst>
+          </p:cNvPr>
+          <p:cNvSpPr/>
+          <p:nvPr/>
+        </p:nvSpPr>
+        <p:spPr>
+          <a:xfrm>
+            <a:off x="499391" y="986972"/>
+            <a:ext cx="661316" cy="373885"/>
+          </a:xfrm>
+          <a:prstGeom prst="rect">
+            <a:avLst/>
+          </a:prstGeom>
+        </p:spPr>
+        <p:txBody>
+          <a:bodyPr wrap="square">
+            <a:spAutoFit/>
+          </a:bodyPr>
+          <a:lstStyle/>
+          <a:p>
+            <a:pPr algn="ctr">
+              <a:lnSpc>
+                <a:spcPct val="150000"/>
+              </a:lnSpc>
+            </a:pPr>
+            <a:r>
+              <a:rPr lang="ko-KR" altLang="en-US" sz="1400" b="1" dirty="0" smtClean="0">
+                <a:solidFill>
+                  <a:srgbClr val="5B6176"/>
+                </a:solidFill>
+              </a:rPr>
+              <a:t>조</a:t>
+            </a:r>
+            <a:r>
+              <a:rPr lang="ko-KR" altLang="en-US" sz="1400" b="1" dirty="0">
+                <a:solidFill>
+                  <a:srgbClr val="5B6176"/>
+                </a:solidFill>
+              </a:rPr>
+              <a:t>회</a:t>
+            </a:r>
+            <a:endParaRPr lang="en-US" altLang="ko-KR" sz="1400" b="1" dirty="0">
+              <a:solidFill>
+                <a:srgbClr val="5B6176"/>
+              </a:solidFill>
+            </a:endParaRPr>
+          </a:p>
+        </p:txBody>
+      </p:sp>
+    </p:spTree>
+    <p:extLst>
+      <p:ext uri="{BB962C8B-B14F-4D97-AF65-F5344CB8AC3E}">
+        <p14:creationId xmlns:p14="http://schemas.microsoft.com/office/powerpoint/2010/main" val="2597574560"/>
       </p:ext>
     </p:extLst>
   </p:cSld>
@@ -39396,7 +38820,7 @@
   <a:extraClrSchemeLst/>
   <a:extLst>
     <a:ext uri="{05A4C25C-085E-4340-85A3-A5531E510DB2}">
-      <thm15:themeFamily xmlns:thm15="http://schemas.microsoft.com/office/thememl/2012/main" xmlns="" name="Office Theme" id="{62F939B6-93AF-4DB8-9C6B-D6C7DFDC589F}" vid="{4A3C46E8-61CC-4603-A589-7422A47A8E4A}"/>
+      <thm15:themeFamily xmlns:thm15="http://schemas.microsoft.com/office/thememl/2012/main" name="Office Theme" id="{62F939B6-93AF-4DB8-9C6B-D6C7DFDC589F}" vid="{4A3C46E8-61CC-4603-A589-7422A47A8E4A}"/>
     </a:ext>
   </a:extLst>
 </a:theme>

--- a/포트폴리오/로또 번호 추첨기/로또 번호 추첨기 - 양화영.pptx
+++ b/포트폴리오/로또 번호 추첨기/로또 번호 추첨기 - 양화영.pptx
@@ -122,7 +122,7 @@
   </p:defaultTextStyle>
   <p:extLst>
     <p:ext uri="{EFAFB233-063F-42B5-8137-9DF3F51BA10A}">
-      <p15:sldGuideLst xmlns:p15="http://schemas.microsoft.com/office/powerpoint/2012/main">
+      <p15:sldGuideLst xmlns:p15="http://schemas.microsoft.com/office/powerpoint/2012/main" xmlns="">
         <p15:guide id="1" orient="horz" pos="2150">
           <p15:clr>
             <a:srgbClr val="A4A3A4"/>
@@ -161,7 +161,7 @@
           <p:cNvPr id="2" name="제목 1">
             <a:extLst>
               <a:ext uri="{FF2B5EF4-FFF2-40B4-BE49-F238E27FC236}">
-                <a16:creationId xmlns:a16="http://schemas.microsoft.com/office/drawing/2014/main" id="{22112318-F619-4488-8B6E-2F5F2426A69A}"/>
+                <a16:creationId xmlns:a16="http://schemas.microsoft.com/office/drawing/2014/main" xmlns="" id="{22112318-F619-4488-8B6E-2F5F2426A69A}"/>
               </a:ext>
             </a:extLst>
           </p:cNvPr>
@@ -198,7 +198,7 @@
           <p:cNvPr id="3" name="부제목 2">
             <a:extLst>
               <a:ext uri="{FF2B5EF4-FFF2-40B4-BE49-F238E27FC236}">
-                <a16:creationId xmlns:a16="http://schemas.microsoft.com/office/drawing/2014/main" id="{E8BEE6BB-9A5F-4E9F-9F1C-6D46BE01A313}"/>
+                <a16:creationId xmlns:a16="http://schemas.microsoft.com/office/drawing/2014/main" xmlns="" id="{E8BEE6BB-9A5F-4E9F-9F1C-6D46BE01A313}"/>
               </a:ext>
             </a:extLst>
           </p:cNvPr>
@@ -268,7 +268,7 @@
           <p:cNvPr id="4" name="날짜 개체 틀 3">
             <a:extLst>
               <a:ext uri="{FF2B5EF4-FFF2-40B4-BE49-F238E27FC236}">
-                <a16:creationId xmlns:a16="http://schemas.microsoft.com/office/drawing/2014/main" id="{D2D9A51D-A948-4CB8-A9EB-5A26520C8EF0}"/>
+                <a16:creationId xmlns:a16="http://schemas.microsoft.com/office/drawing/2014/main" xmlns="" id="{D2D9A51D-A948-4CB8-A9EB-5A26520C8EF0}"/>
               </a:ext>
             </a:extLst>
           </p:cNvPr>
@@ -310,7 +310,7 @@
           <p:cNvPr id="5" name="바닥글 개체 틀 4">
             <a:extLst>
               <a:ext uri="{FF2B5EF4-FFF2-40B4-BE49-F238E27FC236}">
-                <a16:creationId xmlns:a16="http://schemas.microsoft.com/office/drawing/2014/main" id="{84374BBD-0B82-4658-B13D-088F0E4D078E}"/>
+                <a16:creationId xmlns:a16="http://schemas.microsoft.com/office/drawing/2014/main" xmlns="" id="{84374BBD-0B82-4658-B13D-088F0E4D078E}"/>
               </a:ext>
             </a:extLst>
           </p:cNvPr>
@@ -341,7 +341,7 @@
           <p:cNvPr id="6" name="슬라이드 번호 개체 틀 5">
             <a:extLst>
               <a:ext uri="{FF2B5EF4-FFF2-40B4-BE49-F238E27FC236}">
-                <a16:creationId xmlns:a16="http://schemas.microsoft.com/office/drawing/2014/main" id="{AB1AAA67-696A-4836-A10B-FF164C3AF889}"/>
+                <a16:creationId xmlns:a16="http://schemas.microsoft.com/office/drawing/2014/main" xmlns="" id="{AB1AAA67-696A-4836-A10B-FF164C3AF889}"/>
               </a:ext>
             </a:extLst>
           </p:cNvPr>
@@ -413,7 +413,7 @@
           <p:cNvPr id="2" name="제목 1">
             <a:extLst>
               <a:ext uri="{FF2B5EF4-FFF2-40B4-BE49-F238E27FC236}">
-                <a16:creationId xmlns:a16="http://schemas.microsoft.com/office/drawing/2014/main" id="{3C43AEE1-28CA-46D2-81F5-CD34E4F9E583}"/>
+                <a16:creationId xmlns:a16="http://schemas.microsoft.com/office/drawing/2014/main" xmlns="" id="{3C43AEE1-28CA-46D2-81F5-CD34E4F9E583}"/>
               </a:ext>
             </a:extLst>
           </p:cNvPr>
@@ -441,7 +441,7 @@
           <p:cNvPr id="3" name="세로 텍스트 개체 틀 2">
             <a:extLst>
               <a:ext uri="{FF2B5EF4-FFF2-40B4-BE49-F238E27FC236}">
-                <a16:creationId xmlns:a16="http://schemas.microsoft.com/office/drawing/2014/main" id="{C738FEC2-4BF0-4A45-9297-EE9B2E45E5CC}"/>
+                <a16:creationId xmlns:a16="http://schemas.microsoft.com/office/drawing/2014/main" xmlns="" id="{C738FEC2-4BF0-4A45-9297-EE9B2E45E5CC}"/>
               </a:ext>
             </a:extLst>
           </p:cNvPr>
@@ -498,7 +498,7 @@
           <p:cNvPr id="4" name="날짜 개체 틀 3">
             <a:extLst>
               <a:ext uri="{FF2B5EF4-FFF2-40B4-BE49-F238E27FC236}">
-                <a16:creationId xmlns:a16="http://schemas.microsoft.com/office/drawing/2014/main" id="{2BEDBAD0-D342-4544-94B8-122B3BDBF705}"/>
+                <a16:creationId xmlns:a16="http://schemas.microsoft.com/office/drawing/2014/main" xmlns="" id="{2BEDBAD0-D342-4544-94B8-122B3BDBF705}"/>
               </a:ext>
             </a:extLst>
           </p:cNvPr>
@@ -540,7 +540,7 @@
           <p:cNvPr id="5" name="바닥글 개체 틀 4">
             <a:extLst>
               <a:ext uri="{FF2B5EF4-FFF2-40B4-BE49-F238E27FC236}">
-                <a16:creationId xmlns:a16="http://schemas.microsoft.com/office/drawing/2014/main" id="{1D70FE0D-ACBA-4806-9F35-4EB786E865FE}"/>
+                <a16:creationId xmlns:a16="http://schemas.microsoft.com/office/drawing/2014/main" xmlns="" id="{1D70FE0D-ACBA-4806-9F35-4EB786E865FE}"/>
               </a:ext>
             </a:extLst>
           </p:cNvPr>
@@ -571,7 +571,7 @@
           <p:cNvPr id="6" name="슬라이드 번호 개체 틀 5">
             <a:extLst>
               <a:ext uri="{FF2B5EF4-FFF2-40B4-BE49-F238E27FC236}">
-                <a16:creationId xmlns:a16="http://schemas.microsoft.com/office/drawing/2014/main" id="{A7F3119A-4AE1-408F-B8AD-4428B0060B24}"/>
+                <a16:creationId xmlns:a16="http://schemas.microsoft.com/office/drawing/2014/main" xmlns="" id="{A7F3119A-4AE1-408F-B8AD-4428B0060B24}"/>
               </a:ext>
             </a:extLst>
           </p:cNvPr>
@@ -643,7 +643,7 @@
           <p:cNvPr id="2" name="세로 제목 1">
             <a:extLst>
               <a:ext uri="{FF2B5EF4-FFF2-40B4-BE49-F238E27FC236}">
-                <a16:creationId xmlns:a16="http://schemas.microsoft.com/office/drawing/2014/main" id="{F0B3D2AB-E650-41C2-B6FB-5398A5C19680}"/>
+                <a16:creationId xmlns:a16="http://schemas.microsoft.com/office/drawing/2014/main" xmlns="" id="{F0B3D2AB-E650-41C2-B6FB-5398A5C19680}"/>
               </a:ext>
             </a:extLst>
           </p:cNvPr>
@@ -676,7 +676,7 @@
           <p:cNvPr id="3" name="세로 텍스트 개체 틀 2">
             <a:extLst>
               <a:ext uri="{FF2B5EF4-FFF2-40B4-BE49-F238E27FC236}">
-                <a16:creationId xmlns:a16="http://schemas.microsoft.com/office/drawing/2014/main" id="{992D6516-8F93-4221-97F7-E01D89EE517D}"/>
+                <a16:creationId xmlns:a16="http://schemas.microsoft.com/office/drawing/2014/main" xmlns="" id="{992D6516-8F93-4221-97F7-E01D89EE517D}"/>
               </a:ext>
             </a:extLst>
           </p:cNvPr>
@@ -738,7 +738,7 @@
           <p:cNvPr id="4" name="날짜 개체 틀 3">
             <a:extLst>
               <a:ext uri="{FF2B5EF4-FFF2-40B4-BE49-F238E27FC236}">
-                <a16:creationId xmlns:a16="http://schemas.microsoft.com/office/drawing/2014/main" id="{8D86CB26-A349-496A-B48B-A7B891172236}"/>
+                <a16:creationId xmlns:a16="http://schemas.microsoft.com/office/drawing/2014/main" xmlns="" id="{8D86CB26-A349-496A-B48B-A7B891172236}"/>
               </a:ext>
             </a:extLst>
           </p:cNvPr>
@@ -780,7 +780,7 @@
           <p:cNvPr id="5" name="바닥글 개체 틀 4">
             <a:extLst>
               <a:ext uri="{FF2B5EF4-FFF2-40B4-BE49-F238E27FC236}">
-                <a16:creationId xmlns:a16="http://schemas.microsoft.com/office/drawing/2014/main" id="{C2E726FD-A739-41D5-96BA-4670363928CF}"/>
+                <a16:creationId xmlns:a16="http://schemas.microsoft.com/office/drawing/2014/main" xmlns="" id="{C2E726FD-A739-41D5-96BA-4670363928CF}"/>
               </a:ext>
             </a:extLst>
           </p:cNvPr>
@@ -811,7 +811,7 @@
           <p:cNvPr id="6" name="슬라이드 번호 개체 틀 5">
             <a:extLst>
               <a:ext uri="{FF2B5EF4-FFF2-40B4-BE49-F238E27FC236}">
-                <a16:creationId xmlns:a16="http://schemas.microsoft.com/office/drawing/2014/main" id="{60FAE18D-FED5-4070-8B76-811D76CCECC9}"/>
+                <a16:creationId xmlns:a16="http://schemas.microsoft.com/office/drawing/2014/main" xmlns="" id="{60FAE18D-FED5-4070-8B76-811D76CCECC9}"/>
               </a:ext>
             </a:extLst>
           </p:cNvPr>
@@ -883,7 +883,7 @@
           <p:cNvPr id="2" name="제목 1">
             <a:extLst>
               <a:ext uri="{FF2B5EF4-FFF2-40B4-BE49-F238E27FC236}">
-                <a16:creationId xmlns:a16="http://schemas.microsoft.com/office/drawing/2014/main" id="{5CC6958D-28E5-4CC8-8C48-52A02A1BC426}"/>
+                <a16:creationId xmlns:a16="http://schemas.microsoft.com/office/drawing/2014/main" xmlns="" id="{5CC6958D-28E5-4CC8-8C48-52A02A1BC426}"/>
               </a:ext>
             </a:extLst>
           </p:cNvPr>
@@ -911,7 +911,7 @@
           <p:cNvPr id="3" name="내용 개체 틀 2">
             <a:extLst>
               <a:ext uri="{FF2B5EF4-FFF2-40B4-BE49-F238E27FC236}">
-                <a16:creationId xmlns:a16="http://schemas.microsoft.com/office/drawing/2014/main" id="{E8E03031-827B-4AC7-B564-384C16177476}"/>
+                <a16:creationId xmlns:a16="http://schemas.microsoft.com/office/drawing/2014/main" xmlns="" id="{E8E03031-827B-4AC7-B564-384C16177476}"/>
               </a:ext>
             </a:extLst>
           </p:cNvPr>
@@ -968,7 +968,7 @@
           <p:cNvPr id="4" name="날짜 개체 틀 3">
             <a:extLst>
               <a:ext uri="{FF2B5EF4-FFF2-40B4-BE49-F238E27FC236}">
-                <a16:creationId xmlns:a16="http://schemas.microsoft.com/office/drawing/2014/main" id="{11C19838-69C9-49EB-9B51-549106E9B8DE}"/>
+                <a16:creationId xmlns:a16="http://schemas.microsoft.com/office/drawing/2014/main" xmlns="" id="{11C19838-69C9-49EB-9B51-549106E9B8DE}"/>
               </a:ext>
             </a:extLst>
           </p:cNvPr>
@@ -1010,7 +1010,7 @@
           <p:cNvPr id="5" name="바닥글 개체 틀 4">
             <a:extLst>
               <a:ext uri="{FF2B5EF4-FFF2-40B4-BE49-F238E27FC236}">
-                <a16:creationId xmlns:a16="http://schemas.microsoft.com/office/drawing/2014/main" id="{3C26852C-90C9-4502-A697-363CF824CFD0}"/>
+                <a16:creationId xmlns:a16="http://schemas.microsoft.com/office/drawing/2014/main" xmlns="" id="{3C26852C-90C9-4502-A697-363CF824CFD0}"/>
               </a:ext>
             </a:extLst>
           </p:cNvPr>
@@ -1041,7 +1041,7 @@
           <p:cNvPr id="6" name="슬라이드 번호 개체 틀 5">
             <a:extLst>
               <a:ext uri="{FF2B5EF4-FFF2-40B4-BE49-F238E27FC236}">
-                <a16:creationId xmlns:a16="http://schemas.microsoft.com/office/drawing/2014/main" id="{DF7509D0-CCBD-406A-9D4E-6845657BBAED}"/>
+                <a16:creationId xmlns:a16="http://schemas.microsoft.com/office/drawing/2014/main" xmlns="" id="{DF7509D0-CCBD-406A-9D4E-6845657BBAED}"/>
               </a:ext>
             </a:extLst>
           </p:cNvPr>
@@ -1113,7 +1113,7 @@
           <p:cNvPr id="2" name="제목 1">
             <a:extLst>
               <a:ext uri="{FF2B5EF4-FFF2-40B4-BE49-F238E27FC236}">
-                <a16:creationId xmlns:a16="http://schemas.microsoft.com/office/drawing/2014/main" id="{6CEF73EF-188B-4B17-B08F-D30E80C308D0}"/>
+                <a16:creationId xmlns:a16="http://schemas.microsoft.com/office/drawing/2014/main" xmlns="" id="{6CEF73EF-188B-4B17-B08F-D30E80C308D0}"/>
               </a:ext>
             </a:extLst>
           </p:cNvPr>
@@ -1150,7 +1150,7 @@
           <p:cNvPr id="3" name="텍스트 개체 틀 2">
             <a:extLst>
               <a:ext uri="{FF2B5EF4-FFF2-40B4-BE49-F238E27FC236}">
-                <a16:creationId xmlns:a16="http://schemas.microsoft.com/office/drawing/2014/main" id="{DD7DD2CA-F9BF-47A8-9D27-757556FD1CEE}"/>
+                <a16:creationId xmlns:a16="http://schemas.microsoft.com/office/drawing/2014/main" xmlns="" id="{DD7DD2CA-F9BF-47A8-9D27-757556FD1CEE}"/>
               </a:ext>
             </a:extLst>
           </p:cNvPr>
@@ -1275,7 +1275,7 @@
           <p:cNvPr id="4" name="날짜 개체 틀 3">
             <a:extLst>
               <a:ext uri="{FF2B5EF4-FFF2-40B4-BE49-F238E27FC236}">
-                <a16:creationId xmlns:a16="http://schemas.microsoft.com/office/drawing/2014/main" id="{DE78A1FB-ABBF-480D-AC6C-9BB1AEF9789B}"/>
+                <a16:creationId xmlns:a16="http://schemas.microsoft.com/office/drawing/2014/main" xmlns="" id="{DE78A1FB-ABBF-480D-AC6C-9BB1AEF9789B}"/>
               </a:ext>
             </a:extLst>
           </p:cNvPr>
@@ -1317,7 +1317,7 @@
           <p:cNvPr id="5" name="바닥글 개체 틀 4">
             <a:extLst>
               <a:ext uri="{FF2B5EF4-FFF2-40B4-BE49-F238E27FC236}">
-                <a16:creationId xmlns:a16="http://schemas.microsoft.com/office/drawing/2014/main" id="{6384247E-1D11-4A19-BDDF-E157A205B45F}"/>
+                <a16:creationId xmlns:a16="http://schemas.microsoft.com/office/drawing/2014/main" xmlns="" id="{6384247E-1D11-4A19-BDDF-E157A205B45F}"/>
               </a:ext>
             </a:extLst>
           </p:cNvPr>
@@ -1348,7 +1348,7 @@
           <p:cNvPr id="6" name="슬라이드 번호 개체 틀 5">
             <a:extLst>
               <a:ext uri="{FF2B5EF4-FFF2-40B4-BE49-F238E27FC236}">
-                <a16:creationId xmlns:a16="http://schemas.microsoft.com/office/drawing/2014/main" id="{124EC815-B6FC-4BDE-910C-F8015ED4AD75}"/>
+                <a16:creationId xmlns:a16="http://schemas.microsoft.com/office/drawing/2014/main" xmlns="" id="{124EC815-B6FC-4BDE-910C-F8015ED4AD75}"/>
               </a:ext>
             </a:extLst>
           </p:cNvPr>
@@ -1420,7 +1420,7 @@
           <p:cNvPr id="2" name="제목 1">
             <a:extLst>
               <a:ext uri="{FF2B5EF4-FFF2-40B4-BE49-F238E27FC236}">
-                <a16:creationId xmlns:a16="http://schemas.microsoft.com/office/drawing/2014/main" id="{B4DAEB91-29AA-4ACC-BDCF-960470FCA5A1}"/>
+                <a16:creationId xmlns:a16="http://schemas.microsoft.com/office/drawing/2014/main" xmlns="" id="{B4DAEB91-29AA-4ACC-BDCF-960470FCA5A1}"/>
               </a:ext>
             </a:extLst>
           </p:cNvPr>
@@ -1448,7 +1448,7 @@
           <p:cNvPr id="3" name="내용 개체 틀 2">
             <a:extLst>
               <a:ext uri="{FF2B5EF4-FFF2-40B4-BE49-F238E27FC236}">
-                <a16:creationId xmlns:a16="http://schemas.microsoft.com/office/drawing/2014/main" id="{256B0E51-7DC0-45B6-8306-D8167F5CB7C8}"/>
+                <a16:creationId xmlns:a16="http://schemas.microsoft.com/office/drawing/2014/main" xmlns="" id="{256B0E51-7DC0-45B6-8306-D8167F5CB7C8}"/>
               </a:ext>
             </a:extLst>
           </p:cNvPr>
@@ -1510,7 +1510,7 @@
           <p:cNvPr id="4" name="내용 개체 틀 3">
             <a:extLst>
               <a:ext uri="{FF2B5EF4-FFF2-40B4-BE49-F238E27FC236}">
-                <a16:creationId xmlns:a16="http://schemas.microsoft.com/office/drawing/2014/main" id="{F7CB78CC-8798-4261-B4B1-60B4C54377A7}"/>
+                <a16:creationId xmlns:a16="http://schemas.microsoft.com/office/drawing/2014/main" xmlns="" id="{F7CB78CC-8798-4261-B4B1-60B4C54377A7}"/>
               </a:ext>
             </a:extLst>
           </p:cNvPr>
@@ -1572,7 +1572,7 @@
           <p:cNvPr id="5" name="날짜 개체 틀 4">
             <a:extLst>
               <a:ext uri="{FF2B5EF4-FFF2-40B4-BE49-F238E27FC236}">
-                <a16:creationId xmlns:a16="http://schemas.microsoft.com/office/drawing/2014/main" id="{79594384-5734-4FC8-928A-E1641354A126}"/>
+                <a16:creationId xmlns:a16="http://schemas.microsoft.com/office/drawing/2014/main" xmlns="" id="{79594384-5734-4FC8-928A-E1641354A126}"/>
               </a:ext>
             </a:extLst>
           </p:cNvPr>
@@ -1614,7 +1614,7 @@
           <p:cNvPr id="6" name="바닥글 개체 틀 5">
             <a:extLst>
               <a:ext uri="{FF2B5EF4-FFF2-40B4-BE49-F238E27FC236}">
-                <a16:creationId xmlns:a16="http://schemas.microsoft.com/office/drawing/2014/main" id="{282301C0-6908-48C0-8957-C8B3F4594C5A}"/>
+                <a16:creationId xmlns:a16="http://schemas.microsoft.com/office/drawing/2014/main" xmlns="" id="{282301C0-6908-48C0-8957-C8B3F4594C5A}"/>
               </a:ext>
             </a:extLst>
           </p:cNvPr>
@@ -1645,7 +1645,7 @@
           <p:cNvPr id="7" name="슬라이드 번호 개체 틀 6">
             <a:extLst>
               <a:ext uri="{FF2B5EF4-FFF2-40B4-BE49-F238E27FC236}">
-                <a16:creationId xmlns:a16="http://schemas.microsoft.com/office/drawing/2014/main" id="{507DD8FE-7741-412F-947D-7A7079F48607}"/>
+                <a16:creationId xmlns:a16="http://schemas.microsoft.com/office/drawing/2014/main" xmlns="" id="{507DD8FE-7741-412F-947D-7A7079F48607}"/>
               </a:ext>
             </a:extLst>
           </p:cNvPr>
@@ -1717,7 +1717,7 @@
           <p:cNvPr id="2" name="제목 1">
             <a:extLst>
               <a:ext uri="{FF2B5EF4-FFF2-40B4-BE49-F238E27FC236}">
-                <a16:creationId xmlns:a16="http://schemas.microsoft.com/office/drawing/2014/main" id="{BBD6DFD1-B640-4CC6-A759-6C7981C5CD61}"/>
+                <a16:creationId xmlns:a16="http://schemas.microsoft.com/office/drawing/2014/main" xmlns="" id="{BBD6DFD1-B640-4CC6-A759-6C7981C5CD61}"/>
               </a:ext>
             </a:extLst>
           </p:cNvPr>
@@ -1750,7 +1750,7 @@
           <p:cNvPr id="3" name="텍스트 개체 틀 2">
             <a:extLst>
               <a:ext uri="{FF2B5EF4-FFF2-40B4-BE49-F238E27FC236}">
-                <a16:creationId xmlns:a16="http://schemas.microsoft.com/office/drawing/2014/main" id="{25B2A237-7572-46BD-9502-829F6C0AD4F8}"/>
+                <a16:creationId xmlns:a16="http://schemas.microsoft.com/office/drawing/2014/main" xmlns="" id="{25B2A237-7572-46BD-9502-829F6C0AD4F8}"/>
               </a:ext>
             </a:extLst>
           </p:cNvPr>
@@ -1821,7 +1821,7 @@
           <p:cNvPr id="4" name="내용 개체 틀 3">
             <a:extLst>
               <a:ext uri="{FF2B5EF4-FFF2-40B4-BE49-F238E27FC236}">
-                <a16:creationId xmlns:a16="http://schemas.microsoft.com/office/drawing/2014/main" id="{81AE9732-B570-4506-BDA6-0AB39D453684}"/>
+                <a16:creationId xmlns:a16="http://schemas.microsoft.com/office/drawing/2014/main" xmlns="" id="{81AE9732-B570-4506-BDA6-0AB39D453684}"/>
               </a:ext>
             </a:extLst>
           </p:cNvPr>
@@ -1883,7 +1883,7 @@
           <p:cNvPr id="5" name="텍스트 개체 틀 4">
             <a:extLst>
               <a:ext uri="{FF2B5EF4-FFF2-40B4-BE49-F238E27FC236}">
-                <a16:creationId xmlns:a16="http://schemas.microsoft.com/office/drawing/2014/main" id="{A289407D-7DA6-4293-A426-38DF9B21160E}"/>
+                <a16:creationId xmlns:a16="http://schemas.microsoft.com/office/drawing/2014/main" xmlns="" id="{A289407D-7DA6-4293-A426-38DF9B21160E}"/>
               </a:ext>
             </a:extLst>
           </p:cNvPr>
@@ -1954,7 +1954,7 @@
           <p:cNvPr id="6" name="내용 개체 틀 5">
             <a:extLst>
               <a:ext uri="{FF2B5EF4-FFF2-40B4-BE49-F238E27FC236}">
-                <a16:creationId xmlns:a16="http://schemas.microsoft.com/office/drawing/2014/main" id="{F239549F-370A-4671-B1BB-79655CC6CB8C}"/>
+                <a16:creationId xmlns:a16="http://schemas.microsoft.com/office/drawing/2014/main" xmlns="" id="{F239549F-370A-4671-B1BB-79655CC6CB8C}"/>
               </a:ext>
             </a:extLst>
           </p:cNvPr>
@@ -2016,7 +2016,7 @@
           <p:cNvPr id="7" name="날짜 개체 틀 6">
             <a:extLst>
               <a:ext uri="{FF2B5EF4-FFF2-40B4-BE49-F238E27FC236}">
-                <a16:creationId xmlns:a16="http://schemas.microsoft.com/office/drawing/2014/main" id="{A86D9E62-97AA-41F8-B69B-6CD691CF0E2A}"/>
+                <a16:creationId xmlns:a16="http://schemas.microsoft.com/office/drawing/2014/main" xmlns="" id="{A86D9E62-97AA-41F8-B69B-6CD691CF0E2A}"/>
               </a:ext>
             </a:extLst>
           </p:cNvPr>
@@ -2058,7 +2058,7 @@
           <p:cNvPr id="8" name="바닥글 개체 틀 7">
             <a:extLst>
               <a:ext uri="{FF2B5EF4-FFF2-40B4-BE49-F238E27FC236}">
-                <a16:creationId xmlns:a16="http://schemas.microsoft.com/office/drawing/2014/main" id="{F41D3FC0-561B-4DE4-AA99-9DB56EC6B344}"/>
+                <a16:creationId xmlns:a16="http://schemas.microsoft.com/office/drawing/2014/main" xmlns="" id="{F41D3FC0-561B-4DE4-AA99-9DB56EC6B344}"/>
               </a:ext>
             </a:extLst>
           </p:cNvPr>
@@ -2089,7 +2089,7 @@
           <p:cNvPr id="9" name="슬라이드 번호 개체 틀 8">
             <a:extLst>
               <a:ext uri="{FF2B5EF4-FFF2-40B4-BE49-F238E27FC236}">
-                <a16:creationId xmlns:a16="http://schemas.microsoft.com/office/drawing/2014/main" id="{AD0040F2-99C5-450C-9966-5D00290EBF69}"/>
+                <a16:creationId xmlns:a16="http://schemas.microsoft.com/office/drawing/2014/main" xmlns="" id="{AD0040F2-99C5-450C-9966-5D00290EBF69}"/>
               </a:ext>
             </a:extLst>
           </p:cNvPr>
@@ -2161,7 +2161,7 @@
           <p:cNvPr id="2" name="제목 1">
             <a:extLst>
               <a:ext uri="{FF2B5EF4-FFF2-40B4-BE49-F238E27FC236}">
-                <a16:creationId xmlns:a16="http://schemas.microsoft.com/office/drawing/2014/main" id="{C6E337C1-8281-4F6E-9A31-EBE388C3C82F}"/>
+                <a16:creationId xmlns:a16="http://schemas.microsoft.com/office/drawing/2014/main" xmlns="" id="{C6E337C1-8281-4F6E-9A31-EBE388C3C82F}"/>
               </a:ext>
             </a:extLst>
           </p:cNvPr>
@@ -2189,7 +2189,7 @@
           <p:cNvPr id="3" name="날짜 개체 틀 2">
             <a:extLst>
               <a:ext uri="{FF2B5EF4-FFF2-40B4-BE49-F238E27FC236}">
-                <a16:creationId xmlns:a16="http://schemas.microsoft.com/office/drawing/2014/main" id="{00EA4B32-9135-4223-8DE6-887D2743405B}"/>
+                <a16:creationId xmlns:a16="http://schemas.microsoft.com/office/drawing/2014/main" xmlns="" id="{00EA4B32-9135-4223-8DE6-887D2743405B}"/>
               </a:ext>
             </a:extLst>
           </p:cNvPr>
@@ -2231,7 +2231,7 @@
           <p:cNvPr id="4" name="바닥글 개체 틀 3">
             <a:extLst>
               <a:ext uri="{FF2B5EF4-FFF2-40B4-BE49-F238E27FC236}">
-                <a16:creationId xmlns:a16="http://schemas.microsoft.com/office/drawing/2014/main" id="{9407FC83-8D70-48DB-8681-08CFD9C0DA58}"/>
+                <a16:creationId xmlns:a16="http://schemas.microsoft.com/office/drawing/2014/main" xmlns="" id="{9407FC83-8D70-48DB-8681-08CFD9C0DA58}"/>
               </a:ext>
             </a:extLst>
           </p:cNvPr>
@@ -2262,7 +2262,7 @@
           <p:cNvPr id="5" name="슬라이드 번호 개체 틀 4">
             <a:extLst>
               <a:ext uri="{FF2B5EF4-FFF2-40B4-BE49-F238E27FC236}">
-                <a16:creationId xmlns:a16="http://schemas.microsoft.com/office/drawing/2014/main" id="{A8FC15EC-BCCB-4B82-A94C-FABC63DF674F}"/>
+                <a16:creationId xmlns:a16="http://schemas.microsoft.com/office/drawing/2014/main" xmlns="" id="{A8FC15EC-BCCB-4B82-A94C-FABC63DF674F}"/>
               </a:ext>
             </a:extLst>
           </p:cNvPr>
@@ -2334,7 +2334,7 @@
           <p:cNvPr id="2" name="날짜 개체 틀 1">
             <a:extLst>
               <a:ext uri="{FF2B5EF4-FFF2-40B4-BE49-F238E27FC236}">
-                <a16:creationId xmlns:a16="http://schemas.microsoft.com/office/drawing/2014/main" id="{2B9F9692-5462-4439-80C8-B7E337FC9AC3}"/>
+                <a16:creationId xmlns:a16="http://schemas.microsoft.com/office/drawing/2014/main" xmlns="" id="{2B9F9692-5462-4439-80C8-B7E337FC9AC3}"/>
               </a:ext>
             </a:extLst>
           </p:cNvPr>
@@ -2376,7 +2376,7 @@
           <p:cNvPr id="3" name="바닥글 개체 틀 2">
             <a:extLst>
               <a:ext uri="{FF2B5EF4-FFF2-40B4-BE49-F238E27FC236}">
-                <a16:creationId xmlns:a16="http://schemas.microsoft.com/office/drawing/2014/main" id="{94CA042D-EBC0-437C-A819-521611A545F2}"/>
+                <a16:creationId xmlns:a16="http://schemas.microsoft.com/office/drawing/2014/main" xmlns="" id="{94CA042D-EBC0-437C-A819-521611A545F2}"/>
               </a:ext>
             </a:extLst>
           </p:cNvPr>
@@ -2407,7 +2407,7 @@
           <p:cNvPr id="4" name="슬라이드 번호 개체 틀 3">
             <a:extLst>
               <a:ext uri="{FF2B5EF4-FFF2-40B4-BE49-F238E27FC236}">
-                <a16:creationId xmlns:a16="http://schemas.microsoft.com/office/drawing/2014/main" id="{A2415CDA-0D1F-49BD-8381-21C3BEFD5A98}"/>
+                <a16:creationId xmlns:a16="http://schemas.microsoft.com/office/drawing/2014/main" xmlns="" id="{A2415CDA-0D1F-49BD-8381-21C3BEFD5A98}"/>
               </a:ext>
             </a:extLst>
           </p:cNvPr>
@@ -2479,7 +2479,7 @@
           <p:cNvPr id="2" name="제목 1">
             <a:extLst>
               <a:ext uri="{FF2B5EF4-FFF2-40B4-BE49-F238E27FC236}">
-                <a16:creationId xmlns:a16="http://schemas.microsoft.com/office/drawing/2014/main" id="{2A6F10D4-8D29-48C2-ADF0-92316E2C8E4E}"/>
+                <a16:creationId xmlns:a16="http://schemas.microsoft.com/office/drawing/2014/main" xmlns="" id="{2A6F10D4-8D29-48C2-ADF0-92316E2C8E4E}"/>
               </a:ext>
             </a:extLst>
           </p:cNvPr>
@@ -2516,7 +2516,7 @@
           <p:cNvPr id="3" name="내용 개체 틀 2">
             <a:extLst>
               <a:ext uri="{FF2B5EF4-FFF2-40B4-BE49-F238E27FC236}">
-                <a16:creationId xmlns:a16="http://schemas.microsoft.com/office/drawing/2014/main" id="{BBBA3CD3-DE79-4260-873A-FEDE5C678F80}"/>
+                <a16:creationId xmlns:a16="http://schemas.microsoft.com/office/drawing/2014/main" xmlns="" id="{BBBA3CD3-DE79-4260-873A-FEDE5C678F80}"/>
               </a:ext>
             </a:extLst>
           </p:cNvPr>
@@ -2606,7 +2606,7 @@
           <p:cNvPr id="4" name="텍스트 개체 틀 3">
             <a:extLst>
               <a:ext uri="{FF2B5EF4-FFF2-40B4-BE49-F238E27FC236}">
-                <a16:creationId xmlns:a16="http://schemas.microsoft.com/office/drawing/2014/main" id="{319C6BD2-52A1-4155-9D55-1D847772EA8C}"/>
+                <a16:creationId xmlns:a16="http://schemas.microsoft.com/office/drawing/2014/main" xmlns="" id="{319C6BD2-52A1-4155-9D55-1D847772EA8C}"/>
               </a:ext>
             </a:extLst>
           </p:cNvPr>
@@ -2677,7 +2677,7 @@
           <p:cNvPr id="5" name="날짜 개체 틀 4">
             <a:extLst>
               <a:ext uri="{FF2B5EF4-FFF2-40B4-BE49-F238E27FC236}">
-                <a16:creationId xmlns:a16="http://schemas.microsoft.com/office/drawing/2014/main" id="{982A3511-0B13-4D97-937C-07365FBADAEA}"/>
+                <a16:creationId xmlns:a16="http://schemas.microsoft.com/office/drawing/2014/main" xmlns="" id="{982A3511-0B13-4D97-937C-07365FBADAEA}"/>
               </a:ext>
             </a:extLst>
           </p:cNvPr>
@@ -2719,7 +2719,7 @@
           <p:cNvPr id="6" name="바닥글 개체 틀 5">
             <a:extLst>
               <a:ext uri="{FF2B5EF4-FFF2-40B4-BE49-F238E27FC236}">
-                <a16:creationId xmlns:a16="http://schemas.microsoft.com/office/drawing/2014/main" id="{54C805B4-20AF-4A3C-B131-E1D9FFBB024D}"/>
+                <a16:creationId xmlns:a16="http://schemas.microsoft.com/office/drawing/2014/main" xmlns="" id="{54C805B4-20AF-4A3C-B131-E1D9FFBB024D}"/>
               </a:ext>
             </a:extLst>
           </p:cNvPr>
@@ -2750,7 +2750,7 @@
           <p:cNvPr id="7" name="슬라이드 번호 개체 틀 6">
             <a:extLst>
               <a:ext uri="{FF2B5EF4-FFF2-40B4-BE49-F238E27FC236}">
-                <a16:creationId xmlns:a16="http://schemas.microsoft.com/office/drawing/2014/main" id="{89C705FC-2895-472A-B6FD-C2434624BB3B}"/>
+                <a16:creationId xmlns:a16="http://schemas.microsoft.com/office/drawing/2014/main" xmlns="" id="{89C705FC-2895-472A-B6FD-C2434624BB3B}"/>
               </a:ext>
             </a:extLst>
           </p:cNvPr>
@@ -2822,7 +2822,7 @@
           <p:cNvPr id="2" name="제목 1">
             <a:extLst>
               <a:ext uri="{FF2B5EF4-FFF2-40B4-BE49-F238E27FC236}">
-                <a16:creationId xmlns:a16="http://schemas.microsoft.com/office/drawing/2014/main" id="{4C00D820-915B-4802-8C2E-FF7CA967E012}"/>
+                <a16:creationId xmlns:a16="http://schemas.microsoft.com/office/drawing/2014/main" xmlns="" id="{4C00D820-915B-4802-8C2E-FF7CA967E012}"/>
               </a:ext>
             </a:extLst>
           </p:cNvPr>
@@ -2859,7 +2859,7 @@
           <p:cNvPr id="3" name="그림 개체 틀 2">
             <a:extLst>
               <a:ext uri="{FF2B5EF4-FFF2-40B4-BE49-F238E27FC236}">
-                <a16:creationId xmlns:a16="http://schemas.microsoft.com/office/drawing/2014/main" id="{10CF9849-20D0-417A-99C8-099DF39939AC}"/>
+                <a16:creationId xmlns:a16="http://schemas.microsoft.com/office/drawing/2014/main" xmlns="" id="{10CF9849-20D0-417A-99C8-099DF39939AC}"/>
               </a:ext>
             </a:extLst>
           </p:cNvPr>
@@ -2926,7 +2926,7 @@
           <p:cNvPr id="4" name="텍스트 개체 틀 3">
             <a:extLst>
               <a:ext uri="{FF2B5EF4-FFF2-40B4-BE49-F238E27FC236}">
-                <a16:creationId xmlns:a16="http://schemas.microsoft.com/office/drawing/2014/main" id="{144A7754-54E7-4123-8C5E-1B05B517B5D4}"/>
+                <a16:creationId xmlns:a16="http://schemas.microsoft.com/office/drawing/2014/main" xmlns="" id="{144A7754-54E7-4123-8C5E-1B05B517B5D4}"/>
               </a:ext>
             </a:extLst>
           </p:cNvPr>
@@ -2997,7 +2997,7 @@
           <p:cNvPr id="5" name="날짜 개체 틀 4">
             <a:extLst>
               <a:ext uri="{FF2B5EF4-FFF2-40B4-BE49-F238E27FC236}">
-                <a16:creationId xmlns:a16="http://schemas.microsoft.com/office/drawing/2014/main" id="{3AFFF3F1-9632-4E06-BAB7-312343416AE9}"/>
+                <a16:creationId xmlns:a16="http://schemas.microsoft.com/office/drawing/2014/main" xmlns="" id="{3AFFF3F1-9632-4E06-BAB7-312343416AE9}"/>
               </a:ext>
             </a:extLst>
           </p:cNvPr>
@@ -3039,7 +3039,7 @@
           <p:cNvPr id="6" name="바닥글 개체 틀 5">
             <a:extLst>
               <a:ext uri="{FF2B5EF4-FFF2-40B4-BE49-F238E27FC236}">
-                <a16:creationId xmlns:a16="http://schemas.microsoft.com/office/drawing/2014/main" id="{5F23D6B1-934F-4B4D-9E4F-5AE9E873CB6E}"/>
+                <a16:creationId xmlns:a16="http://schemas.microsoft.com/office/drawing/2014/main" xmlns="" id="{5F23D6B1-934F-4B4D-9E4F-5AE9E873CB6E}"/>
               </a:ext>
             </a:extLst>
           </p:cNvPr>
@@ -3070,7 +3070,7 @@
           <p:cNvPr id="7" name="슬라이드 번호 개체 틀 6">
             <a:extLst>
               <a:ext uri="{FF2B5EF4-FFF2-40B4-BE49-F238E27FC236}">
-                <a16:creationId xmlns:a16="http://schemas.microsoft.com/office/drawing/2014/main" id="{B157FDD5-2092-4E16-8E7C-1CCA4719CF8A}"/>
+                <a16:creationId xmlns:a16="http://schemas.microsoft.com/office/drawing/2014/main" xmlns="" id="{B157FDD5-2092-4E16-8E7C-1CCA4719CF8A}"/>
               </a:ext>
             </a:extLst>
           </p:cNvPr>
@@ -3147,7 +3147,7 @@
           <p:cNvPr id="2" name="제목 개체 틀 1">
             <a:extLst>
               <a:ext uri="{FF2B5EF4-FFF2-40B4-BE49-F238E27FC236}">
-                <a16:creationId xmlns:a16="http://schemas.microsoft.com/office/drawing/2014/main" id="{84C8B562-0886-4274-876D-59EFAAAE2F3B}"/>
+                <a16:creationId xmlns:a16="http://schemas.microsoft.com/office/drawing/2014/main" xmlns="" id="{84C8B562-0886-4274-876D-59EFAAAE2F3B}"/>
               </a:ext>
             </a:extLst>
           </p:cNvPr>
@@ -3185,7 +3185,7 @@
           <p:cNvPr id="3" name="텍스트 개체 틀 2">
             <a:extLst>
               <a:ext uri="{FF2B5EF4-FFF2-40B4-BE49-F238E27FC236}">
-                <a16:creationId xmlns:a16="http://schemas.microsoft.com/office/drawing/2014/main" id="{61799B9E-1CD2-4A09-9ACC-2FA1C62D7AF6}"/>
+                <a16:creationId xmlns:a16="http://schemas.microsoft.com/office/drawing/2014/main" xmlns="" id="{61799B9E-1CD2-4A09-9ACC-2FA1C62D7AF6}"/>
               </a:ext>
             </a:extLst>
           </p:cNvPr>
@@ -3252,7 +3252,7 @@
           <p:cNvPr id="4" name="날짜 개체 틀 3">
             <a:extLst>
               <a:ext uri="{FF2B5EF4-FFF2-40B4-BE49-F238E27FC236}">
-                <a16:creationId xmlns:a16="http://schemas.microsoft.com/office/drawing/2014/main" id="{42A0C5B4-9399-4A5E-8DEE-54436B1EC85C}"/>
+                <a16:creationId xmlns:a16="http://schemas.microsoft.com/office/drawing/2014/main" xmlns="" id="{42A0C5B4-9399-4A5E-8DEE-54436B1EC85C}"/>
               </a:ext>
             </a:extLst>
           </p:cNvPr>
@@ -3312,7 +3312,7 @@
           <p:cNvPr id="5" name="바닥글 개체 틀 4">
             <a:extLst>
               <a:ext uri="{FF2B5EF4-FFF2-40B4-BE49-F238E27FC236}">
-                <a16:creationId xmlns:a16="http://schemas.microsoft.com/office/drawing/2014/main" id="{F5B2B9FF-C0C5-4E9E-A76A-AF0745E2D88E}"/>
+                <a16:creationId xmlns:a16="http://schemas.microsoft.com/office/drawing/2014/main" xmlns="" id="{F5B2B9FF-C0C5-4E9E-A76A-AF0745E2D88E}"/>
               </a:ext>
             </a:extLst>
           </p:cNvPr>
@@ -3361,7 +3361,7 @@
           <p:cNvPr id="6" name="슬라이드 번호 개체 틀 5">
             <a:extLst>
               <a:ext uri="{FF2B5EF4-FFF2-40B4-BE49-F238E27FC236}">
-                <a16:creationId xmlns:a16="http://schemas.microsoft.com/office/drawing/2014/main" id="{E8992FE0-2D01-4365-9F95-1FF838BCEF3A}"/>
+                <a16:creationId xmlns:a16="http://schemas.microsoft.com/office/drawing/2014/main" xmlns="" id="{E8992FE0-2D01-4365-9F95-1FF838BCEF3A}"/>
               </a:ext>
             </a:extLst>
           </p:cNvPr>
@@ -5063,7 +5063,7 @@
           <p:cNvPr id="38" name="직사각형 37">
             <a:extLst>
               <a:ext uri="{FF2B5EF4-FFF2-40B4-BE49-F238E27FC236}">
-                <a16:creationId xmlns:a16="http://schemas.microsoft.com/office/drawing/2014/main" id="{3FA00699-5178-465A-9F3F-130CF1431F70}"/>
+                <a16:creationId xmlns:a16="http://schemas.microsoft.com/office/drawing/2014/main" xmlns="" id="{3FA00699-5178-465A-9F3F-130CF1431F70}"/>
               </a:ext>
             </a:extLst>
           </p:cNvPr>
@@ -6046,7 +6046,7 @@
           <p:cNvPr id="34" name="직사각형 33">
             <a:extLst>
               <a:ext uri="{FF2B5EF4-FFF2-40B4-BE49-F238E27FC236}">
-                <a16:creationId xmlns:a16="http://schemas.microsoft.com/office/drawing/2014/main" id="{3FA00699-5178-465A-9F3F-130CF1431F70}"/>
+                <a16:creationId xmlns:a16="http://schemas.microsoft.com/office/drawing/2014/main" xmlns="" id="{3FA00699-5178-465A-9F3F-130CF1431F70}"/>
               </a:ext>
             </a:extLst>
           </p:cNvPr>
@@ -7059,7 +7059,7 @@
           <p:cNvPr id="36" name="직사각형 35">
             <a:extLst>
               <a:ext uri="{FF2B5EF4-FFF2-40B4-BE49-F238E27FC236}">
-                <a16:creationId xmlns:a16="http://schemas.microsoft.com/office/drawing/2014/main" id="{3FA00699-5178-465A-9F3F-130CF1431F70}"/>
+                <a16:creationId xmlns:a16="http://schemas.microsoft.com/office/drawing/2014/main" xmlns="" id="{3FA00699-5178-465A-9F3F-130CF1431F70}"/>
               </a:ext>
             </a:extLst>
           </p:cNvPr>
@@ -7826,7 +7826,7 @@
           <p:cNvPr id="39" name="직사각형 38">
             <a:extLst>
               <a:ext uri="{FF2B5EF4-FFF2-40B4-BE49-F238E27FC236}">
-                <a16:creationId xmlns:a16="http://schemas.microsoft.com/office/drawing/2014/main" id="{3FA00699-5178-465A-9F3F-130CF1431F70}"/>
+                <a16:creationId xmlns:a16="http://schemas.microsoft.com/office/drawing/2014/main" xmlns="" id="{3FA00699-5178-465A-9F3F-130CF1431F70}"/>
               </a:ext>
             </a:extLst>
           </p:cNvPr>
@@ -8642,7 +8642,7 @@
           <p:cNvPr id="39" name="직사각형 38">
             <a:extLst>
               <a:ext uri="{FF2B5EF4-FFF2-40B4-BE49-F238E27FC236}">
-                <a16:creationId xmlns:a16="http://schemas.microsoft.com/office/drawing/2014/main" id="{3FA00699-5178-465A-9F3F-130CF1431F70}"/>
+                <a16:creationId xmlns:a16="http://schemas.microsoft.com/office/drawing/2014/main" xmlns="" id="{3FA00699-5178-465A-9F3F-130CF1431F70}"/>
               </a:ext>
             </a:extLst>
           </p:cNvPr>
@@ -9556,7 +9556,7 @@
           <p:cNvPr id="39" name="직사각형 38">
             <a:extLst>
               <a:ext uri="{FF2B5EF4-FFF2-40B4-BE49-F238E27FC236}">
-                <a16:creationId xmlns:a16="http://schemas.microsoft.com/office/drawing/2014/main" id="{3FA00699-5178-465A-9F3F-130CF1431F70}"/>
+                <a16:creationId xmlns:a16="http://schemas.microsoft.com/office/drawing/2014/main" xmlns="" id="{3FA00699-5178-465A-9F3F-130CF1431F70}"/>
               </a:ext>
             </a:extLst>
           </p:cNvPr>
@@ -10776,7 +10776,7 @@
           <p:cNvPr id="39" name="직사각형 38">
             <a:extLst>
               <a:ext uri="{FF2B5EF4-FFF2-40B4-BE49-F238E27FC236}">
-                <a16:creationId xmlns:a16="http://schemas.microsoft.com/office/drawing/2014/main" id="{3FA00699-5178-465A-9F3F-130CF1431F70}"/>
+                <a16:creationId xmlns:a16="http://schemas.microsoft.com/office/drawing/2014/main" xmlns="" id="{3FA00699-5178-465A-9F3F-130CF1431F70}"/>
               </a:ext>
             </a:extLst>
           </p:cNvPr>
@@ -12223,7 +12223,7 @@
           <p:cNvPr id="20" name="자유형: 도형 377">
             <a:extLst>
               <a:ext uri="{FF2B5EF4-FFF2-40B4-BE49-F238E27FC236}">
-                <a16:creationId xmlns:a16="http://schemas.microsoft.com/office/drawing/2014/main" id="{0B4A7219-0820-4378-B811-331B8646398F}"/>
+                <a16:creationId xmlns:a16="http://schemas.microsoft.com/office/drawing/2014/main" xmlns="" id="{0B4A7219-0820-4378-B811-331B8646398F}"/>
               </a:ext>
             </a:extLst>
           </p:cNvPr>
@@ -12368,7 +12368,7 @@
           <p:cNvPr id="21" name="자유형: 도형 378">
             <a:extLst>
               <a:ext uri="{FF2B5EF4-FFF2-40B4-BE49-F238E27FC236}">
-                <a16:creationId xmlns:a16="http://schemas.microsoft.com/office/drawing/2014/main" id="{AE7688D0-57FD-4391-A3C9-1EB04A54396A}"/>
+                <a16:creationId xmlns:a16="http://schemas.microsoft.com/office/drawing/2014/main" xmlns="" id="{AE7688D0-57FD-4391-A3C9-1EB04A54396A}"/>
               </a:ext>
             </a:extLst>
           </p:cNvPr>
@@ -12513,7 +12513,7 @@
           <p:cNvPr id="22" name="자유형: 도형 379">
             <a:extLst>
               <a:ext uri="{FF2B5EF4-FFF2-40B4-BE49-F238E27FC236}">
-                <a16:creationId xmlns:a16="http://schemas.microsoft.com/office/drawing/2014/main" id="{C4615E6A-E0F5-484B-8040-DD0DD89211FD}"/>
+                <a16:creationId xmlns:a16="http://schemas.microsoft.com/office/drawing/2014/main" xmlns="" id="{C4615E6A-E0F5-484B-8040-DD0DD89211FD}"/>
               </a:ext>
             </a:extLst>
           </p:cNvPr>
@@ -12658,7 +12658,7 @@
           <p:cNvPr id="23" name="자유형: 도형 380">
             <a:extLst>
               <a:ext uri="{FF2B5EF4-FFF2-40B4-BE49-F238E27FC236}">
-                <a16:creationId xmlns:a16="http://schemas.microsoft.com/office/drawing/2014/main" id="{0937B8B0-8045-4AA8-B9F4-04B7C0AFDEBB}"/>
+                <a16:creationId xmlns:a16="http://schemas.microsoft.com/office/drawing/2014/main" xmlns="" id="{0937B8B0-8045-4AA8-B9F4-04B7C0AFDEBB}"/>
               </a:ext>
             </a:extLst>
           </p:cNvPr>
@@ -12803,7 +12803,7 @@
           <p:cNvPr id="24" name="자유형: 도형 381">
             <a:extLst>
               <a:ext uri="{FF2B5EF4-FFF2-40B4-BE49-F238E27FC236}">
-                <a16:creationId xmlns:a16="http://schemas.microsoft.com/office/drawing/2014/main" id="{DB9ADCEC-01D9-4BB3-81EE-B1429055FB91}"/>
+                <a16:creationId xmlns:a16="http://schemas.microsoft.com/office/drawing/2014/main" xmlns="" id="{DB9ADCEC-01D9-4BB3-81EE-B1429055FB91}"/>
               </a:ext>
             </a:extLst>
           </p:cNvPr>
@@ -12948,7 +12948,7 @@
           <p:cNvPr id="25" name="자유형: 도형 382">
             <a:extLst>
               <a:ext uri="{FF2B5EF4-FFF2-40B4-BE49-F238E27FC236}">
-                <a16:creationId xmlns:a16="http://schemas.microsoft.com/office/drawing/2014/main" id="{DB61C11B-0EC3-4996-906C-007E57835D42}"/>
+                <a16:creationId xmlns:a16="http://schemas.microsoft.com/office/drawing/2014/main" xmlns="" id="{DB61C11B-0EC3-4996-906C-007E57835D42}"/>
               </a:ext>
             </a:extLst>
           </p:cNvPr>
@@ -13093,7 +13093,7 @@
           <p:cNvPr id="26" name="자유형: 도형 383">
             <a:extLst>
               <a:ext uri="{FF2B5EF4-FFF2-40B4-BE49-F238E27FC236}">
-                <a16:creationId xmlns:a16="http://schemas.microsoft.com/office/drawing/2014/main" id="{044A0A9B-5CA5-4FE7-B917-B350C19EF0E6}"/>
+                <a16:creationId xmlns:a16="http://schemas.microsoft.com/office/drawing/2014/main" xmlns="" id="{044A0A9B-5CA5-4FE7-B917-B350C19EF0E6}"/>
               </a:ext>
             </a:extLst>
           </p:cNvPr>
@@ -13238,7 +13238,7 @@
           <p:cNvPr id="27" name="자유형: 도형 384">
             <a:extLst>
               <a:ext uri="{FF2B5EF4-FFF2-40B4-BE49-F238E27FC236}">
-                <a16:creationId xmlns:a16="http://schemas.microsoft.com/office/drawing/2014/main" id="{EA9897D2-716C-4BC1-98EE-5CC7B719C72B}"/>
+                <a16:creationId xmlns:a16="http://schemas.microsoft.com/office/drawing/2014/main" xmlns="" id="{EA9897D2-716C-4BC1-98EE-5CC7B719C72B}"/>
               </a:ext>
             </a:extLst>
           </p:cNvPr>
@@ -13383,7 +13383,7 @@
           <p:cNvPr id="28" name="자유형: 도형 385">
             <a:extLst>
               <a:ext uri="{FF2B5EF4-FFF2-40B4-BE49-F238E27FC236}">
-                <a16:creationId xmlns:a16="http://schemas.microsoft.com/office/drawing/2014/main" id="{7582865E-7A8F-44C3-912A-C087626FEDA9}"/>
+                <a16:creationId xmlns:a16="http://schemas.microsoft.com/office/drawing/2014/main" xmlns="" id="{7582865E-7A8F-44C3-912A-C087626FEDA9}"/>
               </a:ext>
             </a:extLst>
           </p:cNvPr>
@@ -13528,7 +13528,7 @@
           <p:cNvPr id="29" name="자유형: 도형 386">
             <a:extLst>
               <a:ext uri="{FF2B5EF4-FFF2-40B4-BE49-F238E27FC236}">
-                <a16:creationId xmlns:a16="http://schemas.microsoft.com/office/drawing/2014/main" id="{76E18406-54A4-401D-9DCA-86C76E3A933C}"/>
+                <a16:creationId xmlns:a16="http://schemas.microsoft.com/office/drawing/2014/main" xmlns="" id="{76E18406-54A4-401D-9DCA-86C76E3A933C}"/>
               </a:ext>
             </a:extLst>
           </p:cNvPr>
@@ -13673,7 +13673,7 @@
           <p:cNvPr id="30" name="자유형: 도형 387">
             <a:extLst>
               <a:ext uri="{FF2B5EF4-FFF2-40B4-BE49-F238E27FC236}">
-                <a16:creationId xmlns:a16="http://schemas.microsoft.com/office/drawing/2014/main" id="{78D016E9-A182-4180-A637-1A890C82CE6A}"/>
+                <a16:creationId xmlns:a16="http://schemas.microsoft.com/office/drawing/2014/main" xmlns="" id="{78D016E9-A182-4180-A637-1A890C82CE6A}"/>
               </a:ext>
             </a:extLst>
           </p:cNvPr>
@@ -13818,7 +13818,7 @@
           <p:cNvPr id="31" name="자유형: 도형 388">
             <a:extLst>
               <a:ext uri="{FF2B5EF4-FFF2-40B4-BE49-F238E27FC236}">
-                <a16:creationId xmlns:a16="http://schemas.microsoft.com/office/drawing/2014/main" id="{05F8530F-49F6-48DF-AD43-D138C77A6596}"/>
+                <a16:creationId xmlns:a16="http://schemas.microsoft.com/office/drawing/2014/main" xmlns="" id="{05F8530F-49F6-48DF-AD43-D138C77A6596}"/>
               </a:ext>
             </a:extLst>
           </p:cNvPr>
@@ -13963,7 +13963,7 @@
           <p:cNvPr id="32" name="자유형: 도형 389">
             <a:extLst>
               <a:ext uri="{FF2B5EF4-FFF2-40B4-BE49-F238E27FC236}">
-                <a16:creationId xmlns:a16="http://schemas.microsoft.com/office/drawing/2014/main" id="{98DCEC21-B8BD-43A7-8436-449C4406D27B}"/>
+                <a16:creationId xmlns:a16="http://schemas.microsoft.com/office/drawing/2014/main" xmlns="" id="{98DCEC21-B8BD-43A7-8436-449C4406D27B}"/>
               </a:ext>
             </a:extLst>
           </p:cNvPr>
@@ -14108,7 +14108,7 @@
           <p:cNvPr id="33" name="자유형: 도형 390">
             <a:extLst>
               <a:ext uri="{FF2B5EF4-FFF2-40B4-BE49-F238E27FC236}">
-                <a16:creationId xmlns:a16="http://schemas.microsoft.com/office/drawing/2014/main" id="{71FAF07A-965F-4A51-9977-FFFFAA15A432}"/>
+                <a16:creationId xmlns:a16="http://schemas.microsoft.com/office/drawing/2014/main" xmlns="" id="{71FAF07A-965F-4A51-9977-FFFFAA15A432}"/>
               </a:ext>
             </a:extLst>
           </p:cNvPr>
@@ -14253,7 +14253,7 @@
           <p:cNvPr id="34" name="자유형: 도형 391">
             <a:extLst>
               <a:ext uri="{FF2B5EF4-FFF2-40B4-BE49-F238E27FC236}">
-                <a16:creationId xmlns:a16="http://schemas.microsoft.com/office/drawing/2014/main" id="{5047EEFB-CDDB-46B7-AA56-F96C5BF34725}"/>
+                <a16:creationId xmlns:a16="http://schemas.microsoft.com/office/drawing/2014/main" xmlns="" id="{5047EEFB-CDDB-46B7-AA56-F96C5BF34725}"/>
               </a:ext>
             </a:extLst>
           </p:cNvPr>
@@ -14398,7 +14398,7 @@
           <p:cNvPr id="35" name="자유형: 도형 392">
             <a:extLst>
               <a:ext uri="{FF2B5EF4-FFF2-40B4-BE49-F238E27FC236}">
-                <a16:creationId xmlns:a16="http://schemas.microsoft.com/office/drawing/2014/main" id="{2D343500-5462-4C95-880B-385171314AB6}"/>
+                <a16:creationId xmlns:a16="http://schemas.microsoft.com/office/drawing/2014/main" xmlns="" id="{2D343500-5462-4C95-880B-385171314AB6}"/>
               </a:ext>
             </a:extLst>
           </p:cNvPr>
@@ -14543,7 +14543,7 @@
           <p:cNvPr id="36" name="자유형: 도형 393">
             <a:extLst>
               <a:ext uri="{FF2B5EF4-FFF2-40B4-BE49-F238E27FC236}">
-                <a16:creationId xmlns:a16="http://schemas.microsoft.com/office/drawing/2014/main" id="{7B3DA1B8-BF1B-4513-966C-2A916F28EFB9}"/>
+                <a16:creationId xmlns:a16="http://schemas.microsoft.com/office/drawing/2014/main" xmlns="" id="{7B3DA1B8-BF1B-4513-966C-2A916F28EFB9}"/>
               </a:ext>
             </a:extLst>
           </p:cNvPr>
@@ -14688,7 +14688,7 @@
           <p:cNvPr id="37" name="자유형: 도형 394">
             <a:extLst>
               <a:ext uri="{FF2B5EF4-FFF2-40B4-BE49-F238E27FC236}">
-                <a16:creationId xmlns:a16="http://schemas.microsoft.com/office/drawing/2014/main" id="{28F89FC3-982F-4923-9453-6F57D8E1E307}"/>
+                <a16:creationId xmlns:a16="http://schemas.microsoft.com/office/drawing/2014/main" xmlns="" id="{28F89FC3-982F-4923-9453-6F57D8E1E307}"/>
               </a:ext>
             </a:extLst>
           </p:cNvPr>
@@ -14833,7 +14833,7 @@
           <p:cNvPr id="38" name="자유형: 도형 395">
             <a:extLst>
               <a:ext uri="{FF2B5EF4-FFF2-40B4-BE49-F238E27FC236}">
-                <a16:creationId xmlns:a16="http://schemas.microsoft.com/office/drawing/2014/main" id="{0F995921-8CFB-4A23-8C8B-B2815AE8670A}"/>
+                <a16:creationId xmlns:a16="http://schemas.microsoft.com/office/drawing/2014/main" xmlns="" id="{0F995921-8CFB-4A23-8C8B-B2815AE8670A}"/>
               </a:ext>
             </a:extLst>
           </p:cNvPr>
@@ -14978,7 +14978,7 @@
           <p:cNvPr id="39" name="자유형: 도형 396">
             <a:extLst>
               <a:ext uri="{FF2B5EF4-FFF2-40B4-BE49-F238E27FC236}">
-                <a16:creationId xmlns:a16="http://schemas.microsoft.com/office/drawing/2014/main" id="{38E18007-DA79-4D7B-96F0-FEC1EB21386C}"/>
+                <a16:creationId xmlns:a16="http://schemas.microsoft.com/office/drawing/2014/main" xmlns="" id="{38E18007-DA79-4D7B-96F0-FEC1EB21386C}"/>
               </a:ext>
             </a:extLst>
           </p:cNvPr>
@@ -15123,7 +15123,7 @@
           <p:cNvPr id="40" name="자유형: 도형 397">
             <a:extLst>
               <a:ext uri="{FF2B5EF4-FFF2-40B4-BE49-F238E27FC236}">
-                <a16:creationId xmlns:a16="http://schemas.microsoft.com/office/drawing/2014/main" id="{C0E1BE7B-0A87-404E-B319-F1AE13922904}"/>
+                <a16:creationId xmlns:a16="http://schemas.microsoft.com/office/drawing/2014/main" xmlns="" id="{C0E1BE7B-0A87-404E-B319-F1AE13922904}"/>
               </a:ext>
             </a:extLst>
           </p:cNvPr>
@@ -15268,7 +15268,7 @@
           <p:cNvPr id="41" name="자유형: 도형 398">
             <a:extLst>
               <a:ext uri="{FF2B5EF4-FFF2-40B4-BE49-F238E27FC236}">
-                <a16:creationId xmlns:a16="http://schemas.microsoft.com/office/drawing/2014/main" id="{675C7C0F-8C6D-4AAF-BC5F-2B81DEB3E4E8}"/>
+                <a16:creationId xmlns:a16="http://schemas.microsoft.com/office/drawing/2014/main" xmlns="" id="{675C7C0F-8C6D-4AAF-BC5F-2B81DEB3E4E8}"/>
               </a:ext>
             </a:extLst>
           </p:cNvPr>
@@ -15413,7 +15413,7 @@
           <p:cNvPr id="42" name="자유형: 도형 399">
             <a:extLst>
               <a:ext uri="{FF2B5EF4-FFF2-40B4-BE49-F238E27FC236}">
-                <a16:creationId xmlns:a16="http://schemas.microsoft.com/office/drawing/2014/main" id="{846A25C2-933F-44C2-A0FE-4110FBEBA915}"/>
+                <a16:creationId xmlns:a16="http://schemas.microsoft.com/office/drawing/2014/main" xmlns="" id="{846A25C2-933F-44C2-A0FE-4110FBEBA915}"/>
               </a:ext>
             </a:extLst>
           </p:cNvPr>
@@ -15558,7 +15558,7 @@
           <p:cNvPr id="43" name="자유형: 도형 400">
             <a:extLst>
               <a:ext uri="{FF2B5EF4-FFF2-40B4-BE49-F238E27FC236}">
-                <a16:creationId xmlns:a16="http://schemas.microsoft.com/office/drawing/2014/main" id="{5EBA2B3B-7A04-4662-B870-F720B8538988}"/>
+                <a16:creationId xmlns:a16="http://schemas.microsoft.com/office/drawing/2014/main" xmlns="" id="{5EBA2B3B-7A04-4662-B870-F720B8538988}"/>
               </a:ext>
             </a:extLst>
           </p:cNvPr>
@@ -15703,7 +15703,7 @@
           <p:cNvPr id="44" name="직사각형 43">
             <a:extLst>
               <a:ext uri="{FF2B5EF4-FFF2-40B4-BE49-F238E27FC236}">
-                <a16:creationId xmlns:a16="http://schemas.microsoft.com/office/drawing/2014/main" id="{8E46B02D-66F3-495A-BE76-8FA2A68509CF}"/>
+                <a16:creationId xmlns:a16="http://schemas.microsoft.com/office/drawing/2014/main" xmlns="" id="{8E46B02D-66F3-495A-BE76-8FA2A68509CF}"/>
               </a:ext>
             </a:extLst>
           </p:cNvPr>
@@ -15759,7 +15759,7 @@
           <p:cNvPr id="45" name="직사각형 44">
             <a:extLst>
               <a:ext uri="{FF2B5EF4-FFF2-40B4-BE49-F238E27FC236}">
-                <a16:creationId xmlns:a16="http://schemas.microsoft.com/office/drawing/2014/main" id="{7FEC52E6-E0E1-427E-87A8-FEE2AAF979A8}"/>
+                <a16:creationId xmlns:a16="http://schemas.microsoft.com/office/drawing/2014/main" xmlns="" id="{7FEC52E6-E0E1-427E-87A8-FEE2AAF979A8}"/>
               </a:ext>
             </a:extLst>
           </p:cNvPr>
@@ -15958,7 +15958,7 @@
           <p:cNvPr id="49" name="자유형: 도형 377">
             <a:extLst>
               <a:ext uri="{FF2B5EF4-FFF2-40B4-BE49-F238E27FC236}">
-                <a16:creationId xmlns:a16="http://schemas.microsoft.com/office/drawing/2014/main" id="{0B4A7219-0820-4378-B811-331B8646398F}"/>
+                <a16:creationId xmlns:a16="http://schemas.microsoft.com/office/drawing/2014/main" xmlns="" id="{0B4A7219-0820-4378-B811-331B8646398F}"/>
               </a:ext>
             </a:extLst>
           </p:cNvPr>
@@ -16103,7 +16103,7 @@
           <p:cNvPr id="50" name="자유형: 도형 378">
             <a:extLst>
               <a:ext uri="{FF2B5EF4-FFF2-40B4-BE49-F238E27FC236}">
-                <a16:creationId xmlns:a16="http://schemas.microsoft.com/office/drawing/2014/main" id="{AE7688D0-57FD-4391-A3C9-1EB04A54396A}"/>
+                <a16:creationId xmlns:a16="http://schemas.microsoft.com/office/drawing/2014/main" xmlns="" id="{AE7688D0-57FD-4391-A3C9-1EB04A54396A}"/>
               </a:ext>
             </a:extLst>
           </p:cNvPr>
@@ -16248,7 +16248,7 @@
           <p:cNvPr id="51" name="자유형: 도형 379">
             <a:extLst>
               <a:ext uri="{FF2B5EF4-FFF2-40B4-BE49-F238E27FC236}">
-                <a16:creationId xmlns:a16="http://schemas.microsoft.com/office/drawing/2014/main" id="{C4615E6A-E0F5-484B-8040-DD0DD89211FD}"/>
+                <a16:creationId xmlns:a16="http://schemas.microsoft.com/office/drawing/2014/main" xmlns="" id="{C4615E6A-E0F5-484B-8040-DD0DD89211FD}"/>
               </a:ext>
             </a:extLst>
           </p:cNvPr>
@@ -16393,7 +16393,7 @@
           <p:cNvPr id="52" name="자유형: 도형 380">
             <a:extLst>
               <a:ext uri="{FF2B5EF4-FFF2-40B4-BE49-F238E27FC236}">
-                <a16:creationId xmlns:a16="http://schemas.microsoft.com/office/drawing/2014/main" id="{0937B8B0-8045-4AA8-B9F4-04B7C0AFDEBB}"/>
+                <a16:creationId xmlns:a16="http://schemas.microsoft.com/office/drawing/2014/main" xmlns="" id="{0937B8B0-8045-4AA8-B9F4-04B7C0AFDEBB}"/>
               </a:ext>
             </a:extLst>
           </p:cNvPr>
@@ -16538,7 +16538,7 @@
           <p:cNvPr id="53" name="자유형: 도형 381">
             <a:extLst>
               <a:ext uri="{FF2B5EF4-FFF2-40B4-BE49-F238E27FC236}">
-                <a16:creationId xmlns:a16="http://schemas.microsoft.com/office/drawing/2014/main" id="{DB9ADCEC-01D9-4BB3-81EE-B1429055FB91}"/>
+                <a16:creationId xmlns:a16="http://schemas.microsoft.com/office/drawing/2014/main" xmlns="" id="{DB9ADCEC-01D9-4BB3-81EE-B1429055FB91}"/>
               </a:ext>
             </a:extLst>
           </p:cNvPr>
@@ -16683,7 +16683,7 @@
           <p:cNvPr id="54" name="자유형: 도형 382">
             <a:extLst>
               <a:ext uri="{FF2B5EF4-FFF2-40B4-BE49-F238E27FC236}">
-                <a16:creationId xmlns:a16="http://schemas.microsoft.com/office/drawing/2014/main" id="{DB61C11B-0EC3-4996-906C-007E57835D42}"/>
+                <a16:creationId xmlns:a16="http://schemas.microsoft.com/office/drawing/2014/main" xmlns="" id="{DB61C11B-0EC3-4996-906C-007E57835D42}"/>
               </a:ext>
             </a:extLst>
           </p:cNvPr>
@@ -16828,7 +16828,7 @@
           <p:cNvPr id="55" name="자유형: 도형 383">
             <a:extLst>
               <a:ext uri="{FF2B5EF4-FFF2-40B4-BE49-F238E27FC236}">
-                <a16:creationId xmlns:a16="http://schemas.microsoft.com/office/drawing/2014/main" id="{044A0A9B-5CA5-4FE7-B917-B350C19EF0E6}"/>
+                <a16:creationId xmlns:a16="http://schemas.microsoft.com/office/drawing/2014/main" xmlns="" id="{044A0A9B-5CA5-4FE7-B917-B350C19EF0E6}"/>
               </a:ext>
             </a:extLst>
           </p:cNvPr>
@@ -16973,7 +16973,7 @@
           <p:cNvPr id="56" name="자유형: 도형 384">
             <a:extLst>
               <a:ext uri="{FF2B5EF4-FFF2-40B4-BE49-F238E27FC236}">
-                <a16:creationId xmlns:a16="http://schemas.microsoft.com/office/drawing/2014/main" id="{EA9897D2-716C-4BC1-98EE-5CC7B719C72B}"/>
+                <a16:creationId xmlns:a16="http://schemas.microsoft.com/office/drawing/2014/main" xmlns="" id="{EA9897D2-716C-4BC1-98EE-5CC7B719C72B}"/>
               </a:ext>
             </a:extLst>
           </p:cNvPr>
@@ -17118,7 +17118,7 @@
           <p:cNvPr id="57" name="자유형: 도형 385">
             <a:extLst>
               <a:ext uri="{FF2B5EF4-FFF2-40B4-BE49-F238E27FC236}">
-                <a16:creationId xmlns:a16="http://schemas.microsoft.com/office/drawing/2014/main" id="{7582865E-7A8F-44C3-912A-C087626FEDA9}"/>
+                <a16:creationId xmlns:a16="http://schemas.microsoft.com/office/drawing/2014/main" xmlns="" id="{7582865E-7A8F-44C3-912A-C087626FEDA9}"/>
               </a:ext>
             </a:extLst>
           </p:cNvPr>
@@ -17263,7 +17263,7 @@
           <p:cNvPr id="58" name="자유형: 도형 386">
             <a:extLst>
               <a:ext uri="{FF2B5EF4-FFF2-40B4-BE49-F238E27FC236}">
-                <a16:creationId xmlns:a16="http://schemas.microsoft.com/office/drawing/2014/main" id="{76E18406-54A4-401D-9DCA-86C76E3A933C}"/>
+                <a16:creationId xmlns:a16="http://schemas.microsoft.com/office/drawing/2014/main" xmlns="" id="{76E18406-54A4-401D-9DCA-86C76E3A933C}"/>
               </a:ext>
             </a:extLst>
           </p:cNvPr>
@@ -17408,7 +17408,7 @@
           <p:cNvPr id="59" name="자유형: 도형 387">
             <a:extLst>
               <a:ext uri="{FF2B5EF4-FFF2-40B4-BE49-F238E27FC236}">
-                <a16:creationId xmlns:a16="http://schemas.microsoft.com/office/drawing/2014/main" id="{78D016E9-A182-4180-A637-1A890C82CE6A}"/>
+                <a16:creationId xmlns:a16="http://schemas.microsoft.com/office/drawing/2014/main" xmlns="" id="{78D016E9-A182-4180-A637-1A890C82CE6A}"/>
               </a:ext>
             </a:extLst>
           </p:cNvPr>
@@ -17553,7 +17553,7 @@
           <p:cNvPr id="60" name="자유형: 도형 388">
             <a:extLst>
               <a:ext uri="{FF2B5EF4-FFF2-40B4-BE49-F238E27FC236}">
-                <a16:creationId xmlns:a16="http://schemas.microsoft.com/office/drawing/2014/main" id="{05F8530F-49F6-48DF-AD43-D138C77A6596}"/>
+                <a16:creationId xmlns:a16="http://schemas.microsoft.com/office/drawing/2014/main" xmlns="" id="{05F8530F-49F6-48DF-AD43-D138C77A6596}"/>
               </a:ext>
             </a:extLst>
           </p:cNvPr>
@@ -17698,7 +17698,7 @@
           <p:cNvPr id="61" name="자유형: 도형 389">
             <a:extLst>
               <a:ext uri="{FF2B5EF4-FFF2-40B4-BE49-F238E27FC236}">
-                <a16:creationId xmlns:a16="http://schemas.microsoft.com/office/drawing/2014/main" id="{98DCEC21-B8BD-43A7-8436-449C4406D27B}"/>
+                <a16:creationId xmlns:a16="http://schemas.microsoft.com/office/drawing/2014/main" xmlns="" id="{98DCEC21-B8BD-43A7-8436-449C4406D27B}"/>
               </a:ext>
             </a:extLst>
           </p:cNvPr>
@@ -17843,7 +17843,7 @@
           <p:cNvPr id="62" name="자유형: 도형 390">
             <a:extLst>
               <a:ext uri="{FF2B5EF4-FFF2-40B4-BE49-F238E27FC236}">
-                <a16:creationId xmlns:a16="http://schemas.microsoft.com/office/drawing/2014/main" id="{71FAF07A-965F-4A51-9977-FFFFAA15A432}"/>
+                <a16:creationId xmlns:a16="http://schemas.microsoft.com/office/drawing/2014/main" xmlns="" id="{71FAF07A-965F-4A51-9977-FFFFAA15A432}"/>
               </a:ext>
             </a:extLst>
           </p:cNvPr>
@@ -17988,7 +17988,7 @@
           <p:cNvPr id="63" name="자유형: 도형 391">
             <a:extLst>
               <a:ext uri="{FF2B5EF4-FFF2-40B4-BE49-F238E27FC236}">
-                <a16:creationId xmlns:a16="http://schemas.microsoft.com/office/drawing/2014/main" id="{5047EEFB-CDDB-46B7-AA56-F96C5BF34725}"/>
+                <a16:creationId xmlns:a16="http://schemas.microsoft.com/office/drawing/2014/main" xmlns="" id="{5047EEFB-CDDB-46B7-AA56-F96C5BF34725}"/>
               </a:ext>
             </a:extLst>
           </p:cNvPr>
@@ -18133,7 +18133,7 @@
           <p:cNvPr id="64" name="자유형: 도형 392">
             <a:extLst>
               <a:ext uri="{FF2B5EF4-FFF2-40B4-BE49-F238E27FC236}">
-                <a16:creationId xmlns:a16="http://schemas.microsoft.com/office/drawing/2014/main" id="{2D343500-5462-4C95-880B-385171314AB6}"/>
+                <a16:creationId xmlns:a16="http://schemas.microsoft.com/office/drawing/2014/main" xmlns="" id="{2D343500-5462-4C95-880B-385171314AB6}"/>
               </a:ext>
             </a:extLst>
           </p:cNvPr>
@@ -18278,7 +18278,7 @@
           <p:cNvPr id="65" name="자유형: 도형 393">
             <a:extLst>
               <a:ext uri="{FF2B5EF4-FFF2-40B4-BE49-F238E27FC236}">
-                <a16:creationId xmlns:a16="http://schemas.microsoft.com/office/drawing/2014/main" id="{7B3DA1B8-BF1B-4513-966C-2A916F28EFB9}"/>
+                <a16:creationId xmlns:a16="http://schemas.microsoft.com/office/drawing/2014/main" xmlns="" id="{7B3DA1B8-BF1B-4513-966C-2A916F28EFB9}"/>
               </a:ext>
             </a:extLst>
           </p:cNvPr>
@@ -18423,7 +18423,7 @@
           <p:cNvPr id="66" name="자유형: 도형 394">
             <a:extLst>
               <a:ext uri="{FF2B5EF4-FFF2-40B4-BE49-F238E27FC236}">
-                <a16:creationId xmlns:a16="http://schemas.microsoft.com/office/drawing/2014/main" id="{28F89FC3-982F-4923-9453-6F57D8E1E307}"/>
+                <a16:creationId xmlns:a16="http://schemas.microsoft.com/office/drawing/2014/main" xmlns="" id="{28F89FC3-982F-4923-9453-6F57D8E1E307}"/>
               </a:ext>
             </a:extLst>
           </p:cNvPr>
@@ -18568,7 +18568,7 @@
           <p:cNvPr id="67" name="자유형: 도형 395">
             <a:extLst>
               <a:ext uri="{FF2B5EF4-FFF2-40B4-BE49-F238E27FC236}">
-                <a16:creationId xmlns:a16="http://schemas.microsoft.com/office/drawing/2014/main" id="{0F995921-8CFB-4A23-8C8B-B2815AE8670A}"/>
+                <a16:creationId xmlns:a16="http://schemas.microsoft.com/office/drawing/2014/main" xmlns="" id="{0F995921-8CFB-4A23-8C8B-B2815AE8670A}"/>
               </a:ext>
             </a:extLst>
           </p:cNvPr>
@@ -18713,7 +18713,7 @@
           <p:cNvPr id="68" name="자유형: 도형 396">
             <a:extLst>
               <a:ext uri="{FF2B5EF4-FFF2-40B4-BE49-F238E27FC236}">
-                <a16:creationId xmlns:a16="http://schemas.microsoft.com/office/drawing/2014/main" id="{38E18007-DA79-4D7B-96F0-FEC1EB21386C}"/>
+                <a16:creationId xmlns:a16="http://schemas.microsoft.com/office/drawing/2014/main" xmlns="" id="{38E18007-DA79-4D7B-96F0-FEC1EB21386C}"/>
               </a:ext>
             </a:extLst>
           </p:cNvPr>
@@ -18858,7 +18858,7 @@
           <p:cNvPr id="69" name="자유형: 도형 397">
             <a:extLst>
               <a:ext uri="{FF2B5EF4-FFF2-40B4-BE49-F238E27FC236}">
-                <a16:creationId xmlns:a16="http://schemas.microsoft.com/office/drawing/2014/main" id="{C0E1BE7B-0A87-404E-B319-F1AE13922904}"/>
+                <a16:creationId xmlns:a16="http://schemas.microsoft.com/office/drawing/2014/main" xmlns="" id="{C0E1BE7B-0A87-404E-B319-F1AE13922904}"/>
               </a:ext>
             </a:extLst>
           </p:cNvPr>
@@ -19003,7 +19003,7 @@
           <p:cNvPr id="70" name="자유형: 도형 398">
             <a:extLst>
               <a:ext uri="{FF2B5EF4-FFF2-40B4-BE49-F238E27FC236}">
-                <a16:creationId xmlns:a16="http://schemas.microsoft.com/office/drawing/2014/main" id="{675C7C0F-8C6D-4AAF-BC5F-2B81DEB3E4E8}"/>
+                <a16:creationId xmlns:a16="http://schemas.microsoft.com/office/drawing/2014/main" xmlns="" id="{675C7C0F-8C6D-4AAF-BC5F-2B81DEB3E4E8}"/>
               </a:ext>
             </a:extLst>
           </p:cNvPr>
@@ -19148,7 +19148,7 @@
           <p:cNvPr id="71" name="자유형: 도형 399">
             <a:extLst>
               <a:ext uri="{FF2B5EF4-FFF2-40B4-BE49-F238E27FC236}">
-                <a16:creationId xmlns:a16="http://schemas.microsoft.com/office/drawing/2014/main" id="{846A25C2-933F-44C2-A0FE-4110FBEBA915}"/>
+                <a16:creationId xmlns:a16="http://schemas.microsoft.com/office/drawing/2014/main" xmlns="" id="{846A25C2-933F-44C2-A0FE-4110FBEBA915}"/>
               </a:ext>
             </a:extLst>
           </p:cNvPr>
@@ -19293,7 +19293,7 @@
           <p:cNvPr id="72" name="자유형: 도형 400">
             <a:extLst>
               <a:ext uri="{FF2B5EF4-FFF2-40B4-BE49-F238E27FC236}">
-                <a16:creationId xmlns:a16="http://schemas.microsoft.com/office/drawing/2014/main" id="{5EBA2B3B-7A04-4662-B870-F720B8538988}"/>
+                <a16:creationId xmlns:a16="http://schemas.microsoft.com/office/drawing/2014/main" xmlns="" id="{5EBA2B3B-7A04-4662-B870-F720B8538988}"/>
               </a:ext>
             </a:extLst>
           </p:cNvPr>
@@ -19438,7 +19438,7 @@
           <p:cNvPr id="73" name="직사각형 72">
             <a:extLst>
               <a:ext uri="{FF2B5EF4-FFF2-40B4-BE49-F238E27FC236}">
-                <a16:creationId xmlns:a16="http://schemas.microsoft.com/office/drawing/2014/main" id="{8E46B02D-66F3-495A-BE76-8FA2A68509CF}"/>
+                <a16:creationId xmlns:a16="http://schemas.microsoft.com/office/drawing/2014/main" xmlns="" id="{8E46B02D-66F3-495A-BE76-8FA2A68509CF}"/>
               </a:ext>
             </a:extLst>
           </p:cNvPr>
@@ -19494,7 +19494,7 @@
           <p:cNvPr id="74" name="직사각형 73">
             <a:extLst>
               <a:ext uri="{FF2B5EF4-FFF2-40B4-BE49-F238E27FC236}">
-                <a16:creationId xmlns:a16="http://schemas.microsoft.com/office/drawing/2014/main" id="{7FEC52E6-E0E1-427E-87A8-FEE2AAF979A8}"/>
+                <a16:creationId xmlns:a16="http://schemas.microsoft.com/office/drawing/2014/main" xmlns="" id="{7FEC52E6-E0E1-427E-87A8-FEE2AAF979A8}"/>
               </a:ext>
             </a:extLst>
           </p:cNvPr>
@@ -19693,7 +19693,7 @@
           <p:cNvPr id="78" name="자유형: 도형 377">
             <a:extLst>
               <a:ext uri="{FF2B5EF4-FFF2-40B4-BE49-F238E27FC236}">
-                <a16:creationId xmlns:a16="http://schemas.microsoft.com/office/drawing/2014/main" id="{0B4A7219-0820-4378-B811-331B8646398F}"/>
+                <a16:creationId xmlns:a16="http://schemas.microsoft.com/office/drawing/2014/main" xmlns="" id="{0B4A7219-0820-4378-B811-331B8646398F}"/>
               </a:ext>
             </a:extLst>
           </p:cNvPr>
@@ -19838,7 +19838,7 @@
           <p:cNvPr id="79" name="자유형: 도형 378">
             <a:extLst>
               <a:ext uri="{FF2B5EF4-FFF2-40B4-BE49-F238E27FC236}">
-                <a16:creationId xmlns:a16="http://schemas.microsoft.com/office/drawing/2014/main" id="{AE7688D0-57FD-4391-A3C9-1EB04A54396A}"/>
+                <a16:creationId xmlns:a16="http://schemas.microsoft.com/office/drawing/2014/main" xmlns="" id="{AE7688D0-57FD-4391-A3C9-1EB04A54396A}"/>
               </a:ext>
             </a:extLst>
           </p:cNvPr>
@@ -19983,7 +19983,7 @@
           <p:cNvPr id="80" name="자유형: 도형 379">
             <a:extLst>
               <a:ext uri="{FF2B5EF4-FFF2-40B4-BE49-F238E27FC236}">
-                <a16:creationId xmlns:a16="http://schemas.microsoft.com/office/drawing/2014/main" id="{C4615E6A-E0F5-484B-8040-DD0DD89211FD}"/>
+                <a16:creationId xmlns:a16="http://schemas.microsoft.com/office/drawing/2014/main" xmlns="" id="{C4615E6A-E0F5-484B-8040-DD0DD89211FD}"/>
               </a:ext>
             </a:extLst>
           </p:cNvPr>
@@ -20128,7 +20128,7 @@
           <p:cNvPr id="81" name="자유형: 도형 380">
             <a:extLst>
               <a:ext uri="{FF2B5EF4-FFF2-40B4-BE49-F238E27FC236}">
-                <a16:creationId xmlns:a16="http://schemas.microsoft.com/office/drawing/2014/main" id="{0937B8B0-8045-4AA8-B9F4-04B7C0AFDEBB}"/>
+                <a16:creationId xmlns:a16="http://schemas.microsoft.com/office/drawing/2014/main" xmlns="" id="{0937B8B0-8045-4AA8-B9F4-04B7C0AFDEBB}"/>
               </a:ext>
             </a:extLst>
           </p:cNvPr>
@@ -20273,7 +20273,7 @@
           <p:cNvPr id="82" name="자유형: 도형 381">
             <a:extLst>
               <a:ext uri="{FF2B5EF4-FFF2-40B4-BE49-F238E27FC236}">
-                <a16:creationId xmlns:a16="http://schemas.microsoft.com/office/drawing/2014/main" id="{DB9ADCEC-01D9-4BB3-81EE-B1429055FB91}"/>
+                <a16:creationId xmlns:a16="http://schemas.microsoft.com/office/drawing/2014/main" xmlns="" id="{DB9ADCEC-01D9-4BB3-81EE-B1429055FB91}"/>
               </a:ext>
             </a:extLst>
           </p:cNvPr>
@@ -20418,7 +20418,7 @@
           <p:cNvPr id="83" name="자유형: 도형 382">
             <a:extLst>
               <a:ext uri="{FF2B5EF4-FFF2-40B4-BE49-F238E27FC236}">
-                <a16:creationId xmlns:a16="http://schemas.microsoft.com/office/drawing/2014/main" id="{DB61C11B-0EC3-4996-906C-007E57835D42}"/>
+                <a16:creationId xmlns:a16="http://schemas.microsoft.com/office/drawing/2014/main" xmlns="" id="{DB61C11B-0EC3-4996-906C-007E57835D42}"/>
               </a:ext>
             </a:extLst>
           </p:cNvPr>
@@ -20563,7 +20563,7 @@
           <p:cNvPr id="84" name="자유형: 도형 383">
             <a:extLst>
               <a:ext uri="{FF2B5EF4-FFF2-40B4-BE49-F238E27FC236}">
-                <a16:creationId xmlns:a16="http://schemas.microsoft.com/office/drawing/2014/main" id="{044A0A9B-5CA5-4FE7-B917-B350C19EF0E6}"/>
+                <a16:creationId xmlns:a16="http://schemas.microsoft.com/office/drawing/2014/main" xmlns="" id="{044A0A9B-5CA5-4FE7-B917-B350C19EF0E6}"/>
               </a:ext>
             </a:extLst>
           </p:cNvPr>
@@ -20708,7 +20708,7 @@
           <p:cNvPr id="85" name="자유형: 도형 384">
             <a:extLst>
               <a:ext uri="{FF2B5EF4-FFF2-40B4-BE49-F238E27FC236}">
-                <a16:creationId xmlns:a16="http://schemas.microsoft.com/office/drawing/2014/main" id="{EA9897D2-716C-4BC1-98EE-5CC7B719C72B}"/>
+                <a16:creationId xmlns:a16="http://schemas.microsoft.com/office/drawing/2014/main" xmlns="" id="{EA9897D2-716C-4BC1-98EE-5CC7B719C72B}"/>
               </a:ext>
             </a:extLst>
           </p:cNvPr>
@@ -20853,7 +20853,7 @@
           <p:cNvPr id="86" name="자유형: 도형 385">
             <a:extLst>
               <a:ext uri="{FF2B5EF4-FFF2-40B4-BE49-F238E27FC236}">
-                <a16:creationId xmlns:a16="http://schemas.microsoft.com/office/drawing/2014/main" id="{7582865E-7A8F-44C3-912A-C087626FEDA9}"/>
+                <a16:creationId xmlns:a16="http://schemas.microsoft.com/office/drawing/2014/main" xmlns="" id="{7582865E-7A8F-44C3-912A-C087626FEDA9}"/>
               </a:ext>
             </a:extLst>
           </p:cNvPr>
@@ -20998,7 +20998,7 @@
           <p:cNvPr id="87" name="자유형: 도형 386">
             <a:extLst>
               <a:ext uri="{FF2B5EF4-FFF2-40B4-BE49-F238E27FC236}">
-                <a16:creationId xmlns:a16="http://schemas.microsoft.com/office/drawing/2014/main" id="{76E18406-54A4-401D-9DCA-86C76E3A933C}"/>
+                <a16:creationId xmlns:a16="http://schemas.microsoft.com/office/drawing/2014/main" xmlns="" id="{76E18406-54A4-401D-9DCA-86C76E3A933C}"/>
               </a:ext>
             </a:extLst>
           </p:cNvPr>
@@ -21143,7 +21143,7 @@
           <p:cNvPr id="88" name="자유형: 도형 387">
             <a:extLst>
               <a:ext uri="{FF2B5EF4-FFF2-40B4-BE49-F238E27FC236}">
-                <a16:creationId xmlns:a16="http://schemas.microsoft.com/office/drawing/2014/main" id="{78D016E9-A182-4180-A637-1A890C82CE6A}"/>
+                <a16:creationId xmlns:a16="http://schemas.microsoft.com/office/drawing/2014/main" xmlns="" id="{78D016E9-A182-4180-A637-1A890C82CE6A}"/>
               </a:ext>
             </a:extLst>
           </p:cNvPr>
@@ -21288,7 +21288,7 @@
           <p:cNvPr id="89" name="자유형: 도형 388">
             <a:extLst>
               <a:ext uri="{FF2B5EF4-FFF2-40B4-BE49-F238E27FC236}">
-                <a16:creationId xmlns:a16="http://schemas.microsoft.com/office/drawing/2014/main" id="{05F8530F-49F6-48DF-AD43-D138C77A6596}"/>
+                <a16:creationId xmlns:a16="http://schemas.microsoft.com/office/drawing/2014/main" xmlns="" id="{05F8530F-49F6-48DF-AD43-D138C77A6596}"/>
               </a:ext>
             </a:extLst>
           </p:cNvPr>
@@ -21433,7 +21433,7 @@
           <p:cNvPr id="90" name="자유형: 도형 389">
             <a:extLst>
               <a:ext uri="{FF2B5EF4-FFF2-40B4-BE49-F238E27FC236}">
-                <a16:creationId xmlns:a16="http://schemas.microsoft.com/office/drawing/2014/main" id="{98DCEC21-B8BD-43A7-8436-449C4406D27B}"/>
+                <a16:creationId xmlns:a16="http://schemas.microsoft.com/office/drawing/2014/main" xmlns="" id="{98DCEC21-B8BD-43A7-8436-449C4406D27B}"/>
               </a:ext>
             </a:extLst>
           </p:cNvPr>
@@ -21578,7 +21578,7 @@
           <p:cNvPr id="91" name="자유형: 도형 390">
             <a:extLst>
               <a:ext uri="{FF2B5EF4-FFF2-40B4-BE49-F238E27FC236}">
-                <a16:creationId xmlns:a16="http://schemas.microsoft.com/office/drawing/2014/main" id="{71FAF07A-965F-4A51-9977-FFFFAA15A432}"/>
+                <a16:creationId xmlns:a16="http://schemas.microsoft.com/office/drawing/2014/main" xmlns="" id="{71FAF07A-965F-4A51-9977-FFFFAA15A432}"/>
               </a:ext>
             </a:extLst>
           </p:cNvPr>
@@ -21723,7 +21723,7 @@
           <p:cNvPr id="92" name="자유형: 도형 391">
             <a:extLst>
               <a:ext uri="{FF2B5EF4-FFF2-40B4-BE49-F238E27FC236}">
-                <a16:creationId xmlns:a16="http://schemas.microsoft.com/office/drawing/2014/main" id="{5047EEFB-CDDB-46B7-AA56-F96C5BF34725}"/>
+                <a16:creationId xmlns:a16="http://schemas.microsoft.com/office/drawing/2014/main" xmlns="" id="{5047EEFB-CDDB-46B7-AA56-F96C5BF34725}"/>
               </a:ext>
             </a:extLst>
           </p:cNvPr>
@@ -21868,7 +21868,7 @@
           <p:cNvPr id="93" name="자유형: 도형 392">
             <a:extLst>
               <a:ext uri="{FF2B5EF4-FFF2-40B4-BE49-F238E27FC236}">
-                <a16:creationId xmlns:a16="http://schemas.microsoft.com/office/drawing/2014/main" id="{2D343500-5462-4C95-880B-385171314AB6}"/>
+                <a16:creationId xmlns:a16="http://schemas.microsoft.com/office/drawing/2014/main" xmlns="" id="{2D343500-5462-4C95-880B-385171314AB6}"/>
               </a:ext>
             </a:extLst>
           </p:cNvPr>
@@ -22013,7 +22013,7 @@
           <p:cNvPr id="94" name="자유형: 도형 393">
             <a:extLst>
               <a:ext uri="{FF2B5EF4-FFF2-40B4-BE49-F238E27FC236}">
-                <a16:creationId xmlns:a16="http://schemas.microsoft.com/office/drawing/2014/main" id="{7B3DA1B8-BF1B-4513-966C-2A916F28EFB9}"/>
+                <a16:creationId xmlns:a16="http://schemas.microsoft.com/office/drawing/2014/main" xmlns="" id="{7B3DA1B8-BF1B-4513-966C-2A916F28EFB9}"/>
               </a:ext>
             </a:extLst>
           </p:cNvPr>
@@ -22158,7 +22158,7 @@
           <p:cNvPr id="95" name="자유형: 도형 394">
             <a:extLst>
               <a:ext uri="{FF2B5EF4-FFF2-40B4-BE49-F238E27FC236}">
-                <a16:creationId xmlns:a16="http://schemas.microsoft.com/office/drawing/2014/main" id="{28F89FC3-982F-4923-9453-6F57D8E1E307}"/>
+                <a16:creationId xmlns:a16="http://schemas.microsoft.com/office/drawing/2014/main" xmlns="" id="{28F89FC3-982F-4923-9453-6F57D8E1E307}"/>
               </a:ext>
             </a:extLst>
           </p:cNvPr>
@@ -22303,7 +22303,7 @@
           <p:cNvPr id="96" name="자유형: 도형 395">
             <a:extLst>
               <a:ext uri="{FF2B5EF4-FFF2-40B4-BE49-F238E27FC236}">
-                <a16:creationId xmlns:a16="http://schemas.microsoft.com/office/drawing/2014/main" id="{0F995921-8CFB-4A23-8C8B-B2815AE8670A}"/>
+                <a16:creationId xmlns:a16="http://schemas.microsoft.com/office/drawing/2014/main" xmlns="" id="{0F995921-8CFB-4A23-8C8B-B2815AE8670A}"/>
               </a:ext>
             </a:extLst>
           </p:cNvPr>
@@ -22448,7 +22448,7 @@
           <p:cNvPr id="97" name="자유형: 도형 396">
             <a:extLst>
               <a:ext uri="{FF2B5EF4-FFF2-40B4-BE49-F238E27FC236}">
-                <a16:creationId xmlns:a16="http://schemas.microsoft.com/office/drawing/2014/main" id="{38E18007-DA79-4D7B-96F0-FEC1EB21386C}"/>
+                <a16:creationId xmlns:a16="http://schemas.microsoft.com/office/drawing/2014/main" xmlns="" id="{38E18007-DA79-4D7B-96F0-FEC1EB21386C}"/>
               </a:ext>
             </a:extLst>
           </p:cNvPr>
@@ -22593,7 +22593,7 @@
           <p:cNvPr id="98" name="자유형: 도형 397">
             <a:extLst>
               <a:ext uri="{FF2B5EF4-FFF2-40B4-BE49-F238E27FC236}">
-                <a16:creationId xmlns:a16="http://schemas.microsoft.com/office/drawing/2014/main" id="{C0E1BE7B-0A87-404E-B319-F1AE13922904}"/>
+                <a16:creationId xmlns:a16="http://schemas.microsoft.com/office/drawing/2014/main" xmlns="" id="{C0E1BE7B-0A87-404E-B319-F1AE13922904}"/>
               </a:ext>
             </a:extLst>
           </p:cNvPr>
@@ -22738,7 +22738,7 @@
           <p:cNvPr id="99" name="자유형: 도형 398">
             <a:extLst>
               <a:ext uri="{FF2B5EF4-FFF2-40B4-BE49-F238E27FC236}">
-                <a16:creationId xmlns:a16="http://schemas.microsoft.com/office/drawing/2014/main" id="{675C7C0F-8C6D-4AAF-BC5F-2B81DEB3E4E8}"/>
+                <a16:creationId xmlns:a16="http://schemas.microsoft.com/office/drawing/2014/main" xmlns="" id="{675C7C0F-8C6D-4AAF-BC5F-2B81DEB3E4E8}"/>
               </a:ext>
             </a:extLst>
           </p:cNvPr>
@@ -22883,7 +22883,7 @@
           <p:cNvPr id="100" name="자유형: 도형 399">
             <a:extLst>
               <a:ext uri="{FF2B5EF4-FFF2-40B4-BE49-F238E27FC236}">
-                <a16:creationId xmlns:a16="http://schemas.microsoft.com/office/drawing/2014/main" id="{846A25C2-933F-44C2-A0FE-4110FBEBA915}"/>
+                <a16:creationId xmlns:a16="http://schemas.microsoft.com/office/drawing/2014/main" xmlns="" id="{846A25C2-933F-44C2-A0FE-4110FBEBA915}"/>
               </a:ext>
             </a:extLst>
           </p:cNvPr>
@@ -23028,7 +23028,7 @@
           <p:cNvPr id="101" name="자유형: 도형 400">
             <a:extLst>
               <a:ext uri="{FF2B5EF4-FFF2-40B4-BE49-F238E27FC236}">
-                <a16:creationId xmlns:a16="http://schemas.microsoft.com/office/drawing/2014/main" id="{5EBA2B3B-7A04-4662-B870-F720B8538988}"/>
+                <a16:creationId xmlns:a16="http://schemas.microsoft.com/office/drawing/2014/main" xmlns="" id="{5EBA2B3B-7A04-4662-B870-F720B8538988}"/>
               </a:ext>
             </a:extLst>
           </p:cNvPr>
@@ -23173,7 +23173,7 @@
           <p:cNvPr id="102" name="직사각형 101">
             <a:extLst>
               <a:ext uri="{FF2B5EF4-FFF2-40B4-BE49-F238E27FC236}">
-                <a16:creationId xmlns:a16="http://schemas.microsoft.com/office/drawing/2014/main" id="{8E46B02D-66F3-495A-BE76-8FA2A68509CF}"/>
+                <a16:creationId xmlns:a16="http://schemas.microsoft.com/office/drawing/2014/main" xmlns="" id="{8E46B02D-66F3-495A-BE76-8FA2A68509CF}"/>
               </a:ext>
             </a:extLst>
           </p:cNvPr>
@@ -23229,7 +23229,7 @@
           <p:cNvPr id="103" name="직사각형 102">
             <a:extLst>
               <a:ext uri="{FF2B5EF4-FFF2-40B4-BE49-F238E27FC236}">
-                <a16:creationId xmlns:a16="http://schemas.microsoft.com/office/drawing/2014/main" id="{7FEC52E6-E0E1-427E-87A8-FEE2AAF979A8}"/>
+                <a16:creationId xmlns:a16="http://schemas.microsoft.com/office/drawing/2014/main" xmlns="" id="{7FEC52E6-E0E1-427E-87A8-FEE2AAF979A8}"/>
               </a:ext>
             </a:extLst>
           </p:cNvPr>
@@ -23444,7 +23444,7 @@
           <p:cNvPr id="107" name="자유형: 도형 377">
             <a:extLst>
               <a:ext uri="{FF2B5EF4-FFF2-40B4-BE49-F238E27FC236}">
-                <a16:creationId xmlns:a16="http://schemas.microsoft.com/office/drawing/2014/main" id="{0B4A7219-0820-4378-B811-331B8646398F}"/>
+                <a16:creationId xmlns:a16="http://schemas.microsoft.com/office/drawing/2014/main" xmlns="" id="{0B4A7219-0820-4378-B811-331B8646398F}"/>
               </a:ext>
             </a:extLst>
           </p:cNvPr>
@@ -23589,7 +23589,7 @@
           <p:cNvPr id="108" name="자유형: 도형 378">
             <a:extLst>
               <a:ext uri="{FF2B5EF4-FFF2-40B4-BE49-F238E27FC236}">
-                <a16:creationId xmlns:a16="http://schemas.microsoft.com/office/drawing/2014/main" id="{AE7688D0-57FD-4391-A3C9-1EB04A54396A}"/>
+                <a16:creationId xmlns:a16="http://schemas.microsoft.com/office/drawing/2014/main" xmlns="" id="{AE7688D0-57FD-4391-A3C9-1EB04A54396A}"/>
               </a:ext>
             </a:extLst>
           </p:cNvPr>
@@ -23734,7 +23734,7 @@
           <p:cNvPr id="109" name="자유형: 도형 379">
             <a:extLst>
               <a:ext uri="{FF2B5EF4-FFF2-40B4-BE49-F238E27FC236}">
-                <a16:creationId xmlns:a16="http://schemas.microsoft.com/office/drawing/2014/main" id="{C4615E6A-E0F5-484B-8040-DD0DD89211FD}"/>
+                <a16:creationId xmlns:a16="http://schemas.microsoft.com/office/drawing/2014/main" xmlns="" id="{C4615E6A-E0F5-484B-8040-DD0DD89211FD}"/>
               </a:ext>
             </a:extLst>
           </p:cNvPr>
@@ -23879,7 +23879,7 @@
           <p:cNvPr id="110" name="자유형: 도형 380">
             <a:extLst>
               <a:ext uri="{FF2B5EF4-FFF2-40B4-BE49-F238E27FC236}">
-                <a16:creationId xmlns:a16="http://schemas.microsoft.com/office/drawing/2014/main" id="{0937B8B0-8045-4AA8-B9F4-04B7C0AFDEBB}"/>
+                <a16:creationId xmlns:a16="http://schemas.microsoft.com/office/drawing/2014/main" xmlns="" id="{0937B8B0-8045-4AA8-B9F4-04B7C0AFDEBB}"/>
               </a:ext>
             </a:extLst>
           </p:cNvPr>
@@ -24024,7 +24024,7 @@
           <p:cNvPr id="111" name="자유형: 도형 381">
             <a:extLst>
               <a:ext uri="{FF2B5EF4-FFF2-40B4-BE49-F238E27FC236}">
-                <a16:creationId xmlns:a16="http://schemas.microsoft.com/office/drawing/2014/main" id="{DB9ADCEC-01D9-4BB3-81EE-B1429055FB91}"/>
+                <a16:creationId xmlns:a16="http://schemas.microsoft.com/office/drawing/2014/main" xmlns="" id="{DB9ADCEC-01D9-4BB3-81EE-B1429055FB91}"/>
               </a:ext>
             </a:extLst>
           </p:cNvPr>
@@ -24169,7 +24169,7 @@
           <p:cNvPr id="112" name="자유형: 도형 382">
             <a:extLst>
               <a:ext uri="{FF2B5EF4-FFF2-40B4-BE49-F238E27FC236}">
-                <a16:creationId xmlns:a16="http://schemas.microsoft.com/office/drawing/2014/main" id="{DB61C11B-0EC3-4996-906C-007E57835D42}"/>
+                <a16:creationId xmlns:a16="http://schemas.microsoft.com/office/drawing/2014/main" xmlns="" id="{DB61C11B-0EC3-4996-906C-007E57835D42}"/>
               </a:ext>
             </a:extLst>
           </p:cNvPr>
@@ -24314,7 +24314,7 @@
           <p:cNvPr id="113" name="자유형: 도형 383">
             <a:extLst>
               <a:ext uri="{FF2B5EF4-FFF2-40B4-BE49-F238E27FC236}">
-                <a16:creationId xmlns:a16="http://schemas.microsoft.com/office/drawing/2014/main" id="{044A0A9B-5CA5-4FE7-B917-B350C19EF0E6}"/>
+                <a16:creationId xmlns:a16="http://schemas.microsoft.com/office/drawing/2014/main" xmlns="" id="{044A0A9B-5CA5-4FE7-B917-B350C19EF0E6}"/>
               </a:ext>
             </a:extLst>
           </p:cNvPr>
@@ -24459,7 +24459,7 @@
           <p:cNvPr id="114" name="자유형: 도형 384">
             <a:extLst>
               <a:ext uri="{FF2B5EF4-FFF2-40B4-BE49-F238E27FC236}">
-                <a16:creationId xmlns:a16="http://schemas.microsoft.com/office/drawing/2014/main" id="{EA9897D2-716C-4BC1-98EE-5CC7B719C72B}"/>
+                <a16:creationId xmlns:a16="http://schemas.microsoft.com/office/drawing/2014/main" xmlns="" id="{EA9897D2-716C-4BC1-98EE-5CC7B719C72B}"/>
               </a:ext>
             </a:extLst>
           </p:cNvPr>
@@ -24604,7 +24604,7 @@
           <p:cNvPr id="115" name="자유형: 도형 385">
             <a:extLst>
               <a:ext uri="{FF2B5EF4-FFF2-40B4-BE49-F238E27FC236}">
-                <a16:creationId xmlns:a16="http://schemas.microsoft.com/office/drawing/2014/main" id="{7582865E-7A8F-44C3-912A-C087626FEDA9}"/>
+                <a16:creationId xmlns:a16="http://schemas.microsoft.com/office/drawing/2014/main" xmlns="" id="{7582865E-7A8F-44C3-912A-C087626FEDA9}"/>
               </a:ext>
             </a:extLst>
           </p:cNvPr>
@@ -24749,7 +24749,7 @@
           <p:cNvPr id="116" name="자유형: 도형 386">
             <a:extLst>
               <a:ext uri="{FF2B5EF4-FFF2-40B4-BE49-F238E27FC236}">
-                <a16:creationId xmlns:a16="http://schemas.microsoft.com/office/drawing/2014/main" id="{76E18406-54A4-401D-9DCA-86C76E3A933C}"/>
+                <a16:creationId xmlns:a16="http://schemas.microsoft.com/office/drawing/2014/main" xmlns="" id="{76E18406-54A4-401D-9DCA-86C76E3A933C}"/>
               </a:ext>
             </a:extLst>
           </p:cNvPr>
@@ -24894,7 +24894,7 @@
           <p:cNvPr id="117" name="자유형: 도형 387">
             <a:extLst>
               <a:ext uri="{FF2B5EF4-FFF2-40B4-BE49-F238E27FC236}">
-                <a16:creationId xmlns:a16="http://schemas.microsoft.com/office/drawing/2014/main" id="{78D016E9-A182-4180-A637-1A890C82CE6A}"/>
+                <a16:creationId xmlns:a16="http://schemas.microsoft.com/office/drawing/2014/main" xmlns="" id="{78D016E9-A182-4180-A637-1A890C82CE6A}"/>
               </a:ext>
             </a:extLst>
           </p:cNvPr>
@@ -25039,7 +25039,7 @@
           <p:cNvPr id="118" name="자유형: 도형 388">
             <a:extLst>
               <a:ext uri="{FF2B5EF4-FFF2-40B4-BE49-F238E27FC236}">
-                <a16:creationId xmlns:a16="http://schemas.microsoft.com/office/drawing/2014/main" id="{05F8530F-49F6-48DF-AD43-D138C77A6596}"/>
+                <a16:creationId xmlns:a16="http://schemas.microsoft.com/office/drawing/2014/main" xmlns="" id="{05F8530F-49F6-48DF-AD43-D138C77A6596}"/>
               </a:ext>
             </a:extLst>
           </p:cNvPr>
@@ -25184,7 +25184,7 @@
           <p:cNvPr id="119" name="자유형: 도형 389">
             <a:extLst>
               <a:ext uri="{FF2B5EF4-FFF2-40B4-BE49-F238E27FC236}">
-                <a16:creationId xmlns:a16="http://schemas.microsoft.com/office/drawing/2014/main" id="{98DCEC21-B8BD-43A7-8436-449C4406D27B}"/>
+                <a16:creationId xmlns:a16="http://schemas.microsoft.com/office/drawing/2014/main" xmlns="" id="{98DCEC21-B8BD-43A7-8436-449C4406D27B}"/>
               </a:ext>
             </a:extLst>
           </p:cNvPr>
@@ -25329,7 +25329,7 @@
           <p:cNvPr id="120" name="자유형: 도형 390">
             <a:extLst>
               <a:ext uri="{FF2B5EF4-FFF2-40B4-BE49-F238E27FC236}">
-                <a16:creationId xmlns:a16="http://schemas.microsoft.com/office/drawing/2014/main" id="{71FAF07A-965F-4A51-9977-FFFFAA15A432}"/>
+                <a16:creationId xmlns:a16="http://schemas.microsoft.com/office/drawing/2014/main" xmlns="" id="{71FAF07A-965F-4A51-9977-FFFFAA15A432}"/>
               </a:ext>
             </a:extLst>
           </p:cNvPr>
@@ -25474,7 +25474,7 @@
           <p:cNvPr id="121" name="자유형: 도형 391">
             <a:extLst>
               <a:ext uri="{FF2B5EF4-FFF2-40B4-BE49-F238E27FC236}">
-                <a16:creationId xmlns:a16="http://schemas.microsoft.com/office/drawing/2014/main" id="{5047EEFB-CDDB-46B7-AA56-F96C5BF34725}"/>
+                <a16:creationId xmlns:a16="http://schemas.microsoft.com/office/drawing/2014/main" xmlns="" id="{5047EEFB-CDDB-46B7-AA56-F96C5BF34725}"/>
               </a:ext>
             </a:extLst>
           </p:cNvPr>
@@ -25619,7 +25619,7 @@
           <p:cNvPr id="122" name="자유형: 도형 392">
             <a:extLst>
               <a:ext uri="{FF2B5EF4-FFF2-40B4-BE49-F238E27FC236}">
-                <a16:creationId xmlns:a16="http://schemas.microsoft.com/office/drawing/2014/main" id="{2D343500-5462-4C95-880B-385171314AB6}"/>
+                <a16:creationId xmlns:a16="http://schemas.microsoft.com/office/drawing/2014/main" xmlns="" id="{2D343500-5462-4C95-880B-385171314AB6}"/>
               </a:ext>
             </a:extLst>
           </p:cNvPr>
@@ -25764,7 +25764,7 @@
           <p:cNvPr id="123" name="자유형: 도형 393">
             <a:extLst>
               <a:ext uri="{FF2B5EF4-FFF2-40B4-BE49-F238E27FC236}">
-                <a16:creationId xmlns:a16="http://schemas.microsoft.com/office/drawing/2014/main" id="{7B3DA1B8-BF1B-4513-966C-2A916F28EFB9}"/>
+                <a16:creationId xmlns:a16="http://schemas.microsoft.com/office/drawing/2014/main" xmlns="" id="{7B3DA1B8-BF1B-4513-966C-2A916F28EFB9}"/>
               </a:ext>
             </a:extLst>
           </p:cNvPr>
@@ -25909,7 +25909,7 @@
           <p:cNvPr id="124" name="자유형: 도형 394">
             <a:extLst>
               <a:ext uri="{FF2B5EF4-FFF2-40B4-BE49-F238E27FC236}">
-                <a16:creationId xmlns:a16="http://schemas.microsoft.com/office/drawing/2014/main" id="{28F89FC3-982F-4923-9453-6F57D8E1E307}"/>
+                <a16:creationId xmlns:a16="http://schemas.microsoft.com/office/drawing/2014/main" xmlns="" id="{28F89FC3-982F-4923-9453-6F57D8E1E307}"/>
               </a:ext>
             </a:extLst>
           </p:cNvPr>
@@ -26054,7 +26054,7 @@
           <p:cNvPr id="125" name="자유형: 도형 395">
             <a:extLst>
               <a:ext uri="{FF2B5EF4-FFF2-40B4-BE49-F238E27FC236}">
-                <a16:creationId xmlns:a16="http://schemas.microsoft.com/office/drawing/2014/main" id="{0F995921-8CFB-4A23-8C8B-B2815AE8670A}"/>
+                <a16:creationId xmlns:a16="http://schemas.microsoft.com/office/drawing/2014/main" xmlns="" id="{0F995921-8CFB-4A23-8C8B-B2815AE8670A}"/>
               </a:ext>
             </a:extLst>
           </p:cNvPr>
@@ -26199,7 +26199,7 @@
           <p:cNvPr id="126" name="자유형: 도형 396">
             <a:extLst>
               <a:ext uri="{FF2B5EF4-FFF2-40B4-BE49-F238E27FC236}">
-                <a16:creationId xmlns:a16="http://schemas.microsoft.com/office/drawing/2014/main" id="{38E18007-DA79-4D7B-96F0-FEC1EB21386C}"/>
+                <a16:creationId xmlns:a16="http://schemas.microsoft.com/office/drawing/2014/main" xmlns="" id="{38E18007-DA79-4D7B-96F0-FEC1EB21386C}"/>
               </a:ext>
             </a:extLst>
           </p:cNvPr>
@@ -26344,7 +26344,7 @@
           <p:cNvPr id="127" name="자유형: 도형 397">
             <a:extLst>
               <a:ext uri="{FF2B5EF4-FFF2-40B4-BE49-F238E27FC236}">
-                <a16:creationId xmlns:a16="http://schemas.microsoft.com/office/drawing/2014/main" id="{C0E1BE7B-0A87-404E-B319-F1AE13922904}"/>
+                <a16:creationId xmlns:a16="http://schemas.microsoft.com/office/drawing/2014/main" xmlns="" id="{C0E1BE7B-0A87-404E-B319-F1AE13922904}"/>
               </a:ext>
             </a:extLst>
           </p:cNvPr>
@@ -26489,7 +26489,7 @@
           <p:cNvPr id="128" name="자유형: 도형 398">
             <a:extLst>
               <a:ext uri="{FF2B5EF4-FFF2-40B4-BE49-F238E27FC236}">
-                <a16:creationId xmlns:a16="http://schemas.microsoft.com/office/drawing/2014/main" id="{675C7C0F-8C6D-4AAF-BC5F-2B81DEB3E4E8}"/>
+                <a16:creationId xmlns:a16="http://schemas.microsoft.com/office/drawing/2014/main" xmlns="" id="{675C7C0F-8C6D-4AAF-BC5F-2B81DEB3E4E8}"/>
               </a:ext>
             </a:extLst>
           </p:cNvPr>
@@ -26634,7 +26634,7 @@
           <p:cNvPr id="129" name="자유형: 도형 399">
             <a:extLst>
               <a:ext uri="{FF2B5EF4-FFF2-40B4-BE49-F238E27FC236}">
-                <a16:creationId xmlns:a16="http://schemas.microsoft.com/office/drawing/2014/main" id="{846A25C2-933F-44C2-A0FE-4110FBEBA915}"/>
+                <a16:creationId xmlns:a16="http://schemas.microsoft.com/office/drawing/2014/main" xmlns="" id="{846A25C2-933F-44C2-A0FE-4110FBEBA915}"/>
               </a:ext>
             </a:extLst>
           </p:cNvPr>
@@ -26779,7 +26779,7 @@
           <p:cNvPr id="130" name="자유형: 도형 400">
             <a:extLst>
               <a:ext uri="{FF2B5EF4-FFF2-40B4-BE49-F238E27FC236}">
-                <a16:creationId xmlns:a16="http://schemas.microsoft.com/office/drawing/2014/main" id="{5EBA2B3B-7A04-4662-B870-F720B8538988}"/>
+                <a16:creationId xmlns:a16="http://schemas.microsoft.com/office/drawing/2014/main" xmlns="" id="{5EBA2B3B-7A04-4662-B870-F720B8538988}"/>
               </a:ext>
             </a:extLst>
           </p:cNvPr>
@@ -26924,7 +26924,7 @@
           <p:cNvPr id="131" name="직사각형 130">
             <a:extLst>
               <a:ext uri="{FF2B5EF4-FFF2-40B4-BE49-F238E27FC236}">
-                <a16:creationId xmlns:a16="http://schemas.microsoft.com/office/drawing/2014/main" id="{8E46B02D-66F3-495A-BE76-8FA2A68509CF}"/>
+                <a16:creationId xmlns:a16="http://schemas.microsoft.com/office/drawing/2014/main" xmlns="" id="{8E46B02D-66F3-495A-BE76-8FA2A68509CF}"/>
               </a:ext>
             </a:extLst>
           </p:cNvPr>
@@ -26980,7 +26980,7 @@
           <p:cNvPr id="132" name="직사각형 131">
             <a:extLst>
               <a:ext uri="{FF2B5EF4-FFF2-40B4-BE49-F238E27FC236}">
-                <a16:creationId xmlns:a16="http://schemas.microsoft.com/office/drawing/2014/main" id="{7FEC52E6-E0E1-427E-87A8-FEE2AAF979A8}"/>
+                <a16:creationId xmlns:a16="http://schemas.microsoft.com/office/drawing/2014/main" xmlns="" id="{7FEC52E6-E0E1-427E-87A8-FEE2AAF979A8}"/>
               </a:ext>
             </a:extLst>
           </p:cNvPr>
@@ -28115,7 +28115,7 @@
           <p:cNvPr id="114" name="직사각형 113">
             <a:extLst>
               <a:ext uri="{FF2B5EF4-FFF2-40B4-BE49-F238E27FC236}">
-                <a16:creationId xmlns:a16="http://schemas.microsoft.com/office/drawing/2014/main" id="{3FA00699-5178-465A-9F3F-130CF1431F70}"/>
+                <a16:creationId xmlns:a16="http://schemas.microsoft.com/office/drawing/2014/main" xmlns="" id="{3FA00699-5178-465A-9F3F-130CF1431F70}"/>
               </a:ext>
             </a:extLst>
           </p:cNvPr>
@@ -28440,7 +28440,7 @@
           <p:cNvPr id="122" name="직사각형 121">
             <a:extLst>
               <a:ext uri="{FF2B5EF4-FFF2-40B4-BE49-F238E27FC236}">
-                <a16:creationId xmlns:a16="http://schemas.microsoft.com/office/drawing/2014/main" id="{3FA00699-5178-465A-9F3F-130CF1431F70}"/>
+                <a16:creationId xmlns:a16="http://schemas.microsoft.com/office/drawing/2014/main" xmlns="" id="{3FA00699-5178-465A-9F3F-130CF1431F70}"/>
               </a:ext>
             </a:extLst>
           </p:cNvPr>
@@ -28765,7 +28765,7 @@
           <p:cNvPr id="130" name="직사각형 129">
             <a:extLst>
               <a:ext uri="{FF2B5EF4-FFF2-40B4-BE49-F238E27FC236}">
-                <a16:creationId xmlns:a16="http://schemas.microsoft.com/office/drawing/2014/main" id="{3FA00699-5178-465A-9F3F-130CF1431F70}"/>
+                <a16:creationId xmlns:a16="http://schemas.microsoft.com/office/drawing/2014/main" xmlns="" id="{3FA00699-5178-465A-9F3F-130CF1431F70}"/>
               </a:ext>
             </a:extLst>
           </p:cNvPr>
@@ -31417,14 +31417,14 @@
           <p:nvPr>
             <p:extLst>
               <p:ext uri="{D42A27DB-BD31-4B8C-83A1-F6EECF244321}">
-                <p14:modId xmlns:p14="http://schemas.microsoft.com/office/powerpoint/2010/main" val="2499230172"/>
+                <p14:modId xmlns:p14="http://schemas.microsoft.com/office/powerpoint/2010/main" val="1777090609"/>
               </p:ext>
             </p:extLst>
           </p:nvPr>
         </p:nvGraphicFramePr>
         <p:xfrm>
           <a:off x="5330090" y="1393366"/>
-          <a:ext cx="6033408" cy="4082961"/>
+          <a:ext cx="6033408" cy="4113885"/>
         </p:xfrm>
         <a:graphic>
           <a:graphicData uri="http://schemas.openxmlformats.org/drawingml/2006/table">
@@ -31436,14 +31436,14 @@
                 <a:gridCol w="1875099">
                   <a:extLst>
                     <a:ext uri="{9D8B030D-6E8A-4147-A177-3AD203B41FA5}">
-                      <a16:colId xmlns:a16="http://schemas.microsoft.com/office/drawing/2014/main" val="20000"/>
+                      <a16:colId xmlns:a16="http://schemas.microsoft.com/office/drawing/2014/main" xmlns="" val="20000"/>
                     </a:ext>
                   </a:extLst>
                 </a:gridCol>
                 <a:gridCol w="4158309">
                   <a:extLst>
                     <a:ext uri="{9D8B030D-6E8A-4147-A177-3AD203B41FA5}">
-                      <a16:colId xmlns:a16="http://schemas.microsoft.com/office/drawing/2014/main" val="20001"/>
+                      <a16:colId xmlns:a16="http://schemas.microsoft.com/office/drawing/2014/main" xmlns="" val="20001"/>
                     </a:ext>
                   </a:extLst>
                 </a:gridCol>
@@ -31570,7 +31570,7 @@
                 </a:tc>
                 <a:extLst>
                   <a:ext uri="{0D108BD9-81ED-4DB2-BD59-A6C34878D82A}">
-                    <a16:rowId xmlns:a16="http://schemas.microsoft.com/office/drawing/2014/main" val="10000"/>
+                    <a16:rowId xmlns:a16="http://schemas.microsoft.com/office/drawing/2014/main" xmlns="" val="10000"/>
                   </a:ext>
                 </a:extLst>
               </a:tr>
@@ -31794,7 +31794,7 @@
                 </a:tc>
                 <a:extLst>
                   <a:ext uri="{0D108BD9-81ED-4DB2-BD59-A6C34878D82A}">
-                    <a16:rowId xmlns:a16="http://schemas.microsoft.com/office/drawing/2014/main" val="10001"/>
+                    <a16:rowId xmlns:a16="http://schemas.microsoft.com/office/drawing/2014/main" xmlns="" val="10001"/>
                   </a:ext>
                 </a:extLst>
               </a:tr>
@@ -32046,7 +32046,7 @@
                 </a:tc>
                 <a:extLst>
                   <a:ext uri="{0D108BD9-81ED-4DB2-BD59-A6C34878D82A}">
-                    <a16:rowId xmlns:a16="http://schemas.microsoft.com/office/drawing/2014/main" val="10002"/>
+                    <a16:rowId xmlns:a16="http://schemas.microsoft.com/office/drawing/2014/main" xmlns="" val="10002"/>
                   </a:ext>
                 </a:extLst>
               </a:tr>
@@ -32298,7 +32298,7 @@
                 </a:tc>
                 <a:extLst>
                   <a:ext uri="{0D108BD9-81ED-4DB2-BD59-A6C34878D82A}">
-                    <a16:rowId xmlns:a16="http://schemas.microsoft.com/office/drawing/2014/main" val="10003"/>
+                    <a16:rowId xmlns:a16="http://schemas.microsoft.com/office/drawing/2014/main" xmlns="" val="10003"/>
                   </a:ext>
                 </a:extLst>
               </a:tr>
@@ -32550,7 +32550,7 @@
                 </a:tc>
                 <a:extLst>
                   <a:ext uri="{0D108BD9-81ED-4DB2-BD59-A6C34878D82A}">
-                    <a16:rowId xmlns:a16="http://schemas.microsoft.com/office/drawing/2014/main" val="10004"/>
+                    <a16:rowId xmlns:a16="http://schemas.microsoft.com/office/drawing/2014/main" xmlns="" val="10004"/>
                   </a:ext>
                 </a:extLst>
               </a:tr>
@@ -32942,7 +32942,7 @@
                 </a:tc>
                 <a:extLst>
                   <a:ext uri="{0D108BD9-81ED-4DB2-BD59-A6C34878D82A}">
-                    <a16:rowId xmlns:a16="http://schemas.microsoft.com/office/drawing/2014/main" val="10005"/>
+                    <a16:rowId xmlns:a16="http://schemas.microsoft.com/office/drawing/2014/main" xmlns="" val="10005"/>
                   </a:ext>
                 </a:extLst>
               </a:tr>
@@ -33171,27 +33171,7 @@
                           <a:ea typeface="+mn-ea"/>
                           <a:cs typeface="+mn-cs"/>
                         </a:rPr>
-                        <a:t>보다 큰 번호 </a:t>
-                      </a:r>
-                      <a:r>
-                        <a:rPr kumimoji="0" lang="ko-KR" altLang="en-US" sz="1050" b="0" i="0" u="none" strike="noStrike" kern="1200" cap="none" spc="0" normalizeH="0" baseline="0" noProof="0" dirty="0" smtClean="0">
-                          <a:ln>
-                            <a:noFill/>
-                          </a:ln>
-                          <a:solidFill>
-                            <a:schemeClr val="tx1">
-                              <a:lumMod val="75000"/>
-                              <a:lumOff val="25000"/>
-                            </a:schemeClr>
-                          </a:solidFill>
-                          <a:effectLst/>
-                          <a:uLnTx/>
-                          <a:uFillTx/>
-                          <a:latin typeface="+mn-lt"/>
-                          <a:ea typeface="+mn-ea"/>
-                          <a:cs typeface="+mn-cs"/>
-                        </a:rPr>
-                        <a:t>조합이</a:t>
+                        <a:t>보다 큰 번호 조합이</a:t>
                       </a:r>
                       <a:endParaRPr kumimoji="0" lang="en-US" altLang="ko-KR" sz="1050" b="0" i="0" u="none" strike="noStrike" kern="1200" cap="none" spc="0" normalizeH="0" baseline="0" noProof="0" dirty="0" smtClean="0">
                         <a:ln>
@@ -33247,27 +33227,7 @@
                           <a:ea typeface="+mn-ea"/>
                           <a:cs typeface="+mn-cs"/>
                         </a:rPr>
-                        <a:t>없도록 </a:t>
-                      </a:r>
-                      <a:r>
-                        <a:rPr kumimoji="0" lang="ko-KR" altLang="en-US" sz="1050" b="0" i="0" u="none" strike="noStrike" kern="1200" cap="none" spc="0" normalizeH="0" baseline="0" noProof="0" dirty="0" smtClean="0">
-                          <a:ln>
-                            <a:noFill/>
-                          </a:ln>
-                          <a:solidFill>
-                            <a:schemeClr val="tx1">
-                              <a:lumMod val="75000"/>
-                              <a:lumOff val="25000"/>
-                            </a:schemeClr>
-                          </a:solidFill>
-                          <a:effectLst/>
-                          <a:uLnTx/>
-                          <a:uFillTx/>
-                          <a:latin typeface="+mn-lt"/>
-                          <a:ea typeface="+mn-ea"/>
-                          <a:cs typeface="+mn-cs"/>
-                        </a:rPr>
-                        <a:t>설정하였습니다</a:t>
+                        <a:t>없도록 설정하였습니다</a:t>
                       </a:r>
                       <a:r>
                         <a:rPr kumimoji="0" lang="en-US" altLang="ko-KR" sz="1050" b="0" i="0" u="none" strike="noStrike" kern="1200" cap="none" spc="0" normalizeH="0" baseline="0" noProof="0" dirty="0" smtClean="0">
@@ -33350,7 +33310,7 @@
                 </a:tc>
                 <a:extLst>
                   <a:ext uri="{0D108BD9-81ED-4DB2-BD59-A6C34878D82A}">
-                    <a16:rowId xmlns:a16="http://schemas.microsoft.com/office/drawing/2014/main" val="10006"/>
+                    <a16:rowId xmlns:a16="http://schemas.microsoft.com/office/drawing/2014/main" xmlns="" val="10006"/>
                   </a:ext>
                 </a:extLst>
               </a:tr>
@@ -33582,7 +33542,7 @@
                 </a:tc>
                 <a:extLst>
                   <a:ext uri="{0D108BD9-81ED-4DB2-BD59-A6C34878D82A}">
-                    <a16:rowId xmlns:a16="http://schemas.microsoft.com/office/drawing/2014/main" val="10007"/>
+                    <a16:rowId xmlns:a16="http://schemas.microsoft.com/office/drawing/2014/main" xmlns="" val="10007"/>
                   </a:ext>
                 </a:extLst>
               </a:tr>
@@ -33808,7 +33768,7 @@
                           <a:ea typeface="+mn-ea"/>
                           <a:cs typeface="+mn-cs"/>
                         </a:rPr>
-                        <a:t>인 </a:t>
+                        <a:t>인 조합이 </a:t>
                       </a:r>
                       <a:r>
                         <a:rPr kumimoji="0" lang="ko-KR" altLang="en-US" sz="1050" b="0" i="0" u="none" strike="noStrike" kern="1200" cap="none" spc="0" normalizeH="0" baseline="0" noProof="0" dirty="0" smtClean="0">
@@ -33828,7 +33788,7 @@
                           <a:ea typeface="+mn-ea"/>
                           <a:cs typeface="+mn-cs"/>
                         </a:rPr>
-                        <a:t>조합이 높게 나오도록 확률을 </a:t>
+                        <a:t>자주 </a:t>
                       </a:r>
                       <a:r>
                         <a:rPr kumimoji="0" lang="ko-KR" altLang="en-US" sz="1050" b="0" i="0" u="none" strike="noStrike" kern="1200" cap="none" spc="0" normalizeH="0" baseline="0" noProof="0" dirty="0" smtClean="0">
@@ -33848,7 +33808,27 @@
                           <a:ea typeface="+mn-ea"/>
                           <a:cs typeface="+mn-cs"/>
                         </a:rPr>
-                        <a:t>설정하였습니다</a:t>
+                        <a:t>나오도록 확률을 </a:t>
+                      </a:r>
+                      <a:r>
+                        <a:rPr kumimoji="0" lang="ko-KR" altLang="en-US" sz="1050" b="0" i="0" u="none" strike="noStrike" kern="1200" cap="none" spc="0" normalizeH="0" baseline="0" noProof="0" dirty="0" smtClean="0">
+                          <a:ln>
+                            <a:noFill/>
+                          </a:ln>
+                          <a:solidFill>
+                            <a:schemeClr val="tx1">
+                              <a:lumMod val="75000"/>
+                              <a:lumOff val="25000"/>
+                            </a:schemeClr>
+                          </a:solidFill>
+                          <a:effectLst/>
+                          <a:uLnTx/>
+                          <a:uFillTx/>
+                          <a:latin typeface="+mn-lt"/>
+                          <a:ea typeface="+mn-ea"/>
+                          <a:cs typeface="+mn-cs"/>
+                        </a:rPr>
+                        <a:t>조정하였습니다</a:t>
                       </a:r>
                       <a:r>
                         <a:rPr kumimoji="0" lang="en-US" altLang="ko-KR" sz="1050" b="0" i="0" u="none" strike="noStrike" kern="1200" cap="none" spc="0" normalizeH="0" baseline="0" noProof="0" dirty="0" smtClean="0">
@@ -33931,7 +33911,7 @@
                 </a:tc>
                 <a:extLst>
                   <a:ext uri="{0D108BD9-81ED-4DB2-BD59-A6C34878D82A}">
-                    <a16:rowId xmlns:a16="http://schemas.microsoft.com/office/drawing/2014/main" val="10008"/>
+                    <a16:rowId xmlns:a16="http://schemas.microsoft.com/office/drawing/2014/main" xmlns="" val="10008"/>
                   </a:ext>
                 </a:extLst>
               </a:tr>
@@ -33944,7 +33924,7 @@
           <p:cNvPr id="23" name="직사각형 22">
             <a:extLst>
               <a:ext uri="{FF2B5EF4-FFF2-40B4-BE49-F238E27FC236}">
-                <a16:creationId xmlns:a16="http://schemas.microsoft.com/office/drawing/2014/main" id="{3FA00699-5178-465A-9F3F-130CF1431F70}"/>
+                <a16:creationId xmlns:a16="http://schemas.microsoft.com/office/drawing/2014/main" xmlns="" id="{3FA00699-5178-465A-9F3F-130CF1431F70}"/>
               </a:ext>
             </a:extLst>
           </p:cNvPr>
@@ -34126,7 +34106,7 @@
         </p:nvSpPr>
         <p:spPr>
           <a:xfrm>
-            <a:off x="452552" y="986971"/>
+            <a:off x="451209" y="999328"/>
             <a:ext cx="11327709" cy="5689600"/>
           </a:xfrm>
           <a:prstGeom prst="rect">
@@ -34587,8 +34567,8 @@
         </p:blipFill>
         <p:spPr>
           <a:xfrm>
-            <a:off x="536960" y="2384107"/>
-            <a:ext cx="3163351" cy="2058034"/>
+            <a:off x="586388" y="2384107"/>
+            <a:ext cx="3227731" cy="2058034"/>
           </a:xfrm>
           <a:prstGeom prst="rect">
             <a:avLst/>
@@ -34617,8 +34597,8 @@
         </p:blipFill>
         <p:spPr>
           <a:xfrm>
-            <a:off x="4408581" y="2394584"/>
-            <a:ext cx="3229200" cy="2048724"/>
+            <a:off x="4458009" y="2394584"/>
+            <a:ext cx="3236400" cy="2053292"/>
           </a:xfrm>
           <a:prstGeom prst="rect">
             <a:avLst/>
@@ -34647,7 +34627,7 @@
         </p:blipFill>
         <p:spPr>
           <a:xfrm>
-            <a:off x="8341829" y="2382941"/>
+            <a:off x="8391257" y="2382941"/>
             <a:ext cx="3229870" cy="2059200"/>
           </a:xfrm>
           <a:prstGeom prst="rect">
@@ -34663,7 +34643,7 @@
         </p:nvSpPr>
         <p:spPr>
           <a:xfrm>
-            <a:off x="3880437" y="3098079"/>
+            <a:off x="3929865" y="3098079"/>
             <a:ext cx="445674" cy="630091"/>
           </a:xfrm>
           <a:prstGeom prst="rightArrow">
@@ -34709,7 +34689,7 @@
         </p:nvSpPr>
         <p:spPr>
           <a:xfrm>
-            <a:off x="7805698" y="3098211"/>
+            <a:off x="7855126" y="3098211"/>
             <a:ext cx="445674" cy="630091"/>
           </a:xfrm>
           <a:prstGeom prst="rightArrow">
@@ -34752,7 +34732,7 @@
           <p:cNvPr id="26" name="직사각형 25">
             <a:extLst>
               <a:ext uri="{FF2B5EF4-FFF2-40B4-BE49-F238E27FC236}">
-                <a16:creationId xmlns:a16="http://schemas.microsoft.com/office/drawing/2014/main" id="{3FA00699-5178-465A-9F3F-130CF1431F70}"/>
+                <a16:creationId xmlns:a16="http://schemas.microsoft.com/office/drawing/2014/main" xmlns="" id="{3FA00699-5178-465A-9F3F-130CF1431F70}"/>
               </a:ext>
             </a:extLst>
           </p:cNvPr>
@@ -34761,7 +34741,7 @@
         </p:nvSpPr>
         <p:spPr>
           <a:xfrm>
-            <a:off x="924835" y="4655240"/>
+            <a:off x="974263" y="4655240"/>
             <a:ext cx="2387601" cy="373885"/>
           </a:xfrm>
           <a:prstGeom prst="rect">
@@ -34800,7 +34780,7 @@
           <p:cNvPr id="27" name="직사각형 26">
             <a:extLst>
               <a:ext uri="{FF2B5EF4-FFF2-40B4-BE49-F238E27FC236}">
-                <a16:creationId xmlns:a16="http://schemas.microsoft.com/office/drawing/2014/main" id="{3FA00699-5178-465A-9F3F-130CF1431F70}"/>
+                <a16:creationId xmlns:a16="http://schemas.microsoft.com/office/drawing/2014/main" xmlns="" id="{3FA00699-5178-465A-9F3F-130CF1431F70}"/>
               </a:ext>
             </a:extLst>
           </p:cNvPr>
@@ -34809,7 +34789,7 @@
         </p:nvSpPr>
         <p:spPr>
           <a:xfrm>
-            <a:off x="4907239" y="4655240"/>
+            <a:off x="4956667" y="4655240"/>
             <a:ext cx="2387601" cy="373885"/>
           </a:xfrm>
           <a:prstGeom prst="rect">
@@ -34856,7 +34836,7 @@
           <p:cNvPr id="28" name="직사각형 27">
             <a:extLst>
               <a:ext uri="{FF2B5EF4-FFF2-40B4-BE49-F238E27FC236}">
-                <a16:creationId xmlns:a16="http://schemas.microsoft.com/office/drawing/2014/main" id="{3FA00699-5178-465A-9F3F-130CF1431F70}"/>
+                <a16:creationId xmlns:a16="http://schemas.microsoft.com/office/drawing/2014/main" xmlns="" id="{3FA00699-5178-465A-9F3F-130CF1431F70}"/>
               </a:ext>
             </a:extLst>
           </p:cNvPr>
@@ -34865,7 +34845,7 @@
         </p:nvSpPr>
         <p:spPr>
           <a:xfrm>
-            <a:off x="8846118" y="4571183"/>
+            <a:off x="8895546" y="4571183"/>
             <a:ext cx="2387601" cy="373885"/>
           </a:xfrm>
           <a:prstGeom prst="rect">
@@ -36057,7 +36037,7 @@
           <p:cNvPr id="30" name="직사각형 29">
             <a:extLst>
               <a:ext uri="{FF2B5EF4-FFF2-40B4-BE49-F238E27FC236}">
-                <a16:creationId xmlns:a16="http://schemas.microsoft.com/office/drawing/2014/main" id="{3FA00699-5178-465A-9F3F-130CF1431F70}"/>
+                <a16:creationId xmlns:a16="http://schemas.microsoft.com/office/drawing/2014/main" xmlns="" id="{3FA00699-5178-465A-9F3F-130CF1431F70}"/>
               </a:ext>
             </a:extLst>
           </p:cNvPr>
@@ -37242,7 +37222,7 @@
           <p:cNvPr id="59" name="직사각형 58">
             <a:extLst>
               <a:ext uri="{FF2B5EF4-FFF2-40B4-BE49-F238E27FC236}">
-                <a16:creationId xmlns:a16="http://schemas.microsoft.com/office/drawing/2014/main" id="{3FA00699-5178-465A-9F3F-130CF1431F70}"/>
+                <a16:creationId xmlns:a16="http://schemas.microsoft.com/office/drawing/2014/main" xmlns="" id="{3FA00699-5178-465A-9F3F-130CF1431F70}"/>
               </a:ext>
             </a:extLst>
           </p:cNvPr>
@@ -38427,7 +38407,7 @@
           <p:cNvPr id="54" name="직사각형 53">
             <a:extLst>
               <a:ext uri="{FF2B5EF4-FFF2-40B4-BE49-F238E27FC236}">
-                <a16:creationId xmlns:a16="http://schemas.microsoft.com/office/drawing/2014/main" id="{3FA00699-5178-465A-9F3F-130CF1431F70}"/>
+                <a16:creationId xmlns:a16="http://schemas.microsoft.com/office/drawing/2014/main" xmlns="" id="{3FA00699-5178-465A-9F3F-130CF1431F70}"/>
               </a:ext>
             </a:extLst>
           </p:cNvPr>
@@ -38820,7 +38800,7 @@
   <a:extraClrSchemeLst/>
   <a:extLst>
     <a:ext uri="{05A4C25C-085E-4340-85A3-A5531E510DB2}">
-      <thm15:themeFamily xmlns:thm15="http://schemas.microsoft.com/office/thememl/2012/main" name="Office Theme" id="{62F939B6-93AF-4DB8-9C6B-D6C7DFDC589F}" vid="{4A3C46E8-61CC-4603-A589-7422A47A8E4A}"/>
+      <thm15:themeFamily xmlns:thm15="http://schemas.microsoft.com/office/thememl/2012/main" xmlns="" name="Office Theme" id="{62F939B6-93AF-4DB8-9C6B-D6C7DFDC589F}" vid="{4A3C46E8-61CC-4603-A589-7422A47A8E4A}"/>
     </a:ext>
   </a:extLst>
 </a:theme>
